--- a/rest-api-workshop.pptx
+++ b/rest-api-workshop.pptx
@@ -5,7 +5,7 @@
     <p:sldMasterId id="2147483648" r:id="rId1"/>
   </p:sldMasterIdLst>
   <p:notesMasterIdLst>
-    <p:notesMasterId r:id="rId13"/>
+    <p:notesMasterId r:id="rId14"/>
   </p:notesMasterIdLst>
   <p:sldIdLst>
     <p:sldId id="264" r:id="rId2"/>
@@ -19,6 +19,7 @@
     <p:sldId id="300" r:id="rId10"/>
     <p:sldId id="301" r:id="rId11"/>
     <p:sldId id="302" r:id="rId12"/>
+    <p:sldId id="304" r:id="rId13"/>
   </p:sldIdLst>
   <p:sldSz cx="12192000" cy="6858000"/>
   <p:notesSz cx="6858000" cy="9144000"/>
@@ -133,6 +134,7 @@
             <p14:sldId id="300"/>
             <p14:sldId id="301"/>
             <p14:sldId id="302"/>
+            <p14:sldId id="304"/>
           </p14:sldIdLst>
         </p14:section>
       </p14:sectionLst>
@@ -245,7 +247,7 @@
           <a:p>
             <a:fld id="{70FE56F2-0B60-44FC-AC55-491897A4F355}" type="datetimeFigureOut">
               <a:rPr lang="en-GB" smtClean="0"/>
-              <a:t>02/03/2020</a:t>
+              <a:t>12/05/2020</a:t>
             </a:fld>
             <a:endParaRPr lang="en-GB"/>
           </a:p>
@@ -662,7 +664,7 @@
           <a:p>
             <a:fld id="{4D723AB6-704A-42C8-AB51-31B091223600}" type="datetimeFigureOut">
               <a:rPr lang="en-GB" smtClean="0"/>
-              <a:t>02/03/2020</a:t>
+              <a:t>12/05/2020</a:t>
             </a:fld>
             <a:endParaRPr lang="en-GB"/>
           </a:p>
@@ -862,7 +864,7 @@
           <a:p>
             <a:fld id="{4D723AB6-704A-42C8-AB51-31B091223600}" type="datetimeFigureOut">
               <a:rPr lang="en-GB" smtClean="0"/>
-              <a:t>02/03/2020</a:t>
+              <a:t>12/05/2020</a:t>
             </a:fld>
             <a:endParaRPr lang="en-GB"/>
           </a:p>
@@ -1072,7 +1074,7 @@
           <a:p>
             <a:fld id="{4D723AB6-704A-42C8-AB51-31B091223600}" type="datetimeFigureOut">
               <a:rPr lang="en-GB" smtClean="0"/>
-              <a:t>02/03/2020</a:t>
+              <a:t>12/05/2020</a:t>
             </a:fld>
             <a:endParaRPr lang="en-GB"/>
           </a:p>
@@ -1272,7 +1274,7 @@
           <a:p>
             <a:fld id="{4D723AB6-704A-42C8-AB51-31B091223600}" type="datetimeFigureOut">
               <a:rPr lang="en-GB" smtClean="0"/>
-              <a:t>02/03/2020</a:t>
+              <a:t>12/05/2020</a:t>
             </a:fld>
             <a:endParaRPr lang="en-GB"/>
           </a:p>
@@ -1548,7 +1550,7 @@
           <a:p>
             <a:fld id="{4D723AB6-704A-42C8-AB51-31B091223600}" type="datetimeFigureOut">
               <a:rPr lang="en-GB" smtClean="0"/>
-              <a:t>02/03/2020</a:t>
+              <a:t>12/05/2020</a:t>
             </a:fld>
             <a:endParaRPr lang="en-GB"/>
           </a:p>
@@ -1816,7 +1818,7 @@
           <a:p>
             <a:fld id="{4D723AB6-704A-42C8-AB51-31B091223600}" type="datetimeFigureOut">
               <a:rPr lang="en-GB" smtClean="0"/>
-              <a:t>02/03/2020</a:t>
+              <a:t>12/05/2020</a:t>
             </a:fld>
             <a:endParaRPr lang="en-GB"/>
           </a:p>
@@ -2231,7 +2233,7 @@
           <a:p>
             <a:fld id="{4D723AB6-704A-42C8-AB51-31B091223600}" type="datetimeFigureOut">
               <a:rPr lang="en-GB" smtClean="0"/>
-              <a:t>02/03/2020</a:t>
+              <a:t>12/05/2020</a:t>
             </a:fld>
             <a:endParaRPr lang="en-GB"/>
           </a:p>
@@ -2373,7 +2375,7 @@
           <a:p>
             <a:fld id="{4D723AB6-704A-42C8-AB51-31B091223600}" type="datetimeFigureOut">
               <a:rPr lang="en-GB" smtClean="0"/>
-              <a:t>02/03/2020</a:t>
+              <a:t>12/05/2020</a:t>
             </a:fld>
             <a:endParaRPr lang="en-GB"/>
           </a:p>
@@ -2486,7 +2488,7 @@
           <a:p>
             <a:fld id="{4D723AB6-704A-42C8-AB51-31B091223600}" type="datetimeFigureOut">
               <a:rPr lang="en-GB" smtClean="0"/>
-              <a:t>02/03/2020</a:t>
+              <a:t>12/05/2020</a:t>
             </a:fld>
             <a:endParaRPr lang="en-GB"/>
           </a:p>
@@ -2799,7 +2801,7 @@
           <a:p>
             <a:fld id="{4D723AB6-704A-42C8-AB51-31B091223600}" type="datetimeFigureOut">
               <a:rPr lang="en-GB" smtClean="0"/>
-              <a:t>02/03/2020</a:t>
+              <a:t>12/05/2020</a:t>
             </a:fld>
             <a:endParaRPr lang="en-GB"/>
           </a:p>
@@ -3088,7 +3090,7 @@
           <a:p>
             <a:fld id="{4D723AB6-704A-42C8-AB51-31B091223600}" type="datetimeFigureOut">
               <a:rPr lang="en-GB" smtClean="0"/>
-              <a:t>02/03/2020</a:t>
+              <a:t>12/05/2020</a:t>
             </a:fld>
             <a:endParaRPr lang="en-GB"/>
           </a:p>
@@ -3331,7 +3333,7 @@
           <a:p>
             <a:fld id="{4D723AB6-704A-42C8-AB51-31B091223600}" type="datetimeFigureOut">
               <a:rPr lang="en-GB" smtClean="0"/>
-              <a:t>02/03/2020</a:t>
+              <a:t>12/05/2020</a:t>
             </a:fld>
             <a:endParaRPr lang="en-GB"/>
           </a:p>
@@ -4659,6 +4661,386 @@
     <p:extLst>
       <p:ext uri="{BB962C8B-B14F-4D97-AF65-F5344CB8AC3E}">
         <p14:creationId xmlns:p14="http://schemas.microsoft.com/office/powerpoint/2010/main" val="3496796182"/>
+      </p:ext>
+    </p:extLst>
+  </p:cSld>
+  <p:clrMapOvr>
+    <a:masterClrMapping/>
+  </p:clrMapOvr>
+</p:sld>
+</file>
+
+<file path=ppt/slides/slide12.xml><?xml version="1.0" encoding="utf-8"?>
+<p:sld xmlns:a="http://schemas.openxmlformats.org/drawingml/2006/main" xmlns:r="http://schemas.openxmlformats.org/officeDocument/2006/relationships" xmlns:p="http://schemas.openxmlformats.org/presentationml/2006/main">
+  <p:cSld>
+    <p:spTree>
+      <p:nvGrpSpPr>
+        <p:cNvPr id="1" name=""/>
+        <p:cNvGrpSpPr/>
+        <p:nvPr/>
+      </p:nvGrpSpPr>
+      <p:grpSpPr>
+        <a:xfrm>
+          <a:off x="0" y="0"/>
+          <a:ext cx="0" cy="0"/>
+          <a:chOff x="0" y="0"/>
+          <a:chExt cx="0" cy="0"/>
+        </a:xfrm>
+      </p:grpSpPr>
+      <p:sp>
+        <p:nvSpPr>
+          <p:cNvPr id="2" name="Title 1">
+            <a:extLst>
+              <a:ext uri="{FF2B5EF4-FFF2-40B4-BE49-F238E27FC236}">
+                <a16:creationId xmlns:a16="http://schemas.microsoft.com/office/drawing/2014/main" id="{5D7568B3-EC9A-45DD-8A17-CFE685194B65}"/>
+              </a:ext>
+            </a:extLst>
+          </p:cNvPr>
+          <p:cNvSpPr>
+            <a:spLocks noGrp="1"/>
+          </p:cNvSpPr>
+          <p:nvPr>
+            <p:ph type="title"/>
+          </p:nvPr>
+        </p:nvSpPr>
+        <p:spPr>
+          <a:xfrm>
+            <a:off x="838200" y="0"/>
+            <a:ext cx="10515600" cy="1325563"/>
+          </a:xfrm>
+          <a:solidFill>
+            <a:srgbClr val="2196F3"/>
+          </a:solidFill>
+        </p:spPr>
+        <p:txBody>
+          <a:bodyPr>
+            <a:normAutofit/>
+          </a:bodyPr>
+          <a:lstStyle/>
+          <a:p>
+            <a:pPr algn="ctr"/>
+            <a:r>
+              <a:rPr lang="en-GB" sz="6600" dirty="0">
+                <a:solidFill>
+                  <a:schemeClr val="bg1"/>
+                </a:solidFill>
+                <a:latin typeface="Segoe UI" panose="020B0502040204020203" pitchFamily="34" charset="0"/>
+                <a:cs typeface="Segoe UI" panose="020B0502040204020203" pitchFamily="34" charset="0"/>
+              </a:rPr>
+              <a:t>WP REST API &amp; AJAX</a:t>
+            </a:r>
+          </a:p>
+        </p:txBody>
+      </p:sp>
+      <p:sp>
+        <p:nvSpPr>
+          <p:cNvPr id="4" name="Content Placeholder 2">
+            <a:extLst>
+              <a:ext uri="{FF2B5EF4-FFF2-40B4-BE49-F238E27FC236}">
+                <a16:creationId xmlns:a16="http://schemas.microsoft.com/office/drawing/2014/main" id="{088CCB65-11B4-408B-9ED3-1304FE85032F}"/>
+              </a:ext>
+            </a:extLst>
+          </p:cNvPr>
+          <p:cNvSpPr>
+            <a:spLocks noGrp="1"/>
+          </p:cNvSpPr>
+          <p:nvPr>
+            <p:ph idx="1"/>
+          </p:nvPr>
+        </p:nvSpPr>
+        <p:spPr>
+          <a:xfrm>
+            <a:off x="838200" y="1325563"/>
+            <a:ext cx="10515600" cy="4919125"/>
+          </a:xfrm>
+        </p:spPr>
+        <p:txBody>
+          <a:bodyPr wrap="square" bIns="252000">
+            <a:normAutofit fontScale="85000" lnSpcReduction="20000"/>
+          </a:bodyPr>
+          <a:lstStyle/>
+          <a:p>
+            <a:endParaRPr lang="en-GB" sz="1200" dirty="0">
+              <a:latin typeface="Segoe UI" panose="020B0502040204020203" pitchFamily="34" charset="0"/>
+              <a:cs typeface="Segoe UI" panose="020B0502040204020203" pitchFamily="34" charset="0"/>
+            </a:endParaRPr>
+          </a:p>
+          <a:p>
+            <a:pPr marL="457200" lvl="1" indent="0">
+              <a:buNone/>
+            </a:pPr>
+            <a:r>
+              <a:rPr lang="en-GB" sz="4800" b="1" dirty="0">
+                <a:solidFill>
+                  <a:srgbClr val="2196F3"/>
+                </a:solidFill>
+                <a:latin typeface="Segoe UI" panose="020B0502040204020203" pitchFamily="34" charset="0"/>
+                <a:cs typeface="Segoe UI" panose="020B0502040204020203" pitchFamily="34" charset="0"/>
+              </a:rPr>
+              <a:t>WORKSHOP: REST API and AJAX </a:t>
+            </a:r>
+          </a:p>
+          <a:p>
+            <a:pPr marL="457200" lvl="1" indent="0">
+              <a:buNone/>
+            </a:pPr>
+            <a:endParaRPr lang="en-GB" sz="1100" dirty="0">
+              <a:solidFill>
+                <a:srgbClr val="2196F3"/>
+              </a:solidFill>
+              <a:latin typeface="Segoe UI" panose="020B0502040204020203" pitchFamily="34" charset="0"/>
+              <a:cs typeface="Segoe UI" panose="020B0502040204020203" pitchFamily="34" charset="0"/>
+            </a:endParaRPr>
+          </a:p>
+          <a:p>
+            <a:pPr marL="457200" lvl="1" indent="0">
+              <a:buNone/>
+            </a:pPr>
+            <a:r>
+              <a:rPr lang="en-GB" sz="4800" dirty="0">
+                <a:solidFill>
+                  <a:srgbClr val="2196F3"/>
+                </a:solidFill>
+                <a:latin typeface="Segoe UI" panose="020B0502040204020203" pitchFamily="34" charset="0"/>
+                <a:cs typeface="Segoe UI" panose="020B0502040204020203" pitchFamily="34" charset="0"/>
+              </a:rPr>
+              <a:t>Craig West</a:t>
+            </a:r>
+          </a:p>
+          <a:p>
+            <a:pPr marL="457200" lvl="1" indent="0">
+              <a:buNone/>
+            </a:pPr>
+            <a:endParaRPr lang="en-GB" sz="1100" dirty="0">
+              <a:solidFill>
+                <a:srgbClr val="2196F3"/>
+              </a:solidFill>
+              <a:latin typeface="Segoe UI" panose="020B0502040204020203" pitchFamily="34" charset="0"/>
+              <a:cs typeface="Segoe UI" panose="020B0502040204020203" pitchFamily="34" charset="0"/>
+            </a:endParaRPr>
+          </a:p>
+          <a:p>
+            <a:pPr marL="457200" lvl="1" indent="0">
+              <a:buNone/>
+            </a:pPr>
+            <a:r>
+              <a:rPr lang="en-GB" sz="4000" dirty="0">
+                <a:solidFill>
+                  <a:srgbClr val="2196F3"/>
+                </a:solidFill>
+                <a:latin typeface="Segoe UI" panose="020B0502040204020203" pitchFamily="34" charset="0"/>
+                <a:cs typeface="Segoe UI" panose="020B0502040204020203" pitchFamily="34" charset="0"/>
+              </a:rPr>
+              <a:t>Feel free to contact me: </a:t>
+            </a:r>
+            <a:r>
+              <a:rPr lang="en-GB" sz="4000" b="1" dirty="0">
+                <a:solidFill>
+                  <a:srgbClr val="FFC000"/>
+                </a:solidFill>
+                <a:latin typeface="Segoe UI" panose="020B0502040204020203" pitchFamily="34" charset="0"/>
+                <a:cs typeface="Segoe UI" panose="020B0502040204020203" pitchFamily="34" charset="0"/>
+                <a:hlinkClick r:id="rId2"/>
+              </a:rPr>
+              <a:t>craig@wpjs.co.uk</a:t>
+            </a:r>
+            <a:endParaRPr lang="en-GB" sz="4000" b="1" dirty="0">
+              <a:solidFill>
+                <a:srgbClr val="FFC000"/>
+              </a:solidFill>
+              <a:latin typeface="Segoe UI" panose="020B0502040204020203" pitchFamily="34" charset="0"/>
+              <a:cs typeface="Segoe UI" panose="020B0502040204020203" pitchFamily="34" charset="0"/>
+            </a:endParaRPr>
+          </a:p>
+          <a:p>
+            <a:pPr marL="457200" lvl="1" indent="0">
+              <a:buNone/>
+            </a:pPr>
+            <a:endParaRPr lang="en-GB" sz="4000" b="1" dirty="0">
+              <a:solidFill>
+                <a:srgbClr val="FFC000"/>
+              </a:solidFill>
+              <a:latin typeface="Segoe UI" panose="020B0502040204020203" pitchFamily="34" charset="0"/>
+              <a:cs typeface="Segoe UI" panose="020B0502040204020203" pitchFamily="34" charset="0"/>
+            </a:endParaRPr>
+          </a:p>
+          <a:p>
+            <a:pPr marL="457200" lvl="1" indent="0">
+              <a:buNone/>
+            </a:pPr>
+            <a:endParaRPr lang="en-GB" sz="300" dirty="0">
+              <a:solidFill>
+                <a:srgbClr val="2196F3"/>
+              </a:solidFill>
+              <a:latin typeface="Segoe UI" panose="020B0502040204020203" pitchFamily="34" charset="0"/>
+              <a:cs typeface="Segoe UI" panose="020B0502040204020203" pitchFamily="34" charset="0"/>
+            </a:endParaRPr>
+          </a:p>
+          <a:p>
+            <a:pPr marL="457200" lvl="1" indent="0">
+              <a:buNone/>
+            </a:pPr>
+            <a:r>
+              <a:rPr lang="en-GB" b="1" dirty="0">
+                <a:solidFill>
+                  <a:srgbClr val="2196F3"/>
+                </a:solidFill>
+                <a:latin typeface="Segoe UI" panose="020B0502040204020203" pitchFamily="34" charset="0"/>
+                <a:cs typeface="Segoe UI" panose="020B0502040204020203" pitchFamily="34" charset="0"/>
+              </a:rPr>
+              <a:t>RESOURCE PACK:</a:t>
+            </a:r>
+          </a:p>
+          <a:p>
+            <a:pPr marL="457200" lvl="1" indent="0">
+              <a:buNone/>
+            </a:pPr>
+            <a:endParaRPr lang="en-GB" sz="200" b="1" dirty="0">
+              <a:solidFill>
+                <a:srgbClr val="2196F3"/>
+              </a:solidFill>
+              <a:latin typeface="Segoe UI" panose="020B0502040204020203" pitchFamily="34" charset="0"/>
+              <a:cs typeface="Segoe UI" panose="020B0502040204020203" pitchFamily="34" charset="0"/>
+            </a:endParaRPr>
+          </a:p>
+          <a:p>
+            <a:pPr lvl="1"/>
+            <a:r>
+              <a:rPr lang="en-GB" u="sng" dirty="0">
+                <a:hlinkClick r:id="rId3"/>
+              </a:rPr>
+              <a:t>https://www.wpjs.co.uk/london.zip</a:t>
+            </a:r>
+            <a:endParaRPr lang="en-GB" sz="1600" dirty="0"/>
+          </a:p>
+          <a:p>
+            <a:pPr lvl="1"/>
+            <a:r>
+              <a:rPr lang="en-GB" u="sng" dirty="0">
+                <a:hlinkClick r:id="rId4"/>
+              </a:rPr>
+              <a:t>https://github.com/iwswordpress/LONDON</a:t>
+            </a:r>
+            <a:endParaRPr lang="en-GB" sz="1600" dirty="0"/>
+          </a:p>
+          <a:p>
+            <a:pPr marL="457200" lvl="1" indent="0">
+              <a:buNone/>
+            </a:pPr>
+            <a:endParaRPr lang="en-GB" sz="1100" b="1" dirty="0">
+              <a:solidFill>
+                <a:srgbClr val="2196F3"/>
+              </a:solidFill>
+              <a:latin typeface="Segoe UI" panose="020B0502040204020203" pitchFamily="34" charset="0"/>
+              <a:cs typeface="Segoe UI" panose="020B0502040204020203" pitchFamily="34" charset="0"/>
+            </a:endParaRPr>
+          </a:p>
+          <a:p>
+            <a:pPr lvl="1"/>
+            <a:r>
+              <a:rPr lang="en-GB" dirty="0">
+                <a:solidFill>
+                  <a:srgbClr val="2196F3"/>
+                </a:solidFill>
+                <a:latin typeface="Segoe UI" panose="020B0502040204020203" pitchFamily="34" charset="0"/>
+                <a:cs typeface="Segoe UI" panose="020B0502040204020203" pitchFamily="34" charset="0"/>
+              </a:rPr>
+              <a:t>Course files</a:t>
+            </a:r>
+          </a:p>
+          <a:p>
+            <a:pPr lvl="1"/>
+            <a:r>
+              <a:rPr lang="en-GB" dirty="0">
+                <a:solidFill>
+                  <a:srgbClr val="2196F3"/>
+                </a:solidFill>
+                <a:latin typeface="Segoe UI" panose="020B0502040204020203" pitchFamily="34" charset="0"/>
+                <a:cs typeface="Segoe UI" panose="020B0502040204020203" pitchFamily="34" charset="0"/>
+              </a:rPr>
+              <a:t>Slides </a:t>
+            </a:r>
+          </a:p>
+          <a:p>
+            <a:pPr lvl="1"/>
+            <a:r>
+              <a:rPr lang="en-GB" dirty="0">
+                <a:solidFill>
+                  <a:srgbClr val="2196F3"/>
+                </a:solidFill>
+                <a:latin typeface="Segoe UI" panose="020B0502040204020203" pitchFamily="34" charset="0"/>
+                <a:cs typeface="Segoe UI" panose="020B0502040204020203" pitchFamily="34" charset="0"/>
+              </a:rPr>
+              <a:t>Handbook</a:t>
+            </a:r>
+          </a:p>
+          <a:p>
+            <a:pPr lvl="1"/>
+            <a:r>
+              <a:rPr lang="en-GB" dirty="0">
+                <a:solidFill>
+                  <a:srgbClr val="2196F3"/>
+                </a:solidFill>
+                <a:latin typeface="Segoe UI" panose="020B0502040204020203" pitchFamily="34" charset="0"/>
+                <a:cs typeface="Segoe UI" panose="020B0502040204020203" pitchFamily="34" charset="0"/>
+              </a:rPr>
+              <a:t>FREE coupon to my Udemy course</a:t>
+            </a:r>
+          </a:p>
+          <a:p>
+            <a:pPr marL="457200" lvl="1" indent="0">
+              <a:buNone/>
+            </a:pPr>
+            <a:endParaRPr lang="en-GB" sz="6700" dirty="0">
+              <a:solidFill>
+                <a:srgbClr val="2196F3"/>
+              </a:solidFill>
+              <a:latin typeface="Segoe UI" panose="020B0502040204020203" pitchFamily="34" charset="0"/>
+              <a:cs typeface="Segoe UI" panose="020B0502040204020203" pitchFamily="34" charset="0"/>
+            </a:endParaRPr>
+          </a:p>
+          <a:p>
+            <a:pPr marL="457200" lvl="1" indent="0">
+              <a:buNone/>
+            </a:pPr>
+            <a:endParaRPr lang="en-GB" sz="6700" dirty="0">
+              <a:solidFill>
+                <a:srgbClr val="2196F3"/>
+              </a:solidFill>
+              <a:latin typeface="Segoe UI" panose="020B0502040204020203" pitchFamily="34" charset="0"/>
+              <a:cs typeface="Segoe UI" panose="020B0502040204020203" pitchFamily="34" charset="0"/>
+            </a:endParaRPr>
+          </a:p>
+          <a:p>
+            <a:pPr marL="457200" lvl="1" indent="0">
+              <a:buNone/>
+            </a:pPr>
+            <a:endParaRPr lang="en-GB" sz="6700" dirty="0">
+              <a:latin typeface="Segoe UI" panose="020B0502040204020203" pitchFamily="34" charset="0"/>
+              <a:cs typeface="Segoe UI" panose="020B0502040204020203" pitchFamily="34" charset="0"/>
+            </a:endParaRPr>
+          </a:p>
+          <a:p>
+            <a:pPr marL="0" indent="0">
+              <a:buNone/>
+            </a:pPr>
+            <a:endParaRPr lang="en-GB" dirty="0">
+              <a:latin typeface="Segoe UI" panose="020B0502040204020203" pitchFamily="34" charset="0"/>
+              <a:cs typeface="Segoe UI" panose="020B0502040204020203" pitchFamily="34" charset="0"/>
+            </a:endParaRPr>
+          </a:p>
+          <a:p>
+            <a:endParaRPr lang="en-GB" dirty="0">
+              <a:latin typeface="Segoe UI" panose="020B0502040204020203" pitchFamily="34" charset="0"/>
+              <a:cs typeface="Segoe UI" panose="020B0502040204020203" pitchFamily="34" charset="0"/>
+            </a:endParaRPr>
+          </a:p>
+        </p:txBody>
+      </p:sp>
+    </p:spTree>
+    <p:extLst>
+      <p:ext uri="{BB962C8B-B14F-4D97-AF65-F5344CB8AC3E}">
+        <p14:creationId xmlns:p14="http://schemas.microsoft.com/office/powerpoint/2010/main" val="3383767616"/>
       </p:ext>
     </p:extLst>
   </p:cSld>

--- a/rest-api-workshop.pptx
+++ b/rest-api-workshop.pptx
@@ -9,7 +9,7 @@
   </p:notesMasterIdLst>
   <p:sldIdLst>
     <p:sldId id="264" r:id="rId2"/>
-    <p:sldId id="269" r:id="rId3"/>
+    <p:sldId id="305" r:id="rId3"/>
     <p:sldId id="296" r:id="rId4"/>
     <p:sldId id="303" r:id="rId5"/>
     <p:sldId id="294" r:id="rId6"/>
@@ -124,7 +124,7 @@
         <p14:section name="Untitled Section" id="{83089785-02FD-4019-B97A-DDFCEAF7B530}">
           <p14:sldIdLst>
             <p14:sldId id="264"/>
-            <p14:sldId id="269"/>
+            <p14:sldId id="305"/>
             <p14:sldId id="296"/>
             <p14:sldId id="303"/>
             <p14:sldId id="294"/>
@@ -247,7 +247,7 @@
           <a:p>
             <a:fld id="{70FE56F2-0B60-44FC-AC55-491897A4F355}" type="datetimeFigureOut">
               <a:rPr lang="en-GB" smtClean="0"/>
-              <a:t>12/05/2020</a:t>
+              <a:t>17/05/2020</a:t>
             </a:fld>
             <a:endParaRPr lang="en-GB"/>
           </a:p>
@@ -664,7 +664,7 @@
           <a:p>
             <a:fld id="{4D723AB6-704A-42C8-AB51-31B091223600}" type="datetimeFigureOut">
               <a:rPr lang="en-GB" smtClean="0"/>
-              <a:t>12/05/2020</a:t>
+              <a:t>17/05/2020</a:t>
             </a:fld>
             <a:endParaRPr lang="en-GB"/>
           </a:p>
@@ -864,7 +864,7 @@
           <a:p>
             <a:fld id="{4D723AB6-704A-42C8-AB51-31B091223600}" type="datetimeFigureOut">
               <a:rPr lang="en-GB" smtClean="0"/>
-              <a:t>12/05/2020</a:t>
+              <a:t>17/05/2020</a:t>
             </a:fld>
             <a:endParaRPr lang="en-GB"/>
           </a:p>
@@ -1074,7 +1074,7 @@
           <a:p>
             <a:fld id="{4D723AB6-704A-42C8-AB51-31B091223600}" type="datetimeFigureOut">
               <a:rPr lang="en-GB" smtClean="0"/>
-              <a:t>12/05/2020</a:t>
+              <a:t>17/05/2020</a:t>
             </a:fld>
             <a:endParaRPr lang="en-GB"/>
           </a:p>
@@ -1274,7 +1274,7 @@
           <a:p>
             <a:fld id="{4D723AB6-704A-42C8-AB51-31B091223600}" type="datetimeFigureOut">
               <a:rPr lang="en-GB" smtClean="0"/>
-              <a:t>12/05/2020</a:t>
+              <a:t>17/05/2020</a:t>
             </a:fld>
             <a:endParaRPr lang="en-GB"/>
           </a:p>
@@ -1550,7 +1550,7 @@
           <a:p>
             <a:fld id="{4D723AB6-704A-42C8-AB51-31B091223600}" type="datetimeFigureOut">
               <a:rPr lang="en-GB" smtClean="0"/>
-              <a:t>12/05/2020</a:t>
+              <a:t>17/05/2020</a:t>
             </a:fld>
             <a:endParaRPr lang="en-GB"/>
           </a:p>
@@ -1818,7 +1818,7 @@
           <a:p>
             <a:fld id="{4D723AB6-704A-42C8-AB51-31B091223600}" type="datetimeFigureOut">
               <a:rPr lang="en-GB" smtClean="0"/>
-              <a:t>12/05/2020</a:t>
+              <a:t>17/05/2020</a:t>
             </a:fld>
             <a:endParaRPr lang="en-GB"/>
           </a:p>
@@ -2233,7 +2233,7 @@
           <a:p>
             <a:fld id="{4D723AB6-704A-42C8-AB51-31B091223600}" type="datetimeFigureOut">
               <a:rPr lang="en-GB" smtClean="0"/>
-              <a:t>12/05/2020</a:t>
+              <a:t>17/05/2020</a:t>
             </a:fld>
             <a:endParaRPr lang="en-GB"/>
           </a:p>
@@ -2375,7 +2375,7 @@
           <a:p>
             <a:fld id="{4D723AB6-704A-42C8-AB51-31B091223600}" type="datetimeFigureOut">
               <a:rPr lang="en-GB" smtClean="0"/>
-              <a:t>12/05/2020</a:t>
+              <a:t>17/05/2020</a:t>
             </a:fld>
             <a:endParaRPr lang="en-GB"/>
           </a:p>
@@ -2488,7 +2488,7 @@
           <a:p>
             <a:fld id="{4D723AB6-704A-42C8-AB51-31B091223600}" type="datetimeFigureOut">
               <a:rPr lang="en-GB" smtClean="0"/>
-              <a:t>12/05/2020</a:t>
+              <a:t>17/05/2020</a:t>
             </a:fld>
             <a:endParaRPr lang="en-GB"/>
           </a:p>
@@ -2801,7 +2801,7 @@
           <a:p>
             <a:fld id="{4D723AB6-704A-42C8-AB51-31B091223600}" type="datetimeFigureOut">
               <a:rPr lang="en-GB" smtClean="0"/>
-              <a:t>12/05/2020</a:t>
+              <a:t>17/05/2020</a:t>
             </a:fld>
             <a:endParaRPr lang="en-GB"/>
           </a:p>
@@ -3090,7 +3090,7 @@
           <a:p>
             <a:fld id="{4D723AB6-704A-42C8-AB51-31B091223600}" type="datetimeFigureOut">
               <a:rPr lang="en-GB" smtClean="0"/>
-              <a:t>12/05/2020</a:t>
+              <a:t>17/05/2020</a:t>
             </a:fld>
             <a:endParaRPr lang="en-GB"/>
           </a:p>
@@ -3333,7 +3333,7 @@
           <a:p>
             <a:fld id="{4D723AB6-704A-42C8-AB51-31B091223600}" type="datetimeFigureOut">
               <a:rPr lang="en-GB" smtClean="0"/>
-              <a:t>12/05/2020</a:t>
+              <a:t>17/05/2020</a:t>
             </a:fld>
             <a:endParaRPr lang="en-GB"/>
           </a:p>
@@ -4909,17 +4909,15 @@
               <a:rPr lang="en-GB" u="sng" dirty="0">
                 <a:hlinkClick r:id="rId3"/>
               </a:rPr>
-              <a:t>https://www.wpjs.co.uk/london.zip</a:t>
+              <a:t>https://www.wpjs.co.uk/rest.zip</a:t>
             </a:r>
             <a:endParaRPr lang="en-GB" sz="1600" dirty="0"/>
           </a:p>
           <a:p>
             <a:pPr lvl="1"/>
             <a:r>
-              <a:rPr lang="en-GB" u="sng" dirty="0">
-                <a:hlinkClick r:id="rId4"/>
-              </a:rPr>
-              <a:t>https://github.com/iwswordpress/LONDON</a:t>
+              <a:rPr lang="en-GB" u="sng" dirty="0"/>
+              <a:t>https://github.com/iwswordpress/rest</a:t>
             </a:r>
             <a:endParaRPr lang="en-GB" sz="1600" dirty="0"/>
           </a:p>
@@ -4972,19 +4970,6 @@
                 <a:cs typeface="Segoe UI" panose="020B0502040204020203" pitchFamily="34" charset="0"/>
               </a:rPr>
               <a:t>Handbook</a:t>
-            </a:r>
-          </a:p>
-          <a:p>
-            <a:pPr lvl="1"/>
-            <a:r>
-              <a:rPr lang="en-GB" dirty="0">
-                <a:solidFill>
-                  <a:srgbClr val="2196F3"/>
-                </a:solidFill>
-                <a:latin typeface="Segoe UI" panose="020B0502040204020203" pitchFamily="34" charset="0"/>
-                <a:cs typeface="Segoe UI" panose="020B0502040204020203" pitchFamily="34" charset="0"/>
-              </a:rPr>
-              <a:t>FREE coupon to my Udemy course</a:t>
             </a:r>
           </a:p>
           <a:p>
@@ -5544,7 +5529,7 @@
         </p:blipFill>
         <p:spPr bwMode="auto">
           <a:xfrm>
-            <a:off x="8303598" y="4132270"/>
+            <a:off x="8320957" y="4122993"/>
             <a:ext cx="3525929" cy="2367777"/>
           </a:xfrm>
           <a:prstGeom prst="rect">
@@ -5730,10 +5715,97 @@
           </a:p>
         </p:txBody>
       </p:sp>
+      <p:cxnSp>
+        <p:nvCxnSpPr>
+          <p:cNvPr id="9" name="Straight Arrow Connector 8">
+            <a:extLst>
+              <a:ext uri="{FF2B5EF4-FFF2-40B4-BE49-F238E27FC236}">
+                <a16:creationId xmlns:a16="http://schemas.microsoft.com/office/drawing/2014/main" id="{CF93C976-3C1F-4C74-9D39-90DABBE18BB7}"/>
+              </a:ext>
+            </a:extLst>
+          </p:cNvPr>
+          <p:cNvCxnSpPr>
+            <a:cxnSpLocks/>
+          </p:cNvCxnSpPr>
+          <p:nvPr/>
+        </p:nvCxnSpPr>
+        <p:spPr>
+          <a:xfrm flipH="1" flipV="1">
+            <a:off x="8672218" y="4142117"/>
+            <a:ext cx="682807" cy="748283"/>
+          </a:xfrm>
+          <a:prstGeom prst="straightConnector1">
+            <a:avLst/>
+          </a:prstGeom>
+          <a:ln w="50800">
+            <a:solidFill>
+              <a:schemeClr val="bg1"/>
+            </a:solidFill>
+            <a:tailEnd type="triangle"/>
+          </a:ln>
+        </p:spPr>
+        <p:style>
+          <a:lnRef idx="3">
+            <a:schemeClr val="accent1"/>
+          </a:lnRef>
+          <a:fillRef idx="0">
+            <a:schemeClr val="accent1"/>
+          </a:fillRef>
+          <a:effectRef idx="2">
+            <a:schemeClr val="accent1"/>
+          </a:effectRef>
+          <a:fontRef idx="minor">
+            <a:schemeClr val="tx1"/>
+          </a:fontRef>
+        </p:style>
+      </p:cxnSp>
+      <p:sp>
+        <p:nvSpPr>
+          <p:cNvPr id="10" name="TextBox 9">
+            <a:extLst>
+              <a:ext uri="{FF2B5EF4-FFF2-40B4-BE49-F238E27FC236}">
+                <a16:creationId xmlns:a16="http://schemas.microsoft.com/office/drawing/2014/main" id="{C6D2AB8D-F566-4A3A-ABB8-05B92FD0E743}"/>
+              </a:ext>
+            </a:extLst>
+          </p:cNvPr>
+          <p:cNvSpPr txBox="1"/>
+          <p:nvPr/>
+        </p:nvSpPr>
+        <p:spPr>
+          <a:xfrm>
+            <a:off x="8066040" y="5058423"/>
+            <a:ext cx="1845578" cy="369332"/>
+          </a:xfrm>
+          <a:prstGeom prst="rect">
+            <a:avLst/>
+          </a:prstGeom>
+          <a:noFill/>
+        </p:spPr>
+        <p:txBody>
+          <a:bodyPr wrap="square" rtlCol="0">
+            <a:spAutoFit/>
+          </a:bodyPr>
+          <a:lstStyle/>
+          <a:p>
+            <a:pPr algn="ctr"/>
+            <a:r>
+              <a:rPr lang="en-GB" dirty="0">
+                <a:solidFill>
+                  <a:schemeClr val="bg1"/>
+                </a:solidFill>
+                <a:highlight>
+                  <a:srgbClr val="0000FF"/>
+                </a:highlight>
+              </a:rPr>
+              <a:t>15 min walk</a:t>
+            </a:r>
+          </a:p>
+        </p:txBody>
+      </p:sp>
     </p:spTree>
     <p:extLst>
       <p:ext uri="{BB962C8B-B14F-4D97-AF65-F5344CB8AC3E}">
-        <p14:creationId xmlns:p14="http://schemas.microsoft.com/office/powerpoint/2010/main" val="2449607764"/>
+        <p14:creationId xmlns:p14="http://schemas.microsoft.com/office/powerpoint/2010/main" val="138352021"/>
       </p:ext>
     </p:extLst>
   </p:cSld>

--- a/rest-api-workshop.pptx
+++ b/rest-api-workshop.pptx
@@ -5,11 +5,11 @@
     <p:sldMasterId id="2147483648" r:id="rId1"/>
   </p:sldMasterIdLst>
   <p:notesMasterIdLst>
-    <p:notesMasterId r:id="rId14"/>
+    <p:notesMasterId r:id="rId13"/>
   </p:notesMasterIdLst>
   <p:sldIdLst>
     <p:sldId id="264" r:id="rId2"/>
-    <p:sldId id="305" r:id="rId3"/>
+    <p:sldId id="269" r:id="rId3"/>
     <p:sldId id="296" r:id="rId4"/>
     <p:sldId id="303" r:id="rId5"/>
     <p:sldId id="294" r:id="rId6"/>
@@ -19,7 +19,6 @@
     <p:sldId id="300" r:id="rId10"/>
     <p:sldId id="301" r:id="rId11"/>
     <p:sldId id="302" r:id="rId12"/>
-    <p:sldId id="304" r:id="rId13"/>
   </p:sldIdLst>
   <p:sldSz cx="12192000" cy="6858000"/>
   <p:notesSz cx="6858000" cy="9144000"/>
@@ -124,7 +123,7 @@
         <p14:section name="Untitled Section" id="{83089785-02FD-4019-B97A-DDFCEAF7B530}">
           <p14:sldIdLst>
             <p14:sldId id="264"/>
-            <p14:sldId id="305"/>
+            <p14:sldId id="269"/>
             <p14:sldId id="296"/>
             <p14:sldId id="303"/>
             <p14:sldId id="294"/>
@@ -134,7 +133,6 @@
             <p14:sldId id="300"/>
             <p14:sldId id="301"/>
             <p14:sldId id="302"/>
-            <p14:sldId id="304"/>
           </p14:sldIdLst>
         </p14:section>
       </p14:sectionLst>
@@ -247,7 +245,7 @@
           <a:p>
             <a:fld id="{70FE56F2-0B60-44FC-AC55-491897A4F355}" type="datetimeFigureOut">
               <a:rPr lang="en-GB" smtClean="0"/>
-              <a:t>17/05/2020</a:t>
+              <a:t>02/03/2020</a:t>
             </a:fld>
             <a:endParaRPr lang="en-GB"/>
           </a:p>
@@ -664,7 +662,7 @@
           <a:p>
             <a:fld id="{4D723AB6-704A-42C8-AB51-31B091223600}" type="datetimeFigureOut">
               <a:rPr lang="en-GB" smtClean="0"/>
-              <a:t>17/05/2020</a:t>
+              <a:t>02/03/2020</a:t>
             </a:fld>
             <a:endParaRPr lang="en-GB"/>
           </a:p>
@@ -864,7 +862,7 @@
           <a:p>
             <a:fld id="{4D723AB6-704A-42C8-AB51-31B091223600}" type="datetimeFigureOut">
               <a:rPr lang="en-GB" smtClean="0"/>
-              <a:t>17/05/2020</a:t>
+              <a:t>02/03/2020</a:t>
             </a:fld>
             <a:endParaRPr lang="en-GB"/>
           </a:p>
@@ -1074,7 +1072,7 @@
           <a:p>
             <a:fld id="{4D723AB6-704A-42C8-AB51-31B091223600}" type="datetimeFigureOut">
               <a:rPr lang="en-GB" smtClean="0"/>
-              <a:t>17/05/2020</a:t>
+              <a:t>02/03/2020</a:t>
             </a:fld>
             <a:endParaRPr lang="en-GB"/>
           </a:p>
@@ -1274,7 +1272,7 @@
           <a:p>
             <a:fld id="{4D723AB6-704A-42C8-AB51-31B091223600}" type="datetimeFigureOut">
               <a:rPr lang="en-GB" smtClean="0"/>
-              <a:t>17/05/2020</a:t>
+              <a:t>02/03/2020</a:t>
             </a:fld>
             <a:endParaRPr lang="en-GB"/>
           </a:p>
@@ -1550,7 +1548,7 @@
           <a:p>
             <a:fld id="{4D723AB6-704A-42C8-AB51-31B091223600}" type="datetimeFigureOut">
               <a:rPr lang="en-GB" smtClean="0"/>
-              <a:t>17/05/2020</a:t>
+              <a:t>02/03/2020</a:t>
             </a:fld>
             <a:endParaRPr lang="en-GB"/>
           </a:p>
@@ -1818,7 +1816,7 @@
           <a:p>
             <a:fld id="{4D723AB6-704A-42C8-AB51-31B091223600}" type="datetimeFigureOut">
               <a:rPr lang="en-GB" smtClean="0"/>
-              <a:t>17/05/2020</a:t>
+              <a:t>02/03/2020</a:t>
             </a:fld>
             <a:endParaRPr lang="en-GB"/>
           </a:p>
@@ -2233,7 +2231,7 @@
           <a:p>
             <a:fld id="{4D723AB6-704A-42C8-AB51-31B091223600}" type="datetimeFigureOut">
               <a:rPr lang="en-GB" smtClean="0"/>
-              <a:t>17/05/2020</a:t>
+              <a:t>02/03/2020</a:t>
             </a:fld>
             <a:endParaRPr lang="en-GB"/>
           </a:p>
@@ -2375,7 +2373,7 @@
           <a:p>
             <a:fld id="{4D723AB6-704A-42C8-AB51-31B091223600}" type="datetimeFigureOut">
               <a:rPr lang="en-GB" smtClean="0"/>
-              <a:t>17/05/2020</a:t>
+              <a:t>02/03/2020</a:t>
             </a:fld>
             <a:endParaRPr lang="en-GB"/>
           </a:p>
@@ -2488,7 +2486,7 @@
           <a:p>
             <a:fld id="{4D723AB6-704A-42C8-AB51-31B091223600}" type="datetimeFigureOut">
               <a:rPr lang="en-GB" smtClean="0"/>
-              <a:t>17/05/2020</a:t>
+              <a:t>02/03/2020</a:t>
             </a:fld>
             <a:endParaRPr lang="en-GB"/>
           </a:p>
@@ -2801,7 +2799,7 @@
           <a:p>
             <a:fld id="{4D723AB6-704A-42C8-AB51-31B091223600}" type="datetimeFigureOut">
               <a:rPr lang="en-GB" smtClean="0"/>
-              <a:t>17/05/2020</a:t>
+              <a:t>02/03/2020</a:t>
             </a:fld>
             <a:endParaRPr lang="en-GB"/>
           </a:p>
@@ -3090,7 +3088,7 @@
           <a:p>
             <a:fld id="{4D723AB6-704A-42C8-AB51-31B091223600}" type="datetimeFigureOut">
               <a:rPr lang="en-GB" smtClean="0"/>
-              <a:t>17/05/2020</a:t>
+              <a:t>02/03/2020</a:t>
             </a:fld>
             <a:endParaRPr lang="en-GB"/>
           </a:p>
@@ -3333,7 +3331,7 @@
           <a:p>
             <a:fld id="{4D723AB6-704A-42C8-AB51-31B091223600}" type="datetimeFigureOut">
               <a:rPr lang="en-GB" smtClean="0"/>
-              <a:t>17/05/2020</a:t>
+              <a:t>02/03/2020</a:t>
             </a:fld>
             <a:endParaRPr lang="en-GB"/>
           </a:p>
@@ -4670,371 +4668,6 @@
 </p:sld>
 </file>
 
-<file path=ppt/slides/slide12.xml><?xml version="1.0" encoding="utf-8"?>
-<p:sld xmlns:a="http://schemas.openxmlformats.org/drawingml/2006/main" xmlns:r="http://schemas.openxmlformats.org/officeDocument/2006/relationships" xmlns:p="http://schemas.openxmlformats.org/presentationml/2006/main">
-  <p:cSld>
-    <p:spTree>
-      <p:nvGrpSpPr>
-        <p:cNvPr id="1" name=""/>
-        <p:cNvGrpSpPr/>
-        <p:nvPr/>
-      </p:nvGrpSpPr>
-      <p:grpSpPr>
-        <a:xfrm>
-          <a:off x="0" y="0"/>
-          <a:ext cx="0" cy="0"/>
-          <a:chOff x="0" y="0"/>
-          <a:chExt cx="0" cy="0"/>
-        </a:xfrm>
-      </p:grpSpPr>
-      <p:sp>
-        <p:nvSpPr>
-          <p:cNvPr id="2" name="Title 1">
-            <a:extLst>
-              <a:ext uri="{FF2B5EF4-FFF2-40B4-BE49-F238E27FC236}">
-                <a16:creationId xmlns:a16="http://schemas.microsoft.com/office/drawing/2014/main" id="{5D7568B3-EC9A-45DD-8A17-CFE685194B65}"/>
-              </a:ext>
-            </a:extLst>
-          </p:cNvPr>
-          <p:cNvSpPr>
-            <a:spLocks noGrp="1"/>
-          </p:cNvSpPr>
-          <p:nvPr>
-            <p:ph type="title"/>
-          </p:nvPr>
-        </p:nvSpPr>
-        <p:spPr>
-          <a:xfrm>
-            <a:off x="838200" y="0"/>
-            <a:ext cx="10515600" cy="1325563"/>
-          </a:xfrm>
-          <a:solidFill>
-            <a:srgbClr val="2196F3"/>
-          </a:solidFill>
-        </p:spPr>
-        <p:txBody>
-          <a:bodyPr>
-            <a:normAutofit/>
-          </a:bodyPr>
-          <a:lstStyle/>
-          <a:p>
-            <a:pPr algn="ctr"/>
-            <a:r>
-              <a:rPr lang="en-GB" sz="6600" dirty="0">
-                <a:solidFill>
-                  <a:schemeClr val="bg1"/>
-                </a:solidFill>
-                <a:latin typeface="Segoe UI" panose="020B0502040204020203" pitchFamily="34" charset="0"/>
-                <a:cs typeface="Segoe UI" panose="020B0502040204020203" pitchFamily="34" charset="0"/>
-              </a:rPr>
-              <a:t>WP REST API &amp; AJAX</a:t>
-            </a:r>
-          </a:p>
-        </p:txBody>
-      </p:sp>
-      <p:sp>
-        <p:nvSpPr>
-          <p:cNvPr id="4" name="Content Placeholder 2">
-            <a:extLst>
-              <a:ext uri="{FF2B5EF4-FFF2-40B4-BE49-F238E27FC236}">
-                <a16:creationId xmlns:a16="http://schemas.microsoft.com/office/drawing/2014/main" id="{088CCB65-11B4-408B-9ED3-1304FE85032F}"/>
-              </a:ext>
-            </a:extLst>
-          </p:cNvPr>
-          <p:cNvSpPr>
-            <a:spLocks noGrp="1"/>
-          </p:cNvSpPr>
-          <p:nvPr>
-            <p:ph idx="1"/>
-          </p:nvPr>
-        </p:nvSpPr>
-        <p:spPr>
-          <a:xfrm>
-            <a:off x="838200" y="1325563"/>
-            <a:ext cx="10515600" cy="4919125"/>
-          </a:xfrm>
-        </p:spPr>
-        <p:txBody>
-          <a:bodyPr wrap="square" bIns="252000">
-            <a:normAutofit fontScale="85000" lnSpcReduction="20000"/>
-          </a:bodyPr>
-          <a:lstStyle/>
-          <a:p>
-            <a:endParaRPr lang="en-GB" sz="1200" dirty="0">
-              <a:latin typeface="Segoe UI" panose="020B0502040204020203" pitchFamily="34" charset="0"/>
-              <a:cs typeface="Segoe UI" panose="020B0502040204020203" pitchFamily="34" charset="0"/>
-            </a:endParaRPr>
-          </a:p>
-          <a:p>
-            <a:pPr marL="457200" lvl="1" indent="0">
-              <a:buNone/>
-            </a:pPr>
-            <a:r>
-              <a:rPr lang="en-GB" sz="4800" b="1" dirty="0">
-                <a:solidFill>
-                  <a:srgbClr val="2196F3"/>
-                </a:solidFill>
-                <a:latin typeface="Segoe UI" panose="020B0502040204020203" pitchFamily="34" charset="0"/>
-                <a:cs typeface="Segoe UI" panose="020B0502040204020203" pitchFamily="34" charset="0"/>
-              </a:rPr>
-              <a:t>WORKSHOP: REST API and AJAX </a:t>
-            </a:r>
-          </a:p>
-          <a:p>
-            <a:pPr marL="457200" lvl="1" indent="0">
-              <a:buNone/>
-            </a:pPr>
-            <a:endParaRPr lang="en-GB" sz="1100" dirty="0">
-              <a:solidFill>
-                <a:srgbClr val="2196F3"/>
-              </a:solidFill>
-              <a:latin typeface="Segoe UI" panose="020B0502040204020203" pitchFamily="34" charset="0"/>
-              <a:cs typeface="Segoe UI" panose="020B0502040204020203" pitchFamily="34" charset="0"/>
-            </a:endParaRPr>
-          </a:p>
-          <a:p>
-            <a:pPr marL="457200" lvl="1" indent="0">
-              <a:buNone/>
-            </a:pPr>
-            <a:r>
-              <a:rPr lang="en-GB" sz="4800" dirty="0">
-                <a:solidFill>
-                  <a:srgbClr val="2196F3"/>
-                </a:solidFill>
-                <a:latin typeface="Segoe UI" panose="020B0502040204020203" pitchFamily="34" charset="0"/>
-                <a:cs typeface="Segoe UI" panose="020B0502040204020203" pitchFamily="34" charset="0"/>
-              </a:rPr>
-              <a:t>Craig West</a:t>
-            </a:r>
-          </a:p>
-          <a:p>
-            <a:pPr marL="457200" lvl="1" indent="0">
-              <a:buNone/>
-            </a:pPr>
-            <a:endParaRPr lang="en-GB" sz="1100" dirty="0">
-              <a:solidFill>
-                <a:srgbClr val="2196F3"/>
-              </a:solidFill>
-              <a:latin typeface="Segoe UI" panose="020B0502040204020203" pitchFamily="34" charset="0"/>
-              <a:cs typeface="Segoe UI" panose="020B0502040204020203" pitchFamily="34" charset="0"/>
-            </a:endParaRPr>
-          </a:p>
-          <a:p>
-            <a:pPr marL="457200" lvl="1" indent="0">
-              <a:buNone/>
-            </a:pPr>
-            <a:r>
-              <a:rPr lang="en-GB" sz="4000" dirty="0">
-                <a:solidFill>
-                  <a:srgbClr val="2196F3"/>
-                </a:solidFill>
-                <a:latin typeface="Segoe UI" panose="020B0502040204020203" pitchFamily="34" charset="0"/>
-                <a:cs typeface="Segoe UI" panose="020B0502040204020203" pitchFamily="34" charset="0"/>
-              </a:rPr>
-              <a:t>Feel free to contact me: </a:t>
-            </a:r>
-            <a:r>
-              <a:rPr lang="en-GB" sz="4000" b="1" dirty="0">
-                <a:solidFill>
-                  <a:srgbClr val="FFC000"/>
-                </a:solidFill>
-                <a:latin typeface="Segoe UI" panose="020B0502040204020203" pitchFamily="34" charset="0"/>
-                <a:cs typeface="Segoe UI" panose="020B0502040204020203" pitchFamily="34" charset="0"/>
-                <a:hlinkClick r:id="rId2"/>
-              </a:rPr>
-              <a:t>craig@wpjs.co.uk</a:t>
-            </a:r>
-            <a:endParaRPr lang="en-GB" sz="4000" b="1" dirty="0">
-              <a:solidFill>
-                <a:srgbClr val="FFC000"/>
-              </a:solidFill>
-              <a:latin typeface="Segoe UI" panose="020B0502040204020203" pitchFamily="34" charset="0"/>
-              <a:cs typeface="Segoe UI" panose="020B0502040204020203" pitchFamily="34" charset="0"/>
-            </a:endParaRPr>
-          </a:p>
-          <a:p>
-            <a:pPr marL="457200" lvl="1" indent="0">
-              <a:buNone/>
-            </a:pPr>
-            <a:endParaRPr lang="en-GB" sz="4000" b="1" dirty="0">
-              <a:solidFill>
-                <a:srgbClr val="FFC000"/>
-              </a:solidFill>
-              <a:latin typeface="Segoe UI" panose="020B0502040204020203" pitchFamily="34" charset="0"/>
-              <a:cs typeface="Segoe UI" panose="020B0502040204020203" pitchFamily="34" charset="0"/>
-            </a:endParaRPr>
-          </a:p>
-          <a:p>
-            <a:pPr marL="457200" lvl="1" indent="0">
-              <a:buNone/>
-            </a:pPr>
-            <a:endParaRPr lang="en-GB" sz="300" dirty="0">
-              <a:solidFill>
-                <a:srgbClr val="2196F3"/>
-              </a:solidFill>
-              <a:latin typeface="Segoe UI" panose="020B0502040204020203" pitchFamily="34" charset="0"/>
-              <a:cs typeface="Segoe UI" panose="020B0502040204020203" pitchFamily="34" charset="0"/>
-            </a:endParaRPr>
-          </a:p>
-          <a:p>
-            <a:pPr marL="457200" lvl="1" indent="0">
-              <a:buNone/>
-            </a:pPr>
-            <a:r>
-              <a:rPr lang="en-GB" b="1" dirty="0">
-                <a:solidFill>
-                  <a:srgbClr val="2196F3"/>
-                </a:solidFill>
-                <a:latin typeface="Segoe UI" panose="020B0502040204020203" pitchFamily="34" charset="0"/>
-                <a:cs typeface="Segoe UI" panose="020B0502040204020203" pitchFamily="34" charset="0"/>
-              </a:rPr>
-              <a:t>RESOURCE PACK:</a:t>
-            </a:r>
-          </a:p>
-          <a:p>
-            <a:pPr marL="457200" lvl="1" indent="0">
-              <a:buNone/>
-            </a:pPr>
-            <a:endParaRPr lang="en-GB" sz="200" b="1" dirty="0">
-              <a:solidFill>
-                <a:srgbClr val="2196F3"/>
-              </a:solidFill>
-              <a:latin typeface="Segoe UI" panose="020B0502040204020203" pitchFamily="34" charset="0"/>
-              <a:cs typeface="Segoe UI" panose="020B0502040204020203" pitchFamily="34" charset="0"/>
-            </a:endParaRPr>
-          </a:p>
-          <a:p>
-            <a:pPr lvl="1"/>
-            <a:r>
-              <a:rPr lang="en-GB" u="sng" dirty="0">
-                <a:hlinkClick r:id="rId3"/>
-              </a:rPr>
-              <a:t>https://www.wpjs.co.uk/rest.zip</a:t>
-            </a:r>
-            <a:endParaRPr lang="en-GB" sz="1600" dirty="0"/>
-          </a:p>
-          <a:p>
-            <a:pPr lvl="1"/>
-            <a:r>
-              <a:rPr lang="en-GB" u="sng" dirty="0"/>
-              <a:t>https://github.com/iwswordpress/rest</a:t>
-            </a:r>
-            <a:endParaRPr lang="en-GB" sz="1600" dirty="0"/>
-          </a:p>
-          <a:p>
-            <a:pPr marL="457200" lvl="1" indent="0">
-              <a:buNone/>
-            </a:pPr>
-            <a:endParaRPr lang="en-GB" sz="1100" b="1" dirty="0">
-              <a:solidFill>
-                <a:srgbClr val="2196F3"/>
-              </a:solidFill>
-              <a:latin typeface="Segoe UI" panose="020B0502040204020203" pitchFamily="34" charset="0"/>
-              <a:cs typeface="Segoe UI" panose="020B0502040204020203" pitchFamily="34" charset="0"/>
-            </a:endParaRPr>
-          </a:p>
-          <a:p>
-            <a:pPr lvl="1"/>
-            <a:r>
-              <a:rPr lang="en-GB" dirty="0">
-                <a:solidFill>
-                  <a:srgbClr val="2196F3"/>
-                </a:solidFill>
-                <a:latin typeface="Segoe UI" panose="020B0502040204020203" pitchFamily="34" charset="0"/>
-                <a:cs typeface="Segoe UI" panose="020B0502040204020203" pitchFamily="34" charset="0"/>
-              </a:rPr>
-              <a:t>Course files</a:t>
-            </a:r>
-          </a:p>
-          <a:p>
-            <a:pPr lvl="1"/>
-            <a:r>
-              <a:rPr lang="en-GB" dirty="0">
-                <a:solidFill>
-                  <a:srgbClr val="2196F3"/>
-                </a:solidFill>
-                <a:latin typeface="Segoe UI" panose="020B0502040204020203" pitchFamily="34" charset="0"/>
-                <a:cs typeface="Segoe UI" panose="020B0502040204020203" pitchFamily="34" charset="0"/>
-              </a:rPr>
-              <a:t>Slides </a:t>
-            </a:r>
-          </a:p>
-          <a:p>
-            <a:pPr lvl="1"/>
-            <a:r>
-              <a:rPr lang="en-GB" dirty="0">
-                <a:solidFill>
-                  <a:srgbClr val="2196F3"/>
-                </a:solidFill>
-                <a:latin typeface="Segoe UI" panose="020B0502040204020203" pitchFamily="34" charset="0"/>
-                <a:cs typeface="Segoe UI" panose="020B0502040204020203" pitchFamily="34" charset="0"/>
-              </a:rPr>
-              <a:t>Handbook</a:t>
-            </a:r>
-          </a:p>
-          <a:p>
-            <a:pPr marL="457200" lvl="1" indent="0">
-              <a:buNone/>
-            </a:pPr>
-            <a:endParaRPr lang="en-GB" sz="6700" dirty="0">
-              <a:solidFill>
-                <a:srgbClr val="2196F3"/>
-              </a:solidFill>
-              <a:latin typeface="Segoe UI" panose="020B0502040204020203" pitchFamily="34" charset="0"/>
-              <a:cs typeface="Segoe UI" panose="020B0502040204020203" pitchFamily="34" charset="0"/>
-            </a:endParaRPr>
-          </a:p>
-          <a:p>
-            <a:pPr marL="457200" lvl="1" indent="0">
-              <a:buNone/>
-            </a:pPr>
-            <a:endParaRPr lang="en-GB" sz="6700" dirty="0">
-              <a:solidFill>
-                <a:srgbClr val="2196F3"/>
-              </a:solidFill>
-              <a:latin typeface="Segoe UI" panose="020B0502040204020203" pitchFamily="34" charset="0"/>
-              <a:cs typeface="Segoe UI" panose="020B0502040204020203" pitchFamily="34" charset="0"/>
-            </a:endParaRPr>
-          </a:p>
-          <a:p>
-            <a:pPr marL="457200" lvl="1" indent="0">
-              <a:buNone/>
-            </a:pPr>
-            <a:endParaRPr lang="en-GB" sz="6700" dirty="0">
-              <a:latin typeface="Segoe UI" panose="020B0502040204020203" pitchFamily="34" charset="0"/>
-              <a:cs typeface="Segoe UI" panose="020B0502040204020203" pitchFamily="34" charset="0"/>
-            </a:endParaRPr>
-          </a:p>
-          <a:p>
-            <a:pPr marL="0" indent="0">
-              <a:buNone/>
-            </a:pPr>
-            <a:endParaRPr lang="en-GB" dirty="0">
-              <a:latin typeface="Segoe UI" panose="020B0502040204020203" pitchFamily="34" charset="0"/>
-              <a:cs typeface="Segoe UI" panose="020B0502040204020203" pitchFamily="34" charset="0"/>
-            </a:endParaRPr>
-          </a:p>
-          <a:p>
-            <a:endParaRPr lang="en-GB" dirty="0">
-              <a:latin typeface="Segoe UI" panose="020B0502040204020203" pitchFamily="34" charset="0"/>
-              <a:cs typeface="Segoe UI" panose="020B0502040204020203" pitchFamily="34" charset="0"/>
-            </a:endParaRPr>
-          </a:p>
-        </p:txBody>
-      </p:sp>
-    </p:spTree>
-    <p:extLst>
-      <p:ext uri="{BB962C8B-B14F-4D97-AF65-F5344CB8AC3E}">
-        <p14:creationId xmlns:p14="http://schemas.microsoft.com/office/powerpoint/2010/main" val="3383767616"/>
-      </p:ext>
-    </p:extLst>
-  </p:cSld>
-  <p:clrMapOvr>
-    <a:masterClrMapping/>
-  </p:clrMapOvr>
-</p:sld>
-</file>
-
 <file path=ppt/slides/slide2.xml><?xml version="1.0" encoding="utf-8"?>
 <p:sld xmlns:a="http://schemas.openxmlformats.org/drawingml/2006/main" xmlns:r="http://schemas.openxmlformats.org/officeDocument/2006/relationships" xmlns:p="http://schemas.openxmlformats.org/presentationml/2006/main">
   <p:cSld>
@@ -5529,7 +5162,7 @@
         </p:blipFill>
         <p:spPr bwMode="auto">
           <a:xfrm>
-            <a:off x="8320957" y="4122993"/>
+            <a:off x="8303598" y="4132270"/>
             <a:ext cx="3525929" cy="2367777"/>
           </a:xfrm>
           <a:prstGeom prst="rect">
@@ -5715,97 +5348,10 @@
           </a:p>
         </p:txBody>
       </p:sp>
-      <p:cxnSp>
-        <p:nvCxnSpPr>
-          <p:cNvPr id="9" name="Straight Arrow Connector 8">
-            <a:extLst>
-              <a:ext uri="{FF2B5EF4-FFF2-40B4-BE49-F238E27FC236}">
-                <a16:creationId xmlns:a16="http://schemas.microsoft.com/office/drawing/2014/main" id="{CF93C976-3C1F-4C74-9D39-90DABBE18BB7}"/>
-              </a:ext>
-            </a:extLst>
-          </p:cNvPr>
-          <p:cNvCxnSpPr>
-            <a:cxnSpLocks/>
-          </p:cNvCxnSpPr>
-          <p:nvPr/>
-        </p:nvCxnSpPr>
-        <p:spPr>
-          <a:xfrm flipH="1" flipV="1">
-            <a:off x="8672218" y="4142117"/>
-            <a:ext cx="682807" cy="748283"/>
-          </a:xfrm>
-          <a:prstGeom prst="straightConnector1">
-            <a:avLst/>
-          </a:prstGeom>
-          <a:ln w="50800">
-            <a:solidFill>
-              <a:schemeClr val="bg1"/>
-            </a:solidFill>
-            <a:tailEnd type="triangle"/>
-          </a:ln>
-        </p:spPr>
-        <p:style>
-          <a:lnRef idx="3">
-            <a:schemeClr val="accent1"/>
-          </a:lnRef>
-          <a:fillRef idx="0">
-            <a:schemeClr val="accent1"/>
-          </a:fillRef>
-          <a:effectRef idx="2">
-            <a:schemeClr val="accent1"/>
-          </a:effectRef>
-          <a:fontRef idx="minor">
-            <a:schemeClr val="tx1"/>
-          </a:fontRef>
-        </p:style>
-      </p:cxnSp>
-      <p:sp>
-        <p:nvSpPr>
-          <p:cNvPr id="10" name="TextBox 9">
-            <a:extLst>
-              <a:ext uri="{FF2B5EF4-FFF2-40B4-BE49-F238E27FC236}">
-                <a16:creationId xmlns:a16="http://schemas.microsoft.com/office/drawing/2014/main" id="{C6D2AB8D-F566-4A3A-ABB8-05B92FD0E743}"/>
-              </a:ext>
-            </a:extLst>
-          </p:cNvPr>
-          <p:cNvSpPr txBox="1"/>
-          <p:nvPr/>
-        </p:nvSpPr>
-        <p:spPr>
-          <a:xfrm>
-            <a:off x="8066040" y="5058423"/>
-            <a:ext cx="1845578" cy="369332"/>
-          </a:xfrm>
-          <a:prstGeom prst="rect">
-            <a:avLst/>
-          </a:prstGeom>
-          <a:noFill/>
-        </p:spPr>
-        <p:txBody>
-          <a:bodyPr wrap="square" rtlCol="0">
-            <a:spAutoFit/>
-          </a:bodyPr>
-          <a:lstStyle/>
-          <a:p>
-            <a:pPr algn="ctr"/>
-            <a:r>
-              <a:rPr lang="en-GB" dirty="0">
-                <a:solidFill>
-                  <a:schemeClr val="bg1"/>
-                </a:solidFill>
-                <a:highlight>
-                  <a:srgbClr val="0000FF"/>
-                </a:highlight>
-              </a:rPr>
-              <a:t>15 min walk</a:t>
-            </a:r>
-          </a:p>
-        </p:txBody>
-      </p:sp>
     </p:spTree>
     <p:extLst>
       <p:ext uri="{BB962C8B-B14F-4D97-AF65-F5344CB8AC3E}">
-        <p14:creationId xmlns:p14="http://schemas.microsoft.com/office/powerpoint/2010/main" val="138352021"/>
+        <p14:creationId xmlns:p14="http://schemas.microsoft.com/office/powerpoint/2010/main" val="2449607764"/>
       </p:ext>
     </p:extLst>
   </p:cSld>

--- a/rest-api-workshop.pptx
+++ b/rest-api-workshop.pptx
@@ -245,7 +245,7 @@
           <a:p>
             <a:fld id="{70FE56F2-0B60-44FC-AC55-491897A4F355}" type="datetimeFigureOut">
               <a:rPr lang="en-GB" smtClean="0"/>
-              <a:t>02/03/2020</a:t>
+              <a:t>20/05/2020</a:t>
             </a:fld>
             <a:endParaRPr lang="en-GB"/>
           </a:p>
@@ -662,7 +662,7 @@
           <a:p>
             <a:fld id="{4D723AB6-704A-42C8-AB51-31B091223600}" type="datetimeFigureOut">
               <a:rPr lang="en-GB" smtClean="0"/>
-              <a:t>02/03/2020</a:t>
+              <a:t>20/05/2020</a:t>
             </a:fld>
             <a:endParaRPr lang="en-GB"/>
           </a:p>
@@ -862,7 +862,7 @@
           <a:p>
             <a:fld id="{4D723AB6-704A-42C8-AB51-31B091223600}" type="datetimeFigureOut">
               <a:rPr lang="en-GB" smtClean="0"/>
-              <a:t>02/03/2020</a:t>
+              <a:t>20/05/2020</a:t>
             </a:fld>
             <a:endParaRPr lang="en-GB"/>
           </a:p>
@@ -1072,7 +1072,7 @@
           <a:p>
             <a:fld id="{4D723AB6-704A-42C8-AB51-31B091223600}" type="datetimeFigureOut">
               <a:rPr lang="en-GB" smtClean="0"/>
-              <a:t>02/03/2020</a:t>
+              <a:t>20/05/2020</a:t>
             </a:fld>
             <a:endParaRPr lang="en-GB"/>
           </a:p>
@@ -1272,7 +1272,7 @@
           <a:p>
             <a:fld id="{4D723AB6-704A-42C8-AB51-31B091223600}" type="datetimeFigureOut">
               <a:rPr lang="en-GB" smtClean="0"/>
-              <a:t>02/03/2020</a:t>
+              <a:t>20/05/2020</a:t>
             </a:fld>
             <a:endParaRPr lang="en-GB"/>
           </a:p>
@@ -1548,7 +1548,7 @@
           <a:p>
             <a:fld id="{4D723AB6-704A-42C8-AB51-31B091223600}" type="datetimeFigureOut">
               <a:rPr lang="en-GB" smtClean="0"/>
-              <a:t>02/03/2020</a:t>
+              <a:t>20/05/2020</a:t>
             </a:fld>
             <a:endParaRPr lang="en-GB"/>
           </a:p>
@@ -1816,7 +1816,7 @@
           <a:p>
             <a:fld id="{4D723AB6-704A-42C8-AB51-31B091223600}" type="datetimeFigureOut">
               <a:rPr lang="en-GB" smtClean="0"/>
-              <a:t>02/03/2020</a:t>
+              <a:t>20/05/2020</a:t>
             </a:fld>
             <a:endParaRPr lang="en-GB"/>
           </a:p>
@@ -2231,7 +2231,7 @@
           <a:p>
             <a:fld id="{4D723AB6-704A-42C8-AB51-31B091223600}" type="datetimeFigureOut">
               <a:rPr lang="en-GB" smtClean="0"/>
-              <a:t>02/03/2020</a:t>
+              <a:t>20/05/2020</a:t>
             </a:fld>
             <a:endParaRPr lang="en-GB"/>
           </a:p>
@@ -2373,7 +2373,7 @@
           <a:p>
             <a:fld id="{4D723AB6-704A-42C8-AB51-31B091223600}" type="datetimeFigureOut">
               <a:rPr lang="en-GB" smtClean="0"/>
-              <a:t>02/03/2020</a:t>
+              <a:t>20/05/2020</a:t>
             </a:fld>
             <a:endParaRPr lang="en-GB"/>
           </a:p>
@@ -2486,7 +2486,7 @@
           <a:p>
             <a:fld id="{4D723AB6-704A-42C8-AB51-31B091223600}" type="datetimeFigureOut">
               <a:rPr lang="en-GB" smtClean="0"/>
-              <a:t>02/03/2020</a:t>
+              <a:t>20/05/2020</a:t>
             </a:fld>
             <a:endParaRPr lang="en-GB"/>
           </a:p>
@@ -2799,7 +2799,7 @@
           <a:p>
             <a:fld id="{4D723AB6-704A-42C8-AB51-31B091223600}" type="datetimeFigureOut">
               <a:rPr lang="en-GB" smtClean="0"/>
-              <a:t>02/03/2020</a:t>
+              <a:t>20/05/2020</a:t>
             </a:fld>
             <a:endParaRPr lang="en-GB"/>
           </a:p>
@@ -3088,7 +3088,7 @@
           <a:p>
             <a:fld id="{4D723AB6-704A-42C8-AB51-31B091223600}" type="datetimeFigureOut">
               <a:rPr lang="en-GB" smtClean="0"/>
-              <a:t>02/03/2020</a:t>
+              <a:t>20/05/2020</a:t>
             </a:fld>
             <a:endParaRPr lang="en-GB"/>
           </a:p>
@@ -3331,7 +3331,7 @@
           <a:p>
             <a:fld id="{4D723AB6-704A-42C8-AB51-31B091223600}" type="datetimeFigureOut">
               <a:rPr lang="en-GB" smtClean="0"/>
-              <a:t>02/03/2020</a:t>
+              <a:t>20/05/2020</a:t>
             </a:fld>
             <a:endParaRPr lang="en-GB"/>
           </a:p>
@@ -3817,30 +3817,9 @@
         </p:spPr>
         <p:txBody>
           <a:bodyPr wrap="square" bIns="252000">
-            <a:normAutofit fontScale="85000" lnSpcReduction="20000"/>
+            <a:normAutofit/>
           </a:bodyPr>
           <a:lstStyle/>
-          <a:p>
-            <a:endParaRPr lang="en-GB" sz="1200" dirty="0">
-              <a:latin typeface="Segoe UI" panose="020B0502040204020203" pitchFamily="34" charset="0"/>
-              <a:cs typeface="Segoe UI" panose="020B0502040204020203" pitchFamily="34" charset="0"/>
-            </a:endParaRPr>
-          </a:p>
-          <a:p>
-            <a:pPr marL="457200" lvl="1" indent="0">
-              <a:buNone/>
-            </a:pPr>
-            <a:r>
-              <a:rPr lang="en-GB" sz="4800" b="1" dirty="0">
-                <a:solidFill>
-                  <a:srgbClr val="2196F3"/>
-                </a:solidFill>
-                <a:latin typeface="Segoe UI" panose="020B0502040204020203" pitchFamily="34" charset="0"/>
-                <a:cs typeface="Segoe UI" panose="020B0502040204020203" pitchFamily="34" charset="0"/>
-              </a:rPr>
-              <a:t>WORKSHOP: REST API and AJAX </a:t>
-            </a:r>
-          </a:p>
           <a:p>
             <a:pPr marL="457200" lvl="1" indent="0">
               <a:buNone/>
@@ -3917,7 +3896,7 @@
             <a:pPr marL="457200" lvl="1" indent="0">
               <a:buNone/>
             </a:pPr>
-            <a:endParaRPr lang="en-GB" sz="4000" b="1" dirty="0">
+            <a:endParaRPr lang="en-GB" sz="600" b="1" dirty="0">
               <a:solidFill>
                 <a:srgbClr val="FFC000"/>
               </a:solidFill>
@@ -3967,30 +3946,23 @@
           <a:p>
             <a:pPr lvl="1"/>
             <a:r>
-              <a:rPr lang="en-GB" u="sng" dirty="0">
-                <a:hlinkClick r:id="rId3"/>
-              </a:rPr>
-              <a:t>https://www.wpjs.co.uk/london.zip</a:t>
-            </a:r>
-            <a:endParaRPr lang="en-GB" sz="1600" dirty="0"/>
-          </a:p>
-          <a:p>
-            <a:pPr lvl="1"/>
-            <a:r>
-              <a:rPr lang="en-GB" u="sng" dirty="0">
-                <a:hlinkClick r:id="rId4"/>
-              </a:rPr>
-              <a:t>https://github.com/iwswordpress/LONDON</a:t>
-            </a:r>
-            <a:endParaRPr lang="en-GB" sz="1600" dirty="0"/>
-          </a:p>
-          <a:p>
-            <a:pPr marL="457200" lvl="1" indent="0">
-              <a:buNone/>
-            </a:pPr>
-            <a:endParaRPr lang="en-GB" sz="1100" b="1" dirty="0">
+              <a:rPr lang="en-GB" sz="3200" dirty="0">
+                <a:solidFill>
+                  <a:srgbClr val="FF0000"/>
+                </a:solidFill>
+                <a:hlinkClick r:id="rId3">
+                  <a:extLst>
+                    <a:ext uri="{A12FA001-AC4F-418D-AE19-62706E023703}">
+                      <ahyp:hlinkClr xmlns:ahyp="http://schemas.microsoft.com/office/drawing/2018/hyperlinkcolor" val="tx"/>
+                    </a:ext>
+                  </a:extLst>
+                </a:hlinkClick>
+              </a:rPr>
+              <a:t>https://github.com/iwswordpress/rest</a:t>
+            </a:r>
+            <a:endParaRPr lang="en-GB" sz="1400" b="1" dirty="0">
               <a:solidFill>
-                <a:srgbClr val="2196F3"/>
+                <a:srgbClr val="FF0000"/>
               </a:solidFill>
               <a:latin typeface="Segoe UI" panose="020B0502040204020203" pitchFamily="34" charset="0"/>
               <a:cs typeface="Segoe UI" panose="020B0502040204020203" pitchFamily="34" charset="0"/>
@@ -4019,33 +3991,7 @@
                 <a:latin typeface="Segoe UI" panose="020B0502040204020203" pitchFamily="34" charset="0"/>
                 <a:cs typeface="Segoe UI" panose="020B0502040204020203" pitchFamily="34" charset="0"/>
               </a:rPr>
-              <a:t>Slides </a:t>
-            </a:r>
-          </a:p>
-          <a:p>
-            <a:pPr lvl="1"/>
-            <a:r>
-              <a:rPr lang="en-GB" dirty="0">
-                <a:solidFill>
-                  <a:srgbClr val="2196F3"/>
-                </a:solidFill>
-                <a:latin typeface="Segoe UI" panose="020B0502040204020203" pitchFamily="34" charset="0"/>
-                <a:cs typeface="Segoe UI" panose="020B0502040204020203" pitchFamily="34" charset="0"/>
-              </a:rPr>
               <a:t>Handbook</a:t>
-            </a:r>
-          </a:p>
-          <a:p>
-            <a:pPr lvl="1"/>
-            <a:r>
-              <a:rPr lang="en-GB" dirty="0">
-                <a:solidFill>
-                  <a:srgbClr val="2196F3"/>
-                </a:solidFill>
-                <a:latin typeface="Segoe UI" panose="020B0502040204020203" pitchFamily="34" charset="0"/>
-                <a:cs typeface="Segoe UI" panose="020B0502040204020203" pitchFamily="34" charset="0"/>
-              </a:rPr>
-              <a:t>FREE coupon to my Udemy course</a:t>
             </a:r>
           </a:p>
           <a:p>

--- a/rest-api-workshop.pptx
+++ b/rest-api-workshop.pptx
@@ -3946,10 +3946,12 @@
           <a:p>
             <a:pPr lvl="1"/>
             <a:r>
-              <a:rPr lang="en-GB" sz="3200" dirty="0">
+              <a:rPr lang="en-GB" sz="3200" b="1" dirty="0">
                 <a:solidFill>
                   <a:srgbClr val="FF0000"/>
                 </a:solidFill>
+                <a:latin typeface="Segoe UI" panose="020B0502040204020203" pitchFamily="34" charset="0"/>
+                <a:cs typeface="Segoe UI" panose="020B0502040204020203" pitchFamily="34" charset="0"/>
                 <a:hlinkClick r:id="rId3">
                   <a:extLst>
                     <a:ext uri="{A12FA001-AC4F-418D-AE19-62706E023703}">
@@ -3959,6 +3961,26 @@
                 </a:hlinkClick>
               </a:rPr>
               <a:t>https://github.com/iwswordpress/rest</a:t>
+            </a:r>
+            <a:endParaRPr lang="en-GB" sz="3200" b="1" dirty="0">
+              <a:solidFill>
+                <a:srgbClr val="FF0000"/>
+              </a:solidFill>
+              <a:latin typeface="Segoe UI" panose="020B0502040204020203" pitchFamily="34" charset="0"/>
+              <a:cs typeface="Segoe UI" panose="020B0502040204020203" pitchFamily="34" charset="0"/>
+            </a:endParaRPr>
+          </a:p>
+          <a:p>
+            <a:pPr lvl="1"/>
+            <a:r>
+              <a:rPr lang="en-GB" sz="3200" b="1" dirty="0">
+                <a:solidFill>
+                  <a:srgbClr val="FF0000"/>
+                </a:solidFill>
+                <a:latin typeface="Segoe UI" panose="020B0502040204020203" pitchFamily="34" charset="0"/>
+                <a:cs typeface="Segoe UI" panose="020B0502040204020203" pitchFamily="34" charset="0"/>
+              </a:rPr>
+              <a:t>https://wpjs.co.uk/rest.zip</a:t>
             </a:r>
             <a:endParaRPr lang="en-GB" sz="1400" b="1" dirty="0">
               <a:solidFill>

--- a/rest-api-workshop.pptx
+++ b/rest-api-workshop.pptx
@@ -3824,6 +3824,28 @@
             <a:pPr marL="457200" lvl="1" indent="0">
               <a:buNone/>
             </a:pPr>
+            <a:endParaRPr lang="en-GB" sz="300" dirty="0">
+              <a:solidFill>
+                <a:srgbClr val="2196F3"/>
+              </a:solidFill>
+              <a:latin typeface="Segoe UI" panose="020B0502040204020203" pitchFamily="34" charset="0"/>
+              <a:cs typeface="Segoe UI" panose="020B0502040204020203" pitchFamily="34" charset="0"/>
+            </a:endParaRPr>
+          </a:p>
+          <a:p>
+            <a:pPr marL="457200" lvl="1" indent="0">
+              <a:buNone/>
+            </a:pPr>
+            <a:r>
+              <a:rPr lang="en-GB" sz="4800" dirty="0">
+                <a:solidFill>
+                  <a:srgbClr val="2196F3"/>
+                </a:solidFill>
+                <a:latin typeface="Segoe UI" panose="020B0502040204020203" pitchFamily="34" charset="0"/>
+                <a:cs typeface="Segoe UI" panose="020B0502040204020203" pitchFamily="34" charset="0"/>
+              </a:rPr>
+              <a:t>Craig West</a:t>
+            </a:r>
             <a:endParaRPr lang="en-GB" sz="1100" dirty="0">
               <a:solidFill>
                 <a:srgbClr val="2196F3"/>
@@ -3837,33 +3859,6 @@
               <a:buNone/>
             </a:pPr>
             <a:r>
-              <a:rPr lang="en-GB" sz="4800" dirty="0">
-                <a:solidFill>
-                  <a:srgbClr val="2196F3"/>
-                </a:solidFill>
-                <a:latin typeface="Segoe UI" panose="020B0502040204020203" pitchFamily="34" charset="0"/>
-                <a:cs typeface="Segoe UI" panose="020B0502040204020203" pitchFamily="34" charset="0"/>
-              </a:rPr>
-              <a:t>Craig West</a:t>
-            </a:r>
-          </a:p>
-          <a:p>
-            <a:pPr marL="457200" lvl="1" indent="0">
-              <a:buNone/>
-            </a:pPr>
-            <a:endParaRPr lang="en-GB" sz="1100" dirty="0">
-              <a:solidFill>
-                <a:srgbClr val="2196F3"/>
-              </a:solidFill>
-              <a:latin typeface="Segoe UI" panose="020B0502040204020203" pitchFamily="34" charset="0"/>
-              <a:cs typeface="Segoe UI" panose="020B0502040204020203" pitchFamily="34" charset="0"/>
-            </a:endParaRPr>
-          </a:p>
-          <a:p>
-            <a:pPr marL="457200" lvl="1" indent="0">
-              <a:buNone/>
-            </a:pPr>
-            <a:r>
               <a:rPr lang="en-GB" sz="4000" dirty="0">
                 <a:solidFill>
                   <a:srgbClr val="2196F3"/>
@@ -3884,18 +3879,6 @@
               </a:rPr>
               <a:t>craig@wpjs.co.uk</a:t>
             </a:r>
-            <a:endParaRPr lang="en-GB" sz="4000" b="1" dirty="0">
-              <a:solidFill>
-                <a:srgbClr val="FFC000"/>
-              </a:solidFill>
-              <a:latin typeface="Segoe UI" panose="020B0502040204020203" pitchFamily="34" charset="0"/>
-              <a:cs typeface="Segoe UI" panose="020B0502040204020203" pitchFamily="34" charset="0"/>
-            </a:endParaRPr>
-          </a:p>
-          <a:p>
-            <a:pPr marL="457200" lvl="1" indent="0">
-              <a:buNone/>
-            </a:pPr>
             <a:endParaRPr lang="en-GB" sz="600" b="1" dirty="0">
               <a:solidFill>
                 <a:srgbClr val="FFC000"/>
@@ -3928,7 +3911,7 @@
                 <a:latin typeface="Segoe UI" panose="020B0502040204020203" pitchFamily="34" charset="0"/>
                 <a:cs typeface="Segoe UI" panose="020B0502040204020203" pitchFamily="34" charset="0"/>
               </a:rPr>
-              <a:t>RESOURCE PACK:</a:t>
+              <a:t>RESOURCE PACK with course files, handbook, slides:</a:t>
             </a:r>
           </a:p>
           <a:p>
@@ -3979,9 +3962,28 @@
                 </a:solidFill>
                 <a:latin typeface="Segoe UI" panose="020B0502040204020203" pitchFamily="34" charset="0"/>
                 <a:cs typeface="Segoe UI" panose="020B0502040204020203" pitchFamily="34" charset="0"/>
+                <a:hlinkClick r:id="rId4">
+                  <a:extLst>
+                    <a:ext uri="{A12FA001-AC4F-418D-AE19-62706E023703}">
+                      <ahyp:hlinkClr xmlns:ahyp="http://schemas.microsoft.com/office/drawing/2018/hyperlinkcolor" val="tx"/>
+                    </a:ext>
+                  </a:extLst>
+                </a:hlinkClick>
               </a:rPr>
               <a:t>https://wpjs.co.uk/rest.zip</a:t>
             </a:r>
+            <a:endParaRPr lang="en-GB" sz="3200" b="1" dirty="0">
+              <a:solidFill>
+                <a:srgbClr val="FF0000"/>
+              </a:solidFill>
+              <a:latin typeface="Segoe UI" panose="020B0502040204020203" pitchFamily="34" charset="0"/>
+              <a:cs typeface="Segoe UI" panose="020B0502040204020203" pitchFamily="34" charset="0"/>
+            </a:endParaRPr>
+          </a:p>
+          <a:p>
+            <a:pPr marL="457200" lvl="1" indent="0">
+              <a:buNone/>
+            </a:pPr>
             <a:endParaRPr lang="en-GB" sz="1400" b="1" dirty="0">
               <a:solidFill>
                 <a:srgbClr val="FF0000"/>
@@ -3993,40 +3995,99 @@
           <a:p>
             <a:pPr lvl="1"/>
             <a:r>
-              <a:rPr lang="en-GB" dirty="0">
+              <a:rPr lang="en-GB" sz="2800" dirty="0">
                 <a:solidFill>
                   <a:srgbClr val="2196F3"/>
                 </a:solidFill>
                 <a:latin typeface="Segoe UI" panose="020B0502040204020203" pitchFamily="34" charset="0"/>
                 <a:cs typeface="Segoe UI" panose="020B0502040204020203" pitchFamily="34" charset="0"/>
               </a:rPr>
-              <a:t>Course files</a:t>
-            </a:r>
-          </a:p>
-          <a:p>
-            <a:pPr lvl="1"/>
-            <a:r>
-              <a:rPr lang="en-GB" dirty="0">
+              <a:t>Live site </a:t>
+            </a:r>
+            <a:r>
+              <a:rPr lang="en-GB" sz="2800" dirty="0">
                 <a:solidFill>
                   <a:srgbClr val="2196F3"/>
                 </a:solidFill>
                 <a:latin typeface="Segoe UI" panose="020B0502040204020203" pitchFamily="34" charset="0"/>
                 <a:cs typeface="Segoe UI" panose="020B0502040204020203" pitchFamily="34" charset="0"/>
-              </a:rPr>
-              <a:t>Handbook</a:t>
-            </a:r>
-          </a:p>
-          <a:p>
-            <a:pPr marL="457200" lvl="1" indent="0">
-              <a:buNone/>
-            </a:pPr>
-            <a:endParaRPr lang="en-GB" sz="6700" dirty="0">
-              <a:solidFill>
-                <a:srgbClr val="2196F3"/>
-              </a:solidFill>
-              <a:latin typeface="Segoe UI" panose="020B0502040204020203" pitchFamily="34" charset="0"/>
-              <a:cs typeface="Segoe UI" panose="020B0502040204020203" pitchFamily="34" charset="0"/>
-            </a:endParaRPr>
+                <a:hlinkClick r:id="rId5"/>
+              </a:rPr>
+              <a:t>https://49plus.co.uk/udemy</a:t>
+            </a:r>
+            <a:r>
+              <a:rPr lang="en-GB" sz="2800" dirty="0">
+                <a:solidFill>
+                  <a:srgbClr val="2196F3"/>
+                </a:solidFill>
+                <a:latin typeface="Segoe UI" panose="020B0502040204020203" pitchFamily="34" charset="0"/>
+                <a:cs typeface="Segoe UI" panose="020B0502040204020203" pitchFamily="34" charset="0"/>
+              </a:rPr>
+              <a:t> </a:t>
+            </a:r>
+          </a:p>
+          <a:p>
+            <a:pPr lvl="1"/>
+            <a:r>
+              <a:rPr lang="en-GB" sz="2800" dirty="0">
+                <a:solidFill>
+                  <a:srgbClr val="2196F3"/>
+                </a:solidFill>
+                <a:latin typeface="Segoe UI" panose="020B0502040204020203" pitchFamily="34" charset="0"/>
+                <a:cs typeface="Segoe UI" panose="020B0502040204020203" pitchFamily="34" charset="0"/>
+              </a:rPr>
+              <a:t>user: </a:t>
+            </a:r>
+            <a:r>
+              <a:rPr lang="en-GB" sz="2800" b="1" dirty="0">
+                <a:solidFill>
+                  <a:srgbClr val="2196F3"/>
+                </a:solidFill>
+                <a:latin typeface="Segoe UI" panose="020B0502040204020203" pitchFamily="34" charset="0"/>
+                <a:cs typeface="Segoe UI" panose="020B0502040204020203" pitchFamily="34" charset="0"/>
+              </a:rPr>
+              <a:t>demo</a:t>
+            </a:r>
+            <a:r>
+              <a:rPr lang="en-GB" sz="2800" dirty="0">
+                <a:solidFill>
+                  <a:srgbClr val="2196F3"/>
+                </a:solidFill>
+                <a:latin typeface="Segoe UI" panose="020B0502040204020203" pitchFamily="34" charset="0"/>
+                <a:cs typeface="Segoe UI" panose="020B0502040204020203" pitchFamily="34" charset="0"/>
+              </a:rPr>
+              <a:t> </a:t>
+            </a:r>
+            <a:r>
+              <a:rPr lang="en-GB" sz="2800" dirty="0" err="1">
+                <a:solidFill>
+                  <a:srgbClr val="2196F3"/>
+                </a:solidFill>
+                <a:latin typeface="Segoe UI" panose="020B0502040204020203" pitchFamily="34" charset="0"/>
+                <a:cs typeface="Segoe UI" panose="020B0502040204020203" pitchFamily="34" charset="0"/>
+              </a:rPr>
+              <a:t>pwd</a:t>
+            </a:r>
+            <a:r>
+              <a:rPr lang="en-GB" sz="2800" dirty="0">
+                <a:solidFill>
+                  <a:srgbClr val="2196F3"/>
+                </a:solidFill>
+                <a:latin typeface="Segoe UI" panose="020B0502040204020203" pitchFamily="34" charset="0"/>
+                <a:cs typeface="Segoe UI" panose="020B0502040204020203" pitchFamily="34" charset="0"/>
+              </a:rPr>
+              <a:t>: </a:t>
+            </a:r>
+            <a:r>
+              <a:rPr lang="en-GB" sz="2800" b="1" dirty="0">
+                <a:solidFill>
+                  <a:srgbClr val="2196F3"/>
+                </a:solidFill>
+                <a:latin typeface="Segoe UI" panose="020B0502040204020203" pitchFamily="34" charset="0"/>
+                <a:cs typeface="Segoe UI" panose="020B0502040204020203" pitchFamily="34" charset="0"/>
+              </a:rPr>
+              <a:t>demo</a:t>
+            </a:r>
           </a:p>
           <a:p>
             <a:pPr marL="457200" lvl="1" indent="0">
@@ -6003,47 +6064,24 @@
           <a:p>
             <a:pPr lvl="1"/>
             <a:r>
-              <a:rPr lang="en-GB" sz="2800" dirty="0">
+              <a:rPr lang="en-GB" sz="2800">
                 <a:solidFill>
                   <a:srgbClr val="2196F3"/>
                 </a:solidFill>
                 <a:latin typeface="Segoe UI" panose="020B0502040204020203" pitchFamily="34" charset="0"/>
                 <a:cs typeface="Segoe UI" panose="020B0502040204020203" pitchFamily="34" charset="0"/>
               </a:rPr>
-              <a:t>Create REST APIs via page-</a:t>
-            </a:r>
-            <a:r>
-              <a:rPr lang="en-GB" sz="2800" dirty="0" err="1">
+              <a:t>Use </a:t>
+            </a:r>
+            <a:r>
+              <a:rPr lang="en-GB" sz="2800" dirty="0">
                 <a:solidFill>
                   <a:srgbClr val="2196F3"/>
                 </a:solidFill>
                 <a:latin typeface="Segoe UI" panose="020B0502040204020203" pitchFamily="34" charset="0"/>
                 <a:cs typeface="Segoe UI" panose="020B0502040204020203" pitchFamily="34" charset="0"/>
               </a:rPr>
-              <a:t>slug.php</a:t>
-            </a:r>
-            <a:r>
-              <a:rPr lang="en-GB" sz="2800" dirty="0">
-                <a:solidFill>
-                  <a:srgbClr val="2196F3"/>
-                </a:solidFill>
-                <a:latin typeface="Segoe UI" panose="020B0502040204020203" pitchFamily="34" charset="0"/>
-                <a:cs typeface="Segoe UI" panose="020B0502040204020203" pitchFamily="34" charset="0"/>
-              </a:rPr>
-              <a:t> (regular WP page)</a:t>
-            </a:r>
-          </a:p>
-          <a:p>
-            <a:pPr lvl="1"/>
-            <a:r>
-              <a:rPr lang="en-GB" sz="2800" dirty="0">
-                <a:solidFill>
-                  <a:srgbClr val="2196F3"/>
-                </a:solidFill>
-                <a:latin typeface="Segoe UI" panose="020B0502040204020203" pitchFamily="34" charset="0"/>
-                <a:cs typeface="Segoe UI" panose="020B0502040204020203" pitchFamily="34" charset="0"/>
-              </a:rPr>
-              <a:t>Use them for GET/POST requests</a:t>
+              <a:t>them for GET/POST requests</a:t>
             </a:r>
           </a:p>
           <a:p>

--- a/rest-api-workshop.pptx
+++ b/rest-api-workshop.pptx
@@ -9,7 +9,7 @@
   </p:notesMasterIdLst>
   <p:sldIdLst>
     <p:sldId id="264" r:id="rId2"/>
-    <p:sldId id="269" r:id="rId3"/>
+    <p:sldId id="304" r:id="rId3"/>
     <p:sldId id="296" r:id="rId4"/>
     <p:sldId id="303" r:id="rId5"/>
     <p:sldId id="294" r:id="rId6"/>
@@ -123,7 +123,7 @@
         <p14:section name="Untitled Section" id="{83089785-02FD-4019-B97A-DDFCEAF7B530}">
           <p14:sldIdLst>
             <p14:sldId id="264"/>
-            <p14:sldId id="269"/>
+            <p14:sldId id="304"/>
             <p14:sldId id="296"/>
             <p14:sldId id="303"/>
             <p14:sldId id="294"/>
@@ -245,7 +245,7 @@
           <a:p>
             <a:fld id="{70FE56F2-0B60-44FC-AC55-491897A4F355}" type="datetimeFigureOut">
               <a:rPr lang="en-GB" smtClean="0"/>
-              <a:t>20/05/2020</a:t>
+              <a:t>21/05/2020</a:t>
             </a:fld>
             <a:endParaRPr lang="en-GB"/>
           </a:p>
@@ -662,7 +662,7 @@
           <a:p>
             <a:fld id="{4D723AB6-704A-42C8-AB51-31B091223600}" type="datetimeFigureOut">
               <a:rPr lang="en-GB" smtClean="0"/>
-              <a:t>20/05/2020</a:t>
+              <a:t>21/05/2020</a:t>
             </a:fld>
             <a:endParaRPr lang="en-GB"/>
           </a:p>
@@ -862,7 +862,7 @@
           <a:p>
             <a:fld id="{4D723AB6-704A-42C8-AB51-31B091223600}" type="datetimeFigureOut">
               <a:rPr lang="en-GB" smtClean="0"/>
-              <a:t>20/05/2020</a:t>
+              <a:t>21/05/2020</a:t>
             </a:fld>
             <a:endParaRPr lang="en-GB"/>
           </a:p>
@@ -1072,7 +1072,7 @@
           <a:p>
             <a:fld id="{4D723AB6-704A-42C8-AB51-31B091223600}" type="datetimeFigureOut">
               <a:rPr lang="en-GB" smtClean="0"/>
-              <a:t>20/05/2020</a:t>
+              <a:t>21/05/2020</a:t>
             </a:fld>
             <a:endParaRPr lang="en-GB"/>
           </a:p>
@@ -1272,7 +1272,7 @@
           <a:p>
             <a:fld id="{4D723AB6-704A-42C8-AB51-31B091223600}" type="datetimeFigureOut">
               <a:rPr lang="en-GB" smtClean="0"/>
-              <a:t>20/05/2020</a:t>
+              <a:t>21/05/2020</a:t>
             </a:fld>
             <a:endParaRPr lang="en-GB"/>
           </a:p>
@@ -1548,7 +1548,7 @@
           <a:p>
             <a:fld id="{4D723AB6-704A-42C8-AB51-31B091223600}" type="datetimeFigureOut">
               <a:rPr lang="en-GB" smtClean="0"/>
-              <a:t>20/05/2020</a:t>
+              <a:t>21/05/2020</a:t>
             </a:fld>
             <a:endParaRPr lang="en-GB"/>
           </a:p>
@@ -1816,7 +1816,7 @@
           <a:p>
             <a:fld id="{4D723AB6-704A-42C8-AB51-31B091223600}" type="datetimeFigureOut">
               <a:rPr lang="en-GB" smtClean="0"/>
-              <a:t>20/05/2020</a:t>
+              <a:t>21/05/2020</a:t>
             </a:fld>
             <a:endParaRPr lang="en-GB"/>
           </a:p>
@@ -2231,7 +2231,7 @@
           <a:p>
             <a:fld id="{4D723AB6-704A-42C8-AB51-31B091223600}" type="datetimeFigureOut">
               <a:rPr lang="en-GB" smtClean="0"/>
-              <a:t>20/05/2020</a:t>
+              <a:t>21/05/2020</a:t>
             </a:fld>
             <a:endParaRPr lang="en-GB"/>
           </a:p>
@@ -2373,7 +2373,7 @@
           <a:p>
             <a:fld id="{4D723AB6-704A-42C8-AB51-31B091223600}" type="datetimeFigureOut">
               <a:rPr lang="en-GB" smtClean="0"/>
-              <a:t>20/05/2020</a:t>
+              <a:t>21/05/2020</a:t>
             </a:fld>
             <a:endParaRPr lang="en-GB"/>
           </a:p>
@@ -2486,7 +2486,7 @@
           <a:p>
             <a:fld id="{4D723AB6-704A-42C8-AB51-31B091223600}" type="datetimeFigureOut">
               <a:rPr lang="en-GB" smtClean="0"/>
-              <a:t>20/05/2020</a:t>
+              <a:t>21/05/2020</a:t>
             </a:fld>
             <a:endParaRPr lang="en-GB"/>
           </a:p>
@@ -2799,7 +2799,7 @@
           <a:p>
             <a:fld id="{4D723AB6-704A-42C8-AB51-31B091223600}" type="datetimeFigureOut">
               <a:rPr lang="en-GB" smtClean="0"/>
-              <a:t>20/05/2020</a:t>
+              <a:t>21/05/2020</a:t>
             </a:fld>
             <a:endParaRPr lang="en-GB"/>
           </a:p>
@@ -3088,7 +3088,7 @@
           <a:p>
             <a:fld id="{4D723AB6-704A-42C8-AB51-31B091223600}" type="datetimeFigureOut">
               <a:rPr lang="en-GB" smtClean="0"/>
-              <a:t>20/05/2020</a:t>
+              <a:t>21/05/2020</a:t>
             </a:fld>
             <a:endParaRPr lang="en-GB"/>
           </a:p>
@@ -3331,7 +3331,7 @@
           <a:p>
             <a:fld id="{4D723AB6-704A-42C8-AB51-31B091223600}" type="datetimeFigureOut">
               <a:rPr lang="en-GB" smtClean="0"/>
-              <a:t>20/05/2020</a:t>
+              <a:t>21/05/2020</a:t>
             </a:fld>
             <a:endParaRPr lang="en-GB"/>
           </a:p>
@@ -5191,7 +5191,7 @@
         </p:blipFill>
         <p:spPr bwMode="auto">
           <a:xfrm>
-            <a:off x="8303598" y="4132270"/>
+            <a:off x="8320957" y="4122993"/>
             <a:ext cx="3525929" cy="2367777"/>
           </a:xfrm>
           <a:prstGeom prst="rect">
@@ -5377,10 +5377,97 @@
           </a:p>
         </p:txBody>
       </p:sp>
+      <p:cxnSp>
+        <p:nvCxnSpPr>
+          <p:cNvPr id="9" name="Straight Arrow Connector 8">
+            <a:extLst>
+              <a:ext uri="{FF2B5EF4-FFF2-40B4-BE49-F238E27FC236}">
+                <a16:creationId xmlns:a16="http://schemas.microsoft.com/office/drawing/2014/main" id="{CF93C976-3C1F-4C74-9D39-90DABBE18BB7}"/>
+              </a:ext>
+            </a:extLst>
+          </p:cNvPr>
+          <p:cNvCxnSpPr>
+            <a:cxnSpLocks/>
+          </p:cNvCxnSpPr>
+          <p:nvPr/>
+        </p:nvCxnSpPr>
+        <p:spPr>
+          <a:xfrm flipH="1" flipV="1">
+            <a:off x="8672218" y="4142117"/>
+            <a:ext cx="682807" cy="748283"/>
+          </a:xfrm>
+          <a:prstGeom prst="straightConnector1">
+            <a:avLst/>
+          </a:prstGeom>
+          <a:ln w="50800">
+            <a:solidFill>
+              <a:schemeClr val="bg1"/>
+            </a:solidFill>
+            <a:tailEnd type="triangle"/>
+          </a:ln>
+        </p:spPr>
+        <p:style>
+          <a:lnRef idx="3">
+            <a:schemeClr val="accent1"/>
+          </a:lnRef>
+          <a:fillRef idx="0">
+            <a:schemeClr val="accent1"/>
+          </a:fillRef>
+          <a:effectRef idx="2">
+            <a:schemeClr val="accent1"/>
+          </a:effectRef>
+          <a:fontRef idx="minor">
+            <a:schemeClr val="tx1"/>
+          </a:fontRef>
+        </p:style>
+      </p:cxnSp>
+      <p:sp>
+        <p:nvSpPr>
+          <p:cNvPr id="10" name="TextBox 9">
+            <a:extLst>
+              <a:ext uri="{FF2B5EF4-FFF2-40B4-BE49-F238E27FC236}">
+                <a16:creationId xmlns:a16="http://schemas.microsoft.com/office/drawing/2014/main" id="{C6D2AB8D-F566-4A3A-ABB8-05B92FD0E743}"/>
+              </a:ext>
+            </a:extLst>
+          </p:cNvPr>
+          <p:cNvSpPr txBox="1"/>
+          <p:nvPr/>
+        </p:nvSpPr>
+        <p:spPr>
+          <a:xfrm>
+            <a:off x="8066040" y="5058423"/>
+            <a:ext cx="1845578" cy="369332"/>
+          </a:xfrm>
+          <a:prstGeom prst="rect">
+            <a:avLst/>
+          </a:prstGeom>
+          <a:noFill/>
+        </p:spPr>
+        <p:txBody>
+          <a:bodyPr wrap="square" rtlCol="0">
+            <a:spAutoFit/>
+          </a:bodyPr>
+          <a:lstStyle/>
+          <a:p>
+            <a:pPr algn="ctr"/>
+            <a:r>
+              <a:rPr lang="en-GB" dirty="0">
+                <a:solidFill>
+                  <a:schemeClr val="bg1"/>
+                </a:solidFill>
+                <a:highlight>
+                  <a:srgbClr val="0000FF"/>
+                </a:highlight>
+              </a:rPr>
+              <a:t>15 min walk</a:t>
+            </a:r>
+          </a:p>
+        </p:txBody>
+      </p:sp>
     </p:spTree>
     <p:extLst>
       <p:ext uri="{BB962C8B-B14F-4D97-AF65-F5344CB8AC3E}">
-        <p14:creationId xmlns:p14="http://schemas.microsoft.com/office/powerpoint/2010/main" val="2449607764"/>
+        <p14:creationId xmlns:p14="http://schemas.microsoft.com/office/powerpoint/2010/main" val="4077002212"/>
       </p:ext>
     </p:extLst>
   </p:cSld>
@@ -5476,7 +5563,7 @@
         </p:spPr>
         <p:txBody>
           <a:bodyPr wrap="square" bIns="252000">
-            <a:normAutofit/>
+            <a:normAutofit lnSpcReduction="10000"/>
           </a:bodyPr>
           <a:lstStyle/>
           <a:p>
@@ -5578,15 +5665,31 @@
                 <a:latin typeface="Segoe UI" panose="020B0502040204020203" pitchFamily="34" charset="0"/>
                 <a:cs typeface="Segoe UI" panose="020B0502040204020203" pitchFamily="34" charset="0"/>
               </a:rPr>
+              <a:t>Volounteer</a:t>
+            </a:r>
+            <a:r>
+              <a:rPr lang="en-GB" sz="2800" dirty="0">
+                <a:solidFill>
+                  <a:srgbClr val="2196F3"/>
+                </a:solidFill>
+                <a:latin typeface="Segoe UI" panose="020B0502040204020203" pitchFamily="34" charset="0"/>
+                <a:cs typeface="Segoe UI" panose="020B0502040204020203" pitchFamily="34" charset="0"/>
+              </a:rPr>
+              <a:t> coach at Codebar.io</a:t>
+            </a:r>
+          </a:p>
+          <a:p>
+            <a:pPr lvl="1"/>
+            <a:r>
+              <a:rPr lang="en-GB" sz="2800" dirty="0">
+                <a:solidFill>
+                  <a:srgbClr val="2196F3"/>
+                </a:solidFill>
+                <a:latin typeface="Segoe UI" panose="020B0502040204020203" pitchFamily="34" charset="0"/>
+                <a:cs typeface="Segoe UI" panose="020B0502040204020203" pitchFamily="34" charset="0"/>
+              </a:rPr>
               <a:t>Developing 1-2 hour training seminars for companies</a:t>
             </a:r>
-            <a:endParaRPr lang="en-GB" sz="2800" dirty="0">
-              <a:solidFill>
-                <a:srgbClr val="2196F3"/>
-              </a:solidFill>
-              <a:latin typeface="Segoe UI" panose="020B0502040204020203" pitchFamily="34" charset="0"/>
-              <a:cs typeface="Segoe UI" panose="020B0502040204020203" pitchFamily="34" charset="0"/>
-            </a:endParaRPr>
           </a:p>
           <a:p>
             <a:pPr lvl="1"/>

--- a/rest-api-workshop.pptx
+++ b/rest-api-workshop.pptx
@@ -5,7 +5,7 @@
     <p:sldMasterId id="2147483648" r:id="rId1"/>
   </p:sldMasterIdLst>
   <p:notesMasterIdLst>
-    <p:notesMasterId r:id="rId13"/>
+    <p:notesMasterId r:id="rId19"/>
   </p:notesMasterIdLst>
   <p:sldIdLst>
     <p:sldId id="264" r:id="rId2"/>
@@ -19,6 +19,12 @@
     <p:sldId id="300" r:id="rId10"/>
     <p:sldId id="301" r:id="rId11"/>
     <p:sldId id="302" r:id="rId12"/>
+    <p:sldId id="312" r:id="rId13"/>
+    <p:sldId id="305" r:id="rId14"/>
+    <p:sldId id="308" r:id="rId15"/>
+    <p:sldId id="309" r:id="rId16"/>
+    <p:sldId id="310" r:id="rId17"/>
+    <p:sldId id="311" r:id="rId18"/>
   </p:sldIdLst>
   <p:sldSz cx="12192000" cy="6858000"/>
   <p:notesSz cx="6858000" cy="9144000"/>
@@ -133,6 +139,12 @@
             <p14:sldId id="300"/>
             <p14:sldId id="301"/>
             <p14:sldId id="302"/>
+            <p14:sldId id="312"/>
+            <p14:sldId id="305"/>
+            <p14:sldId id="308"/>
+            <p14:sldId id="309"/>
+            <p14:sldId id="310"/>
+            <p14:sldId id="311"/>
           </p14:sldIdLst>
         </p14:section>
       </p14:sectionLst>
@@ -245,7 +257,7 @@
           <a:p>
             <a:fld id="{70FE56F2-0B60-44FC-AC55-491897A4F355}" type="datetimeFigureOut">
               <a:rPr lang="en-GB" smtClean="0"/>
-              <a:t>21/05/2020</a:t>
+              <a:t>24/05/2020</a:t>
             </a:fld>
             <a:endParaRPr lang="en-GB"/>
           </a:p>
@@ -662,7 +674,7 @@
           <a:p>
             <a:fld id="{4D723AB6-704A-42C8-AB51-31B091223600}" type="datetimeFigureOut">
               <a:rPr lang="en-GB" smtClean="0"/>
-              <a:t>21/05/2020</a:t>
+              <a:t>24/05/2020</a:t>
             </a:fld>
             <a:endParaRPr lang="en-GB"/>
           </a:p>
@@ -862,7 +874,7 @@
           <a:p>
             <a:fld id="{4D723AB6-704A-42C8-AB51-31B091223600}" type="datetimeFigureOut">
               <a:rPr lang="en-GB" smtClean="0"/>
-              <a:t>21/05/2020</a:t>
+              <a:t>24/05/2020</a:t>
             </a:fld>
             <a:endParaRPr lang="en-GB"/>
           </a:p>
@@ -1072,7 +1084,7 @@
           <a:p>
             <a:fld id="{4D723AB6-704A-42C8-AB51-31B091223600}" type="datetimeFigureOut">
               <a:rPr lang="en-GB" smtClean="0"/>
-              <a:t>21/05/2020</a:t>
+              <a:t>24/05/2020</a:t>
             </a:fld>
             <a:endParaRPr lang="en-GB"/>
           </a:p>
@@ -1272,7 +1284,7 @@
           <a:p>
             <a:fld id="{4D723AB6-704A-42C8-AB51-31B091223600}" type="datetimeFigureOut">
               <a:rPr lang="en-GB" smtClean="0"/>
-              <a:t>21/05/2020</a:t>
+              <a:t>24/05/2020</a:t>
             </a:fld>
             <a:endParaRPr lang="en-GB"/>
           </a:p>
@@ -1548,7 +1560,7 @@
           <a:p>
             <a:fld id="{4D723AB6-704A-42C8-AB51-31B091223600}" type="datetimeFigureOut">
               <a:rPr lang="en-GB" smtClean="0"/>
-              <a:t>21/05/2020</a:t>
+              <a:t>24/05/2020</a:t>
             </a:fld>
             <a:endParaRPr lang="en-GB"/>
           </a:p>
@@ -1816,7 +1828,7 @@
           <a:p>
             <a:fld id="{4D723AB6-704A-42C8-AB51-31B091223600}" type="datetimeFigureOut">
               <a:rPr lang="en-GB" smtClean="0"/>
-              <a:t>21/05/2020</a:t>
+              <a:t>24/05/2020</a:t>
             </a:fld>
             <a:endParaRPr lang="en-GB"/>
           </a:p>
@@ -2231,7 +2243,7 @@
           <a:p>
             <a:fld id="{4D723AB6-704A-42C8-AB51-31B091223600}" type="datetimeFigureOut">
               <a:rPr lang="en-GB" smtClean="0"/>
-              <a:t>21/05/2020</a:t>
+              <a:t>24/05/2020</a:t>
             </a:fld>
             <a:endParaRPr lang="en-GB"/>
           </a:p>
@@ -2373,7 +2385,7 @@
           <a:p>
             <a:fld id="{4D723AB6-704A-42C8-AB51-31B091223600}" type="datetimeFigureOut">
               <a:rPr lang="en-GB" smtClean="0"/>
-              <a:t>21/05/2020</a:t>
+              <a:t>24/05/2020</a:t>
             </a:fld>
             <a:endParaRPr lang="en-GB"/>
           </a:p>
@@ -2486,7 +2498,7 @@
           <a:p>
             <a:fld id="{4D723AB6-704A-42C8-AB51-31B091223600}" type="datetimeFigureOut">
               <a:rPr lang="en-GB" smtClean="0"/>
-              <a:t>21/05/2020</a:t>
+              <a:t>24/05/2020</a:t>
             </a:fld>
             <a:endParaRPr lang="en-GB"/>
           </a:p>
@@ -2799,7 +2811,7 @@
           <a:p>
             <a:fld id="{4D723AB6-704A-42C8-AB51-31B091223600}" type="datetimeFigureOut">
               <a:rPr lang="en-GB" smtClean="0"/>
-              <a:t>21/05/2020</a:t>
+              <a:t>24/05/2020</a:t>
             </a:fld>
             <a:endParaRPr lang="en-GB"/>
           </a:p>
@@ -3088,7 +3100,7 @@
           <a:p>
             <a:fld id="{4D723AB6-704A-42C8-AB51-31B091223600}" type="datetimeFigureOut">
               <a:rPr lang="en-GB" smtClean="0"/>
-              <a:t>21/05/2020</a:t>
+              <a:t>24/05/2020</a:t>
             </a:fld>
             <a:endParaRPr lang="en-GB"/>
           </a:p>
@@ -3331,7 +3343,7 @@
           <a:p>
             <a:fld id="{4D723AB6-704A-42C8-AB51-31B091223600}" type="datetimeFigureOut">
               <a:rPr lang="en-GB" smtClean="0"/>
-              <a:t>21/05/2020</a:t>
+              <a:t>24/05/2020</a:t>
             </a:fld>
             <a:endParaRPr lang="en-GB"/>
           </a:p>
@@ -4509,13 +4521,13 @@
         </p:nvSpPr>
         <p:spPr>
           <a:xfrm>
-            <a:off x="838200" y="1775290"/>
-            <a:ext cx="10515600" cy="4399007"/>
+            <a:off x="838200" y="1394692"/>
+            <a:ext cx="10515600" cy="4779606"/>
           </a:xfrm>
         </p:spPr>
         <p:txBody>
           <a:bodyPr wrap="square" bIns="252000">
-            <a:normAutofit lnSpcReduction="10000"/>
+            <a:normAutofit fontScale="92500" lnSpcReduction="10000"/>
           </a:bodyPr>
           <a:lstStyle/>
           <a:p>
@@ -4528,7 +4540,65 @@
                   <a:srgbClr val="2196F3"/>
                 </a:solidFill>
               </a:rPr>
-              <a:t>JSON Data Types</a:t>
+              <a:t>Think of JSON data as an associative array</a:t>
+            </a:r>
+          </a:p>
+          <a:p>
+            <a:pPr marL="457200" lvl="1" indent="0">
+              <a:buNone/>
+            </a:pPr>
+            <a:r>
+              <a:rPr lang="en-GB" sz="3500" dirty="0" err="1">
+                <a:solidFill>
+                  <a:srgbClr val="2196F3"/>
+                </a:solidFill>
+              </a:rPr>
+              <a:t>json_encode</a:t>
+            </a:r>
+            <a:r>
+              <a:rPr lang="en-GB" sz="3500" dirty="0">
+                <a:solidFill>
+                  <a:srgbClr val="2196F3"/>
+                </a:solidFill>
+              </a:rPr>
+              <a:t>([php associative array]) gives JSON</a:t>
+            </a:r>
+          </a:p>
+          <a:p>
+            <a:pPr marL="457200" lvl="1" indent="0">
+              <a:buNone/>
+            </a:pPr>
+            <a:r>
+              <a:rPr lang="en-GB" sz="3500" dirty="0" err="1">
+                <a:solidFill>
+                  <a:srgbClr val="2196F3"/>
+                </a:solidFill>
+              </a:rPr>
+              <a:t>json_decode</a:t>
+            </a:r>
+            <a:r>
+              <a:rPr lang="en-GB" sz="3500" dirty="0">
+                <a:solidFill>
+                  <a:srgbClr val="2196F3"/>
+                </a:solidFill>
+              </a:rPr>
+              <a:t> (JSON) gives an </a:t>
+            </a:r>
+            <a:r>
+              <a:rPr lang="en-GB" sz="3500" dirty="0" err="1">
+                <a:solidFill>
+                  <a:srgbClr val="2196F3"/>
+                </a:solidFill>
+              </a:rPr>
+              <a:t>assoc</a:t>
+            </a:r>
+            <a:r>
+              <a:rPr lang="en-GB" sz="3500" dirty="0">
+                <a:solidFill>
+                  <a:srgbClr val="2196F3"/>
+                </a:solidFill>
+              </a:rPr>
+              <a:t> array</a:t>
             </a:r>
           </a:p>
           <a:p>
@@ -4688,6 +4758,1503 @@
     <p:extLst>
       <p:ext uri="{BB962C8B-B14F-4D97-AF65-F5344CB8AC3E}">
         <p14:creationId xmlns:p14="http://schemas.microsoft.com/office/powerpoint/2010/main" val="3496796182"/>
+      </p:ext>
+    </p:extLst>
+  </p:cSld>
+  <p:clrMapOvr>
+    <a:masterClrMapping/>
+  </p:clrMapOvr>
+</p:sld>
+</file>
+
+<file path=ppt/slides/slide12.xml><?xml version="1.0" encoding="utf-8"?>
+<p:sld xmlns:a="http://schemas.openxmlformats.org/drawingml/2006/main" xmlns:r="http://schemas.openxmlformats.org/officeDocument/2006/relationships" xmlns:p="http://schemas.openxmlformats.org/presentationml/2006/main">
+  <p:cSld>
+    <p:spTree>
+      <p:nvGrpSpPr>
+        <p:cNvPr id="1" name=""/>
+        <p:cNvGrpSpPr/>
+        <p:nvPr/>
+      </p:nvGrpSpPr>
+      <p:grpSpPr>
+        <a:xfrm>
+          <a:off x="0" y="0"/>
+          <a:ext cx="0" cy="0"/>
+          <a:chOff x="0" y="0"/>
+          <a:chExt cx="0" cy="0"/>
+        </a:xfrm>
+      </p:grpSpPr>
+      <p:sp>
+        <p:nvSpPr>
+          <p:cNvPr id="2" name="Title 1">
+            <a:extLst>
+              <a:ext uri="{FF2B5EF4-FFF2-40B4-BE49-F238E27FC236}">
+                <a16:creationId xmlns:a16="http://schemas.microsoft.com/office/drawing/2014/main" id="{5D7568B3-EC9A-45DD-8A17-CFE685194B65}"/>
+              </a:ext>
+            </a:extLst>
+          </p:cNvPr>
+          <p:cNvSpPr>
+            <a:spLocks noGrp="1"/>
+          </p:cNvSpPr>
+          <p:nvPr>
+            <p:ph type="title"/>
+          </p:nvPr>
+        </p:nvSpPr>
+        <p:spPr>
+          <a:xfrm>
+            <a:off x="838200" y="0"/>
+            <a:ext cx="10515600" cy="1325563"/>
+          </a:xfrm>
+          <a:solidFill>
+            <a:srgbClr val="2196F3"/>
+          </a:solidFill>
+        </p:spPr>
+        <p:txBody>
+          <a:bodyPr>
+            <a:normAutofit/>
+          </a:bodyPr>
+          <a:lstStyle/>
+          <a:p>
+            <a:pPr algn="ctr"/>
+            <a:r>
+              <a:rPr lang="en-GB" sz="6600" dirty="0">
+                <a:solidFill>
+                  <a:schemeClr val="bg1"/>
+                </a:solidFill>
+                <a:latin typeface="Segoe UI" panose="020B0502040204020203" pitchFamily="34" charset="0"/>
+                <a:cs typeface="Segoe UI" panose="020B0502040204020203" pitchFamily="34" charset="0"/>
+              </a:rPr>
+              <a:t>WP REST API &amp; AJAX</a:t>
+            </a:r>
+          </a:p>
+        </p:txBody>
+      </p:sp>
+      <p:sp>
+        <p:nvSpPr>
+          <p:cNvPr id="4" name="Content Placeholder 2">
+            <a:extLst>
+              <a:ext uri="{FF2B5EF4-FFF2-40B4-BE49-F238E27FC236}">
+                <a16:creationId xmlns:a16="http://schemas.microsoft.com/office/drawing/2014/main" id="{088CCB65-11B4-408B-9ED3-1304FE85032F}"/>
+              </a:ext>
+            </a:extLst>
+          </p:cNvPr>
+          <p:cNvSpPr>
+            <a:spLocks noGrp="1"/>
+          </p:cNvSpPr>
+          <p:nvPr>
+            <p:ph idx="1"/>
+          </p:nvPr>
+        </p:nvSpPr>
+        <p:spPr>
+          <a:xfrm>
+            <a:off x="838200" y="1431636"/>
+            <a:ext cx="10515600" cy="4742661"/>
+          </a:xfrm>
+        </p:spPr>
+        <p:txBody>
+          <a:bodyPr wrap="square" bIns="252000">
+            <a:normAutofit/>
+          </a:bodyPr>
+          <a:lstStyle/>
+          <a:p>
+            <a:pPr marL="457200" lvl="1" indent="0">
+              <a:buNone/>
+            </a:pPr>
+            <a:endParaRPr lang="en-GB" sz="5100" dirty="0">
+              <a:solidFill>
+                <a:srgbClr val="2196F3"/>
+              </a:solidFill>
+              <a:latin typeface="Segoe UI" panose="020B0502040204020203" pitchFamily="34" charset="0"/>
+              <a:cs typeface="Segoe UI" panose="020B0502040204020203" pitchFamily="34" charset="0"/>
+            </a:endParaRPr>
+          </a:p>
+          <a:p>
+            <a:pPr marL="457200" lvl="1" indent="0">
+              <a:buNone/>
+            </a:pPr>
+            <a:r>
+              <a:rPr lang="en-GB" sz="5100" dirty="0">
+                <a:solidFill>
+                  <a:srgbClr val="FF0000"/>
+                </a:solidFill>
+                <a:latin typeface="Segoe UI" panose="020B0502040204020203" pitchFamily="34" charset="0"/>
+                <a:cs typeface="Segoe UI" panose="020B0502040204020203" pitchFamily="34" charset="0"/>
+              </a:rPr>
+              <a:t>WP REST API + Web Components</a:t>
+            </a:r>
+          </a:p>
+          <a:p>
+            <a:pPr lvl="1">
+              <a:buFont typeface="Symbol" panose="05050102010706020507" pitchFamily="18" charset="2"/>
+              <a:buChar char="Þ"/>
+            </a:pPr>
+            <a:r>
+              <a:rPr lang="en-GB" sz="5100" dirty="0">
+                <a:solidFill>
+                  <a:srgbClr val="FF0000"/>
+                </a:solidFill>
+                <a:latin typeface="Segoe UI" panose="020B0502040204020203" pitchFamily="34" charset="0"/>
+                <a:cs typeface="Segoe UI" panose="020B0502040204020203" pitchFamily="34" charset="0"/>
+              </a:rPr>
+              <a:t> </a:t>
+            </a:r>
+            <a:r>
+              <a:rPr lang="en-GB" sz="5100" b="1" dirty="0">
+                <a:solidFill>
+                  <a:srgbClr val="FF0000"/>
+                </a:solidFill>
+                <a:latin typeface="Segoe UI" panose="020B0502040204020203" pitchFamily="34" charset="0"/>
+                <a:cs typeface="Segoe UI" panose="020B0502040204020203" pitchFamily="34" charset="0"/>
+              </a:rPr>
+              <a:t>HTML Plugins</a:t>
+            </a:r>
+          </a:p>
+          <a:p>
+            <a:pPr lvl="1">
+              <a:buFont typeface="Symbol" panose="05050102010706020507" pitchFamily="18" charset="2"/>
+              <a:buChar char="Þ"/>
+            </a:pPr>
+            <a:r>
+              <a:rPr lang="en-GB" sz="5100" dirty="0">
+                <a:solidFill>
+                  <a:srgbClr val="FF0000"/>
+                </a:solidFill>
+                <a:latin typeface="Segoe UI" panose="020B0502040204020203" pitchFamily="34" charset="0"/>
+                <a:cs typeface="Segoe UI" panose="020B0502040204020203" pitchFamily="34" charset="0"/>
+              </a:rPr>
+              <a:t> </a:t>
+            </a:r>
+            <a:r>
+              <a:rPr lang="en-GB" sz="5100" b="1" dirty="0">
+                <a:solidFill>
+                  <a:srgbClr val="FF0000"/>
+                </a:solidFill>
+                <a:latin typeface="Segoe UI" panose="020B0502040204020203" pitchFamily="34" charset="0"/>
+                <a:cs typeface="Segoe UI" panose="020B0502040204020203" pitchFamily="34" charset="0"/>
+              </a:rPr>
+              <a:t>100% Internet</a:t>
+            </a:r>
+          </a:p>
+          <a:p>
+            <a:pPr marL="457200" lvl="1" indent="0">
+              <a:buNone/>
+            </a:pPr>
+            <a:endParaRPr lang="en-GB" sz="1050" dirty="0">
+              <a:solidFill>
+                <a:srgbClr val="2196F3"/>
+              </a:solidFill>
+              <a:latin typeface="Segoe UI" panose="020B0502040204020203" pitchFamily="34" charset="0"/>
+              <a:cs typeface="Segoe UI" panose="020B0502040204020203" pitchFamily="34" charset="0"/>
+            </a:endParaRPr>
+          </a:p>
+          <a:p>
+            <a:pPr marL="457200" lvl="1" indent="0">
+              <a:buNone/>
+            </a:pPr>
+            <a:endParaRPr lang="en-GB" sz="6700" dirty="0">
+              <a:solidFill>
+                <a:srgbClr val="2196F3"/>
+              </a:solidFill>
+              <a:latin typeface="Segoe UI" panose="020B0502040204020203" pitchFamily="34" charset="0"/>
+              <a:cs typeface="Segoe UI" panose="020B0502040204020203" pitchFamily="34" charset="0"/>
+            </a:endParaRPr>
+          </a:p>
+          <a:p>
+            <a:pPr marL="457200" lvl="1" indent="0">
+              <a:buNone/>
+            </a:pPr>
+            <a:endParaRPr lang="en-GB" sz="6700" dirty="0">
+              <a:solidFill>
+                <a:srgbClr val="2196F3"/>
+              </a:solidFill>
+              <a:latin typeface="Segoe UI" panose="020B0502040204020203" pitchFamily="34" charset="0"/>
+              <a:cs typeface="Segoe UI" panose="020B0502040204020203" pitchFamily="34" charset="0"/>
+            </a:endParaRPr>
+          </a:p>
+          <a:p>
+            <a:pPr marL="457200" lvl="1" indent="0">
+              <a:buNone/>
+            </a:pPr>
+            <a:endParaRPr lang="en-GB" sz="6700" dirty="0">
+              <a:latin typeface="Segoe UI" panose="020B0502040204020203" pitchFamily="34" charset="0"/>
+              <a:cs typeface="Segoe UI" panose="020B0502040204020203" pitchFamily="34" charset="0"/>
+            </a:endParaRPr>
+          </a:p>
+          <a:p>
+            <a:pPr marL="0" indent="0">
+              <a:buNone/>
+            </a:pPr>
+            <a:endParaRPr lang="en-GB" dirty="0">
+              <a:latin typeface="Segoe UI" panose="020B0502040204020203" pitchFamily="34" charset="0"/>
+              <a:cs typeface="Segoe UI" panose="020B0502040204020203" pitchFamily="34" charset="0"/>
+            </a:endParaRPr>
+          </a:p>
+          <a:p>
+            <a:endParaRPr lang="en-GB" dirty="0">
+              <a:latin typeface="Segoe UI" panose="020B0502040204020203" pitchFamily="34" charset="0"/>
+              <a:cs typeface="Segoe UI" panose="020B0502040204020203" pitchFamily="34" charset="0"/>
+            </a:endParaRPr>
+          </a:p>
+        </p:txBody>
+      </p:sp>
+    </p:spTree>
+    <p:extLst>
+      <p:ext uri="{BB962C8B-B14F-4D97-AF65-F5344CB8AC3E}">
+        <p14:creationId xmlns:p14="http://schemas.microsoft.com/office/powerpoint/2010/main" val="1203899647"/>
+      </p:ext>
+    </p:extLst>
+  </p:cSld>
+  <p:clrMapOvr>
+    <a:masterClrMapping/>
+  </p:clrMapOvr>
+</p:sld>
+</file>
+
+<file path=ppt/slides/slide13.xml><?xml version="1.0" encoding="utf-8"?>
+<p:sld xmlns:a="http://schemas.openxmlformats.org/drawingml/2006/main" xmlns:r="http://schemas.openxmlformats.org/officeDocument/2006/relationships" xmlns:p="http://schemas.openxmlformats.org/presentationml/2006/main">
+  <p:cSld>
+    <p:spTree>
+      <p:nvGrpSpPr>
+        <p:cNvPr id="1" name=""/>
+        <p:cNvGrpSpPr/>
+        <p:nvPr/>
+      </p:nvGrpSpPr>
+      <p:grpSpPr>
+        <a:xfrm>
+          <a:off x="0" y="0"/>
+          <a:ext cx="0" cy="0"/>
+          <a:chOff x="0" y="0"/>
+          <a:chExt cx="0" cy="0"/>
+        </a:xfrm>
+      </p:grpSpPr>
+      <p:sp>
+        <p:nvSpPr>
+          <p:cNvPr id="2" name="Title 1">
+            <a:extLst>
+              <a:ext uri="{FF2B5EF4-FFF2-40B4-BE49-F238E27FC236}">
+                <a16:creationId xmlns:a16="http://schemas.microsoft.com/office/drawing/2014/main" id="{5D7568B3-EC9A-45DD-8A17-CFE685194B65}"/>
+              </a:ext>
+            </a:extLst>
+          </p:cNvPr>
+          <p:cNvSpPr>
+            <a:spLocks noGrp="1"/>
+          </p:cNvSpPr>
+          <p:nvPr>
+            <p:ph type="title"/>
+          </p:nvPr>
+        </p:nvSpPr>
+        <p:spPr>
+          <a:xfrm>
+            <a:off x="838200" y="0"/>
+            <a:ext cx="10515600" cy="1325563"/>
+          </a:xfrm>
+          <a:solidFill>
+            <a:srgbClr val="2196F3"/>
+          </a:solidFill>
+        </p:spPr>
+        <p:txBody>
+          <a:bodyPr>
+            <a:normAutofit/>
+          </a:bodyPr>
+          <a:lstStyle/>
+          <a:p>
+            <a:pPr algn="ctr"/>
+            <a:r>
+              <a:rPr lang="en-GB" sz="6600" dirty="0">
+                <a:solidFill>
+                  <a:schemeClr val="bg1"/>
+                </a:solidFill>
+                <a:latin typeface="Segoe UI" panose="020B0502040204020203" pitchFamily="34" charset="0"/>
+                <a:cs typeface="Segoe UI" panose="020B0502040204020203" pitchFamily="34" charset="0"/>
+              </a:rPr>
+              <a:t>WP REST API &amp; AJAX</a:t>
+            </a:r>
+          </a:p>
+        </p:txBody>
+      </p:sp>
+      <p:sp>
+        <p:nvSpPr>
+          <p:cNvPr id="4" name="Content Placeholder 2">
+            <a:extLst>
+              <a:ext uri="{FF2B5EF4-FFF2-40B4-BE49-F238E27FC236}">
+                <a16:creationId xmlns:a16="http://schemas.microsoft.com/office/drawing/2014/main" id="{088CCB65-11B4-408B-9ED3-1304FE85032F}"/>
+              </a:ext>
+            </a:extLst>
+          </p:cNvPr>
+          <p:cNvSpPr>
+            <a:spLocks noGrp="1"/>
+          </p:cNvSpPr>
+          <p:nvPr>
+            <p:ph idx="1"/>
+          </p:nvPr>
+        </p:nvSpPr>
+        <p:spPr>
+          <a:xfrm>
+            <a:off x="838200" y="1431636"/>
+            <a:ext cx="10515600" cy="4742661"/>
+          </a:xfrm>
+        </p:spPr>
+        <p:txBody>
+          <a:bodyPr wrap="square" bIns="252000">
+            <a:normAutofit/>
+          </a:bodyPr>
+          <a:lstStyle/>
+          <a:p>
+            <a:pPr marL="457200" lvl="1" indent="0">
+              <a:buNone/>
+            </a:pPr>
+            <a:r>
+              <a:rPr lang="en-GB" sz="5100" dirty="0">
+                <a:solidFill>
+                  <a:srgbClr val="2196F3"/>
+                </a:solidFill>
+                <a:latin typeface="Segoe UI" panose="020B0502040204020203" pitchFamily="34" charset="0"/>
+                <a:cs typeface="Segoe UI" panose="020B0502040204020203" pitchFamily="34" charset="0"/>
+              </a:rPr>
+              <a:t>DECOUPLED WP</a:t>
+            </a:r>
+          </a:p>
+          <a:p>
+            <a:pPr marL="457200" lvl="1" indent="0">
+              <a:buNone/>
+            </a:pPr>
+            <a:endParaRPr lang="en-GB" sz="1050" dirty="0">
+              <a:solidFill>
+                <a:srgbClr val="2196F3"/>
+              </a:solidFill>
+              <a:latin typeface="Segoe UI" panose="020B0502040204020203" pitchFamily="34" charset="0"/>
+              <a:cs typeface="Segoe UI" panose="020B0502040204020203" pitchFamily="34" charset="0"/>
+            </a:endParaRPr>
+          </a:p>
+          <a:p>
+            <a:pPr lvl="1"/>
+            <a:r>
+              <a:rPr lang="en-GB" sz="2800" dirty="0">
+                <a:solidFill>
+                  <a:srgbClr val="2196F3"/>
+                </a:solidFill>
+                <a:latin typeface="Segoe UI" panose="020B0502040204020203" pitchFamily="34" charset="0"/>
+                <a:cs typeface="Segoe UI" panose="020B0502040204020203" pitchFamily="34" charset="0"/>
+              </a:rPr>
+              <a:t>As we are using JS blocks in our PHP pages this can lead to using these scripts in HTML pages or PHP outside of the WP ecosystem.</a:t>
+            </a:r>
+          </a:p>
+          <a:p>
+            <a:pPr lvl="1"/>
+            <a:r>
+              <a:rPr lang="en-GB" sz="2800" dirty="0">
+                <a:solidFill>
+                  <a:srgbClr val="2196F3"/>
+                </a:solidFill>
+                <a:latin typeface="Segoe UI" panose="020B0502040204020203" pitchFamily="34" charset="0"/>
+                <a:cs typeface="Segoe UI" panose="020B0502040204020203" pitchFamily="34" charset="0"/>
+              </a:rPr>
+              <a:t>This means we can have DECOUPLED or HEADLESS WP sites</a:t>
+            </a:r>
+          </a:p>
+          <a:p>
+            <a:pPr lvl="1"/>
+            <a:r>
+              <a:rPr lang="en-GB" sz="2800" dirty="0">
+                <a:solidFill>
+                  <a:srgbClr val="2196F3"/>
+                </a:solidFill>
+                <a:latin typeface="Segoe UI" panose="020B0502040204020203" pitchFamily="34" charset="0"/>
+                <a:cs typeface="Segoe UI" panose="020B0502040204020203" pitchFamily="34" charset="0"/>
+              </a:rPr>
+              <a:t>HEADLESS means formatting preconfigured.</a:t>
+            </a:r>
+          </a:p>
+          <a:p>
+            <a:pPr lvl="1"/>
+            <a:r>
+              <a:rPr lang="en-GB" sz="2800" dirty="0">
+                <a:solidFill>
+                  <a:srgbClr val="2196F3"/>
+                </a:solidFill>
+                <a:latin typeface="Segoe UI" panose="020B0502040204020203" pitchFamily="34" charset="0"/>
+                <a:cs typeface="Segoe UI" panose="020B0502040204020203" pitchFamily="34" charset="0"/>
+              </a:rPr>
+              <a:t>DECOUPLED means data is sent and page formats data.</a:t>
+            </a:r>
+          </a:p>
+          <a:p>
+            <a:pPr lvl="1"/>
+            <a:r>
+              <a:rPr lang="en-GB" sz="2800" dirty="0">
+                <a:solidFill>
+                  <a:srgbClr val="2196F3"/>
+                </a:solidFill>
+                <a:latin typeface="Segoe UI" panose="020B0502040204020203" pitchFamily="34" charset="0"/>
+                <a:cs typeface="Segoe UI" panose="020B0502040204020203" pitchFamily="34" charset="0"/>
+              </a:rPr>
+              <a:t>Using JSON WEB TOKENS (JWT) we can also authenticate…</a:t>
+            </a:r>
+          </a:p>
+          <a:p>
+            <a:pPr lvl="1"/>
+            <a:r>
+              <a:rPr lang="en-GB" sz="2800" dirty="0">
+                <a:solidFill>
+                  <a:srgbClr val="2196F3"/>
+                </a:solidFill>
+                <a:latin typeface="Segoe UI" panose="020B0502040204020203" pitchFamily="34" charset="0"/>
+                <a:cs typeface="Segoe UI" panose="020B0502040204020203" pitchFamily="34" charset="0"/>
+              </a:rPr>
+              <a:t>Example: https://wp-html.co.uk/semantic</a:t>
+            </a:r>
+          </a:p>
+          <a:p>
+            <a:pPr marL="457200" lvl="1" indent="0">
+              <a:buNone/>
+            </a:pPr>
+            <a:endParaRPr lang="en-GB" sz="6700" dirty="0">
+              <a:solidFill>
+                <a:srgbClr val="2196F3"/>
+              </a:solidFill>
+              <a:latin typeface="Segoe UI" panose="020B0502040204020203" pitchFamily="34" charset="0"/>
+              <a:cs typeface="Segoe UI" panose="020B0502040204020203" pitchFamily="34" charset="0"/>
+            </a:endParaRPr>
+          </a:p>
+          <a:p>
+            <a:pPr marL="457200" lvl="1" indent="0">
+              <a:buNone/>
+            </a:pPr>
+            <a:endParaRPr lang="en-GB" sz="6700" dirty="0">
+              <a:solidFill>
+                <a:srgbClr val="2196F3"/>
+              </a:solidFill>
+              <a:latin typeface="Segoe UI" panose="020B0502040204020203" pitchFamily="34" charset="0"/>
+              <a:cs typeface="Segoe UI" panose="020B0502040204020203" pitchFamily="34" charset="0"/>
+            </a:endParaRPr>
+          </a:p>
+          <a:p>
+            <a:pPr marL="457200" lvl="1" indent="0">
+              <a:buNone/>
+            </a:pPr>
+            <a:endParaRPr lang="en-GB" sz="6700" dirty="0">
+              <a:latin typeface="Segoe UI" panose="020B0502040204020203" pitchFamily="34" charset="0"/>
+              <a:cs typeface="Segoe UI" panose="020B0502040204020203" pitchFamily="34" charset="0"/>
+            </a:endParaRPr>
+          </a:p>
+          <a:p>
+            <a:pPr marL="0" indent="0">
+              <a:buNone/>
+            </a:pPr>
+            <a:endParaRPr lang="en-GB" dirty="0">
+              <a:latin typeface="Segoe UI" panose="020B0502040204020203" pitchFamily="34" charset="0"/>
+              <a:cs typeface="Segoe UI" panose="020B0502040204020203" pitchFamily="34" charset="0"/>
+            </a:endParaRPr>
+          </a:p>
+          <a:p>
+            <a:endParaRPr lang="en-GB" dirty="0">
+              <a:latin typeface="Segoe UI" panose="020B0502040204020203" pitchFamily="34" charset="0"/>
+              <a:cs typeface="Segoe UI" panose="020B0502040204020203" pitchFamily="34" charset="0"/>
+            </a:endParaRPr>
+          </a:p>
+        </p:txBody>
+      </p:sp>
+    </p:spTree>
+    <p:extLst>
+      <p:ext uri="{BB962C8B-B14F-4D97-AF65-F5344CB8AC3E}">
+        <p14:creationId xmlns:p14="http://schemas.microsoft.com/office/powerpoint/2010/main" val="3994601803"/>
+      </p:ext>
+    </p:extLst>
+  </p:cSld>
+  <p:clrMapOvr>
+    <a:masterClrMapping/>
+  </p:clrMapOvr>
+</p:sld>
+</file>
+
+<file path=ppt/slides/slide14.xml><?xml version="1.0" encoding="utf-8"?>
+<p:sld xmlns:a="http://schemas.openxmlformats.org/drawingml/2006/main" xmlns:r="http://schemas.openxmlformats.org/officeDocument/2006/relationships" xmlns:p="http://schemas.openxmlformats.org/presentationml/2006/main">
+  <p:cSld>
+    <p:spTree>
+      <p:nvGrpSpPr>
+        <p:cNvPr id="1" name=""/>
+        <p:cNvGrpSpPr/>
+        <p:nvPr/>
+      </p:nvGrpSpPr>
+      <p:grpSpPr>
+        <a:xfrm>
+          <a:off x="0" y="0"/>
+          <a:ext cx="0" cy="0"/>
+          <a:chOff x="0" y="0"/>
+          <a:chExt cx="0" cy="0"/>
+        </a:xfrm>
+      </p:grpSpPr>
+      <p:sp>
+        <p:nvSpPr>
+          <p:cNvPr id="2" name="Title 1">
+            <a:extLst>
+              <a:ext uri="{FF2B5EF4-FFF2-40B4-BE49-F238E27FC236}">
+                <a16:creationId xmlns:a16="http://schemas.microsoft.com/office/drawing/2014/main" id="{5D7568B3-EC9A-45DD-8A17-CFE685194B65}"/>
+              </a:ext>
+            </a:extLst>
+          </p:cNvPr>
+          <p:cNvSpPr>
+            <a:spLocks noGrp="1"/>
+          </p:cNvSpPr>
+          <p:nvPr>
+            <p:ph type="title"/>
+          </p:nvPr>
+        </p:nvSpPr>
+        <p:spPr>
+          <a:xfrm>
+            <a:off x="838200" y="0"/>
+            <a:ext cx="10515600" cy="1325563"/>
+          </a:xfrm>
+          <a:solidFill>
+            <a:srgbClr val="2196F3"/>
+          </a:solidFill>
+        </p:spPr>
+        <p:txBody>
+          <a:bodyPr>
+            <a:normAutofit/>
+          </a:bodyPr>
+          <a:lstStyle/>
+          <a:p>
+            <a:pPr algn="ctr"/>
+            <a:r>
+              <a:rPr lang="en-GB" sz="6600" dirty="0">
+                <a:solidFill>
+                  <a:schemeClr val="bg1"/>
+                </a:solidFill>
+                <a:latin typeface="Segoe UI" panose="020B0502040204020203" pitchFamily="34" charset="0"/>
+                <a:cs typeface="Segoe UI" panose="020B0502040204020203" pitchFamily="34" charset="0"/>
+              </a:rPr>
+              <a:t>WP REST API &amp; AJAX</a:t>
+            </a:r>
+          </a:p>
+        </p:txBody>
+      </p:sp>
+      <p:sp>
+        <p:nvSpPr>
+          <p:cNvPr id="4" name="Content Placeholder 2">
+            <a:extLst>
+              <a:ext uri="{FF2B5EF4-FFF2-40B4-BE49-F238E27FC236}">
+                <a16:creationId xmlns:a16="http://schemas.microsoft.com/office/drawing/2014/main" id="{088CCB65-11B4-408B-9ED3-1304FE85032F}"/>
+              </a:ext>
+            </a:extLst>
+          </p:cNvPr>
+          <p:cNvSpPr>
+            <a:spLocks noGrp="1"/>
+          </p:cNvSpPr>
+          <p:nvPr>
+            <p:ph idx="1"/>
+          </p:nvPr>
+        </p:nvSpPr>
+        <p:spPr>
+          <a:xfrm>
+            <a:off x="838200" y="1431636"/>
+            <a:ext cx="10515600" cy="4742661"/>
+          </a:xfrm>
+        </p:spPr>
+        <p:txBody>
+          <a:bodyPr wrap="square" bIns="252000">
+            <a:normAutofit/>
+          </a:bodyPr>
+          <a:lstStyle/>
+          <a:p>
+            <a:pPr marL="457200" lvl="1" indent="0">
+              <a:buNone/>
+            </a:pPr>
+            <a:r>
+              <a:rPr lang="en-GB" sz="5100" dirty="0">
+                <a:solidFill>
+                  <a:srgbClr val="2196F3"/>
+                </a:solidFill>
+                <a:latin typeface="Segoe UI" panose="020B0502040204020203" pitchFamily="34" charset="0"/>
+                <a:cs typeface="Segoe UI" panose="020B0502040204020203" pitchFamily="34" charset="0"/>
+              </a:rPr>
+              <a:t>DECOUPLED WP</a:t>
+            </a:r>
+          </a:p>
+          <a:p>
+            <a:pPr marL="457200" lvl="1" indent="0">
+              <a:buNone/>
+            </a:pPr>
+            <a:endParaRPr lang="en-GB" sz="1050" dirty="0">
+              <a:solidFill>
+                <a:srgbClr val="2196F3"/>
+              </a:solidFill>
+              <a:latin typeface="Segoe UI" panose="020B0502040204020203" pitchFamily="34" charset="0"/>
+              <a:cs typeface="Segoe UI" panose="020B0502040204020203" pitchFamily="34" charset="0"/>
+            </a:endParaRPr>
+          </a:p>
+          <a:p>
+            <a:pPr lvl="1"/>
+            <a:r>
+              <a:rPr lang="en-GB" sz="2800" dirty="0">
+                <a:solidFill>
+                  <a:srgbClr val="2196F3"/>
+                </a:solidFill>
+                <a:latin typeface="Segoe UI" panose="020B0502040204020203" pitchFamily="34" charset="0"/>
+                <a:cs typeface="Segoe UI" panose="020B0502040204020203" pitchFamily="34" charset="0"/>
+              </a:rPr>
+              <a:t>As we are using JS blocks in our PHP pages this can lead to using these scripts in HTML pages or PHP outside of the WP ecosystem.</a:t>
+            </a:r>
+          </a:p>
+          <a:p>
+            <a:pPr lvl="1"/>
+            <a:r>
+              <a:rPr lang="en-GB" sz="2800" dirty="0">
+                <a:solidFill>
+                  <a:srgbClr val="2196F3"/>
+                </a:solidFill>
+                <a:latin typeface="Segoe UI" panose="020B0502040204020203" pitchFamily="34" charset="0"/>
+                <a:cs typeface="Segoe UI" panose="020B0502040204020203" pitchFamily="34" charset="0"/>
+              </a:rPr>
+              <a:t>This means we can have DECOUPLED or HEADLESS WP sites</a:t>
+            </a:r>
+          </a:p>
+          <a:p>
+            <a:pPr lvl="1"/>
+            <a:r>
+              <a:rPr lang="en-GB" sz="2800" dirty="0">
+                <a:solidFill>
+                  <a:srgbClr val="2196F3"/>
+                </a:solidFill>
+                <a:latin typeface="Segoe UI" panose="020B0502040204020203" pitchFamily="34" charset="0"/>
+                <a:cs typeface="Segoe UI" panose="020B0502040204020203" pitchFamily="34" charset="0"/>
+              </a:rPr>
+              <a:t>HEADLESS means formatting preconfigured.</a:t>
+            </a:r>
+          </a:p>
+          <a:p>
+            <a:pPr lvl="1"/>
+            <a:r>
+              <a:rPr lang="en-GB" sz="2800" dirty="0">
+                <a:solidFill>
+                  <a:srgbClr val="2196F3"/>
+                </a:solidFill>
+                <a:latin typeface="Segoe UI" panose="020B0502040204020203" pitchFamily="34" charset="0"/>
+                <a:cs typeface="Segoe UI" panose="020B0502040204020203" pitchFamily="34" charset="0"/>
+              </a:rPr>
+              <a:t>DECOUPLED means data is sent and page formats data.</a:t>
+            </a:r>
+          </a:p>
+          <a:p>
+            <a:pPr lvl="1"/>
+            <a:r>
+              <a:rPr lang="en-GB" sz="2800" dirty="0">
+                <a:solidFill>
+                  <a:srgbClr val="2196F3"/>
+                </a:solidFill>
+                <a:latin typeface="Segoe UI" panose="020B0502040204020203" pitchFamily="34" charset="0"/>
+                <a:cs typeface="Segoe UI" panose="020B0502040204020203" pitchFamily="34" charset="0"/>
+              </a:rPr>
+              <a:t>Using JSON WEB TOKENS (JWT) we can also authenticate…</a:t>
+            </a:r>
+          </a:p>
+          <a:p>
+            <a:pPr lvl="1"/>
+            <a:r>
+              <a:rPr lang="en-GB" sz="2800" dirty="0">
+                <a:solidFill>
+                  <a:srgbClr val="2196F3"/>
+                </a:solidFill>
+                <a:latin typeface="Segoe UI" panose="020B0502040204020203" pitchFamily="34" charset="0"/>
+                <a:cs typeface="Segoe UI" panose="020B0502040204020203" pitchFamily="34" charset="0"/>
+              </a:rPr>
+              <a:t>Example: https://wp-html.co.uk/semantic</a:t>
+            </a:r>
+          </a:p>
+          <a:p>
+            <a:pPr marL="457200" lvl="1" indent="0">
+              <a:buNone/>
+            </a:pPr>
+            <a:endParaRPr lang="en-GB" sz="6700" dirty="0">
+              <a:solidFill>
+                <a:srgbClr val="2196F3"/>
+              </a:solidFill>
+              <a:latin typeface="Segoe UI" panose="020B0502040204020203" pitchFamily="34" charset="0"/>
+              <a:cs typeface="Segoe UI" panose="020B0502040204020203" pitchFamily="34" charset="0"/>
+            </a:endParaRPr>
+          </a:p>
+          <a:p>
+            <a:pPr marL="457200" lvl="1" indent="0">
+              <a:buNone/>
+            </a:pPr>
+            <a:endParaRPr lang="en-GB" sz="6700" dirty="0">
+              <a:solidFill>
+                <a:srgbClr val="2196F3"/>
+              </a:solidFill>
+              <a:latin typeface="Segoe UI" panose="020B0502040204020203" pitchFamily="34" charset="0"/>
+              <a:cs typeface="Segoe UI" panose="020B0502040204020203" pitchFamily="34" charset="0"/>
+            </a:endParaRPr>
+          </a:p>
+          <a:p>
+            <a:pPr marL="457200" lvl="1" indent="0">
+              <a:buNone/>
+            </a:pPr>
+            <a:endParaRPr lang="en-GB" sz="6700" dirty="0">
+              <a:latin typeface="Segoe UI" panose="020B0502040204020203" pitchFamily="34" charset="0"/>
+              <a:cs typeface="Segoe UI" panose="020B0502040204020203" pitchFamily="34" charset="0"/>
+            </a:endParaRPr>
+          </a:p>
+          <a:p>
+            <a:pPr marL="0" indent="0">
+              <a:buNone/>
+            </a:pPr>
+            <a:endParaRPr lang="en-GB" dirty="0">
+              <a:latin typeface="Segoe UI" panose="020B0502040204020203" pitchFamily="34" charset="0"/>
+              <a:cs typeface="Segoe UI" panose="020B0502040204020203" pitchFamily="34" charset="0"/>
+            </a:endParaRPr>
+          </a:p>
+          <a:p>
+            <a:endParaRPr lang="en-GB" dirty="0">
+              <a:latin typeface="Segoe UI" panose="020B0502040204020203" pitchFamily="34" charset="0"/>
+              <a:cs typeface="Segoe UI" panose="020B0502040204020203" pitchFamily="34" charset="0"/>
+            </a:endParaRPr>
+          </a:p>
+        </p:txBody>
+      </p:sp>
+    </p:spTree>
+    <p:extLst>
+      <p:ext uri="{BB962C8B-B14F-4D97-AF65-F5344CB8AC3E}">
+        <p14:creationId xmlns:p14="http://schemas.microsoft.com/office/powerpoint/2010/main" val="863311338"/>
+      </p:ext>
+    </p:extLst>
+  </p:cSld>
+  <p:clrMapOvr>
+    <a:masterClrMapping/>
+  </p:clrMapOvr>
+</p:sld>
+</file>
+
+<file path=ppt/slides/slide15.xml><?xml version="1.0" encoding="utf-8"?>
+<p:sld xmlns:a="http://schemas.openxmlformats.org/drawingml/2006/main" xmlns:r="http://schemas.openxmlformats.org/officeDocument/2006/relationships" xmlns:p="http://schemas.openxmlformats.org/presentationml/2006/main">
+  <p:cSld>
+    <p:spTree>
+      <p:nvGrpSpPr>
+        <p:cNvPr id="1" name=""/>
+        <p:cNvGrpSpPr/>
+        <p:nvPr/>
+      </p:nvGrpSpPr>
+      <p:grpSpPr>
+        <a:xfrm>
+          <a:off x="0" y="0"/>
+          <a:ext cx="0" cy="0"/>
+          <a:chOff x="0" y="0"/>
+          <a:chExt cx="0" cy="0"/>
+        </a:xfrm>
+      </p:grpSpPr>
+      <p:sp>
+        <p:nvSpPr>
+          <p:cNvPr id="2" name="Title 1">
+            <a:extLst>
+              <a:ext uri="{FF2B5EF4-FFF2-40B4-BE49-F238E27FC236}">
+                <a16:creationId xmlns:a16="http://schemas.microsoft.com/office/drawing/2014/main" id="{5D7568B3-EC9A-45DD-8A17-CFE685194B65}"/>
+              </a:ext>
+            </a:extLst>
+          </p:cNvPr>
+          <p:cNvSpPr>
+            <a:spLocks noGrp="1"/>
+          </p:cNvSpPr>
+          <p:nvPr>
+            <p:ph type="title"/>
+          </p:nvPr>
+        </p:nvSpPr>
+        <p:spPr>
+          <a:xfrm>
+            <a:off x="838200" y="0"/>
+            <a:ext cx="10515600" cy="1325563"/>
+          </a:xfrm>
+          <a:solidFill>
+            <a:srgbClr val="2196F3"/>
+          </a:solidFill>
+        </p:spPr>
+        <p:txBody>
+          <a:bodyPr>
+            <a:normAutofit/>
+          </a:bodyPr>
+          <a:lstStyle/>
+          <a:p>
+            <a:pPr algn="ctr"/>
+            <a:r>
+              <a:rPr lang="en-GB" sz="6600" dirty="0">
+                <a:solidFill>
+                  <a:schemeClr val="bg1"/>
+                </a:solidFill>
+                <a:latin typeface="Segoe UI" panose="020B0502040204020203" pitchFamily="34" charset="0"/>
+                <a:cs typeface="Segoe UI" panose="020B0502040204020203" pitchFamily="34" charset="0"/>
+              </a:rPr>
+              <a:t>WP REST API &amp; AJAX</a:t>
+            </a:r>
+          </a:p>
+        </p:txBody>
+      </p:sp>
+      <p:sp>
+        <p:nvSpPr>
+          <p:cNvPr id="4" name="Content Placeholder 2">
+            <a:extLst>
+              <a:ext uri="{FF2B5EF4-FFF2-40B4-BE49-F238E27FC236}">
+                <a16:creationId xmlns:a16="http://schemas.microsoft.com/office/drawing/2014/main" id="{088CCB65-11B4-408B-9ED3-1304FE85032F}"/>
+              </a:ext>
+            </a:extLst>
+          </p:cNvPr>
+          <p:cNvSpPr>
+            <a:spLocks noGrp="1"/>
+          </p:cNvSpPr>
+          <p:nvPr>
+            <p:ph idx="1"/>
+          </p:nvPr>
+        </p:nvSpPr>
+        <p:spPr>
+          <a:xfrm>
+            <a:off x="838200" y="1431636"/>
+            <a:ext cx="10515600" cy="4742661"/>
+          </a:xfrm>
+        </p:spPr>
+        <p:txBody>
+          <a:bodyPr wrap="square" bIns="252000">
+            <a:normAutofit lnSpcReduction="10000"/>
+          </a:bodyPr>
+          <a:lstStyle/>
+          <a:p>
+            <a:pPr marL="457200" lvl="1" indent="0">
+              <a:buNone/>
+            </a:pPr>
+            <a:r>
+              <a:rPr lang="en-GB" sz="5100" dirty="0">
+                <a:solidFill>
+                  <a:srgbClr val="2196F3"/>
+                </a:solidFill>
+                <a:latin typeface="Segoe UI" panose="020B0502040204020203" pitchFamily="34" charset="0"/>
+                <a:cs typeface="Segoe UI" panose="020B0502040204020203" pitchFamily="34" charset="0"/>
+              </a:rPr>
+              <a:t>WP REST API + Web Components</a:t>
+            </a:r>
+          </a:p>
+          <a:p>
+            <a:pPr marL="457200" lvl="1" indent="0">
+              <a:buNone/>
+            </a:pPr>
+            <a:r>
+              <a:rPr lang="en-GB" sz="5100" dirty="0">
+                <a:solidFill>
+                  <a:srgbClr val="2196F3"/>
+                </a:solidFill>
+                <a:latin typeface="Segoe UI" panose="020B0502040204020203" pitchFamily="34" charset="0"/>
+                <a:cs typeface="Segoe UI" panose="020B0502040204020203" pitchFamily="34" charset="0"/>
+              </a:rPr>
+              <a:t>=&gt; 100% INTERNET</a:t>
+            </a:r>
+          </a:p>
+          <a:p>
+            <a:pPr marL="457200" lvl="1" indent="0">
+              <a:buNone/>
+            </a:pPr>
+            <a:endParaRPr lang="en-GB" sz="1050" dirty="0">
+              <a:solidFill>
+                <a:srgbClr val="2196F3"/>
+              </a:solidFill>
+              <a:latin typeface="Segoe UI" panose="020B0502040204020203" pitchFamily="34" charset="0"/>
+              <a:cs typeface="Segoe UI" panose="020B0502040204020203" pitchFamily="34" charset="0"/>
+            </a:endParaRPr>
+          </a:p>
+          <a:p>
+            <a:pPr lvl="1"/>
+            <a:r>
+              <a:rPr lang="en-GB" sz="2800" dirty="0">
+                <a:solidFill>
+                  <a:srgbClr val="2196F3"/>
+                </a:solidFill>
+                <a:latin typeface="Segoe UI" panose="020B0502040204020203" pitchFamily="34" charset="0"/>
+                <a:cs typeface="Segoe UI" panose="020B0502040204020203" pitchFamily="34" charset="0"/>
+              </a:rPr>
+              <a:t>Web Components are custom HTML elements/tags that we can create.</a:t>
+            </a:r>
+          </a:p>
+          <a:p>
+            <a:pPr lvl="1"/>
+            <a:r>
+              <a:rPr lang="en-GB" sz="2800" dirty="0">
+                <a:solidFill>
+                  <a:srgbClr val="2196F3"/>
+                </a:solidFill>
+                <a:latin typeface="Segoe UI" panose="020B0502040204020203" pitchFamily="34" charset="0"/>
+                <a:cs typeface="Segoe UI" panose="020B0502040204020203" pitchFamily="34" charset="0"/>
+              </a:rPr>
+              <a:t>We define a tag and associate with a JS Class.</a:t>
+            </a:r>
+          </a:p>
+          <a:p>
+            <a:pPr lvl="1"/>
+            <a:r>
+              <a:rPr lang="en-GB" sz="2800" dirty="0">
+                <a:solidFill>
+                  <a:srgbClr val="2196F3"/>
+                </a:solidFill>
+                <a:latin typeface="Segoe UI" panose="020B0502040204020203" pitchFamily="34" charset="0"/>
+                <a:cs typeface="Segoe UI" panose="020B0502040204020203" pitchFamily="34" charset="0"/>
+              </a:rPr>
+              <a:t>They are regular HTML so can be used wherever HTML is used and also be wired into JS Framework builds.</a:t>
+            </a:r>
+          </a:p>
+          <a:p>
+            <a:pPr lvl="1"/>
+            <a:r>
+              <a:rPr lang="en-GB" sz="2800" dirty="0">
+                <a:solidFill>
+                  <a:srgbClr val="2196F3"/>
+                </a:solidFill>
+                <a:latin typeface="Segoe UI" panose="020B0502040204020203" pitchFamily="34" charset="0"/>
+                <a:cs typeface="Segoe UI" panose="020B0502040204020203" pitchFamily="34" charset="0"/>
+              </a:rPr>
+              <a:t>The example of DECOUPLED WP is in fact built entirely with Web Components…let’s look at the source code…</a:t>
+            </a:r>
+          </a:p>
+          <a:p>
+            <a:pPr marL="457200" lvl="1" indent="0">
+              <a:buNone/>
+            </a:pPr>
+            <a:endParaRPr lang="en-GB" sz="6700" dirty="0">
+              <a:solidFill>
+                <a:srgbClr val="2196F3"/>
+              </a:solidFill>
+              <a:latin typeface="Segoe UI" panose="020B0502040204020203" pitchFamily="34" charset="0"/>
+              <a:cs typeface="Segoe UI" panose="020B0502040204020203" pitchFamily="34" charset="0"/>
+            </a:endParaRPr>
+          </a:p>
+          <a:p>
+            <a:pPr marL="457200" lvl="1" indent="0">
+              <a:buNone/>
+            </a:pPr>
+            <a:endParaRPr lang="en-GB" sz="6700" dirty="0">
+              <a:solidFill>
+                <a:srgbClr val="2196F3"/>
+              </a:solidFill>
+              <a:latin typeface="Segoe UI" panose="020B0502040204020203" pitchFamily="34" charset="0"/>
+              <a:cs typeface="Segoe UI" panose="020B0502040204020203" pitchFamily="34" charset="0"/>
+            </a:endParaRPr>
+          </a:p>
+          <a:p>
+            <a:pPr marL="457200" lvl="1" indent="0">
+              <a:buNone/>
+            </a:pPr>
+            <a:endParaRPr lang="en-GB" sz="6700" dirty="0">
+              <a:latin typeface="Segoe UI" panose="020B0502040204020203" pitchFamily="34" charset="0"/>
+              <a:cs typeface="Segoe UI" panose="020B0502040204020203" pitchFamily="34" charset="0"/>
+            </a:endParaRPr>
+          </a:p>
+          <a:p>
+            <a:pPr marL="0" indent="0">
+              <a:buNone/>
+            </a:pPr>
+            <a:endParaRPr lang="en-GB" dirty="0">
+              <a:latin typeface="Segoe UI" panose="020B0502040204020203" pitchFamily="34" charset="0"/>
+              <a:cs typeface="Segoe UI" panose="020B0502040204020203" pitchFamily="34" charset="0"/>
+            </a:endParaRPr>
+          </a:p>
+          <a:p>
+            <a:endParaRPr lang="en-GB" dirty="0">
+              <a:latin typeface="Segoe UI" panose="020B0502040204020203" pitchFamily="34" charset="0"/>
+              <a:cs typeface="Segoe UI" panose="020B0502040204020203" pitchFamily="34" charset="0"/>
+            </a:endParaRPr>
+          </a:p>
+        </p:txBody>
+      </p:sp>
+    </p:spTree>
+    <p:extLst>
+      <p:ext uri="{BB962C8B-B14F-4D97-AF65-F5344CB8AC3E}">
+        <p14:creationId xmlns:p14="http://schemas.microsoft.com/office/powerpoint/2010/main" val="16959895"/>
+      </p:ext>
+    </p:extLst>
+  </p:cSld>
+  <p:clrMapOvr>
+    <a:masterClrMapping/>
+  </p:clrMapOvr>
+</p:sld>
+</file>
+
+<file path=ppt/slides/slide16.xml><?xml version="1.0" encoding="utf-8"?>
+<p:sld xmlns:a="http://schemas.openxmlformats.org/drawingml/2006/main" xmlns:r="http://schemas.openxmlformats.org/officeDocument/2006/relationships" xmlns:p="http://schemas.openxmlformats.org/presentationml/2006/main">
+  <p:cSld>
+    <p:spTree>
+      <p:nvGrpSpPr>
+        <p:cNvPr id="1" name=""/>
+        <p:cNvGrpSpPr/>
+        <p:nvPr/>
+      </p:nvGrpSpPr>
+      <p:grpSpPr>
+        <a:xfrm>
+          <a:off x="0" y="0"/>
+          <a:ext cx="0" cy="0"/>
+          <a:chOff x="0" y="0"/>
+          <a:chExt cx="0" cy="0"/>
+        </a:xfrm>
+      </p:grpSpPr>
+      <p:sp>
+        <p:nvSpPr>
+          <p:cNvPr id="2" name="Title 1">
+            <a:extLst>
+              <a:ext uri="{FF2B5EF4-FFF2-40B4-BE49-F238E27FC236}">
+                <a16:creationId xmlns:a16="http://schemas.microsoft.com/office/drawing/2014/main" id="{5D7568B3-EC9A-45DD-8A17-CFE685194B65}"/>
+              </a:ext>
+            </a:extLst>
+          </p:cNvPr>
+          <p:cNvSpPr>
+            <a:spLocks noGrp="1"/>
+          </p:cNvSpPr>
+          <p:nvPr>
+            <p:ph type="title"/>
+          </p:nvPr>
+        </p:nvSpPr>
+        <p:spPr>
+          <a:xfrm>
+            <a:off x="838200" y="0"/>
+            <a:ext cx="10515600" cy="1325563"/>
+          </a:xfrm>
+          <a:solidFill>
+            <a:srgbClr val="2196F3"/>
+          </a:solidFill>
+        </p:spPr>
+        <p:txBody>
+          <a:bodyPr>
+            <a:normAutofit/>
+          </a:bodyPr>
+          <a:lstStyle/>
+          <a:p>
+            <a:pPr algn="ctr"/>
+            <a:r>
+              <a:rPr lang="en-GB" sz="6600" dirty="0">
+                <a:solidFill>
+                  <a:schemeClr val="bg1"/>
+                </a:solidFill>
+                <a:latin typeface="Segoe UI" panose="020B0502040204020203" pitchFamily="34" charset="0"/>
+                <a:cs typeface="Segoe UI" panose="020B0502040204020203" pitchFamily="34" charset="0"/>
+              </a:rPr>
+              <a:t>WP REST API &amp; AJAX</a:t>
+            </a:r>
+          </a:p>
+        </p:txBody>
+      </p:sp>
+      <p:sp>
+        <p:nvSpPr>
+          <p:cNvPr id="4" name="Content Placeholder 2">
+            <a:extLst>
+              <a:ext uri="{FF2B5EF4-FFF2-40B4-BE49-F238E27FC236}">
+                <a16:creationId xmlns:a16="http://schemas.microsoft.com/office/drawing/2014/main" id="{088CCB65-11B4-408B-9ED3-1304FE85032F}"/>
+              </a:ext>
+            </a:extLst>
+          </p:cNvPr>
+          <p:cNvSpPr>
+            <a:spLocks noGrp="1"/>
+          </p:cNvSpPr>
+          <p:nvPr>
+            <p:ph idx="1"/>
+          </p:nvPr>
+        </p:nvSpPr>
+        <p:spPr>
+          <a:xfrm>
+            <a:off x="838200" y="1431636"/>
+            <a:ext cx="10515600" cy="4742661"/>
+          </a:xfrm>
+        </p:spPr>
+        <p:txBody>
+          <a:bodyPr wrap="square" bIns="252000">
+            <a:normAutofit/>
+          </a:bodyPr>
+          <a:lstStyle/>
+          <a:p>
+            <a:pPr marL="457200" lvl="1" indent="0">
+              <a:buNone/>
+            </a:pPr>
+            <a:r>
+              <a:rPr lang="en-GB" sz="5100" dirty="0">
+                <a:solidFill>
+                  <a:srgbClr val="2196F3"/>
+                </a:solidFill>
+                <a:latin typeface="Segoe UI" panose="020B0502040204020203" pitchFamily="34" charset="0"/>
+                <a:cs typeface="Segoe UI" panose="020B0502040204020203" pitchFamily="34" charset="0"/>
+              </a:rPr>
+              <a:t>What are the </a:t>
+            </a:r>
+            <a:r>
+              <a:rPr lang="en-GB" sz="5100" dirty="0" err="1">
+                <a:solidFill>
+                  <a:srgbClr val="2196F3"/>
+                </a:solidFill>
+                <a:latin typeface="Segoe UI" panose="020B0502040204020203" pitchFamily="34" charset="0"/>
+                <a:cs typeface="Segoe UI" panose="020B0502040204020203" pitchFamily="34" charset="0"/>
+              </a:rPr>
+              <a:t>impications</a:t>
+            </a:r>
+            <a:r>
+              <a:rPr lang="en-GB" sz="5100" dirty="0">
+                <a:solidFill>
+                  <a:srgbClr val="2196F3"/>
+                </a:solidFill>
+                <a:latin typeface="Segoe UI" panose="020B0502040204020203" pitchFamily="34" charset="0"/>
+                <a:cs typeface="Segoe UI" panose="020B0502040204020203" pitchFamily="34" charset="0"/>
+              </a:rPr>
+              <a:t>?</a:t>
+            </a:r>
+          </a:p>
+          <a:p>
+            <a:pPr marL="457200" lvl="1" indent="0">
+              <a:buNone/>
+            </a:pPr>
+            <a:endParaRPr lang="en-GB" sz="1050" dirty="0">
+              <a:solidFill>
+                <a:srgbClr val="2196F3"/>
+              </a:solidFill>
+              <a:latin typeface="Segoe UI" panose="020B0502040204020203" pitchFamily="34" charset="0"/>
+              <a:cs typeface="Segoe UI" panose="020B0502040204020203" pitchFamily="34" charset="0"/>
+            </a:endParaRPr>
+          </a:p>
+          <a:p>
+            <a:pPr lvl="1"/>
+            <a:r>
+              <a:rPr lang="en-GB" sz="2800" dirty="0">
+                <a:solidFill>
+                  <a:srgbClr val="2196F3"/>
+                </a:solidFill>
+                <a:latin typeface="Segoe UI" panose="020B0502040204020203" pitchFamily="34" charset="0"/>
+                <a:cs typeface="Segoe UI" panose="020B0502040204020203" pitchFamily="34" charset="0"/>
+              </a:rPr>
+              <a:t>These Web Components can be thought of as HTML Plugins.</a:t>
+            </a:r>
+          </a:p>
+          <a:p>
+            <a:pPr lvl="1"/>
+            <a:r>
+              <a:rPr lang="en-GB" sz="2800" dirty="0">
+                <a:solidFill>
+                  <a:srgbClr val="2196F3"/>
+                </a:solidFill>
+                <a:latin typeface="Segoe UI" panose="020B0502040204020203" pitchFamily="34" charset="0"/>
+                <a:cs typeface="Segoe UI" panose="020B0502040204020203" pitchFamily="34" charset="0"/>
+              </a:rPr>
+              <a:t>Other sites can use these highly functional HTML Plugins to render out WP site’s content and functionality.</a:t>
+            </a:r>
+          </a:p>
+          <a:p>
+            <a:pPr lvl="1"/>
+            <a:r>
+              <a:rPr lang="en-GB" sz="2800" dirty="0">
+                <a:solidFill>
+                  <a:srgbClr val="2196F3"/>
+                </a:solidFill>
+                <a:latin typeface="Segoe UI" panose="020B0502040204020203" pitchFamily="34" charset="0"/>
+                <a:cs typeface="Segoe UI" panose="020B0502040204020203" pitchFamily="34" charset="0"/>
+              </a:rPr>
+              <a:t>This has opportunities for increased agency work for our clients.</a:t>
+            </a:r>
+          </a:p>
+          <a:p>
+            <a:pPr lvl="1"/>
+            <a:r>
+              <a:rPr lang="en-GB" sz="2800" dirty="0">
+                <a:solidFill>
+                  <a:srgbClr val="2196F3"/>
+                </a:solidFill>
+                <a:latin typeface="Segoe UI" panose="020B0502040204020203" pitchFamily="34" charset="0"/>
+                <a:cs typeface="Segoe UI" panose="020B0502040204020203" pitchFamily="34" charset="0"/>
+              </a:rPr>
+              <a:t>It can also create extended exposure, SEO and business partnerships…our WP provides content/service for another site.</a:t>
+            </a:r>
+          </a:p>
+          <a:p>
+            <a:pPr marL="457200" lvl="1" indent="0">
+              <a:buNone/>
+            </a:pPr>
+            <a:endParaRPr lang="en-GB" sz="6700" dirty="0">
+              <a:solidFill>
+                <a:srgbClr val="2196F3"/>
+              </a:solidFill>
+              <a:latin typeface="Segoe UI" panose="020B0502040204020203" pitchFamily="34" charset="0"/>
+              <a:cs typeface="Segoe UI" panose="020B0502040204020203" pitchFamily="34" charset="0"/>
+            </a:endParaRPr>
+          </a:p>
+          <a:p>
+            <a:pPr marL="457200" lvl="1" indent="0">
+              <a:buNone/>
+            </a:pPr>
+            <a:endParaRPr lang="en-GB" sz="6700" dirty="0">
+              <a:solidFill>
+                <a:srgbClr val="2196F3"/>
+              </a:solidFill>
+              <a:latin typeface="Segoe UI" panose="020B0502040204020203" pitchFamily="34" charset="0"/>
+              <a:cs typeface="Segoe UI" panose="020B0502040204020203" pitchFamily="34" charset="0"/>
+            </a:endParaRPr>
+          </a:p>
+          <a:p>
+            <a:pPr marL="457200" lvl="1" indent="0">
+              <a:buNone/>
+            </a:pPr>
+            <a:endParaRPr lang="en-GB" sz="6700" dirty="0">
+              <a:latin typeface="Segoe UI" panose="020B0502040204020203" pitchFamily="34" charset="0"/>
+              <a:cs typeface="Segoe UI" panose="020B0502040204020203" pitchFamily="34" charset="0"/>
+            </a:endParaRPr>
+          </a:p>
+          <a:p>
+            <a:pPr marL="0" indent="0">
+              <a:buNone/>
+            </a:pPr>
+            <a:endParaRPr lang="en-GB" dirty="0">
+              <a:latin typeface="Segoe UI" panose="020B0502040204020203" pitchFamily="34" charset="0"/>
+              <a:cs typeface="Segoe UI" panose="020B0502040204020203" pitchFamily="34" charset="0"/>
+            </a:endParaRPr>
+          </a:p>
+          <a:p>
+            <a:endParaRPr lang="en-GB" dirty="0">
+              <a:latin typeface="Segoe UI" panose="020B0502040204020203" pitchFamily="34" charset="0"/>
+              <a:cs typeface="Segoe UI" panose="020B0502040204020203" pitchFamily="34" charset="0"/>
+            </a:endParaRPr>
+          </a:p>
+        </p:txBody>
+      </p:sp>
+    </p:spTree>
+    <p:extLst>
+      <p:ext uri="{BB962C8B-B14F-4D97-AF65-F5344CB8AC3E}">
+        <p14:creationId xmlns:p14="http://schemas.microsoft.com/office/powerpoint/2010/main" val="3413793321"/>
+      </p:ext>
+    </p:extLst>
+  </p:cSld>
+  <p:clrMapOvr>
+    <a:masterClrMapping/>
+  </p:clrMapOvr>
+</p:sld>
+</file>
+
+<file path=ppt/slides/slide17.xml><?xml version="1.0" encoding="utf-8"?>
+<p:sld xmlns:a="http://schemas.openxmlformats.org/drawingml/2006/main" xmlns:r="http://schemas.openxmlformats.org/officeDocument/2006/relationships" xmlns:p="http://schemas.openxmlformats.org/presentationml/2006/main">
+  <p:cSld>
+    <p:spTree>
+      <p:nvGrpSpPr>
+        <p:cNvPr id="1" name=""/>
+        <p:cNvGrpSpPr/>
+        <p:nvPr/>
+      </p:nvGrpSpPr>
+      <p:grpSpPr>
+        <a:xfrm>
+          <a:off x="0" y="0"/>
+          <a:ext cx="0" cy="0"/>
+          <a:chOff x="0" y="0"/>
+          <a:chExt cx="0" cy="0"/>
+        </a:xfrm>
+      </p:grpSpPr>
+      <p:sp>
+        <p:nvSpPr>
+          <p:cNvPr id="2" name="Title 1">
+            <a:extLst>
+              <a:ext uri="{FF2B5EF4-FFF2-40B4-BE49-F238E27FC236}">
+                <a16:creationId xmlns:a16="http://schemas.microsoft.com/office/drawing/2014/main" id="{5D7568B3-EC9A-45DD-8A17-CFE685194B65}"/>
+              </a:ext>
+            </a:extLst>
+          </p:cNvPr>
+          <p:cNvSpPr>
+            <a:spLocks noGrp="1"/>
+          </p:cNvSpPr>
+          <p:nvPr>
+            <p:ph type="title"/>
+          </p:nvPr>
+        </p:nvSpPr>
+        <p:spPr>
+          <a:xfrm>
+            <a:off x="838200" y="0"/>
+            <a:ext cx="10515600" cy="1325563"/>
+          </a:xfrm>
+          <a:solidFill>
+            <a:srgbClr val="2196F3"/>
+          </a:solidFill>
+        </p:spPr>
+        <p:txBody>
+          <a:bodyPr>
+            <a:normAutofit/>
+          </a:bodyPr>
+          <a:lstStyle/>
+          <a:p>
+            <a:pPr algn="ctr"/>
+            <a:r>
+              <a:rPr lang="en-GB" sz="6600" dirty="0">
+                <a:solidFill>
+                  <a:schemeClr val="bg1"/>
+                </a:solidFill>
+                <a:latin typeface="Segoe UI" panose="020B0502040204020203" pitchFamily="34" charset="0"/>
+                <a:cs typeface="Segoe UI" panose="020B0502040204020203" pitchFamily="34" charset="0"/>
+              </a:rPr>
+              <a:t>WP REST API &amp; AJAX</a:t>
+            </a:r>
+          </a:p>
+        </p:txBody>
+      </p:sp>
+      <p:sp>
+        <p:nvSpPr>
+          <p:cNvPr id="4" name="Content Placeholder 2">
+            <a:extLst>
+              <a:ext uri="{FF2B5EF4-FFF2-40B4-BE49-F238E27FC236}">
+                <a16:creationId xmlns:a16="http://schemas.microsoft.com/office/drawing/2014/main" id="{088CCB65-11B4-408B-9ED3-1304FE85032F}"/>
+              </a:ext>
+            </a:extLst>
+          </p:cNvPr>
+          <p:cNvSpPr>
+            <a:spLocks noGrp="1"/>
+          </p:cNvSpPr>
+          <p:nvPr>
+            <p:ph idx="1"/>
+          </p:nvPr>
+        </p:nvSpPr>
+        <p:spPr>
+          <a:xfrm>
+            <a:off x="838200" y="1431636"/>
+            <a:ext cx="10515600" cy="4742661"/>
+          </a:xfrm>
+        </p:spPr>
+        <p:txBody>
+          <a:bodyPr wrap="square" bIns="252000">
+            <a:normAutofit/>
+          </a:bodyPr>
+          <a:lstStyle/>
+          <a:p>
+            <a:pPr marL="457200" lvl="1" indent="0" algn="ctr">
+              <a:buNone/>
+            </a:pPr>
+            <a:r>
+              <a:rPr lang="en-GB" sz="5100" dirty="0">
+                <a:solidFill>
+                  <a:srgbClr val="2196F3"/>
+                </a:solidFill>
+                <a:latin typeface="Segoe UI" panose="020B0502040204020203" pitchFamily="34" charset="0"/>
+                <a:cs typeface="Segoe UI" panose="020B0502040204020203" pitchFamily="34" charset="0"/>
+              </a:rPr>
+              <a:t>Craig West</a:t>
+            </a:r>
+          </a:p>
+          <a:p>
+            <a:pPr marL="457200" lvl="1" indent="0" algn="ctr">
+              <a:buNone/>
+            </a:pPr>
+            <a:r>
+              <a:rPr lang="en-GB" sz="5100" dirty="0">
+                <a:solidFill>
+                  <a:srgbClr val="2196F3"/>
+                </a:solidFill>
+                <a:latin typeface="Segoe UI" panose="020B0502040204020203" pitchFamily="34" charset="0"/>
+                <a:cs typeface="Segoe UI" panose="020B0502040204020203" pitchFamily="34" charset="0"/>
+              </a:rPr>
+              <a:t>craig@wpjs.co.uk</a:t>
+            </a:r>
+          </a:p>
+          <a:p>
+            <a:pPr marL="457200" lvl="1" indent="0">
+              <a:buNone/>
+            </a:pPr>
+            <a:endParaRPr lang="en-GB" sz="3200" dirty="0">
+              <a:solidFill>
+                <a:srgbClr val="2196F3"/>
+              </a:solidFill>
+              <a:latin typeface="Segoe UI" panose="020B0502040204020203" pitchFamily="34" charset="0"/>
+              <a:cs typeface="Segoe UI" panose="020B0502040204020203" pitchFamily="34" charset="0"/>
+            </a:endParaRPr>
+          </a:p>
+          <a:p>
+            <a:pPr marL="457200" lvl="1" indent="0">
+              <a:buNone/>
+            </a:pPr>
+            <a:r>
+              <a:rPr lang="en-GB" sz="3200" dirty="0">
+                <a:solidFill>
+                  <a:srgbClr val="2196F3"/>
+                </a:solidFill>
+                <a:latin typeface="Segoe UI" panose="020B0502040204020203" pitchFamily="34" charset="0"/>
+                <a:cs typeface="Segoe UI" panose="020B0502040204020203" pitchFamily="34" charset="0"/>
+              </a:rPr>
+              <a:t>I offer regular no fee online workshops on Progressive Web Apps, Web Components, WP-HTML, JavaScript for WP developers and High Performance Websites.</a:t>
+            </a:r>
+          </a:p>
+          <a:p>
+            <a:pPr marL="457200" lvl="1" indent="0">
+              <a:buNone/>
+            </a:pPr>
+            <a:endParaRPr lang="en-GB" sz="3200" dirty="0">
+              <a:solidFill>
+                <a:srgbClr val="2196F3"/>
+              </a:solidFill>
+              <a:latin typeface="Segoe UI" panose="020B0502040204020203" pitchFamily="34" charset="0"/>
+              <a:cs typeface="Segoe UI" panose="020B0502040204020203" pitchFamily="34" charset="0"/>
+            </a:endParaRPr>
+          </a:p>
+          <a:p>
+            <a:pPr marL="457200" lvl="1" indent="0">
+              <a:buNone/>
+            </a:pPr>
+            <a:r>
+              <a:rPr lang="en-GB" sz="3200" dirty="0">
+                <a:solidFill>
+                  <a:srgbClr val="2196F3"/>
+                </a:solidFill>
+                <a:latin typeface="Segoe UI" panose="020B0502040204020203" pitchFamily="34" charset="0"/>
+                <a:cs typeface="Segoe UI" panose="020B0502040204020203" pitchFamily="34" charset="0"/>
+              </a:rPr>
+              <a:t>Please email me for more details.</a:t>
+            </a:r>
+            <a:endParaRPr lang="en-GB" sz="1400" dirty="0">
+              <a:solidFill>
+                <a:srgbClr val="2196F3"/>
+              </a:solidFill>
+              <a:latin typeface="Segoe UI" panose="020B0502040204020203" pitchFamily="34" charset="0"/>
+              <a:cs typeface="Segoe UI" panose="020B0502040204020203" pitchFamily="34" charset="0"/>
+            </a:endParaRPr>
+          </a:p>
+          <a:p>
+            <a:pPr marL="457200" lvl="1" indent="0">
+              <a:buNone/>
+            </a:pPr>
+            <a:endParaRPr lang="en-GB" sz="6700" dirty="0">
+              <a:solidFill>
+                <a:srgbClr val="2196F3"/>
+              </a:solidFill>
+              <a:latin typeface="Segoe UI" panose="020B0502040204020203" pitchFamily="34" charset="0"/>
+              <a:cs typeface="Segoe UI" panose="020B0502040204020203" pitchFamily="34" charset="0"/>
+            </a:endParaRPr>
+          </a:p>
+          <a:p>
+            <a:pPr marL="457200" lvl="1" indent="0">
+              <a:buNone/>
+            </a:pPr>
+            <a:endParaRPr lang="en-GB" sz="6700" dirty="0">
+              <a:solidFill>
+                <a:srgbClr val="2196F3"/>
+              </a:solidFill>
+              <a:latin typeface="Segoe UI" panose="020B0502040204020203" pitchFamily="34" charset="0"/>
+              <a:cs typeface="Segoe UI" panose="020B0502040204020203" pitchFamily="34" charset="0"/>
+            </a:endParaRPr>
+          </a:p>
+          <a:p>
+            <a:pPr marL="457200" lvl="1" indent="0">
+              <a:buNone/>
+            </a:pPr>
+            <a:endParaRPr lang="en-GB" sz="6700" dirty="0">
+              <a:latin typeface="Segoe UI" panose="020B0502040204020203" pitchFamily="34" charset="0"/>
+              <a:cs typeface="Segoe UI" panose="020B0502040204020203" pitchFamily="34" charset="0"/>
+            </a:endParaRPr>
+          </a:p>
+          <a:p>
+            <a:pPr marL="0" indent="0">
+              <a:buNone/>
+            </a:pPr>
+            <a:endParaRPr lang="en-GB" dirty="0">
+              <a:latin typeface="Segoe UI" panose="020B0502040204020203" pitchFamily="34" charset="0"/>
+              <a:cs typeface="Segoe UI" panose="020B0502040204020203" pitchFamily="34" charset="0"/>
+            </a:endParaRPr>
+          </a:p>
+          <a:p>
+            <a:endParaRPr lang="en-GB" dirty="0">
+              <a:latin typeface="Segoe UI" panose="020B0502040204020203" pitchFamily="34" charset="0"/>
+              <a:cs typeface="Segoe UI" panose="020B0502040204020203" pitchFamily="34" charset="0"/>
+            </a:endParaRPr>
+          </a:p>
+        </p:txBody>
+      </p:sp>
+    </p:spTree>
+    <p:extLst>
+      <p:ext uri="{BB962C8B-B14F-4D97-AF65-F5344CB8AC3E}">
+        <p14:creationId xmlns:p14="http://schemas.microsoft.com/office/powerpoint/2010/main" val="646359644"/>
       </p:ext>
     </p:extLst>
   </p:cSld>
@@ -6167,16 +7734,6 @@
           <a:p>
             <a:pPr lvl="1"/>
             <a:r>
-              <a:rPr lang="en-GB" sz="2800">
-                <a:solidFill>
-                  <a:srgbClr val="2196F3"/>
-                </a:solidFill>
-                <a:latin typeface="Segoe UI" panose="020B0502040204020203" pitchFamily="34" charset="0"/>
-                <a:cs typeface="Segoe UI" panose="020B0502040204020203" pitchFamily="34" charset="0"/>
-              </a:rPr>
-              <a:t>Use </a:t>
-            </a:r>
-            <a:r>
               <a:rPr lang="en-GB" sz="2800" dirty="0">
                 <a:solidFill>
                   <a:srgbClr val="2196F3"/>
@@ -6184,7 +7741,7 @@
                 <a:latin typeface="Segoe UI" panose="020B0502040204020203" pitchFamily="34" charset="0"/>
                 <a:cs typeface="Segoe UI" panose="020B0502040204020203" pitchFamily="34" charset="0"/>
               </a:rPr>
-              <a:t>them for GET/POST requests</a:t>
+              <a:t>Use them for GET/POST requests</a:t>
             </a:r>
           </a:p>
           <a:p>
@@ -6214,18 +7771,16 @@
             </a:r>
           </a:p>
           <a:p>
-            <a:pPr marL="1371600" lvl="3" indent="0">
-              <a:buNone/>
-            </a:pPr>
-            <a:r>
-              <a:rPr lang="en-GB" sz="1200" dirty="0">
-                <a:solidFill>
-                  <a:srgbClr val="2196F3"/>
-                </a:solidFill>
-                <a:latin typeface="Segoe UI" panose="020B0502040204020203" pitchFamily="34" charset="0"/>
-                <a:cs typeface="Segoe UI" panose="020B0502040204020203" pitchFamily="34" charset="0"/>
-              </a:rPr>
-              <a:t>DEMO=&gt;</a:t>
+            <a:pPr lvl="1"/>
+            <a:r>
+              <a:rPr lang="en-GB" sz="2800" dirty="0">
+                <a:solidFill>
+                  <a:srgbClr val="2196F3"/>
+                </a:solidFill>
+                <a:latin typeface="Segoe UI" panose="020B0502040204020203" pitchFamily="34" charset="0"/>
+                <a:cs typeface="Segoe UI" panose="020B0502040204020203" pitchFamily="34" charset="0"/>
+              </a:rPr>
+              <a:t>OPTIONAL: DECOUPLED AUTHENTICATION</a:t>
             </a:r>
           </a:p>
           <a:p>

--- a/rest-api-workshop.pptx
+++ b/rest-api-workshop.pptx
@@ -5,7 +5,7 @@
     <p:sldMasterId id="2147483648" r:id="rId1"/>
   </p:sldMasterIdLst>
   <p:notesMasterIdLst>
-    <p:notesMasterId r:id="rId19"/>
+    <p:notesMasterId r:id="rId20"/>
   </p:notesMasterIdLst>
   <p:sldIdLst>
     <p:sldId id="264" r:id="rId2"/>
@@ -19,12 +19,13 @@
     <p:sldId id="300" r:id="rId10"/>
     <p:sldId id="301" r:id="rId11"/>
     <p:sldId id="302" r:id="rId12"/>
-    <p:sldId id="312" r:id="rId13"/>
+    <p:sldId id="315" r:id="rId13"/>
     <p:sldId id="305" r:id="rId14"/>
-    <p:sldId id="308" r:id="rId15"/>
-    <p:sldId id="309" r:id="rId16"/>
-    <p:sldId id="310" r:id="rId17"/>
-    <p:sldId id="311" r:id="rId18"/>
+    <p:sldId id="313" r:id="rId15"/>
+    <p:sldId id="314" r:id="rId16"/>
+    <p:sldId id="309" r:id="rId17"/>
+    <p:sldId id="310" r:id="rId18"/>
+    <p:sldId id="311" r:id="rId19"/>
   </p:sldIdLst>
   <p:sldSz cx="12192000" cy="6858000"/>
   <p:notesSz cx="6858000" cy="9144000"/>
@@ -139,9 +140,10 @@
             <p14:sldId id="300"/>
             <p14:sldId id="301"/>
             <p14:sldId id="302"/>
-            <p14:sldId id="312"/>
+            <p14:sldId id="315"/>
             <p14:sldId id="305"/>
-            <p14:sldId id="308"/>
+            <p14:sldId id="313"/>
+            <p14:sldId id="314"/>
             <p14:sldId id="309"/>
             <p14:sldId id="310"/>
             <p14:sldId id="311"/>
@@ -257,7 +259,7 @@
           <a:p>
             <a:fld id="{70FE56F2-0B60-44FC-AC55-491897A4F355}" type="datetimeFigureOut">
               <a:rPr lang="en-GB" smtClean="0"/>
-              <a:t>24/05/2020</a:t>
+              <a:t>25/05/2020</a:t>
             </a:fld>
             <a:endParaRPr lang="en-GB"/>
           </a:p>
@@ -674,7 +676,7 @@
           <a:p>
             <a:fld id="{4D723AB6-704A-42C8-AB51-31B091223600}" type="datetimeFigureOut">
               <a:rPr lang="en-GB" smtClean="0"/>
-              <a:t>24/05/2020</a:t>
+              <a:t>25/05/2020</a:t>
             </a:fld>
             <a:endParaRPr lang="en-GB"/>
           </a:p>
@@ -874,7 +876,7 @@
           <a:p>
             <a:fld id="{4D723AB6-704A-42C8-AB51-31B091223600}" type="datetimeFigureOut">
               <a:rPr lang="en-GB" smtClean="0"/>
-              <a:t>24/05/2020</a:t>
+              <a:t>25/05/2020</a:t>
             </a:fld>
             <a:endParaRPr lang="en-GB"/>
           </a:p>
@@ -1084,7 +1086,7 @@
           <a:p>
             <a:fld id="{4D723AB6-704A-42C8-AB51-31B091223600}" type="datetimeFigureOut">
               <a:rPr lang="en-GB" smtClean="0"/>
-              <a:t>24/05/2020</a:t>
+              <a:t>25/05/2020</a:t>
             </a:fld>
             <a:endParaRPr lang="en-GB"/>
           </a:p>
@@ -1284,7 +1286,7 @@
           <a:p>
             <a:fld id="{4D723AB6-704A-42C8-AB51-31B091223600}" type="datetimeFigureOut">
               <a:rPr lang="en-GB" smtClean="0"/>
-              <a:t>24/05/2020</a:t>
+              <a:t>25/05/2020</a:t>
             </a:fld>
             <a:endParaRPr lang="en-GB"/>
           </a:p>
@@ -1560,7 +1562,7 @@
           <a:p>
             <a:fld id="{4D723AB6-704A-42C8-AB51-31B091223600}" type="datetimeFigureOut">
               <a:rPr lang="en-GB" smtClean="0"/>
-              <a:t>24/05/2020</a:t>
+              <a:t>25/05/2020</a:t>
             </a:fld>
             <a:endParaRPr lang="en-GB"/>
           </a:p>
@@ -1828,7 +1830,7 @@
           <a:p>
             <a:fld id="{4D723AB6-704A-42C8-AB51-31B091223600}" type="datetimeFigureOut">
               <a:rPr lang="en-GB" smtClean="0"/>
-              <a:t>24/05/2020</a:t>
+              <a:t>25/05/2020</a:t>
             </a:fld>
             <a:endParaRPr lang="en-GB"/>
           </a:p>
@@ -2243,7 +2245,7 @@
           <a:p>
             <a:fld id="{4D723AB6-704A-42C8-AB51-31B091223600}" type="datetimeFigureOut">
               <a:rPr lang="en-GB" smtClean="0"/>
-              <a:t>24/05/2020</a:t>
+              <a:t>25/05/2020</a:t>
             </a:fld>
             <a:endParaRPr lang="en-GB"/>
           </a:p>
@@ -2385,7 +2387,7 @@
           <a:p>
             <a:fld id="{4D723AB6-704A-42C8-AB51-31B091223600}" type="datetimeFigureOut">
               <a:rPr lang="en-GB" smtClean="0"/>
-              <a:t>24/05/2020</a:t>
+              <a:t>25/05/2020</a:t>
             </a:fld>
             <a:endParaRPr lang="en-GB"/>
           </a:p>
@@ -2498,7 +2500,7 @@
           <a:p>
             <a:fld id="{4D723AB6-704A-42C8-AB51-31B091223600}" type="datetimeFigureOut">
               <a:rPr lang="en-GB" smtClean="0"/>
-              <a:t>24/05/2020</a:t>
+              <a:t>25/05/2020</a:t>
             </a:fld>
             <a:endParaRPr lang="en-GB"/>
           </a:p>
@@ -2811,7 +2813,7 @@
           <a:p>
             <a:fld id="{4D723AB6-704A-42C8-AB51-31B091223600}" type="datetimeFigureOut">
               <a:rPr lang="en-GB" smtClean="0"/>
-              <a:t>24/05/2020</a:t>
+              <a:t>25/05/2020</a:t>
             </a:fld>
             <a:endParaRPr lang="en-GB"/>
           </a:p>
@@ -3100,7 +3102,7 @@
           <a:p>
             <a:fld id="{4D723AB6-704A-42C8-AB51-31B091223600}" type="datetimeFigureOut">
               <a:rPr lang="en-GB" smtClean="0"/>
-              <a:t>24/05/2020</a:t>
+              <a:t>25/05/2020</a:t>
             </a:fld>
             <a:endParaRPr lang="en-GB"/>
           </a:p>
@@ -3343,7 +3345,7 @@
           <a:p>
             <a:fld id="{4D723AB6-704A-42C8-AB51-31B091223600}" type="datetimeFigureOut">
               <a:rPr lang="en-GB" smtClean="0"/>
-              <a:t>24/05/2020</a:t>
+              <a:t>25/05/2020</a:t>
             </a:fld>
             <a:endParaRPr lang="en-GB"/>
           </a:p>
@@ -4847,8 +4849,8 @@
         </p:nvSpPr>
         <p:spPr>
           <a:xfrm>
-            <a:off x="838200" y="1431636"/>
-            <a:ext cx="10515600" cy="4742661"/>
+            <a:off x="838200" y="1325563"/>
+            <a:ext cx="10515600" cy="4848735"/>
           </a:xfrm>
         </p:spPr>
         <p:txBody>
@@ -4860,12 +4862,10 @@
             <a:pPr marL="457200" lvl="1" indent="0">
               <a:buNone/>
             </a:pPr>
-            <a:endParaRPr lang="en-GB" sz="5100" dirty="0">
+            <a:endParaRPr lang="en-GB" sz="2800" dirty="0">
               <a:solidFill>
                 <a:srgbClr val="2196F3"/>
               </a:solidFill>
-              <a:latin typeface="Segoe UI" panose="020B0502040204020203" pitchFamily="34" charset="0"/>
-              <a:cs typeface="Segoe UI" panose="020B0502040204020203" pitchFamily="34" charset="0"/>
             </a:endParaRPr>
           </a:p>
           <a:p>
@@ -4873,102 +4873,45 @@
               <a:buNone/>
             </a:pPr>
             <a:r>
-              <a:rPr lang="en-GB" sz="5100" dirty="0">
-                <a:solidFill>
-                  <a:srgbClr val="FF0000"/>
-                </a:solidFill>
-                <a:latin typeface="Segoe UI" panose="020B0502040204020203" pitchFamily="34" charset="0"/>
-                <a:cs typeface="Segoe UI" panose="020B0502040204020203" pitchFamily="34" charset="0"/>
-              </a:rPr>
-              <a:t>WP REST API + Web Components</a:t>
-            </a:r>
-          </a:p>
-          <a:p>
-            <a:pPr lvl="1">
-              <a:buFont typeface="Symbol" panose="05050102010706020507" pitchFamily="18" charset="2"/>
-              <a:buChar char="Þ"/>
-            </a:pPr>
-            <a:r>
-              <a:rPr lang="en-GB" sz="5100" dirty="0">
-                <a:solidFill>
-                  <a:srgbClr val="FF0000"/>
-                </a:solidFill>
-                <a:latin typeface="Segoe UI" panose="020B0502040204020203" pitchFamily="34" charset="0"/>
-                <a:cs typeface="Segoe UI" panose="020B0502040204020203" pitchFamily="34" charset="0"/>
-              </a:rPr>
-              <a:t> </a:t>
-            </a:r>
-            <a:r>
-              <a:rPr lang="en-GB" sz="5100" b="1" dirty="0">
-                <a:solidFill>
-                  <a:srgbClr val="FF0000"/>
-                </a:solidFill>
-                <a:latin typeface="Segoe UI" panose="020B0502040204020203" pitchFamily="34" charset="0"/>
-                <a:cs typeface="Segoe UI" panose="020B0502040204020203" pitchFamily="34" charset="0"/>
-              </a:rPr>
-              <a:t>HTML Plugins</a:t>
-            </a:r>
-          </a:p>
-          <a:p>
-            <a:pPr lvl="1">
-              <a:buFont typeface="Symbol" panose="05050102010706020507" pitchFamily="18" charset="2"/>
-              <a:buChar char="Þ"/>
-            </a:pPr>
-            <a:r>
-              <a:rPr lang="en-GB" sz="5100" dirty="0">
-                <a:solidFill>
-                  <a:srgbClr val="FF0000"/>
-                </a:solidFill>
-                <a:latin typeface="Segoe UI" panose="020B0502040204020203" pitchFamily="34" charset="0"/>
-                <a:cs typeface="Segoe UI" panose="020B0502040204020203" pitchFamily="34" charset="0"/>
-              </a:rPr>
-              <a:t> </a:t>
-            </a:r>
-            <a:r>
-              <a:rPr lang="en-GB" sz="5100" b="1" dirty="0">
-                <a:solidFill>
-                  <a:srgbClr val="FF0000"/>
-                </a:solidFill>
-                <a:latin typeface="Segoe UI" panose="020B0502040204020203" pitchFamily="34" charset="0"/>
-                <a:cs typeface="Segoe UI" panose="020B0502040204020203" pitchFamily="34" charset="0"/>
-              </a:rPr>
-              <a:t>100% Internet</a:t>
+              <a:rPr lang="en-GB" sz="4400" dirty="0">
+                <a:solidFill>
+                  <a:srgbClr val="2196F3"/>
+                </a:solidFill>
+              </a:rPr>
+              <a:t>WordPress Hooks</a:t>
             </a:r>
           </a:p>
           <a:p>
             <a:pPr marL="457200" lvl="1" indent="0">
               <a:buNone/>
             </a:pPr>
-            <a:endParaRPr lang="en-GB" sz="1050" dirty="0">
+            <a:endParaRPr lang="en-GB" sz="3600" dirty="0">
               <a:solidFill>
                 <a:srgbClr val="2196F3"/>
               </a:solidFill>
-              <a:latin typeface="Segoe UI" panose="020B0502040204020203" pitchFamily="34" charset="0"/>
-              <a:cs typeface="Segoe UI" panose="020B0502040204020203" pitchFamily="34" charset="0"/>
             </a:endParaRPr>
           </a:p>
           <a:p>
             <a:pPr marL="457200" lvl="1" indent="0">
               <a:buNone/>
             </a:pPr>
-            <a:endParaRPr lang="en-GB" sz="6700" dirty="0">
+            <a:r>
+              <a:rPr lang="en-GB" sz="3200" dirty="0">
+                <a:solidFill>
+                  <a:srgbClr val="2196F3"/>
+                </a:solidFill>
+              </a:rPr>
+              <a:t>Hooks are a way for one piece of code to interact/modify another piece of code at specific, pre-defined spots. </a:t>
+            </a:r>
+          </a:p>
+          <a:p>
+            <a:pPr marL="457200" lvl="1" indent="0">
+              <a:buNone/>
+            </a:pPr>
+            <a:endParaRPr lang="en-GB" sz="2600" dirty="0">
               <a:solidFill>
                 <a:srgbClr val="2196F3"/>
               </a:solidFill>
-              <a:latin typeface="Segoe UI" panose="020B0502040204020203" pitchFamily="34" charset="0"/>
-              <a:cs typeface="Segoe UI" panose="020B0502040204020203" pitchFamily="34" charset="0"/>
-            </a:endParaRPr>
-          </a:p>
-          <a:p>
-            <a:pPr marL="457200" lvl="1" indent="0">
-              <a:buNone/>
-            </a:pPr>
-            <a:endParaRPr lang="en-GB" sz="6700" dirty="0">
-              <a:solidFill>
-                <a:srgbClr val="2196F3"/>
-              </a:solidFill>
-              <a:latin typeface="Segoe UI" panose="020B0502040204020203" pitchFamily="34" charset="0"/>
-              <a:cs typeface="Segoe UI" panose="020B0502040204020203" pitchFamily="34" charset="0"/>
             </a:endParaRPr>
           </a:p>
           <a:p>
@@ -5000,7 +4943,7 @@
     </p:spTree>
     <p:extLst>
       <p:ext uri="{BB962C8B-B14F-4D97-AF65-F5344CB8AC3E}">
-        <p14:creationId xmlns:p14="http://schemas.microsoft.com/office/powerpoint/2010/main" val="1203899647"/>
+        <p14:creationId xmlns:p14="http://schemas.microsoft.com/office/powerpoint/2010/main" val="3516111388"/>
       </p:ext>
     </p:extLst>
   </p:cSld>
@@ -5286,235 +5229,941 @@
       </p:grpSpPr>
       <p:sp>
         <p:nvSpPr>
-          <p:cNvPr id="2" name="Title 1">
-            <a:extLst>
-              <a:ext uri="{FF2B5EF4-FFF2-40B4-BE49-F238E27FC236}">
-                <a16:creationId xmlns:a16="http://schemas.microsoft.com/office/drawing/2014/main" id="{5D7568B3-EC9A-45DD-8A17-CFE685194B65}"/>
-              </a:ext>
-            </a:extLst>
-          </p:cNvPr>
-          <p:cNvSpPr>
-            <a:spLocks noGrp="1"/>
-          </p:cNvSpPr>
-          <p:nvPr>
-            <p:ph type="title"/>
-          </p:nvPr>
+          <p:cNvPr id="5" name="Rectangle: Rounded Corners 4">
+            <a:extLst>
+              <a:ext uri="{FF2B5EF4-FFF2-40B4-BE49-F238E27FC236}">
+                <a16:creationId xmlns:a16="http://schemas.microsoft.com/office/drawing/2014/main" id="{65B1CF75-47B8-4AC4-BD1E-926B376FD50D}"/>
+              </a:ext>
+            </a:extLst>
+          </p:cNvPr>
+          <p:cNvSpPr/>
+          <p:nvPr/>
         </p:nvSpPr>
         <p:spPr>
           <a:xfrm>
-            <a:off x="838200" y="0"/>
-            <a:ext cx="10515600" cy="1325563"/>
-          </a:xfrm>
+            <a:off x="886408" y="4376057"/>
+            <a:ext cx="1819470" cy="942392"/>
+          </a:xfrm>
+          <a:prstGeom prst="roundRect">
+            <a:avLst/>
+          </a:prstGeom>
           <a:solidFill>
-            <a:srgbClr val="2196F3"/>
+            <a:schemeClr val="bg1">
+              <a:lumMod val="85000"/>
+            </a:schemeClr>
           </a:solidFill>
-        </p:spPr>
-        <p:txBody>
-          <a:bodyPr>
-            <a:normAutofit/>
+          <a:ln w="28575">
+            <a:solidFill>
+              <a:srgbClr val="FF0000"/>
+            </a:solidFill>
+          </a:ln>
+        </p:spPr>
+        <p:style>
+          <a:lnRef idx="2">
+            <a:schemeClr val="accent1">
+              <a:shade val="50000"/>
+            </a:schemeClr>
+          </a:lnRef>
+          <a:fillRef idx="1">
+            <a:schemeClr val="accent1"/>
+          </a:fillRef>
+          <a:effectRef idx="0">
+            <a:schemeClr val="accent1"/>
+          </a:effectRef>
+          <a:fontRef idx="minor">
+            <a:schemeClr val="lt1"/>
+          </a:fontRef>
+        </p:style>
+        <p:txBody>
+          <a:bodyPr rtlCol="0" anchor="ctr"/>
+          <a:lstStyle/>
+          <a:p>
+            <a:pPr algn="ctr"/>
+            <a:endParaRPr lang="en-GB">
+              <a:latin typeface="Segoe UI" panose="020B0502040204020203" pitchFamily="34" charset="0"/>
+              <a:cs typeface="Segoe UI" panose="020B0502040204020203" pitchFamily="34" charset="0"/>
+            </a:endParaRPr>
+          </a:p>
+        </p:txBody>
+      </p:sp>
+      <p:cxnSp>
+        <p:nvCxnSpPr>
+          <p:cNvPr id="7" name="Straight Connector 6">
+            <a:extLst>
+              <a:ext uri="{FF2B5EF4-FFF2-40B4-BE49-F238E27FC236}">
+                <a16:creationId xmlns:a16="http://schemas.microsoft.com/office/drawing/2014/main" id="{5B3AFA23-E550-4B2B-8247-AFA75329D28C}"/>
+              </a:ext>
+            </a:extLst>
+          </p:cNvPr>
+          <p:cNvCxnSpPr>
+            <a:cxnSpLocks/>
+          </p:cNvCxnSpPr>
+          <p:nvPr/>
+        </p:nvCxnSpPr>
+        <p:spPr>
+          <a:xfrm>
+            <a:off x="8238930" y="0"/>
+            <a:ext cx="0" cy="6858000"/>
+          </a:xfrm>
+          <a:prstGeom prst="line">
+            <a:avLst/>
+          </a:prstGeom>
+          <a:ln w="127000">
+            <a:solidFill>
+              <a:schemeClr val="tx1"/>
+            </a:solidFill>
+          </a:ln>
+        </p:spPr>
+        <p:style>
+          <a:lnRef idx="1">
+            <a:schemeClr val="accent1"/>
+          </a:lnRef>
+          <a:fillRef idx="0">
+            <a:schemeClr val="accent1"/>
+          </a:fillRef>
+          <a:effectRef idx="0">
+            <a:schemeClr val="accent1"/>
+          </a:effectRef>
+          <a:fontRef idx="minor">
+            <a:schemeClr val="tx1"/>
+          </a:fontRef>
+        </p:style>
+      </p:cxnSp>
+      <p:cxnSp>
+        <p:nvCxnSpPr>
+          <p:cNvPr id="9" name="Straight Connector 8">
+            <a:extLst>
+              <a:ext uri="{FF2B5EF4-FFF2-40B4-BE49-F238E27FC236}">
+                <a16:creationId xmlns:a16="http://schemas.microsoft.com/office/drawing/2014/main" id="{8ECDE257-0E06-4C73-B713-15F600FA91AE}"/>
+              </a:ext>
+            </a:extLst>
+          </p:cNvPr>
+          <p:cNvCxnSpPr>
+            <a:cxnSpLocks/>
+          </p:cNvCxnSpPr>
+          <p:nvPr/>
+        </p:nvCxnSpPr>
+        <p:spPr>
+          <a:xfrm>
+            <a:off x="3097763" y="3437944"/>
+            <a:ext cx="0" cy="2449286"/>
+          </a:xfrm>
+          <a:prstGeom prst="line">
+            <a:avLst/>
+          </a:prstGeom>
+          <a:ln w="15875" cmpd="dbl">
+            <a:solidFill>
+              <a:schemeClr val="accent6">
+                <a:lumMod val="75000"/>
+              </a:schemeClr>
+            </a:solidFill>
+            <a:prstDash val="lgDash"/>
+          </a:ln>
+        </p:spPr>
+        <p:style>
+          <a:lnRef idx="1">
+            <a:schemeClr val="accent1"/>
+          </a:lnRef>
+          <a:fillRef idx="0">
+            <a:schemeClr val="accent1"/>
+          </a:fillRef>
+          <a:effectRef idx="0">
+            <a:schemeClr val="accent1"/>
+          </a:effectRef>
+          <a:fontRef idx="minor">
+            <a:schemeClr val="tx1"/>
+          </a:fontRef>
+        </p:style>
+      </p:cxnSp>
+      <p:sp>
+        <p:nvSpPr>
+          <p:cNvPr id="13" name="Rectangle: Rounded Corners 12">
+            <a:extLst>
+              <a:ext uri="{FF2B5EF4-FFF2-40B4-BE49-F238E27FC236}">
+                <a16:creationId xmlns:a16="http://schemas.microsoft.com/office/drawing/2014/main" id="{497DB97B-039D-4182-8A21-C324F5A05084}"/>
+              </a:ext>
+            </a:extLst>
+          </p:cNvPr>
+          <p:cNvSpPr/>
+          <p:nvPr/>
+        </p:nvSpPr>
+        <p:spPr>
+          <a:xfrm>
+            <a:off x="1244080" y="709127"/>
+            <a:ext cx="5520611" cy="2183363"/>
+          </a:xfrm>
+          <a:prstGeom prst="roundRect">
+            <a:avLst/>
+          </a:prstGeom>
+          <a:solidFill>
+            <a:schemeClr val="bg1">
+              <a:lumMod val="85000"/>
+            </a:schemeClr>
+          </a:solidFill>
+          <a:ln w="28575">
+            <a:solidFill>
+              <a:srgbClr val="FF0000"/>
+            </a:solidFill>
+          </a:ln>
+        </p:spPr>
+        <p:style>
+          <a:lnRef idx="2">
+            <a:schemeClr val="accent1">
+              <a:shade val="50000"/>
+            </a:schemeClr>
+          </a:lnRef>
+          <a:fillRef idx="1">
+            <a:schemeClr val="accent1"/>
+          </a:fillRef>
+          <a:effectRef idx="0">
+            <a:schemeClr val="accent1"/>
+          </a:effectRef>
+          <a:fontRef idx="minor">
+            <a:schemeClr val="lt1"/>
+          </a:fontRef>
+        </p:style>
+        <p:txBody>
+          <a:bodyPr rtlCol="0" anchor="ctr"/>
+          <a:lstStyle/>
+          <a:p>
+            <a:pPr algn="ctr"/>
+            <a:endParaRPr lang="en-GB">
+              <a:latin typeface="Segoe UI" panose="020B0502040204020203" pitchFamily="34" charset="0"/>
+              <a:cs typeface="Segoe UI" panose="020B0502040204020203" pitchFamily="34" charset="0"/>
+            </a:endParaRPr>
+          </a:p>
+        </p:txBody>
+      </p:sp>
+      <p:sp>
+        <p:nvSpPr>
+          <p:cNvPr id="14" name="Rectangle: Rounded Corners 13">
+            <a:extLst>
+              <a:ext uri="{FF2B5EF4-FFF2-40B4-BE49-F238E27FC236}">
+                <a16:creationId xmlns:a16="http://schemas.microsoft.com/office/drawing/2014/main" id="{670B406B-FAA1-4A47-9E0F-388A4554F760}"/>
+              </a:ext>
+            </a:extLst>
+          </p:cNvPr>
+          <p:cNvSpPr/>
+          <p:nvPr/>
+        </p:nvSpPr>
+        <p:spPr>
+          <a:xfrm>
+            <a:off x="5951371" y="4406768"/>
+            <a:ext cx="1819470" cy="942392"/>
+          </a:xfrm>
+          <a:prstGeom prst="roundRect">
+            <a:avLst/>
+          </a:prstGeom>
+          <a:solidFill>
+            <a:schemeClr val="bg1">
+              <a:lumMod val="85000"/>
+            </a:schemeClr>
+          </a:solidFill>
+          <a:ln w="28575">
+            <a:solidFill>
+              <a:srgbClr val="FF0000"/>
+            </a:solidFill>
+          </a:ln>
+        </p:spPr>
+        <p:style>
+          <a:lnRef idx="2">
+            <a:schemeClr val="accent1">
+              <a:shade val="50000"/>
+            </a:schemeClr>
+          </a:lnRef>
+          <a:fillRef idx="1">
+            <a:schemeClr val="accent1"/>
+          </a:fillRef>
+          <a:effectRef idx="0">
+            <a:schemeClr val="accent1"/>
+          </a:effectRef>
+          <a:fontRef idx="minor">
+            <a:schemeClr val="lt1"/>
+          </a:fontRef>
+        </p:style>
+        <p:txBody>
+          <a:bodyPr rtlCol="0" anchor="ctr"/>
+          <a:lstStyle/>
+          <a:p>
+            <a:pPr algn="ctr"/>
+            <a:endParaRPr lang="en-GB">
+              <a:latin typeface="Segoe UI" panose="020B0502040204020203" pitchFamily="34" charset="0"/>
+              <a:cs typeface="Segoe UI" panose="020B0502040204020203" pitchFamily="34" charset="0"/>
+            </a:endParaRPr>
+          </a:p>
+        </p:txBody>
+      </p:sp>
+      <p:sp>
+        <p:nvSpPr>
+          <p:cNvPr id="15" name="Rectangle: Rounded Corners 14">
+            <a:extLst>
+              <a:ext uri="{FF2B5EF4-FFF2-40B4-BE49-F238E27FC236}">
+                <a16:creationId xmlns:a16="http://schemas.microsoft.com/office/drawing/2014/main" id="{56FA4A14-0892-4CE1-BE7A-A2056ECF1DAC}"/>
+              </a:ext>
+            </a:extLst>
+          </p:cNvPr>
+          <p:cNvSpPr/>
+          <p:nvPr/>
+        </p:nvSpPr>
+        <p:spPr>
+          <a:xfrm>
+            <a:off x="3456988" y="4406768"/>
+            <a:ext cx="1819470" cy="942392"/>
+          </a:xfrm>
+          <a:prstGeom prst="roundRect">
+            <a:avLst/>
+          </a:prstGeom>
+          <a:solidFill>
+            <a:schemeClr val="bg1">
+              <a:lumMod val="85000"/>
+            </a:schemeClr>
+          </a:solidFill>
+          <a:ln w="28575">
+            <a:solidFill>
+              <a:srgbClr val="FF0000"/>
+            </a:solidFill>
+          </a:ln>
+        </p:spPr>
+        <p:style>
+          <a:lnRef idx="2">
+            <a:schemeClr val="accent1">
+              <a:shade val="50000"/>
+            </a:schemeClr>
+          </a:lnRef>
+          <a:fillRef idx="1">
+            <a:schemeClr val="accent1"/>
+          </a:fillRef>
+          <a:effectRef idx="0">
+            <a:schemeClr val="accent1"/>
+          </a:effectRef>
+          <a:fontRef idx="minor">
+            <a:schemeClr val="lt1"/>
+          </a:fontRef>
+        </p:style>
+        <p:txBody>
+          <a:bodyPr rtlCol="0" anchor="ctr"/>
+          <a:lstStyle/>
+          <a:p>
+            <a:pPr algn="ctr"/>
+            <a:endParaRPr lang="en-GB">
+              <a:latin typeface="Segoe UI" panose="020B0502040204020203" pitchFamily="34" charset="0"/>
+              <a:cs typeface="Segoe UI" panose="020B0502040204020203" pitchFamily="34" charset="0"/>
+            </a:endParaRPr>
+          </a:p>
+        </p:txBody>
+      </p:sp>
+      <p:cxnSp>
+        <p:nvCxnSpPr>
+          <p:cNvPr id="16" name="Straight Connector 15">
+            <a:extLst>
+              <a:ext uri="{FF2B5EF4-FFF2-40B4-BE49-F238E27FC236}">
+                <a16:creationId xmlns:a16="http://schemas.microsoft.com/office/drawing/2014/main" id="{B8646BD2-FF5F-47C6-9788-5228BF540137}"/>
+              </a:ext>
+            </a:extLst>
+          </p:cNvPr>
+          <p:cNvCxnSpPr>
+            <a:cxnSpLocks/>
+          </p:cNvCxnSpPr>
+          <p:nvPr/>
+        </p:nvCxnSpPr>
+        <p:spPr>
+          <a:xfrm>
+            <a:off x="5592147" y="3429000"/>
+            <a:ext cx="0" cy="2449286"/>
+          </a:xfrm>
+          <a:prstGeom prst="line">
+            <a:avLst/>
+          </a:prstGeom>
+          <a:ln w="15875" cmpd="dbl">
+            <a:solidFill>
+              <a:schemeClr val="accent6">
+                <a:lumMod val="75000"/>
+              </a:schemeClr>
+            </a:solidFill>
+            <a:prstDash val="lgDash"/>
+          </a:ln>
+        </p:spPr>
+        <p:style>
+          <a:lnRef idx="1">
+            <a:schemeClr val="accent1"/>
+          </a:lnRef>
+          <a:fillRef idx="0">
+            <a:schemeClr val="accent1"/>
+          </a:fillRef>
+          <a:effectRef idx="0">
+            <a:schemeClr val="accent1"/>
+          </a:effectRef>
+          <a:fontRef idx="minor">
+            <a:schemeClr val="tx1"/>
+          </a:fontRef>
+        </p:style>
+      </p:cxnSp>
+      <p:sp>
+        <p:nvSpPr>
+          <p:cNvPr id="17" name="TextBox 16">
+            <a:extLst>
+              <a:ext uri="{FF2B5EF4-FFF2-40B4-BE49-F238E27FC236}">
+                <a16:creationId xmlns:a16="http://schemas.microsoft.com/office/drawing/2014/main" id="{6E8BFC32-3AFA-4B4C-9172-2CBE21A80A58}"/>
+              </a:ext>
+            </a:extLst>
+          </p:cNvPr>
+          <p:cNvSpPr txBox="1"/>
+          <p:nvPr/>
+        </p:nvSpPr>
+        <p:spPr>
+          <a:xfrm>
+            <a:off x="2362465" y="1178588"/>
+            <a:ext cx="3187956" cy="1446550"/>
+          </a:xfrm>
+          <a:prstGeom prst="rect">
+            <a:avLst/>
+          </a:prstGeom>
+          <a:noFill/>
+        </p:spPr>
+        <p:txBody>
+          <a:bodyPr wrap="square" rtlCol="0">
+            <a:spAutoFit/>
           </a:bodyPr>
           <a:lstStyle/>
           <a:p>
-            <a:pPr algn="ctr"/>
-            <a:r>
-              <a:rPr lang="en-GB" sz="6600" dirty="0">
-                <a:solidFill>
-                  <a:schemeClr val="bg1"/>
-                </a:solidFill>
+            <a:r>
+              <a:rPr lang="en-GB" sz="8800" dirty="0">
                 <a:latin typeface="Segoe UI" panose="020B0502040204020203" pitchFamily="34" charset="0"/>
                 <a:cs typeface="Segoe UI" panose="020B0502040204020203" pitchFamily="34" charset="0"/>
               </a:rPr>
-              <a:t>WP REST API &amp; AJAX</a:t>
-            </a:r>
-          </a:p>
-        </p:txBody>
-      </p:sp>
-      <p:sp>
-        <p:nvSpPr>
-          <p:cNvPr id="4" name="Content Placeholder 2">
-            <a:extLst>
-              <a:ext uri="{FF2B5EF4-FFF2-40B4-BE49-F238E27FC236}">
-                <a16:creationId xmlns:a16="http://schemas.microsoft.com/office/drawing/2014/main" id="{088CCB65-11B4-408B-9ED3-1304FE85032F}"/>
-              </a:ext>
-            </a:extLst>
-          </p:cNvPr>
-          <p:cNvSpPr>
-            <a:spLocks noGrp="1"/>
-          </p:cNvSpPr>
-          <p:nvPr>
-            <p:ph idx="1"/>
-          </p:nvPr>
+              <a:t>HTML</a:t>
+            </a:r>
+          </a:p>
+        </p:txBody>
+      </p:sp>
+      <p:sp>
+        <p:nvSpPr>
+          <p:cNvPr id="19" name="TextBox 18">
+            <a:extLst>
+              <a:ext uri="{FF2B5EF4-FFF2-40B4-BE49-F238E27FC236}">
+                <a16:creationId xmlns:a16="http://schemas.microsoft.com/office/drawing/2014/main" id="{C81F58F9-1FC7-477B-877C-80F0959EBC0E}"/>
+              </a:ext>
+            </a:extLst>
+          </p:cNvPr>
+          <p:cNvSpPr txBox="1"/>
+          <p:nvPr/>
         </p:nvSpPr>
         <p:spPr>
           <a:xfrm>
-            <a:off x="838200" y="1431636"/>
-            <a:ext cx="10515600" cy="4742661"/>
-          </a:xfrm>
-        </p:spPr>
-        <p:txBody>
-          <a:bodyPr wrap="square" bIns="252000">
-            <a:normAutofit/>
+            <a:off x="6019022" y="4693298"/>
+            <a:ext cx="1686507" cy="369332"/>
+          </a:xfrm>
+          <a:prstGeom prst="rect">
+            <a:avLst/>
+          </a:prstGeom>
+          <a:noFill/>
+        </p:spPr>
+        <p:txBody>
+          <a:bodyPr wrap="square" rtlCol="0">
+            <a:spAutoFit/>
           </a:bodyPr>
           <a:lstStyle/>
           <a:p>
-            <a:pPr marL="457200" lvl="1" indent="0">
-              <a:buNone/>
-            </a:pPr>
-            <a:r>
-              <a:rPr lang="en-GB" sz="5100" dirty="0">
-                <a:solidFill>
-                  <a:srgbClr val="2196F3"/>
-                </a:solidFill>
+            <a:r>
+              <a:rPr lang="en-GB" dirty="0">
                 <a:latin typeface="Segoe UI" panose="020B0502040204020203" pitchFamily="34" charset="0"/>
                 <a:cs typeface="Segoe UI" panose="020B0502040204020203" pitchFamily="34" charset="0"/>
               </a:rPr>
-              <a:t>DECOUPLED WP</a:t>
-            </a:r>
-          </a:p>
-          <a:p>
-            <a:pPr marL="457200" lvl="1" indent="0">
-              <a:buNone/>
-            </a:pPr>
-            <a:endParaRPr lang="en-GB" sz="1050" dirty="0">
-              <a:solidFill>
-                <a:srgbClr val="2196F3"/>
-              </a:solidFill>
+              <a:t>Framework ...n</a:t>
+            </a:r>
+          </a:p>
+        </p:txBody>
+      </p:sp>
+      <p:sp>
+        <p:nvSpPr>
+          <p:cNvPr id="20" name="TextBox 19">
+            <a:extLst>
+              <a:ext uri="{FF2B5EF4-FFF2-40B4-BE49-F238E27FC236}">
+                <a16:creationId xmlns:a16="http://schemas.microsoft.com/office/drawing/2014/main" id="{FB923CCF-0EA9-4C2D-AC00-B89B13CB18B9}"/>
+              </a:ext>
+            </a:extLst>
+          </p:cNvPr>
+          <p:cNvSpPr txBox="1"/>
+          <p:nvPr/>
+        </p:nvSpPr>
+        <p:spPr>
+          <a:xfrm>
+            <a:off x="3619499" y="4693298"/>
+            <a:ext cx="1488233" cy="369332"/>
+          </a:xfrm>
+          <a:prstGeom prst="rect">
+            <a:avLst/>
+          </a:prstGeom>
+          <a:noFill/>
+        </p:spPr>
+        <p:txBody>
+          <a:bodyPr wrap="square" rtlCol="0">
+            <a:spAutoFit/>
+          </a:bodyPr>
+          <a:lstStyle/>
+          <a:p>
+            <a:r>
+              <a:rPr lang="en-GB" dirty="0">
+                <a:latin typeface="Segoe UI" panose="020B0502040204020203" pitchFamily="34" charset="0"/>
+                <a:cs typeface="Segoe UI" panose="020B0502040204020203" pitchFamily="34" charset="0"/>
+              </a:rPr>
+              <a:t>Framework 2</a:t>
+            </a:r>
+          </a:p>
+        </p:txBody>
+      </p:sp>
+      <p:sp>
+        <p:nvSpPr>
+          <p:cNvPr id="21" name="TextBox 20">
+            <a:extLst>
+              <a:ext uri="{FF2B5EF4-FFF2-40B4-BE49-F238E27FC236}">
+                <a16:creationId xmlns:a16="http://schemas.microsoft.com/office/drawing/2014/main" id="{000E004F-3DEE-453A-880F-3667A9536687}"/>
+              </a:ext>
+            </a:extLst>
+          </p:cNvPr>
+          <p:cNvSpPr txBox="1"/>
+          <p:nvPr/>
+        </p:nvSpPr>
+        <p:spPr>
+          <a:xfrm>
+            <a:off x="1091681" y="4693298"/>
+            <a:ext cx="1488233" cy="369332"/>
+          </a:xfrm>
+          <a:prstGeom prst="rect">
+            <a:avLst/>
+          </a:prstGeom>
+          <a:noFill/>
+        </p:spPr>
+        <p:txBody>
+          <a:bodyPr wrap="square" rtlCol="0">
+            <a:spAutoFit/>
+          </a:bodyPr>
+          <a:lstStyle/>
+          <a:p>
+            <a:r>
+              <a:rPr lang="en-GB" dirty="0">
+                <a:latin typeface="Segoe UI" panose="020B0502040204020203" pitchFamily="34" charset="0"/>
+                <a:cs typeface="Segoe UI" panose="020B0502040204020203" pitchFamily="34" charset="0"/>
+              </a:rPr>
+              <a:t>Framework 1</a:t>
+            </a:r>
+          </a:p>
+        </p:txBody>
+      </p:sp>
+      <p:sp>
+        <p:nvSpPr>
+          <p:cNvPr id="23" name="Rectangle: Rounded Corners 22">
+            <a:extLst>
+              <a:ext uri="{FF2B5EF4-FFF2-40B4-BE49-F238E27FC236}">
+                <a16:creationId xmlns:a16="http://schemas.microsoft.com/office/drawing/2014/main" id="{B8A217E0-2E19-412E-A686-048F33BFC561}"/>
+              </a:ext>
+            </a:extLst>
+          </p:cNvPr>
+          <p:cNvSpPr/>
+          <p:nvPr/>
+        </p:nvSpPr>
+        <p:spPr>
+          <a:xfrm>
+            <a:off x="9193762" y="709127"/>
+            <a:ext cx="2251787" cy="4609322"/>
+          </a:xfrm>
+          <a:prstGeom prst="roundRect">
+            <a:avLst/>
+          </a:prstGeom>
+          <a:solidFill>
+            <a:schemeClr val="bg1">
+              <a:lumMod val="85000"/>
+            </a:schemeClr>
+          </a:solidFill>
+          <a:ln w="28575">
+            <a:solidFill>
+              <a:srgbClr val="FF0000"/>
+            </a:solidFill>
+          </a:ln>
+        </p:spPr>
+        <p:style>
+          <a:lnRef idx="2">
+            <a:schemeClr val="accent1">
+              <a:shade val="50000"/>
+            </a:schemeClr>
+          </a:lnRef>
+          <a:fillRef idx="1">
+            <a:schemeClr val="accent1"/>
+          </a:fillRef>
+          <a:effectRef idx="0">
+            <a:schemeClr val="accent1"/>
+          </a:effectRef>
+          <a:fontRef idx="minor">
+            <a:schemeClr val="lt1"/>
+          </a:fontRef>
+        </p:style>
+        <p:txBody>
+          <a:bodyPr rtlCol="0" anchor="ctr"/>
+          <a:lstStyle/>
+          <a:p>
+            <a:pPr algn="ctr"/>
+            <a:endParaRPr lang="en-GB">
               <a:latin typeface="Segoe UI" panose="020B0502040204020203" pitchFamily="34" charset="0"/>
               <a:cs typeface="Segoe UI" panose="020B0502040204020203" pitchFamily="34" charset="0"/>
             </a:endParaRPr>
           </a:p>
-          <a:p>
-            <a:pPr lvl="1"/>
-            <a:r>
-              <a:rPr lang="en-GB" sz="2800" dirty="0">
-                <a:solidFill>
-                  <a:srgbClr val="2196F3"/>
+        </p:txBody>
+      </p:sp>
+      <p:cxnSp>
+        <p:nvCxnSpPr>
+          <p:cNvPr id="18" name="Straight Arrow Connector 17">
+            <a:extLst>
+              <a:ext uri="{FF2B5EF4-FFF2-40B4-BE49-F238E27FC236}">
+                <a16:creationId xmlns:a16="http://schemas.microsoft.com/office/drawing/2014/main" id="{5F7D620A-347A-4465-8346-ADDE9EFF331B}"/>
+              </a:ext>
+            </a:extLst>
+          </p:cNvPr>
+          <p:cNvCxnSpPr>
+            <a:cxnSpLocks/>
+          </p:cNvCxnSpPr>
+          <p:nvPr/>
+        </p:nvCxnSpPr>
+        <p:spPr>
+          <a:xfrm flipV="1">
+            <a:off x="1688841" y="1346327"/>
+            <a:ext cx="0" cy="3029730"/>
+          </a:xfrm>
+          <a:prstGeom prst="straightConnector1">
+            <a:avLst/>
+          </a:prstGeom>
+          <a:ln w="38100">
+            <a:solidFill>
+              <a:schemeClr val="accent1">
+                <a:lumMod val="75000"/>
+              </a:schemeClr>
+            </a:solidFill>
+            <a:tailEnd type="triangle"/>
+          </a:ln>
+        </p:spPr>
+        <p:style>
+          <a:lnRef idx="1">
+            <a:schemeClr val="accent1"/>
+          </a:lnRef>
+          <a:fillRef idx="0">
+            <a:schemeClr val="accent1"/>
+          </a:fillRef>
+          <a:effectRef idx="0">
+            <a:schemeClr val="accent1"/>
+          </a:effectRef>
+          <a:fontRef idx="minor">
+            <a:schemeClr val="tx1"/>
+          </a:fontRef>
+        </p:style>
+      </p:cxnSp>
+      <p:cxnSp>
+        <p:nvCxnSpPr>
+          <p:cNvPr id="22" name="Straight Arrow Connector 21">
+            <a:extLst>
+              <a:ext uri="{FF2B5EF4-FFF2-40B4-BE49-F238E27FC236}">
+                <a16:creationId xmlns:a16="http://schemas.microsoft.com/office/drawing/2014/main" id="{58038E94-A816-4097-B154-9278E5E3AEC5}"/>
+              </a:ext>
+            </a:extLst>
+          </p:cNvPr>
+          <p:cNvCxnSpPr>
+            <a:cxnSpLocks/>
+          </p:cNvCxnSpPr>
+          <p:nvPr/>
+        </p:nvCxnSpPr>
+        <p:spPr>
+          <a:xfrm flipV="1">
+            <a:off x="4266429" y="2692866"/>
+            <a:ext cx="0" cy="1713902"/>
+          </a:xfrm>
+          <a:prstGeom prst="straightConnector1">
+            <a:avLst/>
+          </a:prstGeom>
+          <a:ln w="38100">
+            <a:solidFill>
+              <a:schemeClr val="accent1">
+                <a:lumMod val="75000"/>
+              </a:schemeClr>
+            </a:solidFill>
+            <a:tailEnd type="triangle"/>
+          </a:ln>
+        </p:spPr>
+        <p:style>
+          <a:lnRef idx="1">
+            <a:schemeClr val="accent1"/>
+          </a:lnRef>
+          <a:fillRef idx="0">
+            <a:schemeClr val="accent1"/>
+          </a:fillRef>
+          <a:effectRef idx="0">
+            <a:schemeClr val="accent1"/>
+          </a:effectRef>
+          <a:fontRef idx="minor">
+            <a:schemeClr val="tx1"/>
+          </a:fontRef>
+        </p:style>
+      </p:cxnSp>
+      <p:cxnSp>
+        <p:nvCxnSpPr>
+          <p:cNvPr id="25" name="Straight Arrow Connector 24">
+            <a:extLst>
+              <a:ext uri="{FF2B5EF4-FFF2-40B4-BE49-F238E27FC236}">
+                <a16:creationId xmlns:a16="http://schemas.microsoft.com/office/drawing/2014/main" id="{CE3C969B-AEB4-4EC9-9A8E-B3AE9B64804C}"/>
+              </a:ext>
+            </a:extLst>
+          </p:cNvPr>
+          <p:cNvCxnSpPr/>
+          <p:nvPr/>
+        </p:nvCxnSpPr>
+        <p:spPr>
+          <a:xfrm flipV="1">
+            <a:off x="6263180" y="1666564"/>
+            <a:ext cx="0" cy="2740204"/>
+          </a:xfrm>
+          <a:prstGeom prst="straightConnector1">
+            <a:avLst/>
+          </a:prstGeom>
+          <a:ln w="38100">
+            <a:solidFill>
+              <a:schemeClr val="accent1">
+                <a:lumMod val="75000"/>
+              </a:schemeClr>
+            </a:solidFill>
+            <a:tailEnd type="triangle"/>
+          </a:ln>
+        </p:spPr>
+        <p:style>
+          <a:lnRef idx="1">
+            <a:schemeClr val="accent1"/>
+          </a:lnRef>
+          <a:fillRef idx="0">
+            <a:schemeClr val="accent1"/>
+          </a:fillRef>
+          <a:effectRef idx="0">
+            <a:schemeClr val="accent1"/>
+          </a:effectRef>
+          <a:fontRef idx="minor">
+            <a:schemeClr val="tx1"/>
+          </a:fontRef>
+        </p:style>
+      </p:cxnSp>
+      <p:sp>
+        <p:nvSpPr>
+          <p:cNvPr id="2" name="TextBox 1">
+            <a:extLst>
+              <a:ext uri="{FF2B5EF4-FFF2-40B4-BE49-F238E27FC236}">
+                <a16:creationId xmlns:a16="http://schemas.microsoft.com/office/drawing/2014/main" id="{750521FD-EDC1-47B6-839B-F4D55BFCABCF}"/>
+              </a:ext>
+            </a:extLst>
+          </p:cNvPr>
+          <p:cNvSpPr txBox="1"/>
+          <p:nvPr/>
+        </p:nvSpPr>
+        <p:spPr>
+          <a:xfrm>
+            <a:off x="1388706" y="830901"/>
+            <a:ext cx="3590988" cy="646331"/>
+          </a:xfrm>
+          <a:prstGeom prst="rect">
+            <a:avLst/>
+          </a:prstGeom>
+          <a:noFill/>
+        </p:spPr>
+        <p:txBody>
+          <a:bodyPr wrap="square" rtlCol="0">
+            <a:spAutoFit/>
+          </a:bodyPr>
+          <a:lstStyle/>
+          <a:p>
+            <a:r>
+              <a:rPr lang="en-GB" dirty="0">
+                <a:solidFill>
+                  <a:schemeClr val="accent1">
+                    <a:lumMod val="75000"/>
+                  </a:schemeClr>
+                </a:solidFill>
+              </a:rPr>
+              <a:t>&lt;script src=“bundle.js”&gt;&lt;/script&gt;</a:t>
+            </a:r>
+          </a:p>
+          <a:p>
+            <a:r>
+              <a:rPr lang="en-GB" dirty="0">
+                <a:solidFill>
+                  <a:schemeClr val="accent1">
+                    <a:lumMod val="75000"/>
+                  </a:schemeClr>
+                </a:solidFill>
+              </a:rPr>
+              <a:t>&lt;div id=“app”&gt;</a:t>
+            </a:r>
+          </a:p>
+        </p:txBody>
+      </p:sp>
+      <p:sp>
+        <p:nvSpPr>
+          <p:cNvPr id="26" name="TextBox 25">
+            <a:extLst>
+              <a:ext uri="{FF2B5EF4-FFF2-40B4-BE49-F238E27FC236}">
+                <a16:creationId xmlns:a16="http://schemas.microsoft.com/office/drawing/2014/main" id="{92E01203-6628-42AA-B191-2BE8EE04C15B}"/>
+              </a:ext>
+            </a:extLst>
+          </p:cNvPr>
+          <p:cNvSpPr txBox="1"/>
+          <p:nvPr/>
+        </p:nvSpPr>
+        <p:spPr>
+          <a:xfrm>
+            <a:off x="9728713" y="1046454"/>
+            <a:ext cx="1278294" cy="369332"/>
+          </a:xfrm>
+          <a:prstGeom prst="rect">
+            <a:avLst/>
+          </a:prstGeom>
+          <a:solidFill>
+            <a:schemeClr val="accent1">
+              <a:lumMod val="60000"/>
+              <a:lumOff val="40000"/>
+            </a:schemeClr>
+          </a:solidFill>
+        </p:spPr>
+        <p:style>
+          <a:lnRef idx="2">
+            <a:schemeClr val="accent6">
+              <a:shade val="50000"/>
+            </a:schemeClr>
+          </a:lnRef>
+          <a:fillRef idx="1">
+            <a:schemeClr val="accent6"/>
+          </a:fillRef>
+          <a:effectRef idx="0">
+            <a:schemeClr val="accent6"/>
+          </a:effectRef>
+          <a:fontRef idx="minor">
+            <a:schemeClr val="lt1"/>
+          </a:fontRef>
+        </p:style>
+        <p:txBody>
+          <a:bodyPr rtlCol="0" anchor="ctr"/>
+          <a:lstStyle>
+            <a:defPPr>
+              <a:defRPr lang="en-US"/>
+            </a:defPPr>
+            <a:lvl1pPr algn="ctr">
+              <a:defRPr>
+                <a:solidFill>
+                  <a:schemeClr val="lt1"/>
                 </a:solidFill>
                 <a:latin typeface="Segoe UI" panose="020B0502040204020203" pitchFamily="34" charset="0"/>
                 <a:cs typeface="Segoe UI" panose="020B0502040204020203" pitchFamily="34" charset="0"/>
-              </a:rPr>
-              <a:t>As we are using JS blocks in our PHP pages this can lead to using these scripts in HTML pages or PHP outside of the WP ecosystem.</a:t>
-            </a:r>
-          </a:p>
-          <a:p>
-            <a:pPr lvl="1"/>
-            <a:r>
-              <a:rPr lang="en-GB" sz="2800" dirty="0">
-                <a:solidFill>
-                  <a:srgbClr val="2196F3"/>
-                </a:solidFill>
-                <a:latin typeface="Segoe UI" panose="020B0502040204020203" pitchFamily="34" charset="0"/>
-                <a:cs typeface="Segoe UI" panose="020B0502040204020203" pitchFamily="34" charset="0"/>
-              </a:rPr>
-              <a:t>This means we can have DECOUPLED or HEADLESS WP sites</a:t>
-            </a:r>
-          </a:p>
-          <a:p>
-            <a:pPr lvl="1"/>
-            <a:r>
-              <a:rPr lang="en-GB" sz="2800" dirty="0">
-                <a:solidFill>
-                  <a:srgbClr val="2196F3"/>
-                </a:solidFill>
-                <a:latin typeface="Segoe UI" panose="020B0502040204020203" pitchFamily="34" charset="0"/>
-                <a:cs typeface="Segoe UI" panose="020B0502040204020203" pitchFamily="34" charset="0"/>
-              </a:rPr>
-              <a:t>HEADLESS means formatting preconfigured.</a:t>
-            </a:r>
-          </a:p>
-          <a:p>
-            <a:pPr lvl="1"/>
-            <a:r>
-              <a:rPr lang="en-GB" sz="2800" dirty="0">
-                <a:solidFill>
-                  <a:srgbClr val="2196F3"/>
-                </a:solidFill>
-                <a:latin typeface="Segoe UI" panose="020B0502040204020203" pitchFamily="34" charset="0"/>
-                <a:cs typeface="Segoe UI" panose="020B0502040204020203" pitchFamily="34" charset="0"/>
-              </a:rPr>
-              <a:t>DECOUPLED means data is sent and page formats data.</a:t>
-            </a:r>
-          </a:p>
-          <a:p>
-            <a:pPr lvl="1"/>
-            <a:r>
-              <a:rPr lang="en-GB" sz="2800" dirty="0">
-                <a:solidFill>
-                  <a:srgbClr val="2196F3"/>
-                </a:solidFill>
-                <a:latin typeface="Segoe UI" panose="020B0502040204020203" pitchFamily="34" charset="0"/>
-                <a:cs typeface="Segoe UI" panose="020B0502040204020203" pitchFamily="34" charset="0"/>
-              </a:rPr>
-              <a:t>Using JSON WEB TOKENS (JWT) we can also authenticate…</a:t>
-            </a:r>
-          </a:p>
-          <a:p>
-            <a:pPr lvl="1"/>
-            <a:r>
-              <a:rPr lang="en-GB" sz="2800" dirty="0">
-                <a:solidFill>
-                  <a:srgbClr val="2196F3"/>
-                </a:solidFill>
-                <a:latin typeface="Segoe UI" panose="020B0502040204020203" pitchFamily="34" charset="0"/>
-                <a:cs typeface="Segoe UI" panose="020B0502040204020203" pitchFamily="34" charset="0"/>
-              </a:rPr>
-              <a:t>Example: https://wp-html.co.uk/semantic</a:t>
-            </a:r>
-          </a:p>
-          <a:p>
-            <a:pPr marL="457200" lvl="1" indent="0">
-              <a:buNone/>
-            </a:pPr>
-            <a:endParaRPr lang="en-GB" sz="6700" dirty="0">
-              <a:solidFill>
-                <a:srgbClr val="2196F3"/>
-              </a:solidFill>
-              <a:latin typeface="Segoe UI" panose="020B0502040204020203" pitchFamily="34" charset="0"/>
-              <a:cs typeface="Segoe UI" panose="020B0502040204020203" pitchFamily="34" charset="0"/>
-            </a:endParaRPr>
-          </a:p>
-          <a:p>
-            <a:pPr marL="457200" lvl="1" indent="0">
-              <a:buNone/>
-            </a:pPr>
-            <a:endParaRPr lang="en-GB" sz="6700" dirty="0">
-              <a:solidFill>
-                <a:srgbClr val="2196F3"/>
-              </a:solidFill>
-              <a:latin typeface="Segoe UI" panose="020B0502040204020203" pitchFamily="34" charset="0"/>
-              <a:cs typeface="Segoe UI" panose="020B0502040204020203" pitchFamily="34" charset="0"/>
-            </a:endParaRPr>
-          </a:p>
-          <a:p>
-            <a:pPr marL="457200" lvl="1" indent="0">
-              <a:buNone/>
-            </a:pPr>
-            <a:endParaRPr lang="en-GB" sz="6700" dirty="0">
-              <a:latin typeface="Segoe UI" panose="020B0502040204020203" pitchFamily="34" charset="0"/>
-              <a:cs typeface="Segoe UI" panose="020B0502040204020203" pitchFamily="34" charset="0"/>
-            </a:endParaRPr>
-          </a:p>
-          <a:p>
-            <a:pPr marL="0" indent="0">
-              <a:buNone/>
-            </a:pPr>
-            <a:endParaRPr lang="en-GB" dirty="0">
-              <a:latin typeface="Segoe UI" panose="020B0502040204020203" pitchFamily="34" charset="0"/>
-              <a:cs typeface="Segoe UI" panose="020B0502040204020203" pitchFamily="34" charset="0"/>
-            </a:endParaRPr>
-          </a:p>
-          <a:p>
-            <a:endParaRPr lang="en-GB" dirty="0">
-              <a:latin typeface="Segoe UI" panose="020B0502040204020203" pitchFamily="34" charset="0"/>
-              <a:cs typeface="Segoe UI" panose="020B0502040204020203" pitchFamily="34" charset="0"/>
-            </a:endParaRPr>
-          </a:p>
-        </p:txBody>
-      </p:sp>
+              </a:defRPr>
+            </a:lvl1pPr>
+            <a:lvl2pPr>
+              <a:defRPr>
+                <a:solidFill>
+                  <a:schemeClr val="lt1"/>
+                </a:solidFill>
+              </a:defRPr>
+            </a:lvl2pPr>
+            <a:lvl3pPr>
+              <a:defRPr>
+                <a:solidFill>
+                  <a:schemeClr val="lt1"/>
+                </a:solidFill>
+              </a:defRPr>
+            </a:lvl3pPr>
+            <a:lvl4pPr>
+              <a:defRPr>
+                <a:solidFill>
+                  <a:schemeClr val="lt1"/>
+                </a:solidFill>
+              </a:defRPr>
+            </a:lvl4pPr>
+            <a:lvl5pPr>
+              <a:defRPr>
+                <a:solidFill>
+                  <a:schemeClr val="lt1"/>
+                </a:solidFill>
+              </a:defRPr>
+            </a:lvl5pPr>
+            <a:lvl6pPr>
+              <a:defRPr>
+                <a:solidFill>
+                  <a:schemeClr val="lt1"/>
+                </a:solidFill>
+              </a:defRPr>
+            </a:lvl6pPr>
+            <a:lvl7pPr>
+              <a:defRPr>
+                <a:solidFill>
+                  <a:schemeClr val="lt1"/>
+                </a:solidFill>
+              </a:defRPr>
+            </a:lvl7pPr>
+            <a:lvl8pPr>
+              <a:defRPr>
+                <a:solidFill>
+                  <a:schemeClr val="lt1"/>
+                </a:solidFill>
+              </a:defRPr>
+            </a:lvl8pPr>
+            <a:lvl9pPr>
+              <a:defRPr>
+                <a:solidFill>
+                  <a:schemeClr val="lt1"/>
+                </a:solidFill>
+              </a:defRPr>
+            </a:lvl9pPr>
+          </a:lstStyle>
+          <a:p>
+            <a:r>
+              <a:rPr lang="en-GB" dirty="0"/>
+              <a:t>WordPress</a:t>
+            </a:r>
+          </a:p>
+        </p:txBody>
+      </p:sp>
+      <p:pic>
+        <p:nvPicPr>
+          <p:cNvPr id="4" name="Graphic 3" descr="Sad face with no fill">
+            <a:extLst>
+              <a:ext uri="{FF2B5EF4-FFF2-40B4-BE49-F238E27FC236}">
+                <a16:creationId xmlns:a16="http://schemas.microsoft.com/office/drawing/2014/main" id="{66A14EB3-BF63-41D8-9A63-AE052D7983C9}"/>
+              </a:ext>
+            </a:extLst>
+          </p:cNvPr>
+          <p:cNvPicPr>
+            <a:picLocks noChangeAspect="1"/>
+          </p:cNvPicPr>
+          <p:nvPr/>
+        </p:nvPicPr>
+        <p:blipFill>
+          <a:blip r:embed="rId2">
+            <a:extLst>
+              <a:ext uri="{28A0092B-C50C-407E-A947-70E740481C1C}">
+                <a14:useLocalDpi xmlns:a14="http://schemas.microsoft.com/office/drawing/2010/main" val="0"/>
+              </a:ext>
+              <a:ext uri="{96DAC541-7B7A-43D3-8B79-37D633B846F1}">
+                <asvg:svgBlip xmlns:asvg="http://schemas.microsoft.com/office/drawing/2016/SVG/main" r:embed="rId3"/>
+              </a:ext>
+            </a:extLst>
+          </a:blip>
+          <a:stretch>
+            <a:fillRect/>
+          </a:stretch>
+        </p:blipFill>
+        <p:spPr>
+          <a:xfrm>
+            <a:off x="9259074" y="1901863"/>
+            <a:ext cx="2155961" cy="2155961"/>
+          </a:xfrm>
+          <a:prstGeom prst="rect">
+            <a:avLst/>
+          </a:prstGeom>
+        </p:spPr>
+      </p:pic>
     </p:spTree>
     <p:extLst>
       <p:ext uri="{BB962C8B-B14F-4D97-AF65-F5344CB8AC3E}">
-        <p14:creationId xmlns:p14="http://schemas.microsoft.com/office/powerpoint/2010/main" val="863311338"/>
+        <p14:creationId xmlns:p14="http://schemas.microsoft.com/office/powerpoint/2010/main" val="3965203367"/>
       </p:ext>
     </p:extLst>
   </p:cSld>
@@ -5543,224 +6192,1212 @@
       </p:grpSpPr>
       <p:sp>
         <p:nvSpPr>
-          <p:cNvPr id="2" name="Title 1">
-            <a:extLst>
-              <a:ext uri="{FF2B5EF4-FFF2-40B4-BE49-F238E27FC236}">
-                <a16:creationId xmlns:a16="http://schemas.microsoft.com/office/drawing/2014/main" id="{5D7568B3-EC9A-45DD-8A17-CFE685194B65}"/>
-              </a:ext>
-            </a:extLst>
-          </p:cNvPr>
-          <p:cNvSpPr>
-            <a:spLocks noGrp="1"/>
-          </p:cNvSpPr>
-          <p:nvPr>
-            <p:ph type="title"/>
-          </p:nvPr>
+          <p:cNvPr id="5" name="Rectangle: Rounded Corners 4">
+            <a:extLst>
+              <a:ext uri="{FF2B5EF4-FFF2-40B4-BE49-F238E27FC236}">
+                <a16:creationId xmlns:a16="http://schemas.microsoft.com/office/drawing/2014/main" id="{65B1CF75-47B8-4AC4-BD1E-926B376FD50D}"/>
+              </a:ext>
+            </a:extLst>
+          </p:cNvPr>
+          <p:cNvSpPr/>
+          <p:nvPr/>
         </p:nvSpPr>
         <p:spPr>
           <a:xfrm>
-            <a:off x="838200" y="0"/>
-            <a:ext cx="10515600" cy="1325563"/>
-          </a:xfrm>
+            <a:off x="886408" y="4376057"/>
+            <a:ext cx="1819470" cy="942392"/>
+          </a:xfrm>
+          <a:prstGeom prst="roundRect">
+            <a:avLst/>
+          </a:prstGeom>
           <a:solidFill>
-            <a:srgbClr val="2196F3"/>
+            <a:schemeClr val="bg1">
+              <a:lumMod val="85000"/>
+            </a:schemeClr>
           </a:solidFill>
-        </p:spPr>
-        <p:txBody>
-          <a:bodyPr>
-            <a:normAutofit/>
+          <a:ln w="28575">
+            <a:solidFill>
+              <a:srgbClr val="FF0000"/>
+            </a:solidFill>
+          </a:ln>
+        </p:spPr>
+        <p:style>
+          <a:lnRef idx="2">
+            <a:schemeClr val="accent1">
+              <a:shade val="50000"/>
+            </a:schemeClr>
+          </a:lnRef>
+          <a:fillRef idx="1">
+            <a:schemeClr val="accent1"/>
+          </a:fillRef>
+          <a:effectRef idx="0">
+            <a:schemeClr val="accent1"/>
+          </a:effectRef>
+          <a:fontRef idx="minor">
+            <a:schemeClr val="lt1"/>
+          </a:fontRef>
+        </p:style>
+        <p:txBody>
+          <a:bodyPr rtlCol="0" anchor="ctr"/>
+          <a:lstStyle/>
+          <a:p>
+            <a:pPr algn="ctr"/>
+            <a:endParaRPr lang="en-GB">
+              <a:latin typeface="Segoe UI" panose="020B0502040204020203" pitchFamily="34" charset="0"/>
+              <a:cs typeface="Segoe UI" panose="020B0502040204020203" pitchFamily="34" charset="0"/>
+            </a:endParaRPr>
+          </a:p>
+        </p:txBody>
+      </p:sp>
+      <p:cxnSp>
+        <p:nvCxnSpPr>
+          <p:cNvPr id="9" name="Straight Connector 8">
+            <a:extLst>
+              <a:ext uri="{FF2B5EF4-FFF2-40B4-BE49-F238E27FC236}">
+                <a16:creationId xmlns:a16="http://schemas.microsoft.com/office/drawing/2014/main" id="{8ECDE257-0E06-4C73-B713-15F600FA91AE}"/>
+              </a:ext>
+            </a:extLst>
+          </p:cNvPr>
+          <p:cNvCxnSpPr>
+            <a:cxnSpLocks/>
+          </p:cNvCxnSpPr>
+          <p:nvPr/>
+        </p:nvCxnSpPr>
+        <p:spPr>
+          <a:xfrm>
+            <a:off x="3097763" y="3437944"/>
+            <a:ext cx="0" cy="2449286"/>
+          </a:xfrm>
+          <a:prstGeom prst="line">
+            <a:avLst/>
+          </a:prstGeom>
+          <a:ln w="15875" cmpd="dbl">
+            <a:solidFill>
+              <a:schemeClr val="accent6">
+                <a:lumMod val="75000"/>
+              </a:schemeClr>
+            </a:solidFill>
+            <a:prstDash val="lgDash"/>
+          </a:ln>
+        </p:spPr>
+        <p:style>
+          <a:lnRef idx="1">
+            <a:schemeClr val="accent1"/>
+          </a:lnRef>
+          <a:fillRef idx="0">
+            <a:schemeClr val="accent1"/>
+          </a:fillRef>
+          <a:effectRef idx="0">
+            <a:schemeClr val="accent1"/>
+          </a:effectRef>
+          <a:fontRef idx="minor">
+            <a:schemeClr val="tx1"/>
+          </a:fontRef>
+        </p:style>
+      </p:cxnSp>
+      <p:sp>
+        <p:nvSpPr>
+          <p:cNvPr id="11" name="Rectangle: Rounded Corners 10">
+            <a:extLst>
+              <a:ext uri="{FF2B5EF4-FFF2-40B4-BE49-F238E27FC236}">
+                <a16:creationId xmlns:a16="http://schemas.microsoft.com/office/drawing/2014/main" id="{1D5DB675-0CE6-474A-B918-0BBB81FDF253}"/>
+              </a:ext>
+            </a:extLst>
+          </p:cNvPr>
+          <p:cNvSpPr/>
+          <p:nvPr/>
+        </p:nvSpPr>
+        <p:spPr>
+          <a:xfrm>
+            <a:off x="9193764" y="709127"/>
+            <a:ext cx="2251787" cy="4609322"/>
+          </a:xfrm>
+          <a:prstGeom prst="roundRect">
+            <a:avLst/>
+          </a:prstGeom>
+          <a:solidFill>
+            <a:schemeClr val="bg1">
+              <a:lumMod val="85000"/>
+            </a:schemeClr>
+          </a:solidFill>
+          <a:ln w="28575">
+            <a:solidFill>
+              <a:srgbClr val="FF0000"/>
+            </a:solidFill>
+          </a:ln>
+        </p:spPr>
+        <p:style>
+          <a:lnRef idx="2">
+            <a:schemeClr val="accent1">
+              <a:shade val="50000"/>
+            </a:schemeClr>
+          </a:lnRef>
+          <a:fillRef idx="1">
+            <a:schemeClr val="accent1"/>
+          </a:fillRef>
+          <a:effectRef idx="0">
+            <a:schemeClr val="accent1"/>
+          </a:effectRef>
+          <a:fontRef idx="minor">
+            <a:schemeClr val="lt1"/>
+          </a:fontRef>
+        </p:style>
+        <p:txBody>
+          <a:bodyPr rtlCol="0" anchor="ctr"/>
+          <a:lstStyle/>
+          <a:p>
+            <a:pPr algn="ctr"/>
+            <a:endParaRPr lang="en-GB">
+              <a:latin typeface="Segoe UI" panose="020B0502040204020203" pitchFamily="34" charset="0"/>
+              <a:cs typeface="Segoe UI" panose="020B0502040204020203" pitchFamily="34" charset="0"/>
+            </a:endParaRPr>
+          </a:p>
+        </p:txBody>
+      </p:sp>
+      <p:sp>
+        <p:nvSpPr>
+          <p:cNvPr id="13" name="Rectangle: Rounded Corners 12">
+            <a:extLst>
+              <a:ext uri="{FF2B5EF4-FFF2-40B4-BE49-F238E27FC236}">
+                <a16:creationId xmlns:a16="http://schemas.microsoft.com/office/drawing/2014/main" id="{497DB97B-039D-4182-8A21-C324F5A05084}"/>
+              </a:ext>
+            </a:extLst>
+          </p:cNvPr>
+          <p:cNvSpPr/>
+          <p:nvPr/>
+        </p:nvSpPr>
+        <p:spPr>
+          <a:xfrm>
+            <a:off x="1003054" y="777913"/>
+            <a:ext cx="6884431" cy="2183363"/>
+          </a:xfrm>
+          <a:prstGeom prst="roundRect">
+            <a:avLst/>
+          </a:prstGeom>
+          <a:solidFill>
+            <a:schemeClr val="bg1">
+              <a:lumMod val="85000"/>
+            </a:schemeClr>
+          </a:solidFill>
+          <a:ln w="28575">
+            <a:solidFill>
+              <a:srgbClr val="FF0000"/>
+            </a:solidFill>
+          </a:ln>
+        </p:spPr>
+        <p:style>
+          <a:lnRef idx="2">
+            <a:schemeClr val="accent1">
+              <a:shade val="50000"/>
+            </a:schemeClr>
+          </a:lnRef>
+          <a:fillRef idx="1">
+            <a:schemeClr val="accent1"/>
+          </a:fillRef>
+          <a:effectRef idx="0">
+            <a:schemeClr val="accent1"/>
+          </a:effectRef>
+          <a:fontRef idx="minor">
+            <a:schemeClr val="lt1"/>
+          </a:fontRef>
+        </p:style>
+        <p:txBody>
+          <a:bodyPr rtlCol="0" anchor="ctr"/>
+          <a:lstStyle/>
+          <a:p>
+            <a:pPr algn="ctr"/>
+            <a:endParaRPr lang="en-GB">
+              <a:latin typeface="Segoe UI" panose="020B0502040204020203" pitchFamily="34" charset="0"/>
+              <a:cs typeface="Segoe UI" panose="020B0502040204020203" pitchFamily="34" charset="0"/>
+            </a:endParaRPr>
+          </a:p>
+        </p:txBody>
+      </p:sp>
+      <p:sp>
+        <p:nvSpPr>
+          <p:cNvPr id="14" name="Rectangle: Rounded Corners 13">
+            <a:extLst>
+              <a:ext uri="{FF2B5EF4-FFF2-40B4-BE49-F238E27FC236}">
+                <a16:creationId xmlns:a16="http://schemas.microsoft.com/office/drawing/2014/main" id="{670B406B-FAA1-4A47-9E0F-388A4554F760}"/>
+              </a:ext>
+            </a:extLst>
+          </p:cNvPr>
+          <p:cNvSpPr/>
+          <p:nvPr/>
+        </p:nvSpPr>
+        <p:spPr>
+          <a:xfrm>
+            <a:off x="5951371" y="4406768"/>
+            <a:ext cx="1819465" cy="942392"/>
+          </a:xfrm>
+          <a:prstGeom prst="roundRect">
+            <a:avLst/>
+          </a:prstGeom>
+          <a:solidFill>
+            <a:schemeClr val="bg1">
+              <a:lumMod val="85000"/>
+            </a:schemeClr>
+          </a:solidFill>
+          <a:ln w="28575">
+            <a:solidFill>
+              <a:srgbClr val="FF0000"/>
+            </a:solidFill>
+          </a:ln>
+        </p:spPr>
+        <p:style>
+          <a:lnRef idx="2">
+            <a:schemeClr val="accent1">
+              <a:shade val="50000"/>
+            </a:schemeClr>
+          </a:lnRef>
+          <a:fillRef idx="1">
+            <a:schemeClr val="accent1"/>
+          </a:fillRef>
+          <a:effectRef idx="0">
+            <a:schemeClr val="accent1"/>
+          </a:effectRef>
+          <a:fontRef idx="minor">
+            <a:schemeClr val="lt1"/>
+          </a:fontRef>
+        </p:style>
+        <p:txBody>
+          <a:bodyPr rtlCol="0" anchor="ctr"/>
+          <a:lstStyle/>
+          <a:p>
+            <a:pPr algn="ctr"/>
+            <a:endParaRPr lang="en-GB">
+              <a:latin typeface="Segoe UI" panose="020B0502040204020203" pitchFamily="34" charset="0"/>
+              <a:cs typeface="Segoe UI" panose="020B0502040204020203" pitchFamily="34" charset="0"/>
+            </a:endParaRPr>
+          </a:p>
+        </p:txBody>
+      </p:sp>
+      <p:sp>
+        <p:nvSpPr>
+          <p:cNvPr id="15" name="Rectangle: Rounded Corners 14">
+            <a:extLst>
+              <a:ext uri="{FF2B5EF4-FFF2-40B4-BE49-F238E27FC236}">
+                <a16:creationId xmlns:a16="http://schemas.microsoft.com/office/drawing/2014/main" id="{56FA4A14-0892-4CE1-BE7A-A2056ECF1DAC}"/>
+              </a:ext>
+            </a:extLst>
+          </p:cNvPr>
+          <p:cNvSpPr/>
+          <p:nvPr/>
+        </p:nvSpPr>
+        <p:spPr>
+          <a:xfrm>
+            <a:off x="3456987" y="4406768"/>
+            <a:ext cx="1895667" cy="942392"/>
+          </a:xfrm>
+          <a:prstGeom prst="roundRect">
+            <a:avLst/>
+          </a:prstGeom>
+          <a:solidFill>
+            <a:schemeClr val="bg1">
+              <a:lumMod val="85000"/>
+            </a:schemeClr>
+          </a:solidFill>
+          <a:ln w="28575">
+            <a:solidFill>
+              <a:srgbClr val="FF0000"/>
+            </a:solidFill>
+          </a:ln>
+        </p:spPr>
+        <p:style>
+          <a:lnRef idx="2">
+            <a:schemeClr val="accent1">
+              <a:shade val="50000"/>
+            </a:schemeClr>
+          </a:lnRef>
+          <a:fillRef idx="1">
+            <a:schemeClr val="accent1"/>
+          </a:fillRef>
+          <a:effectRef idx="0">
+            <a:schemeClr val="accent1"/>
+          </a:effectRef>
+          <a:fontRef idx="minor">
+            <a:schemeClr val="lt1"/>
+          </a:fontRef>
+        </p:style>
+        <p:txBody>
+          <a:bodyPr rtlCol="0" anchor="ctr"/>
+          <a:lstStyle/>
+          <a:p>
+            <a:pPr algn="ctr"/>
+            <a:endParaRPr lang="en-GB">
+              <a:latin typeface="Segoe UI" panose="020B0502040204020203" pitchFamily="34" charset="0"/>
+              <a:cs typeface="Segoe UI" panose="020B0502040204020203" pitchFamily="34" charset="0"/>
+            </a:endParaRPr>
+          </a:p>
+        </p:txBody>
+      </p:sp>
+      <p:cxnSp>
+        <p:nvCxnSpPr>
+          <p:cNvPr id="16" name="Straight Connector 15">
+            <a:extLst>
+              <a:ext uri="{FF2B5EF4-FFF2-40B4-BE49-F238E27FC236}">
+                <a16:creationId xmlns:a16="http://schemas.microsoft.com/office/drawing/2014/main" id="{B8646BD2-FF5F-47C6-9788-5228BF540137}"/>
+              </a:ext>
+            </a:extLst>
+          </p:cNvPr>
+          <p:cNvCxnSpPr>
+            <a:cxnSpLocks/>
+          </p:cNvCxnSpPr>
+          <p:nvPr/>
+        </p:nvCxnSpPr>
+        <p:spPr>
+          <a:xfrm>
+            <a:off x="5592147" y="3429000"/>
+            <a:ext cx="0" cy="2449286"/>
+          </a:xfrm>
+          <a:prstGeom prst="line">
+            <a:avLst/>
+          </a:prstGeom>
+          <a:ln w="15875" cmpd="dbl">
+            <a:solidFill>
+              <a:schemeClr val="accent6">
+                <a:lumMod val="75000"/>
+              </a:schemeClr>
+            </a:solidFill>
+            <a:prstDash val="lgDash"/>
+          </a:ln>
+        </p:spPr>
+        <p:style>
+          <a:lnRef idx="1">
+            <a:schemeClr val="accent1"/>
+          </a:lnRef>
+          <a:fillRef idx="0">
+            <a:schemeClr val="accent1"/>
+          </a:fillRef>
+          <a:effectRef idx="0">
+            <a:schemeClr val="accent1"/>
+          </a:effectRef>
+          <a:fontRef idx="minor">
+            <a:schemeClr val="tx1"/>
+          </a:fontRef>
+        </p:style>
+      </p:cxnSp>
+      <p:sp>
+        <p:nvSpPr>
+          <p:cNvPr id="17" name="TextBox 16">
+            <a:extLst>
+              <a:ext uri="{FF2B5EF4-FFF2-40B4-BE49-F238E27FC236}">
+                <a16:creationId xmlns:a16="http://schemas.microsoft.com/office/drawing/2014/main" id="{6E8BFC32-3AFA-4B4C-9172-2CBE21A80A58}"/>
+              </a:ext>
+            </a:extLst>
+          </p:cNvPr>
+          <p:cNvSpPr txBox="1"/>
+          <p:nvPr/>
+        </p:nvSpPr>
+        <p:spPr>
+          <a:xfrm>
+            <a:off x="2908044" y="1063132"/>
+            <a:ext cx="3187956" cy="1446550"/>
+          </a:xfrm>
+          <a:prstGeom prst="rect">
+            <a:avLst/>
+          </a:prstGeom>
+          <a:noFill/>
+        </p:spPr>
+        <p:txBody>
+          <a:bodyPr wrap="square" rtlCol="0">
+            <a:spAutoFit/>
           </a:bodyPr>
           <a:lstStyle/>
           <a:p>
-            <a:pPr algn="ctr"/>
-            <a:r>
-              <a:rPr lang="en-GB" sz="6600" dirty="0">
-                <a:solidFill>
-                  <a:schemeClr val="bg1"/>
-                </a:solidFill>
+            <a:r>
+              <a:rPr lang="en-GB" sz="8800" dirty="0">
                 <a:latin typeface="Segoe UI" panose="020B0502040204020203" pitchFamily="34" charset="0"/>
                 <a:cs typeface="Segoe UI" panose="020B0502040204020203" pitchFamily="34" charset="0"/>
               </a:rPr>
-              <a:t>WP REST API &amp; AJAX</a:t>
-            </a:r>
-          </a:p>
-        </p:txBody>
-      </p:sp>
-      <p:sp>
-        <p:nvSpPr>
-          <p:cNvPr id="4" name="Content Placeholder 2">
-            <a:extLst>
-              <a:ext uri="{FF2B5EF4-FFF2-40B4-BE49-F238E27FC236}">
-                <a16:creationId xmlns:a16="http://schemas.microsoft.com/office/drawing/2014/main" id="{088CCB65-11B4-408B-9ED3-1304FE85032F}"/>
-              </a:ext>
-            </a:extLst>
-          </p:cNvPr>
-          <p:cNvSpPr>
-            <a:spLocks noGrp="1"/>
-          </p:cNvSpPr>
-          <p:nvPr>
-            <p:ph idx="1"/>
-          </p:nvPr>
+              <a:t>HTML</a:t>
+            </a:r>
+          </a:p>
+        </p:txBody>
+      </p:sp>
+      <p:sp>
+        <p:nvSpPr>
+          <p:cNvPr id="19" name="TextBox 18">
+            <a:extLst>
+              <a:ext uri="{FF2B5EF4-FFF2-40B4-BE49-F238E27FC236}">
+                <a16:creationId xmlns:a16="http://schemas.microsoft.com/office/drawing/2014/main" id="{C81F58F9-1FC7-477B-877C-80F0959EBC0E}"/>
+              </a:ext>
+            </a:extLst>
+          </p:cNvPr>
+          <p:cNvSpPr txBox="1"/>
+          <p:nvPr/>
         </p:nvSpPr>
         <p:spPr>
           <a:xfrm>
-            <a:off x="838200" y="1431636"/>
-            <a:ext cx="10515600" cy="4742661"/>
-          </a:xfrm>
-        </p:spPr>
-        <p:txBody>
-          <a:bodyPr wrap="square" bIns="252000">
-            <a:normAutofit lnSpcReduction="10000"/>
+            <a:off x="6019022" y="4693298"/>
+            <a:ext cx="1702057" cy="369332"/>
+          </a:xfrm>
+          <a:prstGeom prst="rect">
+            <a:avLst/>
+          </a:prstGeom>
+          <a:noFill/>
+        </p:spPr>
+        <p:txBody>
+          <a:bodyPr wrap="square" rtlCol="0">
+            <a:spAutoFit/>
           </a:bodyPr>
           <a:lstStyle/>
           <a:p>
-            <a:pPr marL="457200" lvl="1" indent="0">
-              <a:buNone/>
-            </a:pPr>
-            <a:r>
-              <a:rPr lang="en-GB" sz="5100" dirty="0">
-                <a:solidFill>
-                  <a:srgbClr val="2196F3"/>
-                </a:solidFill>
+            <a:r>
+              <a:rPr lang="en-GB" dirty="0">
                 <a:latin typeface="Segoe UI" panose="020B0502040204020203" pitchFamily="34" charset="0"/>
                 <a:cs typeface="Segoe UI" panose="020B0502040204020203" pitchFamily="34" charset="0"/>
               </a:rPr>
-              <a:t>WP REST API + Web Components</a:t>
-            </a:r>
-          </a:p>
-          <a:p>
-            <a:pPr marL="457200" lvl="1" indent="0">
-              <a:buNone/>
-            </a:pPr>
-            <a:r>
-              <a:rPr lang="en-GB" sz="5100" dirty="0">
-                <a:solidFill>
-                  <a:srgbClr val="2196F3"/>
-                </a:solidFill>
+              <a:t>Framework ...n</a:t>
+            </a:r>
+          </a:p>
+        </p:txBody>
+      </p:sp>
+      <p:sp>
+        <p:nvSpPr>
+          <p:cNvPr id="20" name="TextBox 19">
+            <a:extLst>
+              <a:ext uri="{FF2B5EF4-FFF2-40B4-BE49-F238E27FC236}">
+                <a16:creationId xmlns:a16="http://schemas.microsoft.com/office/drawing/2014/main" id="{FB923CCF-0EA9-4C2D-AC00-B89B13CB18B9}"/>
+              </a:ext>
+            </a:extLst>
+          </p:cNvPr>
+          <p:cNvSpPr txBox="1"/>
+          <p:nvPr/>
+        </p:nvSpPr>
+        <p:spPr>
+          <a:xfrm>
+            <a:off x="3619499" y="4693298"/>
+            <a:ext cx="1488233" cy="369332"/>
+          </a:xfrm>
+          <a:prstGeom prst="rect">
+            <a:avLst/>
+          </a:prstGeom>
+          <a:noFill/>
+        </p:spPr>
+        <p:txBody>
+          <a:bodyPr wrap="square" rtlCol="0">
+            <a:spAutoFit/>
+          </a:bodyPr>
+          <a:lstStyle/>
+          <a:p>
+            <a:r>
+              <a:rPr lang="en-GB" dirty="0">
                 <a:latin typeface="Segoe UI" panose="020B0502040204020203" pitchFamily="34" charset="0"/>
                 <a:cs typeface="Segoe UI" panose="020B0502040204020203" pitchFamily="34" charset="0"/>
               </a:rPr>
-              <a:t>=&gt; 100% INTERNET</a:t>
-            </a:r>
-          </a:p>
-          <a:p>
-            <a:pPr marL="457200" lvl="1" indent="0">
-              <a:buNone/>
-            </a:pPr>
-            <a:endParaRPr lang="en-GB" sz="1050" dirty="0">
-              <a:solidFill>
-                <a:srgbClr val="2196F3"/>
-              </a:solidFill>
+              <a:t>Framework 2</a:t>
+            </a:r>
+          </a:p>
+        </p:txBody>
+      </p:sp>
+      <p:sp>
+        <p:nvSpPr>
+          <p:cNvPr id="21" name="TextBox 20">
+            <a:extLst>
+              <a:ext uri="{FF2B5EF4-FFF2-40B4-BE49-F238E27FC236}">
+                <a16:creationId xmlns:a16="http://schemas.microsoft.com/office/drawing/2014/main" id="{000E004F-3DEE-453A-880F-3667A9536687}"/>
+              </a:ext>
+            </a:extLst>
+          </p:cNvPr>
+          <p:cNvSpPr txBox="1"/>
+          <p:nvPr/>
+        </p:nvSpPr>
+        <p:spPr>
+          <a:xfrm>
+            <a:off x="1091681" y="4693298"/>
+            <a:ext cx="1488233" cy="369332"/>
+          </a:xfrm>
+          <a:prstGeom prst="rect">
+            <a:avLst/>
+          </a:prstGeom>
+          <a:noFill/>
+        </p:spPr>
+        <p:txBody>
+          <a:bodyPr wrap="square" rtlCol="0">
+            <a:spAutoFit/>
+          </a:bodyPr>
+          <a:lstStyle/>
+          <a:p>
+            <a:r>
+              <a:rPr lang="en-GB" dirty="0">
+                <a:latin typeface="Segoe UI" panose="020B0502040204020203" pitchFamily="34" charset="0"/>
+                <a:cs typeface="Segoe UI" panose="020B0502040204020203" pitchFamily="34" charset="0"/>
+              </a:rPr>
+              <a:t>Framework 1</a:t>
+            </a:r>
+          </a:p>
+        </p:txBody>
+      </p:sp>
+      <p:sp>
+        <p:nvSpPr>
+          <p:cNvPr id="2" name="Rectangle 1">
+            <a:extLst>
+              <a:ext uri="{FF2B5EF4-FFF2-40B4-BE49-F238E27FC236}">
+                <a16:creationId xmlns:a16="http://schemas.microsoft.com/office/drawing/2014/main" id="{FDD2DDAE-CA83-4119-9F26-87A3775E731D}"/>
+              </a:ext>
+            </a:extLst>
+          </p:cNvPr>
+          <p:cNvSpPr/>
+          <p:nvPr/>
+        </p:nvSpPr>
+        <p:spPr>
+          <a:xfrm>
+            <a:off x="886406" y="3150607"/>
+            <a:ext cx="6884431" cy="811764"/>
+          </a:xfrm>
+          <a:prstGeom prst="rect">
+            <a:avLst/>
+          </a:prstGeom>
+        </p:spPr>
+        <p:style>
+          <a:lnRef idx="2">
+            <a:schemeClr val="accent6">
+              <a:shade val="50000"/>
+            </a:schemeClr>
+          </a:lnRef>
+          <a:fillRef idx="1">
+            <a:schemeClr val="accent6"/>
+          </a:fillRef>
+          <a:effectRef idx="0">
+            <a:schemeClr val="accent6"/>
+          </a:effectRef>
+          <a:fontRef idx="minor">
+            <a:schemeClr val="lt1"/>
+          </a:fontRef>
+        </p:style>
+        <p:txBody>
+          <a:bodyPr rtlCol="0" anchor="ctr"/>
+          <a:lstStyle/>
+          <a:p>
+            <a:pPr algn="ctr"/>
+            <a:endParaRPr lang="en-GB">
               <a:latin typeface="Segoe UI" panose="020B0502040204020203" pitchFamily="34" charset="0"/>
               <a:cs typeface="Segoe UI" panose="020B0502040204020203" pitchFamily="34" charset="0"/>
             </a:endParaRPr>
           </a:p>
-          <a:p>
-            <a:pPr lvl="1"/>
-            <a:r>
-              <a:rPr lang="en-GB" sz="2800" dirty="0">
-                <a:solidFill>
-                  <a:srgbClr val="2196F3"/>
+        </p:txBody>
+      </p:sp>
+      <p:sp>
+        <p:nvSpPr>
+          <p:cNvPr id="3" name="TextBox 2">
+            <a:extLst>
+              <a:ext uri="{FF2B5EF4-FFF2-40B4-BE49-F238E27FC236}">
+                <a16:creationId xmlns:a16="http://schemas.microsoft.com/office/drawing/2014/main" id="{0F9AD193-E370-4053-AFC8-A661FCE69253}"/>
+              </a:ext>
+            </a:extLst>
+          </p:cNvPr>
+          <p:cNvSpPr txBox="1"/>
+          <p:nvPr/>
+        </p:nvSpPr>
+        <p:spPr>
+          <a:xfrm>
+            <a:off x="2266955" y="3288787"/>
+            <a:ext cx="4123332" cy="584775"/>
+          </a:xfrm>
+          <a:prstGeom prst="rect">
+            <a:avLst/>
+          </a:prstGeom>
+          <a:noFill/>
+        </p:spPr>
+        <p:txBody>
+          <a:bodyPr wrap="square" rtlCol="0">
+            <a:spAutoFit/>
+          </a:bodyPr>
+          <a:lstStyle/>
+          <a:p>
+            <a:r>
+              <a:rPr lang="en-GB" sz="3200" b="1" dirty="0">
+                <a:solidFill>
+                  <a:schemeClr val="bg1"/>
                 </a:solidFill>
                 <a:latin typeface="Segoe UI" panose="020B0502040204020203" pitchFamily="34" charset="0"/>
                 <a:cs typeface="Segoe UI" panose="020B0502040204020203" pitchFamily="34" charset="0"/>
               </a:rPr>
-              <a:t>Web Components are custom HTML elements/tags that we can create.</a:t>
-            </a:r>
-          </a:p>
-          <a:p>
-            <a:pPr lvl="1"/>
-            <a:r>
-              <a:rPr lang="en-GB" sz="2800" dirty="0">
-                <a:solidFill>
-                  <a:srgbClr val="2196F3"/>
+              <a:t>WEB COMPONENTS</a:t>
+            </a:r>
+          </a:p>
+        </p:txBody>
+      </p:sp>
+      <p:cxnSp>
+        <p:nvCxnSpPr>
+          <p:cNvPr id="6" name="Straight Arrow Connector 5">
+            <a:extLst>
+              <a:ext uri="{FF2B5EF4-FFF2-40B4-BE49-F238E27FC236}">
+                <a16:creationId xmlns:a16="http://schemas.microsoft.com/office/drawing/2014/main" id="{D229A287-52AB-46FC-9CD3-F99C53ACEF34}"/>
+              </a:ext>
+            </a:extLst>
+          </p:cNvPr>
+          <p:cNvCxnSpPr/>
+          <p:nvPr/>
+        </p:nvCxnSpPr>
+        <p:spPr>
+          <a:xfrm flipV="1">
+            <a:off x="2062065" y="3960073"/>
+            <a:ext cx="0" cy="415984"/>
+          </a:xfrm>
+          <a:prstGeom prst="straightConnector1">
+            <a:avLst/>
+          </a:prstGeom>
+          <a:ln w="50800">
+            <a:tailEnd type="triangle"/>
+          </a:ln>
+        </p:spPr>
+        <p:style>
+          <a:lnRef idx="1">
+            <a:schemeClr val="accent6"/>
+          </a:lnRef>
+          <a:fillRef idx="0">
+            <a:schemeClr val="accent6"/>
+          </a:fillRef>
+          <a:effectRef idx="0">
+            <a:schemeClr val="accent6"/>
+          </a:effectRef>
+          <a:fontRef idx="minor">
+            <a:schemeClr val="tx1"/>
+          </a:fontRef>
+        </p:style>
+      </p:cxnSp>
+      <p:cxnSp>
+        <p:nvCxnSpPr>
+          <p:cNvPr id="22" name="Straight Arrow Connector 21">
+            <a:extLst>
+              <a:ext uri="{FF2B5EF4-FFF2-40B4-BE49-F238E27FC236}">
+                <a16:creationId xmlns:a16="http://schemas.microsoft.com/office/drawing/2014/main" id="{F12C64DB-7B75-4A11-AC0A-77AB2AC81EAD}"/>
+              </a:ext>
+            </a:extLst>
+          </p:cNvPr>
+          <p:cNvCxnSpPr/>
+          <p:nvPr/>
+        </p:nvCxnSpPr>
+        <p:spPr>
+          <a:xfrm flipV="1">
+            <a:off x="4261757" y="3978735"/>
+            <a:ext cx="0" cy="415984"/>
+          </a:xfrm>
+          <a:prstGeom prst="straightConnector1">
+            <a:avLst/>
+          </a:prstGeom>
+          <a:ln w="50800">
+            <a:tailEnd type="triangle"/>
+          </a:ln>
+        </p:spPr>
+        <p:style>
+          <a:lnRef idx="1">
+            <a:schemeClr val="accent6"/>
+          </a:lnRef>
+          <a:fillRef idx="0">
+            <a:schemeClr val="accent6"/>
+          </a:fillRef>
+          <a:effectRef idx="0">
+            <a:schemeClr val="accent6"/>
+          </a:effectRef>
+          <a:fontRef idx="minor">
+            <a:schemeClr val="tx1"/>
+          </a:fontRef>
+        </p:style>
+      </p:cxnSp>
+      <p:cxnSp>
+        <p:nvCxnSpPr>
+          <p:cNvPr id="23" name="Straight Arrow Connector 22">
+            <a:extLst>
+              <a:ext uri="{FF2B5EF4-FFF2-40B4-BE49-F238E27FC236}">
+                <a16:creationId xmlns:a16="http://schemas.microsoft.com/office/drawing/2014/main" id="{8B1C15C1-C3CB-4D87-A0BB-7C3A15158A95}"/>
+              </a:ext>
+            </a:extLst>
+          </p:cNvPr>
+          <p:cNvCxnSpPr/>
+          <p:nvPr/>
+        </p:nvCxnSpPr>
+        <p:spPr>
+          <a:xfrm flipV="1">
+            <a:off x="6304384" y="3962371"/>
+            <a:ext cx="0" cy="415984"/>
+          </a:xfrm>
+          <a:prstGeom prst="straightConnector1">
+            <a:avLst/>
+          </a:prstGeom>
+          <a:ln w="50800">
+            <a:tailEnd type="triangle"/>
+          </a:ln>
+        </p:spPr>
+        <p:style>
+          <a:lnRef idx="1">
+            <a:schemeClr val="accent6"/>
+          </a:lnRef>
+          <a:fillRef idx="0">
+            <a:schemeClr val="accent6"/>
+          </a:fillRef>
+          <a:effectRef idx="0">
+            <a:schemeClr val="accent6"/>
+          </a:effectRef>
+          <a:fontRef idx="minor">
+            <a:schemeClr val="tx1"/>
+          </a:fontRef>
+        </p:style>
+      </p:cxnSp>
+      <p:cxnSp>
+        <p:nvCxnSpPr>
+          <p:cNvPr id="24" name="Straight Arrow Connector 23">
+            <a:extLst>
+              <a:ext uri="{FF2B5EF4-FFF2-40B4-BE49-F238E27FC236}">
+                <a16:creationId xmlns:a16="http://schemas.microsoft.com/office/drawing/2014/main" id="{163353F7-B0B9-4F80-AC63-42827D10FDAE}"/>
+              </a:ext>
+            </a:extLst>
+          </p:cNvPr>
+          <p:cNvCxnSpPr>
+            <a:cxnSpLocks/>
+          </p:cNvCxnSpPr>
+          <p:nvPr/>
+        </p:nvCxnSpPr>
+        <p:spPr>
+          <a:xfrm flipV="1">
+            <a:off x="4261757" y="2220686"/>
+            <a:ext cx="0" cy="929921"/>
+          </a:xfrm>
+          <a:prstGeom prst="straightConnector1">
+            <a:avLst/>
+          </a:prstGeom>
+          <a:ln w="50800">
+            <a:tailEnd type="triangle"/>
+          </a:ln>
+        </p:spPr>
+        <p:style>
+          <a:lnRef idx="1">
+            <a:schemeClr val="accent6"/>
+          </a:lnRef>
+          <a:fillRef idx="0">
+            <a:schemeClr val="accent6"/>
+          </a:fillRef>
+          <a:effectRef idx="0">
+            <a:schemeClr val="accent6"/>
+          </a:effectRef>
+          <a:fontRef idx="minor">
+            <a:schemeClr val="tx1"/>
+          </a:fontRef>
+        </p:style>
+      </p:cxnSp>
+      <p:cxnSp>
+        <p:nvCxnSpPr>
+          <p:cNvPr id="25" name="Straight Arrow Connector 24">
+            <a:extLst>
+              <a:ext uri="{FF2B5EF4-FFF2-40B4-BE49-F238E27FC236}">
+                <a16:creationId xmlns:a16="http://schemas.microsoft.com/office/drawing/2014/main" id="{CC440C1A-3EF4-4B67-8663-C472C2FCEE45}"/>
+              </a:ext>
+            </a:extLst>
+          </p:cNvPr>
+          <p:cNvCxnSpPr>
+            <a:cxnSpLocks/>
+          </p:cNvCxnSpPr>
+          <p:nvPr/>
+        </p:nvCxnSpPr>
+        <p:spPr>
+          <a:xfrm>
+            <a:off x="2062065" y="3997396"/>
+            <a:ext cx="1464906" cy="490628"/>
+          </a:xfrm>
+          <a:prstGeom prst="straightConnector1">
+            <a:avLst/>
+          </a:prstGeom>
+          <a:ln w="50800">
+            <a:tailEnd type="triangle"/>
+          </a:ln>
+        </p:spPr>
+        <p:style>
+          <a:lnRef idx="1">
+            <a:schemeClr val="accent6"/>
+          </a:lnRef>
+          <a:fillRef idx="0">
+            <a:schemeClr val="accent6"/>
+          </a:fillRef>
+          <a:effectRef idx="0">
+            <a:schemeClr val="accent6"/>
+          </a:effectRef>
+          <a:fontRef idx="minor">
+            <a:schemeClr val="tx1"/>
+          </a:fontRef>
+        </p:style>
+      </p:cxnSp>
+      <p:cxnSp>
+        <p:nvCxnSpPr>
+          <p:cNvPr id="28" name="Straight Arrow Connector 27">
+            <a:extLst>
+              <a:ext uri="{FF2B5EF4-FFF2-40B4-BE49-F238E27FC236}">
+                <a16:creationId xmlns:a16="http://schemas.microsoft.com/office/drawing/2014/main" id="{BB158374-8877-4243-9769-72088526DB6A}"/>
+              </a:ext>
+            </a:extLst>
+          </p:cNvPr>
+          <p:cNvCxnSpPr>
+            <a:cxnSpLocks/>
+          </p:cNvCxnSpPr>
+          <p:nvPr/>
+        </p:nvCxnSpPr>
+        <p:spPr>
+          <a:xfrm>
+            <a:off x="4261757" y="3997396"/>
+            <a:ext cx="1689614" cy="490628"/>
+          </a:xfrm>
+          <a:prstGeom prst="straightConnector1">
+            <a:avLst/>
+          </a:prstGeom>
+          <a:ln w="50800">
+            <a:tailEnd type="triangle"/>
+          </a:ln>
+        </p:spPr>
+        <p:style>
+          <a:lnRef idx="1">
+            <a:schemeClr val="accent6"/>
+          </a:lnRef>
+          <a:fillRef idx="0">
+            <a:schemeClr val="accent6"/>
+          </a:fillRef>
+          <a:effectRef idx="0">
+            <a:schemeClr val="accent6"/>
+          </a:effectRef>
+          <a:fontRef idx="minor">
+            <a:schemeClr val="tx1"/>
+          </a:fontRef>
+        </p:style>
+      </p:cxnSp>
+      <p:sp>
+        <p:nvSpPr>
+          <p:cNvPr id="8" name="Arrow: Right 7">
+            <a:extLst>
+              <a:ext uri="{FF2B5EF4-FFF2-40B4-BE49-F238E27FC236}">
+                <a16:creationId xmlns:a16="http://schemas.microsoft.com/office/drawing/2014/main" id="{25BD3FE5-5BA0-48FE-B758-52C44C0D1DC1}"/>
+              </a:ext>
+            </a:extLst>
+          </p:cNvPr>
+          <p:cNvSpPr/>
+          <p:nvPr/>
+        </p:nvSpPr>
+        <p:spPr>
+          <a:xfrm rot="10800000">
+            <a:off x="7770836" y="3134313"/>
+            <a:ext cx="1411331" cy="825759"/>
+          </a:xfrm>
+          <a:prstGeom prst="rightArrow">
+            <a:avLst/>
+          </a:prstGeom>
+        </p:spPr>
+        <p:style>
+          <a:lnRef idx="2">
+            <a:schemeClr val="accent1">
+              <a:shade val="50000"/>
+            </a:schemeClr>
+          </a:lnRef>
+          <a:fillRef idx="1">
+            <a:schemeClr val="accent1"/>
+          </a:fillRef>
+          <a:effectRef idx="0">
+            <a:schemeClr val="accent1"/>
+          </a:effectRef>
+          <a:fontRef idx="minor">
+            <a:schemeClr val="lt1"/>
+          </a:fontRef>
+        </p:style>
+        <p:txBody>
+          <a:bodyPr rtlCol="0" anchor="ctr"/>
+          <a:lstStyle/>
+          <a:p>
+            <a:pPr algn="ctr"/>
+            <a:endParaRPr lang="en-GB"/>
+          </a:p>
+        </p:txBody>
+      </p:sp>
+      <p:sp>
+        <p:nvSpPr>
+          <p:cNvPr id="30" name="TextBox 29">
+            <a:extLst>
+              <a:ext uri="{FF2B5EF4-FFF2-40B4-BE49-F238E27FC236}">
+                <a16:creationId xmlns:a16="http://schemas.microsoft.com/office/drawing/2014/main" id="{20D77E3C-AC7F-43B7-8FF2-980322AACB93}"/>
+              </a:ext>
+            </a:extLst>
+          </p:cNvPr>
+          <p:cNvSpPr txBox="1"/>
+          <p:nvPr/>
+        </p:nvSpPr>
+        <p:spPr>
+          <a:xfrm>
+            <a:off x="9300027" y="3199941"/>
+            <a:ext cx="2070867" cy="649536"/>
+          </a:xfrm>
+          <a:prstGeom prst="rect">
+            <a:avLst/>
+          </a:prstGeom>
+        </p:spPr>
+        <p:style>
+          <a:lnRef idx="2">
+            <a:schemeClr val="accent6">
+              <a:shade val="50000"/>
+            </a:schemeClr>
+          </a:lnRef>
+          <a:fillRef idx="1">
+            <a:schemeClr val="accent6"/>
+          </a:fillRef>
+          <a:effectRef idx="0">
+            <a:schemeClr val="accent6"/>
+          </a:effectRef>
+          <a:fontRef idx="minor">
+            <a:schemeClr val="lt1"/>
+          </a:fontRef>
+        </p:style>
+        <p:txBody>
+          <a:bodyPr rtlCol="0" anchor="ctr"/>
+          <a:lstStyle>
+            <a:defPPr>
+              <a:defRPr lang="en-US"/>
+            </a:defPPr>
+            <a:lvl1pPr algn="ctr">
+              <a:defRPr>
+                <a:solidFill>
+                  <a:schemeClr val="lt1"/>
                 </a:solidFill>
                 <a:latin typeface="Segoe UI" panose="020B0502040204020203" pitchFamily="34" charset="0"/>
                 <a:cs typeface="Segoe UI" panose="020B0502040204020203" pitchFamily="34" charset="0"/>
-              </a:rPr>
-              <a:t>We define a tag and associate with a JS Class.</a:t>
-            </a:r>
-          </a:p>
-          <a:p>
-            <a:pPr lvl="1"/>
-            <a:r>
-              <a:rPr lang="en-GB" sz="2800" dirty="0">
-                <a:solidFill>
-                  <a:srgbClr val="2196F3"/>
-                </a:solidFill>
-                <a:latin typeface="Segoe UI" panose="020B0502040204020203" pitchFamily="34" charset="0"/>
-                <a:cs typeface="Segoe UI" panose="020B0502040204020203" pitchFamily="34" charset="0"/>
-              </a:rPr>
-              <a:t>They are regular HTML so can be used wherever HTML is used and also be wired into JS Framework builds.</a:t>
-            </a:r>
-          </a:p>
-          <a:p>
-            <a:pPr lvl="1"/>
-            <a:r>
-              <a:rPr lang="en-GB" sz="2800" dirty="0">
-                <a:solidFill>
-                  <a:srgbClr val="2196F3"/>
-                </a:solidFill>
-                <a:latin typeface="Segoe UI" panose="020B0502040204020203" pitchFamily="34" charset="0"/>
-                <a:cs typeface="Segoe UI" panose="020B0502040204020203" pitchFamily="34" charset="0"/>
-              </a:rPr>
-              <a:t>The example of DECOUPLED WP is in fact built entirely with Web Components…let’s look at the source code…</a:t>
-            </a:r>
-          </a:p>
-          <a:p>
-            <a:pPr marL="457200" lvl="1" indent="0">
-              <a:buNone/>
-            </a:pPr>
-            <a:endParaRPr lang="en-GB" sz="6700" dirty="0">
-              <a:solidFill>
-                <a:srgbClr val="2196F3"/>
-              </a:solidFill>
-              <a:latin typeface="Segoe UI" panose="020B0502040204020203" pitchFamily="34" charset="0"/>
-              <a:cs typeface="Segoe UI" panose="020B0502040204020203" pitchFamily="34" charset="0"/>
-            </a:endParaRPr>
-          </a:p>
-          <a:p>
-            <a:pPr marL="457200" lvl="1" indent="0">
-              <a:buNone/>
-            </a:pPr>
-            <a:endParaRPr lang="en-GB" sz="6700" dirty="0">
-              <a:solidFill>
-                <a:srgbClr val="2196F3"/>
-              </a:solidFill>
-              <a:latin typeface="Segoe UI" panose="020B0502040204020203" pitchFamily="34" charset="0"/>
-              <a:cs typeface="Segoe UI" panose="020B0502040204020203" pitchFamily="34" charset="0"/>
-            </a:endParaRPr>
-          </a:p>
-          <a:p>
-            <a:pPr marL="457200" lvl="1" indent="0">
-              <a:buNone/>
-            </a:pPr>
-            <a:endParaRPr lang="en-GB" sz="6700" dirty="0">
-              <a:latin typeface="Segoe UI" panose="020B0502040204020203" pitchFamily="34" charset="0"/>
-              <a:cs typeface="Segoe UI" panose="020B0502040204020203" pitchFamily="34" charset="0"/>
-            </a:endParaRPr>
-          </a:p>
-          <a:p>
-            <a:pPr marL="0" indent="0">
-              <a:buNone/>
-            </a:pPr>
-            <a:endParaRPr lang="en-GB" dirty="0">
-              <a:latin typeface="Segoe UI" panose="020B0502040204020203" pitchFamily="34" charset="0"/>
-              <a:cs typeface="Segoe UI" panose="020B0502040204020203" pitchFamily="34" charset="0"/>
-            </a:endParaRPr>
-          </a:p>
-          <a:p>
-            <a:endParaRPr lang="en-GB" dirty="0">
-              <a:latin typeface="Segoe UI" panose="020B0502040204020203" pitchFamily="34" charset="0"/>
-              <a:cs typeface="Segoe UI" panose="020B0502040204020203" pitchFamily="34" charset="0"/>
-            </a:endParaRPr>
-          </a:p>
-        </p:txBody>
-      </p:sp>
+              </a:defRPr>
+            </a:lvl1pPr>
+            <a:lvl2pPr>
+              <a:defRPr>
+                <a:solidFill>
+                  <a:schemeClr val="lt1"/>
+                </a:solidFill>
+              </a:defRPr>
+            </a:lvl2pPr>
+            <a:lvl3pPr>
+              <a:defRPr>
+                <a:solidFill>
+                  <a:schemeClr val="lt1"/>
+                </a:solidFill>
+              </a:defRPr>
+            </a:lvl3pPr>
+            <a:lvl4pPr>
+              <a:defRPr>
+                <a:solidFill>
+                  <a:schemeClr val="lt1"/>
+                </a:solidFill>
+              </a:defRPr>
+            </a:lvl4pPr>
+            <a:lvl5pPr>
+              <a:defRPr>
+                <a:solidFill>
+                  <a:schemeClr val="lt1"/>
+                </a:solidFill>
+              </a:defRPr>
+            </a:lvl5pPr>
+            <a:lvl6pPr>
+              <a:defRPr>
+                <a:solidFill>
+                  <a:schemeClr val="lt1"/>
+                </a:solidFill>
+              </a:defRPr>
+            </a:lvl6pPr>
+            <a:lvl7pPr>
+              <a:defRPr>
+                <a:solidFill>
+                  <a:schemeClr val="lt1"/>
+                </a:solidFill>
+              </a:defRPr>
+            </a:lvl7pPr>
+            <a:lvl8pPr>
+              <a:defRPr>
+                <a:solidFill>
+                  <a:schemeClr val="lt1"/>
+                </a:solidFill>
+              </a:defRPr>
+            </a:lvl8pPr>
+            <a:lvl9pPr>
+              <a:defRPr>
+                <a:solidFill>
+                  <a:schemeClr val="lt1"/>
+                </a:solidFill>
+              </a:defRPr>
+            </a:lvl9pPr>
+          </a:lstStyle>
+          <a:p>
+            <a:r>
+              <a:rPr lang="en-GB" dirty="0"/>
+              <a:t>Web Components</a:t>
+            </a:r>
+          </a:p>
+        </p:txBody>
+      </p:sp>
+      <p:sp>
+        <p:nvSpPr>
+          <p:cNvPr id="7" name="TextBox 6">
+            <a:extLst>
+              <a:ext uri="{FF2B5EF4-FFF2-40B4-BE49-F238E27FC236}">
+                <a16:creationId xmlns:a16="http://schemas.microsoft.com/office/drawing/2014/main" id="{E43BE3A4-2CE9-4073-B059-EA24D3386969}"/>
+              </a:ext>
+            </a:extLst>
+          </p:cNvPr>
+          <p:cNvSpPr txBox="1"/>
+          <p:nvPr/>
+        </p:nvSpPr>
+        <p:spPr>
+          <a:xfrm>
+            <a:off x="9461241" y="4416299"/>
+            <a:ext cx="1844351" cy="646331"/>
+          </a:xfrm>
+          <a:prstGeom prst="rect">
+            <a:avLst/>
+          </a:prstGeom>
+          <a:noFill/>
+        </p:spPr>
+        <p:txBody>
+          <a:bodyPr wrap="square" rtlCol="0">
+            <a:spAutoFit/>
+          </a:bodyPr>
+          <a:lstStyle/>
+          <a:p>
+            <a:r>
+              <a:rPr lang="en-GB" dirty="0"/>
+              <a:t>WP PHP PAGES</a:t>
+            </a:r>
+          </a:p>
+          <a:p>
+            <a:r>
+              <a:rPr lang="en-GB" dirty="0"/>
+              <a:t>Gutenberg Blocks</a:t>
+            </a:r>
+          </a:p>
+        </p:txBody>
+      </p:sp>
+      <p:cxnSp>
+        <p:nvCxnSpPr>
+          <p:cNvPr id="34" name="Straight Arrow Connector 33">
+            <a:extLst>
+              <a:ext uri="{FF2B5EF4-FFF2-40B4-BE49-F238E27FC236}">
+                <a16:creationId xmlns:a16="http://schemas.microsoft.com/office/drawing/2014/main" id="{3224BDD2-743D-4365-AF4A-A42C3D6B51E2}"/>
+              </a:ext>
+            </a:extLst>
+          </p:cNvPr>
+          <p:cNvCxnSpPr>
+            <a:cxnSpLocks/>
+          </p:cNvCxnSpPr>
+          <p:nvPr/>
+        </p:nvCxnSpPr>
+        <p:spPr>
+          <a:xfrm>
+            <a:off x="10319390" y="3873562"/>
+            <a:ext cx="8035" cy="562723"/>
+          </a:xfrm>
+          <a:prstGeom prst="straightConnector1">
+            <a:avLst/>
+          </a:prstGeom>
+          <a:ln w="38100">
+            <a:solidFill>
+              <a:schemeClr val="accent1">
+                <a:lumMod val="75000"/>
+              </a:schemeClr>
+            </a:solidFill>
+            <a:tailEnd type="triangle"/>
+          </a:ln>
+        </p:spPr>
+        <p:style>
+          <a:lnRef idx="1">
+            <a:schemeClr val="accent1"/>
+          </a:lnRef>
+          <a:fillRef idx="0">
+            <a:schemeClr val="accent1"/>
+          </a:fillRef>
+          <a:effectRef idx="0">
+            <a:schemeClr val="accent1"/>
+          </a:effectRef>
+          <a:fontRef idx="minor">
+            <a:schemeClr val="tx1"/>
+          </a:fontRef>
+        </p:style>
+      </p:cxnSp>
+      <p:pic>
+        <p:nvPicPr>
+          <p:cNvPr id="10" name="Graphic 9" descr="Smiling face with no fill">
+            <a:extLst>
+              <a:ext uri="{FF2B5EF4-FFF2-40B4-BE49-F238E27FC236}">
+                <a16:creationId xmlns:a16="http://schemas.microsoft.com/office/drawing/2014/main" id="{948FA2EF-7A78-4EE3-B2FE-AE0D3A001999}"/>
+              </a:ext>
+            </a:extLst>
+          </p:cNvPr>
+          <p:cNvPicPr>
+            <a:picLocks noChangeAspect="1"/>
+          </p:cNvPicPr>
+          <p:nvPr/>
+        </p:nvPicPr>
+        <p:blipFill>
+          <a:blip r:embed="rId2">
+            <a:extLst>
+              <a:ext uri="{28A0092B-C50C-407E-A947-70E740481C1C}">
+                <a14:useLocalDpi xmlns:a14="http://schemas.microsoft.com/office/drawing/2010/main" val="0"/>
+              </a:ext>
+              <a:ext uri="{96DAC541-7B7A-43D3-8B79-37D633B846F1}">
+                <asvg:svgBlip xmlns:asvg="http://schemas.microsoft.com/office/drawing/2016/SVG/main" r:embed="rId3"/>
+              </a:ext>
+            </a:extLst>
+          </a:blip>
+          <a:stretch>
+            <a:fillRect/>
+          </a:stretch>
+        </p:blipFill>
+        <p:spPr>
+          <a:xfrm>
+            <a:off x="9529689" y="1112949"/>
+            <a:ext cx="1647597" cy="1647597"/>
+          </a:xfrm>
+          <a:prstGeom prst="rect">
+            <a:avLst/>
+          </a:prstGeom>
+        </p:spPr>
+      </p:pic>
+      <p:cxnSp>
+        <p:nvCxnSpPr>
+          <p:cNvPr id="31" name="Straight Arrow Connector 30">
+            <a:extLst>
+              <a:ext uri="{FF2B5EF4-FFF2-40B4-BE49-F238E27FC236}">
+                <a16:creationId xmlns:a16="http://schemas.microsoft.com/office/drawing/2014/main" id="{337058BE-0D49-4EC0-B972-1EBA8C485F2D}"/>
+              </a:ext>
+            </a:extLst>
+          </p:cNvPr>
+          <p:cNvCxnSpPr>
+            <a:cxnSpLocks/>
+          </p:cNvCxnSpPr>
+          <p:nvPr/>
+        </p:nvCxnSpPr>
+        <p:spPr>
+          <a:xfrm flipH="1" flipV="1">
+            <a:off x="6143841" y="1786407"/>
+            <a:ext cx="3019774" cy="1433290"/>
+          </a:xfrm>
+          <a:prstGeom prst="straightConnector1">
+            <a:avLst/>
+          </a:prstGeom>
+          <a:ln w="76200">
+            <a:solidFill>
+              <a:schemeClr val="accent1">
+                <a:lumMod val="75000"/>
+              </a:schemeClr>
+            </a:solidFill>
+            <a:tailEnd type="triangle"/>
+          </a:ln>
+        </p:spPr>
+        <p:style>
+          <a:lnRef idx="1">
+            <a:schemeClr val="accent1"/>
+          </a:lnRef>
+          <a:fillRef idx="0">
+            <a:schemeClr val="accent1"/>
+          </a:fillRef>
+          <a:effectRef idx="0">
+            <a:schemeClr val="accent1"/>
+          </a:effectRef>
+          <a:fontRef idx="minor">
+            <a:schemeClr val="tx1"/>
+          </a:fontRef>
+        </p:style>
+      </p:cxnSp>
     </p:spTree>
     <p:extLst>
       <p:ext uri="{BB962C8B-B14F-4D97-AF65-F5344CB8AC3E}">
-        <p14:creationId xmlns:p14="http://schemas.microsoft.com/office/powerpoint/2010/main" val="16959895"/>
+        <p14:creationId xmlns:p14="http://schemas.microsoft.com/office/powerpoint/2010/main" val="3043959635"/>
       </p:ext>
     </p:extLst>
   </p:cSld>
@@ -5856,6 +7493,252 @@
         </p:spPr>
         <p:txBody>
           <a:bodyPr wrap="square" bIns="252000">
+            <a:normAutofit lnSpcReduction="10000"/>
+          </a:bodyPr>
+          <a:lstStyle/>
+          <a:p>
+            <a:pPr marL="457200" lvl="1" indent="0">
+              <a:buNone/>
+            </a:pPr>
+            <a:r>
+              <a:rPr lang="en-GB" sz="5100" dirty="0">
+                <a:solidFill>
+                  <a:srgbClr val="2196F3"/>
+                </a:solidFill>
+                <a:latin typeface="Segoe UI" panose="020B0502040204020203" pitchFamily="34" charset="0"/>
+                <a:cs typeface="Segoe UI" panose="020B0502040204020203" pitchFamily="34" charset="0"/>
+              </a:rPr>
+              <a:t>WP REST API + Web Components</a:t>
+            </a:r>
+          </a:p>
+          <a:p>
+            <a:pPr marL="457200" lvl="1" indent="0">
+              <a:buNone/>
+            </a:pPr>
+            <a:r>
+              <a:rPr lang="en-GB" sz="5100" dirty="0">
+                <a:solidFill>
+                  <a:srgbClr val="2196F3"/>
+                </a:solidFill>
+                <a:latin typeface="Segoe UI" panose="020B0502040204020203" pitchFamily="34" charset="0"/>
+                <a:cs typeface="Segoe UI" panose="020B0502040204020203" pitchFamily="34" charset="0"/>
+              </a:rPr>
+              <a:t>=&gt; 100% INTERNET</a:t>
+            </a:r>
+          </a:p>
+          <a:p>
+            <a:pPr marL="457200" lvl="1" indent="0">
+              <a:buNone/>
+            </a:pPr>
+            <a:endParaRPr lang="en-GB" sz="1050" dirty="0">
+              <a:solidFill>
+                <a:srgbClr val="2196F3"/>
+              </a:solidFill>
+              <a:latin typeface="Segoe UI" panose="020B0502040204020203" pitchFamily="34" charset="0"/>
+              <a:cs typeface="Segoe UI" panose="020B0502040204020203" pitchFamily="34" charset="0"/>
+            </a:endParaRPr>
+          </a:p>
+          <a:p>
+            <a:pPr lvl="1"/>
+            <a:r>
+              <a:rPr lang="en-GB" sz="2800" dirty="0">
+                <a:solidFill>
+                  <a:srgbClr val="2196F3"/>
+                </a:solidFill>
+                <a:latin typeface="Segoe UI" panose="020B0502040204020203" pitchFamily="34" charset="0"/>
+                <a:cs typeface="Segoe UI" panose="020B0502040204020203" pitchFamily="34" charset="0"/>
+              </a:rPr>
+              <a:t>Web Components are custom HTML elements/tags that we can create.</a:t>
+            </a:r>
+          </a:p>
+          <a:p>
+            <a:pPr lvl="1"/>
+            <a:r>
+              <a:rPr lang="en-GB" sz="2800" dirty="0">
+                <a:solidFill>
+                  <a:srgbClr val="2196F3"/>
+                </a:solidFill>
+                <a:latin typeface="Segoe UI" panose="020B0502040204020203" pitchFamily="34" charset="0"/>
+                <a:cs typeface="Segoe UI" panose="020B0502040204020203" pitchFamily="34" charset="0"/>
+              </a:rPr>
+              <a:t>We define a tag and associate with a JS Class.</a:t>
+            </a:r>
+          </a:p>
+          <a:p>
+            <a:pPr lvl="1"/>
+            <a:r>
+              <a:rPr lang="en-GB" sz="2800" dirty="0">
+                <a:solidFill>
+                  <a:srgbClr val="2196F3"/>
+                </a:solidFill>
+                <a:latin typeface="Segoe UI" panose="020B0502040204020203" pitchFamily="34" charset="0"/>
+                <a:cs typeface="Segoe UI" panose="020B0502040204020203" pitchFamily="34" charset="0"/>
+              </a:rPr>
+              <a:t>They are regular HTML so can be used wherever HTML is used and also be wired into JS Framework builds.</a:t>
+            </a:r>
+          </a:p>
+          <a:p>
+            <a:pPr lvl="1"/>
+            <a:r>
+              <a:rPr lang="en-GB" sz="2800" dirty="0">
+                <a:solidFill>
+                  <a:srgbClr val="2196F3"/>
+                </a:solidFill>
+                <a:latin typeface="Segoe UI" panose="020B0502040204020203" pitchFamily="34" charset="0"/>
+                <a:cs typeface="Segoe UI" panose="020B0502040204020203" pitchFamily="34" charset="0"/>
+              </a:rPr>
+              <a:t>The example of DECOUPLED WP is in fact built entirely with Web Components…let’s look at the source code…</a:t>
+            </a:r>
+          </a:p>
+          <a:p>
+            <a:pPr marL="457200" lvl="1" indent="0">
+              <a:buNone/>
+            </a:pPr>
+            <a:endParaRPr lang="en-GB" sz="6700" dirty="0">
+              <a:solidFill>
+                <a:srgbClr val="2196F3"/>
+              </a:solidFill>
+              <a:latin typeface="Segoe UI" panose="020B0502040204020203" pitchFamily="34" charset="0"/>
+              <a:cs typeface="Segoe UI" panose="020B0502040204020203" pitchFamily="34" charset="0"/>
+            </a:endParaRPr>
+          </a:p>
+          <a:p>
+            <a:pPr marL="457200" lvl="1" indent="0">
+              <a:buNone/>
+            </a:pPr>
+            <a:endParaRPr lang="en-GB" sz="6700" dirty="0">
+              <a:solidFill>
+                <a:srgbClr val="2196F3"/>
+              </a:solidFill>
+              <a:latin typeface="Segoe UI" panose="020B0502040204020203" pitchFamily="34" charset="0"/>
+              <a:cs typeface="Segoe UI" panose="020B0502040204020203" pitchFamily="34" charset="0"/>
+            </a:endParaRPr>
+          </a:p>
+          <a:p>
+            <a:pPr marL="457200" lvl="1" indent="0">
+              <a:buNone/>
+            </a:pPr>
+            <a:endParaRPr lang="en-GB" sz="6700" dirty="0">
+              <a:latin typeface="Segoe UI" panose="020B0502040204020203" pitchFamily="34" charset="0"/>
+              <a:cs typeface="Segoe UI" panose="020B0502040204020203" pitchFamily="34" charset="0"/>
+            </a:endParaRPr>
+          </a:p>
+          <a:p>
+            <a:pPr marL="0" indent="0">
+              <a:buNone/>
+            </a:pPr>
+            <a:endParaRPr lang="en-GB" dirty="0">
+              <a:latin typeface="Segoe UI" panose="020B0502040204020203" pitchFamily="34" charset="0"/>
+              <a:cs typeface="Segoe UI" panose="020B0502040204020203" pitchFamily="34" charset="0"/>
+            </a:endParaRPr>
+          </a:p>
+          <a:p>
+            <a:endParaRPr lang="en-GB" dirty="0">
+              <a:latin typeface="Segoe UI" panose="020B0502040204020203" pitchFamily="34" charset="0"/>
+              <a:cs typeface="Segoe UI" panose="020B0502040204020203" pitchFamily="34" charset="0"/>
+            </a:endParaRPr>
+          </a:p>
+        </p:txBody>
+      </p:sp>
+    </p:spTree>
+    <p:extLst>
+      <p:ext uri="{BB962C8B-B14F-4D97-AF65-F5344CB8AC3E}">
+        <p14:creationId xmlns:p14="http://schemas.microsoft.com/office/powerpoint/2010/main" val="16959895"/>
+      </p:ext>
+    </p:extLst>
+  </p:cSld>
+  <p:clrMapOvr>
+    <a:masterClrMapping/>
+  </p:clrMapOvr>
+</p:sld>
+</file>
+
+<file path=ppt/slides/slide17.xml><?xml version="1.0" encoding="utf-8"?>
+<p:sld xmlns:a="http://schemas.openxmlformats.org/drawingml/2006/main" xmlns:r="http://schemas.openxmlformats.org/officeDocument/2006/relationships" xmlns:p="http://schemas.openxmlformats.org/presentationml/2006/main">
+  <p:cSld>
+    <p:spTree>
+      <p:nvGrpSpPr>
+        <p:cNvPr id="1" name=""/>
+        <p:cNvGrpSpPr/>
+        <p:nvPr/>
+      </p:nvGrpSpPr>
+      <p:grpSpPr>
+        <a:xfrm>
+          <a:off x="0" y="0"/>
+          <a:ext cx="0" cy="0"/>
+          <a:chOff x="0" y="0"/>
+          <a:chExt cx="0" cy="0"/>
+        </a:xfrm>
+      </p:grpSpPr>
+      <p:sp>
+        <p:nvSpPr>
+          <p:cNvPr id="2" name="Title 1">
+            <a:extLst>
+              <a:ext uri="{FF2B5EF4-FFF2-40B4-BE49-F238E27FC236}">
+                <a16:creationId xmlns:a16="http://schemas.microsoft.com/office/drawing/2014/main" id="{5D7568B3-EC9A-45DD-8A17-CFE685194B65}"/>
+              </a:ext>
+            </a:extLst>
+          </p:cNvPr>
+          <p:cNvSpPr>
+            <a:spLocks noGrp="1"/>
+          </p:cNvSpPr>
+          <p:nvPr>
+            <p:ph type="title"/>
+          </p:nvPr>
+        </p:nvSpPr>
+        <p:spPr>
+          <a:xfrm>
+            <a:off x="838200" y="0"/>
+            <a:ext cx="10515600" cy="1325563"/>
+          </a:xfrm>
+          <a:solidFill>
+            <a:srgbClr val="2196F3"/>
+          </a:solidFill>
+        </p:spPr>
+        <p:txBody>
+          <a:bodyPr>
+            <a:normAutofit/>
+          </a:bodyPr>
+          <a:lstStyle/>
+          <a:p>
+            <a:pPr algn="ctr"/>
+            <a:r>
+              <a:rPr lang="en-GB" sz="6600" dirty="0">
+                <a:solidFill>
+                  <a:schemeClr val="bg1"/>
+                </a:solidFill>
+                <a:latin typeface="Segoe UI" panose="020B0502040204020203" pitchFamily="34" charset="0"/>
+                <a:cs typeface="Segoe UI" panose="020B0502040204020203" pitchFamily="34" charset="0"/>
+              </a:rPr>
+              <a:t>WP REST API &amp; AJAX</a:t>
+            </a:r>
+          </a:p>
+        </p:txBody>
+      </p:sp>
+      <p:sp>
+        <p:nvSpPr>
+          <p:cNvPr id="4" name="Content Placeholder 2">
+            <a:extLst>
+              <a:ext uri="{FF2B5EF4-FFF2-40B4-BE49-F238E27FC236}">
+                <a16:creationId xmlns:a16="http://schemas.microsoft.com/office/drawing/2014/main" id="{088CCB65-11B4-408B-9ED3-1304FE85032F}"/>
+              </a:ext>
+            </a:extLst>
+          </p:cNvPr>
+          <p:cNvSpPr>
+            <a:spLocks noGrp="1"/>
+          </p:cNvSpPr>
+          <p:nvPr>
+            <p:ph idx="1"/>
+          </p:nvPr>
+        </p:nvSpPr>
+        <p:spPr>
+          <a:xfrm>
+            <a:off x="838200" y="1431636"/>
+            <a:ext cx="10515600" cy="4742661"/>
+          </a:xfrm>
+        </p:spPr>
+        <p:txBody>
+          <a:bodyPr wrap="square" bIns="252000">
             <a:normAutofit/>
           </a:bodyPr>
           <a:lstStyle/>
@@ -6021,7 +7904,7 @@
 </p:sld>
 </file>
 
-<file path=ppt/slides/slide17.xml><?xml version="1.0" encoding="utf-8"?>
+<file path=ppt/slides/slide18.xml><?xml version="1.0" encoding="utf-8"?>
 <p:sld xmlns:a="http://schemas.openxmlformats.org/drawingml/2006/main" xmlns:r="http://schemas.openxmlformats.org/officeDocument/2006/relationships" xmlns:p="http://schemas.openxmlformats.org/presentationml/2006/main">
   <p:cSld>
     <p:spTree>

--- a/rest-api-workshop.pptx
+++ b/rest-api-workshop.pptx
@@ -5,7 +5,7 @@
     <p:sldMasterId id="2147483648" r:id="rId1"/>
   </p:sldMasterIdLst>
   <p:notesMasterIdLst>
-    <p:notesMasterId r:id="rId20"/>
+    <p:notesMasterId r:id="rId19"/>
   </p:notesMasterIdLst>
   <p:sldIdLst>
     <p:sldId id="264" r:id="rId2"/>
@@ -17,15 +17,14 @@
     <p:sldId id="299" r:id="rId8"/>
     <p:sldId id="297" r:id="rId9"/>
     <p:sldId id="300" r:id="rId10"/>
-    <p:sldId id="301" r:id="rId11"/>
-    <p:sldId id="302" r:id="rId12"/>
-    <p:sldId id="315" r:id="rId13"/>
-    <p:sldId id="305" r:id="rId14"/>
-    <p:sldId id="313" r:id="rId15"/>
-    <p:sldId id="314" r:id="rId16"/>
-    <p:sldId id="309" r:id="rId17"/>
-    <p:sldId id="310" r:id="rId18"/>
-    <p:sldId id="311" r:id="rId19"/>
+    <p:sldId id="302" r:id="rId11"/>
+    <p:sldId id="315" r:id="rId12"/>
+    <p:sldId id="305" r:id="rId13"/>
+    <p:sldId id="313" r:id="rId14"/>
+    <p:sldId id="314" r:id="rId15"/>
+    <p:sldId id="309" r:id="rId16"/>
+    <p:sldId id="310" r:id="rId17"/>
+    <p:sldId id="311" r:id="rId18"/>
   </p:sldIdLst>
   <p:sldSz cx="12192000" cy="6858000"/>
   <p:notesSz cx="6858000" cy="9144000"/>
@@ -138,7 +137,6 @@
             <p14:sldId id="299"/>
             <p14:sldId id="297"/>
             <p14:sldId id="300"/>
-            <p14:sldId id="301"/>
             <p14:sldId id="302"/>
             <p14:sldId id="315"/>
             <p14:sldId id="305"/>
@@ -4016,7 +4014,7 @@
                 <a:latin typeface="Segoe UI" panose="020B0502040204020203" pitchFamily="34" charset="0"/>
                 <a:cs typeface="Segoe UI" panose="020B0502040204020203" pitchFamily="34" charset="0"/>
               </a:rPr>
-              <a:t>Live site </a:t>
+              <a:t>Live site: </a:t>
             </a:r>
             <a:r>
               <a:rPr lang="en-GB" sz="2800" dirty="0">
@@ -4027,8 +4025,18 @@
                 <a:cs typeface="Segoe UI" panose="020B0502040204020203" pitchFamily="34" charset="0"/>
                 <a:hlinkClick r:id="rId5"/>
               </a:rPr>
-              <a:t>https://49plus.co.uk/udemy</a:t>
-            </a:r>
+              <a:t>https://49plus.co.uk/udemy/</a:t>
+            </a:r>
+            <a:endParaRPr lang="en-GB" sz="2800" dirty="0">
+              <a:solidFill>
+                <a:srgbClr val="2196F3"/>
+              </a:solidFill>
+              <a:latin typeface="Segoe UI" panose="020B0502040204020203" pitchFamily="34" charset="0"/>
+              <a:cs typeface="Segoe UI" panose="020B0502040204020203" pitchFamily="34" charset="0"/>
+            </a:endParaRPr>
+          </a:p>
+          <a:p>
+            <a:pPr lvl="1"/>
             <a:r>
               <a:rPr lang="en-GB" sz="2800" dirty="0">
                 <a:solidFill>
@@ -4036,8 +4044,19 @@
                 </a:solidFill>
                 <a:latin typeface="Segoe UI" panose="020B0502040204020203" pitchFamily="34" charset="0"/>
                 <a:cs typeface="Segoe UI" panose="020B0502040204020203" pitchFamily="34" charset="0"/>
-              </a:rPr>
-              <a:t> </a:t>
+                <a:hlinkClick r:id="rId5"/>
+              </a:rPr>
+              <a:t>https://49plus.co.uk/udemy/login</a:t>
+            </a:r>
+            <a:r>
+              <a:rPr lang="en-GB" sz="2800" dirty="0">
+                <a:solidFill>
+                  <a:srgbClr val="2196F3"/>
+                </a:solidFill>
+                <a:latin typeface="Segoe UI" panose="020B0502040204020203" pitchFamily="34" charset="0"/>
+                <a:cs typeface="Segoe UI" panose="020B0502040204020203" pitchFamily="34" charset="0"/>
+              </a:rPr>
+              <a:t>  </a:t>
             </a:r>
           </a:p>
           <a:p>
@@ -4234,13 +4253,13 @@
         </p:nvSpPr>
         <p:spPr>
           <a:xfrm>
-            <a:off x="838200" y="1775290"/>
-            <a:ext cx="10515600" cy="4399007"/>
+            <a:off x="838200" y="1394692"/>
+            <a:ext cx="10515600" cy="4779606"/>
           </a:xfrm>
         </p:spPr>
         <p:txBody>
           <a:bodyPr wrap="square" bIns="252000">
-            <a:normAutofit fontScale="92500" lnSpcReduction="20000"/>
+            <a:normAutofit fontScale="92500" lnSpcReduction="10000"/>
           </a:bodyPr>
           <a:lstStyle/>
           <a:p>
@@ -4248,24 +4267,153 @@
               <a:buNone/>
             </a:pPr>
             <a:r>
-              <a:rPr lang="en-GB" sz="4800" dirty="0">
+              <a:rPr lang="en-GB" sz="4000" dirty="0">
                 <a:solidFill>
                   <a:srgbClr val="2196F3"/>
                 </a:solidFill>
-                <a:latin typeface="Segoe UI" panose="020B0502040204020203" pitchFamily="34" charset="0"/>
-                <a:cs typeface="Segoe UI" panose="020B0502040204020203" pitchFamily="34" charset="0"/>
-              </a:rPr>
-              <a:t>JSON: </a:t>
-            </a:r>
-            <a:r>
-              <a:rPr lang="en-GB" sz="4800" dirty="0">
+              </a:rPr>
+              <a:t>Think of JSON data as an associative array</a:t>
+            </a:r>
+          </a:p>
+          <a:p>
+            <a:pPr marL="457200" lvl="1" indent="0">
+              <a:buNone/>
+            </a:pPr>
+            <a:r>
+              <a:rPr lang="en-GB" sz="3500" dirty="0" err="1">
                 <a:solidFill>
                   <a:srgbClr val="2196F3"/>
                 </a:solidFill>
               </a:rPr>
-              <a:t>JavaScript Object Notation</a:t>
-            </a:r>
-            <a:endParaRPr lang="en-GB" sz="4800" dirty="0">
+              <a:t>json_encode</a:t>
+            </a:r>
+            <a:r>
+              <a:rPr lang="en-GB" sz="3500" dirty="0">
+                <a:solidFill>
+                  <a:srgbClr val="2196F3"/>
+                </a:solidFill>
+              </a:rPr>
+              <a:t>([php associative array]) gives JSON</a:t>
+            </a:r>
+          </a:p>
+          <a:p>
+            <a:pPr marL="457200" lvl="1" indent="0">
+              <a:buNone/>
+            </a:pPr>
+            <a:r>
+              <a:rPr lang="en-GB" sz="3500" dirty="0" err="1">
+                <a:solidFill>
+                  <a:srgbClr val="2196F3"/>
+                </a:solidFill>
+              </a:rPr>
+              <a:t>json_decode</a:t>
+            </a:r>
+            <a:r>
+              <a:rPr lang="en-GB" sz="3500" dirty="0">
+                <a:solidFill>
+                  <a:srgbClr val="2196F3"/>
+                </a:solidFill>
+              </a:rPr>
+              <a:t> (JSON) gives an </a:t>
+            </a:r>
+            <a:r>
+              <a:rPr lang="en-GB" sz="3500" dirty="0" err="1">
+                <a:solidFill>
+                  <a:srgbClr val="2196F3"/>
+                </a:solidFill>
+              </a:rPr>
+              <a:t>assoc</a:t>
+            </a:r>
+            <a:r>
+              <a:rPr lang="en-GB" sz="3500" dirty="0">
+                <a:solidFill>
+                  <a:srgbClr val="2196F3"/>
+                </a:solidFill>
+              </a:rPr>
+              <a:t> array</a:t>
+            </a:r>
+          </a:p>
+          <a:p>
+            <a:pPr marL="457200" lvl="1" indent="0">
+              <a:buNone/>
+            </a:pPr>
+            <a:endParaRPr lang="en-GB" sz="1000" dirty="0">
+              <a:solidFill>
+                <a:srgbClr val="2196F3"/>
+              </a:solidFill>
+            </a:endParaRPr>
+          </a:p>
+          <a:p>
+            <a:pPr lvl="1"/>
+            <a:r>
+              <a:rPr lang="en-GB" sz="2800" dirty="0">
+                <a:solidFill>
+                  <a:srgbClr val="2196F3"/>
+                </a:solidFill>
+              </a:rPr>
+              <a:t>Strings</a:t>
+            </a:r>
+          </a:p>
+          <a:p>
+            <a:pPr lvl="1"/>
+            <a:r>
+              <a:rPr lang="en-GB" sz="2800" dirty="0">
+                <a:solidFill>
+                  <a:srgbClr val="2196F3"/>
+                </a:solidFill>
+              </a:rPr>
+              <a:t>Booleans</a:t>
+            </a:r>
+          </a:p>
+          <a:p>
+            <a:pPr lvl="1"/>
+            <a:r>
+              <a:rPr lang="en-GB" sz="2800" dirty="0">
+                <a:solidFill>
+                  <a:srgbClr val="2196F3"/>
+                </a:solidFill>
+              </a:rPr>
+              <a:t>Numbers</a:t>
+            </a:r>
+          </a:p>
+          <a:p>
+            <a:pPr lvl="1"/>
+            <a:r>
+              <a:rPr lang="en-GB" sz="2800" dirty="0">
+                <a:solidFill>
+                  <a:srgbClr val="2196F3"/>
+                </a:solidFill>
+              </a:rPr>
+              <a:t>Null</a:t>
+            </a:r>
+          </a:p>
+          <a:p>
+            <a:pPr lvl="1"/>
+            <a:r>
+              <a:rPr lang="en-GB" sz="2800" dirty="0">
+                <a:solidFill>
+                  <a:srgbClr val="2196F3"/>
+                </a:solidFill>
+              </a:rPr>
+              <a:t>Object</a:t>
+            </a:r>
+          </a:p>
+          <a:p>
+            <a:pPr lvl="1"/>
+            <a:r>
+              <a:rPr lang="en-GB" sz="2800" dirty="0">
+                <a:solidFill>
+                  <a:srgbClr val="2196F3"/>
+                </a:solidFill>
+              </a:rPr>
+              <a:t>Array</a:t>
+            </a:r>
+          </a:p>
+          <a:p>
+            <a:pPr marL="457200" lvl="1" indent="0">
+              <a:buNone/>
+            </a:pPr>
+            <a:endParaRPr lang="en-GB" sz="1200" dirty="0">
               <a:solidFill>
                 <a:srgbClr val="2196F3"/>
               </a:solidFill>
@@ -4274,116 +4422,24 @@
             </a:endParaRPr>
           </a:p>
           <a:p>
-            <a:pPr lvl="1"/>
+            <a:pPr marL="457200" lvl="1" indent="0">
+              <a:buNone/>
+            </a:pPr>
             <a:r>
               <a:rPr lang="en-GB" sz="2800" dirty="0">
                 <a:solidFill>
                   <a:srgbClr val="2196F3"/>
                 </a:solidFill>
-              </a:rPr>
-              <a:t>JSON is a lightweight format for storing and transporting data</a:t>
-            </a:r>
-          </a:p>
-          <a:p>
-            <a:pPr lvl="1"/>
-            <a:r>
-              <a:rPr lang="en-GB" sz="2800" dirty="0">
-                <a:solidFill>
-                  <a:srgbClr val="2196F3"/>
-                </a:solidFill>
-              </a:rPr>
-              <a:t>JSON is often used when data is sent from a server to a web page</a:t>
-            </a:r>
-          </a:p>
-          <a:p>
-            <a:pPr lvl="1"/>
-            <a:r>
-              <a:rPr lang="en-GB" sz="2800" dirty="0">
-                <a:solidFill>
-                  <a:srgbClr val="2196F3"/>
-                </a:solidFill>
-              </a:rPr>
-              <a:t>JSON is "self-describing" and easy to understand</a:t>
-            </a:r>
-          </a:p>
-          <a:p>
-            <a:pPr marL="457200" lvl="1" indent="0">
-              <a:buNone/>
-            </a:pPr>
-            <a:endParaRPr lang="en-GB" sz="2800" dirty="0">
-              <a:solidFill>
-                <a:srgbClr val="2196F3"/>
-              </a:solidFill>
-            </a:endParaRPr>
-          </a:p>
-          <a:p>
-            <a:pPr lvl="1"/>
-            <a:r>
-              <a:rPr lang="en-GB" sz="2800" dirty="0">
-                <a:solidFill>
-                  <a:srgbClr val="2196F3"/>
-                </a:solidFill>
-              </a:rPr>
-              <a:t>Data is in name/value pairs (types on next slide)</a:t>
-            </a:r>
-          </a:p>
-          <a:p>
-            <a:pPr lvl="1"/>
-            <a:r>
-              <a:rPr lang="en-GB" sz="2800" dirty="0">
-                <a:solidFill>
-                  <a:srgbClr val="2196F3"/>
-                </a:solidFill>
-              </a:rPr>
-              <a:t>A multi-dimensional array</a:t>
-            </a:r>
-          </a:p>
-          <a:p>
-            <a:pPr lvl="1"/>
-            <a:r>
-              <a:rPr lang="en-GB" sz="2800" dirty="0">
-                <a:solidFill>
-                  <a:srgbClr val="2196F3"/>
-                </a:solidFill>
-              </a:rPr>
-              <a:t>Data is separated by commas</a:t>
-            </a:r>
-          </a:p>
-          <a:p>
-            <a:pPr lvl="1"/>
-            <a:r>
-              <a:rPr lang="en-GB" sz="2800" dirty="0">
-                <a:solidFill>
-                  <a:srgbClr val="2196F3"/>
-                </a:solidFill>
-              </a:rPr>
-              <a:t>Curly braces hold objects</a:t>
-            </a:r>
-          </a:p>
-          <a:p>
-            <a:pPr lvl="1"/>
-            <a:r>
-              <a:rPr lang="en-GB" sz="2800" dirty="0">
-                <a:solidFill>
-                  <a:srgbClr val="2196F3"/>
-                </a:solidFill>
-              </a:rPr>
-              <a:t>Square brackets hold arrays</a:t>
-            </a:r>
-          </a:p>
-          <a:p>
-            <a:pPr lvl="1"/>
-            <a:r>
-              <a:rPr lang="en-GB" sz="2800" dirty="0">
-                <a:solidFill>
-                  <a:srgbClr val="2196F3"/>
-                </a:solidFill>
-              </a:rPr>
-              <a:t>data.id === data[“id”] – JS uses dot notation for shorthand</a:t>
-            </a:r>
-          </a:p>
-          <a:p>
-            <a:pPr lvl="1"/>
+                <a:hlinkClick r:id="rId2">
+                  <a:extLst>
+                    <a:ext uri="{A12FA001-AC4F-418D-AE19-62706E023703}">
+                      <ahyp:hlinkClr xmlns:ahyp="http://schemas.microsoft.com/office/drawing/2018/hyperlinkcolor" val="tx"/>
+                    </a:ext>
+                  </a:extLst>
+                </a:hlinkClick>
+              </a:rPr>
+              <a:t>https://wpjs.co.uk/wpb/wp-json/wp/v2/posts</a:t>
+            </a:r>
             <a:endParaRPr lang="en-GB" sz="2800" dirty="0">
               <a:solidFill>
                 <a:srgbClr val="2196F3"/>
@@ -4433,7 +4489,7 @@
     </p:spTree>
     <p:extLst>
       <p:ext uri="{BB962C8B-B14F-4D97-AF65-F5344CB8AC3E}">
-        <p14:creationId xmlns:p14="http://schemas.microsoft.com/office/powerpoint/2010/main" val="235700300"/>
+        <p14:creationId xmlns:p14="http://schemas.microsoft.com/office/powerpoint/2010/main" val="3496796182"/>
       </p:ext>
     </p:extLst>
   </p:cSld>
@@ -4523,211 +4579,108 @@
         </p:nvSpPr>
         <p:spPr>
           <a:xfrm>
-            <a:off x="838200" y="1394692"/>
-            <a:ext cx="10515600" cy="4779606"/>
+            <a:off x="838200" y="1325563"/>
+            <a:ext cx="10515600" cy="4848735"/>
           </a:xfrm>
         </p:spPr>
         <p:txBody>
           <a:bodyPr wrap="square" bIns="252000">
-            <a:normAutofit fontScale="92500" lnSpcReduction="10000"/>
+            <a:normAutofit/>
           </a:bodyPr>
           <a:lstStyle/>
           <a:p>
             <a:pPr marL="457200" lvl="1" indent="0">
               <a:buNone/>
             </a:pPr>
-            <a:r>
-              <a:rPr lang="en-GB" sz="4000" dirty="0">
-                <a:solidFill>
-                  <a:srgbClr val="2196F3"/>
-                </a:solidFill>
-              </a:rPr>
-              <a:t>Think of JSON data as an associative array</a:t>
-            </a:r>
-          </a:p>
-          <a:p>
-            <a:pPr marL="457200" lvl="1" indent="0">
-              <a:buNone/>
-            </a:pPr>
-            <a:r>
-              <a:rPr lang="en-GB" sz="3500" dirty="0" err="1">
-                <a:solidFill>
-                  <a:srgbClr val="2196F3"/>
-                </a:solidFill>
-              </a:rPr>
-              <a:t>json_encode</a:t>
-            </a:r>
-            <a:r>
-              <a:rPr lang="en-GB" sz="3500" dirty="0">
-                <a:solidFill>
-                  <a:srgbClr val="2196F3"/>
-                </a:solidFill>
-              </a:rPr>
-              <a:t>([php associative array]) gives JSON</a:t>
-            </a:r>
-          </a:p>
-          <a:p>
-            <a:pPr marL="457200" lvl="1" indent="0">
-              <a:buNone/>
-            </a:pPr>
-            <a:r>
-              <a:rPr lang="en-GB" sz="3500" dirty="0" err="1">
-                <a:solidFill>
-                  <a:srgbClr val="2196F3"/>
-                </a:solidFill>
-              </a:rPr>
-              <a:t>json_decode</a:t>
-            </a:r>
-            <a:r>
-              <a:rPr lang="en-GB" sz="3500" dirty="0">
-                <a:solidFill>
-                  <a:srgbClr val="2196F3"/>
-                </a:solidFill>
-              </a:rPr>
-              <a:t> (JSON) gives an </a:t>
-            </a:r>
-            <a:r>
-              <a:rPr lang="en-GB" sz="3500" dirty="0" err="1">
-                <a:solidFill>
-                  <a:srgbClr val="2196F3"/>
-                </a:solidFill>
-              </a:rPr>
-              <a:t>assoc</a:t>
-            </a:r>
-            <a:r>
-              <a:rPr lang="en-GB" sz="3500" dirty="0">
-                <a:solidFill>
-                  <a:srgbClr val="2196F3"/>
-                </a:solidFill>
-              </a:rPr>
-              <a:t> array</a:t>
-            </a:r>
-          </a:p>
-          <a:p>
-            <a:pPr marL="457200" lvl="1" indent="0">
-              <a:buNone/>
-            </a:pPr>
-            <a:endParaRPr lang="en-GB" sz="1000" dirty="0">
-              <a:solidFill>
-                <a:srgbClr val="2196F3"/>
-              </a:solidFill>
-            </a:endParaRPr>
-          </a:p>
-          <a:p>
-            <a:pPr lvl="1"/>
-            <a:r>
-              <a:rPr lang="en-GB" sz="2800" dirty="0">
-                <a:solidFill>
-                  <a:srgbClr val="2196F3"/>
-                </a:solidFill>
-              </a:rPr>
-              <a:t>Strings</a:t>
-            </a:r>
-          </a:p>
-          <a:p>
-            <a:pPr lvl="1"/>
-            <a:r>
-              <a:rPr lang="en-GB" sz="2800" dirty="0">
-                <a:solidFill>
-                  <a:srgbClr val="2196F3"/>
-                </a:solidFill>
-              </a:rPr>
-              <a:t>Booleans</a:t>
-            </a:r>
-          </a:p>
-          <a:p>
-            <a:pPr lvl="1"/>
-            <a:r>
-              <a:rPr lang="en-GB" sz="2800" dirty="0">
-                <a:solidFill>
-                  <a:srgbClr val="2196F3"/>
-                </a:solidFill>
-              </a:rPr>
-              <a:t>Numbers</a:t>
-            </a:r>
-          </a:p>
-          <a:p>
-            <a:pPr lvl="1"/>
-            <a:r>
-              <a:rPr lang="en-GB" sz="2800" dirty="0">
-                <a:solidFill>
-                  <a:srgbClr val="2196F3"/>
-                </a:solidFill>
-              </a:rPr>
-              <a:t>Null</a:t>
-            </a:r>
-          </a:p>
-          <a:p>
-            <a:pPr lvl="1"/>
-            <a:r>
-              <a:rPr lang="en-GB" sz="2800" dirty="0">
-                <a:solidFill>
-                  <a:srgbClr val="2196F3"/>
-                </a:solidFill>
-              </a:rPr>
-              <a:t>Object</a:t>
-            </a:r>
-          </a:p>
-          <a:p>
-            <a:pPr lvl="1"/>
-            <a:r>
-              <a:rPr lang="en-GB" sz="2800" dirty="0">
-                <a:solidFill>
-                  <a:srgbClr val="2196F3"/>
-                </a:solidFill>
-              </a:rPr>
-              <a:t>Array</a:t>
-            </a:r>
-          </a:p>
-          <a:p>
-            <a:pPr marL="457200" lvl="1" indent="0">
-              <a:buNone/>
-            </a:pPr>
-            <a:endParaRPr lang="en-GB" sz="1200" dirty="0">
-              <a:solidFill>
-                <a:srgbClr val="2196F3"/>
-              </a:solidFill>
-              <a:latin typeface="Segoe UI" panose="020B0502040204020203" pitchFamily="34" charset="0"/>
-              <a:cs typeface="Segoe UI" panose="020B0502040204020203" pitchFamily="34" charset="0"/>
-            </a:endParaRPr>
-          </a:p>
-          <a:p>
-            <a:pPr marL="457200" lvl="1" indent="0">
-              <a:buNone/>
-            </a:pPr>
-            <a:r>
-              <a:rPr lang="en-GB" sz="2800" dirty="0">
-                <a:solidFill>
-                  <a:srgbClr val="2196F3"/>
-                </a:solidFill>
-                <a:hlinkClick r:id="rId2">
-                  <a:extLst>
-                    <a:ext uri="{A12FA001-AC4F-418D-AE19-62706E023703}">
-                      <ahyp:hlinkClr xmlns:ahyp="http://schemas.microsoft.com/office/drawing/2018/hyperlinkcolor" val="tx"/>
-                    </a:ext>
-                  </a:extLst>
-                </a:hlinkClick>
-              </a:rPr>
-              <a:t>https://wpjs.co.uk/wpb/wp-json/wp/v2/posts</a:t>
-            </a:r>
             <a:endParaRPr lang="en-GB" sz="2800" dirty="0">
               <a:solidFill>
                 <a:srgbClr val="2196F3"/>
               </a:solidFill>
-              <a:latin typeface="Segoe UI" panose="020B0502040204020203" pitchFamily="34" charset="0"/>
-              <a:cs typeface="Segoe UI" panose="020B0502040204020203" pitchFamily="34" charset="0"/>
             </a:endParaRPr>
           </a:p>
           <a:p>
             <a:pPr marL="457200" lvl="1" indent="0">
               <a:buNone/>
             </a:pPr>
-            <a:endParaRPr lang="en-GB" sz="6700" dirty="0">
+            <a:r>
+              <a:rPr lang="en-GB" sz="4400" dirty="0">
+                <a:solidFill>
+                  <a:srgbClr val="2196F3"/>
+                </a:solidFill>
+              </a:rPr>
+              <a:t>WordPress Hooks</a:t>
+            </a:r>
+          </a:p>
+          <a:p>
+            <a:pPr marL="457200" lvl="1" indent="0">
+              <a:buNone/>
+            </a:pPr>
+            <a:endParaRPr lang="en-GB" sz="3600" dirty="0">
               <a:solidFill>
                 <a:srgbClr val="2196F3"/>
               </a:solidFill>
-              <a:latin typeface="Segoe UI" panose="020B0502040204020203" pitchFamily="34" charset="0"/>
-              <a:cs typeface="Segoe UI" panose="020B0502040204020203" pitchFamily="34" charset="0"/>
+            </a:endParaRPr>
+          </a:p>
+          <a:p>
+            <a:pPr marL="457200" lvl="1" indent="0">
+              <a:buNone/>
+            </a:pPr>
+            <a:r>
+              <a:rPr lang="en-GB" sz="3200" dirty="0">
+                <a:solidFill>
+                  <a:srgbClr val="2196F3"/>
+                </a:solidFill>
+              </a:rPr>
+              <a:t>Hooks are a way for one piece of code to interact/modify another piece of code at specific, pre-defined spots. </a:t>
+            </a:r>
+          </a:p>
+          <a:p>
+            <a:pPr marL="457200" lvl="1" indent="0">
+              <a:buNone/>
+            </a:pPr>
+            <a:r>
+              <a:rPr lang="en-GB" sz="3200" dirty="0">
+                <a:solidFill>
+                  <a:srgbClr val="2196F3"/>
+                </a:solidFill>
+              </a:rPr>
+              <a:t>We can add our own endpoints using the '</a:t>
+            </a:r>
+            <a:r>
+              <a:rPr lang="en-GB" sz="3200" dirty="0" err="1">
+                <a:solidFill>
+                  <a:srgbClr val="2196F3"/>
+                </a:solidFill>
+              </a:rPr>
+              <a:t>rest_api_init</a:t>
+            </a:r>
+            <a:r>
+              <a:rPr lang="en-GB" sz="3200" dirty="0">
+                <a:solidFill>
+                  <a:srgbClr val="2196F3"/>
+                </a:solidFill>
+              </a:rPr>
+              <a:t>’ hook.</a:t>
+            </a:r>
+          </a:p>
+          <a:p>
+            <a:pPr marL="457200" lvl="1" indent="0">
+              <a:buNone/>
+            </a:pPr>
+            <a:endParaRPr lang="en-GB" sz="3200" dirty="0">
+              <a:solidFill>
+                <a:srgbClr val="2196F3"/>
+              </a:solidFill>
+            </a:endParaRPr>
+          </a:p>
+          <a:p>
+            <a:pPr marL="457200" lvl="1" indent="0">
+              <a:buNone/>
+            </a:pPr>
+            <a:endParaRPr lang="en-GB" sz="2600" dirty="0">
+              <a:solidFill>
+                <a:srgbClr val="2196F3"/>
+              </a:solidFill>
             </a:endParaRPr>
           </a:p>
           <a:p>
@@ -4759,7 +4712,7 @@
     </p:spTree>
     <p:extLst>
       <p:ext uri="{BB962C8B-B14F-4D97-AF65-F5344CB8AC3E}">
-        <p14:creationId xmlns:p14="http://schemas.microsoft.com/office/powerpoint/2010/main" val="3496796182"/>
+        <p14:creationId xmlns:p14="http://schemas.microsoft.com/office/powerpoint/2010/main" val="3516111388"/>
       </p:ext>
     </p:extLst>
   </p:cSld>
@@ -4849,8 +4802,8 @@
         </p:nvSpPr>
         <p:spPr>
           <a:xfrm>
-            <a:off x="838200" y="1325563"/>
-            <a:ext cx="10515600" cy="4848735"/>
+            <a:off x="838200" y="1431636"/>
+            <a:ext cx="10515600" cy="4742661"/>
           </a:xfrm>
         </p:spPr>
         <p:txBody>
@@ -4862,56 +4815,129 @@
             <a:pPr marL="457200" lvl="1" indent="0">
               <a:buNone/>
             </a:pPr>
-            <a:endParaRPr lang="en-GB" sz="2800" dirty="0">
+            <a:r>
+              <a:rPr lang="en-GB" sz="5100" dirty="0">
+                <a:solidFill>
+                  <a:srgbClr val="2196F3"/>
+                </a:solidFill>
+                <a:latin typeface="Segoe UI" panose="020B0502040204020203" pitchFamily="34" charset="0"/>
+                <a:cs typeface="Segoe UI" panose="020B0502040204020203" pitchFamily="34" charset="0"/>
+              </a:rPr>
+              <a:t>DECOUPLED WP</a:t>
+            </a:r>
+          </a:p>
+          <a:p>
+            <a:pPr marL="457200" lvl="1" indent="0">
+              <a:buNone/>
+            </a:pPr>
+            <a:endParaRPr lang="en-GB" sz="1050" dirty="0">
               <a:solidFill>
                 <a:srgbClr val="2196F3"/>
               </a:solidFill>
-            </a:endParaRPr>
+              <a:latin typeface="Segoe UI" panose="020B0502040204020203" pitchFamily="34" charset="0"/>
+              <a:cs typeface="Segoe UI" panose="020B0502040204020203" pitchFamily="34" charset="0"/>
+            </a:endParaRPr>
+          </a:p>
+          <a:p>
+            <a:pPr lvl="1"/>
+            <a:r>
+              <a:rPr lang="en-GB" sz="2800" dirty="0">
+                <a:solidFill>
+                  <a:srgbClr val="2196F3"/>
+                </a:solidFill>
+                <a:latin typeface="Segoe UI" panose="020B0502040204020203" pitchFamily="34" charset="0"/>
+                <a:cs typeface="Segoe UI" panose="020B0502040204020203" pitchFamily="34" charset="0"/>
+              </a:rPr>
+              <a:t>As we are using JS blocks in our PHP pages this can lead to using these scripts in HTML pages or PHP outside of the WP ecosystem.</a:t>
+            </a:r>
+          </a:p>
+          <a:p>
+            <a:pPr lvl="1"/>
+            <a:r>
+              <a:rPr lang="en-GB" sz="2800" dirty="0">
+                <a:solidFill>
+                  <a:srgbClr val="2196F3"/>
+                </a:solidFill>
+                <a:latin typeface="Segoe UI" panose="020B0502040204020203" pitchFamily="34" charset="0"/>
+                <a:cs typeface="Segoe UI" panose="020B0502040204020203" pitchFamily="34" charset="0"/>
+              </a:rPr>
+              <a:t>This means we can have DECOUPLED or HEADLESS WP sites</a:t>
+            </a:r>
+          </a:p>
+          <a:p>
+            <a:pPr lvl="1"/>
+            <a:r>
+              <a:rPr lang="en-GB" sz="2800" dirty="0">
+                <a:solidFill>
+                  <a:srgbClr val="2196F3"/>
+                </a:solidFill>
+                <a:latin typeface="Segoe UI" panose="020B0502040204020203" pitchFamily="34" charset="0"/>
+                <a:cs typeface="Segoe UI" panose="020B0502040204020203" pitchFamily="34" charset="0"/>
+              </a:rPr>
+              <a:t>HEADLESS means formatting preconfigured.</a:t>
+            </a:r>
+          </a:p>
+          <a:p>
+            <a:pPr lvl="1"/>
+            <a:r>
+              <a:rPr lang="en-GB" sz="2800" dirty="0">
+                <a:solidFill>
+                  <a:srgbClr val="2196F3"/>
+                </a:solidFill>
+                <a:latin typeface="Segoe UI" panose="020B0502040204020203" pitchFamily="34" charset="0"/>
+                <a:cs typeface="Segoe UI" panose="020B0502040204020203" pitchFamily="34" charset="0"/>
+              </a:rPr>
+              <a:t>DECOUPLED means data is sent and page formats data.</a:t>
+            </a:r>
+          </a:p>
+          <a:p>
+            <a:pPr lvl="1"/>
+            <a:r>
+              <a:rPr lang="en-GB" sz="2800" dirty="0">
+                <a:solidFill>
+                  <a:srgbClr val="2196F3"/>
+                </a:solidFill>
+                <a:latin typeface="Segoe UI" panose="020B0502040204020203" pitchFamily="34" charset="0"/>
+                <a:cs typeface="Segoe UI" panose="020B0502040204020203" pitchFamily="34" charset="0"/>
+              </a:rPr>
+              <a:t>Using JSON WEB TOKENS (JWT) we can also authenticate…</a:t>
+            </a:r>
+          </a:p>
+          <a:p>
+            <a:pPr lvl="1"/>
+            <a:r>
+              <a:rPr lang="en-GB" sz="2800" dirty="0">
+                <a:solidFill>
+                  <a:srgbClr val="2196F3"/>
+                </a:solidFill>
+                <a:latin typeface="Segoe UI" panose="020B0502040204020203" pitchFamily="34" charset="0"/>
+                <a:cs typeface="Segoe UI" panose="020B0502040204020203" pitchFamily="34" charset="0"/>
+              </a:rPr>
+              <a:t>Example: https://wp-html.co.uk/semantic</a:t>
+            </a:r>
           </a:p>
           <a:p>
             <a:pPr marL="457200" lvl="1" indent="0">
               <a:buNone/>
             </a:pPr>
-            <a:r>
-              <a:rPr lang="en-GB" sz="4400" dirty="0">
-                <a:solidFill>
-                  <a:srgbClr val="2196F3"/>
-                </a:solidFill>
-              </a:rPr>
-              <a:t>WordPress Hooks</a:t>
-            </a:r>
-          </a:p>
-          <a:p>
-            <a:pPr marL="457200" lvl="1" indent="0">
-              <a:buNone/>
-            </a:pPr>
-            <a:endParaRPr lang="en-GB" sz="3600" dirty="0">
+            <a:endParaRPr lang="en-GB" sz="6700" dirty="0">
               <a:solidFill>
                 <a:srgbClr val="2196F3"/>
               </a:solidFill>
+              <a:latin typeface="Segoe UI" panose="020B0502040204020203" pitchFamily="34" charset="0"/>
+              <a:cs typeface="Segoe UI" panose="020B0502040204020203" pitchFamily="34" charset="0"/>
             </a:endParaRPr>
           </a:p>
           <a:p>
             <a:pPr marL="457200" lvl="1" indent="0">
               <a:buNone/>
             </a:pPr>
-            <a:r>
-              <a:rPr lang="en-GB" sz="3200" dirty="0">
-                <a:solidFill>
-                  <a:srgbClr val="2196F3"/>
-                </a:solidFill>
-              </a:rPr>
-              <a:t>Hooks are a way for one piece of code to interact/modify another piece of code at specific, pre-defined spots. </a:t>
-            </a:r>
-          </a:p>
-          <a:p>
-            <a:pPr marL="457200" lvl="1" indent="0">
-              <a:buNone/>
-            </a:pPr>
-            <a:endParaRPr lang="en-GB" sz="2600" dirty="0">
+            <a:endParaRPr lang="en-GB" sz="6700" dirty="0">
               <a:solidFill>
                 <a:srgbClr val="2196F3"/>
               </a:solidFill>
+              <a:latin typeface="Segoe UI" panose="020B0502040204020203" pitchFamily="34" charset="0"/>
+              <a:cs typeface="Segoe UI" panose="020B0502040204020203" pitchFamily="34" charset="0"/>
             </a:endParaRPr>
           </a:p>
           <a:p>
@@ -4943,7 +4969,7 @@
     </p:spTree>
     <p:extLst>
       <p:ext uri="{BB962C8B-B14F-4D97-AF65-F5344CB8AC3E}">
-        <p14:creationId xmlns:p14="http://schemas.microsoft.com/office/powerpoint/2010/main" val="3516111388"/>
+        <p14:creationId xmlns:p14="http://schemas.microsoft.com/office/powerpoint/2010/main" val="3994601803"/>
       </p:ext>
     </p:extLst>
   </p:cSld>
@@ -4972,263 +4998,6 @@
       </p:grpSpPr>
       <p:sp>
         <p:nvSpPr>
-          <p:cNvPr id="2" name="Title 1">
-            <a:extLst>
-              <a:ext uri="{FF2B5EF4-FFF2-40B4-BE49-F238E27FC236}">
-                <a16:creationId xmlns:a16="http://schemas.microsoft.com/office/drawing/2014/main" id="{5D7568B3-EC9A-45DD-8A17-CFE685194B65}"/>
-              </a:ext>
-            </a:extLst>
-          </p:cNvPr>
-          <p:cNvSpPr>
-            <a:spLocks noGrp="1"/>
-          </p:cNvSpPr>
-          <p:nvPr>
-            <p:ph type="title"/>
-          </p:nvPr>
-        </p:nvSpPr>
-        <p:spPr>
-          <a:xfrm>
-            <a:off x="838200" y="0"/>
-            <a:ext cx="10515600" cy="1325563"/>
-          </a:xfrm>
-          <a:solidFill>
-            <a:srgbClr val="2196F3"/>
-          </a:solidFill>
-        </p:spPr>
-        <p:txBody>
-          <a:bodyPr>
-            <a:normAutofit/>
-          </a:bodyPr>
-          <a:lstStyle/>
-          <a:p>
-            <a:pPr algn="ctr"/>
-            <a:r>
-              <a:rPr lang="en-GB" sz="6600" dirty="0">
-                <a:solidFill>
-                  <a:schemeClr val="bg1"/>
-                </a:solidFill>
-                <a:latin typeface="Segoe UI" panose="020B0502040204020203" pitchFamily="34" charset="0"/>
-                <a:cs typeface="Segoe UI" panose="020B0502040204020203" pitchFamily="34" charset="0"/>
-              </a:rPr>
-              <a:t>WP REST API &amp; AJAX</a:t>
-            </a:r>
-          </a:p>
-        </p:txBody>
-      </p:sp>
-      <p:sp>
-        <p:nvSpPr>
-          <p:cNvPr id="4" name="Content Placeholder 2">
-            <a:extLst>
-              <a:ext uri="{FF2B5EF4-FFF2-40B4-BE49-F238E27FC236}">
-                <a16:creationId xmlns:a16="http://schemas.microsoft.com/office/drawing/2014/main" id="{088CCB65-11B4-408B-9ED3-1304FE85032F}"/>
-              </a:ext>
-            </a:extLst>
-          </p:cNvPr>
-          <p:cNvSpPr>
-            <a:spLocks noGrp="1"/>
-          </p:cNvSpPr>
-          <p:nvPr>
-            <p:ph idx="1"/>
-          </p:nvPr>
-        </p:nvSpPr>
-        <p:spPr>
-          <a:xfrm>
-            <a:off x="838200" y="1431636"/>
-            <a:ext cx="10515600" cy="4742661"/>
-          </a:xfrm>
-        </p:spPr>
-        <p:txBody>
-          <a:bodyPr wrap="square" bIns="252000">
-            <a:normAutofit/>
-          </a:bodyPr>
-          <a:lstStyle/>
-          <a:p>
-            <a:pPr marL="457200" lvl="1" indent="0">
-              <a:buNone/>
-            </a:pPr>
-            <a:r>
-              <a:rPr lang="en-GB" sz="5100" dirty="0">
-                <a:solidFill>
-                  <a:srgbClr val="2196F3"/>
-                </a:solidFill>
-                <a:latin typeface="Segoe UI" panose="020B0502040204020203" pitchFamily="34" charset="0"/>
-                <a:cs typeface="Segoe UI" panose="020B0502040204020203" pitchFamily="34" charset="0"/>
-              </a:rPr>
-              <a:t>DECOUPLED WP</a:t>
-            </a:r>
-          </a:p>
-          <a:p>
-            <a:pPr marL="457200" lvl="1" indent="0">
-              <a:buNone/>
-            </a:pPr>
-            <a:endParaRPr lang="en-GB" sz="1050" dirty="0">
-              <a:solidFill>
-                <a:srgbClr val="2196F3"/>
-              </a:solidFill>
-              <a:latin typeface="Segoe UI" panose="020B0502040204020203" pitchFamily="34" charset="0"/>
-              <a:cs typeface="Segoe UI" panose="020B0502040204020203" pitchFamily="34" charset="0"/>
-            </a:endParaRPr>
-          </a:p>
-          <a:p>
-            <a:pPr lvl="1"/>
-            <a:r>
-              <a:rPr lang="en-GB" sz="2800" dirty="0">
-                <a:solidFill>
-                  <a:srgbClr val="2196F3"/>
-                </a:solidFill>
-                <a:latin typeface="Segoe UI" panose="020B0502040204020203" pitchFamily="34" charset="0"/>
-                <a:cs typeface="Segoe UI" panose="020B0502040204020203" pitchFamily="34" charset="0"/>
-              </a:rPr>
-              <a:t>As we are using JS blocks in our PHP pages this can lead to using these scripts in HTML pages or PHP outside of the WP ecosystem.</a:t>
-            </a:r>
-          </a:p>
-          <a:p>
-            <a:pPr lvl="1"/>
-            <a:r>
-              <a:rPr lang="en-GB" sz="2800" dirty="0">
-                <a:solidFill>
-                  <a:srgbClr val="2196F3"/>
-                </a:solidFill>
-                <a:latin typeface="Segoe UI" panose="020B0502040204020203" pitchFamily="34" charset="0"/>
-                <a:cs typeface="Segoe UI" panose="020B0502040204020203" pitchFamily="34" charset="0"/>
-              </a:rPr>
-              <a:t>This means we can have DECOUPLED or HEADLESS WP sites</a:t>
-            </a:r>
-          </a:p>
-          <a:p>
-            <a:pPr lvl="1"/>
-            <a:r>
-              <a:rPr lang="en-GB" sz="2800" dirty="0">
-                <a:solidFill>
-                  <a:srgbClr val="2196F3"/>
-                </a:solidFill>
-                <a:latin typeface="Segoe UI" panose="020B0502040204020203" pitchFamily="34" charset="0"/>
-                <a:cs typeface="Segoe UI" panose="020B0502040204020203" pitchFamily="34" charset="0"/>
-              </a:rPr>
-              <a:t>HEADLESS means formatting preconfigured.</a:t>
-            </a:r>
-          </a:p>
-          <a:p>
-            <a:pPr lvl="1"/>
-            <a:r>
-              <a:rPr lang="en-GB" sz="2800" dirty="0">
-                <a:solidFill>
-                  <a:srgbClr val="2196F3"/>
-                </a:solidFill>
-                <a:latin typeface="Segoe UI" panose="020B0502040204020203" pitchFamily="34" charset="0"/>
-                <a:cs typeface="Segoe UI" panose="020B0502040204020203" pitchFamily="34" charset="0"/>
-              </a:rPr>
-              <a:t>DECOUPLED means data is sent and page formats data.</a:t>
-            </a:r>
-          </a:p>
-          <a:p>
-            <a:pPr lvl="1"/>
-            <a:r>
-              <a:rPr lang="en-GB" sz="2800" dirty="0">
-                <a:solidFill>
-                  <a:srgbClr val="2196F3"/>
-                </a:solidFill>
-                <a:latin typeface="Segoe UI" panose="020B0502040204020203" pitchFamily="34" charset="0"/>
-                <a:cs typeface="Segoe UI" panose="020B0502040204020203" pitchFamily="34" charset="0"/>
-              </a:rPr>
-              <a:t>Using JSON WEB TOKENS (JWT) we can also authenticate…</a:t>
-            </a:r>
-          </a:p>
-          <a:p>
-            <a:pPr lvl="1"/>
-            <a:r>
-              <a:rPr lang="en-GB" sz="2800" dirty="0">
-                <a:solidFill>
-                  <a:srgbClr val="2196F3"/>
-                </a:solidFill>
-                <a:latin typeface="Segoe UI" panose="020B0502040204020203" pitchFamily="34" charset="0"/>
-                <a:cs typeface="Segoe UI" panose="020B0502040204020203" pitchFamily="34" charset="0"/>
-              </a:rPr>
-              <a:t>Example: https://wp-html.co.uk/semantic</a:t>
-            </a:r>
-          </a:p>
-          <a:p>
-            <a:pPr marL="457200" lvl="1" indent="0">
-              <a:buNone/>
-            </a:pPr>
-            <a:endParaRPr lang="en-GB" sz="6700" dirty="0">
-              <a:solidFill>
-                <a:srgbClr val="2196F3"/>
-              </a:solidFill>
-              <a:latin typeface="Segoe UI" panose="020B0502040204020203" pitchFamily="34" charset="0"/>
-              <a:cs typeface="Segoe UI" panose="020B0502040204020203" pitchFamily="34" charset="0"/>
-            </a:endParaRPr>
-          </a:p>
-          <a:p>
-            <a:pPr marL="457200" lvl="1" indent="0">
-              <a:buNone/>
-            </a:pPr>
-            <a:endParaRPr lang="en-GB" sz="6700" dirty="0">
-              <a:solidFill>
-                <a:srgbClr val="2196F3"/>
-              </a:solidFill>
-              <a:latin typeface="Segoe UI" panose="020B0502040204020203" pitchFamily="34" charset="0"/>
-              <a:cs typeface="Segoe UI" panose="020B0502040204020203" pitchFamily="34" charset="0"/>
-            </a:endParaRPr>
-          </a:p>
-          <a:p>
-            <a:pPr marL="457200" lvl="1" indent="0">
-              <a:buNone/>
-            </a:pPr>
-            <a:endParaRPr lang="en-GB" sz="6700" dirty="0">
-              <a:latin typeface="Segoe UI" panose="020B0502040204020203" pitchFamily="34" charset="0"/>
-              <a:cs typeface="Segoe UI" panose="020B0502040204020203" pitchFamily="34" charset="0"/>
-            </a:endParaRPr>
-          </a:p>
-          <a:p>
-            <a:pPr marL="0" indent="0">
-              <a:buNone/>
-            </a:pPr>
-            <a:endParaRPr lang="en-GB" dirty="0">
-              <a:latin typeface="Segoe UI" panose="020B0502040204020203" pitchFamily="34" charset="0"/>
-              <a:cs typeface="Segoe UI" panose="020B0502040204020203" pitchFamily="34" charset="0"/>
-            </a:endParaRPr>
-          </a:p>
-          <a:p>
-            <a:endParaRPr lang="en-GB" dirty="0">
-              <a:latin typeface="Segoe UI" panose="020B0502040204020203" pitchFamily="34" charset="0"/>
-              <a:cs typeface="Segoe UI" panose="020B0502040204020203" pitchFamily="34" charset="0"/>
-            </a:endParaRPr>
-          </a:p>
-        </p:txBody>
-      </p:sp>
-    </p:spTree>
-    <p:extLst>
-      <p:ext uri="{BB962C8B-B14F-4D97-AF65-F5344CB8AC3E}">
-        <p14:creationId xmlns:p14="http://schemas.microsoft.com/office/powerpoint/2010/main" val="3994601803"/>
-      </p:ext>
-    </p:extLst>
-  </p:cSld>
-  <p:clrMapOvr>
-    <a:masterClrMapping/>
-  </p:clrMapOvr>
-</p:sld>
-</file>
-
-<file path=ppt/slides/slide14.xml><?xml version="1.0" encoding="utf-8"?>
-<p:sld xmlns:a="http://schemas.openxmlformats.org/drawingml/2006/main" xmlns:r="http://schemas.openxmlformats.org/officeDocument/2006/relationships" xmlns:p="http://schemas.openxmlformats.org/presentationml/2006/main">
-  <p:cSld>
-    <p:spTree>
-      <p:nvGrpSpPr>
-        <p:cNvPr id="1" name=""/>
-        <p:cNvGrpSpPr/>
-        <p:nvPr/>
-      </p:nvGrpSpPr>
-      <p:grpSpPr>
-        <a:xfrm>
-          <a:off x="0" y="0"/>
-          <a:ext cx="0" cy="0"/>
-          <a:chOff x="0" y="0"/>
-          <a:chExt cx="0" cy="0"/>
-        </a:xfrm>
-      </p:grpSpPr>
-      <p:sp>
-        <p:nvSpPr>
           <p:cNvPr id="5" name="Rectangle: Rounded Corners 4">
             <a:extLst>
               <a:ext uri="{FF2B5EF4-FFF2-40B4-BE49-F238E27FC236}">
@@ -6173,7 +5942,7 @@
 </p:sld>
 </file>
 
-<file path=ppt/slides/slide15.xml><?xml version="1.0" encoding="utf-8"?>
+<file path=ppt/slides/slide14.xml><?xml version="1.0" encoding="utf-8"?>
 <p:sld xmlns:a="http://schemas.openxmlformats.org/drawingml/2006/main" xmlns:r="http://schemas.openxmlformats.org/officeDocument/2006/relationships" xmlns:p="http://schemas.openxmlformats.org/presentationml/2006/main">
   <p:cSld>
     <p:spTree>
@@ -7407,6 +7176,252 @@
 </p:sld>
 </file>
 
+<file path=ppt/slides/slide15.xml><?xml version="1.0" encoding="utf-8"?>
+<p:sld xmlns:a="http://schemas.openxmlformats.org/drawingml/2006/main" xmlns:r="http://schemas.openxmlformats.org/officeDocument/2006/relationships" xmlns:p="http://schemas.openxmlformats.org/presentationml/2006/main">
+  <p:cSld>
+    <p:spTree>
+      <p:nvGrpSpPr>
+        <p:cNvPr id="1" name=""/>
+        <p:cNvGrpSpPr/>
+        <p:nvPr/>
+      </p:nvGrpSpPr>
+      <p:grpSpPr>
+        <a:xfrm>
+          <a:off x="0" y="0"/>
+          <a:ext cx="0" cy="0"/>
+          <a:chOff x="0" y="0"/>
+          <a:chExt cx="0" cy="0"/>
+        </a:xfrm>
+      </p:grpSpPr>
+      <p:sp>
+        <p:nvSpPr>
+          <p:cNvPr id="2" name="Title 1">
+            <a:extLst>
+              <a:ext uri="{FF2B5EF4-FFF2-40B4-BE49-F238E27FC236}">
+                <a16:creationId xmlns:a16="http://schemas.microsoft.com/office/drawing/2014/main" id="{5D7568B3-EC9A-45DD-8A17-CFE685194B65}"/>
+              </a:ext>
+            </a:extLst>
+          </p:cNvPr>
+          <p:cNvSpPr>
+            <a:spLocks noGrp="1"/>
+          </p:cNvSpPr>
+          <p:nvPr>
+            <p:ph type="title"/>
+          </p:nvPr>
+        </p:nvSpPr>
+        <p:spPr>
+          <a:xfrm>
+            <a:off x="838200" y="0"/>
+            <a:ext cx="10515600" cy="1325563"/>
+          </a:xfrm>
+          <a:solidFill>
+            <a:srgbClr val="2196F3"/>
+          </a:solidFill>
+        </p:spPr>
+        <p:txBody>
+          <a:bodyPr>
+            <a:normAutofit/>
+          </a:bodyPr>
+          <a:lstStyle/>
+          <a:p>
+            <a:pPr algn="ctr"/>
+            <a:r>
+              <a:rPr lang="en-GB" sz="6600" dirty="0">
+                <a:solidFill>
+                  <a:schemeClr val="bg1"/>
+                </a:solidFill>
+                <a:latin typeface="Segoe UI" panose="020B0502040204020203" pitchFamily="34" charset="0"/>
+                <a:cs typeface="Segoe UI" panose="020B0502040204020203" pitchFamily="34" charset="0"/>
+              </a:rPr>
+              <a:t>WP REST API &amp; AJAX</a:t>
+            </a:r>
+          </a:p>
+        </p:txBody>
+      </p:sp>
+      <p:sp>
+        <p:nvSpPr>
+          <p:cNvPr id="4" name="Content Placeholder 2">
+            <a:extLst>
+              <a:ext uri="{FF2B5EF4-FFF2-40B4-BE49-F238E27FC236}">
+                <a16:creationId xmlns:a16="http://schemas.microsoft.com/office/drawing/2014/main" id="{088CCB65-11B4-408B-9ED3-1304FE85032F}"/>
+              </a:ext>
+            </a:extLst>
+          </p:cNvPr>
+          <p:cNvSpPr>
+            <a:spLocks noGrp="1"/>
+          </p:cNvSpPr>
+          <p:nvPr>
+            <p:ph idx="1"/>
+          </p:nvPr>
+        </p:nvSpPr>
+        <p:spPr>
+          <a:xfrm>
+            <a:off x="838200" y="1431636"/>
+            <a:ext cx="10515600" cy="4742661"/>
+          </a:xfrm>
+        </p:spPr>
+        <p:txBody>
+          <a:bodyPr wrap="square" bIns="252000">
+            <a:normAutofit lnSpcReduction="10000"/>
+          </a:bodyPr>
+          <a:lstStyle/>
+          <a:p>
+            <a:pPr marL="457200" lvl="1" indent="0">
+              <a:buNone/>
+            </a:pPr>
+            <a:r>
+              <a:rPr lang="en-GB" sz="5100" dirty="0">
+                <a:solidFill>
+                  <a:srgbClr val="2196F3"/>
+                </a:solidFill>
+                <a:latin typeface="Segoe UI" panose="020B0502040204020203" pitchFamily="34" charset="0"/>
+                <a:cs typeface="Segoe UI" panose="020B0502040204020203" pitchFamily="34" charset="0"/>
+              </a:rPr>
+              <a:t>WP REST API + Web Components</a:t>
+            </a:r>
+          </a:p>
+          <a:p>
+            <a:pPr marL="457200" lvl="1" indent="0">
+              <a:buNone/>
+            </a:pPr>
+            <a:r>
+              <a:rPr lang="en-GB" sz="5100" dirty="0">
+                <a:solidFill>
+                  <a:srgbClr val="2196F3"/>
+                </a:solidFill>
+                <a:latin typeface="Segoe UI" panose="020B0502040204020203" pitchFamily="34" charset="0"/>
+                <a:cs typeface="Segoe UI" panose="020B0502040204020203" pitchFamily="34" charset="0"/>
+              </a:rPr>
+              <a:t>=&gt; 100% INTERNET</a:t>
+            </a:r>
+          </a:p>
+          <a:p>
+            <a:pPr marL="457200" lvl="1" indent="0">
+              <a:buNone/>
+            </a:pPr>
+            <a:endParaRPr lang="en-GB" sz="1050" dirty="0">
+              <a:solidFill>
+                <a:srgbClr val="2196F3"/>
+              </a:solidFill>
+              <a:latin typeface="Segoe UI" panose="020B0502040204020203" pitchFamily="34" charset="0"/>
+              <a:cs typeface="Segoe UI" panose="020B0502040204020203" pitchFamily="34" charset="0"/>
+            </a:endParaRPr>
+          </a:p>
+          <a:p>
+            <a:pPr lvl="1"/>
+            <a:r>
+              <a:rPr lang="en-GB" sz="2800" dirty="0">
+                <a:solidFill>
+                  <a:srgbClr val="2196F3"/>
+                </a:solidFill>
+                <a:latin typeface="Segoe UI" panose="020B0502040204020203" pitchFamily="34" charset="0"/>
+                <a:cs typeface="Segoe UI" panose="020B0502040204020203" pitchFamily="34" charset="0"/>
+              </a:rPr>
+              <a:t>Web Components are custom HTML elements/tags that we can create.</a:t>
+            </a:r>
+          </a:p>
+          <a:p>
+            <a:pPr lvl="1"/>
+            <a:r>
+              <a:rPr lang="en-GB" sz="2800" dirty="0">
+                <a:solidFill>
+                  <a:srgbClr val="2196F3"/>
+                </a:solidFill>
+                <a:latin typeface="Segoe UI" panose="020B0502040204020203" pitchFamily="34" charset="0"/>
+                <a:cs typeface="Segoe UI" panose="020B0502040204020203" pitchFamily="34" charset="0"/>
+              </a:rPr>
+              <a:t>We define a tag and associate with a JS Class.</a:t>
+            </a:r>
+          </a:p>
+          <a:p>
+            <a:pPr lvl="1"/>
+            <a:r>
+              <a:rPr lang="en-GB" sz="2800" dirty="0">
+                <a:solidFill>
+                  <a:srgbClr val="2196F3"/>
+                </a:solidFill>
+                <a:latin typeface="Segoe UI" panose="020B0502040204020203" pitchFamily="34" charset="0"/>
+                <a:cs typeface="Segoe UI" panose="020B0502040204020203" pitchFamily="34" charset="0"/>
+              </a:rPr>
+              <a:t>They are regular HTML so can be used wherever HTML is used and also be wired into JS Framework builds.</a:t>
+            </a:r>
+          </a:p>
+          <a:p>
+            <a:pPr lvl="1"/>
+            <a:r>
+              <a:rPr lang="en-GB" sz="2800" dirty="0">
+                <a:solidFill>
+                  <a:srgbClr val="2196F3"/>
+                </a:solidFill>
+                <a:latin typeface="Segoe UI" panose="020B0502040204020203" pitchFamily="34" charset="0"/>
+                <a:cs typeface="Segoe UI" panose="020B0502040204020203" pitchFamily="34" charset="0"/>
+              </a:rPr>
+              <a:t>The example of DECOUPLED WP is in fact built entirely with Web Components…let’s look at the source code…</a:t>
+            </a:r>
+          </a:p>
+          <a:p>
+            <a:pPr marL="457200" lvl="1" indent="0">
+              <a:buNone/>
+            </a:pPr>
+            <a:endParaRPr lang="en-GB" sz="6700" dirty="0">
+              <a:solidFill>
+                <a:srgbClr val="2196F3"/>
+              </a:solidFill>
+              <a:latin typeface="Segoe UI" panose="020B0502040204020203" pitchFamily="34" charset="0"/>
+              <a:cs typeface="Segoe UI" panose="020B0502040204020203" pitchFamily="34" charset="0"/>
+            </a:endParaRPr>
+          </a:p>
+          <a:p>
+            <a:pPr marL="457200" lvl="1" indent="0">
+              <a:buNone/>
+            </a:pPr>
+            <a:endParaRPr lang="en-GB" sz="6700" dirty="0">
+              <a:solidFill>
+                <a:srgbClr val="2196F3"/>
+              </a:solidFill>
+              <a:latin typeface="Segoe UI" panose="020B0502040204020203" pitchFamily="34" charset="0"/>
+              <a:cs typeface="Segoe UI" panose="020B0502040204020203" pitchFamily="34" charset="0"/>
+            </a:endParaRPr>
+          </a:p>
+          <a:p>
+            <a:pPr marL="457200" lvl="1" indent="0">
+              <a:buNone/>
+            </a:pPr>
+            <a:endParaRPr lang="en-GB" sz="6700" dirty="0">
+              <a:latin typeface="Segoe UI" panose="020B0502040204020203" pitchFamily="34" charset="0"/>
+              <a:cs typeface="Segoe UI" panose="020B0502040204020203" pitchFamily="34" charset="0"/>
+            </a:endParaRPr>
+          </a:p>
+          <a:p>
+            <a:pPr marL="0" indent="0">
+              <a:buNone/>
+            </a:pPr>
+            <a:endParaRPr lang="en-GB" dirty="0">
+              <a:latin typeface="Segoe UI" panose="020B0502040204020203" pitchFamily="34" charset="0"/>
+              <a:cs typeface="Segoe UI" panose="020B0502040204020203" pitchFamily="34" charset="0"/>
+            </a:endParaRPr>
+          </a:p>
+          <a:p>
+            <a:endParaRPr lang="en-GB" dirty="0">
+              <a:latin typeface="Segoe UI" panose="020B0502040204020203" pitchFamily="34" charset="0"/>
+              <a:cs typeface="Segoe UI" panose="020B0502040204020203" pitchFamily="34" charset="0"/>
+            </a:endParaRPr>
+          </a:p>
+        </p:txBody>
+      </p:sp>
+    </p:spTree>
+    <p:extLst>
+      <p:ext uri="{BB962C8B-B14F-4D97-AF65-F5344CB8AC3E}">
+        <p14:creationId xmlns:p14="http://schemas.microsoft.com/office/powerpoint/2010/main" val="16959895"/>
+      </p:ext>
+    </p:extLst>
+  </p:cSld>
+  <p:clrMapOvr>
+    <a:masterClrMapping/>
+  </p:clrMapOvr>
+</p:sld>
+</file>
+
 <file path=ppt/slides/slide16.xml><?xml version="1.0" encoding="utf-8"?>
 <p:sld xmlns:a="http://schemas.openxmlformats.org/drawingml/2006/main" xmlns:r="http://schemas.openxmlformats.org/officeDocument/2006/relationships" xmlns:p="http://schemas.openxmlformats.org/presentationml/2006/main">
   <p:cSld>
@@ -7493,252 +7508,6 @@
         </p:spPr>
         <p:txBody>
           <a:bodyPr wrap="square" bIns="252000">
-            <a:normAutofit lnSpcReduction="10000"/>
-          </a:bodyPr>
-          <a:lstStyle/>
-          <a:p>
-            <a:pPr marL="457200" lvl="1" indent="0">
-              <a:buNone/>
-            </a:pPr>
-            <a:r>
-              <a:rPr lang="en-GB" sz="5100" dirty="0">
-                <a:solidFill>
-                  <a:srgbClr val="2196F3"/>
-                </a:solidFill>
-                <a:latin typeface="Segoe UI" panose="020B0502040204020203" pitchFamily="34" charset="0"/>
-                <a:cs typeface="Segoe UI" panose="020B0502040204020203" pitchFamily="34" charset="0"/>
-              </a:rPr>
-              <a:t>WP REST API + Web Components</a:t>
-            </a:r>
-          </a:p>
-          <a:p>
-            <a:pPr marL="457200" lvl="1" indent="0">
-              <a:buNone/>
-            </a:pPr>
-            <a:r>
-              <a:rPr lang="en-GB" sz="5100" dirty="0">
-                <a:solidFill>
-                  <a:srgbClr val="2196F3"/>
-                </a:solidFill>
-                <a:latin typeface="Segoe UI" panose="020B0502040204020203" pitchFamily="34" charset="0"/>
-                <a:cs typeface="Segoe UI" panose="020B0502040204020203" pitchFamily="34" charset="0"/>
-              </a:rPr>
-              <a:t>=&gt; 100% INTERNET</a:t>
-            </a:r>
-          </a:p>
-          <a:p>
-            <a:pPr marL="457200" lvl="1" indent="0">
-              <a:buNone/>
-            </a:pPr>
-            <a:endParaRPr lang="en-GB" sz="1050" dirty="0">
-              <a:solidFill>
-                <a:srgbClr val="2196F3"/>
-              </a:solidFill>
-              <a:latin typeface="Segoe UI" panose="020B0502040204020203" pitchFamily="34" charset="0"/>
-              <a:cs typeface="Segoe UI" panose="020B0502040204020203" pitchFamily="34" charset="0"/>
-            </a:endParaRPr>
-          </a:p>
-          <a:p>
-            <a:pPr lvl="1"/>
-            <a:r>
-              <a:rPr lang="en-GB" sz="2800" dirty="0">
-                <a:solidFill>
-                  <a:srgbClr val="2196F3"/>
-                </a:solidFill>
-                <a:latin typeface="Segoe UI" panose="020B0502040204020203" pitchFamily="34" charset="0"/>
-                <a:cs typeface="Segoe UI" panose="020B0502040204020203" pitchFamily="34" charset="0"/>
-              </a:rPr>
-              <a:t>Web Components are custom HTML elements/tags that we can create.</a:t>
-            </a:r>
-          </a:p>
-          <a:p>
-            <a:pPr lvl="1"/>
-            <a:r>
-              <a:rPr lang="en-GB" sz="2800" dirty="0">
-                <a:solidFill>
-                  <a:srgbClr val="2196F3"/>
-                </a:solidFill>
-                <a:latin typeface="Segoe UI" panose="020B0502040204020203" pitchFamily="34" charset="0"/>
-                <a:cs typeface="Segoe UI" panose="020B0502040204020203" pitchFamily="34" charset="0"/>
-              </a:rPr>
-              <a:t>We define a tag and associate with a JS Class.</a:t>
-            </a:r>
-          </a:p>
-          <a:p>
-            <a:pPr lvl="1"/>
-            <a:r>
-              <a:rPr lang="en-GB" sz="2800" dirty="0">
-                <a:solidFill>
-                  <a:srgbClr val="2196F3"/>
-                </a:solidFill>
-                <a:latin typeface="Segoe UI" panose="020B0502040204020203" pitchFamily="34" charset="0"/>
-                <a:cs typeface="Segoe UI" panose="020B0502040204020203" pitchFamily="34" charset="0"/>
-              </a:rPr>
-              <a:t>They are regular HTML so can be used wherever HTML is used and also be wired into JS Framework builds.</a:t>
-            </a:r>
-          </a:p>
-          <a:p>
-            <a:pPr lvl="1"/>
-            <a:r>
-              <a:rPr lang="en-GB" sz="2800" dirty="0">
-                <a:solidFill>
-                  <a:srgbClr val="2196F3"/>
-                </a:solidFill>
-                <a:latin typeface="Segoe UI" panose="020B0502040204020203" pitchFamily="34" charset="0"/>
-                <a:cs typeface="Segoe UI" panose="020B0502040204020203" pitchFamily="34" charset="0"/>
-              </a:rPr>
-              <a:t>The example of DECOUPLED WP is in fact built entirely with Web Components…let’s look at the source code…</a:t>
-            </a:r>
-          </a:p>
-          <a:p>
-            <a:pPr marL="457200" lvl="1" indent="0">
-              <a:buNone/>
-            </a:pPr>
-            <a:endParaRPr lang="en-GB" sz="6700" dirty="0">
-              <a:solidFill>
-                <a:srgbClr val="2196F3"/>
-              </a:solidFill>
-              <a:latin typeface="Segoe UI" panose="020B0502040204020203" pitchFamily="34" charset="0"/>
-              <a:cs typeface="Segoe UI" panose="020B0502040204020203" pitchFamily="34" charset="0"/>
-            </a:endParaRPr>
-          </a:p>
-          <a:p>
-            <a:pPr marL="457200" lvl="1" indent="0">
-              <a:buNone/>
-            </a:pPr>
-            <a:endParaRPr lang="en-GB" sz="6700" dirty="0">
-              <a:solidFill>
-                <a:srgbClr val="2196F3"/>
-              </a:solidFill>
-              <a:latin typeface="Segoe UI" panose="020B0502040204020203" pitchFamily="34" charset="0"/>
-              <a:cs typeface="Segoe UI" panose="020B0502040204020203" pitchFamily="34" charset="0"/>
-            </a:endParaRPr>
-          </a:p>
-          <a:p>
-            <a:pPr marL="457200" lvl="1" indent="0">
-              <a:buNone/>
-            </a:pPr>
-            <a:endParaRPr lang="en-GB" sz="6700" dirty="0">
-              <a:latin typeface="Segoe UI" panose="020B0502040204020203" pitchFamily="34" charset="0"/>
-              <a:cs typeface="Segoe UI" panose="020B0502040204020203" pitchFamily="34" charset="0"/>
-            </a:endParaRPr>
-          </a:p>
-          <a:p>
-            <a:pPr marL="0" indent="0">
-              <a:buNone/>
-            </a:pPr>
-            <a:endParaRPr lang="en-GB" dirty="0">
-              <a:latin typeface="Segoe UI" panose="020B0502040204020203" pitchFamily="34" charset="0"/>
-              <a:cs typeface="Segoe UI" panose="020B0502040204020203" pitchFamily="34" charset="0"/>
-            </a:endParaRPr>
-          </a:p>
-          <a:p>
-            <a:endParaRPr lang="en-GB" dirty="0">
-              <a:latin typeface="Segoe UI" panose="020B0502040204020203" pitchFamily="34" charset="0"/>
-              <a:cs typeface="Segoe UI" panose="020B0502040204020203" pitchFamily="34" charset="0"/>
-            </a:endParaRPr>
-          </a:p>
-        </p:txBody>
-      </p:sp>
-    </p:spTree>
-    <p:extLst>
-      <p:ext uri="{BB962C8B-B14F-4D97-AF65-F5344CB8AC3E}">
-        <p14:creationId xmlns:p14="http://schemas.microsoft.com/office/powerpoint/2010/main" val="16959895"/>
-      </p:ext>
-    </p:extLst>
-  </p:cSld>
-  <p:clrMapOvr>
-    <a:masterClrMapping/>
-  </p:clrMapOvr>
-</p:sld>
-</file>
-
-<file path=ppt/slides/slide17.xml><?xml version="1.0" encoding="utf-8"?>
-<p:sld xmlns:a="http://schemas.openxmlformats.org/drawingml/2006/main" xmlns:r="http://schemas.openxmlformats.org/officeDocument/2006/relationships" xmlns:p="http://schemas.openxmlformats.org/presentationml/2006/main">
-  <p:cSld>
-    <p:spTree>
-      <p:nvGrpSpPr>
-        <p:cNvPr id="1" name=""/>
-        <p:cNvGrpSpPr/>
-        <p:nvPr/>
-      </p:nvGrpSpPr>
-      <p:grpSpPr>
-        <a:xfrm>
-          <a:off x="0" y="0"/>
-          <a:ext cx="0" cy="0"/>
-          <a:chOff x="0" y="0"/>
-          <a:chExt cx="0" cy="0"/>
-        </a:xfrm>
-      </p:grpSpPr>
-      <p:sp>
-        <p:nvSpPr>
-          <p:cNvPr id="2" name="Title 1">
-            <a:extLst>
-              <a:ext uri="{FF2B5EF4-FFF2-40B4-BE49-F238E27FC236}">
-                <a16:creationId xmlns:a16="http://schemas.microsoft.com/office/drawing/2014/main" id="{5D7568B3-EC9A-45DD-8A17-CFE685194B65}"/>
-              </a:ext>
-            </a:extLst>
-          </p:cNvPr>
-          <p:cNvSpPr>
-            <a:spLocks noGrp="1"/>
-          </p:cNvSpPr>
-          <p:nvPr>
-            <p:ph type="title"/>
-          </p:nvPr>
-        </p:nvSpPr>
-        <p:spPr>
-          <a:xfrm>
-            <a:off x="838200" y="0"/>
-            <a:ext cx="10515600" cy="1325563"/>
-          </a:xfrm>
-          <a:solidFill>
-            <a:srgbClr val="2196F3"/>
-          </a:solidFill>
-        </p:spPr>
-        <p:txBody>
-          <a:bodyPr>
-            <a:normAutofit/>
-          </a:bodyPr>
-          <a:lstStyle/>
-          <a:p>
-            <a:pPr algn="ctr"/>
-            <a:r>
-              <a:rPr lang="en-GB" sz="6600" dirty="0">
-                <a:solidFill>
-                  <a:schemeClr val="bg1"/>
-                </a:solidFill>
-                <a:latin typeface="Segoe UI" panose="020B0502040204020203" pitchFamily="34" charset="0"/>
-                <a:cs typeface="Segoe UI" panose="020B0502040204020203" pitchFamily="34" charset="0"/>
-              </a:rPr>
-              <a:t>WP REST API &amp; AJAX</a:t>
-            </a:r>
-          </a:p>
-        </p:txBody>
-      </p:sp>
-      <p:sp>
-        <p:nvSpPr>
-          <p:cNvPr id="4" name="Content Placeholder 2">
-            <a:extLst>
-              <a:ext uri="{FF2B5EF4-FFF2-40B4-BE49-F238E27FC236}">
-                <a16:creationId xmlns:a16="http://schemas.microsoft.com/office/drawing/2014/main" id="{088CCB65-11B4-408B-9ED3-1304FE85032F}"/>
-              </a:ext>
-            </a:extLst>
-          </p:cNvPr>
-          <p:cNvSpPr>
-            <a:spLocks noGrp="1"/>
-          </p:cNvSpPr>
-          <p:nvPr>
-            <p:ph idx="1"/>
-          </p:nvPr>
-        </p:nvSpPr>
-        <p:spPr>
-          <a:xfrm>
-            <a:off x="838200" y="1431636"/>
-            <a:ext cx="10515600" cy="4742661"/>
-          </a:xfrm>
-        </p:spPr>
-        <p:txBody>
-          <a:bodyPr wrap="square" bIns="252000">
             <a:normAutofit/>
           </a:bodyPr>
           <a:lstStyle/>
@@ -7904,7 +7673,7 @@
 </p:sld>
 </file>
 
-<file path=ppt/slides/slide18.xml><?xml version="1.0" encoding="utf-8"?>
+<file path=ppt/slides/slide17.xml><?xml version="1.0" encoding="utf-8"?>
 <p:sld xmlns:a="http://schemas.openxmlformats.org/drawingml/2006/main" xmlns:r="http://schemas.openxmlformats.org/officeDocument/2006/relationships" xmlns:p="http://schemas.openxmlformats.org/presentationml/2006/main">
   <p:cSld>
     <p:spTree>
@@ -9108,7 +8877,7 @@
           <a:p>
             <a:pPr lvl="1"/>
             <a:r>
-              <a:rPr lang="en-GB" sz="2800">
+              <a:rPr lang="en-GB" sz="2800" dirty="0" err="1">
                 <a:solidFill>
                   <a:srgbClr val="2196F3"/>
                 </a:solidFill>
@@ -9146,7 +8915,7 @@
             <a:r>
               <a:rPr lang="en-GB" sz="2800" dirty="0">
                 <a:solidFill>
-                  <a:srgbClr val="2196F3"/>
+                  <a:srgbClr val="FF0000"/>
                 </a:solidFill>
                 <a:latin typeface="Segoe UI" panose="020B0502040204020203" pitchFamily="34" charset="0"/>
                 <a:cs typeface="Segoe UI" panose="020B0502040204020203" pitchFamily="34" charset="0"/>
@@ -10024,7 +9793,7 @@
         </p:spPr>
         <p:txBody>
           <a:bodyPr wrap="square" bIns="252000">
-            <a:normAutofit/>
+            <a:normAutofit lnSpcReduction="10000"/>
           </a:bodyPr>
           <a:lstStyle/>
           <a:p>
@@ -10066,7 +9835,7 @@
                 <a:latin typeface="Segoe UI" panose="020B0502040204020203" pitchFamily="34" charset="0"/>
                 <a:cs typeface="Segoe UI" panose="020B0502040204020203" pitchFamily="34" charset="0"/>
               </a:rPr>
-              <a:t>This was formulated by Roy Fielding for his thesis in 2000.</a:t>
+              <a:t>This was formulated by Roy Fielding for his thesis in 2000 to create an alternative to the SOAP method.</a:t>
             </a:r>
           </a:p>
           <a:p>
@@ -10375,7 +10144,7 @@
                   <a:srgbClr val="2196F3"/>
                 </a:solidFill>
               </a:rPr>
-              <a:t>  GET/POST/DELTE</a:t>
+              <a:t>  GET/POST/DELETE</a:t>
             </a:r>
             <a:endParaRPr lang="en-GB" sz="3200" dirty="0">
               <a:solidFill>
@@ -10528,13 +10297,13 @@
         </p:nvSpPr>
         <p:spPr>
           <a:xfrm>
-            <a:off x="838200" y="1775290"/>
+            <a:off x="838200" y="1325563"/>
             <a:ext cx="10515600" cy="4399007"/>
           </a:xfrm>
         </p:spPr>
         <p:txBody>
           <a:bodyPr wrap="square" bIns="252000">
-            <a:normAutofit/>
+            <a:normAutofit lnSpcReduction="10000"/>
           </a:bodyPr>
           <a:lstStyle/>
           <a:p>
@@ -10645,7 +10414,7 @@
             <a:pPr marL="457200" lvl="1" indent="0">
               <a:buNone/>
             </a:pPr>
-            <a:endParaRPr lang="en-GB" sz="3200" dirty="0">
+            <a:endParaRPr lang="en-GB" sz="1800" dirty="0">
               <a:solidFill>
                 <a:srgbClr val="2196F3"/>
               </a:solidFill>
@@ -10692,6 +10461,44 @@
                 </a:solidFill>
               </a:rPr>
               <a:t>Send data to a web server - in the background</a:t>
+            </a:r>
+          </a:p>
+          <a:p>
+            <a:pPr lvl="1"/>
+            <a:r>
+              <a:rPr lang="en-GB" sz="3200" dirty="0">
+                <a:solidFill>
+                  <a:srgbClr val="2196F3"/>
+                </a:solidFill>
+              </a:rPr>
+              <a:t>Many libraries like jQuery, </a:t>
+            </a:r>
+            <a:r>
+              <a:rPr lang="en-GB" sz="3200" dirty="0" err="1">
+                <a:solidFill>
+                  <a:srgbClr val="2196F3"/>
+                </a:solidFill>
+              </a:rPr>
+              <a:t>Axios</a:t>
+            </a:r>
+            <a:r>
+              <a:rPr lang="en-GB" sz="3200" dirty="0">
+                <a:solidFill>
+                  <a:srgbClr val="2196F3"/>
+                </a:solidFill>
+              </a:rPr>
+              <a:t> etc</a:t>
+            </a:r>
+          </a:p>
+          <a:p>
+            <a:pPr lvl="1"/>
+            <a:r>
+              <a:rPr lang="en-GB" sz="3200" dirty="0">
+                <a:solidFill>
+                  <a:srgbClr val="2196F3"/>
+                </a:solidFill>
+              </a:rPr>
+              <a:t>I use browser API: fetch()</a:t>
             </a:r>
           </a:p>
           <a:p>

--- a/rest-api-workshop.pptx
+++ b/rest-api-workshop.pptx
@@ -5,7 +5,7 @@
     <p:sldMasterId id="2147483648" r:id="rId1"/>
   </p:sldMasterIdLst>
   <p:notesMasterIdLst>
-    <p:notesMasterId r:id="rId19"/>
+    <p:notesMasterId r:id="rId20"/>
   </p:notesMasterIdLst>
   <p:sldIdLst>
     <p:sldId id="264" r:id="rId2"/>
@@ -19,12 +19,13 @@
     <p:sldId id="300" r:id="rId10"/>
     <p:sldId id="302" r:id="rId11"/>
     <p:sldId id="315" r:id="rId12"/>
-    <p:sldId id="305" r:id="rId13"/>
-    <p:sldId id="313" r:id="rId14"/>
-    <p:sldId id="314" r:id="rId15"/>
-    <p:sldId id="309" r:id="rId16"/>
-    <p:sldId id="310" r:id="rId17"/>
-    <p:sldId id="311" r:id="rId18"/>
+    <p:sldId id="316" r:id="rId13"/>
+    <p:sldId id="305" r:id="rId14"/>
+    <p:sldId id="313" r:id="rId15"/>
+    <p:sldId id="314" r:id="rId16"/>
+    <p:sldId id="309" r:id="rId17"/>
+    <p:sldId id="310" r:id="rId18"/>
+    <p:sldId id="311" r:id="rId19"/>
   </p:sldIdLst>
   <p:sldSz cx="12192000" cy="6858000"/>
   <p:notesSz cx="6858000" cy="9144000"/>
@@ -139,6 +140,7 @@
             <p14:sldId id="300"/>
             <p14:sldId id="302"/>
             <p14:sldId id="315"/>
+            <p14:sldId id="316"/>
             <p14:sldId id="305"/>
             <p14:sldId id="313"/>
             <p14:sldId id="314"/>
@@ -4802,8 +4804,8 @@
         </p:nvSpPr>
         <p:spPr>
           <a:xfrm>
-            <a:off x="838200" y="1431636"/>
-            <a:ext cx="10515600" cy="4742661"/>
+            <a:off x="838200" y="1325563"/>
+            <a:ext cx="10515600" cy="4848735"/>
           </a:xfrm>
         </p:spPr>
         <p:txBody>
@@ -4815,129 +4817,61 @@
             <a:pPr marL="457200" lvl="1" indent="0">
               <a:buNone/>
             </a:pPr>
-            <a:r>
-              <a:rPr lang="en-GB" sz="5100" dirty="0">
-                <a:solidFill>
-                  <a:srgbClr val="2196F3"/>
-                </a:solidFill>
-                <a:latin typeface="Segoe UI" panose="020B0502040204020203" pitchFamily="34" charset="0"/>
-                <a:cs typeface="Segoe UI" panose="020B0502040204020203" pitchFamily="34" charset="0"/>
-              </a:rPr>
-              <a:t>DECOUPLED WP</a:t>
-            </a:r>
-          </a:p>
-          <a:p>
-            <a:pPr marL="457200" lvl="1" indent="0">
-              <a:buNone/>
-            </a:pPr>
-            <a:endParaRPr lang="en-GB" sz="1050" dirty="0">
+            <a:endParaRPr lang="en-GB" sz="2800" dirty="0">
               <a:solidFill>
                 <a:srgbClr val="2196F3"/>
               </a:solidFill>
-              <a:latin typeface="Segoe UI" panose="020B0502040204020203" pitchFamily="34" charset="0"/>
-              <a:cs typeface="Segoe UI" panose="020B0502040204020203" pitchFamily="34" charset="0"/>
-            </a:endParaRPr>
-          </a:p>
-          <a:p>
-            <a:pPr lvl="1"/>
-            <a:r>
-              <a:rPr lang="en-GB" sz="2800" dirty="0">
+            </a:endParaRPr>
+          </a:p>
+          <a:p>
+            <a:pPr marL="457200" lvl="1" indent="0">
+              <a:buNone/>
+            </a:pPr>
+            <a:r>
+              <a:rPr lang="en-GB" sz="4400" dirty="0">
                 <a:solidFill>
                   <a:srgbClr val="2196F3"/>
                 </a:solidFill>
-                <a:latin typeface="Segoe UI" panose="020B0502040204020203" pitchFamily="34" charset="0"/>
-                <a:cs typeface="Segoe UI" panose="020B0502040204020203" pitchFamily="34" charset="0"/>
-              </a:rPr>
-              <a:t>As we are using JS blocks in our PHP pages this can lead to using these scripts in HTML pages or PHP outside of the WP ecosystem.</a:t>
-            </a:r>
-          </a:p>
-          <a:p>
-            <a:pPr lvl="1"/>
-            <a:r>
-              <a:rPr lang="en-GB" sz="2800" dirty="0">
-                <a:solidFill>
-                  <a:srgbClr val="2196F3"/>
-                </a:solidFill>
-                <a:latin typeface="Segoe UI" panose="020B0502040204020203" pitchFamily="34" charset="0"/>
-                <a:cs typeface="Segoe UI" panose="020B0502040204020203" pitchFamily="34" charset="0"/>
-              </a:rPr>
-              <a:t>This means we can have DECOUPLED or HEADLESS WP sites</a:t>
-            </a:r>
-          </a:p>
-          <a:p>
-            <a:pPr lvl="1"/>
-            <a:r>
-              <a:rPr lang="en-GB" sz="2800" dirty="0">
-                <a:solidFill>
-                  <a:srgbClr val="2196F3"/>
-                </a:solidFill>
-                <a:latin typeface="Segoe UI" panose="020B0502040204020203" pitchFamily="34" charset="0"/>
-                <a:cs typeface="Segoe UI" panose="020B0502040204020203" pitchFamily="34" charset="0"/>
-              </a:rPr>
-              <a:t>HEADLESS means formatting preconfigured.</a:t>
-            </a:r>
-          </a:p>
-          <a:p>
-            <a:pPr lvl="1"/>
-            <a:r>
-              <a:rPr lang="en-GB" sz="2800" dirty="0">
-                <a:solidFill>
-                  <a:srgbClr val="2196F3"/>
-                </a:solidFill>
-                <a:latin typeface="Segoe UI" panose="020B0502040204020203" pitchFamily="34" charset="0"/>
-                <a:cs typeface="Segoe UI" panose="020B0502040204020203" pitchFamily="34" charset="0"/>
-              </a:rPr>
-              <a:t>DECOUPLED means data is sent and page formats data.</a:t>
-            </a:r>
-          </a:p>
-          <a:p>
-            <a:pPr lvl="1"/>
-            <a:r>
-              <a:rPr lang="en-GB" sz="2800" dirty="0">
-                <a:solidFill>
-                  <a:srgbClr val="2196F3"/>
-                </a:solidFill>
-                <a:latin typeface="Segoe UI" panose="020B0502040204020203" pitchFamily="34" charset="0"/>
-                <a:cs typeface="Segoe UI" panose="020B0502040204020203" pitchFamily="34" charset="0"/>
-              </a:rPr>
-              <a:t>Using JSON WEB TOKENS (JWT) we can also authenticate…</a:t>
-            </a:r>
-          </a:p>
-          <a:p>
-            <a:pPr lvl="1"/>
-            <a:r>
-              <a:rPr lang="en-GB" sz="2800" dirty="0">
-                <a:solidFill>
-                  <a:srgbClr val="2196F3"/>
-                </a:solidFill>
-                <a:latin typeface="Segoe UI" panose="020B0502040204020203" pitchFamily="34" charset="0"/>
-                <a:cs typeface="Segoe UI" panose="020B0502040204020203" pitchFamily="34" charset="0"/>
-              </a:rPr>
-              <a:t>Example: https://wp-html.co.uk/semantic</a:t>
+              </a:rPr>
+              <a:t>SITE SETUP…</a:t>
             </a:r>
           </a:p>
           <a:p>
             <a:pPr marL="457200" lvl="1" indent="0">
               <a:buNone/>
             </a:pPr>
-            <a:endParaRPr lang="en-GB" sz="6700" dirty="0">
+            <a:endParaRPr lang="en-GB" sz="4400" dirty="0">
               <a:solidFill>
                 <a:srgbClr val="2196F3"/>
               </a:solidFill>
-              <a:latin typeface="Segoe UI" panose="020B0502040204020203" pitchFamily="34" charset="0"/>
-              <a:cs typeface="Segoe UI" panose="020B0502040204020203" pitchFamily="34" charset="0"/>
             </a:endParaRPr>
           </a:p>
           <a:p>
             <a:pPr marL="457200" lvl="1" indent="0">
               <a:buNone/>
             </a:pPr>
-            <a:endParaRPr lang="en-GB" sz="6700" dirty="0">
+            <a:r>
+              <a:rPr lang="en-GB" sz="4400" dirty="0">
+                <a:solidFill>
+                  <a:srgbClr val="2196F3"/>
+                </a:solidFill>
+              </a:rPr>
+              <a:t>Please refer to REST-AJAX.docx and the source code</a:t>
+            </a:r>
+            <a:endParaRPr lang="en-GB" sz="3200" dirty="0">
               <a:solidFill>
                 <a:srgbClr val="2196F3"/>
               </a:solidFill>
-              <a:latin typeface="Segoe UI" panose="020B0502040204020203" pitchFamily="34" charset="0"/>
-              <a:cs typeface="Segoe UI" panose="020B0502040204020203" pitchFamily="34" charset="0"/>
+            </a:endParaRPr>
+          </a:p>
+          <a:p>
+            <a:pPr marL="457200" lvl="1" indent="0">
+              <a:buNone/>
+            </a:pPr>
+            <a:endParaRPr lang="en-GB" sz="2600" dirty="0">
+              <a:solidFill>
+                <a:srgbClr val="2196F3"/>
+              </a:solidFill>
             </a:endParaRPr>
           </a:p>
           <a:p>
@@ -4969,7 +4903,7 @@
     </p:spTree>
     <p:extLst>
       <p:ext uri="{BB962C8B-B14F-4D97-AF65-F5344CB8AC3E}">
-        <p14:creationId xmlns:p14="http://schemas.microsoft.com/office/powerpoint/2010/main" val="3994601803"/>
+        <p14:creationId xmlns:p14="http://schemas.microsoft.com/office/powerpoint/2010/main" val="689376606"/>
       </p:ext>
     </p:extLst>
   </p:cSld>
@@ -4998,6 +4932,263 @@
       </p:grpSpPr>
       <p:sp>
         <p:nvSpPr>
+          <p:cNvPr id="2" name="Title 1">
+            <a:extLst>
+              <a:ext uri="{FF2B5EF4-FFF2-40B4-BE49-F238E27FC236}">
+                <a16:creationId xmlns:a16="http://schemas.microsoft.com/office/drawing/2014/main" id="{5D7568B3-EC9A-45DD-8A17-CFE685194B65}"/>
+              </a:ext>
+            </a:extLst>
+          </p:cNvPr>
+          <p:cNvSpPr>
+            <a:spLocks noGrp="1"/>
+          </p:cNvSpPr>
+          <p:nvPr>
+            <p:ph type="title"/>
+          </p:nvPr>
+        </p:nvSpPr>
+        <p:spPr>
+          <a:xfrm>
+            <a:off x="838200" y="0"/>
+            <a:ext cx="10515600" cy="1325563"/>
+          </a:xfrm>
+          <a:solidFill>
+            <a:srgbClr val="2196F3"/>
+          </a:solidFill>
+        </p:spPr>
+        <p:txBody>
+          <a:bodyPr>
+            <a:normAutofit/>
+          </a:bodyPr>
+          <a:lstStyle/>
+          <a:p>
+            <a:pPr algn="ctr"/>
+            <a:r>
+              <a:rPr lang="en-GB" sz="6600" dirty="0">
+                <a:solidFill>
+                  <a:schemeClr val="bg1"/>
+                </a:solidFill>
+                <a:latin typeface="Segoe UI" panose="020B0502040204020203" pitchFamily="34" charset="0"/>
+                <a:cs typeface="Segoe UI" panose="020B0502040204020203" pitchFamily="34" charset="0"/>
+              </a:rPr>
+              <a:t>WP REST API &amp; AJAX</a:t>
+            </a:r>
+          </a:p>
+        </p:txBody>
+      </p:sp>
+      <p:sp>
+        <p:nvSpPr>
+          <p:cNvPr id="4" name="Content Placeholder 2">
+            <a:extLst>
+              <a:ext uri="{FF2B5EF4-FFF2-40B4-BE49-F238E27FC236}">
+                <a16:creationId xmlns:a16="http://schemas.microsoft.com/office/drawing/2014/main" id="{088CCB65-11B4-408B-9ED3-1304FE85032F}"/>
+              </a:ext>
+            </a:extLst>
+          </p:cNvPr>
+          <p:cNvSpPr>
+            <a:spLocks noGrp="1"/>
+          </p:cNvSpPr>
+          <p:nvPr>
+            <p:ph idx="1"/>
+          </p:nvPr>
+        </p:nvSpPr>
+        <p:spPr>
+          <a:xfrm>
+            <a:off x="838200" y="1431636"/>
+            <a:ext cx="10515600" cy="4742661"/>
+          </a:xfrm>
+        </p:spPr>
+        <p:txBody>
+          <a:bodyPr wrap="square" bIns="252000">
+            <a:normAutofit/>
+          </a:bodyPr>
+          <a:lstStyle/>
+          <a:p>
+            <a:pPr marL="457200" lvl="1" indent="0">
+              <a:buNone/>
+            </a:pPr>
+            <a:r>
+              <a:rPr lang="en-GB" sz="5100" dirty="0">
+                <a:solidFill>
+                  <a:srgbClr val="2196F3"/>
+                </a:solidFill>
+                <a:latin typeface="Segoe UI" panose="020B0502040204020203" pitchFamily="34" charset="0"/>
+                <a:cs typeface="Segoe UI" panose="020B0502040204020203" pitchFamily="34" charset="0"/>
+              </a:rPr>
+              <a:t>DECOUPLED WP</a:t>
+            </a:r>
+          </a:p>
+          <a:p>
+            <a:pPr marL="457200" lvl="1" indent="0">
+              <a:buNone/>
+            </a:pPr>
+            <a:endParaRPr lang="en-GB" sz="1050" dirty="0">
+              <a:solidFill>
+                <a:srgbClr val="2196F3"/>
+              </a:solidFill>
+              <a:latin typeface="Segoe UI" panose="020B0502040204020203" pitchFamily="34" charset="0"/>
+              <a:cs typeface="Segoe UI" panose="020B0502040204020203" pitchFamily="34" charset="0"/>
+            </a:endParaRPr>
+          </a:p>
+          <a:p>
+            <a:pPr lvl="1"/>
+            <a:r>
+              <a:rPr lang="en-GB" sz="2800" dirty="0">
+                <a:solidFill>
+                  <a:srgbClr val="2196F3"/>
+                </a:solidFill>
+                <a:latin typeface="Segoe UI" panose="020B0502040204020203" pitchFamily="34" charset="0"/>
+                <a:cs typeface="Segoe UI" panose="020B0502040204020203" pitchFamily="34" charset="0"/>
+              </a:rPr>
+              <a:t>As we are using JS blocks in our PHP pages this can lead to using these scripts in HTML pages or PHP outside of the WP ecosystem.</a:t>
+            </a:r>
+          </a:p>
+          <a:p>
+            <a:pPr lvl="1"/>
+            <a:r>
+              <a:rPr lang="en-GB" sz="2800" dirty="0">
+                <a:solidFill>
+                  <a:srgbClr val="2196F3"/>
+                </a:solidFill>
+                <a:latin typeface="Segoe UI" panose="020B0502040204020203" pitchFamily="34" charset="0"/>
+                <a:cs typeface="Segoe UI" panose="020B0502040204020203" pitchFamily="34" charset="0"/>
+              </a:rPr>
+              <a:t>This means we can have DECOUPLED or HEADLESS WP sites</a:t>
+            </a:r>
+          </a:p>
+          <a:p>
+            <a:pPr lvl="1"/>
+            <a:r>
+              <a:rPr lang="en-GB" sz="2800" dirty="0">
+                <a:solidFill>
+                  <a:srgbClr val="2196F3"/>
+                </a:solidFill>
+                <a:latin typeface="Segoe UI" panose="020B0502040204020203" pitchFamily="34" charset="0"/>
+                <a:cs typeface="Segoe UI" panose="020B0502040204020203" pitchFamily="34" charset="0"/>
+              </a:rPr>
+              <a:t>HEADLESS means formatting preconfigured.</a:t>
+            </a:r>
+          </a:p>
+          <a:p>
+            <a:pPr lvl="1"/>
+            <a:r>
+              <a:rPr lang="en-GB" sz="2800" dirty="0">
+                <a:solidFill>
+                  <a:srgbClr val="2196F3"/>
+                </a:solidFill>
+                <a:latin typeface="Segoe UI" panose="020B0502040204020203" pitchFamily="34" charset="0"/>
+                <a:cs typeface="Segoe UI" panose="020B0502040204020203" pitchFamily="34" charset="0"/>
+              </a:rPr>
+              <a:t>DECOUPLED means data is sent and page formats data.</a:t>
+            </a:r>
+          </a:p>
+          <a:p>
+            <a:pPr lvl="1"/>
+            <a:r>
+              <a:rPr lang="en-GB" sz="2800" dirty="0">
+                <a:solidFill>
+                  <a:srgbClr val="2196F3"/>
+                </a:solidFill>
+                <a:latin typeface="Segoe UI" panose="020B0502040204020203" pitchFamily="34" charset="0"/>
+                <a:cs typeface="Segoe UI" panose="020B0502040204020203" pitchFamily="34" charset="0"/>
+              </a:rPr>
+              <a:t>Using JSON WEB TOKENS (JWT) we can also authenticate…</a:t>
+            </a:r>
+          </a:p>
+          <a:p>
+            <a:pPr lvl="1"/>
+            <a:r>
+              <a:rPr lang="en-GB" sz="2800" dirty="0">
+                <a:solidFill>
+                  <a:srgbClr val="2196F3"/>
+                </a:solidFill>
+                <a:latin typeface="Segoe UI" panose="020B0502040204020203" pitchFamily="34" charset="0"/>
+                <a:cs typeface="Segoe UI" panose="020B0502040204020203" pitchFamily="34" charset="0"/>
+              </a:rPr>
+              <a:t>Example: https://wp-html.co.uk/semantic</a:t>
+            </a:r>
+          </a:p>
+          <a:p>
+            <a:pPr marL="457200" lvl="1" indent="0">
+              <a:buNone/>
+            </a:pPr>
+            <a:endParaRPr lang="en-GB" sz="6700" dirty="0">
+              <a:solidFill>
+                <a:srgbClr val="2196F3"/>
+              </a:solidFill>
+              <a:latin typeface="Segoe UI" panose="020B0502040204020203" pitchFamily="34" charset="0"/>
+              <a:cs typeface="Segoe UI" panose="020B0502040204020203" pitchFamily="34" charset="0"/>
+            </a:endParaRPr>
+          </a:p>
+          <a:p>
+            <a:pPr marL="457200" lvl="1" indent="0">
+              <a:buNone/>
+            </a:pPr>
+            <a:endParaRPr lang="en-GB" sz="6700" dirty="0">
+              <a:solidFill>
+                <a:srgbClr val="2196F3"/>
+              </a:solidFill>
+              <a:latin typeface="Segoe UI" panose="020B0502040204020203" pitchFamily="34" charset="0"/>
+              <a:cs typeface="Segoe UI" panose="020B0502040204020203" pitchFamily="34" charset="0"/>
+            </a:endParaRPr>
+          </a:p>
+          <a:p>
+            <a:pPr marL="457200" lvl="1" indent="0">
+              <a:buNone/>
+            </a:pPr>
+            <a:endParaRPr lang="en-GB" sz="6700" dirty="0">
+              <a:latin typeface="Segoe UI" panose="020B0502040204020203" pitchFamily="34" charset="0"/>
+              <a:cs typeface="Segoe UI" panose="020B0502040204020203" pitchFamily="34" charset="0"/>
+            </a:endParaRPr>
+          </a:p>
+          <a:p>
+            <a:pPr marL="0" indent="0">
+              <a:buNone/>
+            </a:pPr>
+            <a:endParaRPr lang="en-GB" dirty="0">
+              <a:latin typeface="Segoe UI" panose="020B0502040204020203" pitchFamily="34" charset="0"/>
+              <a:cs typeface="Segoe UI" panose="020B0502040204020203" pitchFamily="34" charset="0"/>
+            </a:endParaRPr>
+          </a:p>
+          <a:p>
+            <a:endParaRPr lang="en-GB" dirty="0">
+              <a:latin typeface="Segoe UI" panose="020B0502040204020203" pitchFamily="34" charset="0"/>
+              <a:cs typeface="Segoe UI" panose="020B0502040204020203" pitchFamily="34" charset="0"/>
+            </a:endParaRPr>
+          </a:p>
+        </p:txBody>
+      </p:sp>
+    </p:spTree>
+    <p:extLst>
+      <p:ext uri="{BB962C8B-B14F-4D97-AF65-F5344CB8AC3E}">
+        <p14:creationId xmlns:p14="http://schemas.microsoft.com/office/powerpoint/2010/main" val="3994601803"/>
+      </p:ext>
+    </p:extLst>
+  </p:cSld>
+  <p:clrMapOvr>
+    <a:masterClrMapping/>
+  </p:clrMapOvr>
+</p:sld>
+</file>
+
+<file path=ppt/slides/slide14.xml><?xml version="1.0" encoding="utf-8"?>
+<p:sld xmlns:a="http://schemas.openxmlformats.org/drawingml/2006/main" xmlns:r="http://schemas.openxmlformats.org/officeDocument/2006/relationships" xmlns:p="http://schemas.openxmlformats.org/presentationml/2006/main">
+  <p:cSld>
+    <p:spTree>
+      <p:nvGrpSpPr>
+        <p:cNvPr id="1" name=""/>
+        <p:cNvGrpSpPr/>
+        <p:nvPr/>
+      </p:nvGrpSpPr>
+      <p:grpSpPr>
+        <a:xfrm>
+          <a:off x="0" y="0"/>
+          <a:ext cx="0" cy="0"/>
+          <a:chOff x="0" y="0"/>
+          <a:chExt cx="0" cy="0"/>
+        </a:xfrm>
+      </p:grpSpPr>
+      <p:sp>
+        <p:nvSpPr>
           <p:cNvPr id="5" name="Rectangle: Rounded Corners 4">
             <a:extLst>
               <a:ext uri="{FF2B5EF4-FFF2-40B4-BE49-F238E27FC236}">
@@ -5942,7 +6133,7 @@
 </p:sld>
 </file>
 
-<file path=ppt/slides/slide14.xml><?xml version="1.0" encoding="utf-8"?>
+<file path=ppt/slides/slide15.xml><?xml version="1.0" encoding="utf-8"?>
 <p:sld xmlns:a="http://schemas.openxmlformats.org/drawingml/2006/main" xmlns:r="http://schemas.openxmlformats.org/officeDocument/2006/relationships" xmlns:p="http://schemas.openxmlformats.org/presentationml/2006/main">
   <p:cSld>
     <p:spTree>
@@ -7176,252 +7367,6 @@
 </p:sld>
 </file>
 
-<file path=ppt/slides/slide15.xml><?xml version="1.0" encoding="utf-8"?>
-<p:sld xmlns:a="http://schemas.openxmlformats.org/drawingml/2006/main" xmlns:r="http://schemas.openxmlformats.org/officeDocument/2006/relationships" xmlns:p="http://schemas.openxmlformats.org/presentationml/2006/main">
-  <p:cSld>
-    <p:spTree>
-      <p:nvGrpSpPr>
-        <p:cNvPr id="1" name=""/>
-        <p:cNvGrpSpPr/>
-        <p:nvPr/>
-      </p:nvGrpSpPr>
-      <p:grpSpPr>
-        <a:xfrm>
-          <a:off x="0" y="0"/>
-          <a:ext cx="0" cy="0"/>
-          <a:chOff x="0" y="0"/>
-          <a:chExt cx="0" cy="0"/>
-        </a:xfrm>
-      </p:grpSpPr>
-      <p:sp>
-        <p:nvSpPr>
-          <p:cNvPr id="2" name="Title 1">
-            <a:extLst>
-              <a:ext uri="{FF2B5EF4-FFF2-40B4-BE49-F238E27FC236}">
-                <a16:creationId xmlns:a16="http://schemas.microsoft.com/office/drawing/2014/main" id="{5D7568B3-EC9A-45DD-8A17-CFE685194B65}"/>
-              </a:ext>
-            </a:extLst>
-          </p:cNvPr>
-          <p:cNvSpPr>
-            <a:spLocks noGrp="1"/>
-          </p:cNvSpPr>
-          <p:nvPr>
-            <p:ph type="title"/>
-          </p:nvPr>
-        </p:nvSpPr>
-        <p:spPr>
-          <a:xfrm>
-            <a:off x="838200" y="0"/>
-            <a:ext cx="10515600" cy="1325563"/>
-          </a:xfrm>
-          <a:solidFill>
-            <a:srgbClr val="2196F3"/>
-          </a:solidFill>
-        </p:spPr>
-        <p:txBody>
-          <a:bodyPr>
-            <a:normAutofit/>
-          </a:bodyPr>
-          <a:lstStyle/>
-          <a:p>
-            <a:pPr algn="ctr"/>
-            <a:r>
-              <a:rPr lang="en-GB" sz="6600" dirty="0">
-                <a:solidFill>
-                  <a:schemeClr val="bg1"/>
-                </a:solidFill>
-                <a:latin typeface="Segoe UI" panose="020B0502040204020203" pitchFamily="34" charset="0"/>
-                <a:cs typeface="Segoe UI" panose="020B0502040204020203" pitchFamily="34" charset="0"/>
-              </a:rPr>
-              <a:t>WP REST API &amp; AJAX</a:t>
-            </a:r>
-          </a:p>
-        </p:txBody>
-      </p:sp>
-      <p:sp>
-        <p:nvSpPr>
-          <p:cNvPr id="4" name="Content Placeholder 2">
-            <a:extLst>
-              <a:ext uri="{FF2B5EF4-FFF2-40B4-BE49-F238E27FC236}">
-                <a16:creationId xmlns:a16="http://schemas.microsoft.com/office/drawing/2014/main" id="{088CCB65-11B4-408B-9ED3-1304FE85032F}"/>
-              </a:ext>
-            </a:extLst>
-          </p:cNvPr>
-          <p:cNvSpPr>
-            <a:spLocks noGrp="1"/>
-          </p:cNvSpPr>
-          <p:nvPr>
-            <p:ph idx="1"/>
-          </p:nvPr>
-        </p:nvSpPr>
-        <p:spPr>
-          <a:xfrm>
-            <a:off x="838200" y="1431636"/>
-            <a:ext cx="10515600" cy="4742661"/>
-          </a:xfrm>
-        </p:spPr>
-        <p:txBody>
-          <a:bodyPr wrap="square" bIns="252000">
-            <a:normAutofit lnSpcReduction="10000"/>
-          </a:bodyPr>
-          <a:lstStyle/>
-          <a:p>
-            <a:pPr marL="457200" lvl="1" indent="0">
-              <a:buNone/>
-            </a:pPr>
-            <a:r>
-              <a:rPr lang="en-GB" sz="5100" dirty="0">
-                <a:solidFill>
-                  <a:srgbClr val="2196F3"/>
-                </a:solidFill>
-                <a:latin typeface="Segoe UI" panose="020B0502040204020203" pitchFamily="34" charset="0"/>
-                <a:cs typeface="Segoe UI" panose="020B0502040204020203" pitchFamily="34" charset="0"/>
-              </a:rPr>
-              <a:t>WP REST API + Web Components</a:t>
-            </a:r>
-          </a:p>
-          <a:p>
-            <a:pPr marL="457200" lvl="1" indent="0">
-              <a:buNone/>
-            </a:pPr>
-            <a:r>
-              <a:rPr lang="en-GB" sz="5100" dirty="0">
-                <a:solidFill>
-                  <a:srgbClr val="2196F3"/>
-                </a:solidFill>
-                <a:latin typeface="Segoe UI" panose="020B0502040204020203" pitchFamily="34" charset="0"/>
-                <a:cs typeface="Segoe UI" panose="020B0502040204020203" pitchFamily="34" charset="0"/>
-              </a:rPr>
-              <a:t>=&gt; 100% INTERNET</a:t>
-            </a:r>
-          </a:p>
-          <a:p>
-            <a:pPr marL="457200" lvl="1" indent="0">
-              <a:buNone/>
-            </a:pPr>
-            <a:endParaRPr lang="en-GB" sz="1050" dirty="0">
-              <a:solidFill>
-                <a:srgbClr val="2196F3"/>
-              </a:solidFill>
-              <a:latin typeface="Segoe UI" panose="020B0502040204020203" pitchFamily="34" charset="0"/>
-              <a:cs typeface="Segoe UI" panose="020B0502040204020203" pitchFamily="34" charset="0"/>
-            </a:endParaRPr>
-          </a:p>
-          <a:p>
-            <a:pPr lvl="1"/>
-            <a:r>
-              <a:rPr lang="en-GB" sz="2800" dirty="0">
-                <a:solidFill>
-                  <a:srgbClr val="2196F3"/>
-                </a:solidFill>
-                <a:latin typeface="Segoe UI" panose="020B0502040204020203" pitchFamily="34" charset="0"/>
-                <a:cs typeface="Segoe UI" panose="020B0502040204020203" pitchFamily="34" charset="0"/>
-              </a:rPr>
-              <a:t>Web Components are custom HTML elements/tags that we can create.</a:t>
-            </a:r>
-          </a:p>
-          <a:p>
-            <a:pPr lvl="1"/>
-            <a:r>
-              <a:rPr lang="en-GB" sz="2800" dirty="0">
-                <a:solidFill>
-                  <a:srgbClr val="2196F3"/>
-                </a:solidFill>
-                <a:latin typeface="Segoe UI" panose="020B0502040204020203" pitchFamily="34" charset="0"/>
-                <a:cs typeface="Segoe UI" panose="020B0502040204020203" pitchFamily="34" charset="0"/>
-              </a:rPr>
-              <a:t>We define a tag and associate with a JS Class.</a:t>
-            </a:r>
-          </a:p>
-          <a:p>
-            <a:pPr lvl="1"/>
-            <a:r>
-              <a:rPr lang="en-GB" sz="2800" dirty="0">
-                <a:solidFill>
-                  <a:srgbClr val="2196F3"/>
-                </a:solidFill>
-                <a:latin typeface="Segoe UI" panose="020B0502040204020203" pitchFamily="34" charset="0"/>
-                <a:cs typeface="Segoe UI" panose="020B0502040204020203" pitchFamily="34" charset="0"/>
-              </a:rPr>
-              <a:t>They are regular HTML so can be used wherever HTML is used and also be wired into JS Framework builds.</a:t>
-            </a:r>
-          </a:p>
-          <a:p>
-            <a:pPr lvl="1"/>
-            <a:r>
-              <a:rPr lang="en-GB" sz="2800" dirty="0">
-                <a:solidFill>
-                  <a:srgbClr val="2196F3"/>
-                </a:solidFill>
-                <a:latin typeface="Segoe UI" panose="020B0502040204020203" pitchFamily="34" charset="0"/>
-                <a:cs typeface="Segoe UI" panose="020B0502040204020203" pitchFamily="34" charset="0"/>
-              </a:rPr>
-              <a:t>The example of DECOUPLED WP is in fact built entirely with Web Components…let’s look at the source code…</a:t>
-            </a:r>
-          </a:p>
-          <a:p>
-            <a:pPr marL="457200" lvl="1" indent="0">
-              <a:buNone/>
-            </a:pPr>
-            <a:endParaRPr lang="en-GB" sz="6700" dirty="0">
-              <a:solidFill>
-                <a:srgbClr val="2196F3"/>
-              </a:solidFill>
-              <a:latin typeface="Segoe UI" panose="020B0502040204020203" pitchFamily="34" charset="0"/>
-              <a:cs typeface="Segoe UI" panose="020B0502040204020203" pitchFamily="34" charset="0"/>
-            </a:endParaRPr>
-          </a:p>
-          <a:p>
-            <a:pPr marL="457200" lvl="1" indent="0">
-              <a:buNone/>
-            </a:pPr>
-            <a:endParaRPr lang="en-GB" sz="6700" dirty="0">
-              <a:solidFill>
-                <a:srgbClr val="2196F3"/>
-              </a:solidFill>
-              <a:latin typeface="Segoe UI" panose="020B0502040204020203" pitchFamily="34" charset="0"/>
-              <a:cs typeface="Segoe UI" panose="020B0502040204020203" pitchFamily="34" charset="0"/>
-            </a:endParaRPr>
-          </a:p>
-          <a:p>
-            <a:pPr marL="457200" lvl="1" indent="0">
-              <a:buNone/>
-            </a:pPr>
-            <a:endParaRPr lang="en-GB" sz="6700" dirty="0">
-              <a:latin typeface="Segoe UI" panose="020B0502040204020203" pitchFamily="34" charset="0"/>
-              <a:cs typeface="Segoe UI" panose="020B0502040204020203" pitchFamily="34" charset="0"/>
-            </a:endParaRPr>
-          </a:p>
-          <a:p>
-            <a:pPr marL="0" indent="0">
-              <a:buNone/>
-            </a:pPr>
-            <a:endParaRPr lang="en-GB" dirty="0">
-              <a:latin typeface="Segoe UI" panose="020B0502040204020203" pitchFamily="34" charset="0"/>
-              <a:cs typeface="Segoe UI" panose="020B0502040204020203" pitchFamily="34" charset="0"/>
-            </a:endParaRPr>
-          </a:p>
-          <a:p>
-            <a:endParaRPr lang="en-GB" dirty="0">
-              <a:latin typeface="Segoe UI" panose="020B0502040204020203" pitchFamily="34" charset="0"/>
-              <a:cs typeface="Segoe UI" panose="020B0502040204020203" pitchFamily="34" charset="0"/>
-            </a:endParaRPr>
-          </a:p>
-        </p:txBody>
-      </p:sp>
-    </p:spTree>
-    <p:extLst>
-      <p:ext uri="{BB962C8B-B14F-4D97-AF65-F5344CB8AC3E}">
-        <p14:creationId xmlns:p14="http://schemas.microsoft.com/office/powerpoint/2010/main" val="16959895"/>
-      </p:ext>
-    </p:extLst>
-  </p:cSld>
-  <p:clrMapOvr>
-    <a:masterClrMapping/>
-  </p:clrMapOvr>
-</p:sld>
-</file>
-
 <file path=ppt/slides/slide16.xml><?xml version="1.0" encoding="utf-8"?>
 <p:sld xmlns:a="http://schemas.openxmlformats.org/drawingml/2006/main" xmlns:r="http://schemas.openxmlformats.org/officeDocument/2006/relationships" xmlns:p="http://schemas.openxmlformats.org/presentationml/2006/main">
   <p:cSld>
@@ -7508,6 +7453,252 @@
         </p:spPr>
         <p:txBody>
           <a:bodyPr wrap="square" bIns="252000">
+            <a:normAutofit lnSpcReduction="10000"/>
+          </a:bodyPr>
+          <a:lstStyle/>
+          <a:p>
+            <a:pPr marL="457200" lvl="1" indent="0">
+              <a:buNone/>
+            </a:pPr>
+            <a:r>
+              <a:rPr lang="en-GB" sz="5100" dirty="0">
+                <a:solidFill>
+                  <a:srgbClr val="2196F3"/>
+                </a:solidFill>
+                <a:latin typeface="Segoe UI" panose="020B0502040204020203" pitchFamily="34" charset="0"/>
+                <a:cs typeface="Segoe UI" panose="020B0502040204020203" pitchFamily="34" charset="0"/>
+              </a:rPr>
+              <a:t>WP REST API + Web Components</a:t>
+            </a:r>
+          </a:p>
+          <a:p>
+            <a:pPr marL="457200" lvl="1" indent="0">
+              <a:buNone/>
+            </a:pPr>
+            <a:r>
+              <a:rPr lang="en-GB" sz="5100" dirty="0">
+                <a:solidFill>
+                  <a:srgbClr val="2196F3"/>
+                </a:solidFill>
+                <a:latin typeface="Segoe UI" panose="020B0502040204020203" pitchFamily="34" charset="0"/>
+                <a:cs typeface="Segoe UI" panose="020B0502040204020203" pitchFamily="34" charset="0"/>
+              </a:rPr>
+              <a:t>=&gt; 100% INTERNET</a:t>
+            </a:r>
+          </a:p>
+          <a:p>
+            <a:pPr marL="457200" lvl="1" indent="0">
+              <a:buNone/>
+            </a:pPr>
+            <a:endParaRPr lang="en-GB" sz="1050" dirty="0">
+              <a:solidFill>
+                <a:srgbClr val="2196F3"/>
+              </a:solidFill>
+              <a:latin typeface="Segoe UI" panose="020B0502040204020203" pitchFamily="34" charset="0"/>
+              <a:cs typeface="Segoe UI" panose="020B0502040204020203" pitchFamily="34" charset="0"/>
+            </a:endParaRPr>
+          </a:p>
+          <a:p>
+            <a:pPr lvl="1"/>
+            <a:r>
+              <a:rPr lang="en-GB" sz="2800" dirty="0">
+                <a:solidFill>
+                  <a:srgbClr val="2196F3"/>
+                </a:solidFill>
+                <a:latin typeface="Segoe UI" panose="020B0502040204020203" pitchFamily="34" charset="0"/>
+                <a:cs typeface="Segoe UI" panose="020B0502040204020203" pitchFamily="34" charset="0"/>
+              </a:rPr>
+              <a:t>Web Components are custom HTML elements/tags that we can create.</a:t>
+            </a:r>
+          </a:p>
+          <a:p>
+            <a:pPr lvl="1"/>
+            <a:r>
+              <a:rPr lang="en-GB" sz="2800" dirty="0">
+                <a:solidFill>
+                  <a:srgbClr val="2196F3"/>
+                </a:solidFill>
+                <a:latin typeface="Segoe UI" panose="020B0502040204020203" pitchFamily="34" charset="0"/>
+                <a:cs typeface="Segoe UI" panose="020B0502040204020203" pitchFamily="34" charset="0"/>
+              </a:rPr>
+              <a:t>We define a tag and associate with a JS Class.</a:t>
+            </a:r>
+          </a:p>
+          <a:p>
+            <a:pPr lvl="1"/>
+            <a:r>
+              <a:rPr lang="en-GB" sz="2800" dirty="0">
+                <a:solidFill>
+                  <a:srgbClr val="2196F3"/>
+                </a:solidFill>
+                <a:latin typeface="Segoe UI" panose="020B0502040204020203" pitchFamily="34" charset="0"/>
+                <a:cs typeface="Segoe UI" panose="020B0502040204020203" pitchFamily="34" charset="0"/>
+              </a:rPr>
+              <a:t>They are regular HTML so can be used wherever HTML is used and also be wired into JS Framework builds.</a:t>
+            </a:r>
+          </a:p>
+          <a:p>
+            <a:pPr lvl="1"/>
+            <a:r>
+              <a:rPr lang="en-GB" sz="2800" dirty="0">
+                <a:solidFill>
+                  <a:srgbClr val="2196F3"/>
+                </a:solidFill>
+                <a:latin typeface="Segoe UI" panose="020B0502040204020203" pitchFamily="34" charset="0"/>
+                <a:cs typeface="Segoe UI" panose="020B0502040204020203" pitchFamily="34" charset="0"/>
+              </a:rPr>
+              <a:t>The example of DECOUPLED WP is in fact built entirely with Web Components…let’s look at the source code…</a:t>
+            </a:r>
+          </a:p>
+          <a:p>
+            <a:pPr marL="457200" lvl="1" indent="0">
+              <a:buNone/>
+            </a:pPr>
+            <a:endParaRPr lang="en-GB" sz="6700" dirty="0">
+              <a:solidFill>
+                <a:srgbClr val="2196F3"/>
+              </a:solidFill>
+              <a:latin typeface="Segoe UI" panose="020B0502040204020203" pitchFamily="34" charset="0"/>
+              <a:cs typeface="Segoe UI" panose="020B0502040204020203" pitchFamily="34" charset="0"/>
+            </a:endParaRPr>
+          </a:p>
+          <a:p>
+            <a:pPr marL="457200" lvl="1" indent="0">
+              <a:buNone/>
+            </a:pPr>
+            <a:endParaRPr lang="en-GB" sz="6700" dirty="0">
+              <a:solidFill>
+                <a:srgbClr val="2196F3"/>
+              </a:solidFill>
+              <a:latin typeface="Segoe UI" panose="020B0502040204020203" pitchFamily="34" charset="0"/>
+              <a:cs typeface="Segoe UI" panose="020B0502040204020203" pitchFamily="34" charset="0"/>
+            </a:endParaRPr>
+          </a:p>
+          <a:p>
+            <a:pPr marL="457200" lvl="1" indent="0">
+              <a:buNone/>
+            </a:pPr>
+            <a:endParaRPr lang="en-GB" sz="6700" dirty="0">
+              <a:latin typeface="Segoe UI" panose="020B0502040204020203" pitchFamily="34" charset="0"/>
+              <a:cs typeface="Segoe UI" panose="020B0502040204020203" pitchFamily="34" charset="0"/>
+            </a:endParaRPr>
+          </a:p>
+          <a:p>
+            <a:pPr marL="0" indent="0">
+              <a:buNone/>
+            </a:pPr>
+            <a:endParaRPr lang="en-GB" dirty="0">
+              <a:latin typeface="Segoe UI" panose="020B0502040204020203" pitchFamily="34" charset="0"/>
+              <a:cs typeface="Segoe UI" panose="020B0502040204020203" pitchFamily="34" charset="0"/>
+            </a:endParaRPr>
+          </a:p>
+          <a:p>
+            <a:endParaRPr lang="en-GB" dirty="0">
+              <a:latin typeface="Segoe UI" panose="020B0502040204020203" pitchFamily="34" charset="0"/>
+              <a:cs typeface="Segoe UI" panose="020B0502040204020203" pitchFamily="34" charset="0"/>
+            </a:endParaRPr>
+          </a:p>
+        </p:txBody>
+      </p:sp>
+    </p:spTree>
+    <p:extLst>
+      <p:ext uri="{BB962C8B-B14F-4D97-AF65-F5344CB8AC3E}">
+        <p14:creationId xmlns:p14="http://schemas.microsoft.com/office/powerpoint/2010/main" val="16959895"/>
+      </p:ext>
+    </p:extLst>
+  </p:cSld>
+  <p:clrMapOvr>
+    <a:masterClrMapping/>
+  </p:clrMapOvr>
+</p:sld>
+</file>
+
+<file path=ppt/slides/slide17.xml><?xml version="1.0" encoding="utf-8"?>
+<p:sld xmlns:a="http://schemas.openxmlformats.org/drawingml/2006/main" xmlns:r="http://schemas.openxmlformats.org/officeDocument/2006/relationships" xmlns:p="http://schemas.openxmlformats.org/presentationml/2006/main">
+  <p:cSld>
+    <p:spTree>
+      <p:nvGrpSpPr>
+        <p:cNvPr id="1" name=""/>
+        <p:cNvGrpSpPr/>
+        <p:nvPr/>
+      </p:nvGrpSpPr>
+      <p:grpSpPr>
+        <a:xfrm>
+          <a:off x="0" y="0"/>
+          <a:ext cx="0" cy="0"/>
+          <a:chOff x="0" y="0"/>
+          <a:chExt cx="0" cy="0"/>
+        </a:xfrm>
+      </p:grpSpPr>
+      <p:sp>
+        <p:nvSpPr>
+          <p:cNvPr id="2" name="Title 1">
+            <a:extLst>
+              <a:ext uri="{FF2B5EF4-FFF2-40B4-BE49-F238E27FC236}">
+                <a16:creationId xmlns:a16="http://schemas.microsoft.com/office/drawing/2014/main" id="{5D7568B3-EC9A-45DD-8A17-CFE685194B65}"/>
+              </a:ext>
+            </a:extLst>
+          </p:cNvPr>
+          <p:cNvSpPr>
+            <a:spLocks noGrp="1"/>
+          </p:cNvSpPr>
+          <p:nvPr>
+            <p:ph type="title"/>
+          </p:nvPr>
+        </p:nvSpPr>
+        <p:spPr>
+          <a:xfrm>
+            <a:off x="838200" y="0"/>
+            <a:ext cx="10515600" cy="1325563"/>
+          </a:xfrm>
+          <a:solidFill>
+            <a:srgbClr val="2196F3"/>
+          </a:solidFill>
+        </p:spPr>
+        <p:txBody>
+          <a:bodyPr>
+            <a:normAutofit/>
+          </a:bodyPr>
+          <a:lstStyle/>
+          <a:p>
+            <a:pPr algn="ctr"/>
+            <a:r>
+              <a:rPr lang="en-GB" sz="6600" dirty="0">
+                <a:solidFill>
+                  <a:schemeClr val="bg1"/>
+                </a:solidFill>
+                <a:latin typeface="Segoe UI" panose="020B0502040204020203" pitchFamily="34" charset="0"/>
+                <a:cs typeface="Segoe UI" panose="020B0502040204020203" pitchFamily="34" charset="0"/>
+              </a:rPr>
+              <a:t>WP REST API &amp; AJAX</a:t>
+            </a:r>
+          </a:p>
+        </p:txBody>
+      </p:sp>
+      <p:sp>
+        <p:nvSpPr>
+          <p:cNvPr id="4" name="Content Placeholder 2">
+            <a:extLst>
+              <a:ext uri="{FF2B5EF4-FFF2-40B4-BE49-F238E27FC236}">
+                <a16:creationId xmlns:a16="http://schemas.microsoft.com/office/drawing/2014/main" id="{088CCB65-11B4-408B-9ED3-1304FE85032F}"/>
+              </a:ext>
+            </a:extLst>
+          </p:cNvPr>
+          <p:cNvSpPr>
+            <a:spLocks noGrp="1"/>
+          </p:cNvSpPr>
+          <p:nvPr>
+            <p:ph idx="1"/>
+          </p:nvPr>
+        </p:nvSpPr>
+        <p:spPr>
+          <a:xfrm>
+            <a:off x="838200" y="1431636"/>
+            <a:ext cx="10515600" cy="4742661"/>
+          </a:xfrm>
+        </p:spPr>
+        <p:txBody>
+          <a:bodyPr wrap="square" bIns="252000">
             <a:normAutofit/>
           </a:bodyPr>
           <a:lstStyle/>
@@ -7673,7 +7864,7 @@
 </p:sld>
 </file>
 
-<file path=ppt/slides/slide17.xml><?xml version="1.0" encoding="utf-8"?>
+<file path=ppt/slides/slide18.xml><?xml version="1.0" encoding="utf-8"?>
 <p:sld xmlns:a="http://schemas.openxmlformats.org/drawingml/2006/main" xmlns:r="http://schemas.openxmlformats.org/officeDocument/2006/relationships" xmlns:p="http://schemas.openxmlformats.org/presentationml/2006/main">
   <p:cSld>
     <p:spTree>

--- a/rest-api-workshop.pptx
+++ b/rest-api-workshop.pptx
@@ -9062,7 +9062,27 @@
                 <a:latin typeface="Segoe UI" panose="020B0502040204020203" pitchFamily="34" charset="0"/>
                 <a:cs typeface="Segoe UI" panose="020B0502040204020203" pitchFamily="34" charset="0"/>
               </a:rPr>
-              <a:t>Currently PWAs(offline/instant websites), Web Components, WP-HTML, Google AMP and Web Optimisation.</a:t>
+              <a:t>Currently PWAs(offline/instant websites), Web Components</a:t>
+            </a:r>
+            <a:r>
+              <a:rPr lang="en-GB" sz="2800">
+                <a:solidFill>
+                  <a:srgbClr val="2196F3"/>
+                </a:solidFill>
+                <a:latin typeface="Segoe UI" panose="020B0502040204020203" pitchFamily="34" charset="0"/>
+                <a:cs typeface="Segoe UI" panose="020B0502040204020203" pitchFamily="34" charset="0"/>
+              </a:rPr>
+              <a:t>, WP-HTML and </a:t>
+            </a:r>
+            <a:r>
+              <a:rPr lang="en-GB" sz="2800" dirty="0">
+                <a:solidFill>
+                  <a:srgbClr val="2196F3"/>
+                </a:solidFill>
+                <a:latin typeface="Segoe UI" panose="020B0502040204020203" pitchFamily="34" charset="0"/>
+                <a:cs typeface="Segoe UI" panose="020B0502040204020203" pitchFamily="34" charset="0"/>
+              </a:rPr>
+              <a:t>Web Optimisation.</a:t>
             </a:r>
           </a:p>
           <a:p>

--- a/rest-api-workshop.pptx
+++ b/rest-api-workshop.pptx
@@ -13,8 +13,8 @@
     <p:sldId id="296" r:id="rId4"/>
     <p:sldId id="303" r:id="rId5"/>
     <p:sldId id="294" r:id="rId6"/>
-    <p:sldId id="298" r:id="rId7"/>
-    <p:sldId id="299" r:id="rId8"/>
+    <p:sldId id="299" r:id="rId7"/>
+    <p:sldId id="298" r:id="rId8"/>
     <p:sldId id="297" r:id="rId9"/>
     <p:sldId id="300" r:id="rId10"/>
     <p:sldId id="302" r:id="rId11"/>
@@ -134,8 +134,8 @@
             <p14:sldId id="296"/>
             <p14:sldId id="303"/>
             <p14:sldId id="294"/>
+            <p14:sldId id="299"/>
             <p14:sldId id="298"/>
-            <p14:sldId id="299"/>
             <p14:sldId id="297"/>
             <p14:sldId id="300"/>
             <p14:sldId id="302"/>
@@ -259,7 +259,7 @@
           <a:p>
             <a:fld id="{70FE56F2-0B60-44FC-AC55-491897A4F355}" type="datetimeFigureOut">
               <a:rPr lang="en-GB" smtClean="0"/>
-              <a:t>25/05/2020</a:t>
+              <a:t>26/05/2020</a:t>
             </a:fld>
             <a:endParaRPr lang="en-GB"/>
           </a:p>
@@ -676,7 +676,7 @@
           <a:p>
             <a:fld id="{4D723AB6-704A-42C8-AB51-31B091223600}" type="datetimeFigureOut">
               <a:rPr lang="en-GB" smtClean="0"/>
-              <a:t>25/05/2020</a:t>
+              <a:t>26/05/2020</a:t>
             </a:fld>
             <a:endParaRPr lang="en-GB"/>
           </a:p>
@@ -876,7 +876,7 @@
           <a:p>
             <a:fld id="{4D723AB6-704A-42C8-AB51-31B091223600}" type="datetimeFigureOut">
               <a:rPr lang="en-GB" smtClean="0"/>
-              <a:t>25/05/2020</a:t>
+              <a:t>26/05/2020</a:t>
             </a:fld>
             <a:endParaRPr lang="en-GB"/>
           </a:p>
@@ -1086,7 +1086,7 @@
           <a:p>
             <a:fld id="{4D723AB6-704A-42C8-AB51-31B091223600}" type="datetimeFigureOut">
               <a:rPr lang="en-GB" smtClean="0"/>
-              <a:t>25/05/2020</a:t>
+              <a:t>26/05/2020</a:t>
             </a:fld>
             <a:endParaRPr lang="en-GB"/>
           </a:p>
@@ -1286,7 +1286,7 @@
           <a:p>
             <a:fld id="{4D723AB6-704A-42C8-AB51-31B091223600}" type="datetimeFigureOut">
               <a:rPr lang="en-GB" smtClean="0"/>
-              <a:t>25/05/2020</a:t>
+              <a:t>26/05/2020</a:t>
             </a:fld>
             <a:endParaRPr lang="en-GB"/>
           </a:p>
@@ -1562,7 +1562,7 @@
           <a:p>
             <a:fld id="{4D723AB6-704A-42C8-AB51-31B091223600}" type="datetimeFigureOut">
               <a:rPr lang="en-GB" smtClean="0"/>
-              <a:t>25/05/2020</a:t>
+              <a:t>26/05/2020</a:t>
             </a:fld>
             <a:endParaRPr lang="en-GB"/>
           </a:p>
@@ -1830,7 +1830,7 @@
           <a:p>
             <a:fld id="{4D723AB6-704A-42C8-AB51-31B091223600}" type="datetimeFigureOut">
               <a:rPr lang="en-GB" smtClean="0"/>
-              <a:t>25/05/2020</a:t>
+              <a:t>26/05/2020</a:t>
             </a:fld>
             <a:endParaRPr lang="en-GB"/>
           </a:p>
@@ -2245,7 +2245,7 @@
           <a:p>
             <a:fld id="{4D723AB6-704A-42C8-AB51-31B091223600}" type="datetimeFigureOut">
               <a:rPr lang="en-GB" smtClean="0"/>
-              <a:t>25/05/2020</a:t>
+              <a:t>26/05/2020</a:t>
             </a:fld>
             <a:endParaRPr lang="en-GB"/>
           </a:p>
@@ -2387,7 +2387,7 @@
           <a:p>
             <a:fld id="{4D723AB6-704A-42C8-AB51-31B091223600}" type="datetimeFigureOut">
               <a:rPr lang="en-GB" smtClean="0"/>
-              <a:t>25/05/2020</a:t>
+              <a:t>26/05/2020</a:t>
             </a:fld>
             <a:endParaRPr lang="en-GB"/>
           </a:p>
@@ -2500,7 +2500,7 @@
           <a:p>
             <a:fld id="{4D723AB6-704A-42C8-AB51-31B091223600}" type="datetimeFigureOut">
               <a:rPr lang="en-GB" smtClean="0"/>
-              <a:t>25/05/2020</a:t>
+              <a:t>26/05/2020</a:t>
             </a:fld>
             <a:endParaRPr lang="en-GB"/>
           </a:p>
@@ -2813,7 +2813,7 @@
           <a:p>
             <a:fld id="{4D723AB6-704A-42C8-AB51-31B091223600}" type="datetimeFigureOut">
               <a:rPr lang="en-GB" smtClean="0"/>
-              <a:t>25/05/2020</a:t>
+              <a:t>26/05/2020</a:t>
             </a:fld>
             <a:endParaRPr lang="en-GB"/>
           </a:p>
@@ -3102,7 +3102,7 @@
           <a:p>
             <a:fld id="{4D723AB6-704A-42C8-AB51-31B091223600}" type="datetimeFigureOut">
               <a:rPr lang="en-GB" smtClean="0"/>
-              <a:t>25/05/2020</a:t>
+              <a:t>26/05/2020</a:t>
             </a:fld>
             <a:endParaRPr lang="en-GB"/>
           </a:p>
@@ -3345,7 +3345,7 @@
           <a:p>
             <a:fld id="{4D723AB6-704A-42C8-AB51-31B091223600}" type="datetimeFigureOut">
               <a:rPr lang="en-GB" smtClean="0"/>
-              <a:t>25/05/2020</a:t>
+              <a:t>26/05/2020</a:t>
             </a:fld>
             <a:endParaRPr lang="en-GB"/>
           </a:p>
@@ -4999,7 +4999,7 @@
         </p:spPr>
         <p:txBody>
           <a:bodyPr wrap="square" bIns="252000">
-            <a:normAutofit/>
+            <a:normAutofit lnSpcReduction="10000"/>
           </a:bodyPr>
           <a:lstStyle/>
           <a:p>
@@ -5065,7 +5065,7 @@
                 <a:latin typeface="Segoe UI" panose="020B0502040204020203" pitchFamily="34" charset="0"/>
                 <a:cs typeface="Segoe UI" panose="020B0502040204020203" pitchFamily="34" charset="0"/>
               </a:rPr>
-              <a:t>HEADLESS means formatting preconfigured.</a:t>
+              <a:t>HEADLESS means formatting preconfigured in a ready made block for example.</a:t>
             </a:r>
           </a:p>
           <a:p>
@@ -5078,7 +5078,7 @@
                 <a:latin typeface="Segoe UI" panose="020B0502040204020203" pitchFamily="34" charset="0"/>
                 <a:cs typeface="Segoe UI" panose="020B0502040204020203" pitchFamily="34" charset="0"/>
               </a:rPr>
-              <a:t>DECOUPLED means data is sent and page formats data.</a:t>
+              <a:t>DECOUPLED means raw data is sent and page formats data.</a:t>
             </a:r>
           </a:p>
           <a:p>
@@ -7714,17 +7714,17 @@
                 <a:latin typeface="Segoe UI" panose="020B0502040204020203" pitchFamily="34" charset="0"/>
                 <a:cs typeface="Segoe UI" panose="020B0502040204020203" pitchFamily="34" charset="0"/>
               </a:rPr>
-              <a:t>What are the </a:t>
-            </a:r>
-            <a:r>
-              <a:rPr lang="en-GB" sz="5100" dirty="0" err="1">
+              <a:t>What are </a:t>
+            </a:r>
+            <a:r>
+              <a:rPr lang="en-GB" sz="5100">
                 <a:solidFill>
                   <a:srgbClr val="2196F3"/>
                 </a:solidFill>
                 <a:latin typeface="Segoe UI" panose="020B0502040204020203" pitchFamily="34" charset="0"/>
                 <a:cs typeface="Segoe UI" panose="020B0502040204020203" pitchFamily="34" charset="0"/>
               </a:rPr>
-              <a:t>impications</a:t>
+              <a:t>the implications</a:t>
             </a:r>
             <a:r>
               <a:rPr lang="en-GB" sz="5100" dirty="0">
@@ -9062,27 +9062,7 @@
                 <a:latin typeface="Segoe UI" panose="020B0502040204020203" pitchFamily="34" charset="0"/>
                 <a:cs typeface="Segoe UI" panose="020B0502040204020203" pitchFamily="34" charset="0"/>
               </a:rPr>
-              <a:t>Currently PWAs(offline/instant websites), Web Components</a:t>
-            </a:r>
-            <a:r>
-              <a:rPr lang="en-GB" sz="2800">
-                <a:solidFill>
-                  <a:srgbClr val="2196F3"/>
-                </a:solidFill>
-                <a:latin typeface="Segoe UI" panose="020B0502040204020203" pitchFamily="34" charset="0"/>
-                <a:cs typeface="Segoe UI" panose="020B0502040204020203" pitchFamily="34" charset="0"/>
-              </a:rPr>
-              <a:t>, WP-HTML and </a:t>
-            </a:r>
-            <a:r>
-              <a:rPr lang="en-GB" sz="2800" dirty="0">
-                <a:solidFill>
-                  <a:srgbClr val="2196F3"/>
-                </a:solidFill>
-                <a:latin typeface="Segoe UI" panose="020B0502040204020203" pitchFamily="34" charset="0"/>
-                <a:cs typeface="Segoe UI" panose="020B0502040204020203" pitchFamily="34" charset="0"/>
-              </a:rPr>
-              <a:t>Web Optimisation.</a:t>
+              <a:t>Currently PWAs(offline/instant websites), Web Components, WP-HTML and Web Optimisation.</a:t>
             </a:r>
           </a:p>
           <a:p>
@@ -9643,7 +9623,7 @@
                 <a:latin typeface="Segoe UI" panose="020B0502040204020203" pitchFamily="34" charset="0"/>
                 <a:cs typeface="Segoe UI" panose="020B0502040204020203" pitchFamily="34" charset="0"/>
               </a:rPr>
-              <a:t>OPTIONAL: DECOUPLED AUTHENTICATION</a:t>
+              <a:t>OPTIONAL: DECOUPLED WP</a:t>
             </a:r>
           </a:p>
           <a:p>
@@ -9795,7 +9775,7 @@
         </p:spPr>
         <p:txBody>
           <a:bodyPr wrap="square" bIns="252000">
-            <a:normAutofit/>
+            <a:normAutofit fontScale="92500" lnSpcReduction="10000"/>
           </a:bodyPr>
           <a:lstStyle/>
           <a:p>
@@ -9810,7 +9790,22 @@
                 <a:latin typeface="Segoe UI" panose="020B0502040204020203" pitchFamily="34" charset="0"/>
                 <a:cs typeface="Segoe UI" panose="020B0502040204020203" pitchFamily="34" charset="0"/>
               </a:rPr>
-              <a:t>API:</a:t>
+              <a:t>What is REST?</a:t>
+            </a:r>
+          </a:p>
+          <a:p>
+            <a:pPr marL="457200" lvl="1" indent="0">
+              <a:buNone/>
+            </a:pPr>
+            <a:r>
+              <a:rPr lang="en-GB" sz="3600" dirty="0">
+                <a:solidFill>
+                  <a:srgbClr val="2196F3"/>
+                </a:solidFill>
+                <a:latin typeface="Segoe UI" panose="020B0502040204020203" pitchFamily="34" charset="0"/>
+                <a:cs typeface="Segoe UI" panose="020B0502040204020203" pitchFamily="34" charset="0"/>
+              </a:rPr>
+              <a:t>Representational State Transfer</a:t>
             </a:r>
           </a:p>
           <a:p>
@@ -9830,14 +9825,14 @@
               <a:buNone/>
             </a:pPr>
             <a:r>
-              <a:rPr lang="en-GB" sz="4400" dirty="0">
+              <a:rPr lang="en-GB" sz="3600" dirty="0">
                 <a:solidFill>
                   <a:srgbClr val="2196F3"/>
                 </a:solidFill>
                 <a:latin typeface="Segoe UI" panose="020B0502040204020203" pitchFamily="34" charset="0"/>
                 <a:cs typeface="Segoe UI" panose="020B0502040204020203" pitchFamily="34" charset="0"/>
               </a:rPr>
-              <a:t>Application Programming Interface</a:t>
+              <a:t>This was formulated by Roy Fielding for his thesis in 2000 to create an alternative to the SOAP method.</a:t>
             </a:r>
           </a:p>
           <a:p>
@@ -9845,15 +9840,60 @@
               <a:buNone/>
             </a:pPr>
             <a:r>
-              <a:rPr lang="en-GB" sz="4400" dirty="0">
+              <a:rPr lang="en-GB" sz="3600" dirty="0">
                 <a:solidFill>
                   <a:srgbClr val="2196F3"/>
                 </a:solidFill>
                 <a:latin typeface="Segoe UI" panose="020B0502040204020203" pitchFamily="34" charset="0"/>
                 <a:cs typeface="Segoe UI" panose="020B0502040204020203" pitchFamily="34" charset="0"/>
               </a:rPr>
-              <a:t>‘one bit of software communicating with another’</a:t>
-            </a:r>
+              <a:t>An architectural style not a protocol.</a:t>
+            </a:r>
+          </a:p>
+          <a:p>
+            <a:pPr marL="457200" lvl="1" indent="0">
+              <a:buNone/>
+            </a:pPr>
+            <a:r>
+              <a:rPr lang="en-GB" sz="3600" dirty="0">
+                <a:solidFill>
+                  <a:srgbClr val="2196F3"/>
+                </a:solidFill>
+                <a:latin typeface="Segoe UI" panose="020B0502040204020203" pitchFamily="34" charset="0"/>
+                <a:cs typeface="Segoe UI" panose="020B0502040204020203" pitchFamily="34" charset="0"/>
+              </a:rPr>
+              <a:t>HTTP by its nature is implicitly RESTful.</a:t>
+            </a:r>
+          </a:p>
+          <a:p>
+            <a:pPr marL="457200" lvl="1" indent="0">
+              <a:buNone/>
+            </a:pPr>
+            <a:endParaRPr lang="en-GB" sz="3600" dirty="0">
+              <a:solidFill>
+                <a:srgbClr val="2196F3"/>
+              </a:solidFill>
+              <a:latin typeface="Segoe UI" panose="020B0502040204020203" pitchFamily="34" charset="0"/>
+              <a:cs typeface="Segoe UI" panose="020B0502040204020203" pitchFamily="34" charset="0"/>
+            </a:endParaRPr>
+          </a:p>
+          <a:p>
+            <a:pPr marL="457200" lvl="1" indent="0">
+              <a:buNone/>
+            </a:pPr>
+            <a:r>
+              <a:rPr lang="en-GB" dirty="0">
+                <a:hlinkClick r:id="rId2"/>
+              </a:rPr>
+              <a:t>https://www.ics.uci.edu/~fielding/pubs/dissertation/rest_arch_style.htm</a:t>
+            </a:r>
+            <a:endParaRPr lang="en-GB" dirty="0">
+              <a:solidFill>
+                <a:srgbClr val="2196F3"/>
+              </a:solidFill>
+              <a:latin typeface="Segoe UI" panose="020B0502040204020203" pitchFamily="34" charset="0"/>
+              <a:cs typeface="Segoe UI" panose="020B0502040204020203" pitchFamily="34" charset="0"/>
+            </a:endParaRPr>
           </a:p>
           <a:p>
             <a:pPr marL="457200" lvl="1" indent="0">
@@ -9908,7 +9948,7 @@
     </p:spTree>
     <p:extLst>
       <p:ext uri="{BB962C8B-B14F-4D97-AF65-F5344CB8AC3E}">
-        <p14:creationId xmlns:p14="http://schemas.microsoft.com/office/powerpoint/2010/main" val="2349120303"/>
+        <p14:creationId xmlns:p14="http://schemas.microsoft.com/office/powerpoint/2010/main" val="2017018934"/>
       </p:ext>
     </p:extLst>
   </p:cSld>
@@ -10004,7 +10044,7 @@
         </p:spPr>
         <p:txBody>
           <a:bodyPr wrap="square" bIns="252000">
-            <a:normAutofit lnSpcReduction="10000"/>
+            <a:normAutofit/>
           </a:bodyPr>
           <a:lstStyle/>
           <a:p>
@@ -10019,7 +10059,7 @@
                 <a:latin typeface="Segoe UI" panose="020B0502040204020203" pitchFamily="34" charset="0"/>
                 <a:cs typeface="Segoe UI" panose="020B0502040204020203" pitchFamily="34" charset="0"/>
               </a:rPr>
-              <a:t>What is REST?</a:t>
+              <a:t>API:</a:t>
             </a:r>
           </a:p>
           <a:p>
@@ -10039,14 +10079,14 @@
               <a:buNone/>
             </a:pPr>
             <a:r>
-              <a:rPr lang="en-GB" sz="3600" dirty="0">
+              <a:rPr lang="en-GB" sz="4400" dirty="0">
                 <a:solidFill>
                   <a:srgbClr val="2196F3"/>
                 </a:solidFill>
                 <a:latin typeface="Segoe UI" panose="020B0502040204020203" pitchFamily="34" charset="0"/>
                 <a:cs typeface="Segoe UI" panose="020B0502040204020203" pitchFamily="34" charset="0"/>
               </a:rPr>
-              <a:t>This was formulated by Roy Fielding for his thesis in 2000 to create an alternative to the SOAP method.</a:t>
+              <a:t>Application Programming Interface</a:t>
             </a:r>
           </a:p>
           <a:p>
@@ -10054,60 +10094,15 @@
               <a:buNone/>
             </a:pPr>
             <a:r>
-              <a:rPr lang="en-GB" sz="3600" dirty="0">
+              <a:rPr lang="en-GB" sz="4400" dirty="0">
                 <a:solidFill>
                   <a:srgbClr val="2196F3"/>
                 </a:solidFill>
                 <a:latin typeface="Segoe UI" panose="020B0502040204020203" pitchFamily="34" charset="0"/>
                 <a:cs typeface="Segoe UI" panose="020B0502040204020203" pitchFamily="34" charset="0"/>
               </a:rPr>
-              <a:t>An architectural style not a protocol.</a:t>
-            </a:r>
-          </a:p>
-          <a:p>
-            <a:pPr marL="457200" lvl="1" indent="0">
-              <a:buNone/>
-            </a:pPr>
-            <a:r>
-              <a:rPr lang="en-GB" sz="3600" dirty="0">
-                <a:solidFill>
-                  <a:srgbClr val="2196F3"/>
-                </a:solidFill>
-                <a:latin typeface="Segoe UI" panose="020B0502040204020203" pitchFamily="34" charset="0"/>
-                <a:cs typeface="Segoe UI" panose="020B0502040204020203" pitchFamily="34" charset="0"/>
-              </a:rPr>
-              <a:t>HTTP by its nature is implicitly RESTful.</a:t>
-            </a:r>
-          </a:p>
-          <a:p>
-            <a:pPr marL="457200" lvl="1" indent="0">
-              <a:buNone/>
-            </a:pPr>
-            <a:endParaRPr lang="en-GB" sz="3600" dirty="0">
-              <a:solidFill>
-                <a:srgbClr val="2196F3"/>
-              </a:solidFill>
-              <a:latin typeface="Segoe UI" panose="020B0502040204020203" pitchFamily="34" charset="0"/>
-              <a:cs typeface="Segoe UI" panose="020B0502040204020203" pitchFamily="34" charset="0"/>
-            </a:endParaRPr>
-          </a:p>
-          <a:p>
-            <a:pPr marL="457200" lvl="1" indent="0">
-              <a:buNone/>
-            </a:pPr>
-            <a:r>
-              <a:rPr lang="en-GB" dirty="0">
-                <a:hlinkClick r:id="rId2"/>
-              </a:rPr>
-              <a:t>https://www.ics.uci.edu/~fielding/pubs/dissertation/rest_arch_style.htm</a:t>
-            </a:r>
-            <a:endParaRPr lang="en-GB" dirty="0">
-              <a:solidFill>
-                <a:srgbClr val="2196F3"/>
-              </a:solidFill>
-              <a:latin typeface="Segoe UI" panose="020B0502040204020203" pitchFamily="34" charset="0"/>
-              <a:cs typeface="Segoe UI" panose="020B0502040204020203" pitchFamily="34" charset="0"/>
-            </a:endParaRPr>
+              <a:t>‘one bit of software communicating with another’</a:t>
+            </a:r>
           </a:p>
           <a:p>
             <a:pPr marL="457200" lvl="1" indent="0">
@@ -10162,7 +10157,7 @@
     </p:spTree>
     <p:extLst>
       <p:ext uri="{BB962C8B-B14F-4D97-AF65-F5344CB8AC3E}">
-        <p14:creationId xmlns:p14="http://schemas.microsoft.com/office/powerpoint/2010/main" val="2017018934"/>
+        <p14:creationId xmlns:p14="http://schemas.microsoft.com/office/powerpoint/2010/main" val="2349120303"/>
       </p:ext>
     </p:extLst>
   </p:cSld>

--- a/rest-api-workshop.pptx
+++ b/rest-api-workshop.pptx
@@ -5,7 +5,7 @@
     <p:sldMasterId id="2147483648" r:id="rId1"/>
   </p:sldMasterIdLst>
   <p:notesMasterIdLst>
-    <p:notesMasterId r:id="rId20"/>
+    <p:notesMasterId r:id="rId21"/>
   </p:notesMasterIdLst>
   <p:sldIdLst>
     <p:sldId id="264" r:id="rId2"/>
@@ -13,19 +13,20 @@
     <p:sldId id="296" r:id="rId4"/>
     <p:sldId id="303" r:id="rId5"/>
     <p:sldId id="294" r:id="rId6"/>
-    <p:sldId id="299" r:id="rId7"/>
-    <p:sldId id="298" r:id="rId8"/>
-    <p:sldId id="297" r:id="rId9"/>
-    <p:sldId id="300" r:id="rId10"/>
-    <p:sldId id="302" r:id="rId11"/>
-    <p:sldId id="315" r:id="rId12"/>
-    <p:sldId id="316" r:id="rId13"/>
-    <p:sldId id="305" r:id="rId14"/>
-    <p:sldId id="313" r:id="rId15"/>
-    <p:sldId id="314" r:id="rId16"/>
-    <p:sldId id="309" r:id="rId17"/>
-    <p:sldId id="310" r:id="rId18"/>
-    <p:sldId id="311" r:id="rId19"/>
+    <p:sldId id="317" r:id="rId7"/>
+    <p:sldId id="299" r:id="rId8"/>
+    <p:sldId id="298" r:id="rId9"/>
+    <p:sldId id="297" r:id="rId10"/>
+    <p:sldId id="300" r:id="rId11"/>
+    <p:sldId id="302" r:id="rId12"/>
+    <p:sldId id="315" r:id="rId13"/>
+    <p:sldId id="316" r:id="rId14"/>
+    <p:sldId id="305" r:id="rId15"/>
+    <p:sldId id="313" r:id="rId16"/>
+    <p:sldId id="314" r:id="rId17"/>
+    <p:sldId id="309" r:id="rId18"/>
+    <p:sldId id="310" r:id="rId19"/>
+    <p:sldId id="311" r:id="rId20"/>
   </p:sldIdLst>
   <p:sldSz cx="12192000" cy="6858000"/>
   <p:notesSz cx="6858000" cy="9144000"/>
@@ -134,6 +135,7 @@
             <p14:sldId id="296"/>
             <p14:sldId id="303"/>
             <p14:sldId id="294"/>
+            <p14:sldId id="317"/>
             <p14:sldId id="299"/>
             <p14:sldId id="298"/>
             <p14:sldId id="297"/>
@@ -4255,13 +4257,13 @@
         </p:nvSpPr>
         <p:spPr>
           <a:xfrm>
-            <a:off x="838200" y="1394692"/>
-            <a:ext cx="10515600" cy="4779606"/>
+            <a:off x="838200" y="1325563"/>
+            <a:ext cx="10515600" cy="4399007"/>
           </a:xfrm>
         </p:spPr>
         <p:txBody>
           <a:bodyPr wrap="square" bIns="252000">
-            <a:normAutofit fontScale="92500" lnSpcReduction="10000"/>
+            <a:normAutofit lnSpcReduction="10000"/>
           </a:bodyPr>
           <a:lstStyle/>
           <a:p>
@@ -4269,153 +4271,110 @@
               <a:buNone/>
             </a:pPr>
             <a:r>
-              <a:rPr lang="en-GB" sz="4000" dirty="0">
+              <a:rPr lang="en-GB" sz="5100" dirty="0">
                 <a:solidFill>
                   <a:srgbClr val="2196F3"/>
                 </a:solidFill>
-              </a:rPr>
-              <a:t>Think of JSON data as an associative array</a:t>
+                <a:latin typeface="Segoe UI" panose="020B0502040204020203" pitchFamily="34" charset="0"/>
+                <a:cs typeface="Segoe UI" panose="020B0502040204020203" pitchFamily="34" charset="0"/>
+              </a:rPr>
+              <a:t>AJAX:</a:t>
             </a:r>
           </a:p>
           <a:p>
             <a:pPr marL="457200" lvl="1" indent="0">
               <a:buNone/>
             </a:pPr>
-            <a:r>
-              <a:rPr lang="en-GB" sz="3500" dirty="0" err="1">
-                <a:solidFill>
-                  <a:srgbClr val="2196F3"/>
-                </a:solidFill>
-              </a:rPr>
-              <a:t>json_encode</a:t>
-            </a:r>
-            <a:r>
-              <a:rPr lang="en-GB" sz="3500" dirty="0">
-                <a:solidFill>
-                  <a:srgbClr val="2196F3"/>
-                </a:solidFill>
-              </a:rPr>
-              <a:t>([php associative array]) gives JSON</a:t>
-            </a:r>
-          </a:p>
-          <a:p>
-            <a:pPr marL="457200" lvl="1" indent="0">
-              <a:buNone/>
-            </a:pPr>
-            <a:r>
-              <a:rPr lang="en-GB" sz="3500" dirty="0" err="1">
-                <a:solidFill>
-                  <a:srgbClr val="2196F3"/>
-                </a:solidFill>
-              </a:rPr>
-              <a:t>json_decode</a:t>
-            </a:r>
-            <a:r>
-              <a:rPr lang="en-GB" sz="3500" dirty="0">
-                <a:solidFill>
-                  <a:srgbClr val="2196F3"/>
-                </a:solidFill>
-              </a:rPr>
-              <a:t> (JSON) gives an </a:t>
-            </a:r>
-            <a:r>
-              <a:rPr lang="en-GB" sz="3500" dirty="0" err="1">
-                <a:solidFill>
-                  <a:srgbClr val="2196F3"/>
-                </a:solidFill>
-              </a:rPr>
-              <a:t>assoc</a:t>
-            </a:r>
-            <a:r>
-              <a:rPr lang="en-GB" sz="3500" dirty="0">
-                <a:solidFill>
-                  <a:srgbClr val="2196F3"/>
-                </a:solidFill>
-              </a:rPr>
-              <a:t> array</a:t>
-            </a:r>
-          </a:p>
-          <a:p>
-            <a:pPr marL="457200" lvl="1" indent="0">
-              <a:buNone/>
-            </a:pPr>
-            <a:endParaRPr lang="en-GB" sz="1000" dirty="0">
+            <a:endParaRPr lang="en-GB" sz="800" dirty="0">
               <a:solidFill>
                 <a:srgbClr val="2196F3"/>
               </a:solidFill>
-            </a:endParaRPr>
-          </a:p>
-          <a:p>
-            <a:pPr lvl="1"/>
-            <a:r>
-              <a:rPr lang="en-GB" sz="2800" dirty="0">
+              <a:latin typeface="Segoe UI" panose="020B0502040204020203" pitchFamily="34" charset="0"/>
+              <a:cs typeface="Segoe UI" panose="020B0502040204020203" pitchFamily="34" charset="0"/>
+            </a:endParaRPr>
+          </a:p>
+          <a:p>
+            <a:pPr marL="457200" lvl="1" indent="0">
+              <a:buNone/>
+            </a:pPr>
+            <a:r>
+              <a:rPr lang="en-GB" sz="3200" dirty="0">
                 <a:solidFill>
                   <a:srgbClr val="2196F3"/>
                 </a:solidFill>
               </a:rPr>
-              <a:t>Strings</a:t>
-            </a:r>
-          </a:p>
-          <a:p>
-            <a:pPr lvl="1"/>
-            <a:r>
-              <a:rPr lang="en-GB" sz="2800" dirty="0">
+              <a:t>AJAX = </a:t>
+            </a:r>
+            <a:r>
+              <a:rPr lang="en-GB" sz="3200" b="1" dirty="0">
                 <a:solidFill>
                   <a:srgbClr val="2196F3"/>
                 </a:solidFill>
               </a:rPr>
-              <a:t>Booleans</a:t>
-            </a:r>
-          </a:p>
-          <a:p>
-            <a:pPr lvl="1"/>
-            <a:r>
-              <a:rPr lang="en-GB" sz="2800" dirty="0">
+              <a:t>A</a:t>
+            </a:r>
+            <a:r>
+              <a:rPr lang="en-GB" sz="3200" dirty="0">
                 <a:solidFill>
                   <a:srgbClr val="2196F3"/>
                 </a:solidFill>
               </a:rPr>
-              <a:t>Numbers</a:t>
-            </a:r>
-          </a:p>
-          <a:p>
-            <a:pPr lvl="1"/>
-            <a:r>
-              <a:rPr lang="en-GB" sz="2800" dirty="0">
+              <a:t>synchronous </a:t>
+            </a:r>
+            <a:r>
+              <a:rPr lang="en-GB" sz="3200" b="1" dirty="0">
                 <a:solidFill>
                   <a:srgbClr val="2196F3"/>
                 </a:solidFill>
               </a:rPr>
-              <a:t>Null</a:t>
-            </a:r>
-          </a:p>
-          <a:p>
-            <a:pPr lvl="1"/>
-            <a:r>
-              <a:rPr lang="en-GB" sz="2800" dirty="0">
+              <a:t>J</a:t>
+            </a:r>
+            <a:r>
+              <a:rPr lang="en-GB" sz="3200" dirty="0">
                 <a:solidFill>
                   <a:srgbClr val="2196F3"/>
                 </a:solidFill>
               </a:rPr>
-              <a:t>Object</a:t>
-            </a:r>
-          </a:p>
-          <a:p>
-            <a:pPr lvl="1"/>
-            <a:r>
-              <a:rPr lang="en-GB" sz="2800" dirty="0">
+              <a:t>avaScript </a:t>
+            </a:r>
+            <a:r>
+              <a:rPr lang="en-GB" sz="3200" b="1" dirty="0">
                 <a:solidFill>
                   <a:srgbClr val="2196F3"/>
                 </a:solidFill>
               </a:rPr>
-              <a:t>Array</a:t>
+              <a:t>A</a:t>
+            </a:r>
+            <a:r>
+              <a:rPr lang="en-GB" sz="3200" dirty="0">
+                <a:solidFill>
+                  <a:srgbClr val="2196F3"/>
+                </a:solidFill>
+              </a:rPr>
+              <a:t>nd </a:t>
+            </a:r>
+            <a:r>
+              <a:rPr lang="en-GB" sz="3200" b="1" dirty="0">
+                <a:solidFill>
+                  <a:srgbClr val="2196F3"/>
+                </a:solidFill>
+              </a:rPr>
+              <a:t>X</a:t>
+            </a:r>
+            <a:r>
+              <a:rPr lang="en-GB" sz="3200" dirty="0">
+                <a:solidFill>
+                  <a:srgbClr val="2196F3"/>
+                </a:solidFill>
+              </a:rPr>
+              <a:t>ML.</a:t>
             </a:r>
           </a:p>
           <a:p>
             <a:pPr marL="457200" lvl="1" indent="0">
               <a:buNone/>
             </a:pPr>
-            <a:endParaRPr lang="en-GB" sz="1200" dirty="0">
+            <a:endParaRPr lang="en-GB" sz="1800" dirty="0">
               <a:solidFill>
                 <a:srgbClr val="2196F3"/>
               </a:solidFill>
@@ -4424,31 +4383,83 @@
             </a:endParaRPr>
           </a:p>
           <a:p>
-            <a:pPr marL="457200" lvl="1" indent="0">
-              <a:buNone/>
-            </a:pPr>
-            <a:r>
-              <a:rPr lang="en-GB" sz="2800" dirty="0">
+            <a:pPr lvl="1"/>
+            <a:r>
+              <a:rPr lang="en-GB" sz="3200" dirty="0">
                 <a:solidFill>
                   <a:srgbClr val="2196F3"/>
                 </a:solidFill>
-                <a:hlinkClick r:id="rId2">
-                  <a:extLst>
-                    <a:ext uri="{A12FA001-AC4F-418D-AE19-62706E023703}">
-                      <ahyp:hlinkClr xmlns:ahyp="http://schemas.microsoft.com/office/drawing/2018/hyperlinkcolor" val="tx"/>
-                    </a:ext>
-                  </a:extLst>
-                </a:hlinkClick>
-              </a:rPr>
-              <a:t>https://wpjs.co.uk/wpb/wp-json/wp/v2/posts</a:t>
-            </a:r>
-            <a:endParaRPr lang="en-GB" sz="2800" dirty="0">
-              <a:solidFill>
-                <a:srgbClr val="2196F3"/>
-              </a:solidFill>
-              <a:latin typeface="Segoe UI" panose="020B0502040204020203" pitchFamily="34" charset="0"/>
-              <a:cs typeface="Segoe UI" panose="020B0502040204020203" pitchFamily="34" charset="0"/>
-            </a:endParaRPr>
+              </a:rPr>
+              <a:t>Read data from a web server </a:t>
+            </a:r>
+            <a:r>
+              <a:rPr lang="en-GB" sz="3200" i="1" dirty="0">
+                <a:solidFill>
+                  <a:srgbClr val="2196F3"/>
+                </a:solidFill>
+              </a:rPr>
+              <a:t>without reloading the page</a:t>
+            </a:r>
+          </a:p>
+          <a:p>
+            <a:pPr lvl="1"/>
+            <a:r>
+              <a:rPr lang="en-GB" sz="3200" dirty="0">
+                <a:solidFill>
+                  <a:srgbClr val="2196F3"/>
+                </a:solidFill>
+              </a:rPr>
+              <a:t>Update a web page</a:t>
+            </a:r>
+          </a:p>
+          <a:p>
+            <a:pPr lvl="1"/>
+            <a:r>
+              <a:rPr lang="en-GB" sz="3200" dirty="0">
+                <a:solidFill>
+                  <a:srgbClr val="2196F3"/>
+                </a:solidFill>
+              </a:rPr>
+              <a:t>Send data to a web server - in the background</a:t>
+            </a:r>
+          </a:p>
+          <a:p>
+            <a:pPr lvl="1"/>
+            <a:r>
+              <a:rPr lang="en-GB" sz="3200" dirty="0">
+                <a:solidFill>
+                  <a:srgbClr val="2196F3"/>
+                </a:solidFill>
+              </a:rPr>
+              <a:t>Many libraries like jQuery, </a:t>
+            </a:r>
+            <a:r>
+              <a:rPr lang="en-GB" sz="3200" dirty="0" err="1">
+                <a:solidFill>
+                  <a:srgbClr val="2196F3"/>
+                </a:solidFill>
+              </a:rPr>
+              <a:t>Axios</a:t>
+            </a:r>
+            <a:r>
+              <a:rPr lang="en-GB" sz="3200" dirty="0">
+                <a:solidFill>
+                  <a:srgbClr val="2196F3"/>
+                </a:solidFill>
+              </a:rPr>
+              <a:t> etc</a:t>
+            </a:r>
+          </a:p>
+          <a:p>
+            <a:pPr lvl="1"/>
+            <a:r>
+              <a:rPr lang="en-GB" sz="3200" dirty="0">
+                <a:solidFill>
+                  <a:srgbClr val="2196F3"/>
+                </a:solidFill>
+              </a:rPr>
+              <a:t>I use browser API: fetch()</a:t>
+            </a:r>
           </a:p>
           <a:p>
             <a:pPr marL="457200" lvl="1" indent="0">
@@ -4467,6 +4478,18 @@
               <a:buNone/>
             </a:pPr>
             <a:endParaRPr lang="en-GB" sz="6700" dirty="0">
+              <a:solidFill>
+                <a:srgbClr val="2196F3"/>
+              </a:solidFill>
+              <a:latin typeface="Segoe UI" panose="020B0502040204020203" pitchFamily="34" charset="0"/>
+              <a:cs typeface="Segoe UI" panose="020B0502040204020203" pitchFamily="34" charset="0"/>
+            </a:endParaRPr>
+          </a:p>
+          <a:p>
+            <a:pPr marL="457200" lvl="1" indent="0">
+              <a:buNone/>
+            </a:pPr>
+            <a:endParaRPr lang="en-GB" sz="6700" dirty="0">
               <a:latin typeface="Segoe UI" panose="020B0502040204020203" pitchFamily="34" charset="0"/>
               <a:cs typeface="Segoe UI" panose="020B0502040204020203" pitchFamily="34" charset="0"/>
             </a:endParaRPr>
@@ -4491,7 +4514,7 @@
     </p:spTree>
     <p:extLst>
       <p:ext uri="{BB962C8B-B14F-4D97-AF65-F5344CB8AC3E}">
-        <p14:creationId xmlns:p14="http://schemas.microsoft.com/office/powerpoint/2010/main" val="3496796182"/>
+        <p14:creationId xmlns:p14="http://schemas.microsoft.com/office/powerpoint/2010/main" val="3133069735"/>
       </p:ext>
     </p:extLst>
   </p:cSld>
@@ -4581,108 +4604,211 @@
         </p:nvSpPr>
         <p:spPr>
           <a:xfrm>
-            <a:off x="838200" y="1325563"/>
-            <a:ext cx="10515600" cy="4848735"/>
+            <a:off x="838200" y="1394692"/>
+            <a:ext cx="10515600" cy="4779606"/>
           </a:xfrm>
         </p:spPr>
         <p:txBody>
           <a:bodyPr wrap="square" bIns="252000">
-            <a:normAutofit/>
+            <a:normAutofit fontScale="92500" lnSpcReduction="10000"/>
           </a:bodyPr>
           <a:lstStyle/>
           <a:p>
             <a:pPr marL="457200" lvl="1" indent="0">
               <a:buNone/>
             </a:pPr>
+            <a:r>
+              <a:rPr lang="en-GB" sz="4000" dirty="0">
+                <a:solidFill>
+                  <a:srgbClr val="2196F3"/>
+                </a:solidFill>
+              </a:rPr>
+              <a:t>Think of JSON data as an associative array</a:t>
+            </a:r>
+          </a:p>
+          <a:p>
+            <a:pPr marL="457200" lvl="1" indent="0">
+              <a:buNone/>
+            </a:pPr>
+            <a:r>
+              <a:rPr lang="en-GB" sz="3500" dirty="0" err="1">
+                <a:solidFill>
+                  <a:srgbClr val="2196F3"/>
+                </a:solidFill>
+              </a:rPr>
+              <a:t>json_encode</a:t>
+            </a:r>
+            <a:r>
+              <a:rPr lang="en-GB" sz="3500" dirty="0">
+                <a:solidFill>
+                  <a:srgbClr val="2196F3"/>
+                </a:solidFill>
+              </a:rPr>
+              <a:t>([php associative array]) gives JSON</a:t>
+            </a:r>
+          </a:p>
+          <a:p>
+            <a:pPr marL="457200" lvl="1" indent="0">
+              <a:buNone/>
+            </a:pPr>
+            <a:r>
+              <a:rPr lang="en-GB" sz="3500" dirty="0" err="1">
+                <a:solidFill>
+                  <a:srgbClr val="2196F3"/>
+                </a:solidFill>
+              </a:rPr>
+              <a:t>json_decode</a:t>
+            </a:r>
+            <a:r>
+              <a:rPr lang="en-GB" sz="3500" dirty="0">
+                <a:solidFill>
+                  <a:srgbClr val="2196F3"/>
+                </a:solidFill>
+              </a:rPr>
+              <a:t> (JSON) gives an </a:t>
+            </a:r>
+            <a:r>
+              <a:rPr lang="en-GB" sz="3500" dirty="0" err="1">
+                <a:solidFill>
+                  <a:srgbClr val="2196F3"/>
+                </a:solidFill>
+              </a:rPr>
+              <a:t>assoc</a:t>
+            </a:r>
+            <a:r>
+              <a:rPr lang="en-GB" sz="3500" dirty="0">
+                <a:solidFill>
+                  <a:srgbClr val="2196F3"/>
+                </a:solidFill>
+              </a:rPr>
+              <a:t> array</a:t>
+            </a:r>
+          </a:p>
+          <a:p>
+            <a:pPr marL="457200" lvl="1" indent="0">
+              <a:buNone/>
+            </a:pPr>
+            <a:endParaRPr lang="en-GB" sz="1000" dirty="0">
+              <a:solidFill>
+                <a:srgbClr val="2196F3"/>
+              </a:solidFill>
+            </a:endParaRPr>
+          </a:p>
+          <a:p>
+            <a:pPr lvl="1"/>
+            <a:r>
+              <a:rPr lang="en-GB" sz="2800" dirty="0">
+                <a:solidFill>
+                  <a:srgbClr val="2196F3"/>
+                </a:solidFill>
+              </a:rPr>
+              <a:t>Strings</a:t>
+            </a:r>
+          </a:p>
+          <a:p>
+            <a:pPr lvl="1"/>
+            <a:r>
+              <a:rPr lang="en-GB" sz="2800" dirty="0">
+                <a:solidFill>
+                  <a:srgbClr val="2196F3"/>
+                </a:solidFill>
+              </a:rPr>
+              <a:t>Booleans</a:t>
+            </a:r>
+          </a:p>
+          <a:p>
+            <a:pPr lvl="1"/>
+            <a:r>
+              <a:rPr lang="en-GB" sz="2800" dirty="0">
+                <a:solidFill>
+                  <a:srgbClr val="2196F3"/>
+                </a:solidFill>
+              </a:rPr>
+              <a:t>Numbers</a:t>
+            </a:r>
+          </a:p>
+          <a:p>
+            <a:pPr lvl="1"/>
+            <a:r>
+              <a:rPr lang="en-GB" sz="2800" dirty="0">
+                <a:solidFill>
+                  <a:srgbClr val="2196F3"/>
+                </a:solidFill>
+              </a:rPr>
+              <a:t>Null</a:t>
+            </a:r>
+          </a:p>
+          <a:p>
+            <a:pPr lvl="1"/>
+            <a:r>
+              <a:rPr lang="en-GB" sz="2800" dirty="0">
+                <a:solidFill>
+                  <a:srgbClr val="2196F3"/>
+                </a:solidFill>
+              </a:rPr>
+              <a:t>Object</a:t>
+            </a:r>
+          </a:p>
+          <a:p>
+            <a:pPr lvl="1"/>
+            <a:r>
+              <a:rPr lang="en-GB" sz="2800" dirty="0">
+                <a:solidFill>
+                  <a:srgbClr val="2196F3"/>
+                </a:solidFill>
+              </a:rPr>
+              <a:t>Array</a:t>
+            </a:r>
+          </a:p>
+          <a:p>
+            <a:pPr marL="457200" lvl="1" indent="0">
+              <a:buNone/>
+            </a:pPr>
+            <a:endParaRPr lang="en-GB" sz="1200" dirty="0">
+              <a:solidFill>
+                <a:srgbClr val="2196F3"/>
+              </a:solidFill>
+              <a:latin typeface="Segoe UI" panose="020B0502040204020203" pitchFamily="34" charset="0"/>
+              <a:cs typeface="Segoe UI" panose="020B0502040204020203" pitchFamily="34" charset="0"/>
+            </a:endParaRPr>
+          </a:p>
+          <a:p>
+            <a:pPr marL="457200" lvl="1" indent="0">
+              <a:buNone/>
+            </a:pPr>
+            <a:r>
+              <a:rPr lang="en-GB" sz="2800" dirty="0">
+                <a:solidFill>
+                  <a:srgbClr val="2196F3"/>
+                </a:solidFill>
+                <a:hlinkClick r:id="rId2">
+                  <a:extLst>
+                    <a:ext uri="{A12FA001-AC4F-418D-AE19-62706E023703}">
+                      <ahyp:hlinkClr xmlns:ahyp="http://schemas.microsoft.com/office/drawing/2018/hyperlinkcolor" val="tx"/>
+                    </a:ext>
+                  </a:extLst>
+                </a:hlinkClick>
+              </a:rPr>
+              <a:t>https://wpjs.co.uk/wpb/wp-json/wp/v2/posts</a:t>
+            </a:r>
             <a:endParaRPr lang="en-GB" sz="2800" dirty="0">
               <a:solidFill>
                 <a:srgbClr val="2196F3"/>
               </a:solidFill>
+              <a:latin typeface="Segoe UI" panose="020B0502040204020203" pitchFamily="34" charset="0"/>
+              <a:cs typeface="Segoe UI" panose="020B0502040204020203" pitchFamily="34" charset="0"/>
             </a:endParaRPr>
           </a:p>
           <a:p>
             <a:pPr marL="457200" lvl="1" indent="0">
               <a:buNone/>
             </a:pPr>
-            <a:r>
-              <a:rPr lang="en-GB" sz="4400" dirty="0">
-                <a:solidFill>
-                  <a:srgbClr val="2196F3"/>
-                </a:solidFill>
-              </a:rPr>
-              <a:t>WordPress Hooks</a:t>
-            </a:r>
-          </a:p>
-          <a:p>
-            <a:pPr marL="457200" lvl="1" indent="0">
-              <a:buNone/>
-            </a:pPr>
-            <a:endParaRPr lang="en-GB" sz="3600" dirty="0">
+            <a:endParaRPr lang="en-GB" sz="6700" dirty="0">
               <a:solidFill>
                 <a:srgbClr val="2196F3"/>
               </a:solidFill>
-            </a:endParaRPr>
-          </a:p>
-          <a:p>
-            <a:pPr marL="457200" lvl="1" indent="0">
-              <a:buNone/>
-            </a:pPr>
-            <a:r>
-              <a:rPr lang="en-GB" sz="3200" dirty="0">
-                <a:solidFill>
-                  <a:srgbClr val="2196F3"/>
-                </a:solidFill>
-              </a:rPr>
-              <a:t>Hooks are a way for one piece of code to interact/modify another piece of code at specific, pre-defined spots. </a:t>
-            </a:r>
-          </a:p>
-          <a:p>
-            <a:pPr marL="457200" lvl="1" indent="0">
-              <a:buNone/>
-            </a:pPr>
-            <a:r>
-              <a:rPr lang="en-GB" sz="3200" dirty="0">
-                <a:solidFill>
-                  <a:srgbClr val="2196F3"/>
-                </a:solidFill>
-              </a:rPr>
-              <a:t>We can add our own endpoints using the '</a:t>
-            </a:r>
-            <a:r>
-              <a:rPr lang="en-GB" sz="3200" dirty="0" err="1">
-                <a:solidFill>
-                  <a:srgbClr val="2196F3"/>
-                </a:solidFill>
-              </a:rPr>
-              <a:t>rest_api_init</a:t>
-            </a:r>
-            <a:r>
-              <a:rPr lang="en-GB" sz="3200" dirty="0">
-                <a:solidFill>
-                  <a:srgbClr val="2196F3"/>
-                </a:solidFill>
-              </a:rPr>
-              <a:t>’ hook.</a:t>
-            </a:r>
-          </a:p>
-          <a:p>
-            <a:pPr marL="457200" lvl="1" indent="0">
-              <a:buNone/>
-            </a:pPr>
-            <a:endParaRPr lang="en-GB" sz="3200" dirty="0">
-              <a:solidFill>
-                <a:srgbClr val="2196F3"/>
-              </a:solidFill>
-            </a:endParaRPr>
-          </a:p>
-          <a:p>
-            <a:pPr marL="457200" lvl="1" indent="0">
-              <a:buNone/>
-            </a:pPr>
-            <a:endParaRPr lang="en-GB" sz="2600" dirty="0">
-              <a:solidFill>
-                <a:srgbClr val="2196F3"/>
-              </a:solidFill>
+              <a:latin typeface="Segoe UI" panose="020B0502040204020203" pitchFamily="34" charset="0"/>
+              <a:cs typeface="Segoe UI" panose="020B0502040204020203" pitchFamily="34" charset="0"/>
             </a:endParaRPr>
           </a:p>
           <a:p>
@@ -4714,7 +4840,7 @@
     </p:spTree>
     <p:extLst>
       <p:ext uri="{BB962C8B-B14F-4D97-AF65-F5344CB8AC3E}">
-        <p14:creationId xmlns:p14="http://schemas.microsoft.com/office/powerpoint/2010/main" val="3516111388"/>
+        <p14:creationId xmlns:p14="http://schemas.microsoft.com/office/powerpoint/2010/main" val="3496796182"/>
       </p:ext>
     </p:extLst>
   </p:cSld>
@@ -4833,14 +4959,14 @@
                   <a:srgbClr val="2196F3"/>
                 </a:solidFill>
               </a:rPr>
-              <a:t>SITE SETUP…</a:t>
+              <a:t>WordPress Hooks</a:t>
             </a:r>
           </a:p>
           <a:p>
             <a:pPr marL="457200" lvl="1" indent="0">
               <a:buNone/>
             </a:pPr>
-            <a:endParaRPr lang="en-GB" sz="4400" dirty="0">
+            <a:endParaRPr lang="en-GB" sz="3600" dirty="0">
               <a:solidFill>
                 <a:srgbClr val="2196F3"/>
               </a:solidFill>
@@ -4851,13 +4977,47 @@
               <a:buNone/>
             </a:pPr>
             <a:r>
-              <a:rPr lang="en-GB" sz="4400" dirty="0">
+              <a:rPr lang="en-GB" sz="3200" dirty="0">
                 <a:solidFill>
                   <a:srgbClr val="2196F3"/>
                 </a:solidFill>
               </a:rPr>
-              <a:t>Please refer to REST-AJAX.docx and the source code</a:t>
-            </a:r>
+              <a:t>Hooks are a way for one piece of code to interact/modify another piece of code at specific, pre-defined spots. </a:t>
+            </a:r>
+          </a:p>
+          <a:p>
+            <a:pPr marL="457200" lvl="1" indent="0">
+              <a:buNone/>
+            </a:pPr>
+            <a:r>
+              <a:rPr lang="en-GB" sz="3200" dirty="0">
+                <a:solidFill>
+                  <a:srgbClr val="2196F3"/>
+                </a:solidFill>
+              </a:rPr>
+              <a:t>We can add our own endpoints using the '</a:t>
+            </a:r>
+            <a:r>
+              <a:rPr lang="en-GB" sz="3200" dirty="0" err="1">
+                <a:solidFill>
+                  <a:srgbClr val="2196F3"/>
+                </a:solidFill>
+              </a:rPr>
+              <a:t>rest_api_init</a:t>
+            </a:r>
+            <a:r>
+              <a:rPr lang="en-GB" sz="3200" dirty="0">
+                <a:solidFill>
+                  <a:srgbClr val="2196F3"/>
+                </a:solidFill>
+              </a:rPr>
+              <a:t>’ hook.</a:t>
+            </a:r>
+          </a:p>
+          <a:p>
+            <a:pPr marL="457200" lvl="1" indent="0">
+              <a:buNone/>
+            </a:pPr>
             <a:endParaRPr lang="en-GB" sz="3200" dirty="0">
               <a:solidFill>
                 <a:srgbClr val="2196F3"/>
@@ -4903,7 +5063,7 @@
     </p:spTree>
     <p:extLst>
       <p:ext uri="{BB962C8B-B14F-4D97-AF65-F5344CB8AC3E}">
-        <p14:creationId xmlns:p14="http://schemas.microsoft.com/office/powerpoint/2010/main" val="689376606"/>
+        <p14:creationId xmlns:p14="http://schemas.microsoft.com/office/powerpoint/2010/main" val="3516111388"/>
       </p:ext>
     </p:extLst>
   </p:cSld>
@@ -4993,142 +5153,74 @@
         </p:nvSpPr>
         <p:spPr>
           <a:xfrm>
-            <a:off x="838200" y="1431636"/>
-            <a:ext cx="10515600" cy="4742661"/>
+            <a:off x="838200" y="1325563"/>
+            <a:ext cx="10515600" cy="4848735"/>
           </a:xfrm>
         </p:spPr>
         <p:txBody>
           <a:bodyPr wrap="square" bIns="252000">
-            <a:normAutofit lnSpcReduction="10000"/>
+            <a:normAutofit/>
           </a:bodyPr>
           <a:lstStyle/>
           <a:p>
             <a:pPr marL="457200" lvl="1" indent="0">
               <a:buNone/>
             </a:pPr>
-            <a:r>
-              <a:rPr lang="en-GB" sz="5100" dirty="0">
-                <a:solidFill>
-                  <a:srgbClr val="2196F3"/>
-                </a:solidFill>
-                <a:latin typeface="Segoe UI" panose="020B0502040204020203" pitchFamily="34" charset="0"/>
-                <a:cs typeface="Segoe UI" panose="020B0502040204020203" pitchFamily="34" charset="0"/>
-              </a:rPr>
-              <a:t>DECOUPLED WP</a:t>
-            </a:r>
-          </a:p>
-          <a:p>
-            <a:pPr marL="457200" lvl="1" indent="0">
-              <a:buNone/>
-            </a:pPr>
-            <a:endParaRPr lang="en-GB" sz="1050" dirty="0">
+            <a:endParaRPr lang="en-GB" sz="2800" dirty="0">
               <a:solidFill>
                 <a:srgbClr val="2196F3"/>
               </a:solidFill>
-              <a:latin typeface="Segoe UI" panose="020B0502040204020203" pitchFamily="34" charset="0"/>
-              <a:cs typeface="Segoe UI" panose="020B0502040204020203" pitchFamily="34" charset="0"/>
-            </a:endParaRPr>
-          </a:p>
-          <a:p>
-            <a:pPr lvl="1"/>
-            <a:r>
-              <a:rPr lang="en-GB" sz="2800" dirty="0">
+            </a:endParaRPr>
+          </a:p>
+          <a:p>
+            <a:pPr marL="457200" lvl="1" indent="0">
+              <a:buNone/>
+            </a:pPr>
+            <a:r>
+              <a:rPr lang="en-GB" sz="4400" dirty="0">
                 <a:solidFill>
                   <a:srgbClr val="2196F3"/>
                 </a:solidFill>
-                <a:latin typeface="Segoe UI" panose="020B0502040204020203" pitchFamily="34" charset="0"/>
-                <a:cs typeface="Segoe UI" panose="020B0502040204020203" pitchFamily="34" charset="0"/>
-              </a:rPr>
-              <a:t>As we are using JS blocks in our PHP pages this can lead to using these scripts in HTML pages or PHP outside of the WP ecosystem.</a:t>
-            </a:r>
-          </a:p>
-          <a:p>
-            <a:pPr lvl="1"/>
-            <a:r>
-              <a:rPr lang="en-GB" sz="2800" dirty="0">
-                <a:solidFill>
-                  <a:srgbClr val="2196F3"/>
-                </a:solidFill>
-                <a:latin typeface="Segoe UI" panose="020B0502040204020203" pitchFamily="34" charset="0"/>
-                <a:cs typeface="Segoe UI" panose="020B0502040204020203" pitchFamily="34" charset="0"/>
-              </a:rPr>
-              <a:t>This means we can have DECOUPLED or HEADLESS WP sites</a:t>
-            </a:r>
-          </a:p>
-          <a:p>
-            <a:pPr lvl="1"/>
-            <a:r>
-              <a:rPr lang="en-GB" sz="2800" dirty="0">
-                <a:solidFill>
-                  <a:srgbClr val="2196F3"/>
-                </a:solidFill>
-                <a:latin typeface="Segoe UI" panose="020B0502040204020203" pitchFamily="34" charset="0"/>
-                <a:cs typeface="Segoe UI" panose="020B0502040204020203" pitchFamily="34" charset="0"/>
-              </a:rPr>
-              <a:t>HEADLESS means formatting preconfigured in a ready made block for example.</a:t>
-            </a:r>
-          </a:p>
-          <a:p>
-            <a:pPr lvl="1"/>
-            <a:r>
-              <a:rPr lang="en-GB" sz="2800" dirty="0">
-                <a:solidFill>
-                  <a:srgbClr val="2196F3"/>
-                </a:solidFill>
-                <a:latin typeface="Segoe UI" panose="020B0502040204020203" pitchFamily="34" charset="0"/>
-                <a:cs typeface="Segoe UI" panose="020B0502040204020203" pitchFamily="34" charset="0"/>
-              </a:rPr>
-              <a:t>DECOUPLED means raw data is sent and page formats data.</a:t>
-            </a:r>
-          </a:p>
-          <a:p>
-            <a:pPr lvl="1"/>
-            <a:r>
-              <a:rPr lang="en-GB" sz="2800" dirty="0">
-                <a:solidFill>
-                  <a:srgbClr val="2196F3"/>
-                </a:solidFill>
-                <a:latin typeface="Segoe UI" panose="020B0502040204020203" pitchFamily="34" charset="0"/>
-                <a:cs typeface="Segoe UI" panose="020B0502040204020203" pitchFamily="34" charset="0"/>
-              </a:rPr>
-              <a:t>Using JSON WEB TOKENS (JWT) we can also authenticate…</a:t>
-            </a:r>
-          </a:p>
-          <a:p>
-            <a:pPr lvl="1"/>
-            <a:r>
-              <a:rPr lang="en-GB" sz="2800" dirty="0">
-                <a:solidFill>
-                  <a:srgbClr val="2196F3"/>
-                </a:solidFill>
-                <a:latin typeface="Segoe UI" panose="020B0502040204020203" pitchFamily="34" charset="0"/>
-                <a:cs typeface="Segoe UI" panose="020B0502040204020203" pitchFamily="34" charset="0"/>
-              </a:rPr>
-              <a:t>Example: https://wp-html.co.uk/semantic</a:t>
+              </a:rPr>
+              <a:t>SITE SETUP…</a:t>
             </a:r>
           </a:p>
           <a:p>
             <a:pPr marL="457200" lvl="1" indent="0">
               <a:buNone/>
             </a:pPr>
-            <a:endParaRPr lang="en-GB" sz="6700" dirty="0">
+            <a:endParaRPr lang="en-GB" sz="4400" dirty="0">
               <a:solidFill>
                 <a:srgbClr val="2196F3"/>
               </a:solidFill>
-              <a:latin typeface="Segoe UI" panose="020B0502040204020203" pitchFamily="34" charset="0"/>
-              <a:cs typeface="Segoe UI" panose="020B0502040204020203" pitchFamily="34" charset="0"/>
             </a:endParaRPr>
           </a:p>
           <a:p>
             <a:pPr marL="457200" lvl="1" indent="0">
               <a:buNone/>
             </a:pPr>
-            <a:endParaRPr lang="en-GB" sz="6700" dirty="0">
+            <a:r>
+              <a:rPr lang="en-GB" sz="4400" dirty="0">
+                <a:solidFill>
+                  <a:srgbClr val="2196F3"/>
+                </a:solidFill>
+              </a:rPr>
+              <a:t>Please refer to REST-AJAX.docx and the source code</a:t>
+            </a:r>
+            <a:endParaRPr lang="en-GB" sz="3200" dirty="0">
               <a:solidFill>
                 <a:srgbClr val="2196F3"/>
               </a:solidFill>
-              <a:latin typeface="Segoe UI" panose="020B0502040204020203" pitchFamily="34" charset="0"/>
-              <a:cs typeface="Segoe UI" panose="020B0502040204020203" pitchFamily="34" charset="0"/>
+            </a:endParaRPr>
+          </a:p>
+          <a:p>
+            <a:pPr marL="457200" lvl="1" indent="0">
+              <a:buNone/>
+            </a:pPr>
+            <a:endParaRPr lang="en-GB" sz="2600" dirty="0">
+              <a:solidFill>
+                <a:srgbClr val="2196F3"/>
+              </a:solidFill>
             </a:endParaRPr>
           </a:p>
           <a:p>
@@ -5160,7 +5252,7 @@
     </p:spTree>
     <p:extLst>
       <p:ext uri="{BB962C8B-B14F-4D97-AF65-F5344CB8AC3E}">
-        <p14:creationId xmlns:p14="http://schemas.microsoft.com/office/powerpoint/2010/main" val="3994601803"/>
+        <p14:creationId xmlns:p14="http://schemas.microsoft.com/office/powerpoint/2010/main" val="689376606"/>
       </p:ext>
     </p:extLst>
   </p:cSld>
@@ -5189,6 +5281,263 @@
       </p:grpSpPr>
       <p:sp>
         <p:nvSpPr>
+          <p:cNvPr id="2" name="Title 1">
+            <a:extLst>
+              <a:ext uri="{FF2B5EF4-FFF2-40B4-BE49-F238E27FC236}">
+                <a16:creationId xmlns:a16="http://schemas.microsoft.com/office/drawing/2014/main" id="{5D7568B3-EC9A-45DD-8A17-CFE685194B65}"/>
+              </a:ext>
+            </a:extLst>
+          </p:cNvPr>
+          <p:cNvSpPr>
+            <a:spLocks noGrp="1"/>
+          </p:cNvSpPr>
+          <p:nvPr>
+            <p:ph type="title"/>
+          </p:nvPr>
+        </p:nvSpPr>
+        <p:spPr>
+          <a:xfrm>
+            <a:off x="838200" y="0"/>
+            <a:ext cx="10515600" cy="1325563"/>
+          </a:xfrm>
+          <a:solidFill>
+            <a:srgbClr val="2196F3"/>
+          </a:solidFill>
+        </p:spPr>
+        <p:txBody>
+          <a:bodyPr>
+            <a:normAutofit/>
+          </a:bodyPr>
+          <a:lstStyle/>
+          <a:p>
+            <a:pPr algn="ctr"/>
+            <a:r>
+              <a:rPr lang="en-GB" sz="6600" dirty="0">
+                <a:solidFill>
+                  <a:schemeClr val="bg1"/>
+                </a:solidFill>
+                <a:latin typeface="Segoe UI" panose="020B0502040204020203" pitchFamily="34" charset="0"/>
+                <a:cs typeface="Segoe UI" panose="020B0502040204020203" pitchFamily="34" charset="0"/>
+              </a:rPr>
+              <a:t>WP REST API &amp; AJAX</a:t>
+            </a:r>
+          </a:p>
+        </p:txBody>
+      </p:sp>
+      <p:sp>
+        <p:nvSpPr>
+          <p:cNvPr id="4" name="Content Placeholder 2">
+            <a:extLst>
+              <a:ext uri="{FF2B5EF4-FFF2-40B4-BE49-F238E27FC236}">
+                <a16:creationId xmlns:a16="http://schemas.microsoft.com/office/drawing/2014/main" id="{088CCB65-11B4-408B-9ED3-1304FE85032F}"/>
+              </a:ext>
+            </a:extLst>
+          </p:cNvPr>
+          <p:cNvSpPr>
+            <a:spLocks noGrp="1"/>
+          </p:cNvSpPr>
+          <p:nvPr>
+            <p:ph idx="1"/>
+          </p:nvPr>
+        </p:nvSpPr>
+        <p:spPr>
+          <a:xfrm>
+            <a:off x="838200" y="1431636"/>
+            <a:ext cx="10515600" cy="4742661"/>
+          </a:xfrm>
+        </p:spPr>
+        <p:txBody>
+          <a:bodyPr wrap="square" bIns="252000">
+            <a:normAutofit lnSpcReduction="10000"/>
+          </a:bodyPr>
+          <a:lstStyle/>
+          <a:p>
+            <a:pPr marL="457200" lvl="1" indent="0">
+              <a:buNone/>
+            </a:pPr>
+            <a:r>
+              <a:rPr lang="en-GB" sz="5100" dirty="0">
+                <a:solidFill>
+                  <a:srgbClr val="2196F3"/>
+                </a:solidFill>
+                <a:latin typeface="Segoe UI" panose="020B0502040204020203" pitchFamily="34" charset="0"/>
+                <a:cs typeface="Segoe UI" panose="020B0502040204020203" pitchFamily="34" charset="0"/>
+              </a:rPr>
+              <a:t>DECOUPLED WP</a:t>
+            </a:r>
+          </a:p>
+          <a:p>
+            <a:pPr marL="457200" lvl="1" indent="0">
+              <a:buNone/>
+            </a:pPr>
+            <a:endParaRPr lang="en-GB" sz="1050" dirty="0">
+              <a:solidFill>
+                <a:srgbClr val="2196F3"/>
+              </a:solidFill>
+              <a:latin typeface="Segoe UI" panose="020B0502040204020203" pitchFamily="34" charset="0"/>
+              <a:cs typeface="Segoe UI" panose="020B0502040204020203" pitchFamily="34" charset="0"/>
+            </a:endParaRPr>
+          </a:p>
+          <a:p>
+            <a:pPr lvl="1"/>
+            <a:r>
+              <a:rPr lang="en-GB" sz="2800" dirty="0">
+                <a:solidFill>
+                  <a:srgbClr val="2196F3"/>
+                </a:solidFill>
+                <a:latin typeface="Segoe UI" panose="020B0502040204020203" pitchFamily="34" charset="0"/>
+                <a:cs typeface="Segoe UI" panose="020B0502040204020203" pitchFamily="34" charset="0"/>
+              </a:rPr>
+              <a:t>As we are using JS blocks in our PHP pages this can lead to using these scripts in HTML pages or PHP outside of the WP ecosystem.</a:t>
+            </a:r>
+          </a:p>
+          <a:p>
+            <a:pPr lvl="1"/>
+            <a:r>
+              <a:rPr lang="en-GB" sz="2800" dirty="0">
+                <a:solidFill>
+                  <a:srgbClr val="2196F3"/>
+                </a:solidFill>
+                <a:latin typeface="Segoe UI" panose="020B0502040204020203" pitchFamily="34" charset="0"/>
+                <a:cs typeface="Segoe UI" panose="020B0502040204020203" pitchFamily="34" charset="0"/>
+              </a:rPr>
+              <a:t>This means we can have DECOUPLED or HEADLESS WP sites</a:t>
+            </a:r>
+          </a:p>
+          <a:p>
+            <a:pPr lvl="1"/>
+            <a:r>
+              <a:rPr lang="en-GB" sz="2800" dirty="0">
+                <a:solidFill>
+                  <a:srgbClr val="2196F3"/>
+                </a:solidFill>
+                <a:latin typeface="Segoe UI" panose="020B0502040204020203" pitchFamily="34" charset="0"/>
+                <a:cs typeface="Segoe UI" panose="020B0502040204020203" pitchFamily="34" charset="0"/>
+              </a:rPr>
+              <a:t>HEADLESS means formatting preconfigured in a ready made block for example.</a:t>
+            </a:r>
+          </a:p>
+          <a:p>
+            <a:pPr lvl="1"/>
+            <a:r>
+              <a:rPr lang="en-GB" sz="2800" dirty="0">
+                <a:solidFill>
+                  <a:srgbClr val="2196F3"/>
+                </a:solidFill>
+                <a:latin typeface="Segoe UI" panose="020B0502040204020203" pitchFamily="34" charset="0"/>
+                <a:cs typeface="Segoe UI" panose="020B0502040204020203" pitchFamily="34" charset="0"/>
+              </a:rPr>
+              <a:t>DECOUPLED means raw data is sent and page formats data.</a:t>
+            </a:r>
+          </a:p>
+          <a:p>
+            <a:pPr lvl="1"/>
+            <a:r>
+              <a:rPr lang="en-GB" sz="2800" dirty="0">
+                <a:solidFill>
+                  <a:srgbClr val="2196F3"/>
+                </a:solidFill>
+                <a:latin typeface="Segoe UI" panose="020B0502040204020203" pitchFamily="34" charset="0"/>
+                <a:cs typeface="Segoe UI" panose="020B0502040204020203" pitchFamily="34" charset="0"/>
+              </a:rPr>
+              <a:t>Using JSON WEB TOKENS (JWT) we can also authenticate…</a:t>
+            </a:r>
+          </a:p>
+          <a:p>
+            <a:pPr lvl="1"/>
+            <a:r>
+              <a:rPr lang="en-GB" sz="2800" dirty="0">
+                <a:solidFill>
+                  <a:srgbClr val="2196F3"/>
+                </a:solidFill>
+                <a:latin typeface="Segoe UI" panose="020B0502040204020203" pitchFamily="34" charset="0"/>
+                <a:cs typeface="Segoe UI" panose="020B0502040204020203" pitchFamily="34" charset="0"/>
+              </a:rPr>
+              <a:t>Example: https://wp-html.co.uk/semantic</a:t>
+            </a:r>
+          </a:p>
+          <a:p>
+            <a:pPr marL="457200" lvl="1" indent="0">
+              <a:buNone/>
+            </a:pPr>
+            <a:endParaRPr lang="en-GB" sz="6700" dirty="0">
+              <a:solidFill>
+                <a:srgbClr val="2196F3"/>
+              </a:solidFill>
+              <a:latin typeface="Segoe UI" panose="020B0502040204020203" pitchFamily="34" charset="0"/>
+              <a:cs typeface="Segoe UI" panose="020B0502040204020203" pitchFamily="34" charset="0"/>
+            </a:endParaRPr>
+          </a:p>
+          <a:p>
+            <a:pPr marL="457200" lvl="1" indent="0">
+              <a:buNone/>
+            </a:pPr>
+            <a:endParaRPr lang="en-GB" sz="6700" dirty="0">
+              <a:solidFill>
+                <a:srgbClr val="2196F3"/>
+              </a:solidFill>
+              <a:latin typeface="Segoe UI" panose="020B0502040204020203" pitchFamily="34" charset="0"/>
+              <a:cs typeface="Segoe UI" panose="020B0502040204020203" pitchFamily="34" charset="0"/>
+            </a:endParaRPr>
+          </a:p>
+          <a:p>
+            <a:pPr marL="457200" lvl="1" indent="0">
+              <a:buNone/>
+            </a:pPr>
+            <a:endParaRPr lang="en-GB" sz="6700" dirty="0">
+              <a:latin typeface="Segoe UI" panose="020B0502040204020203" pitchFamily="34" charset="0"/>
+              <a:cs typeface="Segoe UI" panose="020B0502040204020203" pitchFamily="34" charset="0"/>
+            </a:endParaRPr>
+          </a:p>
+          <a:p>
+            <a:pPr marL="0" indent="0">
+              <a:buNone/>
+            </a:pPr>
+            <a:endParaRPr lang="en-GB" dirty="0">
+              <a:latin typeface="Segoe UI" panose="020B0502040204020203" pitchFamily="34" charset="0"/>
+              <a:cs typeface="Segoe UI" panose="020B0502040204020203" pitchFamily="34" charset="0"/>
+            </a:endParaRPr>
+          </a:p>
+          <a:p>
+            <a:endParaRPr lang="en-GB" dirty="0">
+              <a:latin typeface="Segoe UI" panose="020B0502040204020203" pitchFamily="34" charset="0"/>
+              <a:cs typeface="Segoe UI" panose="020B0502040204020203" pitchFamily="34" charset="0"/>
+            </a:endParaRPr>
+          </a:p>
+        </p:txBody>
+      </p:sp>
+    </p:spTree>
+    <p:extLst>
+      <p:ext uri="{BB962C8B-B14F-4D97-AF65-F5344CB8AC3E}">
+        <p14:creationId xmlns:p14="http://schemas.microsoft.com/office/powerpoint/2010/main" val="3994601803"/>
+      </p:ext>
+    </p:extLst>
+  </p:cSld>
+  <p:clrMapOvr>
+    <a:masterClrMapping/>
+  </p:clrMapOvr>
+</p:sld>
+</file>
+
+<file path=ppt/slides/slide15.xml><?xml version="1.0" encoding="utf-8"?>
+<p:sld xmlns:a="http://schemas.openxmlformats.org/drawingml/2006/main" xmlns:r="http://schemas.openxmlformats.org/officeDocument/2006/relationships" xmlns:p="http://schemas.openxmlformats.org/presentationml/2006/main">
+  <p:cSld>
+    <p:spTree>
+      <p:nvGrpSpPr>
+        <p:cNvPr id="1" name=""/>
+        <p:cNvGrpSpPr/>
+        <p:nvPr/>
+      </p:nvGrpSpPr>
+      <p:grpSpPr>
+        <a:xfrm>
+          <a:off x="0" y="0"/>
+          <a:ext cx="0" cy="0"/>
+          <a:chOff x="0" y="0"/>
+          <a:chExt cx="0" cy="0"/>
+        </a:xfrm>
+      </p:grpSpPr>
+      <p:sp>
+        <p:nvSpPr>
           <p:cNvPr id="5" name="Rectangle: Rounded Corners 4">
             <a:extLst>
               <a:ext uri="{FF2B5EF4-FFF2-40B4-BE49-F238E27FC236}">
@@ -6133,7 +6482,7 @@
 </p:sld>
 </file>
 
-<file path=ppt/slides/slide15.xml><?xml version="1.0" encoding="utf-8"?>
+<file path=ppt/slides/slide16.xml><?xml version="1.0" encoding="utf-8"?>
 <p:sld xmlns:a="http://schemas.openxmlformats.org/drawingml/2006/main" xmlns:r="http://schemas.openxmlformats.org/officeDocument/2006/relationships" xmlns:p="http://schemas.openxmlformats.org/presentationml/2006/main">
   <p:cSld>
     <p:spTree>
@@ -7367,252 +7716,6 @@
 </p:sld>
 </file>
 
-<file path=ppt/slides/slide16.xml><?xml version="1.0" encoding="utf-8"?>
-<p:sld xmlns:a="http://schemas.openxmlformats.org/drawingml/2006/main" xmlns:r="http://schemas.openxmlformats.org/officeDocument/2006/relationships" xmlns:p="http://schemas.openxmlformats.org/presentationml/2006/main">
-  <p:cSld>
-    <p:spTree>
-      <p:nvGrpSpPr>
-        <p:cNvPr id="1" name=""/>
-        <p:cNvGrpSpPr/>
-        <p:nvPr/>
-      </p:nvGrpSpPr>
-      <p:grpSpPr>
-        <a:xfrm>
-          <a:off x="0" y="0"/>
-          <a:ext cx="0" cy="0"/>
-          <a:chOff x="0" y="0"/>
-          <a:chExt cx="0" cy="0"/>
-        </a:xfrm>
-      </p:grpSpPr>
-      <p:sp>
-        <p:nvSpPr>
-          <p:cNvPr id="2" name="Title 1">
-            <a:extLst>
-              <a:ext uri="{FF2B5EF4-FFF2-40B4-BE49-F238E27FC236}">
-                <a16:creationId xmlns:a16="http://schemas.microsoft.com/office/drawing/2014/main" id="{5D7568B3-EC9A-45DD-8A17-CFE685194B65}"/>
-              </a:ext>
-            </a:extLst>
-          </p:cNvPr>
-          <p:cNvSpPr>
-            <a:spLocks noGrp="1"/>
-          </p:cNvSpPr>
-          <p:nvPr>
-            <p:ph type="title"/>
-          </p:nvPr>
-        </p:nvSpPr>
-        <p:spPr>
-          <a:xfrm>
-            <a:off x="838200" y="0"/>
-            <a:ext cx="10515600" cy="1325563"/>
-          </a:xfrm>
-          <a:solidFill>
-            <a:srgbClr val="2196F3"/>
-          </a:solidFill>
-        </p:spPr>
-        <p:txBody>
-          <a:bodyPr>
-            <a:normAutofit/>
-          </a:bodyPr>
-          <a:lstStyle/>
-          <a:p>
-            <a:pPr algn="ctr"/>
-            <a:r>
-              <a:rPr lang="en-GB" sz="6600" dirty="0">
-                <a:solidFill>
-                  <a:schemeClr val="bg1"/>
-                </a:solidFill>
-                <a:latin typeface="Segoe UI" panose="020B0502040204020203" pitchFamily="34" charset="0"/>
-                <a:cs typeface="Segoe UI" panose="020B0502040204020203" pitchFamily="34" charset="0"/>
-              </a:rPr>
-              <a:t>WP REST API &amp; AJAX</a:t>
-            </a:r>
-          </a:p>
-        </p:txBody>
-      </p:sp>
-      <p:sp>
-        <p:nvSpPr>
-          <p:cNvPr id="4" name="Content Placeholder 2">
-            <a:extLst>
-              <a:ext uri="{FF2B5EF4-FFF2-40B4-BE49-F238E27FC236}">
-                <a16:creationId xmlns:a16="http://schemas.microsoft.com/office/drawing/2014/main" id="{088CCB65-11B4-408B-9ED3-1304FE85032F}"/>
-              </a:ext>
-            </a:extLst>
-          </p:cNvPr>
-          <p:cNvSpPr>
-            <a:spLocks noGrp="1"/>
-          </p:cNvSpPr>
-          <p:nvPr>
-            <p:ph idx="1"/>
-          </p:nvPr>
-        </p:nvSpPr>
-        <p:spPr>
-          <a:xfrm>
-            <a:off x="838200" y="1431636"/>
-            <a:ext cx="10515600" cy="4742661"/>
-          </a:xfrm>
-        </p:spPr>
-        <p:txBody>
-          <a:bodyPr wrap="square" bIns="252000">
-            <a:normAutofit lnSpcReduction="10000"/>
-          </a:bodyPr>
-          <a:lstStyle/>
-          <a:p>
-            <a:pPr marL="457200" lvl="1" indent="0">
-              <a:buNone/>
-            </a:pPr>
-            <a:r>
-              <a:rPr lang="en-GB" sz="5100" dirty="0">
-                <a:solidFill>
-                  <a:srgbClr val="2196F3"/>
-                </a:solidFill>
-                <a:latin typeface="Segoe UI" panose="020B0502040204020203" pitchFamily="34" charset="0"/>
-                <a:cs typeface="Segoe UI" panose="020B0502040204020203" pitchFamily="34" charset="0"/>
-              </a:rPr>
-              <a:t>WP REST API + Web Components</a:t>
-            </a:r>
-          </a:p>
-          <a:p>
-            <a:pPr marL="457200" lvl="1" indent="0">
-              <a:buNone/>
-            </a:pPr>
-            <a:r>
-              <a:rPr lang="en-GB" sz="5100" dirty="0">
-                <a:solidFill>
-                  <a:srgbClr val="2196F3"/>
-                </a:solidFill>
-                <a:latin typeface="Segoe UI" panose="020B0502040204020203" pitchFamily="34" charset="0"/>
-                <a:cs typeface="Segoe UI" panose="020B0502040204020203" pitchFamily="34" charset="0"/>
-              </a:rPr>
-              <a:t>=&gt; 100% INTERNET</a:t>
-            </a:r>
-          </a:p>
-          <a:p>
-            <a:pPr marL="457200" lvl="1" indent="0">
-              <a:buNone/>
-            </a:pPr>
-            <a:endParaRPr lang="en-GB" sz="1050" dirty="0">
-              <a:solidFill>
-                <a:srgbClr val="2196F3"/>
-              </a:solidFill>
-              <a:latin typeface="Segoe UI" panose="020B0502040204020203" pitchFamily="34" charset="0"/>
-              <a:cs typeface="Segoe UI" panose="020B0502040204020203" pitchFamily="34" charset="0"/>
-            </a:endParaRPr>
-          </a:p>
-          <a:p>
-            <a:pPr lvl="1"/>
-            <a:r>
-              <a:rPr lang="en-GB" sz="2800" dirty="0">
-                <a:solidFill>
-                  <a:srgbClr val="2196F3"/>
-                </a:solidFill>
-                <a:latin typeface="Segoe UI" panose="020B0502040204020203" pitchFamily="34" charset="0"/>
-                <a:cs typeface="Segoe UI" panose="020B0502040204020203" pitchFamily="34" charset="0"/>
-              </a:rPr>
-              <a:t>Web Components are custom HTML elements/tags that we can create.</a:t>
-            </a:r>
-          </a:p>
-          <a:p>
-            <a:pPr lvl="1"/>
-            <a:r>
-              <a:rPr lang="en-GB" sz="2800" dirty="0">
-                <a:solidFill>
-                  <a:srgbClr val="2196F3"/>
-                </a:solidFill>
-                <a:latin typeface="Segoe UI" panose="020B0502040204020203" pitchFamily="34" charset="0"/>
-                <a:cs typeface="Segoe UI" panose="020B0502040204020203" pitchFamily="34" charset="0"/>
-              </a:rPr>
-              <a:t>We define a tag and associate with a JS Class.</a:t>
-            </a:r>
-          </a:p>
-          <a:p>
-            <a:pPr lvl="1"/>
-            <a:r>
-              <a:rPr lang="en-GB" sz="2800" dirty="0">
-                <a:solidFill>
-                  <a:srgbClr val="2196F3"/>
-                </a:solidFill>
-                <a:latin typeface="Segoe UI" panose="020B0502040204020203" pitchFamily="34" charset="0"/>
-                <a:cs typeface="Segoe UI" panose="020B0502040204020203" pitchFamily="34" charset="0"/>
-              </a:rPr>
-              <a:t>They are regular HTML so can be used wherever HTML is used and also be wired into JS Framework builds.</a:t>
-            </a:r>
-          </a:p>
-          <a:p>
-            <a:pPr lvl="1"/>
-            <a:r>
-              <a:rPr lang="en-GB" sz="2800" dirty="0">
-                <a:solidFill>
-                  <a:srgbClr val="2196F3"/>
-                </a:solidFill>
-                <a:latin typeface="Segoe UI" panose="020B0502040204020203" pitchFamily="34" charset="0"/>
-                <a:cs typeface="Segoe UI" panose="020B0502040204020203" pitchFamily="34" charset="0"/>
-              </a:rPr>
-              <a:t>The example of DECOUPLED WP is in fact built entirely with Web Components…let’s look at the source code…</a:t>
-            </a:r>
-          </a:p>
-          <a:p>
-            <a:pPr marL="457200" lvl="1" indent="0">
-              <a:buNone/>
-            </a:pPr>
-            <a:endParaRPr lang="en-GB" sz="6700" dirty="0">
-              <a:solidFill>
-                <a:srgbClr val="2196F3"/>
-              </a:solidFill>
-              <a:latin typeface="Segoe UI" panose="020B0502040204020203" pitchFamily="34" charset="0"/>
-              <a:cs typeface="Segoe UI" panose="020B0502040204020203" pitchFamily="34" charset="0"/>
-            </a:endParaRPr>
-          </a:p>
-          <a:p>
-            <a:pPr marL="457200" lvl="1" indent="0">
-              <a:buNone/>
-            </a:pPr>
-            <a:endParaRPr lang="en-GB" sz="6700" dirty="0">
-              <a:solidFill>
-                <a:srgbClr val="2196F3"/>
-              </a:solidFill>
-              <a:latin typeface="Segoe UI" panose="020B0502040204020203" pitchFamily="34" charset="0"/>
-              <a:cs typeface="Segoe UI" panose="020B0502040204020203" pitchFamily="34" charset="0"/>
-            </a:endParaRPr>
-          </a:p>
-          <a:p>
-            <a:pPr marL="457200" lvl="1" indent="0">
-              <a:buNone/>
-            </a:pPr>
-            <a:endParaRPr lang="en-GB" sz="6700" dirty="0">
-              <a:latin typeface="Segoe UI" panose="020B0502040204020203" pitchFamily="34" charset="0"/>
-              <a:cs typeface="Segoe UI" panose="020B0502040204020203" pitchFamily="34" charset="0"/>
-            </a:endParaRPr>
-          </a:p>
-          <a:p>
-            <a:pPr marL="0" indent="0">
-              <a:buNone/>
-            </a:pPr>
-            <a:endParaRPr lang="en-GB" dirty="0">
-              <a:latin typeface="Segoe UI" panose="020B0502040204020203" pitchFamily="34" charset="0"/>
-              <a:cs typeface="Segoe UI" panose="020B0502040204020203" pitchFamily="34" charset="0"/>
-            </a:endParaRPr>
-          </a:p>
-          <a:p>
-            <a:endParaRPr lang="en-GB" dirty="0">
-              <a:latin typeface="Segoe UI" panose="020B0502040204020203" pitchFamily="34" charset="0"/>
-              <a:cs typeface="Segoe UI" panose="020B0502040204020203" pitchFamily="34" charset="0"/>
-            </a:endParaRPr>
-          </a:p>
-        </p:txBody>
-      </p:sp>
-    </p:spTree>
-    <p:extLst>
-      <p:ext uri="{BB962C8B-B14F-4D97-AF65-F5344CB8AC3E}">
-        <p14:creationId xmlns:p14="http://schemas.microsoft.com/office/powerpoint/2010/main" val="16959895"/>
-      </p:ext>
-    </p:extLst>
-  </p:cSld>
-  <p:clrMapOvr>
-    <a:masterClrMapping/>
-  </p:clrMapOvr>
-</p:sld>
-</file>
-
 <file path=ppt/slides/slide17.xml><?xml version="1.0" encoding="utf-8"?>
 <p:sld xmlns:a="http://schemas.openxmlformats.org/drawingml/2006/main" xmlns:r="http://schemas.openxmlformats.org/officeDocument/2006/relationships" xmlns:p="http://schemas.openxmlformats.org/presentationml/2006/main">
   <p:cSld>
@@ -7699,6 +7802,252 @@
         </p:spPr>
         <p:txBody>
           <a:bodyPr wrap="square" bIns="252000">
+            <a:normAutofit lnSpcReduction="10000"/>
+          </a:bodyPr>
+          <a:lstStyle/>
+          <a:p>
+            <a:pPr marL="457200" lvl="1" indent="0">
+              <a:buNone/>
+            </a:pPr>
+            <a:r>
+              <a:rPr lang="en-GB" sz="5100" dirty="0">
+                <a:solidFill>
+                  <a:srgbClr val="2196F3"/>
+                </a:solidFill>
+                <a:latin typeface="Segoe UI" panose="020B0502040204020203" pitchFamily="34" charset="0"/>
+                <a:cs typeface="Segoe UI" panose="020B0502040204020203" pitchFamily="34" charset="0"/>
+              </a:rPr>
+              <a:t>WP REST API + Web Components</a:t>
+            </a:r>
+          </a:p>
+          <a:p>
+            <a:pPr marL="457200" lvl="1" indent="0">
+              <a:buNone/>
+            </a:pPr>
+            <a:r>
+              <a:rPr lang="en-GB" sz="5100" dirty="0">
+                <a:solidFill>
+                  <a:srgbClr val="2196F3"/>
+                </a:solidFill>
+                <a:latin typeface="Segoe UI" panose="020B0502040204020203" pitchFamily="34" charset="0"/>
+                <a:cs typeface="Segoe UI" panose="020B0502040204020203" pitchFamily="34" charset="0"/>
+              </a:rPr>
+              <a:t>=&gt; 100% INTERNET</a:t>
+            </a:r>
+          </a:p>
+          <a:p>
+            <a:pPr marL="457200" lvl="1" indent="0">
+              <a:buNone/>
+            </a:pPr>
+            <a:endParaRPr lang="en-GB" sz="1050" dirty="0">
+              <a:solidFill>
+                <a:srgbClr val="2196F3"/>
+              </a:solidFill>
+              <a:latin typeface="Segoe UI" panose="020B0502040204020203" pitchFamily="34" charset="0"/>
+              <a:cs typeface="Segoe UI" panose="020B0502040204020203" pitchFamily="34" charset="0"/>
+            </a:endParaRPr>
+          </a:p>
+          <a:p>
+            <a:pPr lvl="1"/>
+            <a:r>
+              <a:rPr lang="en-GB" sz="2800" dirty="0">
+                <a:solidFill>
+                  <a:srgbClr val="2196F3"/>
+                </a:solidFill>
+                <a:latin typeface="Segoe UI" panose="020B0502040204020203" pitchFamily="34" charset="0"/>
+                <a:cs typeface="Segoe UI" panose="020B0502040204020203" pitchFamily="34" charset="0"/>
+              </a:rPr>
+              <a:t>Web Components are custom HTML elements/tags that we can create.</a:t>
+            </a:r>
+          </a:p>
+          <a:p>
+            <a:pPr lvl="1"/>
+            <a:r>
+              <a:rPr lang="en-GB" sz="2800" dirty="0">
+                <a:solidFill>
+                  <a:srgbClr val="2196F3"/>
+                </a:solidFill>
+                <a:latin typeface="Segoe UI" panose="020B0502040204020203" pitchFamily="34" charset="0"/>
+                <a:cs typeface="Segoe UI" panose="020B0502040204020203" pitchFamily="34" charset="0"/>
+              </a:rPr>
+              <a:t>We define a tag and associate with a JS Class.</a:t>
+            </a:r>
+          </a:p>
+          <a:p>
+            <a:pPr lvl="1"/>
+            <a:r>
+              <a:rPr lang="en-GB" sz="2800" dirty="0">
+                <a:solidFill>
+                  <a:srgbClr val="2196F3"/>
+                </a:solidFill>
+                <a:latin typeface="Segoe UI" panose="020B0502040204020203" pitchFamily="34" charset="0"/>
+                <a:cs typeface="Segoe UI" panose="020B0502040204020203" pitchFamily="34" charset="0"/>
+              </a:rPr>
+              <a:t>They are regular HTML so can be used wherever HTML is used and also be wired into JS Framework builds.</a:t>
+            </a:r>
+          </a:p>
+          <a:p>
+            <a:pPr lvl="1"/>
+            <a:r>
+              <a:rPr lang="en-GB" sz="2800" dirty="0">
+                <a:solidFill>
+                  <a:srgbClr val="2196F3"/>
+                </a:solidFill>
+                <a:latin typeface="Segoe UI" panose="020B0502040204020203" pitchFamily="34" charset="0"/>
+                <a:cs typeface="Segoe UI" panose="020B0502040204020203" pitchFamily="34" charset="0"/>
+              </a:rPr>
+              <a:t>The example of DECOUPLED WP is in fact built entirely with Web Components…let’s look at the source code…</a:t>
+            </a:r>
+          </a:p>
+          <a:p>
+            <a:pPr marL="457200" lvl="1" indent="0">
+              <a:buNone/>
+            </a:pPr>
+            <a:endParaRPr lang="en-GB" sz="6700" dirty="0">
+              <a:solidFill>
+                <a:srgbClr val="2196F3"/>
+              </a:solidFill>
+              <a:latin typeface="Segoe UI" panose="020B0502040204020203" pitchFamily="34" charset="0"/>
+              <a:cs typeface="Segoe UI" panose="020B0502040204020203" pitchFamily="34" charset="0"/>
+            </a:endParaRPr>
+          </a:p>
+          <a:p>
+            <a:pPr marL="457200" lvl="1" indent="0">
+              <a:buNone/>
+            </a:pPr>
+            <a:endParaRPr lang="en-GB" sz="6700" dirty="0">
+              <a:solidFill>
+                <a:srgbClr val="2196F3"/>
+              </a:solidFill>
+              <a:latin typeface="Segoe UI" panose="020B0502040204020203" pitchFamily="34" charset="0"/>
+              <a:cs typeface="Segoe UI" panose="020B0502040204020203" pitchFamily="34" charset="0"/>
+            </a:endParaRPr>
+          </a:p>
+          <a:p>
+            <a:pPr marL="457200" lvl="1" indent="0">
+              <a:buNone/>
+            </a:pPr>
+            <a:endParaRPr lang="en-GB" sz="6700" dirty="0">
+              <a:latin typeface="Segoe UI" panose="020B0502040204020203" pitchFamily="34" charset="0"/>
+              <a:cs typeface="Segoe UI" panose="020B0502040204020203" pitchFamily="34" charset="0"/>
+            </a:endParaRPr>
+          </a:p>
+          <a:p>
+            <a:pPr marL="0" indent="0">
+              <a:buNone/>
+            </a:pPr>
+            <a:endParaRPr lang="en-GB" dirty="0">
+              <a:latin typeface="Segoe UI" panose="020B0502040204020203" pitchFamily="34" charset="0"/>
+              <a:cs typeface="Segoe UI" panose="020B0502040204020203" pitchFamily="34" charset="0"/>
+            </a:endParaRPr>
+          </a:p>
+          <a:p>
+            <a:endParaRPr lang="en-GB" dirty="0">
+              <a:latin typeface="Segoe UI" panose="020B0502040204020203" pitchFamily="34" charset="0"/>
+              <a:cs typeface="Segoe UI" panose="020B0502040204020203" pitchFamily="34" charset="0"/>
+            </a:endParaRPr>
+          </a:p>
+        </p:txBody>
+      </p:sp>
+    </p:spTree>
+    <p:extLst>
+      <p:ext uri="{BB962C8B-B14F-4D97-AF65-F5344CB8AC3E}">
+        <p14:creationId xmlns:p14="http://schemas.microsoft.com/office/powerpoint/2010/main" val="16959895"/>
+      </p:ext>
+    </p:extLst>
+  </p:cSld>
+  <p:clrMapOvr>
+    <a:masterClrMapping/>
+  </p:clrMapOvr>
+</p:sld>
+</file>
+
+<file path=ppt/slides/slide18.xml><?xml version="1.0" encoding="utf-8"?>
+<p:sld xmlns:a="http://schemas.openxmlformats.org/drawingml/2006/main" xmlns:r="http://schemas.openxmlformats.org/officeDocument/2006/relationships" xmlns:p="http://schemas.openxmlformats.org/presentationml/2006/main">
+  <p:cSld>
+    <p:spTree>
+      <p:nvGrpSpPr>
+        <p:cNvPr id="1" name=""/>
+        <p:cNvGrpSpPr/>
+        <p:nvPr/>
+      </p:nvGrpSpPr>
+      <p:grpSpPr>
+        <a:xfrm>
+          <a:off x="0" y="0"/>
+          <a:ext cx="0" cy="0"/>
+          <a:chOff x="0" y="0"/>
+          <a:chExt cx="0" cy="0"/>
+        </a:xfrm>
+      </p:grpSpPr>
+      <p:sp>
+        <p:nvSpPr>
+          <p:cNvPr id="2" name="Title 1">
+            <a:extLst>
+              <a:ext uri="{FF2B5EF4-FFF2-40B4-BE49-F238E27FC236}">
+                <a16:creationId xmlns:a16="http://schemas.microsoft.com/office/drawing/2014/main" id="{5D7568B3-EC9A-45DD-8A17-CFE685194B65}"/>
+              </a:ext>
+            </a:extLst>
+          </p:cNvPr>
+          <p:cNvSpPr>
+            <a:spLocks noGrp="1"/>
+          </p:cNvSpPr>
+          <p:nvPr>
+            <p:ph type="title"/>
+          </p:nvPr>
+        </p:nvSpPr>
+        <p:spPr>
+          <a:xfrm>
+            <a:off x="838200" y="0"/>
+            <a:ext cx="10515600" cy="1325563"/>
+          </a:xfrm>
+          <a:solidFill>
+            <a:srgbClr val="2196F3"/>
+          </a:solidFill>
+        </p:spPr>
+        <p:txBody>
+          <a:bodyPr>
+            <a:normAutofit/>
+          </a:bodyPr>
+          <a:lstStyle/>
+          <a:p>
+            <a:pPr algn="ctr"/>
+            <a:r>
+              <a:rPr lang="en-GB" sz="6600" dirty="0">
+                <a:solidFill>
+                  <a:schemeClr val="bg1"/>
+                </a:solidFill>
+                <a:latin typeface="Segoe UI" panose="020B0502040204020203" pitchFamily="34" charset="0"/>
+                <a:cs typeface="Segoe UI" panose="020B0502040204020203" pitchFamily="34" charset="0"/>
+              </a:rPr>
+              <a:t>WP REST API &amp; AJAX</a:t>
+            </a:r>
+          </a:p>
+        </p:txBody>
+      </p:sp>
+      <p:sp>
+        <p:nvSpPr>
+          <p:cNvPr id="4" name="Content Placeholder 2">
+            <a:extLst>
+              <a:ext uri="{FF2B5EF4-FFF2-40B4-BE49-F238E27FC236}">
+                <a16:creationId xmlns:a16="http://schemas.microsoft.com/office/drawing/2014/main" id="{088CCB65-11B4-408B-9ED3-1304FE85032F}"/>
+              </a:ext>
+            </a:extLst>
+          </p:cNvPr>
+          <p:cNvSpPr>
+            <a:spLocks noGrp="1"/>
+          </p:cNvSpPr>
+          <p:nvPr>
+            <p:ph idx="1"/>
+          </p:nvPr>
+        </p:nvSpPr>
+        <p:spPr>
+          <a:xfrm>
+            <a:off x="838200" y="1431636"/>
+            <a:ext cx="10515600" cy="4742661"/>
+          </a:xfrm>
+        </p:spPr>
+        <p:txBody>
+          <a:bodyPr wrap="square" bIns="252000">
             <a:normAutofit/>
           </a:bodyPr>
           <a:lstStyle/>
@@ -7864,7 +8213,7 @@
 </p:sld>
 </file>
 
-<file path=ppt/slides/slide18.xml><?xml version="1.0" encoding="utf-8"?>
+<file path=ppt/slides/slide19.xml><?xml version="1.0" encoding="utf-8"?>
 <p:sld xmlns:a="http://schemas.openxmlformats.org/drawingml/2006/main" xmlns:r="http://schemas.openxmlformats.org/officeDocument/2006/relationships" xmlns:p="http://schemas.openxmlformats.org/presentationml/2006/main">
   <p:cSld>
     <p:spTree>
@@ -9769,13 +10118,13 @@
         </p:nvSpPr>
         <p:spPr>
           <a:xfrm>
-            <a:off x="838200" y="1775290"/>
-            <a:ext cx="10515600" cy="4399007"/>
+            <a:off x="838200" y="1442781"/>
+            <a:ext cx="10515600" cy="4967255"/>
           </a:xfrm>
         </p:spPr>
         <p:txBody>
           <a:bodyPr wrap="square" bIns="252000">
-            <a:normAutofit fontScale="92500" lnSpcReduction="10000"/>
+            <a:normAutofit lnSpcReduction="10000"/>
           </a:bodyPr>
           <a:lstStyle/>
           <a:p>
@@ -9785,27 +10134,22 @@
             <a:r>
               <a:rPr lang="en-GB" sz="5100" dirty="0">
                 <a:solidFill>
-                  <a:srgbClr val="2196F3"/>
+                  <a:srgbClr val="FF0000"/>
                 </a:solidFill>
                 <a:latin typeface="Segoe UI" panose="020B0502040204020203" pitchFamily="34" charset="0"/>
                 <a:cs typeface="Segoe UI" panose="020B0502040204020203" pitchFamily="34" charset="0"/>
               </a:rPr>
-              <a:t>What is REST?</a:t>
-            </a:r>
-          </a:p>
-          <a:p>
-            <a:pPr marL="457200" lvl="1" indent="0">
-              <a:buNone/>
-            </a:pPr>
-            <a:r>
-              <a:rPr lang="en-GB" sz="3600" dirty="0">
+              <a:t>REALISTIC</a:t>
+            </a:r>
+            <a:r>
+              <a:rPr lang="en-GB" sz="5100" dirty="0">
                 <a:solidFill>
                   <a:srgbClr val="2196F3"/>
                 </a:solidFill>
                 <a:latin typeface="Segoe UI" panose="020B0502040204020203" pitchFamily="34" charset="0"/>
                 <a:cs typeface="Segoe UI" panose="020B0502040204020203" pitchFamily="34" charset="0"/>
               </a:rPr>
-              <a:t>Representational State Transfer</a:t>
+              <a:t> OUTCOMES:</a:t>
             </a:r>
           </a:p>
           <a:p>
@@ -9821,79 +10165,92 @@
             </a:endParaRPr>
           </a:p>
           <a:p>
-            <a:pPr marL="457200" lvl="1" indent="0">
-              <a:buNone/>
-            </a:pPr>
-            <a:r>
-              <a:rPr lang="en-GB" sz="3600" dirty="0">
+            <a:pPr lvl="1"/>
+            <a:r>
+              <a:rPr lang="en-GB" sz="2800" dirty="0">
                 <a:solidFill>
                   <a:srgbClr val="2196F3"/>
                 </a:solidFill>
                 <a:latin typeface="Segoe UI" panose="020B0502040204020203" pitchFamily="34" charset="0"/>
                 <a:cs typeface="Segoe UI" panose="020B0502040204020203" pitchFamily="34" charset="0"/>
               </a:rPr>
-              <a:t>This was formulated by Roy Fielding for his thesis in 2000 to create an alternative to the SOAP method.</a:t>
-            </a:r>
-          </a:p>
-          <a:p>
-            <a:pPr marL="457200" lvl="1" indent="0">
-              <a:buNone/>
-            </a:pPr>
-            <a:r>
-              <a:rPr lang="en-GB" sz="3600" dirty="0">
+              <a:t>Have an overview of how non-refreshed pages work.</a:t>
+            </a:r>
+          </a:p>
+          <a:p>
+            <a:pPr lvl="1"/>
+            <a:r>
+              <a:rPr lang="en-GB" sz="2800" dirty="0">
                 <a:solidFill>
                   <a:srgbClr val="2196F3"/>
                 </a:solidFill>
                 <a:latin typeface="Segoe UI" panose="020B0502040204020203" pitchFamily="34" charset="0"/>
                 <a:cs typeface="Segoe UI" panose="020B0502040204020203" pitchFamily="34" charset="0"/>
               </a:rPr>
-              <a:t>An architectural style not a protocol.</a:t>
-            </a:r>
-          </a:p>
-          <a:p>
-            <a:pPr marL="457200" lvl="1" indent="0">
-              <a:buNone/>
-            </a:pPr>
-            <a:r>
-              <a:rPr lang="en-GB" sz="3600" dirty="0">
+              <a:t>Have sample code so that it works. You can then break it and learn more.</a:t>
+            </a:r>
+          </a:p>
+          <a:p>
+            <a:pPr lvl="1"/>
+            <a:r>
+              <a:rPr lang="en-GB" sz="2800" dirty="0">
                 <a:solidFill>
                   <a:srgbClr val="2196F3"/>
                 </a:solidFill>
                 <a:latin typeface="Segoe UI" panose="020B0502040204020203" pitchFamily="34" charset="0"/>
                 <a:cs typeface="Segoe UI" panose="020B0502040204020203" pitchFamily="34" charset="0"/>
               </a:rPr>
-              <a:t>HTTP by its nature is implicitly RESTful.</a:t>
-            </a:r>
-          </a:p>
-          <a:p>
-            <a:pPr marL="457200" lvl="1" indent="0">
-              <a:buNone/>
-            </a:pPr>
-            <a:endParaRPr lang="en-GB" sz="3600" dirty="0">
-              <a:solidFill>
-                <a:srgbClr val="2196F3"/>
-              </a:solidFill>
-              <a:latin typeface="Segoe UI" panose="020B0502040204020203" pitchFamily="34" charset="0"/>
-              <a:cs typeface="Segoe UI" panose="020B0502040204020203" pitchFamily="34" charset="0"/>
-            </a:endParaRPr>
-          </a:p>
-          <a:p>
-            <a:pPr marL="457200" lvl="1" indent="0">
-              <a:buNone/>
-            </a:pPr>
-            <a:r>
-              <a:rPr lang="en-GB" dirty="0">
-                <a:hlinkClick r:id="rId2"/>
-              </a:rPr>
-              <a:t>https://www.ics.uci.edu/~fielding/pubs/dissertation/rest_arch_style.htm</a:t>
-            </a:r>
-            <a:endParaRPr lang="en-GB" dirty="0">
-              <a:solidFill>
-                <a:srgbClr val="2196F3"/>
-              </a:solidFill>
-              <a:latin typeface="Segoe UI" panose="020B0502040204020203" pitchFamily="34" charset="0"/>
-              <a:cs typeface="Segoe UI" panose="020B0502040204020203" pitchFamily="34" charset="0"/>
-            </a:endParaRPr>
+              <a:t>Have links to the resources I found very useful</a:t>
+            </a:r>
+          </a:p>
+          <a:p>
+            <a:pPr lvl="1"/>
+            <a:r>
+              <a:rPr lang="en-GB" sz="2800" dirty="0">
+                <a:solidFill>
+                  <a:srgbClr val="2196F3"/>
+                </a:solidFill>
+                <a:latin typeface="Segoe UI" panose="020B0502040204020203" pitchFamily="34" charset="0"/>
+                <a:cs typeface="Segoe UI" panose="020B0502040204020203" pitchFamily="34" charset="0"/>
+              </a:rPr>
+              <a:t>Have ready made AJAX pages and forms to edit and amend.</a:t>
+            </a:r>
+          </a:p>
+          <a:p>
+            <a:pPr lvl="1"/>
+            <a:r>
+              <a:rPr lang="en-GB" sz="2800" dirty="0">
+                <a:solidFill>
+                  <a:srgbClr val="2196F3"/>
+                </a:solidFill>
+                <a:latin typeface="Segoe UI" panose="020B0502040204020203" pitchFamily="34" charset="0"/>
+                <a:cs typeface="Segoe UI" panose="020B0502040204020203" pitchFamily="34" charset="0"/>
+              </a:rPr>
+              <a:t>This is a lot to understand in a short talk…allow yourself not to fully understand it at this present time…there is time afterward…</a:t>
+            </a:r>
+          </a:p>
+          <a:p>
+            <a:pPr lvl="1"/>
+            <a:r>
+              <a:rPr lang="en-GB" sz="2800" b="1" i="1" dirty="0">
+                <a:solidFill>
+                  <a:srgbClr val="FF0000"/>
+                </a:solidFill>
+                <a:latin typeface="Segoe UI" panose="020B0502040204020203" pitchFamily="34" charset="0"/>
+                <a:cs typeface="Segoe UI" panose="020B0502040204020203" pitchFamily="34" charset="0"/>
+              </a:rPr>
+              <a:t>Please</a:t>
+            </a:r>
+            <a:r>
+              <a:rPr lang="en-GB" sz="2800" dirty="0">
+                <a:solidFill>
+                  <a:srgbClr val="2196F3"/>
+                </a:solidFill>
+                <a:latin typeface="Segoe UI" panose="020B0502040204020203" pitchFamily="34" charset="0"/>
+                <a:cs typeface="Segoe UI" panose="020B0502040204020203" pitchFamily="34" charset="0"/>
+              </a:rPr>
+              <a:t> contact me for follow up Zooms etc…</a:t>
+            </a:r>
           </a:p>
           <a:p>
             <a:pPr marL="457200" lvl="1" indent="0">
@@ -9948,7 +10305,7 @@
     </p:spTree>
     <p:extLst>
       <p:ext uri="{BB962C8B-B14F-4D97-AF65-F5344CB8AC3E}">
-        <p14:creationId xmlns:p14="http://schemas.microsoft.com/office/powerpoint/2010/main" val="2017018934"/>
+        <p14:creationId xmlns:p14="http://schemas.microsoft.com/office/powerpoint/2010/main" val="2605959733"/>
       </p:ext>
     </p:extLst>
   </p:cSld>
@@ -10044,7 +10401,7 @@
         </p:spPr>
         <p:txBody>
           <a:bodyPr wrap="square" bIns="252000">
-            <a:normAutofit/>
+            <a:normAutofit fontScale="92500" lnSpcReduction="10000"/>
           </a:bodyPr>
           <a:lstStyle/>
           <a:p>
@@ -10059,7 +10416,22 @@
                 <a:latin typeface="Segoe UI" panose="020B0502040204020203" pitchFamily="34" charset="0"/>
                 <a:cs typeface="Segoe UI" panose="020B0502040204020203" pitchFamily="34" charset="0"/>
               </a:rPr>
-              <a:t>API:</a:t>
+              <a:t>What is REST?</a:t>
+            </a:r>
+          </a:p>
+          <a:p>
+            <a:pPr marL="457200" lvl="1" indent="0">
+              <a:buNone/>
+            </a:pPr>
+            <a:r>
+              <a:rPr lang="en-GB" sz="3600" dirty="0">
+                <a:solidFill>
+                  <a:srgbClr val="2196F3"/>
+                </a:solidFill>
+                <a:latin typeface="Segoe UI" panose="020B0502040204020203" pitchFamily="34" charset="0"/>
+                <a:cs typeface="Segoe UI" panose="020B0502040204020203" pitchFamily="34" charset="0"/>
+              </a:rPr>
+              <a:t>Representational State Transfer</a:t>
             </a:r>
           </a:p>
           <a:p>
@@ -10079,14 +10451,14 @@
               <a:buNone/>
             </a:pPr>
             <a:r>
-              <a:rPr lang="en-GB" sz="4400" dirty="0">
+              <a:rPr lang="en-GB" sz="3600" dirty="0">
                 <a:solidFill>
                   <a:srgbClr val="2196F3"/>
                 </a:solidFill>
                 <a:latin typeface="Segoe UI" panose="020B0502040204020203" pitchFamily="34" charset="0"/>
                 <a:cs typeface="Segoe UI" panose="020B0502040204020203" pitchFamily="34" charset="0"/>
               </a:rPr>
-              <a:t>Application Programming Interface</a:t>
+              <a:t>This was formulated by Roy Fielding for his thesis in 2000 to create an alternative to the SOAP method.</a:t>
             </a:r>
           </a:p>
           <a:p>
@@ -10094,15 +10466,60 @@
               <a:buNone/>
             </a:pPr>
             <a:r>
-              <a:rPr lang="en-GB" sz="4400" dirty="0">
+              <a:rPr lang="en-GB" sz="3600" dirty="0">
                 <a:solidFill>
                   <a:srgbClr val="2196F3"/>
                 </a:solidFill>
                 <a:latin typeface="Segoe UI" panose="020B0502040204020203" pitchFamily="34" charset="0"/>
                 <a:cs typeface="Segoe UI" panose="020B0502040204020203" pitchFamily="34" charset="0"/>
               </a:rPr>
-              <a:t>‘one bit of software communicating with another’</a:t>
-            </a:r>
+              <a:t>An architectural style not a protocol.</a:t>
+            </a:r>
+          </a:p>
+          <a:p>
+            <a:pPr marL="457200" lvl="1" indent="0">
+              <a:buNone/>
+            </a:pPr>
+            <a:r>
+              <a:rPr lang="en-GB" sz="3600" dirty="0">
+                <a:solidFill>
+                  <a:srgbClr val="2196F3"/>
+                </a:solidFill>
+                <a:latin typeface="Segoe UI" panose="020B0502040204020203" pitchFamily="34" charset="0"/>
+                <a:cs typeface="Segoe UI" panose="020B0502040204020203" pitchFamily="34" charset="0"/>
+              </a:rPr>
+              <a:t>HTTP by its nature is implicitly RESTful.</a:t>
+            </a:r>
+          </a:p>
+          <a:p>
+            <a:pPr marL="457200" lvl="1" indent="0">
+              <a:buNone/>
+            </a:pPr>
+            <a:endParaRPr lang="en-GB" sz="3600" dirty="0">
+              <a:solidFill>
+                <a:srgbClr val="2196F3"/>
+              </a:solidFill>
+              <a:latin typeface="Segoe UI" panose="020B0502040204020203" pitchFamily="34" charset="0"/>
+              <a:cs typeface="Segoe UI" panose="020B0502040204020203" pitchFamily="34" charset="0"/>
+            </a:endParaRPr>
+          </a:p>
+          <a:p>
+            <a:pPr marL="457200" lvl="1" indent="0">
+              <a:buNone/>
+            </a:pPr>
+            <a:r>
+              <a:rPr lang="en-GB" dirty="0">
+                <a:hlinkClick r:id="rId2"/>
+              </a:rPr>
+              <a:t>https://www.ics.uci.edu/~fielding/pubs/dissertation/rest_arch_style.htm</a:t>
+            </a:r>
+            <a:endParaRPr lang="en-GB" dirty="0">
+              <a:solidFill>
+                <a:srgbClr val="2196F3"/>
+              </a:solidFill>
+              <a:latin typeface="Segoe UI" panose="020B0502040204020203" pitchFamily="34" charset="0"/>
+              <a:cs typeface="Segoe UI" panose="020B0502040204020203" pitchFamily="34" charset="0"/>
+            </a:endParaRPr>
           </a:p>
           <a:p>
             <a:pPr marL="457200" lvl="1" indent="0">
@@ -10157,7 +10574,7 @@
     </p:spTree>
     <p:extLst>
       <p:ext uri="{BB962C8B-B14F-4D97-AF65-F5344CB8AC3E}">
-        <p14:creationId xmlns:p14="http://schemas.microsoft.com/office/powerpoint/2010/main" val="2349120303"/>
+        <p14:creationId xmlns:p14="http://schemas.microsoft.com/office/powerpoint/2010/main" val="2017018934"/>
       </p:ext>
     </p:extLst>
   </p:cSld>
@@ -10268,7 +10685,7 @@
                 <a:latin typeface="Segoe UI" panose="020B0502040204020203" pitchFamily="34" charset="0"/>
                 <a:cs typeface="Segoe UI" panose="020B0502040204020203" pitchFamily="34" charset="0"/>
               </a:rPr>
-              <a:t>ENDPOINTS:</a:t>
+              <a:t>API:</a:t>
             </a:r>
           </a:p>
           <a:p>
@@ -10295,7 +10712,7 @@
                 <a:latin typeface="Segoe UI" panose="020B0502040204020203" pitchFamily="34" charset="0"/>
                 <a:cs typeface="Segoe UI" panose="020B0502040204020203" pitchFamily="34" charset="0"/>
               </a:rPr>
-              <a:t>HTTP VERB + URL = ENDPOINT</a:t>
+              <a:t>Application Programming Interface</a:t>
             </a:r>
           </a:p>
           <a:p>
@@ -10310,55 +10727,8 @@
                 <a:latin typeface="Segoe UI" panose="020B0502040204020203" pitchFamily="34" charset="0"/>
                 <a:cs typeface="Segoe UI" panose="020B0502040204020203" pitchFamily="34" charset="0"/>
               </a:rPr>
-              <a:t>GET/POST + same URL = 2 ENDPOINTS</a:t>
-            </a:r>
-          </a:p>
-          <a:p>
-            <a:pPr marL="457200" lvl="1" indent="0">
-              <a:buNone/>
-            </a:pPr>
-            <a:endParaRPr lang="en-GB" sz="4400" dirty="0">
-              <a:solidFill>
-                <a:srgbClr val="2196F3"/>
-              </a:solidFill>
-              <a:latin typeface="Segoe UI" panose="020B0502040204020203" pitchFamily="34" charset="0"/>
-              <a:cs typeface="Segoe UI" panose="020B0502040204020203" pitchFamily="34" charset="0"/>
-            </a:endParaRPr>
-          </a:p>
-          <a:p>
-            <a:pPr marL="457200" lvl="1" indent="0">
-              <a:buNone/>
-            </a:pPr>
-            <a:r>
-              <a:rPr lang="en-GB" sz="3200" dirty="0">
-                <a:solidFill>
-                  <a:srgbClr val="2196F3"/>
-                </a:solidFill>
-                <a:hlinkClick r:id="rId2">
-                  <a:extLst>
-                    <a:ext uri="{A12FA001-AC4F-418D-AE19-62706E023703}">
-                      <ahyp:hlinkClr xmlns:ahyp="http://schemas.microsoft.com/office/drawing/2018/hyperlinkcolor" val="tx"/>
-                    </a:ext>
-                  </a:extLst>
-                </a:hlinkClick>
-              </a:rPr>
-              <a:t>https://wpjs.co.uk/wpb/wp-json/wp/v2/posts</a:t>
-            </a:r>
-            <a:r>
-              <a:rPr lang="en-GB" sz="3200" dirty="0">
-                <a:solidFill>
-                  <a:srgbClr val="2196F3"/>
-                </a:solidFill>
-              </a:rPr>
-              <a:t>  GET/POST/DELETE</a:t>
-            </a:r>
-            <a:endParaRPr lang="en-GB" sz="3200" dirty="0">
-              <a:solidFill>
-                <a:srgbClr val="2196F3"/>
-              </a:solidFill>
-              <a:latin typeface="Segoe UI" panose="020B0502040204020203" pitchFamily="34" charset="0"/>
-              <a:cs typeface="Segoe UI" panose="020B0502040204020203" pitchFamily="34" charset="0"/>
-            </a:endParaRPr>
+              <a:t>‘one bit of software communicating with another’</a:t>
+            </a:r>
           </a:p>
           <a:p>
             <a:pPr marL="457200" lvl="1" indent="0">
@@ -10413,7 +10783,7 @@
     </p:spTree>
     <p:extLst>
       <p:ext uri="{BB962C8B-B14F-4D97-AF65-F5344CB8AC3E}">
-        <p14:creationId xmlns:p14="http://schemas.microsoft.com/office/powerpoint/2010/main" val="748983604"/>
+        <p14:creationId xmlns:p14="http://schemas.microsoft.com/office/powerpoint/2010/main" val="2349120303"/>
       </p:ext>
     </p:extLst>
   </p:cSld>
@@ -10503,13 +10873,13 @@
         </p:nvSpPr>
         <p:spPr>
           <a:xfrm>
-            <a:off x="838200" y="1325563"/>
+            <a:off x="838200" y="1775290"/>
             <a:ext cx="10515600" cy="4399007"/>
           </a:xfrm>
         </p:spPr>
         <p:txBody>
           <a:bodyPr wrap="square" bIns="252000">
-            <a:normAutofit lnSpcReduction="10000"/>
+            <a:normAutofit/>
           </a:bodyPr>
           <a:lstStyle/>
           <a:p>
@@ -10524,14 +10894,14 @@
                 <a:latin typeface="Segoe UI" panose="020B0502040204020203" pitchFamily="34" charset="0"/>
                 <a:cs typeface="Segoe UI" panose="020B0502040204020203" pitchFamily="34" charset="0"/>
               </a:rPr>
-              <a:t>AJAX:</a:t>
+              <a:t>ENDPOINTS:</a:t>
             </a:r>
           </a:p>
           <a:p>
             <a:pPr marL="457200" lvl="1" indent="0">
               <a:buNone/>
             </a:pPr>
-            <a:endParaRPr lang="en-GB" sz="800" dirty="0">
+            <a:endParaRPr lang="en-GB" sz="1050" dirty="0">
               <a:solidFill>
                 <a:srgbClr val="2196F3"/>
               </a:solidFill>
@@ -10544,83 +10914,36 @@
               <a:buNone/>
             </a:pPr>
             <a:r>
-              <a:rPr lang="en-GB" sz="3200" dirty="0">
+              <a:rPr lang="en-GB" sz="4400" dirty="0">
                 <a:solidFill>
                   <a:srgbClr val="2196F3"/>
                 </a:solidFill>
-              </a:rPr>
-              <a:t>AJAX = </a:t>
-            </a:r>
-            <a:r>
-              <a:rPr lang="en-GB" sz="3200" b="1" dirty="0">
+                <a:latin typeface="Segoe UI" panose="020B0502040204020203" pitchFamily="34" charset="0"/>
+                <a:cs typeface="Segoe UI" panose="020B0502040204020203" pitchFamily="34" charset="0"/>
+              </a:rPr>
+              <a:t>HTTP VERB + URL = ENDPOINT</a:t>
+            </a:r>
+          </a:p>
+          <a:p>
+            <a:pPr marL="457200" lvl="1" indent="0">
+              <a:buNone/>
+            </a:pPr>
+            <a:r>
+              <a:rPr lang="en-GB" sz="4400" dirty="0">
                 <a:solidFill>
                   <a:srgbClr val="2196F3"/>
                 </a:solidFill>
-              </a:rPr>
-              <a:t>A</a:t>
-            </a:r>
-            <a:r>
-              <a:rPr lang="en-GB" sz="3200" dirty="0">
-                <a:solidFill>
-                  <a:srgbClr val="2196F3"/>
-                </a:solidFill>
-              </a:rPr>
-              <a:t>synchronous </a:t>
-            </a:r>
-            <a:r>
-              <a:rPr lang="en-GB" sz="3200" b="1" dirty="0">
-                <a:solidFill>
-                  <a:srgbClr val="2196F3"/>
-                </a:solidFill>
-              </a:rPr>
-              <a:t>J</a:t>
-            </a:r>
-            <a:r>
-              <a:rPr lang="en-GB" sz="3200" dirty="0">
-                <a:solidFill>
-                  <a:srgbClr val="2196F3"/>
-                </a:solidFill>
-              </a:rPr>
-              <a:t>avaScript </a:t>
-            </a:r>
-            <a:r>
-              <a:rPr lang="en-GB" sz="3200" b="1" dirty="0">
-                <a:solidFill>
-                  <a:srgbClr val="2196F3"/>
-                </a:solidFill>
-              </a:rPr>
-              <a:t>A</a:t>
-            </a:r>
-            <a:r>
-              <a:rPr lang="en-GB" sz="3200" dirty="0">
-                <a:solidFill>
-                  <a:srgbClr val="2196F3"/>
-                </a:solidFill>
-              </a:rPr>
-              <a:t>nd </a:t>
-            </a:r>
-            <a:r>
-              <a:rPr lang="en-GB" sz="3200" b="1" dirty="0">
-                <a:solidFill>
-                  <a:srgbClr val="2196F3"/>
-                </a:solidFill>
-              </a:rPr>
-              <a:t>X</a:t>
-            </a:r>
-            <a:r>
-              <a:rPr lang="en-GB" sz="3200" dirty="0">
-                <a:solidFill>
-                  <a:srgbClr val="2196F3"/>
-                </a:solidFill>
-              </a:rPr>
-              <a:t>ML.</a:t>
+                <a:latin typeface="Segoe UI" panose="020B0502040204020203" pitchFamily="34" charset="0"/>
+                <a:cs typeface="Segoe UI" panose="020B0502040204020203" pitchFamily="34" charset="0"/>
+              </a:rPr>
+              <a:t>GET/POST + same URL = 2 ENDPOINTS</a:t>
             </a:r>
           </a:p>
           <a:p>
             <a:pPr marL="457200" lvl="1" indent="0">
               <a:buNone/>
             </a:pPr>
-            <a:endParaRPr lang="en-GB" sz="1800" dirty="0">
+            <a:endParaRPr lang="en-GB" sz="4400" dirty="0">
               <a:solidFill>
                 <a:srgbClr val="2196F3"/>
               </a:solidFill>
@@ -10629,83 +10952,39 @@
             </a:endParaRPr>
           </a:p>
           <a:p>
-            <a:pPr lvl="1"/>
+            <a:pPr marL="457200" lvl="1" indent="0">
+              <a:buNone/>
+            </a:pPr>
             <a:r>
               <a:rPr lang="en-GB" sz="3200" dirty="0">
                 <a:solidFill>
                   <a:srgbClr val="2196F3"/>
                 </a:solidFill>
-              </a:rPr>
-              <a:t>Read data from a web server </a:t>
-            </a:r>
-            <a:r>
-              <a:rPr lang="en-GB" sz="3200" i="1" dirty="0">
+                <a:hlinkClick r:id="rId2">
+                  <a:extLst>
+                    <a:ext uri="{A12FA001-AC4F-418D-AE19-62706E023703}">
+                      <ahyp:hlinkClr xmlns:ahyp="http://schemas.microsoft.com/office/drawing/2018/hyperlinkcolor" val="tx"/>
+                    </a:ext>
+                  </a:extLst>
+                </a:hlinkClick>
+              </a:rPr>
+              <a:t>https://wpjs.co.uk/wpb/wp-json/wp/v2/posts</a:t>
+            </a:r>
+            <a:r>
+              <a:rPr lang="en-GB" sz="3200" dirty="0">
                 <a:solidFill>
                   <a:srgbClr val="2196F3"/>
                 </a:solidFill>
               </a:rPr>
-              <a:t>without reloading the page</a:t>
-            </a:r>
-          </a:p>
-          <a:p>
-            <a:pPr lvl="1"/>
-            <a:r>
-              <a:rPr lang="en-GB" sz="3200" dirty="0">
-                <a:solidFill>
-                  <a:srgbClr val="2196F3"/>
-                </a:solidFill>
-              </a:rPr>
-              <a:t>Update a web page</a:t>
-            </a:r>
-          </a:p>
-          <a:p>
-            <a:pPr lvl="1"/>
-            <a:r>
-              <a:rPr lang="en-GB" sz="3200" dirty="0">
-                <a:solidFill>
-                  <a:srgbClr val="2196F3"/>
-                </a:solidFill>
-              </a:rPr>
-              <a:t>Send data to a web server - in the background</a:t>
-            </a:r>
-          </a:p>
-          <a:p>
-            <a:pPr lvl="1"/>
-            <a:r>
-              <a:rPr lang="en-GB" sz="3200" dirty="0">
-                <a:solidFill>
-                  <a:srgbClr val="2196F3"/>
-                </a:solidFill>
-              </a:rPr>
-              <a:t>Many libraries like jQuery, </a:t>
-            </a:r>
-            <a:r>
-              <a:rPr lang="en-GB" sz="3200" dirty="0" err="1">
-                <a:solidFill>
-                  <a:srgbClr val="2196F3"/>
-                </a:solidFill>
-              </a:rPr>
-              <a:t>Axios</a:t>
-            </a:r>
-            <a:r>
-              <a:rPr lang="en-GB" sz="3200" dirty="0">
-                <a:solidFill>
-                  <a:srgbClr val="2196F3"/>
-                </a:solidFill>
-              </a:rPr>
-              <a:t> etc</a:t>
-            </a:r>
-          </a:p>
-          <a:p>
-            <a:pPr lvl="1"/>
-            <a:r>
-              <a:rPr lang="en-GB" sz="3200" dirty="0">
-                <a:solidFill>
-                  <a:srgbClr val="2196F3"/>
-                </a:solidFill>
-              </a:rPr>
-              <a:t>I use browser API: fetch()</a:t>
-            </a:r>
+              <a:t>  GET/POST/DELETE</a:t>
+            </a:r>
+            <a:endParaRPr lang="en-GB" sz="3200" dirty="0">
+              <a:solidFill>
+                <a:srgbClr val="2196F3"/>
+              </a:solidFill>
+              <a:latin typeface="Segoe UI" panose="020B0502040204020203" pitchFamily="34" charset="0"/>
+              <a:cs typeface="Segoe UI" panose="020B0502040204020203" pitchFamily="34" charset="0"/>
+            </a:endParaRPr>
           </a:p>
           <a:p>
             <a:pPr marL="457200" lvl="1" indent="0">
@@ -10760,7 +11039,7 @@
     </p:spTree>
     <p:extLst>
       <p:ext uri="{BB962C8B-B14F-4D97-AF65-F5344CB8AC3E}">
-        <p14:creationId xmlns:p14="http://schemas.microsoft.com/office/powerpoint/2010/main" val="3133069735"/>
+        <p14:creationId xmlns:p14="http://schemas.microsoft.com/office/powerpoint/2010/main" val="748983604"/>
       </p:ext>
     </p:extLst>
   </p:cSld>

--- a/rest-api-workshop.pptx
+++ b/rest-api-workshop.pptx
@@ -5,28 +5,27 @@
     <p:sldMasterId id="2147483648" r:id="rId1"/>
   </p:sldMasterIdLst>
   <p:notesMasterIdLst>
-    <p:notesMasterId r:id="rId21"/>
+    <p:notesMasterId r:id="rId20"/>
   </p:notesMasterIdLst>
   <p:sldIdLst>
     <p:sldId id="264" r:id="rId2"/>
     <p:sldId id="304" r:id="rId3"/>
     <p:sldId id="296" r:id="rId4"/>
-    <p:sldId id="303" r:id="rId5"/>
-    <p:sldId id="294" r:id="rId6"/>
-    <p:sldId id="317" r:id="rId7"/>
-    <p:sldId id="299" r:id="rId8"/>
-    <p:sldId id="298" r:id="rId9"/>
-    <p:sldId id="297" r:id="rId10"/>
-    <p:sldId id="300" r:id="rId11"/>
-    <p:sldId id="302" r:id="rId12"/>
-    <p:sldId id="315" r:id="rId13"/>
-    <p:sldId id="316" r:id="rId14"/>
-    <p:sldId id="305" r:id="rId15"/>
-    <p:sldId id="313" r:id="rId16"/>
-    <p:sldId id="314" r:id="rId17"/>
-    <p:sldId id="309" r:id="rId18"/>
-    <p:sldId id="310" r:id="rId19"/>
-    <p:sldId id="311" r:id="rId20"/>
+    <p:sldId id="294" r:id="rId5"/>
+    <p:sldId id="317" r:id="rId6"/>
+    <p:sldId id="299" r:id="rId7"/>
+    <p:sldId id="298" r:id="rId8"/>
+    <p:sldId id="297" r:id="rId9"/>
+    <p:sldId id="300" r:id="rId10"/>
+    <p:sldId id="302" r:id="rId11"/>
+    <p:sldId id="315" r:id="rId12"/>
+    <p:sldId id="316" r:id="rId13"/>
+    <p:sldId id="305" r:id="rId14"/>
+    <p:sldId id="313" r:id="rId15"/>
+    <p:sldId id="314" r:id="rId16"/>
+    <p:sldId id="309" r:id="rId17"/>
+    <p:sldId id="310" r:id="rId18"/>
+    <p:sldId id="311" r:id="rId19"/>
   </p:sldIdLst>
   <p:sldSz cx="12192000" cy="6858000"/>
   <p:notesSz cx="6858000" cy="9144000"/>
@@ -133,7 +132,6 @@
             <p14:sldId id="264"/>
             <p14:sldId id="304"/>
             <p14:sldId id="296"/>
-            <p14:sldId id="303"/>
             <p14:sldId id="294"/>
             <p14:sldId id="317"/>
             <p14:sldId id="299"/>
@@ -261,7 +259,7 @@
           <a:p>
             <a:fld id="{70FE56F2-0B60-44FC-AC55-491897A4F355}" type="datetimeFigureOut">
               <a:rPr lang="en-GB" smtClean="0"/>
-              <a:t>26/05/2020</a:t>
+              <a:t>29/05/2020</a:t>
             </a:fld>
             <a:endParaRPr lang="en-GB"/>
           </a:p>
@@ -678,7 +676,7 @@
           <a:p>
             <a:fld id="{4D723AB6-704A-42C8-AB51-31B091223600}" type="datetimeFigureOut">
               <a:rPr lang="en-GB" smtClean="0"/>
-              <a:t>26/05/2020</a:t>
+              <a:t>29/05/2020</a:t>
             </a:fld>
             <a:endParaRPr lang="en-GB"/>
           </a:p>
@@ -878,7 +876,7 @@
           <a:p>
             <a:fld id="{4D723AB6-704A-42C8-AB51-31B091223600}" type="datetimeFigureOut">
               <a:rPr lang="en-GB" smtClean="0"/>
-              <a:t>26/05/2020</a:t>
+              <a:t>29/05/2020</a:t>
             </a:fld>
             <a:endParaRPr lang="en-GB"/>
           </a:p>
@@ -1088,7 +1086,7 @@
           <a:p>
             <a:fld id="{4D723AB6-704A-42C8-AB51-31B091223600}" type="datetimeFigureOut">
               <a:rPr lang="en-GB" smtClean="0"/>
-              <a:t>26/05/2020</a:t>
+              <a:t>29/05/2020</a:t>
             </a:fld>
             <a:endParaRPr lang="en-GB"/>
           </a:p>
@@ -1288,7 +1286,7 @@
           <a:p>
             <a:fld id="{4D723AB6-704A-42C8-AB51-31B091223600}" type="datetimeFigureOut">
               <a:rPr lang="en-GB" smtClean="0"/>
-              <a:t>26/05/2020</a:t>
+              <a:t>29/05/2020</a:t>
             </a:fld>
             <a:endParaRPr lang="en-GB"/>
           </a:p>
@@ -1564,7 +1562,7 @@
           <a:p>
             <a:fld id="{4D723AB6-704A-42C8-AB51-31B091223600}" type="datetimeFigureOut">
               <a:rPr lang="en-GB" smtClean="0"/>
-              <a:t>26/05/2020</a:t>
+              <a:t>29/05/2020</a:t>
             </a:fld>
             <a:endParaRPr lang="en-GB"/>
           </a:p>
@@ -1832,7 +1830,7 @@
           <a:p>
             <a:fld id="{4D723AB6-704A-42C8-AB51-31B091223600}" type="datetimeFigureOut">
               <a:rPr lang="en-GB" smtClean="0"/>
-              <a:t>26/05/2020</a:t>
+              <a:t>29/05/2020</a:t>
             </a:fld>
             <a:endParaRPr lang="en-GB"/>
           </a:p>
@@ -2247,7 +2245,7 @@
           <a:p>
             <a:fld id="{4D723AB6-704A-42C8-AB51-31B091223600}" type="datetimeFigureOut">
               <a:rPr lang="en-GB" smtClean="0"/>
-              <a:t>26/05/2020</a:t>
+              <a:t>29/05/2020</a:t>
             </a:fld>
             <a:endParaRPr lang="en-GB"/>
           </a:p>
@@ -2389,7 +2387,7 @@
           <a:p>
             <a:fld id="{4D723AB6-704A-42C8-AB51-31B091223600}" type="datetimeFigureOut">
               <a:rPr lang="en-GB" smtClean="0"/>
-              <a:t>26/05/2020</a:t>
+              <a:t>29/05/2020</a:t>
             </a:fld>
             <a:endParaRPr lang="en-GB"/>
           </a:p>
@@ -2502,7 +2500,7 @@
           <a:p>
             <a:fld id="{4D723AB6-704A-42C8-AB51-31B091223600}" type="datetimeFigureOut">
               <a:rPr lang="en-GB" smtClean="0"/>
-              <a:t>26/05/2020</a:t>
+              <a:t>29/05/2020</a:t>
             </a:fld>
             <a:endParaRPr lang="en-GB"/>
           </a:p>
@@ -2815,7 +2813,7 @@
           <a:p>
             <a:fld id="{4D723AB6-704A-42C8-AB51-31B091223600}" type="datetimeFigureOut">
               <a:rPr lang="en-GB" smtClean="0"/>
-              <a:t>26/05/2020</a:t>
+              <a:t>29/05/2020</a:t>
             </a:fld>
             <a:endParaRPr lang="en-GB"/>
           </a:p>
@@ -3104,7 +3102,7 @@
           <a:p>
             <a:fld id="{4D723AB6-704A-42C8-AB51-31B091223600}" type="datetimeFigureOut">
               <a:rPr lang="en-GB" smtClean="0"/>
-              <a:t>26/05/2020</a:t>
+              <a:t>29/05/2020</a:t>
             </a:fld>
             <a:endParaRPr lang="en-GB"/>
           </a:p>
@@ -3347,7 +3345,7 @@
           <a:p>
             <a:fld id="{4D723AB6-704A-42C8-AB51-31B091223600}" type="datetimeFigureOut">
               <a:rPr lang="en-GB" smtClean="0"/>
-              <a:t>26/05/2020</a:t>
+              <a:t>29/05/2020</a:t>
             </a:fld>
             <a:endParaRPr lang="en-GB"/>
           </a:p>
@@ -4257,13 +4255,13 @@
         </p:nvSpPr>
         <p:spPr>
           <a:xfrm>
-            <a:off x="838200" y="1325563"/>
-            <a:ext cx="10515600" cy="4399007"/>
+            <a:off x="838200" y="1394692"/>
+            <a:ext cx="10515600" cy="4779606"/>
           </a:xfrm>
         </p:spPr>
         <p:txBody>
           <a:bodyPr wrap="square" bIns="252000">
-            <a:normAutofit lnSpcReduction="10000"/>
+            <a:normAutofit fontScale="92500" lnSpcReduction="10000"/>
           </a:bodyPr>
           <a:lstStyle/>
           <a:p>
@@ -4271,21 +4269,153 @@
               <a:buNone/>
             </a:pPr>
             <a:r>
-              <a:rPr lang="en-GB" sz="5100" dirty="0">
-                <a:solidFill>
-                  <a:srgbClr val="2196F3"/>
-                </a:solidFill>
-                <a:latin typeface="Segoe UI" panose="020B0502040204020203" pitchFamily="34" charset="0"/>
-                <a:cs typeface="Segoe UI" panose="020B0502040204020203" pitchFamily="34" charset="0"/>
-              </a:rPr>
-              <a:t>AJAX:</a:t>
+              <a:rPr lang="en-GB" sz="4000" dirty="0">
+                <a:solidFill>
+                  <a:srgbClr val="2196F3"/>
+                </a:solidFill>
+              </a:rPr>
+              <a:t>Think of JSON data as an associative array</a:t>
             </a:r>
           </a:p>
           <a:p>
             <a:pPr marL="457200" lvl="1" indent="0">
               <a:buNone/>
             </a:pPr>
-            <a:endParaRPr lang="en-GB" sz="800" dirty="0">
+            <a:r>
+              <a:rPr lang="en-GB" sz="3500" dirty="0" err="1">
+                <a:solidFill>
+                  <a:srgbClr val="2196F3"/>
+                </a:solidFill>
+              </a:rPr>
+              <a:t>json_encode</a:t>
+            </a:r>
+            <a:r>
+              <a:rPr lang="en-GB" sz="3500" dirty="0">
+                <a:solidFill>
+                  <a:srgbClr val="2196F3"/>
+                </a:solidFill>
+              </a:rPr>
+              <a:t>([php associative array]) gives JSON</a:t>
+            </a:r>
+          </a:p>
+          <a:p>
+            <a:pPr marL="457200" lvl="1" indent="0">
+              <a:buNone/>
+            </a:pPr>
+            <a:r>
+              <a:rPr lang="en-GB" sz="3500" dirty="0" err="1">
+                <a:solidFill>
+                  <a:srgbClr val="2196F3"/>
+                </a:solidFill>
+              </a:rPr>
+              <a:t>json_decode</a:t>
+            </a:r>
+            <a:r>
+              <a:rPr lang="en-GB" sz="3500" dirty="0">
+                <a:solidFill>
+                  <a:srgbClr val="2196F3"/>
+                </a:solidFill>
+              </a:rPr>
+              <a:t> (JSON) gives an </a:t>
+            </a:r>
+            <a:r>
+              <a:rPr lang="en-GB" sz="3500" dirty="0" err="1">
+                <a:solidFill>
+                  <a:srgbClr val="2196F3"/>
+                </a:solidFill>
+              </a:rPr>
+              <a:t>assoc</a:t>
+            </a:r>
+            <a:r>
+              <a:rPr lang="en-GB" sz="3500" dirty="0">
+                <a:solidFill>
+                  <a:srgbClr val="2196F3"/>
+                </a:solidFill>
+              </a:rPr>
+              <a:t> array</a:t>
+            </a:r>
+          </a:p>
+          <a:p>
+            <a:pPr marL="457200" lvl="1" indent="0">
+              <a:buNone/>
+            </a:pPr>
+            <a:endParaRPr lang="en-GB" sz="1000" dirty="0">
+              <a:solidFill>
+                <a:srgbClr val="2196F3"/>
+              </a:solidFill>
+            </a:endParaRPr>
+          </a:p>
+          <a:p>
+            <a:pPr lvl="1"/>
+            <a:r>
+              <a:rPr lang="en-GB" sz="2800" dirty="0">
+                <a:solidFill>
+                  <a:srgbClr val="2196F3"/>
+                </a:solidFill>
+              </a:rPr>
+              <a:t>Strings</a:t>
+            </a:r>
+          </a:p>
+          <a:p>
+            <a:pPr lvl="1"/>
+            <a:r>
+              <a:rPr lang="en-GB" sz="2800" dirty="0">
+                <a:solidFill>
+                  <a:srgbClr val="2196F3"/>
+                </a:solidFill>
+              </a:rPr>
+              <a:t>Booleans</a:t>
+            </a:r>
+          </a:p>
+          <a:p>
+            <a:pPr lvl="1"/>
+            <a:r>
+              <a:rPr lang="en-GB" sz="2800" dirty="0">
+                <a:solidFill>
+                  <a:srgbClr val="2196F3"/>
+                </a:solidFill>
+              </a:rPr>
+              <a:t>Numbers</a:t>
+            </a:r>
+          </a:p>
+          <a:p>
+            <a:pPr lvl="1"/>
+            <a:r>
+              <a:rPr lang="en-GB" sz="2800" dirty="0">
+                <a:solidFill>
+                  <a:srgbClr val="2196F3"/>
+                </a:solidFill>
+              </a:rPr>
+              <a:t>Null</a:t>
+            </a:r>
+          </a:p>
+          <a:p>
+            <a:pPr lvl="1"/>
+            <a:r>
+              <a:rPr lang="en-GB" sz="2800" dirty="0">
+                <a:solidFill>
+                  <a:srgbClr val="2196F3"/>
+                </a:solidFill>
+              </a:rPr>
+              <a:t>Object</a:t>
+            </a:r>
+          </a:p>
+          <a:p>
+            <a:pPr lvl="1"/>
+            <a:r>
+              <a:rPr lang="en-GB" sz="2800" dirty="0">
+                <a:solidFill>
+                  <a:srgbClr val="2196F3"/>
+                </a:solidFill>
+              </a:rPr>
+              <a:t>Array</a:t>
+            </a:r>
+          </a:p>
+          <a:p>
+            <a:pPr marL="457200" lvl="1" indent="0">
+              <a:buNone/>
+            </a:pPr>
+            <a:endParaRPr lang="en-GB" sz="1200" dirty="0">
               <a:solidFill>
                 <a:srgbClr val="2196F3"/>
               </a:solidFill>
@@ -4298,168 +4428,27 @@
               <a:buNone/>
             </a:pPr>
             <a:r>
-              <a:rPr lang="en-GB" sz="3200" dirty="0">
-                <a:solidFill>
-                  <a:srgbClr val="2196F3"/>
-                </a:solidFill>
-              </a:rPr>
-              <a:t>AJAX = </a:t>
-            </a:r>
-            <a:r>
-              <a:rPr lang="en-GB" sz="3200" b="1" dirty="0">
-                <a:solidFill>
-                  <a:srgbClr val="2196F3"/>
-                </a:solidFill>
-              </a:rPr>
-              <a:t>A</a:t>
-            </a:r>
-            <a:r>
-              <a:rPr lang="en-GB" sz="3200" dirty="0">
-                <a:solidFill>
-                  <a:srgbClr val="2196F3"/>
-                </a:solidFill>
-              </a:rPr>
-              <a:t>synchronous </a:t>
-            </a:r>
-            <a:r>
-              <a:rPr lang="en-GB" sz="3200" b="1" dirty="0">
-                <a:solidFill>
-                  <a:srgbClr val="2196F3"/>
-                </a:solidFill>
-              </a:rPr>
-              <a:t>J</a:t>
-            </a:r>
-            <a:r>
-              <a:rPr lang="en-GB" sz="3200" dirty="0">
-                <a:solidFill>
-                  <a:srgbClr val="2196F3"/>
-                </a:solidFill>
-              </a:rPr>
-              <a:t>avaScript </a:t>
-            </a:r>
-            <a:r>
-              <a:rPr lang="en-GB" sz="3200" b="1" dirty="0">
-                <a:solidFill>
-                  <a:srgbClr val="2196F3"/>
-                </a:solidFill>
-              </a:rPr>
-              <a:t>A</a:t>
-            </a:r>
-            <a:r>
-              <a:rPr lang="en-GB" sz="3200" dirty="0">
-                <a:solidFill>
-                  <a:srgbClr val="2196F3"/>
-                </a:solidFill>
-              </a:rPr>
-              <a:t>nd </a:t>
-            </a:r>
-            <a:r>
-              <a:rPr lang="en-GB" sz="3200" b="1" dirty="0">
-                <a:solidFill>
-                  <a:srgbClr val="2196F3"/>
-                </a:solidFill>
-              </a:rPr>
-              <a:t>X</a:t>
-            </a:r>
-            <a:r>
-              <a:rPr lang="en-GB" sz="3200" dirty="0">
-                <a:solidFill>
-                  <a:srgbClr val="2196F3"/>
-                </a:solidFill>
-              </a:rPr>
-              <a:t>ML.</a:t>
-            </a:r>
-          </a:p>
-          <a:p>
-            <a:pPr marL="457200" lvl="1" indent="0">
-              <a:buNone/>
-            </a:pPr>
-            <a:endParaRPr lang="en-GB" sz="1800" dirty="0">
+              <a:rPr lang="en-GB" sz="2800" dirty="0">
+                <a:solidFill>
+                  <a:srgbClr val="2196F3"/>
+                </a:solidFill>
+                <a:hlinkClick r:id="rId2">
+                  <a:extLst>
+                    <a:ext uri="{A12FA001-AC4F-418D-AE19-62706E023703}">
+                      <ahyp:hlinkClr xmlns:ahyp="http://schemas.microsoft.com/office/drawing/2018/hyperlinkcolor" val="tx"/>
+                    </a:ext>
+                  </a:extLst>
+                </a:hlinkClick>
+              </a:rPr>
+              <a:t>https://wpjs.co.uk/wpb/wp-json/wp/v2/posts</a:t>
+            </a:r>
+            <a:endParaRPr lang="en-GB" sz="2800" dirty="0">
               <a:solidFill>
                 <a:srgbClr val="2196F3"/>
               </a:solidFill>
               <a:latin typeface="Segoe UI" panose="020B0502040204020203" pitchFamily="34" charset="0"/>
               <a:cs typeface="Segoe UI" panose="020B0502040204020203" pitchFamily="34" charset="0"/>
             </a:endParaRPr>
-          </a:p>
-          <a:p>
-            <a:pPr lvl="1"/>
-            <a:r>
-              <a:rPr lang="en-GB" sz="3200" dirty="0">
-                <a:solidFill>
-                  <a:srgbClr val="2196F3"/>
-                </a:solidFill>
-              </a:rPr>
-              <a:t>Read data from a web server </a:t>
-            </a:r>
-            <a:r>
-              <a:rPr lang="en-GB" sz="3200" i="1" dirty="0">
-                <a:solidFill>
-                  <a:srgbClr val="2196F3"/>
-                </a:solidFill>
-              </a:rPr>
-              <a:t>without reloading the page</a:t>
-            </a:r>
-          </a:p>
-          <a:p>
-            <a:pPr lvl="1"/>
-            <a:r>
-              <a:rPr lang="en-GB" sz="3200" dirty="0">
-                <a:solidFill>
-                  <a:srgbClr val="2196F3"/>
-                </a:solidFill>
-              </a:rPr>
-              <a:t>Update a web page</a:t>
-            </a:r>
-          </a:p>
-          <a:p>
-            <a:pPr lvl="1"/>
-            <a:r>
-              <a:rPr lang="en-GB" sz="3200" dirty="0">
-                <a:solidFill>
-                  <a:srgbClr val="2196F3"/>
-                </a:solidFill>
-              </a:rPr>
-              <a:t>Send data to a web server - in the background</a:t>
-            </a:r>
-          </a:p>
-          <a:p>
-            <a:pPr lvl="1"/>
-            <a:r>
-              <a:rPr lang="en-GB" sz="3200" dirty="0">
-                <a:solidFill>
-                  <a:srgbClr val="2196F3"/>
-                </a:solidFill>
-              </a:rPr>
-              <a:t>Many libraries like jQuery, </a:t>
-            </a:r>
-            <a:r>
-              <a:rPr lang="en-GB" sz="3200" dirty="0" err="1">
-                <a:solidFill>
-                  <a:srgbClr val="2196F3"/>
-                </a:solidFill>
-              </a:rPr>
-              <a:t>Axios</a:t>
-            </a:r>
-            <a:r>
-              <a:rPr lang="en-GB" sz="3200" dirty="0">
-                <a:solidFill>
-                  <a:srgbClr val="2196F3"/>
-                </a:solidFill>
-              </a:rPr>
-              <a:t> etc</a:t>
-            </a:r>
-          </a:p>
-          <a:p>
-            <a:pPr lvl="1"/>
-            <a:r>
-              <a:rPr lang="en-GB" sz="3200" dirty="0">
-                <a:solidFill>
-                  <a:srgbClr val="2196F3"/>
-                </a:solidFill>
-              </a:rPr>
-              <a:t>I use browser API: fetch()</a:t>
-            </a:r>
           </a:p>
           <a:p>
             <a:pPr marL="457200" lvl="1" indent="0">
@@ -4478,18 +4467,6 @@
               <a:buNone/>
             </a:pPr>
             <a:endParaRPr lang="en-GB" sz="6700" dirty="0">
-              <a:solidFill>
-                <a:srgbClr val="2196F3"/>
-              </a:solidFill>
-              <a:latin typeface="Segoe UI" panose="020B0502040204020203" pitchFamily="34" charset="0"/>
-              <a:cs typeface="Segoe UI" panose="020B0502040204020203" pitchFamily="34" charset="0"/>
-            </a:endParaRPr>
-          </a:p>
-          <a:p>
-            <a:pPr marL="457200" lvl="1" indent="0">
-              <a:buNone/>
-            </a:pPr>
-            <a:endParaRPr lang="en-GB" sz="6700" dirty="0">
               <a:latin typeface="Segoe UI" panose="020B0502040204020203" pitchFamily="34" charset="0"/>
               <a:cs typeface="Segoe UI" panose="020B0502040204020203" pitchFamily="34" charset="0"/>
             </a:endParaRPr>
@@ -4514,7 +4491,7 @@
     </p:spTree>
     <p:extLst>
       <p:ext uri="{BB962C8B-B14F-4D97-AF65-F5344CB8AC3E}">
-        <p14:creationId xmlns:p14="http://schemas.microsoft.com/office/powerpoint/2010/main" val="3133069735"/>
+        <p14:creationId xmlns:p14="http://schemas.microsoft.com/office/powerpoint/2010/main" val="3496796182"/>
       </p:ext>
     </p:extLst>
   </p:cSld>
@@ -4604,211 +4581,108 @@
         </p:nvSpPr>
         <p:spPr>
           <a:xfrm>
-            <a:off x="838200" y="1394692"/>
-            <a:ext cx="10515600" cy="4779606"/>
+            <a:off x="838200" y="1325563"/>
+            <a:ext cx="10515600" cy="4848735"/>
           </a:xfrm>
         </p:spPr>
         <p:txBody>
           <a:bodyPr wrap="square" bIns="252000">
-            <a:normAutofit fontScale="92500" lnSpcReduction="10000"/>
+            <a:normAutofit/>
           </a:bodyPr>
           <a:lstStyle/>
           <a:p>
             <a:pPr marL="457200" lvl="1" indent="0">
               <a:buNone/>
             </a:pPr>
-            <a:r>
-              <a:rPr lang="en-GB" sz="4000" dirty="0">
-                <a:solidFill>
-                  <a:srgbClr val="2196F3"/>
-                </a:solidFill>
-              </a:rPr>
-              <a:t>Think of JSON data as an associative array</a:t>
-            </a:r>
-          </a:p>
-          <a:p>
-            <a:pPr marL="457200" lvl="1" indent="0">
-              <a:buNone/>
-            </a:pPr>
-            <a:r>
-              <a:rPr lang="en-GB" sz="3500" dirty="0" err="1">
-                <a:solidFill>
-                  <a:srgbClr val="2196F3"/>
-                </a:solidFill>
-              </a:rPr>
-              <a:t>json_encode</a:t>
-            </a:r>
-            <a:r>
-              <a:rPr lang="en-GB" sz="3500" dirty="0">
-                <a:solidFill>
-                  <a:srgbClr val="2196F3"/>
-                </a:solidFill>
-              </a:rPr>
-              <a:t>([php associative array]) gives JSON</a:t>
-            </a:r>
-          </a:p>
-          <a:p>
-            <a:pPr marL="457200" lvl="1" indent="0">
-              <a:buNone/>
-            </a:pPr>
-            <a:r>
-              <a:rPr lang="en-GB" sz="3500" dirty="0" err="1">
-                <a:solidFill>
-                  <a:srgbClr val="2196F3"/>
-                </a:solidFill>
-              </a:rPr>
-              <a:t>json_decode</a:t>
-            </a:r>
-            <a:r>
-              <a:rPr lang="en-GB" sz="3500" dirty="0">
-                <a:solidFill>
-                  <a:srgbClr val="2196F3"/>
-                </a:solidFill>
-              </a:rPr>
-              <a:t> (JSON) gives an </a:t>
-            </a:r>
-            <a:r>
-              <a:rPr lang="en-GB" sz="3500" dirty="0" err="1">
-                <a:solidFill>
-                  <a:srgbClr val="2196F3"/>
-                </a:solidFill>
-              </a:rPr>
-              <a:t>assoc</a:t>
-            </a:r>
-            <a:r>
-              <a:rPr lang="en-GB" sz="3500" dirty="0">
-                <a:solidFill>
-                  <a:srgbClr val="2196F3"/>
-                </a:solidFill>
-              </a:rPr>
-              <a:t> array</a:t>
-            </a:r>
-          </a:p>
-          <a:p>
-            <a:pPr marL="457200" lvl="1" indent="0">
-              <a:buNone/>
-            </a:pPr>
-            <a:endParaRPr lang="en-GB" sz="1000" dirty="0">
-              <a:solidFill>
-                <a:srgbClr val="2196F3"/>
-              </a:solidFill>
-            </a:endParaRPr>
-          </a:p>
-          <a:p>
-            <a:pPr lvl="1"/>
-            <a:r>
-              <a:rPr lang="en-GB" sz="2800" dirty="0">
-                <a:solidFill>
-                  <a:srgbClr val="2196F3"/>
-                </a:solidFill>
-              </a:rPr>
-              <a:t>Strings</a:t>
-            </a:r>
-          </a:p>
-          <a:p>
-            <a:pPr lvl="1"/>
-            <a:r>
-              <a:rPr lang="en-GB" sz="2800" dirty="0">
-                <a:solidFill>
-                  <a:srgbClr val="2196F3"/>
-                </a:solidFill>
-              </a:rPr>
-              <a:t>Booleans</a:t>
-            </a:r>
-          </a:p>
-          <a:p>
-            <a:pPr lvl="1"/>
-            <a:r>
-              <a:rPr lang="en-GB" sz="2800" dirty="0">
-                <a:solidFill>
-                  <a:srgbClr val="2196F3"/>
-                </a:solidFill>
-              </a:rPr>
-              <a:t>Numbers</a:t>
-            </a:r>
-          </a:p>
-          <a:p>
-            <a:pPr lvl="1"/>
-            <a:r>
-              <a:rPr lang="en-GB" sz="2800" dirty="0">
-                <a:solidFill>
-                  <a:srgbClr val="2196F3"/>
-                </a:solidFill>
-              </a:rPr>
-              <a:t>Null</a:t>
-            </a:r>
-          </a:p>
-          <a:p>
-            <a:pPr lvl="1"/>
-            <a:r>
-              <a:rPr lang="en-GB" sz="2800" dirty="0">
-                <a:solidFill>
-                  <a:srgbClr val="2196F3"/>
-                </a:solidFill>
-              </a:rPr>
-              <a:t>Object</a:t>
-            </a:r>
-          </a:p>
-          <a:p>
-            <a:pPr lvl="1"/>
-            <a:r>
-              <a:rPr lang="en-GB" sz="2800" dirty="0">
-                <a:solidFill>
-                  <a:srgbClr val="2196F3"/>
-                </a:solidFill>
-              </a:rPr>
-              <a:t>Array</a:t>
-            </a:r>
-          </a:p>
-          <a:p>
-            <a:pPr marL="457200" lvl="1" indent="0">
-              <a:buNone/>
-            </a:pPr>
-            <a:endParaRPr lang="en-GB" sz="1200" dirty="0">
-              <a:solidFill>
-                <a:srgbClr val="2196F3"/>
-              </a:solidFill>
-              <a:latin typeface="Segoe UI" panose="020B0502040204020203" pitchFamily="34" charset="0"/>
-              <a:cs typeface="Segoe UI" panose="020B0502040204020203" pitchFamily="34" charset="0"/>
-            </a:endParaRPr>
-          </a:p>
-          <a:p>
-            <a:pPr marL="457200" lvl="1" indent="0">
-              <a:buNone/>
-            </a:pPr>
-            <a:r>
-              <a:rPr lang="en-GB" sz="2800" dirty="0">
-                <a:solidFill>
-                  <a:srgbClr val="2196F3"/>
-                </a:solidFill>
-                <a:hlinkClick r:id="rId2">
-                  <a:extLst>
-                    <a:ext uri="{A12FA001-AC4F-418D-AE19-62706E023703}">
-                      <ahyp:hlinkClr xmlns:ahyp="http://schemas.microsoft.com/office/drawing/2018/hyperlinkcolor" val="tx"/>
-                    </a:ext>
-                  </a:extLst>
-                </a:hlinkClick>
-              </a:rPr>
-              <a:t>https://wpjs.co.uk/wpb/wp-json/wp/v2/posts</a:t>
-            </a:r>
             <a:endParaRPr lang="en-GB" sz="2800" dirty="0">
               <a:solidFill>
                 <a:srgbClr val="2196F3"/>
               </a:solidFill>
-              <a:latin typeface="Segoe UI" panose="020B0502040204020203" pitchFamily="34" charset="0"/>
-              <a:cs typeface="Segoe UI" panose="020B0502040204020203" pitchFamily="34" charset="0"/>
             </a:endParaRPr>
           </a:p>
           <a:p>
             <a:pPr marL="457200" lvl="1" indent="0">
               <a:buNone/>
             </a:pPr>
-            <a:endParaRPr lang="en-GB" sz="6700" dirty="0">
+            <a:r>
+              <a:rPr lang="en-GB" sz="4400" dirty="0">
+                <a:solidFill>
+                  <a:srgbClr val="2196F3"/>
+                </a:solidFill>
+              </a:rPr>
+              <a:t>WordPress Hooks</a:t>
+            </a:r>
+          </a:p>
+          <a:p>
+            <a:pPr marL="457200" lvl="1" indent="0">
+              <a:buNone/>
+            </a:pPr>
+            <a:endParaRPr lang="en-GB" sz="3600" dirty="0">
               <a:solidFill>
                 <a:srgbClr val="2196F3"/>
               </a:solidFill>
-              <a:latin typeface="Segoe UI" panose="020B0502040204020203" pitchFamily="34" charset="0"/>
-              <a:cs typeface="Segoe UI" panose="020B0502040204020203" pitchFamily="34" charset="0"/>
+            </a:endParaRPr>
+          </a:p>
+          <a:p>
+            <a:pPr marL="457200" lvl="1" indent="0">
+              <a:buNone/>
+            </a:pPr>
+            <a:r>
+              <a:rPr lang="en-GB" sz="3200" dirty="0">
+                <a:solidFill>
+                  <a:srgbClr val="2196F3"/>
+                </a:solidFill>
+              </a:rPr>
+              <a:t>Hooks are a way for one piece of code to interact/modify another piece of code at specific, pre-defined spots. </a:t>
+            </a:r>
+          </a:p>
+          <a:p>
+            <a:pPr marL="457200" lvl="1" indent="0">
+              <a:buNone/>
+            </a:pPr>
+            <a:r>
+              <a:rPr lang="en-GB" sz="3200" dirty="0">
+                <a:solidFill>
+                  <a:srgbClr val="2196F3"/>
+                </a:solidFill>
+              </a:rPr>
+              <a:t>We can add our own endpoints using the '</a:t>
+            </a:r>
+            <a:r>
+              <a:rPr lang="en-GB" sz="3200" dirty="0" err="1">
+                <a:solidFill>
+                  <a:srgbClr val="2196F3"/>
+                </a:solidFill>
+              </a:rPr>
+              <a:t>rest_api_init</a:t>
+            </a:r>
+            <a:r>
+              <a:rPr lang="en-GB" sz="3200" dirty="0">
+                <a:solidFill>
+                  <a:srgbClr val="2196F3"/>
+                </a:solidFill>
+              </a:rPr>
+              <a:t>’ hook.</a:t>
+            </a:r>
+          </a:p>
+          <a:p>
+            <a:pPr marL="457200" lvl="1" indent="0">
+              <a:buNone/>
+            </a:pPr>
+            <a:endParaRPr lang="en-GB" sz="3200" dirty="0">
+              <a:solidFill>
+                <a:srgbClr val="2196F3"/>
+              </a:solidFill>
+            </a:endParaRPr>
+          </a:p>
+          <a:p>
+            <a:pPr marL="457200" lvl="1" indent="0">
+              <a:buNone/>
+            </a:pPr>
+            <a:endParaRPr lang="en-GB" sz="2600" dirty="0">
+              <a:solidFill>
+                <a:srgbClr val="2196F3"/>
+              </a:solidFill>
             </a:endParaRPr>
           </a:p>
           <a:p>
@@ -4840,7 +4714,7 @@
     </p:spTree>
     <p:extLst>
       <p:ext uri="{BB962C8B-B14F-4D97-AF65-F5344CB8AC3E}">
-        <p14:creationId xmlns:p14="http://schemas.microsoft.com/office/powerpoint/2010/main" val="3496796182"/>
+        <p14:creationId xmlns:p14="http://schemas.microsoft.com/office/powerpoint/2010/main" val="3516111388"/>
       </p:ext>
     </p:extLst>
   </p:cSld>
@@ -4959,14 +4833,14 @@
                   <a:srgbClr val="2196F3"/>
                 </a:solidFill>
               </a:rPr>
-              <a:t>WordPress Hooks</a:t>
+              <a:t>SITE SETUP…</a:t>
             </a:r>
           </a:p>
           <a:p>
             <a:pPr marL="457200" lvl="1" indent="0">
               <a:buNone/>
             </a:pPr>
-            <a:endParaRPr lang="en-GB" sz="3600" dirty="0">
+            <a:endParaRPr lang="en-GB" sz="4400" dirty="0">
               <a:solidFill>
                 <a:srgbClr val="2196F3"/>
               </a:solidFill>
@@ -4977,47 +4851,13 @@
               <a:buNone/>
             </a:pPr>
             <a:r>
-              <a:rPr lang="en-GB" sz="3200" dirty="0">
-                <a:solidFill>
-                  <a:srgbClr val="2196F3"/>
-                </a:solidFill>
-              </a:rPr>
-              <a:t>Hooks are a way for one piece of code to interact/modify another piece of code at specific, pre-defined spots. </a:t>
-            </a:r>
-          </a:p>
-          <a:p>
-            <a:pPr marL="457200" lvl="1" indent="0">
-              <a:buNone/>
-            </a:pPr>
-            <a:r>
-              <a:rPr lang="en-GB" sz="3200" dirty="0">
-                <a:solidFill>
-                  <a:srgbClr val="2196F3"/>
-                </a:solidFill>
-              </a:rPr>
-              <a:t>We can add our own endpoints using the '</a:t>
-            </a:r>
-            <a:r>
-              <a:rPr lang="en-GB" sz="3200" dirty="0" err="1">
-                <a:solidFill>
-                  <a:srgbClr val="2196F3"/>
-                </a:solidFill>
-              </a:rPr>
-              <a:t>rest_api_init</a:t>
-            </a:r>
-            <a:r>
-              <a:rPr lang="en-GB" sz="3200" dirty="0">
-                <a:solidFill>
-                  <a:srgbClr val="2196F3"/>
-                </a:solidFill>
-              </a:rPr>
-              <a:t>’ hook.</a:t>
-            </a:r>
-          </a:p>
-          <a:p>
-            <a:pPr marL="457200" lvl="1" indent="0">
-              <a:buNone/>
-            </a:pPr>
+              <a:rPr lang="en-GB" sz="4400" dirty="0">
+                <a:solidFill>
+                  <a:srgbClr val="2196F3"/>
+                </a:solidFill>
+              </a:rPr>
+              <a:t>Please refer to REST-AJAX.docx and the source code</a:t>
+            </a:r>
             <a:endParaRPr lang="en-GB" sz="3200" dirty="0">
               <a:solidFill>
                 <a:srgbClr val="2196F3"/>
@@ -5063,7 +4903,7 @@
     </p:spTree>
     <p:extLst>
       <p:ext uri="{BB962C8B-B14F-4D97-AF65-F5344CB8AC3E}">
-        <p14:creationId xmlns:p14="http://schemas.microsoft.com/office/powerpoint/2010/main" val="3516111388"/>
+        <p14:creationId xmlns:p14="http://schemas.microsoft.com/office/powerpoint/2010/main" val="689376606"/>
       </p:ext>
     </p:extLst>
   </p:cSld>
@@ -5153,74 +4993,142 @@
         </p:nvSpPr>
         <p:spPr>
           <a:xfrm>
-            <a:off x="838200" y="1325563"/>
-            <a:ext cx="10515600" cy="4848735"/>
+            <a:off x="838200" y="1431636"/>
+            <a:ext cx="10515600" cy="4742661"/>
           </a:xfrm>
         </p:spPr>
         <p:txBody>
           <a:bodyPr wrap="square" bIns="252000">
-            <a:normAutofit/>
+            <a:normAutofit lnSpcReduction="10000"/>
           </a:bodyPr>
           <a:lstStyle/>
           <a:p>
             <a:pPr marL="457200" lvl="1" indent="0">
               <a:buNone/>
             </a:pPr>
-            <a:endParaRPr lang="en-GB" sz="2800" dirty="0">
+            <a:r>
+              <a:rPr lang="en-GB" sz="5100" dirty="0">
+                <a:solidFill>
+                  <a:srgbClr val="2196F3"/>
+                </a:solidFill>
+                <a:latin typeface="Segoe UI" panose="020B0502040204020203" pitchFamily="34" charset="0"/>
+                <a:cs typeface="Segoe UI" panose="020B0502040204020203" pitchFamily="34" charset="0"/>
+              </a:rPr>
+              <a:t>DECOUPLED WP</a:t>
+            </a:r>
+          </a:p>
+          <a:p>
+            <a:pPr marL="457200" lvl="1" indent="0">
+              <a:buNone/>
+            </a:pPr>
+            <a:endParaRPr lang="en-GB" sz="1050" dirty="0">
               <a:solidFill>
                 <a:srgbClr val="2196F3"/>
               </a:solidFill>
-            </a:endParaRPr>
+              <a:latin typeface="Segoe UI" panose="020B0502040204020203" pitchFamily="34" charset="0"/>
+              <a:cs typeface="Segoe UI" panose="020B0502040204020203" pitchFamily="34" charset="0"/>
+            </a:endParaRPr>
+          </a:p>
+          <a:p>
+            <a:pPr lvl="1"/>
+            <a:r>
+              <a:rPr lang="en-GB" sz="2800" dirty="0">
+                <a:solidFill>
+                  <a:srgbClr val="2196F3"/>
+                </a:solidFill>
+                <a:latin typeface="Segoe UI" panose="020B0502040204020203" pitchFamily="34" charset="0"/>
+                <a:cs typeface="Segoe UI" panose="020B0502040204020203" pitchFamily="34" charset="0"/>
+              </a:rPr>
+              <a:t>As we are using JS blocks in our PHP pages this can lead to using these scripts in HTML pages or PHP outside of the WP ecosystem.</a:t>
+            </a:r>
+          </a:p>
+          <a:p>
+            <a:pPr lvl="1"/>
+            <a:r>
+              <a:rPr lang="en-GB" sz="2800" dirty="0">
+                <a:solidFill>
+                  <a:srgbClr val="2196F3"/>
+                </a:solidFill>
+                <a:latin typeface="Segoe UI" panose="020B0502040204020203" pitchFamily="34" charset="0"/>
+                <a:cs typeface="Segoe UI" panose="020B0502040204020203" pitchFamily="34" charset="0"/>
+              </a:rPr>
+              <a:t>This means we can have DECOUPLED or HEADLESS WP sites</a:t>
+            </a:r>
+          </a:p>
+          <a:p>
+            <a:pPr lvl="1"/>
+            <a:r>
+              <a:rPr lang="en-GB" sz="2800" dirty="0">
+                <a:solidFill>
+                  <a:srgbClr val="2196F3"/>
+                </a:solidFill>
+                <a:latin typeface="Segoe UI" panose="020B0502040204020203" pitchFamily="34" charset="0"/>
+                <a:cs typeface="Segoe UI" panose="020B0502040204020203" pitchFamily="34" charset="0"/>
+              </a:rPr>
+              <a:t>HEADLESS means formatting preconfigured in a ready made block for example.</a:t>
+            </a:r>
+          </a:p>
+          <a:p>
+            <a:pPr lvl="1"/>
+            <a:r>
+              <a:rPr lang="en-GB" sz="2800" dirty="0">
+                <a:solidFill>
+                  <a:srgbClr val="2196F3"/>
+                </a:solidFill>
+                <a:latin typeface="Segoe UI" panose="020B0502040204020203" pitchFamily="34" charset="0"/>
+                <a:cs typeface="Segoe UI" panose="020B0502040204020203" pitchFamily="34" charset="0"/>
+              </a:rPr>
+              <a:t>DECOUPLED means raw data is sent and page formats data.</a:t>
+            </a:r>
+          </a:p>
+          <a:p>
+            <a:pPr lvl="1"/>
+            <a:r>
+              <a:rPr lang="en-GB" sz="2800" dirty="0">
+                <a:solidFill>
+                  <a:srgbClr val="2196F3"/>
+                </a:solidFill>
+                <a:latin typeface="Segoe UI" panose="020B0502040204020203" pitchFamily="34" charset="0"/>
+                <a:cs typeface="Segoe UI" panose="020B0502040204020203" pitchFamily="34" charset="0"/>
+              </a:rPr>
+              <a:t>Using JSON WEB TOKENS (JWT) we can also authenticate…</a:t>
+            </a:r>
+          </a:p>
+          <a:p>
+            <a:pPr lvl="1"/>
+            <a:r>
+              <a:rPr lang="en-GB" sz="2800" dirty="0">
+                <a:solidFill>
+                  <a:srgbClr val="2196F3"/>
+                </a:solidFill>
+                <a:latin typeface="Segoe UI" panose="020B0502040204020203" pitchFamily="34" charset="0"/>
+                <a:cs typeface="Segoe UI" panose="020B0502040204020203" pitchFamily="34" charset="0"/>
+              </a:rPr>
+              <a:t>Example: https://wp-html.co.uk/semantic</a:t>
+            </a:r>
           </a:p>
           <a:p>
             <a:pPr marL="457200" lvl="1" indent="0">
               <a:buNone/>
             </a:pPr>
-            <a:r>
-              <a:rPr lang="en-GB" sz="4400" dirty="0">
-                <a:solidFill>
-                  <a:srgbClr val="2196F3"/>
-                </a:solidFill>
-              </a:rPr>
-              <a:t>SITE SETUP…</a:t>
-            </a:r>
-          </a:p>
-          <a:p>
-            <a:pPr marL="457200" lvl="1" indent="0">
-              <a:buNone/>
-            </a:pPr>
-            <a:endParaRPr lang="en-GB" sz="4400" dirty="0">
+            <a:endParaRPr lang="en-GB" sz="6700" dirty="0">
               <a:solidFill>
                 <a:srgbClr val="2196F3"/>
               </a:solidFill>
+              <a:latin typeface="Segoe UI" panose="020B0502040204020203" pitchFamily="34" charset="0"/>
+              <a:cs typeface="Segoe UI" panose="020B0502040204020203" pitchFamily="34" charset="0"/>
             </a:endParaRPr>
           </a:p>
           <a:p>
             <a:pPr marL="457200" lvl="1" indent="0">
               <a:buNone/>
             </a:pPr>
-            <a:r>
-              <a:rPr lang="en-GB" sz="4400" dirty="0">
-                <a:solidFill>
-                  <a:srgbClr val="2196F3"/>
-                </a:solidFill>
-              </a:rPr>
-              <a:t>Please refer to REST-AJAX.docx and the source code</a:t>
-            </a:r>
-            <a:endParaRPr lang="en-GB" sz="3200" dirty="0">
+            <a:endParaRPr lang="en-GB" sz="6700" dirty="0">
               <a:solidFill>
                 <a:srgbClr val="2196F3"/>
               </a:solidFill>
-            </a:endParaRPr>
-          </a:p>
-          <a:p>
-            <a:pPr marL="457200" lvl="1" indent="0">
-              <a:buNone/>
-            </a:pPr>
-            <a:endParaRPr lang="en-GB" sz="2600" dirty="0">
-              <a:solidFill>
-                <a:srgbClr val="2196F3"/>
-              </a:solidFill>
+              <a:latin typeface="Segoe UI" panose="020B0502040204020203" pitchFamily="34" charset="0"/>
+              <a:cs typeface="Segoe UI" panose="020B0502040204020203" pitchFamily="34" charset="0"/>
             </a:endParaRPr>
           </a:p>
           <a:p>
@@ -5252,7 +5160,7 @@
     </p:spTree>
     <p:extLst>
       <p:ext uri="{BB962C8B-B14F-4D97-AF65-F5344CB8AC3E}">
-        <p14:creationId xmlns:p14="http://schemas.microsoft.com/office/powerpoint/2010/main" val="689376606"/>
+        <p14:creationId xmlns:p14="http://schemas.microsoft.com/office/powerpoint/2010/main" val="3994601803"/>
       </p:ext>
     </p:extLst>
   </p:cSld>
@@ -5281,263 +5189,6 @@
       </p:grpSpPr>
       <p:sp>
         <p:nvSpPr>
-          <p:cNvPr id="2" name="Title 1">
-            <a:extLst>
-              <a:ext uri="{FF2B5EF4-FFF2-40B4-BE49-F238E27FC236}">
-                <a16:creationId xmlns:a16="http://schemas.microsoft.com/office/drawing/2014/main" id="{5D7568B3-EC9A-45DD-8A17-CFE685194B65}"/>
-              </a:ext>
-            </a:extLst>
-          </p:cNvPr>
-          <p:cNvSpPr>
-            <a:spLocks noGrp="1"/>
-          </p:cNvSpPr>
-          <p:nvPr>
-            <p:ph type="title"/>
-          </p:nvPr>
-        </p:nvSpPr>
-        <p:spPr>
-          <a:xfrm>
-            <a:off x="838200" y="0"/>
-            <a:ext cx="10515600" cy="1325563"/>
-          </a:xfrm>
-          <a:solidFill>
-            <a:srgbClr val="2196F3"/>
-          </a:solidFill>
-        </p:spPr>
-        <p:txBody>
-          <a:bodyPr>
-            <a:normAutofit/>
-          </a:bodyPr>
-          <a:lstStyle/>
-          <a:p>
-            <a:pPr algn="ctr"/>
-            <a:r>
-              <a:rPr lang="en-GB" sz="6600" dirty="0">
-                <a:solidFill>
-                  <a:schemeClr val="bg1"/>
-                </a:solidFill>
-                <a:latin typeface="Segoe UI" panose="020B0502040204020203" pitchFamily="34" charset="0"/>
-                <a:cs typeface="Segoe UI" panose="020B0502040204020203" pitchFamily="34" charset="0"/>
-              </a:rPr>
-              <a:t>WP REST API &amp; AJAX</a:t>
-            </a:r>
-          </a:p>
-        </p:txBody>
-      </p:sp>
-      <p:sp>
-        <p:nvSpPr>
-          <p:cNvPr id="4" name="Content Placeholder 2">
-            <a:extLst>
-              <a:ext uri="{FF2B5EF4-FFF2-40B4-BE49-F238E27FC236}">
-                <a16:creationId xmlns:a16="http://schemas.microsoft.com/office/drawing/2014/main" id="{088CCB65-11B4-408B-9ED3-1304FE85032F}"/>
-              </a:ext>
-            </a:extLst>
-          </p:cNvPr>
-          <p:cNvSpPr>
-            <a:spLocks noGrp="1"/>
-          </p:cNvSpPr>
-          <p:nvPr>
-            <p:ph idx="1"/>
-          </p:nvPr>
-        </p:nvSpPr>
-        <p:spPr>
-          <a:xfrm>
-            <a:off x="838200" y="1431636"/>
-            <a:ext cx="10515600" cy="4742661"/>
-          </a:xfrm>
-        </p:spPr>
-        <p:txBody>
-          <a:bodyPr wrap="square" bIns="252000">
-            <a:normAutofit lnSpcReduction="10000"/>
-          </a:bodyPr>
-          <a:lstStyle/>
-          <a:p>
-            <a:pPr marL="457200" lvl="1" indent="0">
-              <a:buNone/>
-            </a:pPr>
-            <a:r>
-              <a:rPr lang="en-GB" sz="5100" dirty="0">
-                <a:solidFill>
-                  <a:srgbClr val="2196F3"/>
-                </a:solidFill>
-                <a:latin typeface="Segoe UI" panose="020B0502040204020203" pitchFamily="34" charset="0"/>
-                <a:cs typeface="Segoe UI" panose="020B0502040204020203" pitchFamily="34" charset="0"/>
-              </a:rPr>
-              <a:t>DECOUPLED WP</a:t>
-            </a:r>
-          </a:p>
-          <a:p>
-            <a:pPr marL="457200" lvl="1" indent="0">
-              <a:buNone/>
-            </a:pPr>
-            <a:endParaRPr lang="en-GB" sz="1050" dirty="0">
-              <a:solidFill>
-                <a:srgbClr val="2196F3"/>
-              </a:solidFill>
-              <a:latin typeface="Segoe UI" panose="020B0502040204020203" pitchFamily="34" charset="0"/>
-              <a:cs typeface="Segoe UI" panose="020B0502040204020203" pitchFamily="34" charset="0"/>
-            </a:endParaRPr>
-          </a:p>
-          <a:p>
-            <a:pPr lvl="1"/>
-            <a:r>
-              <a:rPr lang="en-GB" sz="2800" dirty="0">
-                <a:solidFill>
-                  <a:srgbClr val="2196F3"/>
-                </a:solidFill>
-                <a:latin typeface="Segoe UI" panose="020B0502040204020203" pitchFamily="34" charset="0"/>
-                <a:cs typeface="Segoe UI" panose="020B0502040204020203" pitchFamily="34" charset="0"/>
-              </a:rPr>
-              <a:t>As we are using JS blocks in our PHP pages this can lead to using these scripts in HTML pages or PHP outside of the WP ecosystem.</a:t>
-            </a:r>
-          </a:p>
-          <a:p>
-            <a:pPr lvl="1"/>
-            <a:r>
-              <a:rPr lang="en-GB" sz="2800" dirty="0">
-                <a:solidFill>
-                  <a:srgbClr val="2196F3"/>
-                </a:solidFill>
-                <a:latin typeface="Segoe UI" panose="020B0502040204020203" pitchFamily="34" charset="0"/>
-                <a:cs typeface="Segoe UI" panose="020B0502040204020203" pitchFamily="34" charset="0"/>
-              </a:rPr>
-              <a:t>This means we can have DECOUPLED or HEADLESS WP sites</a:t>
-            </a:r>
-          </a:p>
-          <a:p>
-            <a:pPr lvl="1"/>
-            <a:r>
-              <a:rPr lang="en-GB" sz="2800" dirty="0">
-                <a:solidFill>
-                  <a:srgbClr val="2196F3"/>
-                </a:solidFill>
-                <a:latin typeface="Segoe UI" panose="020B0502040204020203" pitchFamily="34" charset="0"/>
-                <a:cs typeface="Segoe UI" panose="020B0502040204020203" pitchFamily="34" charset="0"/>
-              </a:rPr>
-              <a:t>HEADLESS means formatting preconfigured in a ready made block for example.</a:t>
-            </a:r>
-          </a:p>
-          <a:p>
-            <a:pPr lvl="1"/>
-            <a:r>
-              <a:rPr lang="en-GB" sz="2800" dirty="0">
-                <a:solidFill>
-                  <a:srgbClr val="2196F3"/>
-                </a:solidFill>
-                <a:latin typeface="Segoe UI" panose="020B0502040204020203" pitchFamily="34" charset="0"/>
-                <a:cs typeface="Segoe UI" panose="020B0502040204020203" pitchFamily="34" charset="0"/>
-              </a:rPr>
-              <a:t>DECOUPLED means raw data is sent and page formats data.</a:t>
-            </a:r>
-          </a:p>
-          <a:p>
-            <a:pPr lvl="1"/>
-            <a:r>
-              <a:rPr lang="en-GB" sz="2800" dirty="0">
-                <a:solidFill>
-                  <a:srgbClr val="2196F3"/>
-                </a:solidFill>
-                <a:latin typeface="Segoe UI" panose="020B0502040204020203" pitchFamily="34" charset="0"/>
-                <a:cs typeface="Segoe UI" panose="020B0502040204020203" pitchFamily="34" charset="0"/>
-              </a:rPr>
-              <a:t>Using JSON WEB TOKENS (JWT) we can also authenticate…</a:t>
-            </a:r>
-          </a:p>
-          <a:p>
-            <a:pPr lvl="1"/>
-            <a:r>
-              <a:rPr lang="en-GB" sz="2800" dirty="0">
-                <a:solidFill>
-                  <a:srgbClr val="2196F3"/>
-                </a:solidFill>
-                <a:latin typeface="Segoe UI" panose="020B0502040204020203" pitchFamily="34" charset="0"/>
-                <a:cs typeface="Segoe UI" panose="020B0502040204020203" pitchFamily="34" charset="0"/>
-              </a:rPr>
-              <a:t>Example: https://wp-html.co.uk/semantic</a:t>
-            </a:r>
-          </a:p>
-          <a:p>
-            <a:pPr marL="457200" lvl="1" indent="0">
-              <a:buNone/>
-            </a:pPr>
-            <a:endParaRPr lang="en-GB" sz="6700" dirty="0">
-              <a:solidFill>
-                <a:srgbClr val="2196F3"/>
-              </a:solidFill>
-              <a:latin typeface="Segoe UI" panose="020B0502040204020203" pitchFamily="34" charset="0"/>
-              <a:cs typeface="Segoe UI" panose="020B0502040204020203" pitchFamily="34" charset="0"/>
-            </a:endParaRPr>
-          </a:p>
-          <a:p>
-            <a:pPr marL="457200" lvl="1" indent="0">
-              <a:buNone/>
-            </a:pPr>
-            <a:endParaRPr lang="en-GB" sz="6700" dirty="0">
-              <a:solidFill>
-                <a:srgbClr val="2196F3"/>
-              </a:solidFill>
-              <a:latin typeface="Segoe UI" panose="020B0502040204020203" pitchFamily="34" charset="0"/>
-              <a:cs typeface="Segoe UI" panose="020B0502040204020203" pitchFamily="34" charset="0"/>
-            </a:endParaRPr>
-          </a:p>
-          <a:p>
-            <a:pPr marL="457200" lvl="1" indent="0">
-              <a:buNone/>
-            </a:pPr>
-            <a:endParaRPr lang="en-GB" sz="6700" dirty="0">
-              <a:latin typeface="Segoe UI" panose="020B0502040204020203" pitchFamily="34" charset="0"/>
-              <a:cs typeface="Segoe UI" panose="020B0502040204020203" pitchFamily="34" charset="0"/>
-            </a:endParaRPr>
-          </a:p>
-          <a:p>
-            <a:pPr marL="0" indent="0">
-              <a:buNone/>
-            </a:pPr>
-            <a:endParaRPr lang="en-GB" dirty="0">
-              <a:latin typeface="Segoe UI" panose="020B0502040204020203" pitchFamily="34" charset="0"/>
-              <a:cs typeface="Segoe UI" panose="020B0502040204020203" pitchFamily="34" charset="0"/>
-            </a:endParaRPr>
-          </a:p>
-          <a:p>
-            <a:endParaRPr lang="en-GB" dirty="0">
-              <a:latin typeface="Segoe UI" panose="020B0502040204020203" pitchFamily="34" charset="0"/>
-              <a:cs typeface="Segoe UI" panose="020B0502040204020203" pitchFamily="34" charset="0"/>
-            </a:endParaRPr>
-          </a:p>
-        </p:txBody>
-      </p:sp>
-    </p:spTree>
-    <p:extLst>
-      <p:ext uri="{BB962C8B-B14F-4D97-AF65-F5344CB8AC3E}">
-        <p14:creationId xmlns:p14="http://schemas.microsoft.com/office/powerpoint/2010/main" val="3994601803"/>
-      </p:ext>
-    </p:extLst>
-  </p:cSld>
-  <p:clrMapOvr>
-    <a:masterClrMapping/>
-  </p:clrMapOvr>
-</p:sld>
-</file>
-
-<file path=ppt/slides/slide15.xml><?xml version="1.0" encoding="utf-8"?>
-<p:sld xmlns:a="http://schemas.openxmlformats.org/drawingml/2006/main" xmlns:r="http://schemas.openxmlformats.org/officeDocument/2006/relationships" xmlns:p="http://schemas.openxmlformats.org/presentationml/2006/main">
-  <p:cSld>
-    <p:spTree>
-      <p:nvGrpSpPr>
-        <p:cNvPr id="1" name=""/>
-        <p:cNvGrpSpPr/>
-        <p:nvPr/>
-      </p:nvGrpSpPr>
-      <p:grpSpPr>
-        <a:xfrm>
-          <a:off x="0" y="0"/>
-          <a:ext cx="0" cy="0"/>
-          <a:chOff x="0" y="0"/>
-          <a:chExt cx="0" cy="0"/>
-        </a:xfrm>
-      </p:grpSpPr>
-      <p:sp>
-        <p:nvSpPr>
           <p:cNvPr id="5" name="Rectangle: Rounded Corners 4">
             <a:extLst>
               <a:ext uri="{FF2B5EF4-FFF2-40B4-BE49-F238E27FC236}">
@@ -6482,7 +6133,7 @@
 </p:sld>
 </file>
 
-<file path=ppt/slides/slide16.xml><?xml version="1.0" encoding="utf-8"?>
+<file path=ppt/slides/slide15.xml><?xml version="1.0" encoding="utf-8"?>
 <p:sld xmlns:a="http://schemas.openxmlformats.org/drawingml/2006/main" xmlns:r="http://schemas.openxmlformats.org/officeDocument/2006/relationships" xmlns:p="http://schemas.openxmlformats.org/presentationml/2006/main">
   <p:cSld>
     <p:spTree>
@@ -7716,6 +7367,252 @@
 </p:sld>
 </file>
 
+<file path=ppt/slides/slide16.xml><?xml version="1.0" encoding="utf-8"?>
+<p:sld xmlns:a="http://schemas.openxmlformats.org/drawingml/2006/main" xmlns:r="http://schemas.openxmlformats.org/officeDocument/2006/relationships" xmlns:p="http://schemas.openxmlformats.org/presentationml/2006/main">
+  <p:cSld>
+    <p:spTree>
+      <p:nvGrpSpPr>
+        <p:cNvPr id="1" name=""/>
+        <p:cNvGrpSpPr/>
+        <p:nvPr/>
+      </p:nvGrpSpPr>
+      <p:grpSpPr>
+        <a:xfrm>
+          <a:off x="0" y="0"/>
+          <a:ext cx="0" cy="0"/>
+          <a:chOff x="0" y="0"/>
+          <a:chExt cx="0" cy="0"/>
+        </a:xfrm>
+      </p:grpSpPr>
+      <p:sp>
+        <p:nvSpPr>
+          <p:cNvPr id="2" name="Title 1">
+            <a:extLst>
+              <a:ext uri="{FF2B5EF4-FFF2-40B4-BE49-F238E27FC236}">
+                <a16:creationId xmlns:a16="http://schemas.microsoft.com/office/drawing/2014/main" id="{5D7568B3-EC9A-45DD-8A17-CFE685194B65}"/>
+              </a:ext>
+            </a:extLst>
+          </p:cNvPr>
+          <p:cNvSpPr>
+            <a:spLocks noGrp="1"/>
+          </p:cNvSpPr>
+          <p:nvPr>
+            <p:ph type="title"/>
+          </p:nvPr>
+        </p:nvSpPr>
+        <p:spPr>
+          <a:xfrm>
+            <a:off x="838200" y="0"/>
+            <a:ext cx="10515600" cy="1325563"/>
+          </a:xfrm>
+          <a:solidFill>
+            <a:srgbClr val="2196F3"/>
+          </a:solidFill>
+        </p:spPr>
+        <p:txBody>
+          <a:bodyPr>
+            <a:normAutofit/>
+          </a:bodyPr>
+          <a:lstStyle/>
+          <a:p>
+            <a:pPr algn="ctr"/>
+            <a:r>
+              <a:rPr lang="en-GB" sz="6600" dirty="0">
+                <a:solidFill>
+                  <a:schemeClr val="bg1"/>
+                </a:solidFill>
+                <a:latin typeface="Segoe UI" panose="020B0502040204020203" pitchFamily="34" charset="0"/>
+                <a:cs typeface="Segoe UI" panose="020B0502040204020203" pitchFamily="34" charset="0"/>
+              </a:rPr>
+              <a:t>WP REST API &amp; AJAX</a:t>
+            </a:r>
+          </a:p>
+        </p:txBody>
+      </p:sp>
+      <p:sp>
+        <p:nvSpPr>
+          <p:cNvPr id="4" name="Content Placeholder 2">
+            <a:extLst>
+              <a:ext uri="{FF2B5EF4-FFF2-40B4-BE49-F238E27FC236}">
+                <a16:creationId xmlns:a16="http://schemas.microsoft.com/office/drawing/2014/main" id="{088CCB65-11B4-408B-9ED3-1304FE85032F}"/>
+              </a:ext>
+            </a:extLst>
+          </p:cNvPr>
+          <p:cNvSpPr>
+            <a:spLocks noGrp="1"/>
+          </p:cNvSpPr>
+          <p:nvPr>
+            <p:ph idx="1"/>
+          </p:nvPr>
+        </p:nvSpPr>
+        <p:spPr>
+          <a:xfrm>
+            <a:off x="838200" y="1431636"/>
+            <a:ext cx="10515600" cy="4742661"/>
+          </a:xfrm>
+        </p:spPr>
+        <p:txBody>
+          <a:bodyPr wrap="square" bIns="252000">
+            <a:normAutofit lnSpcReduction="10000"/>
+          </a:bodyPr>
+          <a:lstStyle/>
+          <a:p>
+            <a:pPr marL="457200" lvl="1" indent="0">
+              <a:buNone/>
+            </a:pPr>
+            <a:r>
+              <a:rPr lang="en-GB" sz="5100" dirty="0">
+                <a:solidFill>
+                  <a:srgbClr val="2196F3"/>
+                </a:solidFill>
+                <a:latin typeface="Segoe UI" panose="020B0502040204020203" pitchFamily="34" charset="0"/>
+                <a:cs typeface="Segoe UI" panose="020B0502040204020203" pitchFamily="34" charset="0"/>
+              </a:rPr>
+              <a:t>WP REST API + Web Components</a:t>
+            </a:r>
+          </a:p>
+          <a:p>
+            <a:pPr marL="457200" lvl="1" indent="0">
+              <a:buNone/>
+            </a:pPr>
+            <a:r>
+              <a:rPr lang="en-GB" sz="5100" dirty="0">
+                <a:solidFill>
+                  <a:srgbClr val="2196F3"/>
+                </a:solidFill>
+                <a:latin typeface="Segoe UI" panose="020B0502040204020203" pitchFamily="34" charset="0"/>
+                <a:cs typeface="Segoe UI" panose="020B0502040204020203" pitchFamily="34" charset="0"/>
+              </a:rPr>
+              <a:t>=&gt; 100% INTERNET</a:t>
+            </a:r>
+          </a:p>
+          <a:p>
+            <a:pPr marL="457200" lvl="1" indent="0">
+              <a:buNone/>
+            </a:pPr>
+            <a:endParaRPr lang="en-GB" sz="1050" dirty="0">
+              <a:solidFill>
+                <a:srgbClr val="2196F3"/>
+              </a:solidFill>
+              <a:latin typeface="Segoe UI" panose="020B0502040204020203" pitchFamily="34" charset="0"/>
+              <a:cs typeface="Segoe UI" panose="020B0502040204020203" pitchFamily="34" charset="0"/>
+            </a:endParaRPr>
+          </a:p>
+          <a:p>
+            <a:pPr lvl="1"/>
+            <a:r>
+              <a:rPr lang="en-GB" sz="2800" dirty="0">
+                <a:solidFill>
+                  <a:srgbClr val="2196F3"/>
+                </a:solidFill>
+                <a:latin typeface="Segoe UI" panose="020B0502040204020203" pitchFamily="34" charset="0"/>
+                <a:cs typeface="Segoe UI" panose="020B0502040204020203" pitchFamily="34" charset="0"/>
+              </a:rPr>
+              <a:t>Web Components are custom HTML elements/tags that we can create.</a:t>
+            </a:r>
+          </a:p>
+          <a:p>
+            <a:pPr lvl="1"/>
+            <a:r>
+              <a:rPr lang="en-GB" sz="2800" dirty="0">
+                <a:solidFill>
+                  <a:srgbClr val="2196F3"/>
+                </a:solidFill>
+                <a:latin typeface="Segoe UI" panose="020B0502040204020203" pitchFamily="34" charset="0"/>
+                <a:cs typeface="Segoe UI" panose="020B0502040204020203" pitchFamily="34" charset="0"/>
+              </a:rPr>
+              <a:t>We define a tag and associate with a JS Class.</a:t>
+            </a:r>
+          </a:p>
+          <a:p>
+            <a:pPr lvl="1"/>
+            <a:r>
+              <a:rPr lang="en-GB" sz="2800" dirty="0">
+                <a:solidFill>
+                  <a:srgbClr val="2196F3"/>
+                </a:solidFill>
+                <a:latin typeface="Segoe UI" panose="020B0502040204020203" pitchFamily="34" charset="0"/>
+                <a:cs typeface="Segoe UI" panose="020B0502040204020203" pitchFamily="34" charset="0"/>
+              </a:rPr>
+              <a:t>They are regular HTML so can be used wherever HTML is used and also be wired into JS Framework builds.</a:t>
+            </a:r>
+          </a:p>
+          <a:p>
+            <a:pPr lvl="1"/>
+            <a:r>
+              <a:rPr lang="en-GB" sz="2800" dirty="0">
+                <a:solidFill>
+                  <a:srgbClr val="2196F3"/>
+                </a:solidFill>
+                <a:latin typeface="Segoe UI" panose="020B0502040204020203" pitchFamily="34" charset="0"/>
+                <a:cs typeface="Segoe UI" panose="020B0502040204020203" pitchFamily="34" charset="0"/>
+              </a:rPr>
+              <a:t>The example of DECOUPLED WP is in fact built entirely with Web Components…let’s look at the source code…</a:t>
+            </a:r>
+          </a:p>
+          <a:p>
+            <a:pPr marL="457200" lvl="1" indent="0">
+              <a:buNone/>
+            </a:pPr>
+            <a:endParaRPr lang="en-GB" sz="6700" dirty="0">
+              <a:solidFill>
+                <a:srgbClr val="2196F3"/>
+              </a:solidFill>
+              <a:latin typeface="Segoe UI" panose="020B0502040204020203" pitchFamily="34" charset="0"/>
+              <a:cs typeface="Segoe UI" panose="020B0502040204020203" pitchFamily="34" charset="0"/>
+            </a:endParaRPr>
+          </a:p>
+          <a:p>
+            <a:pPr marL="457200" lvl="1" indent="0">
+              <a:buNone/>
+            </a:pPr>
+            <a:endParaRPr lang="en-GB" sz="6700" dirty="0">
+              <a:solidFill>
+                <a:srgbClr val="2196F3"/>
+              </a:solidFill>
+              <a:latin typeface="Segoe UI" panose="020B0502040204020203" pitchFamily="34" charset="0"/>
+              <a:cs typeface="Segoe UI" panose="020B0502040204020203" pitchFamily="34" charset="0"/>
+            </a:endParaRPr>
+          </a:p>
+          <a:p>
+            <a:pPr marL="457200" lvl="1" indent="0">
+              <a:buNone/>
+            </a:pPr>
+            <a:endParaRPr lang="en-GB" sz="6700" dirty="0">
+              <a:latin typeface="Segoe UI" panose="020B0502040204020203" pitchFamily="34" charset="0"/>
+              <a:cs typeface="Segoe UI" panose="020B0502040204020203" pitchFamily="34" charset="0"/>
+            </a:endParaRPr>
+          </a:p>
+          <a:p>
+            <a:pPr marL="0" indent="0">
+              <a:buNone/>
+            </a:pPr>
+            <a:endParaRPr lang="en-GB" dirty="0">
+              <a:latin typeface="Segoe UI" panose="020B0502040204020203" pitchFamily="34" charset="0"/>
+              <a:cs typeface="Segoe UI" panose="020B0502040204020203" pitchFamily="34" charset="0"/>
+            </a:endParaRPr>
+          </a:p>
+          <a:p>
+            <a:endParaRPr lang="en-GB" dirty="0">
+              <a:latin typeface="Segoe UI" panose="020B0502040204020203" pitchFamily="34" charset="0"/>
+              <a:cs typeface="Segoe UI" panose="020B0502040204020203" pitchFamily="34" charset="0"/>
+            </a:endParaRPr>
+          </a:p>
+        </p:txBody>
+      </p:sp>
+    </p:spTree>
+    <p:extLst>
+      <p:ext uri="{BB962C8B-B14F-4D97-AF65-F5344CB8AC3E}">
+        <p14:creationId xmlns:p14="http://schemas.microsoft.com/office/powerpoint/2010/main" val="16959895"/>
+      </p:ext>
+    </p:extLst>
+  </p:cSld>
+  <p:clrMapOvr>
+    <a:masterClrMapping/>
+  </p:clrMapOvr>
+</p:sld>
+</file>
+
 <file path=ppt/slides/slide17.xml><?xml version="1.0" encoding="utf-8"?>
 <p:sld xmlns:a="http://schemas.openxmlformats.org/drawingml/2006/main" xmlns:r="http://schemas.openxmlformats.org/officeDocument/2006/relationships" xmlns:p="http://schemas.openxmlformats.org/presentationml/2006/main">
   <p:cSld>
@@ -7802,7 +7699,7 @@
         </p:spPr>
         <p:txBody>
           <a:bodyPr wrap="square" bIns="252000">
-            <a:normAutofit lnSpcReduction="10000"/>
+            <a:normAutofit/>
           </a:bodyPr>
           <a:lstStyle/>
           <a:p>
@@ -7817,22 +7714,27 @@
                 <a:latin typeface="Segoe UI" panose="020B0502040204020203" pitchFamily="34" charset="0"/>
                 <a:cs typeface="Segoe UI" panose="020B0502040204020203" pitchFamily="34" charset="0"/>
               </a:rPr>
-              <a:t>WP REST API + Web Components</a:t>
-            </a:r>
-          </a:p>
-          <a:p>
-            <a:pPr marL="457200" lvl="1" indent="0">
-              <a:buNone/>
-            </a:pPr>
-            <a:r>
-              <a:rPr lang="en-GB" sz="5100" dirty="0">
+              <a:t>What are </a:t>
+            </a:r>
+            <a:r>
+              <a:rPr lang="en-GB" sz="5100">
                 <a:solidFill>
                   <a:srgbClr val="2196F3"/>
                 </a:solidFill>
                 <a:latin typeface="Segoe UI" panose="020B0502040204020203" pitchFamily="34" charset="0"/>
                 <a:cs typeface="Segoe UI" panose="020B0502040204020203" pitchFamily="34" charset="0"/>
               </a:rPr>
-              <a:t>=&gt; 100% INTERNET</a:t>
+              <a:t>the implications</a:t>
+            </a:r>
+            <a:r>
+              <a:rPr lang="en-GB" sz="5100" dirty="0">
+                <a:solidFill>
+                  <a:srgbClr val="2196F3"/>
+                </a:solidFill>
+                <a:latin typeface="Segoe UI" panose="020B0502040204020203" pitchFamily="34" charset="0"/>
+                <a:cs typeface="Segoe UI" panose="020B0502040204020203" pitchFamily="34" charset="0"/>
+              </a:rPr>
+              <a:t>?</a:t>
             </a:r>
           </a:p>
           <a:p>
@@ -7857,7 +7759,7 @@
                 <a:latin typeface="Segoe UI" panose="020B0502040204020203" pitchFamily="34" charset="0"/>
                 <a:cs typeface="Segoe UI" panose="020B0502040204020203" pitchFamily="34" charset="0"/>
               </a:rPr>
-              <a:t>Web Components are custom HTML elements/tags that we can create.</a:t>
+              <a:t>These Web Components can be thought of as HTML Plugins.</a:t>
             </a:r>
           </a:p>
           <a:p>
@@ -7870,7 +7772,7 @@
                 <a:latin typeface="Segoe UI" panose="020B0502040204020203" pitchFamily="34" charset="0"/>
                 <a:cs typeface="Segoe UI" panose="020B0502040204020203" pitchFamily="34" charset="0"/>
               </a:rPr>
-              <a:t>We define a tag and associate with a JS Class.</a:t>
+              <a:t>Other sites can use these highly functional HTML Plugins to render out WP site’s content and functionality.</a:t>
             </a:r>
           </a:p>
           <a:p>
@@ -7883,7 +7785,7 @@
                 <a:latin typeface="Segoe UI" panose="020B0502040204020203" pitchFamily="34" charset="0"/>
                 <a:cs typeface="Segoe UI" panose="020B0502040204020203" pitchFamily="34" charset="0"/>
               </a:rPr>
-              <a:t>They are regular HTML so can be used wherever HTML is used and also be wired into JS Framework builds.</a:t>
+              <a:t>This has opportunities for increased agency work for our clients.</a:t>
             </a:r>
           </a:p>
           <a:p>
@@ -7896,7 +7798,7 @@
                 <a:latin typeface="Segoe UI" panose="020B0502040204020203" pitchFamily="34" charset="0"/>
                 <a:cs typeface="Segoe UI" panose="020B0502040204020203" pitchFamily="34" charset="0"/>
               </a:rPr>
-              <a:t>The example of DECOUPLED WP is in fact built entirely with Web Components…let’s look at the source code…</a:t>
+              <a:t>It can also create extended exposure, SEO and business partnerships…our WP provides content/service for another site.</a:t>
             </a:r>
           </a:p>
           <a:p>
@@ -7952,7 +7854,7 @@
     </p:spTree>
     <p:extLst>
       <p:ext uri="{BB962C8B-B14F-4D97-AF65-F5344CB8AC3E}">
-        <p14:creationId xmlns:p14="http://schemas.microsoft.com/office/powerpoint/2010/main" val="16959895"/>
+        <p14:creationId xmlns:p14="http://schemas.microsoft.com/office/powerpoint/2010/main" val="3413793321"/>
       </p:ext>
     </p:extLst>
   </p:cSld>
@@ -8048,11 +7950,11 @@
         </p:spPr>
         <p:txBody>
           <a:bodyPr wrap="square" bIns="252000">
-            <a:normAutofit/>
+            <a:normAutofit fontScale="92500"/>
           </a:bodyPr>
           <a:lstStyle/>
           <a:p>
-            <a:pPr marL="457200" lvl="1" indent="0">
+            <a:pPr marL="457200" lvl="1" indent="0" algn="ctr">
               <a:buNone/>
             </a:pPr>
             <a:r>
@@ -8063,34 +7965,29 @@
                 <a:latin typeface="Segoe UI" panose="020B0502040204020203" pitchFamily="34" charset="0"/>
                 <a:cs typeface="Segoe UI" panose="020B0502040204020203" pitchFamily="34" charset="0"/>
               </a:rPr>
-              <a:t>What are </a:t>
-            </a:r>
-            <a:r>
-              <a:rPr lang="en-GB" sz="5100">
+              <a:t>Craig West</a:t>
+            </a:r>
+          </a:p>
+          <a:p>
+            <a:pPr marL="457200" lvl="1" indent="0" algn="ctr">
+              <a:buNone/>
+            </a:pPr>
+            <a:r>
+              <a:rPr lang="en-GB" sz="5100" dirty="0">
                 <a:solidFill>
                   <a:srgbClr val="2196F3"/>
                 </a:solidFill>
                 <a:latin typeface="Segoe UI" panose="020B0502040204020203" pitchFamily="34" charset="0"/>
                 <a:cs typeface="Segoe UI" panose="020B0502040204020203" pitchFamily="34" charset="0"/>
               </a:rPr>
-              <a:t>the implications</a:t>
-            </a:r>
-            <a:r>
-              <a:rPr lang="en-GB" sz="5100" dirty="0">
-                <a:solidFill>
-                  <a:srgbClr val="2196F3"/>
-                </a:solidFill>
-                <a:latin typeface="Segoe UI" panose="020B0502040204020203" pitchFamily="34" charset="0"/>
-                <a:cs typeface="Segoe UI" panose="020B0502040204020203" pitchFamily="34" charset="0"/>
-              </a:rPr>
-              <a:t>?</a:t>
+              <a:t>wpjs.co.uk</a:t>
             </a:r>
           </a:p>
           <a:p>
             <a:pPr marL="457200" lvl="1" indent="0">
               <a:buNone/>
             </a:pPr>
-            <a:endParaRPr lang="en-GB" sz="1050" dirty="0">
+            <a:endParaRPr lang="en-GB" sz="1600" dirty="0">
               <a:solidFill>
                 <a:srgbClr val="2196F3"/>
               </a:solidFill>
@@ -8099,62 +7996,35 @@
             </a:endParaRPr>
           </a:p>
           <a:p>
-            <a:pPr lvl="1"/>
-            <a:r>
-              <a:rPr lang="en-GB" sz="2800" dirty="0">
+            <a:pPr marL="457200" lvl="1" indent="0">
+              <a:buNone/>
+            </a:pPr>
+            <a:r>
+              <a:rPr lang="en-GB" sz="3200" dirty="0">
                 <a:solidFill>
                   <a:srgbClr val="2196F3"/>
                 </a:solidFill>
                 <a:latin typeface="Segoe UI" panose="020B0502040204020203" pitchFamily="34" charset="0"/>
                 <a:cs typeface="Segoe UI" panose="020B0502040204020203" pitchFamily="34" charset="0"/>
               </a:rPr>
-              <a:t>These Web Components can be thought of as HTML Plugins.</a:t>
-            </a:r>
-          </a:p>
-          <a:p>
-            <a:pPr lvl="1"/>
-            <a:r>
-              <a:rPr lang="en-GB" sz="2800" dirty="0">
+              <a:t>I offer regular online workshops on Progressive Web Apps, Web Components, WP-HTML, JavaScript for WP developers and High Performance Websites. </a:t>
+            </a:r>
+            <a:r>
+              <a:rPr lang="en-GB" sz="3200" i="1" dirty="0">
                 <a:solidFill>
                   <a:srgbClr val="2196F3"/>
                 </a:solidFill>
                 <a:latin typeface="Segoe UI" panose="020B0502040204020203" pitchFamily="34" charset="0"/>
                 <a:cs typeface="Segoe UI" panose="020B0502040204020203" pitchFamily="34" charset="0"/>
               </a:rPr>
-              <a:t>Other sites can use these highly functional HTML Plugins to render out WP site’s content and functionality.</a:t>
-            </a:r>
-          </a:p>
-          <a:p>
-            <a:pPr lvl="1"/>
-            <a:r>
-              <a:rPr lang="en-GB" sz="2800" dirty="0">
-                <a:solidFill>
-                  <a:srgbClr val="2196F3"/>
-                </a:solidFill>
-                <a:latin typeface="Segoe UI" panose="020B0502040204020203" pitchFamily="34" charset="0"/>
-                <a:cs typeface="Segoe UI" panose="020B0502040204020203" pitchFamily="34" charset="0"/>
-              </a:rPr>
-              <a:t>This has opportunities for increased agency work for our clients.</a:t>
-            </a:r>
-          </a:p>
-          <a:p>
-            <a:pPr lvl="1"/>
-            <a:r>
-              <a:rPr lang="en-GB" sz="2800" dirty="0">
-                <a:solidFill>
-                  <a:srgbClr val="2196F3"/>
-                </a:solidFill>
-                <a:latin typeface="Segoe UI" panose="020B0502040204020203" pitchFamily="34" charset="0"/>
-                <a:cs typeface="Segoe UI" panose="020B0502040204020203" pitchFamily="34" charset="0"/>
-              </a:rPr>
-              <a:t>It can also create extended exposure, SEO and business partnerships…our WP provides content/service for another site.</a:t>
+              <a:t>Many no-fee.</a:t>
             </a:r>
           </a:p>
           <a:p>
             <a:pPr marL="457200" lvl="1" indent="0">
               <a:buNone/>
             </a:pPr>
-            <a:endParaRPr lang="en-GB" sz="6700" dirty="0">
+            <a:endParaRPr lang="en-GB" sz="1900" dirty="0">
               <a:solidFill>
                 <a:srgbClr val="2196F3"/>
               </a:solidFill>
@@ -8166,7 +8036,33 @@
             <a:pPr marL="457200" lvl="1" indent="0">
               <a:buNone/>
             </a:pPr>
-            <a:endParaRPr lang="en-GB" sz="6700" dirty="0">
+            <a:r>
+              <a:rPr lang="en-GB" sz="3200" dirty="0">
+                <a:solidFill>
+                  <a:srgbClr val="2196F3"/>
+                </a:solidFill>
+                <a:latin typeface="Segoe UI" panose="020B0502040204020203" pitchFamily="34" charset="0"/>
+                <a:cs typeface="Segoe UI" panose="020B0502040204020203" pitchFamily="34" charset="0"/>
+              </a:rPr>
+              <a:t>Please email me for more details:</a:t>
+            </a:r>
+          </a:p>
+          <a:p>
+            <a:pPr marL="457200" lvl="1" indent="0">
+              <a:buNone/>
+            </a:pPr>
+            <a:r>
+              <a:rPr lang="en-GB" sz="4300" dirty="0">
+                <a:solidFill>
+                  <a:srgbClr val="2196F3"/>
+                </a:solidFill>
+                <a:latin typeface="Segoe UI" panose="020B0502040204020203" pitchFamily="34" charset="0"/>
+                <a:cs typeface="Segoe UI" panose="020B0502040204020203" pitchFamily="34" charset="0"/>
+                <a:hlinkClick r:id="rId2"/>
+              </a:rPr>
+              <a:t>craig@wpjs.co.uk</a:t>
+            </a:r>
+            <a:endParaRPr lang="en-GB" sz="4300" dirty="0">
               <a:solidFill>
                 <a:srgbClr val="2196F3"/>
               </a:solidFill>
@@ -8178,213 +8074,6 @@
             <a:pPr marL="457200" lvl="1" indent="0">
               <a:buNone/>
             </a:pPr>
-            <a:endParaRPr lang="en-GB" sz="6700" dirty="0">
-              <a:latin typeface="Segoe UI" panose="020B0502040204020203" pitchFamily="34" charset="0"/>
-              <a:cs typeface="Segoe UI" panose="020B0502040204020203" pitchFamily="34" charset="0"/>
-            </a:endParaRPr>
-          </a:p>
-          <a:p>
-            <a:pPr marL="0" indent="0">
-              <a:buNone/>
-            </a:pPr>
-            <a:endParaRPr lang="en-GB" dirty="0">
-              <a:latin typeface="Segoe UI" panose="020B0502040204020203" pitchFamily="34" charset="0"/>
-              <a:cs typeface="Segoe UI" panose="020B0502040204020203" pitchFamily="34" charset="0"/>
-            </a:endParaRPr>
-          </a:p>
-          <a:p>
-            <a:endParaRPr lang="en-GB" dirty="0">
-              <a:latin typeface="Segoe UI" panose="020B0502040204020203" pitchFamily="34" charset="0"/>
-              <a:cs typeface="Segoe UI" panose="020B0502040204020203" pitchFamily="34" charset="0"/>
-            </a:endParaRPr>
-          </a:p>
-        </p:txBody>
-      </p:sp>
-    </p:spTree>
-    <p:extLst>
-      <p:ext uri="{BB962C8B-B14F-4D97-AF65-F5344CB8AC3E}">
-        <p14:creationId xmlns:p14="http://schemas.microsoft.com/office/powerpoint/2010/main" val="3413793321"/>
-      </p:ext>
-    </p:extLst>
-  </p:cSld>
-  <p:clrMapOvr>
-    <a:masterClrMapping/>
-  </p:clrMapOvr>
-</p:sld>
-</file>
-
-<file path=ppt/slides/slide19.xml><?xml version="1.0" encoding="utf-8"?>
-<p:sld xmlns:a="http://schemas.openxmlformats.org/drawingml/2006/main" xmlns:r="http://schemas.openxmlformats.org/officeDocument/2006/relationships" xmlns:p="http://schemas.openxmlformats.org/presentationml/2006/main">
-  <p:cSld>
-    <p:spTree>
-      <p:nvGrpSpPr>
-        <p:cNvPr id="1" name=""/>
-        <p:cNvGrpSpPr/>
-        <p:nvPr/>
-      </p:nvGrpSpPr>
-      <p:grpSpPr>
-        <a:xfrm>
-          <a:off x="0" y="0"/>
-          <a:ext cx="0" cy="0"/>
-          <a:chOff x="0" y="0"/>
-          <a:chExt cx="0" cy="0"/>
-        </a:xfrm>
-      </p:grpSpPr>
-      <p:sp>
-        <p:nvSpPr>
-          <p:cNvPr id="2" name="Title 1">
-            <a:extLst>
-              <a:ext uri="{FF2B5EF4-FFF2-40B4-BE49-F238E27FC236}">
-                <a16:creationId xmlns:a16="http://schemas.microsoft.com/office/drawing/2014/main" id="{5D7568B3-EC9A-45DD-8A17-CFE685194B65}"/>
-              </a:ext>
-            </a:extLst>
-          </p:cNvPr>
-          <p:cNvSpPr>
-            <a:spLocks noGrp="1"/>
-          </p:cNvSpPr>
-          <p:nvPr>
-            <p:ph type="title"/>
-          </p:nvPr>
-        </p:nvSpPr>
-        <p:spPr>
-          <a:xfrm>
-            <a:off x="838200" y="0"/>
-            <a:ext cx="10515600" cy="1325563"/>
-          </a:xfrm>
-          <a:solidFill>
-            <a:srgbClr val="2196F3"/>
-          </a:solidFill>
-        </p:spPr>
-        <p:txBody>
-          <a:bodyPr>
-            <a:normAutofit/>
-          </a:bodyPr>
-          <a:lstStyle/>
-          <a:p>
-            <a:pPr algn="ctr"/>
-            <a:r>
-              <a:rPr lang="en-GB" sz="6600" dirty="0">
-                <a:solidFill>
-                  <a:schemeClr val="bg1"/>
-                </a:solidFill>
-                <a:latin typeface="Segoe UI" panose="020B0502040204020203" pitchFamily="34" charset="0"/>
-                <a:cs typeface="Segoe UI" panose="020B0502040204020203" pitchFamily="34" charset="0"/>
-              </a:rPr>
-              <a:t>WP REST API &amp; AJAX</a:t>
-            </a:r>
-          </a:p>
-        </p:txBody>
-      </p:sp>
-      <p:sp>
-        <p:nvSpPr>
-          <p:cNvPr id="4" name="Content Placeholder 2">
-            <a:extLst>
-              <a:ext uri="{FF2B5EF4-FFF2-40B4-BE49-F238E27FC236}">
-                <a16:creationId xmlns:a16="http://schemas.microsoft.com/office/drawing/2014/main" id="{088CCB65-11B4-408B-9ED3-1304FE85032F}"/>
-              </a:ext>
-            </a:extLst>
-          </p:cNvPr>
-          <p:cNvSpPr>
-            <a:spLocks noGrp="1"/>
-          </p:cNvSpPr>
-          <p:nvPr>
-            <p:ph idx="1"/>
-          </p:nvPr>
-        </p:nvSpPr>
-        <p:spPr>
-          <a:xfrm>
-            <a:off x="838200" y="1431636"/>
-            <a:ext cx="10515600" cy="4742661"/>
-          </a:xfrm>
-        </p:spPr>
-        <p:txBody>
-          <a:bodyPr wrap="square" bIns="252000">
-            <a:normAutofit/>
-          </a:bodyPr>
-          <a:lstStyle/>
-          <a:p>
-            <a:pPr marL="457200" lvl="1" indent="0" algn="ctr">
-              <a:buNone/>
-            </a:pPr>
-            <a:r>
-              <a:rPr lang="en-GB" sz="5100" dirty="0">
-                <a:solidFill>
-                  <a:srgbClr val="2196F3"/>
-                </a:solidFill>
-                <a:latin typeface="Segoe UI" panose="020B0502040204020203" pitchFamily="34" charset="0"/>
-                <a:cs typeface="Segoe UI" panose="020B0502040204020203" pitchFamily="34" charset="0"/>
-              </a:rPr>
-              <a:t>Craig West</a:t>
-            </a:r>
-          </a:p>
-          <a:p>
-            <a:pPr marL="457200" lvl="1" indent="0" algn="ctr">
-              <a:buNone/>
-            </a:pPr>
-            <a:r>
-              <a:rPr lang="en-GB" sz="5100" dirty="0">
-                <a:solidFill>
-                  <a:srgbClr val="2196F3"/>
-                </a:solidFill>
-                <a:latin typeface="Segoe UI" panose="020B0502040204020203" pitchFamily="34" charset="0"/>
-                <a:cs typeface="Segoe UI" panose="020B0502040204020203" pitchFamily="34" charset="0"/>
-              </a:rPr>
-              <a:t>craig@wpjs.co.uk</a:t>
-            </a:r>
-          </a:p>
-          <a:p>
-            <a:pPr marL="457200" lvl="1" indent="0">
-              <a:buNone/>
-            </a:pPr>
-            <a:endParaRPr lang="en-GB" sz="3200" dirty="0">
-              <a:solidFill>
-                <a:srgbClr val="2196F3"/>
-              </a:solidFill>
-              <a:latin typeface="Segoe UI" panose="020B0502040204020203" pitchFamily="34" charset="0"/>
-              <a:cs typeface="Segoe UI" panose="020B0502040204020203" pitchFamily="34" charset="0"/>
-            </a:endParaRPr>
-          </a:p>
-          <a:p>
-            <a:pPr marL="457200" lvl="1" indent="0">
-              <a:buNone/>
-            </a:pPr>
-            <a:r>
-              <a:rPr lang="en-GB" sz="3200" dirty="0">
-                <a:solidFill>
-                  <a:srgbClr val="2196F3"/>
-                </a:solidFill>
-                <a:latin typeface="Segoe UI" panose="020B0502040204020203" pitchFamily="34" charset="0"/>
-                <a:cs typeface="Segoe UI" panose="020B0502040204020203" pitchFamily="34" charset="0"/>
-              </a:rPr>
-              <a:t>I offer regular no fee online workshops on Progressive Web Apps, Web Components, WP-HTML, JavaScript for WP developers and High Performance Websites.</a:t>
-            </a:r>
-          </a:p>
-          <a:p>
-            <a:pPr marL="457200" lvl="1" indent="0">
-              <a:buNone/>
-            </a:pPr>
-            <a:endParaRPr lang="en-GB" sz="3200" dirty="0">
-              <a:solidFill>
-                <a:srgbClr val="2196F3"/>
-              </a:solidFill>
-              <a:latin typeface="Segoe UI" panose="020B0502040204020203" pitchFamily="34" charset="0"/>
-              <a:cs typeface="Segoe UI" panose="020B0502040204020203" pitchFamily="34" charset="0"/>
-            </a:endParaRPr>
-          </a:p>
-          <a:p>
-            <a:pPr marL="457200" lvl="1" indent="0">
-              <a:buNone/>
-            </a:pPr>
-            <a:r>
-              <a:rPr lang="en-GB" sz="3200" dirty="0">
-                <a:solidFill>
-                  <a:srgbClr val="2196F3"/>
-                </a:solidFill>
-                <a:latin typeface="Segoe UI" panose="020B0502040204020203" pitchFamily="34" charset="0"/>
-                <a:cs typeface="Segoe UI" panose="020B0502040204020203" pitchFamily="34" charset="0"/>
-              </a:rPr>
-              <a:t>Please email me for more details.</a:t>
-            </a:r>
             <a:endParaRPr lang="en-GB" sz="1400" dirty="0">
               <a:solidFill>
                 <a:srgbClr val="2196F3"/>
@@ -9618,13 +9307,13 @@
         </p:nvSpPr>
         <p:spPr>
           <a:xfrm>
-            <a:off x="838200" y="1775290"/>
+            <a:off x="838200" y="1775291"/>
             <a:ext cx="10515600" cy="4399007"/>
           </a:xfrm>
         </p:spPr>
         <p:txBody>
           <a:bodyPr wrap="square" bIns="252000">
-            <a:normAutofit/>
+            <a:normAutofit lnSpcReduction="10000"/>
           </a:bodyPr>
           <a:lstStyle/>
           <a:p>
@@ -9639,14 +9328,14 @@
                 <a:latin typeface="Segoe UI" panose="020B0502040204020203" pitchFamily="34" charset="0"/>
                 <a:cs typeface="Segoe UI" panose="020B0502040204020203" pitchFamily="34" charset="0"/>
               </a:rPr>
-              <a:t>IT IS YOUR WORKSHOP!</a:t>
+              <a:t>DESIRED OUTCOMES:</a:t>
             </a:r>
           </a:p>
           <a:p>
             <a:pPr marL="457200" lvl="1" indent="0">
               <a:buNone/>
             </a:pPr>
-            <a:endParaRPr lang="en-GB" sz="1050" dirty="0">
+            <a:endParaRPr lang="en-GB" sz="100" dirty="0">
               <a:solidFill>
                 <a:srgbClr val="2196F3"/>
               </a:solidFill>
@@ -9664,7 +9353,7 @@
                 <a:latin typeface="Segoe UI" panose="020B0502040204020203" pitchFamily="34" charset="0"/>
                 <a:cs typeface="Segoe UI" panose="020B0502040204020203" pitchFamily="34" charset="0"/>
               </a:rPr>
-              <a:t>Please feel free to ask questions</a:t>
+              <a:t>High level understand WP REST API, AJAX, JSON</a:t>
             </a:r>
           </a:p>
           <a:p>
@@ -9677,7 +9366,7 @@
                 <a:latin typeface="Segoe UI" panose="020B0502040204020203" pitchFamily="34" charset="0"/>
                 <a:cs typeface="Segoe UI" panose="020B0502040204020203" pitchFamily="34" charset="0"/>
               </a:rPr>
-              <a:t>Aim is to understand what we are doing</a:t>
+              <a:t>Creation of custom WP REST API Endpoints</a:t>
             </a:r>
           </a:p>
           <a:p>
@@ -9690,7 +9379,7 @@
                 <a:latin typeface="Segoe UI" panose="020B0502040204020203" pitchFamily="34" charset="0"/>
                 <a:cs typeface="Segoe UI" panose="020B0502040204020203" pitchFamily="34" charset="0"/>
               </a:rPr>
-              <a:t>No shaming</a:t>
+              <a:t>Use them for GET/POST requests</a:t>
             </a:r>
           </a:p>
           <a:p>
@@ -9703,7 +9392,59 @@
                 <a:latin typeface="Segoe UI" panose="020B0502040204020203" pitchFamily="34" charset="0"/>
                 <a:cs typeface="Segoe UI" panose="020B0502040204020203" pitchFamily="34" charset="0"/>
               </a:rPr>
-              <a:t>We are all developers and know the road is rocky with many silly mistakes and frustrations</a:t>
+              <a:t>Create forms that use these Endpoints</a:t>
+            </a:r>
+          </a:p>
+          <a:p>
+            <a:pPr lvl="1"/>
+            <a:r>
+              <a:rPr lang="en-GB" sz="2800" dirty="0">
+                <a:solidFill>
+                  <a:srgbClr val="2196F3"/>
+                </a:solidFill>
+                <a:latin typeface="Segoe UI" panose="020B0502040204020203" pitchFamily="34" charset="0"/>
+                <a:cs typeface="Segoe UI" panose="020B0502040204020203" pitchFamily="34" charset="0"/>
+              </a:rPr>
+              <a:t>Secure forms with WP NONCE</a:t>
+            </a:r>
+          </a:p>
+          <a:p>
+            <a:pPr lvl="1"/>
+            <a:r>
+              <a:rPr lang="en-GB" sz="2800" dirty="0">
+                <a:solidFill>
+                  <a:srgbClr val="2196F3"/>
+                </a:solidFill>
+                <a:latin typeface="Segoe UI" panose="020B0502040204020203" pitchFamily="34" charset="0"/>
+                <a:cs typeface="Segoe UI" panose="020B0502040204020203" pitchFamily="34" charset="0"/>
+              </a:rPr>
+              <a:t>Decoupled/Headless WP – handling authentication</a:t>
+            </a:r>
+          </a:p>
+          <a:p>
+            <a:pPr lvl="1"/>
+            <a:r>
+              <a:rPr lang="en-GB" sz="2800" dirty="0">
+                <a:solidFill>
+                  <a:srgbClr val="2196F3"/>
+                </a:solidFill>
+                <a:latin typeface="Segoe UI" panose="020B0502040204020203" pitchFamily="34" charset="0"/>
+                <a:cs typeface="Segoe UI" panose="020B0502040204020203" pitchFamily="34" charset="0"/>
+              </a:rPr>
+              <a:t>Offline WP sites</a:t>
+            </a:r>
+          </a:p>
+          <a:p>
+            <a:pPr lvl="1"/>
+            <a:r>
+              <a:rPr lang="en-GB" sz="2800" dirty="0">
+                <a:solidFill>
+                  <a:srgbClr val="2196F3"/>
+                </a:solidFill>
+                <a:latin typeface="Segoe UI" panose="020B0502040204020203" pitchFamily="34" charset="0"/>
+                <a:cs typeface="Segoe UI" panose="020B0502040204020203" pitchFamily="34" charset="0"/>
+              </a:rPr>
+              <a:t>WP HTML PLUGINS – plugins/widgets in other HTML sites</a:t>
             </a:r>
           </a:p>
           <a:p>
@@ -9735,18 +9476,6 @@
               <a:buNone/>
             </a:pPr>
             <a:endParaRPr lang="en-GB" sz="6700" dirty="0">
-              <a:solidFill>
-                <a:srgbClr val="2196F3"/>
-              </a:solidFill>
-              <a:latin typeface="Segoe UI" panose="020B0502040204020203" pitchFamily="34" charset="0"/>
-              <a:cs typeface="Segoe UI" panose="020B0502040204020203" pitchFamily="34" charset="0"/>
-            </a:endParaRPr>
-          </a:p>
-          <a:p>
-            <a:pPr marL="457200" lvl="1" indent="0">
-              <a:buNone/>
-            </a:pPr>
-            <a:endParaRPr lang="en-GB" sz="6700" dirty="0">
               <a:latin typeface="Segoe UI" panose="020B0502040204020203" pitchFamily="34" charset="0"/>
               <a:cs typeface="Segoe UI" panose="020B0502040204020203" pitchFamily="34" charset="0"/>
             </a:endParaRPr>
@@ -9771,7 +9500,7 @@
     </p:spTree>
     <p:extLst>
       <p:ext uri="{BB962C8B-B14F-4D97-AF65-F5344CB8AC3E}">
-        <p14:creationId xmlns:p14="http://schemas.microsoft.com/office/powerpoint/2010/main" val="2539296992"/>
+        <p14:creationId xmlns:p14="http://schemas.microsoft.com/office/powerpoint/2010/main" val="116458250"/>
       </p:ext>
     </p:extLst>
   </p:cSld>
@@ -9861,13 +9590,13 @@
         </p:nvSpPr>
         <p:spPr>
           <a:xfrm>
-            <a:off x="838200" y="1775290"/>
-            <a:ext cx="10515600" cy="4399007"/>
+            <a:off x="838200" y="1442781"/>
+            <a:ext cx="10515600" cy="4967255"/>
           </a:xfrm>
         </p:spPr>
         <p:txBody>
           <a:bodyPr wrap="square" bIns="252000">
-            <a:normAutofit/>
+            <a:normAutofit fontScale="92500" lnSpcReduction="10000"/>
           </a:bodyPr>
           <a:lstStyle/>
           <a:p>
@@ -9877,12 +9606,22 @@
             <a:r>
               <a:rPr lang="en-GB" sz="5100" dirty="0">
                 <a:solidFill>
-                  <a:srgbClr val="2196F3"/>
+                  <a:srgbClr val="FF0000"/>
                 </a:solidFill>
                 <a:latin typeface="Segoe UI" panose="020B0502040204020203" pitchFamily="34" charset="0"/>
                 <a:cs typeface="Segoe UI" panose="020B0502040204020203" pitchFamily="34" charset="0"/>
               </a:rPr>
-              <a:t>DESIRED OUTCOMES:</a:t>
+              <a:t>REALISTIC</a:t>
+            </a:r>
+            <a:r>
+              <a:rPr lang="en-GB" sz="5100" dirty="0">
+                <a:solidFill>
+                  <a:srgbClr val="2196F3"/>
+                </a:solidFill>
+                <a:latin typeface="Segoe UI" panose="020B0502040204020203" pitchFamily="34" charset="0"/>
+                <a:cs typeface="Segoe UI" panose="020B0502040204020203" pitchFamily="34" charset="0"/>
+              </a:rPr>
+              <a:t> OUTCOMES:</a:t>
             </a:r>
           </a:p>
           <a:p>
@@ -9907,7 +9646,7 @@
                 <a:latin typeface="Segoe UI" panose="020B0502040204020203" pitchFamily="34" charset="0"/>
                 <a:cs typeface="Segoe UI" panose="020B0502040204020203" pitchFamily="34" charset="0"/>
               </a:rPr>
-              <a:t>Understand WP REST API, AJAX, JSON</a:t>
+              <a:t>Have an overview of how non-refreshed pages work.</a:t>
             </a:r>
           </a:p>
           <a:p>
@@ -9920,7 +9659,7 @@
                 <a:latin typeface="Segoe UI" panose="020B0502040204020203" pitchFamily="34" charset="0"/>
                 <a:cs typeface="Segoe UI" panose="020B0502040204020203" pitchFamily="34" charset="0"/>
               </a:rPr>
-              <a:t>Know how to create custom WP REST API Endpoints</a:t>
+              <a:t>Have sample code so that it works. You can then break it and learn more.</a:t>
             </a:r>
           </a:p>
           <a:p>
@@ -9933,7 +9672,7 @@
                 <a:latin typeface="Segoe UI" panose="020B0502040204020203" pitchFamily="34" charset="0"/>
                 <a:cs typeface="Segoe UI" panose="020B0502040204020203" pitchFamily="34" charset="0"/>
               </a:rPr>
-              <a:t>Use them for GET/POST requests</a:t>
+              <a:t>Have links to the resources I found very useful</a:t>
             </a:r>
           </a:p>
           <a:p>
@@ -9946,7 +9685,7 @@
                 <a:latin typeface="Segoe UI" panose="020B0502040204020203" pitchFamily="34" charset="0"/>
                 <a:cs typeface="Segoe UI" panose="020B0502040204020203" pitchFamily="34" charset="0"/>
               </a:rPr>
-              <a:t>Create forms that use these Endpoints</a:t>
+              <a:t>Have ready made AJAX pages and forms to edit and amend.</a:t>
             </a:r>
           </a:p>
           <a:p>
@@ -9959,7 +9698,7 @@
                 <a:latin typeface="Segoe UI" panose="020B0502040204020203" pitchFamily="34" charset="0"/>
                 <a:cs typeface="Segoe UI" panose="020B0502040204020203" pitchFamily="34" charset="0"/>
               </a:rPr>
-              <a:t>Secure forms with WP NONCE</a:t>
+              <a:t>This is a lot to understand in a short talk…allow yourself not to fully understand it at this present time…there is time afterward…</a:t>
             </a:r>
           </a:p>
           <a:p>
@@ -9972,7 +9711,47 @@
                 <a:latin typeface="Segoe UI" panose="020B0502040204020203" pitchFamily="34" charset="0"/>
                 <a:cs typeface="Segoe UI" panose="020B0502040204020203" pitchFamily="34" charset="0"/>
               </a:rPr>
-              <a:t>OPTIONAL: DECOUPLED WP</a:t>
+              <a:t>I give regular 1-2 hour online workshops (no fee) to help WP </a:t>
+            </a:r>
+            <a:r>
+              <a:rPr lang="en-GB" sz="2800">
+                <a:solidFill>
+                  <a:srgbClr val="2196F3"/>
+                </a:solidFill>
+                <a:latin typeface="Segoe UI" panose="020B0502040204020203" pitchFamily="34" charset="0"/>
+                <a:cs typeface="Segoe UI" panose="020B0502040204020203" pitchFamily="34" charset="0"/>
+              </a:rPr>
+              <a:t>Developers learn WP REST/AJAX.</a:t>
+            </a:r>
+            <a:endParaRPr lang="en-GB" sz="2800" dirty="0">
+              <a:solidFill>
+                <a:srgbClr val="2196F3"/>
+              </a:solidFill>
+              <a:latin typeface="Segoe UI" panose="020B0502040204020203" pitchFamily="34" charset="0"/>
+              <a:cs typeface="Segoe UI" panose="020B0502040204020203" pitchFamily="34" charset="0"/>
+            </a:endParaRPr>
+          </a:p>
+          <a:p>
+            <a:pPr lvl="1"/>
+            <a:r>
+              <a:rPr lang="en-GB" sz="2800" b="1" i="1" dirty="0">
+                <a:solidFill>
+                  <a:srgbClr val="FF0000"/>
+                </a:solidFill>
+                <a:latin typeface="Segoe UI" panose="020B0502040204020203" pitchFamily="34" charset="0"/>
+                <a:cs typeface="Segoe UI" panose="020B0502040204020203" pitchFamily="34" charset="0"/>
+              </a:rPr>
+              <a:t>Please</a:t>
+            </a:r>
+            <a:r>
+              <a:rPr lang="en-GB" sz="2800" dirty="0">
+                <a:solidFill>
+                  <a:srgbClr val="2196F3"/>
+                </a:solidFill>
+                <a:latin typeface="Segoe UI" panose="020B0502040204020203" pitchFamily="34" charset="0"/>
+                <a:cs typeface="Segoe UI" panose="020B0502040204020203" pitchFamily="34" charset="0"/>
+              </a:rPr>
+              <a:t> contact me to learn this in more details</a:t>
             </a:r>
           </a:p>
           <a:p>
@@ -10028,7 +9807,7 @@
     </p:spTree>
     <p:extLst>
       <p:ext uri="{BB962C8B-B14F-4D97-AF65-F5344CB8AC3E}">
-        <p14:creationId xmlns:p14="http://schemas.microsoft.com/office/powerpoint/2010/main" val="116458250"/>
+        <p14:creationId xmlns:p14="http://schemas.microsoft.com/office/powerpoint/2010/main" val="2605959733"/>
       </p:ext>
     </p:extLst>
   </p:cSld>
@@ -10118,13 +9897,13 @@
         </p:nvSpPr>
         <p:spPr>
           <a:xfrm>
-            <a:off x="838200" y="1442781"/>
-            <a:ext cx="10515600" cy="4967255"/>
+            <a:off x="838200" y="1775290"/>
+            <a:ext cx="10515600" cy="4399007"/>
           </a:xfrm>
         </p:spPr>
         <p:txBody>
           <a:bodyPr wrap="square" bIns="252000">
-            <a:normAutofit lnSpcReduction="10000"/>
+            <a:normAutofit fontScale="92500" lnSpcReduction="10000"/>
           </a:bodyPr>
           <a:lstStyle/>
           <a:p>
@@ -10134,22 +9913,27 @@
             <a:r>
               <a:rPr lang="en-GB" sz="5100" dirty="0">
                 <a:solidFill>
-                  <a:srgbClr val="FF0000"/>
+                  <a:srgbClr val="2196F3"/>
                 </a:solidFill>
                 <a:latin typeface="Segoe UI" panose="020B0502040204020203" pitchFamily="34" charset="0"/>
                 <a:cs typeface="Segoe UI" panose="020B0502040204020203" pitchFamily="34" charset="0"/>
               </a:rPr>
-              <a:t>REALISTIC</a:t>
-            </a:r>
-            <a:r>
-              <a:rPr lang="en-GB" sz="5100" dirty="0">
+              <a:t>What is REST?</a:t>
+            </a:r>
+          </a:p>
+          <a:p>
+            <a:pPr marL="457200" lvl="1" indent="0">
+              <a:buNone/>
+            </a:pPr>
+            <a:r>
+              <a:rPr lang="en-GB" sz="3600" dirty="0">
                 <a:solidFill>
                   <a:srgbClr val="2196F3"/>
                 </a:solidFill>
                 <a:latin typeface="Segoe UI" panose="020B0502040204020203" pitchFamily="34" charset="0"/>
                 <a:cs typeface="Segoe UI" panose="020B0502040204020203" pitchFamily="34" charset="0"/>
               </a:rPr>
-              <a:t> OUTCOMES:</a:t>
+              <a:t>Representational State Transfer</a:t>
             </a:r>
           </a:p>
           <a:p>
@@ -10165,92 +9949,79 @@
             </a:endParaRPr>
           </a:p>
           <a:p>
-            <a:pPr lvl="1"/>
-            <a:r>
-              <a:rPr lang="en-GB" sz="2800" dirty="0">
+            <a:pPr marL="457200" lvl="1" indent="0">
+              <a:buNone/>
+            </a:pPr>
+            <a:r>
+              <a:rPr lang="en-GB" sz="3600" dirty="0">
                 <a:solidFill>
                   <a:srgbClr val="2196F3"/>
                 </a:solidFill>
                 <a:latin typeface="Segoe UI" panose="020B0502040204020203" pitchFamily="34" charset="0"/>
                 <a:cs typeface="Segoe UI" panose="020B0502040204020203" pitchFamily="34" charset="0"/>
               </a:rPr>
-              <a:t>Have an overview of how non-refreshed pages work.</a:t>
-            </a:r>
-          </a:p>
-          <a:p>
-            <a:pPr lvl="1"/>
-            <a:r>
-              <a:rPr lang="en-GB" sz="2800" dirty="0">
+              <a:t>This was formulated by Roy Fielding for his thesis in 2000 to create an alternative to the SOAP method.</a:t>
+            </a:r>
+          </a:p>
+          <a:p>
+            <a:pPr marL="457200" lvl="1" indent="0">
+              <a:buNone/>
+            </a:pPr>
+            <a:r>
+              <a:rPr lang="en-GB" sz="3600" dirty="0">
                 <a:solidFill>
                   <a:srgbClr val="2196F3"/>
                 </a:solidFill>
                 <a:latin typeface="Segoe UI" panose="020B0502040204020203" pitchFamily="34" charset="0"/>
                 <a:cs typeface="Segoe UI" panose="020B0502040204020203" pitchFamily="34" charset="0"/>
               </a:rPr>
-              <a:t>Have sample code so that it works. You can then break it and learn more.</a:t>
-            </a:r>
-          </a:p>
-          <a:p>
-            <a:pPr lvl="1"/>
-            <a:r>
-              <a:rPr lang="en-GB" sz="2800" dirty="0">
+              <a:t>An architectural style not a protocol.</a:t>
+            </a:r>
+          </a:p>
+          <a:p>
+            <a:pPr marL="457200" lvl="1" indent="0">
+              <a:buNone/>
+            </a:pPr>
+            <a:r>
+              <a:rPr lang="en-GB" sz="3600" dirty="0">
                 <a:solidFill>
                   <a:srgbClr val="2196F3"/>
                 </a:solidFill>
                 <a:latin typeface="Segoe UI" panose="020B0502040204020203" pitchFamily="34" charset="0"/>
                 <a:cs typeface="Segoe UI" panose="020B0502040204020203" pitchFamily="34" charset="0"/>
               </a:rPr>
-              <a:t>Have links to the resources I found very useful</a:t>
-            </a:r>
-          </a:p>
-          <a:p>
-            <a:pPr lvl="1"/>
-            <a:r>
-              <a:rPr lang="en-GB" sz="2800" dirty="0">
-                <a:solidFill>
-                  <a:srgbClr val="2196F3"/>
-                </a:solidFill>
-                <a:latin typeface="Segoe UI" panose="020B0502040204020203" pitchFamily="34" charset="0"/>
-                <a:cs typeface="Segoe UI" panose="020B0502040204020203" pitchFamily="34" charset="0"/>
-              </a:rPr>
-              <a:t>Have ready made AJAX pages and forms to edit and amend.</a:t>
-            </a:r>
-          </a:p>
-          <a:p>
-            <a:pPr lvl="1"/>
-            <a:r>
-              <a:rPr lang="en-GB" sz="2800" dirty="0">
-                <a:solidFill>
-                  <a:srgbClr val="2196F3"/>
-                </a:solidFill>
-                <a:latin typeface="Segoe UI" panose="020B0502040204020203" pitchFamily="34" charset="0"/>
-                <a:cs typeface="Segoe UI" panose="020B0502040204020203" pitchFamily="34" charset="0"/>
-              </a:rPr>
-              <a:t>This is a lot to understand in a short talk…allow yourself not to fully understand it at this present time…there is time afterward…</a:t>
-            </a:r>
-          </a:p>
-          <a:p>
-            <a:pPr lvl="1"/>
-            <a:r>
-              <a:rPr lang="en-GB" sz="2800" b="1" i="1" dirty="0">
-                <a:solidFill>
-                  <a:srgbClr val="FF0000"/>
-                </a:solidFill>
-                <a:latin typeface="Segoe UI" panose="020B0502040204020203" pitchFamily="34" charset="0"/>
-                <a:cs typeface="Segoe UI" panose="020B0502040204020203" pitchFamily="34" charset="0"/>
-              </a:rPr>
-              <a:t>Please</a:t>
-            </a:r>
-            <a:r>
-              <a:rPr lang="en-GB" sz="2800" dirty="0">
-                <a:solidFill>
-                  <a:srgbClr val="2196F3"/>
-                </a:solidFill>
-                <a:latin typeface="Segoe UI" panose="020B0502040204020203" pitchFamily="34" charset="0"/>
-                <a:cs typeface="Segoe UI" panose="020B0502040204020203" pitchFamily="34" charset="0"/>
-              </a:rPr>
-              <a:t> contact me for follow up Zooms etc…</a:t>
-            </a:r>
+              <a:t>HTTP by its nature is implicitly RESTful.</a:t>
+            </a:r>
+          </a:p>
+          <a:p>
+            <a:pPr marL="457200" lvl="1" indent="0">
+              <a:buNone/>
+            </a:pPr>
+            <a:endParaRPr lang="en-GB" sz="3600" dirty="0">
+              <a:solidFill>
+                <a:srgbClr val="2196F3"/>
+              </a:solidFill>
+              <a:latin typeface="Segoe UI" panose="020B0502040204020203" pitchFamily="34" charset="0"/>
+              <a:cs typeface="Segoe UI" panose="020B0502040204020203" pitchFamily="34" charset="0"/>
+            </a:endParaRPr>
+          </a:p>
+          <a:p>
+            <a:pPr marL="457200" lvl="1" indent="0">
+              <a:buNone/>
+            </a:pPr>
+            <a:r>
+              <a:rPr lang="en-GB" dirty="0">
+                <a:hlinkClick r:id="rId2"/>
+              </a:rPr>
+              <a:t>https://www.ics.uci.edu/~fielding/pubs/dissertation/rest_arch_style.htm</a:t>
+            </a:r>
+            <a:endParaRPr lang="en-GB" dirty="0">
+              <a:solidFill>
+                <a:srgbClr val="2196F3"/>
+              </a:solidFill>
+              <a:latin typeface="Segoe UI" panose="020B0502040204020203" pitchFamily="34" charset="0"/>
+              <a:cs typeface="Segoe UI" panose="020B0502040204020203" pitchFamily="34" charset="0"/>
+            </a:endParaRPr>
           </a:p>
           <a:p>
             <a:pPr marL="457200" lvl="1" indent="0">
@@ -10305,7 +10076,7 @@
     </p:spTree>
     <p:extLst>
       <p:ext uri="{BB962C8B-B14F-4D97-AF65-F5344CB8AC3E}">
-        <p14:creationId xmlns:p14="http://schemas.microsoft.com/office/powerpoint/2010/main" val="2605959733"/>
+        <p14:creationId xmlns:p14="http://schemas.microsoft.com/office/powerpoint/2010/main" val="2017018934"/>
       </p:ext>
     </p:extLst>
   </p:cSld>
@@ -10401,7 +10172,7 @@
         </p:spPr>
         <p:txBody>
           <a:bodyPr wrap="square" bIns="252000">
-            <a:normAutofit fontScale="92500" lnSpcReduction="10000"/>
+            <a:normAutofit/>
           </a:bodyPr>
           <a:lstStyle/>
           <a:p>
@@ -10416,22 +10187,7 @@
                 <a:latin typeface="Segoe UI" panose="020B0502040204020203" pitchFamily="34" charset="0"/>
                 <a:cs typeface="Segoe UI" panose="020B0502040204020203" pitchFamily="34" charset="0"/>
               </a:rPr>
-              <a:t>What is REST?</a:t>
-            </a:r>
-          </a:p>
-          <a:p>
-            <a:pPr marL="457200" lvl="1" indent="0">
-              <a:buNone/>
-            </a:pPr>
-            <a:r>
-              <a:rPr lang="en-GB" sz="3600" dirty="0">
-                <a:solidFill>
-                  <a:srgbClr val="2196F3"/>
-                </a:solidFill>
-                <a:latin typeface="Segoe UI" panose="020B0502040204020203" pitchFamily="34" charset="0"/>
-                <a:cs typeface="Segoe UI" panose="020B0502040204020203" pitchFamily="34" charset="0"/>
-              </a:rPr>
-              <a:t>Representational State Transfer</a:t>
+              <a:t>API:</a:t>
             </a:r>
           </a:p>
           <a:p>
@@ -10451,14 +10207,14 @@
               <a:buNone/>
             </a:pPr>
             <a:r>
-              <a:rPr lang="en-GB" sz="3600" dirty="0">
+              <a:rPr lang="en-GB" sz="4400" dirty="0">
                 <a:solidFill>
                   <a:srgbClr val="2196F3"/>
                 </a:solidFill>
                 <a:latin typeface="Segoe UI" panose="020B0502040204020203" pitchFamily="34" charset="0"/>
                 <a:cs typeface="Segoe UI" panose="020B0502040204020203" pitchFamily="34" charset="0"/>
               </a:rPr>
-              <a:t>This was formulated by Roy Fielding for his thesis in 2000 to create an alternative to the SOAP method.</a:t>
+              <a:t>Application Programming Interface</a:t>
             </a:r>
           </a:p>
           <a:p>
@@ -10466,60 +10222,15 @@
               <a:buNone/>
             </a:pPr>
             <a:r>
-              <a:rPr lang="en-GB" sz="3600" dirty="0">
+              <a:rPr lang="en-GB" sz="4400" dirty="0">
                 <a:solidFill>
                   <a:srgbClr val="2196F3"/>
                 </a:solidFill>
                 <a:latin typeface="Segoe UI" panose="020B0502040204020203" pitchFamily="34" charset="0"/>
                 <a:cs typeface="Segoe UI" panose="020B0502040204020203" pitchFamily="34" charset="0"/>
               </a:rPr>
-              <a:t>An architectural style not a protocol.</a:t>
-            </a:r>
-          </a:p>
-          <a:p>
-            <a:pPr marL="457200" lvl="1" indent="0">
-              <a:buNone/>
-            </a:pPr>
-            <a:r>
-              <a:rPr lang="en-GB" sz="3600" dirty="0">
-                <a:solidFill>
-                  <a:srgbClr val="2196F3"/>
-                </a:solidFill>
-                <a:latin typeface="Segoe UI" panose="020B0502040204020203" pitchFamily="34" charset="0"/>
-                <a:cs typeface="Segoe UI" panose="020B0502040204020203" pitchFamily="34" charset="0"/>
-              </a:rPr>
-              <a:t>HTTP by its nature is implicitly RESTful.</a:t>
-            </a:r>
-          </a:p>
-          <a:p>
-            <a:pPr marL="457200" lvl="1" indent="0">
-              <a:buNone/>
-            </a:pPr>
-            <a:endParaRPr lang="en-GB" sz="3600" dirty="0">
-              <a:solidFill>
-                <a:srgbClr val="2196F3"/>
-              </a:solidFill>
-              <a:latin typeface="Segoe UI" panose="020B0502040204020203" pitchFamily="34" charset="0"/>
-              <a:cs typeface="Segoe UI" panose="020B0502040204020203" pitchFamily="34" charset="0"/>
-            </a:endParaRPr>
-          </a:p>
-          <a:p>
-            <a:pPr marL="457200" lvl="1" indent="0">
-              <a:buNone/>
-            </a:pPr>
-            <a:r>
-              <a:rPr lang="en-GB" dirty="0">
-                <a:hlinkClick r:id="rId2"/>
-              </a:rPr>
-              <a:t>https://www.ics.uci.edu/~fielding/pubs/dissertation/rest_arch_style.htm</a:t>
-            </a:r>
-            <a:endParaRPr lang="en-GB" dirty="0">
-              <a:solidFill>
-                <a:srgbClr val="2196F3"/>
-              </a:solidFill>
-              <a:latin typeface="Segoe UI" panose="020B0502040204020203" pitchFamily="34" charset="0"/>
-              <a:cs typeface="Segoe UI" panose="020B0502040204020203" pitchFamily="34" charset="0"/>
-            </a:endParaRPr>
+              <a:t>‘one bit of software communicating with another’</a:t>
+            </a:r>
           </a:p>
           <a:p>
             <a:pPr marL="457200" lvl="1" indent="0">
@@ -10574,7 +10285,7 @@
     </p:spTree>
     <p:extLst>
       <p:ext uri="{BB962C8B-B14F-4D97-AF65-F5344CB8AC3E}">
-        <p14:creationId xmlns:p14="http://schemas.microsoft.com/office/powerpoint/2010/main" val="2017018934"/>
+        <p14:creationId xmlns:p14="http://schemas.microsoft.com/office/powerpoint/2010/main" val="2349120303"/>
       </p:ext>
     </p:extLst>
   </p:cSld>
@@ -10685,7 +10396,7 @@
                 <a:latin typeface="Segoe UI" panose="020B0502040204020203" pitchFamily="34" charset="0"/>
                 <a:cs typeface="Segoe UI" panose="020B0502040204020203" pitchFamily="34" charset="0"/>
               </a:rPr>
-              <a:t>API:</a:t>
+              <a:t>ENDPOINTS:</a:t>
             </a:r>
           </a:p>
           <a:p>
@@ -10712,7 +10423,7 @@
                 <a:latin typeface="Segoe UI" panose="020B0502040204020203" pitchFamily="34" charset="0"/>
                 <a:cs typeface="Segoe UI" panose="020B0502040204020203" pitchFamily="34" charset="0"/>
               </a:rPr>
-              <a:t>Application Programming Interface</a:t>
+              <a:t>HTTP VERB + URL = ENDPOINT</a:t>
             </a:r>
           </a:p>
           <a:p>
@@ -10727,8 +10438,55 @@
                 <a:latin typeface="Segoe UI" panose="020B0502040204020203" pitchFamily="34" charset="0"/>
                 <a:cs typeface="Segoe UI" panose="020B0502040204020203" pitchFamily="34" charset="0"/>
               </a:rPr>
-              <a:t>‘one bit of software communicating with another’</a:t>
-            </a:r>
+              <a:t>GET/POST + same URL = 2 ENDPOINTS</a:t>
+            </a:r>
+          </a:p>
+          <a:p>
+            <a:pPr marL="457200" lvl="1" indent="0">
+              <a:buNone/>
+            </a:pPr>
+            <a:endParaRPr lang="en-GB" sz="4400" dirty="0">
+              <a:solidFill>
+                <a:srgbClr val="2196F3"/>
+              </a:solidFill>
+              <a:latin typeface="Segoe UI" panose="020B0502040204020203" pitchFamily="34" charset="0"/>
+              <a:cs typeface="Segoe UI" panose="020B0502040204020203" pitchFamily="34" charset="0"/>
+            </a:endParaRPr>
+          </a:p>
+          <a:p>
+            <a:pPr marL="457200" lvl="1" indent="0">
+              <a:buNone/>
+            </a:pPr>
+            <a:r>
+              <a:rPr lang="en-GB" sz="3200" dirty="0">
+                <a:solidFill>
+                  <a:srgbClr val="2196F3"/>
+                </a:solidFill>
+                <a:hlinkClick r:id="rId2">
+                  <a:extLst>
+                    <a:ext uri="{A12FA001-AC4F-418D-AE19-62706E023703}">
+                      <ahyp:hlinkClr xmlns:ahyp="http://schemas.microsoft.com/office/drawing/2018/hyperlinkcolor" val="tx"/>
+                    </a:ext>
+                  </a:extLst>
+                </a:hlinkClick>
+              </a:rPr>
+              <a:t>https://wpjs.co.uk/wpb/wp-json/wp/v2/posts</a:t>
+            </a:r>
+            <a:r>
+              <a:rPr lang="en-GB" sz="3200" dirty="0">
+                <a:solidFill>
+                  <a:srgbClr val="2196F3"/>
+                </a:solidFill>
+              </a:rPr>
+              <a:t>  GET/POST/DELETE</a:t>
+            </a:r>
+            <a:endParaRPr lang="en-GB" sz="3200" dirty="0">
+              <a:solidFill>
+                <a:srgbClr val="2196F3"/>
+              </a:solidFill>
+              <a:latin typeface="Segoe UI" panose="020B0502040204020203" pitchFamily="34" charset="0"/>
+              <a:cs typeface="Segoe UI" panose="020B0502040204020203" pitchFamily="34" charset="0"/>
+            </a:endParaRPr>
           </a:p>
           <a:p>
             <a:pPr marL="457200" lvl="1" indent="0">
@@ -10783,7 +10541,7 @@
     </p:spTree>
     <p:extLst>
       <p:ext uri="{BB962C8B-B14F-4D97-AF65-F5344CB8AC3E}">
-        <p14:creationId xmlns:p14="http://schemas.microsoft.com/office/powerpoint/2010/main" val="2349120303"/>
+        <p14:creationId xmlns:p14="http://schemas.microsoft.com/office/powerpoint/2010/main" val="748983604"/>
       </p:ext>
     </p:extLst>
   </p:cSld>
@@ -10873,13 +10631,13 @@
         </p:nvSpPr>
         <p:spPr>
           <a:xfrm>
-            <a:off x="838200" y="1775290"/>
+            <a:off x="838200" y="1325563"/>
             <a:ext cx="10515600" cy="4399007"/>
           </a:xfrm>
         </p:spPr>
         <p:txBody>
           <a:bodyPr wrap="square" bIns="252000">
-            <a:normAutofit/>
+            <a:normAutofit lnSpcReduction="10000"/>
           </a:bodyPr>
           <a:lstStyle/>
           <a:p>
@@ -10894,14 +10652,14 @@
                 <a:latin typeface="Segoe UI" panose="020B0502040204020203" pitchFamily="34" charset="0"/>
                 <a:cs typeface="Segoe UI" panose="020B0502040204020203" pitchFamily="34" charset="0"/>
               </a:rPr>
-              <a:t>ENDPOINTS:</a:t>
+              <a:t>AJAX:</a:t>
             </a:r>
           </a:p>
           <a:p>
             <a:pPr marL="457200" lvl="1" indent="0">
               <a:buNone/>
             </a:pPr>
-            <a:endParaRPr lang="en-GB" sz="1050" dirty="0">
+            <a:endParaRPr lang="en-GB" sz="800" dirty="0">
               <a:solidFill>
                 <a:srgbClr val="2196F3"/>
               </a:solidFill>
@@ -10914,36 +10672,83 @@
               <a:buNone/>
             </a:pPr>
             <a:r>
-              <a:rPr lang="en-GB" sz="4400" dirty="0">
-                <a:solidFill>
-                  <a:srgbClr val="2196F3"/>
-                </a:solidFill>
-                <a:latin typeface="Segoe UI" panose="020B0502040204020203" pitchFamily="34" charset="0"/>
-                <a:cs typeface="Segoe UI" panose="020B0502040204020203" pitchFamily="34" charset="0"/>
-              </a:rPr>
-              <a:t>HTTP VERB + URL = ENDPOINT</a:t>
+              <a:rPr lang="en-GB" sz="3200" dirty="0">
+                <a:solidFill>
+                  <a:srgbClr val="2196F3"/>
+                </a:solidFill>
+              </a:rPr>
+              <a:t>AJAX = </a:t>
+            </a:r>
+            <a:r>
+              <a:rPr lang="en-GB" sz="3200" b="1" dirty="0">
+                <a:solidFill>
+                  <a:srgbClr val="2196F3"/>
+                </a:solidFill>
+              </a:rPr>
+              <a:t>A</a:t>
+            </a:r>
+            <a:r>
+              <a:rPr lang="en-GB" sz="3200" dirty="0">
+                <a:solidFill>
+                  <a:srgbClr val="2196F3"/>
+                </a:solidFill>
+              </a:rPr>
+              <a:t>synchronous </a:t>
+            </a:r>
+            <a:r>
+              <a:rPr lang="en-GB" sz="3200" b="1" dirty="0">
+                <a:solidFill>
+                  <a:srgbClr val="2196F3"/>
+                </a:solidFill>
+              </a:rPr>
+              <a:t>J</a:t>
+            </a:r>
+            <a:r>
+              <a:rPr lang="en-GB" sz="3200" dirty="0">
+                <a:solidFill>
+                  <a:srgbClr val="2196F3"/>
+                </a:solidFill>
+              </a:rPr>
+              <a:t>avaScript </a:t>
+            </a:r>
+            <a:r>
+              <a:rPr lang="en-GB" sz="3200" b="1" dirty="0">
+                <a:solidFill>
+                  <a:srgbClr val="2196F3"/>
+                </a:solidFill>
+              </a:rPr>
+              <a:t>A</a:t>
+            </a:r>
+            <a:r>
+              <a:rPr lang="en-GB" sz="3200" dirty="0">
+                <a:solidFill>
+                  <a:srgbClr val="2196F3"/>
+                </a:solidFill>
+              </a:rPr>
+              <a:t>nd </a:t>
+            </a:r>
+            <a:r>
+              <a:rPr lang="en-GB" sz="3200" b="1" dirty="0">
+                <a:solidFill>
+                  <a:srgbClr val="2196F3"/>
+                </a:solidFill>
+              </a:rPr>
+              <a:t>X</a:t>
+            </a:r>
+            <a:r>
+              <a:rPr lang="en-GB" sz="3200" dirty="0">
+                <a:solidFill>
+                  <a:srgbClr val="2196F3"/>
+                </a:solidFill>
+              </a:rPr>
+              <a:t>ML.</a:t>
             </a:r>
           </a:p>
           <a:p>
             <a:pPr marL="457200" lvl="1" indent="0">
               <a:buNone/>
             </a:pPr>
-            <a:r>
-              <a:rPr lang="en-GB" sz="4400" dirty="0">
-                <a:solidFill>
-                  <a:srgbClr val="2196F3"/>
-                </a:solidFill>
-                <a:latin typeface="Segoe UI" panose="020B0502040204020203" pitchFamily="34" charset="0"/>
-                <a:cs typeface="Segoe UI" panose="020B0502040204020203" pitchFamily="34" charset="0"/>
-              </a:rPr>
-              <a:t>GET/POST + same URL = 2 ENDPOINTS</a:t>
-            </a:r>
-          </a:p>
-          <a:p>
-            <a:pPr marL="457200" lvl="1" indent="0">
-              <a:buNone/>
-            </a:pPr>
-            <a:endParaRPr lang="en-GB" sz="4400" dirty="0">
+            <a:endParaRPr lang="en-GB" sz="1800" dirty="0">
               <a:solidFill>
                 <a:srgbClr val="2196F3"/>
               </a:solidFill>
@@ -10952,39 +10757,83 @@
             </a:endParaRPr>
           </a:p>
           <a:p>
-            <a:pPr marL="457200" lvl="1" indent="0">
-              <a:buNone/>
-            </a:pPr>
+            <a:pPr lvl="1"/>
             <a:r>
               <a:rPr lang="en-GB" sz="3200" dirty="0">
                 <a:solidFill>
                   <a:srgbClr val="2196F3"/>
                 </a:solidFill>
-                <a:hlinkClick r:id="rId2">
-                  <a:extLst>
-                    <a:ext uri="{A12FA001-AC4F-418D-AE19-62706E023703}">
-                      <ahyp:hlinkClr xmlns:ahyp="http://schemas.microsoft.com/office/drawing/2018/hyperlinkcolor" val="tx"/>
-                    </a:ext>
-                  </a:extLst>
-                </a:hlinkClick>
-              </a:rPr>
-              <a:t>https://wpjs.co.uk/wpb/wp-json/wp/v2/posts</a:t>
-            </a:r>
+              </a:rPr>
+              <a:t>Read data from a web server </a:t>
+            </a:r>
+            <a:r>
+              <a:rPr lang="en-GB" sz="3200" i="1" dirty="0">
+                <a:solidFill>
+                  <a:srgbClr val="2196F3"/>
+                </a:solidFill>
+              </a:rPr>
+              <a:t>without reloading the page</a:t>
+            </a:r>
+          </a:p>
+          <a:p>
+            <a:pPr lvl="1"/>
             <a:r>
               <a:rPr lang="en-GB" sz="3200" dirty="0">
                 <a:solidFill>
                   <a:srgbClr val="2196F3"/>
                 </a:solidFill>
               </a:rPr>
-              <a:t>  GET/POST/DELETE</a:t>
-            </a:r>
-            <a:endParaRPr lang="en-GB" sz="3200" dirty="0">
-              <a:solidFill>
-                <a:srgbClr val="2196F3"/>
-              </a:solidFill>
-              <a:latin typeface="Segoe UI" panose="020B0502040204020203" pitchFamily="34" charset="0"/>
-              <a:cs typeface="Segoe UI" panose="020B0502040204020203" pitchFamily="34" charset="0"/>
-            </a:endParaRPr>
+              <a:t>Update a web page</a:t>
+            </a:r>
+          </a:p>
+          <a:p>
+            <a:pPr lvl="1"/>
+            <a:r>
+              <a:rPr lang="en-GB" sz="3200" dirty="0">
+                <a:solidFill>
+                  <a:srgbClr val="2196F3"/>
+                </a:solidFill>
+              </a:rPr>
+              <a:t>Send data to a web server - in the background</a:t>
+            </a:r>
+          </a:p>
+          <a:p>
+            <a:pPr lvl="1"/>
+            <a:r>
+              <a:rPr lang="en-GB" sz="3200" dirty="0">
+                <a:solidFill>
+                  <a:srgbClr val="2196F3"/>
+                </a:solidFill>
+              </a:rPr>
+              <a:t>Many libraries like jQuery, </a:t>
+            </a:r>
+            <a:r>
+              <a:rPr lang="en-GB" sz="3200" dirty="0" err="1">
+                <a:solidFill>
+                  <a:srgbClr val="2196F3"/>
+                </a:solidFill>
+              </a:rPr>
+              <a:t>Axios</a:t>
+            </a:r>
+            <a:r>
+              <a:rPr lang="en-GB" sz="3200" dirty="0">
+                <a:solidFill>
+                  <a:srgbClr val="2196F3"/>
+                </a:solidFill>
+              </a:rPr>
+              <a:t> etc</a:t>
+            </a:r>
+          </a:p>
+          <a:p>
+            <a:pPr lvl="1"/>
+            <a:r>
+              <a:rPr lang="en-GB" sz="3200" dirty="0">
+                <a:solidFill>
+                  <a:srgbClr val="2196F3"/>
+                </a:solidFill>
+              </a:rPr>
+              <a:t>I use browser API: fetch()</a:t>
+            </a:r>
           </a:p>
           <a:p>
             <a:pPr marL="457200" lvl="1" indent="0">
@@ -11039,7 +10888,7 @@
     </p:spTree>
     <p:extLst>
       <p:ext uri="{BB962C8B-B14F-4D97-AF65-F5344CB8AC3E}">
-        <p14:creationId xmlns:p14="http://schemas.microsoft.com/office/powerpoint/2010/main" val="748983604"/>
+        <p14:creationId xmlns:p14="http://schemas.microsoft.com/office/powerpoint/2010/main" val="3133069735"/>
       </p:ext>
     </p:extLst>
   </p:cSld>

--- a/rest-api-workshop.pptx
+++ b/rest-api-workshop.pptx
@@ -9596,15 +9596,27 @@
         </p:spPr>
         <p:txBody>
           <a:bodyPr wrap="square" bIns="252000">
-            <a:normAutofit fontScale="92500" lnSpcReduction="10000"/>
+            <a:normAutofit/>
           </a:bodyPr>
           <a:lstStyle/>
           <a:p>
             <a:pPr marL="457200" lvl="1" indent="0">
               <a:buNone/>
             </a:pPr>
-            <a:r>
-              <a:rPr lang="en-GB" sz="5100" dirty="0">
+            <a:endParaRPr lang="en-GB" sz="5100">
+              <a:solidFill>
+                <a:srgbClr val="FF0000"/>
+              </a:solidFill>
+              <a:latin typeface="Segoe UI" panose="020B0502040204020203" pitchFamily="34" charset="0"/>
+              <a:cs typeface="Segoe UI" panose="020B0502040204020203" pitchFamily="34" charset="0"/>
+            </a:endParaRPr>
+          </a:p>
+          <a:p>
+            <a:pPr marL="457200" lvl="1" indent="0">
+              <a:buNone/>
+            </a:pPr>
+            <a:r>
+              <a:rPr lang="en-GB" sz="5100">
                 <a:solidFill>
                   <a:srgbClr val="FF0000"/>
                 </a:solidFill>
@@ -9614,14 +9626,24 @@
               <a:t>REALISTIC</a:t>
             </a:r>
             <a:r>
-              <a:rPr lang="en-GB" sz="5100" dirty="0">
+              <a:rPr lang="en-GB" sz="5100">
                 <a:solidFill>
                   <a:srgbClr val="2196F3"/>
                 </a:solidFill>
                 <a:latin typeface="Segoe UI" panose="020B0502040204020203" pitchFamily="34" charset="0"/>
                 <a:cs typeface="Segoe UI" panose="020B0502040204020203" pitchFamily="34" charset="0"/>
               </a:rPr>
-              <a:t> OUTCOMES:</a:t>
+              <a:t> </a:t>
+            </a:r>
+            <a:r>
+              <a:rPr lang="en-GB" sz="5100" dirty="0">
+                <a:solidFill>
+                  <a:srgbClr val="2196F3"/>
+                </a:solidFill>
+                <a:latin typeface="Segoe UI" panose="020B0502040204020203" pitchFamily="34" charset="0"/>
+                <a:cs typeface="Segoe UI" panose="020B0502040204020203" pitchFamily="34" charset="0"/>
+              </a:rPr>
+              <a:t>OUTCOMES:</a:t>
             </a:r>
           </a:p>
           <a:p>
@@ -9646,7 +9668,7 @@
                 <a:latin typeface="Segoe UI" panose="020B0502040204020203" pitchFamily="34" charset="0"/>
                 <a:cs typeface="Segoe UI" panose="020B0502040204020203" pitchFamily="34" charset="0"/>
               </a:rPr>
-              <a:t>Have an overview of how non-refreshed pages work.</a:t>
+              <a:t>A lot to take in and digest in 30 mins.</a:t>
             </a:r>
           </a:p>
           <a:p>
@@ -9659,7 +9681,7 @@
                 <a:latin typeface="Segoe UI" panose="020B0502040204020203" pitchFamily="34" charset="0"/>
                 <a:cs typeface="Segoe UI" panose="020B0502040204020203" pitchFamily="34" charset="0"/>
               </a:rPr>
-              <a:t>Have sample code so that it works. You can then break it and learn more.</a:t>
+              <a:t>Slides, workbook and site code available.</a:t>
             </a:r>
           </a:p>
           <a:p>
@@ -9672,64 +9694,8 @@
                 <a:latin typeface="Segoe UI" panose="020B0502040204020203" pitchFamily="34" charset="0"/>
                 <a:cs typeface="Segoe UI" panose="020B0502040204020203" pitchFamily="34" charset="0"/>
               </a:rPr>
-              <a:t>Have links to the resources I found very useful</a:t>
-            </a:r>
-          </a:p>
-          <a:p>
-            <a:pPr lvl="1"/>
-            <a:r>
-              <a:rPr lang="en-GB" sz="2800" dirty="0">
-                <a:solidFill>
-                  <a:srgbClr val="2196F3"/>
-                </a:solidFill>
-                <a:latin typeface="Segoe UI" panose="020B0502040204020203" pitchFamily="34" charset="0"/>
-                <a:cs typeface="Segoe UI" panose="020B0502040204020203" pitchFamily="34" charset="0"/>
-              </a:rPr>
-              <a:t>Have ready made AJAX pages and forms to edit and amend.</a:t>
-            </a:r>
-          </a:p>
-          <a:p>
-            <a:pPr lvl="1"/>
-            <a:r>
-              <a:rPr lang="en-GB" sz="2800" dirty="0">
-                <a:solidFill>
-                  <a:srgbClr val="2196F3"/>
-                </a:solidFill>
-                <a:latin typeface="Segoe UI" panose="020B0502040204020203" pitchFamily="34" charset="0"/>
-                <a:cs typeface="Segoe UI" panose="020B0502040204020203" pitchFamily="34" charset="0"/>
-              </a:rPr>
-              <a:t>This is a lot to understand in a short talk…allow yourself not to fully understand it at this present time…there is time afterward…</a:t>
-            </a:r>
-          </a:p>
-          <a:p>
-            <a:pPr lvl="1"/>
-            <a:r>
-              <a:rPr lang="en-GB" sz="2800" dirty="0">
-                <a:solidFill>
-                  <a:srgbClr val="2196F3"/>
-                </a:solidFill>
-                <a:latin typeface="Segoe UI" panose="020B0502040204020203" pitchFamily="34" charset="0"/>
-                <a:cs typeface="Segoe UI" panose="020B0502040204020203" pitchFamily="34" charset="0"/>
-              </a:rPr>
-              <a:t>I give regular 1-2 hour online workshops (no fee) to help WP </a:t>
-            </a:r>
-            <a:r>
-              <a:rPr lang="en-GB" sz="2800">
-                <a:solidFill>
-                  <a:srgbClr val="2196F3"/>
-                </a:solidFill>
-                <a:latin typeface="Segoe UI" panose="020B0502040204020203" pitchFamily="34" charset="0"/>
-                <a:cs typeface="Segoe UI" panose="020B0502040204020203" pitchFamily="34" charset="0"/>
-              </a:rPr>
-              <a:t>Developers learn WP REST/AJAX.</a:t>
-            </a:r>
-            <a:endParaRPr lang="en-GB" sz="2800" dirty="0">
-              <a:solidFill>
-                <a:srgbClr val="2196F3"/>
-              </a:solidFill>
-              <a:latin typeface="Segoe UI" panose="020B0502040204020203" pitchFamily="34" charset="0"/>
-              <a:cs typeface="Segoe UI" panose="020B0502040204020203" pitchFamily="34" charset="0"/>
-            </a:endParaRPr>
+              <a:t>I give regular 1-2 hour online workshops (no fee) to help WP Developers learn WP REST/AJAX.</a:t>
+            </a:r>
           </a:p>
           <a:p>
             <a:pPr lvl="1"/>

--- a/rest-api-workshop.pptx
+++ b/rest-api-workshop.pptx
@@ -5,27 +5,28 @@
     <p:sldMasterId id="2147483648" r:id="rId1"/>
   </p:sldMasterIdLst>
   <p:notesMasterIdLst>
-    <p:notesMasterId r:id="rId20"/>
+    <p:notesMasterId r:id="rId21"/>
   </p:notesMasterIdLst>
   <p:sldIdLst>
     <p:sldId id="264" r:id="rId2"/>
     <p:sldId id="304" r:id="rId3"/>
     <p:sldId id="296" r:id="rId4"/>
-    <p:sldId id="294" r:id="rId5"/>
-    <p:sldId id="317" r:id="rId6"/>
-    <p:sldId id="299" r:id="rId7"/>
-    <p:sldId id="298" r:id="rId8"/>
-    <p:sldId id="297" r:id="rId9"/>
-    <p:sldId id="300" r:id="rId10"/>
-    <p:sldId id="302" r:id="rId11"/>
-    <p:sldId id="315" r:id="rId12"/>
-    <p:sldId id="316" r:id="rId13"/>
-    <p:sldId id="305" r:id="rId14"/>
-    <p:sldId id="313" r:id="rId15"/>
-    <p:sldId id="314" r:id="rId16"/>
-    <p:sldId id="309" r:id="rId17"/>
-    <p:sldId id="310" r:id="rId18"/>
-    <p:sldId id="311" r:id="rId19"/>
+    <p:sldId id="318" r:id="rId5"/>
+    <p:sldId id="294" r:id="rId6"/>
+    <p:sldId id="317" r:id="rId7"/>
+    <p:sldId id="299" r:id="rId8"/>
+    <p:sldId id="298" r:id="rId9"/>
+    <p:sldId id="297" r:id="rId10"/>
+    <p:sldId id="300" r:id="rId11"/>
+    <p:sldId id="302" r:id="rId12"/>
+    <p:sldId id="315" r:id="rId13"/>
+    <p:sldId id="316" r:id="rId14"/>
+    <p:sldId id="305" r:id="rId15"/>
+    <p:sldId id="313" r:id="rId16"/>
+    <p:sldId id="314" r:id="rId17"/>
+    <p:sldId id="309" r:id="rId18"/>
+    <p:sldId id="310" r:id="rId19"/>
+    <p:sldId id="311" r:id="rId20"/>
   </p:sldIdLst>
   <p:sldSz cx="12192000" cy="6858000"/>
   <p:notesSz cx="6858000" cy="9144000"/>
@@ -132,6 +133,7 @@
             <p14:sldId id="264"/>
             <p14:sldId id="304"/>
             <p14:sldId id="296"/>
+            <p14:sldId id="318"/>
             <p14:sldId id="294"/>
             <p14:sldId id="317"/>
             <p14:sldId id="299"/>
@@ -259,7 +261,7 @@
           <a:p>
             <a:fld id="{70FE56F2-0B60-44FC-AC55-491897A4F355}" type="datetimeFigureOut">
               <a:rPr lang="en-GB" smtClean="0"/>
-              <a:t>29/05/2020</a:t>
+              <a:t>30/05/2020</a:t>
             </a:fld>
             <a:endParaRPr lang="en-GB"/>
           </a:p>
@@ -676,7 +678,7 @@
           <a:p>
             <a:fld id="{4D723AB6-704A-42C8-AB51-31B091223600}" type="datetimeFigureOut">
               <a:rPr lang="en-GB" smtClean="0"/>
-              <a:t>29/05/2020</a:t>
+              <a:t>30/05/2020</a:t>
             </a:fld>
             <a:endParaRPr lang="en-GB"/>
           </a:p>
@@ -876,7 +878,7 @@
           <a:p>
             <a:fld id="{4D723AB6-704A-42C8-AB51-31B091223600}" type="datetimeFigureOut">
               <a:rPr lang="en-GB" smtClean="0"/>
-              <a:t>29/05/2020</a:t>
+              <a:t>30/05/2020</a:t>
             </a:fld>
             <a:endParaRPr lang="en-GB"/>
           </a:p>
@@ -1086,7 +1088,7 @@
           <a:p>
             <a:fld id="{4D723AB6-704A-42C8-AB51-31B091223600}" type="datetimeFigureOut">
               <a:rPr lang="en-GB" smtClean="0"/>
-              <a:t>29/05/2020</a:t>
+              <a:t>30/05/2020</a:t>
             </a:fld>
             <a:endParaRPr lang="en-GB"/>
           </a:p>
@@ -1286,7 +1288,7 @@
           <a:p>
             <a:fld id="{4D723AB6-704A-42C8-AB51-31B091223600}" type="datetimeFigureOut">
               <a:rPr lang="en-GB" smtClean="0"/>
-              <a:t>29/05/2020</a:t>
+              <a:t>30/05/2020</a:t>
             </a:fld>
             <a:endParaRPr lang="en-GB"/>
           </a:p>
@@ -1562,7 +1564,7 @@
           <a:p>
             <a:fld id="{4D723AB6-704A-42C8-AB51-31B091223600}" type="datetimeFigureOut">
               <a:rPr lang="en-GB" smtClean="0"/>
-              <a:t>29/05/2020</a:t>
+              <a:t>30/05/2020</a:t>
             </a:fld>
             <a:endParaRPr lang="en-GB"/>
           </a:p>
@@ -1830,7 +1832,7 @@
           <a:p>
             <a:fld id="{4D723AB6-704A-42C8-AB51-31B091223600}" type="datetimeFigureOut">
               <a:rPr lang="en-GB" smtClean="0"/>
-              <a:t>29/05/2020</a:t>
+              <a:t>30/05/2020</a:t>
             </a:fld>
             <a:endParaRPr lang="en-GB"/>
           </a:p>
@@ -2245,7 +2247,7 @@
           <a:p>
             <a:fld id="{4D723AB6-704A-42C8-AB51-31B091223600}" type="datetimeFigureOut">
               <a:rPr lang="en-GB" smtClean="0"/>
-              <a:t>29/05/2020</a:t>
+              <a:t>30/05/2020</a:t>
             </a:fld>
             <a:endParaRPr lang="en-GB"/>
           </a:p>
@@ -2387,7 +2389,7 @@
           <a:p>
             <a:fld id="{4D723AB6-704A-42C8-AB51-31B091223600}" type="datetimeFigureOut">
               <a:rPr lang="en-GB" smtClean="0"/>
-              <a:t>29/05/2020</a:t>
+              <a:t>30/05/2020</a:t>
             </a:fld>
             <a:endParaRPr lang="en-GB"/>
           </a:p>
@@ -2500,7 +2502,7 @@
           <a:p>
             <a:fld id="{4D723AB6-704A-42C8-AB51-31B091223600}" type="datetimeFigureOut">
               <a:rPr lang="en-GB" smtClean="0"/>
-              <a:t>29/05/2020</a:t>
+              <a:t>30/05/2020</a:t>
             </a:fld>
             <a:endParaRPr lang="en-GB"/>
           </a:p>
@@ -2813,7 +2815,7 @@
           <a:p>
             <a:fld id="{4D723AB6-704A-42C8-AB51-31B091223600}" type="datetimeFigureOut">
               <a:rPr lang="en-GB" smtClean="0"/>
-              <a:t>29/05/2020</a:t>
+              <a:t>30/05/2020</a:t>
             </a:fld>
             <a:endParaRPr lang="en-GB"/>
           </a:p>
@@ -3102,7 +3104,7 @@
           <a:p>
             <a:fld id="{4D723AB6-704A-42C8-AB51-31B091223600}" type="datetimeFigureOut">
               <a:rPr lang="en-GB" smtClean="0"/>
-              <a:t>29/05/2020</a:t>
+              <a:t>30/05/2020</a:t>
             </a:fld>
             <a:endParaRPr lang="en-GB"/>
           </a:p>
@@ -3345,7 +3347,7 @@
           <a:p>
             <a:fld id="{4D723AB6-704A-42C8-AB51-31B091223600}" type="datetimeFigureOut">
               <a:rPr lang="en-GB" smtClean="0"/>
-              <a:t>29/05/2020</a:t>
+              <a:t>30/05/2020</a:t>
             </a:fld>
             <a:endParaRPr lang="en-GB"/>
           </a:p>
@@ -4255,167 +4257,47 @@
         </p:nvSpPr>
         <p:spPr>
           <a:xfrm>
-            <a:off x="838200" y="1394692"/>
-            <a:ext cx="10515600" cy="4779606"/>
+            <a:off x="838200" y="1325563"/>
+            <a:ext cx="10515600" cy="4399007"/>
           </a:xfrm>
         </p:spPr>
         <p:txBody>
           <a:bodyPr wrap="square" bIns="252000">
-            <a:normAutofit fontScale="92500" lnSpcReduction="10000"/>
+            <a:normAutofit fontScale="92500" lnSpcReduction="20000"/>
           </a:bodyPr>
           <a:lstStyle/>
           <a:p>
             <a:pPr marL="457200" lvl="1" indent="0">
               <a:buNone/>
             </a:pPr>
-            <a:r>
-              <a:rPr lang="en-GB" sz="4000" dirty="0">
-                <a:solidFill>
-                  <a:srgbClr val="2196F3"/>
-                </a:solidFill>
-              </a:rPr>
-              <a:t>Think of JSON data as an associative array</a:t>
-            </a:r>
-          </a:p>
-          <a:p>
-            <a:pPr marL="457200" lvl="1" indent="0">
-              <a:buNone/>
-            </a:pPr>
-            <a:r>
-              <a:rPr lang="en-GB" sz="3500" dirty="0" err="1">
-                <a:solidFill>
-                  <a:srgbClr val="2196F3"/>
-                </a:solidFill>
-              </a:rPr>
-              <a:t>json_encode</a:t>
-            </a:r>
-            <a:r>
-              <a:rPr lang="en-GB" sz="3500" dirty="0">
-                <a:solidFill>
-                  <a:srgbClr val="2196F3"/>
-                </a:solidFill>
-              </a:rPr>
-              <a:t>([php associative array]) gives JSON</a:t>
-            </a:r>
-          </a:p>
-          <a:p>
-            <a:pPr marL="457200" lvl="1" indent="0">
-              <a:buNone/>
-            </a:pPr>
-            <a:r>
-              <a:rPr lang="en-GB" sz="3500" dirty="0" err="1">
-                <a:solidFill>
-                  <a:srgbClr val="2196F3"/>
-                </a:solidFill>
-              </a:rPr>
-              <a:t>json_decode</a:t>
-            </a:r>
-            <a:r>
-              <a:rPr lang="en-GB" sz="3500" dirty="0">
-                <a:solidFill>
-                  <a:srgbClr val="2196F3"/>
-                </a:solidFill>
-              </a:rPr>
-              <a:t> (JSON) gives an </a:t>
-            </a:r>
-            <a:r>
-              <a:rPr lang="en-GB" sz="3500" dirty="0" err="1">
-                <a:solidFill>
-                  <a:srgbClr val="2196F3"/>
-                </a:solidFill>
-              </a:rPr>
-              <a:t>assoc</a:t>
-            </a:r>
-            <a:r>
-              <a:rPr lang="en-GB" sz="3500" dirty="0">
-                <a:solidFill>
-                  <a:srgbClr val="2196F3"/>
-                </a:solidFill>
-              </a:rPr>
-              <a:t> array</a:t>
-            </a:r>
-          </a:p>
-          <a:p>
-            <a:pPr marL="457200" lvl="1" indent="0">
-              <a:buNone/>
-            </a:pPr>
-            <a:endParaRPr lang="en-GB" sz="1000" dirty="0">
+            <a:endParaRPr lang="en-GB" sz="5100" dirty="0">
               <a:solidFill>
                 <a:srgbClr val="2196F3"/>
               </a:solidFill>
-            </a:endParaRPr>
-          </a:p>
-          <a:p>
-            <a:pPr lvl="1"/>
-            <a:r>
-              <a:rPr lang="en-GB" sz="2800" dirty="0">
+              <a:latin typeface="Segoe UI" panose="020B0502040204020203" pitchFamily="34" charset="0"/>
+              <a:cs typeface="Segoe UI" panose="020B0502040204020203" pitchFamily="34" charset="0"/>
+            </a:endParaRPr>
+          </a:p>
+          <a:p>
+            <a:pPr marL="457200" lvl="1" indent="0">
+              <a:buNone/>
+            </a:pPr>
+            <a:r>
+              <a:rPr lang="en-GB" sz="5100" dirty="0">
                 <a:solidFill>
                   <a:srgbClr val="2196F3"/>
                 </a:solidFill>
-              </a:rPr>
-              <a:t>Strings</a:t>
-            </a:r>
-          </a:p>
-          <a:p>
-            <a:pPr lvl="1"/>
-            <a:r>
-              <a:rPr lang="en-GB" sz="2800" dirty="0">
-                <a:solidFill>
-                  <a:srgbClr val="2196F3"/>
-                </a:solidFill>
-              </a:rPr>
-              <a:t>Booleans</a:t>
-            </a:r>
-          </a:p>
-          <a:p>
-            <a:pPr lvl="1"/>
-            <a:r>
-              <a:rPr lang="en-GB" sz="2800" dirty="0">
-                <a:solidFill>
-                  <a:srgbClr val="2196F3"/>
-                </a:solidFill>
-              </a:rPr>
-              <a:t>Numbers</a:t>
-            </a:r>
-          </a:p>
-          <a:p>
-            <a:pPr lvl="1"/>
-            <a:r>
-              <a:rPr lang="en-GB" sz="2800" dirty="0">
-                <a:solidFill>
-                  <a:srgbClr val="2196F3"/>
-                </a:solidFill>
-              </a:rPr>
-              <a:t>Null</a:t>
-            </a:r>
-          </a:p>
-          <a:p>
-            <a:pPr lvl="1"/>
-            <a:r>
-              <a:rPr lang="en-GB" sz="2800" dirty="0">
-                <a:solidFill>
-                  <a:srgbClr val="2196F3"/>
-                </a:solidFill>
-              </a:rPr>
-              <a:t>Object</a:t>
-            </a:r>
-          </a:p>
-          <a:p>
-            <a:pPr lvl="1"/>
-            <a:r>
-              <a:rPr lang="en-GB" sz="2800" dirty="0">
-                <a:solidFill>
-                  <a:srgbClr val="2196F3"/>
-                </a:solidFill>
-              </a:rPr>
-              <a:t>Array</a:t>
+                <a:latin typeface="Segoe UI" panose="020B0502040204020203" pitchFamily="34" charset="0"/>
+                <a:cs typeface="Segoe UI" panose="020B0502040204020203" pitchFamily="34" charset="0"/>
+              </a:rPr>
+              <a:t>AJAX:</a:t>
             </a:r>
           </a:p>
           <a:p>
             <a:pPr marL="457200" lvl="1" indent="0">
               <a:buNone/>
             </a:pPr>
-            <a:endParaRPr lang="en-GB" sz="1200" dirty="0">
+            <a:endParaRPr lang="en-GB" sz="800" dirty="0">
               <a:solidFill>
                 <a:srgbClr val="2196F3"/>
               </a:solidFill>
@@ -4428,27 +4310,168 @@
               <a:buNone/>
             </a:pPr>
             <a:r>
-              <a:rPr lang="en-GB" sz="2800" dirty="0">
+              <a:rPr lang="en-GB" sz="3200" dirty="0">
                 <a:solidFill>
                   <a:srgbClr val="2196F3"/>
                 </a:solidFill>
-                <a:hlinkClick r:id="rId2">
-                  <a:extLst>
-                    <a:ext uri="{A12FA001-AC4F-418D-AE19-62706E023703}">
-                      <ahyp:hlinkClr xmlns:ahyp="http://schemas.microsoft.com/office/drawing/2018/hyperlinkcolor" val="tx"/>
-                    </a:ext>
-                  </a:extLst>
-                </a:hlinkClick>
-              </a:rPr>
-              <a:t>https://wpjs.co.uk/wpb/wp-json/wp/v2/posts</a:t>
-            </a:r>
-            <a:endParaRPr lang="en-GB" sz="2800" dirty="0">
+              </a:rPr>
+              <a:t>AJAX = </a:t>
+            </a:r>
+            <a:r>
+              <a:rPr lang="en-GB" sz="3200" b="1" dirty="0">
+                <a:solidFill>
+                  <a:srgbClr val="2196F3"/>
+                </a:solidFill>
+              </a:rPr>
+              <a:t>A</a:t>
+            </a:r>
+            <a:r>
+              <a:rPr lang="en-GB" sz="3200" dirty="0">
+                <a:solidFill>
+                  <a:srgbClr val="2196F3"/>
+                </a:solidFill>
+              </a:rPr>
+              <a:t>synchronous </a:t>
+            </a:r>
+            <a:r>
+              <a:rPr lang="en-GB" sz="3200" b="1" dirty="0">
+                <a:solidFill>
+                  <a:srgbClr val="2196F3"/>
+                </a:solidFill>
+              </a:rPr>
+              <a:t>J</a:t>
+            </a:r>
+            <a:r>
+              <a:rPr lang="en-GB" sz="3200" dirty="0">
+                <a:solidFill>
+                  <a:srgbClr val="2196F3"/>
+                </a:solidFill>
+              </a:rPr>
+              <a:t>avaScript </a:t>
+            </a:r>
+            <a:r>
+              <a:rPr lang="en-GB" sz="3200" b="1" dirty="0">
+                <a:solidFill>
+                  <a:srgbClr val="2196F3"/>
+                </a:solidFill>
+              </a:rPr>
+              <a:t>A</a:t>
+            </a:r>
+            <a:r>
+              <a:rPr lang="en-GB" sz="3200" dirty="0">
+                <a:solidFill>
+                  <a:srgbClr val="2196F3"/>
+                </a:solidFill>
+              </a:rPr>
+              <a:t>nd </a:t>
+            </a:r>
+            <a:r>
+              <a:rPr lang="en-GB" sz="3200" b="1" dirty="0">
+                <a:solidFill>
+                  <a:srgbClr val="2196F3"/>
+                </a:solidFill>
+              </a:rPr>
+              <a:t>X</a:t>
+            </a:r>
+            <a:r>
+              <a:rPr lang="en-GB" sz="3200" dirty="0">
+                <a:solidFill>
+                  <a:srgbClr val="2196F3"/>
+                </a:solidFill>
+              </a:rPr>
+              <a:t>ML.</a:t>
+            </a:r>
+          </a:p>
+          <a:p>
+            <a:pPr marL="457200" lvl="1" indent="0">
+              <a:buNone/>
+            </a:pPr>
+            <a:endParaRPr lang="en-GB" sz="1800" dirty="0">
               <a:solidFill>
                 <a:srgbClr val="2196F3"/>
               </a:solidFill>
               <a:latin typeface="Segoe UI" panose="020B0502040204020203" pitchFamily="34" charset="0"/>
               <a:cs typeface="Segoe UI" panose="020B0502040204020203" pitchFamily="34" charset="0"/>
             </a:endParaRPr>
+          </a:p>
+          <a:p>
+            <a:pPr lvl="1"/>
+            <a:r>
+              <a:rPr lang="en-GB" sz="3200" dirty="0">
+                <a:solidFill>
+                  <a:srgbClr val="2196F3"/>
+                </a:solidFill>
+              </a:rPr>
+              <a:t>Read data from a web server </a:t>
+            </a:r>
+            <a:r>
+              <a:rPr lang="en-GB" sz="3200" i="1" dirty="0">
+                <a:solidFill>
+                  <a:srgbClr val="2196F3"/>
+                </a:solidFill>
+              </a:rPr>
+              <a:t>without reloading the page.</a:t>
+            </a:r>
+          </a:p>
+          <a:p>
+            <a:pPr lvl="1"/>
+            <a:r>
+              <a:rPr lang="en-GB" sz="3200" dirty="0">
+                <a:solidFill>
+                  <a:srgbClr val="2196F3"/>
+                </a:solidFill>
+              </a:rPr>
+              <a:t>Update a web page.</a:t>
+            </a:r>
+          </a:p>
+          <a:p>
+            <a:pPr lvl="1"/>
+            <a:r>
+              <a:rPr lang="en-GB" sz="3200" dirty="0">
+                <a:solidFill>
+                  <a:srgbClr val="2196F3"/>
+                </a:solidFill>
+              </a:rPr>
+              <a:t>Send data to a web server - in the background</a:t>
+            </a:r>
+          </a:p>
+          <a:p>
+            <a:pPr lvl="1"/>
+            <a:r>
+              <a:rPr lang="en-GB" sz="3200" dirty="0">
+                <a:solidFill>
+                  <a:srgbClr val="2196F3"/>
+                </a:solidFill>
+              </a:rPr>
+              <a:t>Many libraries like jQuery, </a:t>
+            </a:r>
+            <a:r>
+              <a:rPr lang="en-GB" sz="3200" dirty="0" err="1">
+                <a:solidFill>
+                  <a:srgbClr val="2196F3"/>
+                </a:solidFill>
+              </a:rPr>
+              <a:t>Axios</a:t>
+            </a:r>
+            <a:r>
+              <a:rPr lang="en-GB" sz="3200" dirty="0">
+                <a:solidFill>
+                  <a:srgbClr val="2196F3"/>
+                </a:solidFill>
+              </a:rPr>
+              <a:t> etc</a:t>
+            </a:r>
+          </a:p>
+          <a:p>
+            <a:pPr lvl="1"/>
+            <a:r>
+              <a:rPr lang="en-GB" sz="3200" dirty="0">
+                <a:solidFill>
+                  <a:srgbClr val="2196F3"/>
+                </a:solidFill>
+              </a:rPr>
+              <a:t>I use browser API: fetch()</a:t>
+            </a:r>
           </a:p>
           <a:p>
             <a:pPr marL="457200" lvl="1" indent="0">
@@ -4467,6 +4490,18 @@
               <a:buNone/>
             </a:pPr>
             <a:endParaRPr lang="en-GB" sz="6700" dirty="0">
+              <a:solidFill>
+                <a:srgbClr val="2196F3"/>
+              </a:solidFill>
+              <a:latin typeface="Segoe UI" panose="020B0502040204020203" pitchFamily="34" charset="0"/>
+              <a:cs typeface="Segoe UI" panose="020B0502040204020203" pitchFamily="34" charset="0"/>
+            </a:endParaRPr>
+          </a:p>
+          <a:p>
+            <a:pPr marL="457200" lvl="1" indent="0">
+              <a:buNone/>
+            </a:pPr>
+            <a:endParaRPr lang="en-GB" sz="6700" dirty="0">
               <a:latin typeface="Segoe UI" panose="020B0502040204020203" pitchFamily="34" charset="0"/>
               <a:cs typeface="Segoe UI" panose="020B0502040204020203" pitchFamily="34" charset="0"/>
             </a:endParaRPr>
@@ -4491,7 +4526,7 @@
     </p:spTree>
     <p:extLst>
       <p:ext uri="{BB962C8B-B14F-4D97-AF65-F5344CB8AC3E}">
-        <p14:creationId xmlns:p14="http://schemas.microsoft.com/office/powerpoint/2010/main" val="3496796182"/>
+        <p14:creationId xmlns:p14="http://schemas.microsoft.com/office/powerpoint/2010/main" val="3133069735"/>
       </p:ext>
     </p:extLst>
   </p:cSld>
@@ -4581,108 +4616,211 @@
         </p:nvSpPr>
         <p:spPr>
           <a:xfrm>
-            <a:off x="838200" y="1325563"/>
-            <a:ext cx="10515600" cy="4848735"/>
+            <a:off x="838200" y="1597892"/>
+            <a:ext cx="10515600" cy="4779606"/>
           </a:xfrm>
         </p:spPr>
         <p:txBody>
           <a:bodyPr wrap="square" bIns="252000">
-            <a:normAutofit/>
+            <a:normAutofit fontScale="92500" lnSpcReduction="10000"/>
           </a:bodyPr>
           <a:lstStyle/>
           <a:p>
             <a:pPr marL="457200" lvl="1" indent="0">
               <a:buNone/>
             </a:pPr>
+            <a:r>
+              <a:rPr lang="en-GB" sz="4000" dirty="0">
+                <a:solidFill>
+                  <a:srgbClr val="2196F3"/>
+                </a:solidFill>
+              </a:rPr>
+              <a:t>Think of JSON data as an associative array</a:t>
+            </a:r>
+          </a:p>
+          <a:p>
+            <a:pPr marL="457200" lvl="1" indent="0">
+              <a:buNone/>
+            </a:pPr>
+            <a:r>
+              <a:rPr lang="en-GB" sz="3500" dirty="0" err="1">
+                <a:solidFill>
+                  <a:srgbClr val="2196F3"/>
+                </a:solidFill>
+              </a:rPr>
+              <a:t>json_encode</a:t>
+            </a:r>
+            <a:r>
+              <a:rPr lang="en-GB" sz="3500" dirty="0">
+                <a:solidFill>
+                  <a:srgbClr val="2196F3"/>
+                </a:solidFill>
+              </a:rPr>
+              <a:t>([php associative array]) gives JSON</a:t>
+            </a:r>
+          </a:p>
+          <a:p>
+            <a:pPr marL="457200" lvl="1" indent="0">
+              <a:buNone/>
+            </a:pPr>
+            <a:r>
+              <a:rPr lang="en-GB" sz="3500" dirty="0" err="1">
+                <a:solidFill>
+                  <a:srgbClr val="2196F3"/>
+                </a:solidFill>
+              </a:rPr>
+              <a:t>json_decode</a:t>
+            </a:r>
+            <a:r>
+              <a:rPr lang="en-GB" sz="3500" dirty="0">
+                <a:solidFill>
+                  <a:srgbClr val="2196F3"/>
+                </a:solidFill>
+              </a:rPr>
+              <a:t> (JSON) gives an </a:t>
+            </a:r>
+            <a:r>
+              <a:rPr lang="en-GB" sz="3500" dirty="0" err="1">
+                <a:solidFill>
+                  <a:srgbClr val="2196F3"/>
+                </a:solidFill>
+              </a:rPr>
+              <a:t>assoc</a:t>
+            </a:r>
+            <a:r>
+              <a:rPr lang="en-GB" sz="3500" dirty="0">
+                <a:solidFill>
+                  <a:srgbClr val="2196F3"/>
+                </a:solidFill>
+              </a:rPr>
+              <a:t> array</a:t>
+            </a:r>
+          </a:p>
+          <a:p>
+            <a:pPr marL="457200" lvl="1" indent="0">
+              <a:buNone/>
+            </a:pPr>
+            <a:endParaRPr lang="en-GB" sz="1000" dirty="0">
+              <a:solidFill>
+                <a:srgbClr val="2196F3"/>
+              </a:solidFill>
+            </a:endParaRPr>
+          </a:p>
+          <a:p>
+            <a:pPr lvl="1"/>
+            <a:r>
+              <a:rPr lang="en-GB" sz="2800" dirty="0">
+                <a:solidFill>
+                  <a:srgbClr val="2196F3"/>
+                </a:solidFill>
+              </a:rPr>
+              <a:t>Strings</a:t>
+            </a:r>
+          </a:p>
+          <a:p>
+            <a:pPr lvl="1"/>
+            <a:r>
+              <a:rPr lang="en-GB" sz="2800" dirty="0">
+                <a:solidFill>
+                  <a:srgbClr val="2196F3"/>
+                </a:solidFill>
+              </a:rPr>
+              <a:t>Booleans</a:t>
+            </a:r>
+          </a:p>
+          <a:p>
+            <a:pPr lvl="1"/>
+            <a:r>
+              <a:rPr lang="en-GB" sz="2800" dirty="0">
+                <a:solidFill>
+                  <a:srgbClr val="2196F3"/>
+                </a:solidFill>
+              </a:rPr>
+              <a:t>Numbers</a:t>
+            </a:r>
+          </a:p>
+          <a:p>
+            <a:pPr lvl="1"/>
+            <a:r>
+              <a:rPr lang="en-GB" sz="2800" dirty="0">
+                <a:solidFill>
+                  <a:srgbClr val="2196F3"/>
+                </a:solidFill>
+              </a:rPr>
+              <a:t>Null</a:t>
+            </a:r>
+          </a:p>
+          <a:p>
+            <a:pPr lvl="1"/>
+            <a:r>
+              <a:rPr lang="en-GB" sz="2800" dirty="0">
+                <a:solidFill>
+                  <a:srgbClr val="2196F3"/>
+                </a:solidFill>
+              </a:rPr>
+              <a:t>Object</a:t>
+            </a:r>
+          </a:p>
+          <a:p>
+            <a:pPr lvl="1"/>
+            <a:r>
+              <a:rPr lang="en-GB" sz="2800" dirty="0">
+                <a:solidFill>
+                  <a:srgbClr val="2196F3"/>
+                </a:solidFill>
+              </a:rPr>
+              <a:t>Array</a:t>
+            </a:r>
+          </a:p>
+          <a:p>
+            <a:pPr marL="457200" lvl="1" indent="0">
+              <a:buNone/>
+            </a:pPr>
+            <a:endParaRPr lang="en-GB" sz="1200" dirty="0">
+              <a:solidFill>
+                <a:srgbClr val="2196F3"/>
+              </a:solidFill>
+              <a:latin typeface="Segoe UI" panose="020B0502040204020203" pitchFamily="34" charset="0"/>
+              <a:cs typeface="Segoe UI" panose="020B0502040204020203" pitchFamily="34" charset="0"/>
+            </a:endParaRPr>
+          </a:p>
+          <a:p>
+            <a:pPr marL="457200" lvl="1" indent="0">
+              <a:buNone/>
+            </a:pPr>
+            <a:r>
+              <a:rPr lang="en-GB" sz="2800" dirty="0">
+                <a:solidFill>
+                  <a:srgbClr val="2196F3"/>
+                </a:solidFill>
+                <a:hlinkClick r:id="rId2">
+                  <a:extLst>
+                    <a:ext uri="{A12FA001-AC4F-418D-AE19-62706E023703}">
+                      <ahyp:hlinkClr xmlns:ahyp="http://schemas.microsoft.com/office/drawing/2018/hyperlinkcolor" val="tx"/>
+                    </a:ext>
+                  </a:extLst>
+                </a:hlinkClick>
+              </a:rPr>
+              <a:t>https://wpjs.co.uk/wpb/wp-json/wp/v2/posts</a:t>
+            </a:r>
             <a:endParaRPr lang="en-GB" sz="2800" dirty="0">
               <a:solidFill>
                 <a:srgbClr val="2196F3"/>
               </a:solidFill>
+              <a:latin typeface="Segoe UI" panose="020B0502040204020203" pitchFamily="34" charset="0"/>
+              <a:cs typeface="Segoe UI" panose="020B0502040204020203" pitchFamily="34" charset="0"/>
             </a:endParaRPr>
           </a:p>
           <a:p>
             <a:pPr marL="457200" lvl="1" indent="0">
               <a:buNone/>
             </a:pPr>
-            <a:r>
-              <a:rPr lang="en-GB" sz="4400" dirty="0">
-                <a:solidFill>
-                  <a:srgbClr val="2196F3"/>
-                </a:solidFill>
-              </a:rPr>
-              <a:t>WordPress Hooks</a:t>
-            </a:r>
-          </a:p>
-          <a:p>
-            <a:pPr marL="457200" lvl="1" indent="0">
-              <a:buNone/>
-            </a:pPr>
-            <a:endParaRPr lang="en-GB" sz="3600" dirty="0">
+            <a:endParaRPr lang="en-GB" sz="6700" dirty="0">
               <a:solidFill>
                 <a:srgbClr val="2196F3"/>
               </a:solidFill>
-            </a:endParaRPr>
-          </a:p>
-          <a:p>
-            <a:pPr marL="457200" lvl="1" indent="0">
-              <a:buNone/>
-            </a:pPr>
-            <a:r>
-              <a:rPr lang="en-GB" sz="3200" dirty="0">
-                <a:solidFill>
-                  <a:srgbClr val="2196F3"/>
-                </a:solidFill>
-              </a:rPr>
-              <a:t>Hooks are a way for one piece of code to interact/modify another piece of code at specific, pre-defined spots. </a:t>
-            </a:r>
-          </a:p>
-          <a:p>
-            <a:pPr marL="457200" lvl="1" indent="0">
-              <a:buNone/>
-            </a:pPr>
-            <a:r>
-              <a:rPr lang="en-GB" sz="3200" dirty="0">
-                <a:solidFill>
-                  <a:srgbClr val="2196F3"/>
-                </a:solidFill>
-              </a:rPr>
-              <a:t>We can add our own endpoints using the '</a:t>
-            </a:r>
-            <a:r>
-              <a:rPr lang="en-GB" sz="3200" dirty="0" err="1">
-                <a:solidFill>
-                  <a:srgbClr val="2196F3"/>
-                </a:solidFill>
-              </a:rPr>
-              <a:t>rest_api_init</a:t>
-            </a:r>
-            <a:r>
-              <a:rPr lang="en-GB" sz="3200" dirty="0">
-                <a:solidFill>
-                  <a:srgbClr val="2196F3"/>
-                </a:solidFill>
-              </a:rPr>
-              <a:t>’ hook.</a:t>
-            </a:r>
-          </a:p>
-          <a:p>
-            <a:pPr marL="457200" lvl="1" indent="0">
-              <a:buNone/>
-            </a:pPr>
-            <a:endParaRPr lang="en-GB" sz="3200" dirty="0">
-              <a:solidFill>
-                <a:srgbClr val="2196F3"/>
-              </a:solidFill>
-            </a:endParaRPr>
-          </a:p>
-          <a:p>
-            <a:pPr marL="457200" lvl="1" indent="0">
-              <a:buNone/>
-            </a:pPr>
-            <a:endParaRPr lang="en-GB" sz="2600" dirty="0">
-              <a:solidFill>
-                <a:srgbClr val="2196F3"/>
-              </a:solidFill>
+              <a:latin typeface="Segoe UI" panose="020B0502040204020203" pitchFamily="34" charset="0"/>
+              <a:cs typeface="Segoe UI" panose="020B0502040204020203" pitchFamily="34" charset="0"/>
             </a:endParaRPr>
           </a:p>
           <a:p>
@@ -4714,7 +4852,7 @@
     </p:spTree>
     <p:extLst>
       <p:ext uri="{BB962C8B-B14F-4D97-AF65-F5344CB8AC3E}">
-        <p14:creationId xmlns:p14="http://schemas.microsoft.com/office/powerpoint/2010/main" val="3516111388"/>
+        <p14:creationId xmlns:p14="http://schemas.microsoft.com/office/powerpoint/2010/main" val="3496796182"/>
       </p:ext>
     </p:extLst>
   </p:cSld>
@@ -4833,14 +4971,14 @@
                   <a:srgbClr val="2196F3"/>
                 </a:solidFill>
               </a:rPr>
-              <a:t>SITE SETUP…</a:t>
+              <a:t>WordPress Hooks</a:t>
             </a:r>
           </a:p>
           <a:p>
             <a:pPr marL="457200" lvl="1" indent="0">
               <a:buNone/>
             </a:pPr>
-            <a:endParaRPr lang="en-GB" sz="4400" dirty="0">
+            <a:endParaRPr lang="en-GB" sz="3600" dirty="0">
               <a:solidFill>
                 <a:srgbClr val="2196F3"/>
               </a:solidFill>
@@ -4851,13 +4989,47 @@
               <a:buNone/>
             </a:pPr>
             <a:r>
-              <a:rPr lang="en-GB" sz="4400" dirty="0">
+              <a:rPr lang="en-GB" sz="3200" dirty="0">
                 <a:solidFill>
                   <a:srgbClr val="2196F3"/>
                 </a:solidFill>
               </a:rPr>
-              <a:t>Please refer to REST-AJAX.docx and the source code</a:t>
-            </a:r>
+              <a:t>Hooks are a way for one piece of code to interact/modify another piece of code at specific, pre-defined spots. </a:t>
+            </a:r>
+          </a:p>
+          <a:p>
+            <a:pPr marL="457200" lvl="1" indent="0">
+              <a:buNone/>
+            </a:pPr>
+            <a:r>
+              <a:rPr lang="en-GB" sz="3200" dirty="0">
+                <a:solidFill>
+                  <a:srgbClr val="2196F3"/>
+                </a:solidFill>
+              </a:rPr>
+              <a:t>We can add our own endpoints using the '</a:t>
+            </a:r>
+            <a:r>
+              <a:rPr lang="en-GB" sz="3200" dirty="0" err="1">
+                <a:solidFill>
+                  <a:srgbClr val="2196F3"/>
+                </a:solidFill>
+              </a:rPr>
+              <a:t>rest_api_init</a:t>
+            </a:r>
+            <a:r>
+              <a:rPr lang="en-GB" sz="3200" dirty="0">
+                <a:solidFill>
+                  <a:srgbClr val="2196F3"/>
+                </a:solidFill>
+              </a:rPr>
+              <a:t>’ hook.</a:t>
+            </a:r>
+          </a:p>
+          <a:p>
+            <a:pPr marL="457200" lvl="1" indent="0">
+              <a:buNone/>
+            </a:pPr>
             <a:endParaRPr lang="en-GB" sz="3200" dirty="0">
               <a:solidFill>
                 <a:srgbClr val="2196F3"/>
@@ -4903,7 +5075,7 @@
     </p:spTree>
     <p:extLst>
       <p:ext uri="{BB962C8B-B14F-4D97-AF65-F5344CB8AC3E}">
-        <p14:creationId xmlns:p14="http://schemas.microsoft.com/office/powerpoint/2010/main" val="689376606"/>
+        <p14:creationId xmlns:p14="http://schemas.microsoft.com/office/powerpoint/2010/main" val="3516111388"/>
       </p:ext>
     </p:extLst>
   </p:cSld>
@@ -4993,142 +5165,97 @@
         </p:nvSpPr>
         <p:spPr>
           <a:xfrm>
-            <a:off x="838200" y="1431636"/>
-            <a:ext cx="10515600" cy="4742661"/>
+            <a:off x="838200" y="1325563"/>
+            <a:ext cx="10515600" cy="4848735"/>
           </a:xfrm>
         </p:spPr>
         <p:txBody>
           <a:bodyPr wrap="square" bIns="252000">
-            <a:normAutofit lnSpcReduction="10000"/>
+            <a:normAutofit/>
           </a:bodyPr>
           <a:lstStyle/>
           <a:p>
             <a:pPr marL="457200" lvl="1" indent="0">
               <a:buNone/>
             </a:pPr>
-            <a:r>
-              <a:rPr lang="en-GB" sz="5100" dirty="0">
-                <a:solidFill>
-                  <a:srgbClr val="2196F3"/>
-                </a:solidFill>
-                <a:latin typeface="Segoe UI" panose="020B0502040204020203" pitchFamily="34" charset="0"/>
-                <a:cs typeface="Segoe UI" panose="020B0502040204020203" pitchFamily="34" charset="0"/>
-              </a:rPr>
-              <a:t>DECOUPLED WP</a:t>
-            </a:r>
-          </a:p>
-          <a:p>
-            <a:pPr marL="457200" lvl="1" indent="0">
-              <a:buNone/>
-            </a:pPr>
-            <a:endParaRPr lang="en-GB" sz="1050" dirty="0">
+            <a:endParaRPr lang="en-GB" sz="2800" dirty="0">
               <a:solidFill>
                 <a:srgbClr val="2196F3"/>
               </a:solidFill>
-              <a:latin typeface="Segoe UI" panose="020B0502040204020203" pitchFamily="34" charset="0"/>
-              <a:cs typeface="Segoe UI" panose="020B0502040204020203" pitchFamily="34" charset="0"/>
-            </a:endParaRPr>
-          </a:p>
-          <a:p>
-            <a:pPr lvl="1"/>
-            <a:r>
-              <a:rPr lang="en-GB" sz="2800" dirty="0">
+            </a:endParaRPr>
+          </a:p>
+          <a:p>
+            <a:pPr marL="457200" lvl="1" indent="0">
+              <a:buNone/>
+            </a:pPr>
+            <a:r>
+              <a:rPr lang="en-GB" sz="4400" dirty="0">
                 <a:solidFill>
                   <a:srgbClr val="2196F3"/>
                 </a:solidFill>
-                <a:latin typeface="Segoe UI" panose="020B0502040204020203" pitchFamily="34" charset="0"/>
-                <a:cs typeface="Segoe UI" panose="020B0502040204020203" pitchFamily="34" charset="0"/>
-              </a:rPr>
-              <a:t>As we are using JS blocks in our PHP pages this can lead to using these scripts in HTML pages or PHP outside of the WP ecosystem.</a:t>
-            </a:r>
-          </a:p>
-          <a:p>
-            <a:pPr lvl="1"/>
-            <a:r>
-              <a:rPr lang="en-GB" sz="2800" dirty="0">
-                <a:solidFill>
-                  <a:srgbClr val="2196F3"/>
-                </a:solidFill>
-                <a:latin typeface="Segoe UI" panose="020B0502040204020203" pitchFamily="34" charset="0"/>
-                <a:cs typeface="Segoe UI" panose="020B0502040204020203" pitchFamily="34" charset="0"/>
-              </a:rPr>
-              <a:t>This means we can have DECOUPLED or HEADLESS WP sites</a:t>
-            </a:r>
-          </a:p>
-          <a:p>
-            <a:pPr lvl="1"/>
-            <a:r>
-              <a:rPr lang="en-GB" sz="2800" dirty="0">
-                <a:solidFill>
-                  <a:srgbClr val="2196F3"/>
-                </a:solidFill>
-                <a:latin typeface="Segoe UI" panose="020B0502040204020203" pitchFamily="34" charset="0"/>
-                <a:cs typeface="Segoe UI" panose="020B0502040204020203" pitchFamily="34" charset="0"/>
-              </a:rPr>
-              <a:t>HEADLESS means formatting preconfigured in a ready made block for example.</a:t>
-            </a:r>
-          </a:p>
-          <a:p>
-            <a:pPr lvl="1"/>
-            <a:r>
-              <a:rPr lang="en-GB" sz="2800" dirty="0">
-                <a:solidFill>
-                  <a:srgbClr val="2196F3"/>
-                </a:solidFill>
-                <a:latin typeface="Segoe UI" panose="020B0502040204020203" pitchFamily="34" charset="0"/>
-                <a:cs typeface="Segoe UI" panose="020B0502040204020203" pitchFamily="34" charset="0"/>
-              </a:rPr>
-              <a:t>DECOUPLED means raw data is sent and page formats data.</a:t>
-            </a:r>
-          </a:p>
-          <a:p>
-            <a:pPr lvl="1"/>
-            <a:r>
-              <a:rPr lang="en-GB" sz="2800" dirty="0">
-                <a:solidFill>
-                  <a:srgbClr val="2196F3"/>
-                </a:solidFill>
-                <a:latin typeface="Segoe UI" panose="020B0502040204020203" pitchFamily="34" charset="0"/>
-                <a:cs typeface="Segoe UI" panose="020B0502040204020203" pitchFamily="34" charset="0"/>
-              </a:rPr>
-              <a:t>Using JSON WEB TOKENS (JWT) we can also authenticate…</a:t>
-            </a:r>
-          </a:p>
-          <a:p>
-            <a:pPr lvl="1"/>
-            <a:r>
-              <a:rPr lang="en-GB" sz="2800" dirty="0">
-                <a:solidFill>
-                  <a:srgbClr val="2196F3"/>
-                </a:solidFill>
-                <a:latin typeface="Segoe UI" panose="020B0502040204020203" pitchFamily="34" charset="0"/>
-                <a:cs typeface="Segoe UI" panose="020B0502040204020203" pitchFamily="34" charset="0"/>
-              </a:rPr>
-              <a:t>Example: https://wp-html.co.uk/semantic</a:t>
+              </a:rPr>
+              <a:t>SITE SETUP…</a:t>
             </a:r>
           </a:p>
           <a:p>
             <a:pPr marL="457200" lvl="1" indent="0">
               <a:buNone/>
             </a:pPr>
-            <a:endParaRPr lang="en-GB" sz="6700" dirty="0">
+            <a:endParaRPr lang="en-GB" sz="4400" dirty="0">
               <a:solidFill>
                 <a:srgbClr val="2196F3"/>
               </a:solidFill>
-              <a:latin typeface="Segoe UI" panose="020B0502040204020203" pitchFamily="34" charset="0"/>
-              <a:cs typeface="Segoe UI" panose="020B0502040204020203" pitchFamily="34" charset="0"/>
             </a:endParaRPr>
           </a:p>
           <a:p>
             <a:pPr marL="457200" lvl="1" indent="0">
               <a:buNone/>
             </a:pPr>
-            <a:endParaRPr lang="en-GB" sz="6700" dirty="0">
+            <a:r>
+              <a:rPr lang="en-GB" sz="4400" dirty="0">
+                <a:solidFill>
+                  <a:srgbClr val="2196F3"/>
+                </a:solidFill>
+              </a:rPr>
+              <a:t>Please refer to REST-AJAX.docx and the source code</a:t>
+            </a:r>
+          </a:p>
+          <a:p>
+            <a:pPr marL="457200" lvl="1" indent="0">
+              <a:buNone/>
+            </a:pPr>
+            <a:endParaRPr lang="en-GB" sz="4400" dirty="0">
               <a:solidFill>
                 <a:srgbClr val="2196F3"/>
               </a:solidFill>
-              <a:latin typeface="Segoe UI" panose="020B0502040204020203" pitchFamily="34" charset="0"/>
-              <a:cs typeface="Segoe UI" panose="020B0502040204020203" pitchFamily="34" charset="0"/>
+            </a:endParaRPr>
+          </a:p>
+          <a:p>
+            <a:pPr marL="457200" lvl="1" indent="0">
+              <a:buNone/>
+            </a:pPr>
+            <a:r>
+              <a:rPr lang="en-GB" sz="4400" dirty="0">
+                <a:solidFill>
+                  <a:srgbClr val="2196F3"/>
+                </a:solidFill>
+              </a:rPr>
+              <a:t>Let’s see the site…</a:t>
+            </a:r>
+            <a:endParaRPr lang="en-GB" sz="3200" dirty="0">
+              <a:solidFill>
+                <a:srgbClr val="2196F3"/>
+              </a:solidFill>
+            </a:endParaRPr>
+          </a:p>
+          <a:p>
+            <a:pPr marL="457200" lvl="1" indent="0">
+              <a:buNone/>
+            </a:pPr>
+            <a:endParaRPr lang="en-GB" sz="2600" dirty="0">
+              <a:solidFill>
+                <a:srgbClr val="2196F3"/>
+              </a:solidFill>
             </a:endParaRPr>
           </a:p>
           <a:p>
@@ -5160,7 +5287,7 @@
     </p:spTree>
     <p:extLst>
       <p:ext uri="{BB962C8B-B14F-4D97-AF65-F5344CB8AC3E}">
-        <p14:creationId xmlns:p14="http://schemas.microsoft.com/office/powerpoint/2010/main" val="3994601803"/>
+        <p14:creationId xmlns:p14="http://schemas.microsoft.com/office/powerpoint/2010/main" val="689376606"/>
       </p:ext>
     </p:extLst>
   </p:cSld>
@@ -5189,6 +5316,290 @@
       </p:grpSpPr>
       <p:sp>
         <p:nvSpPr>
+          <p:cNvPr id="2" name="Title 1">
+            <a:extLst>
+              <a:ext uri="{FF2B5EF4-FFF2-40B4-BE49-F238E27FC236}">
+                <a16:creationId xmlns:a16="http://schemas.microsoft.com/office/drawing/2014/main" id="{5D7568B3-EC9A-45DD-8A17-CFE685194B65}"/>
+              </a:ext>
+            </a:extLst>
+          </p:cNvPr>
+          <p:cNvSpPr>
+            <a:spLocks noGrp="1"/>
+          </p:cNvSpPr>
+          <p:nvPr>
+            <p:ph type="title"/>
+          </p:nvPr>
+        </p:nvSpPr>
+        <p:spPr>
+          <a:xfrm>
+            <a:off x="838200" y="0"/>
+            <a:ext cx="10515600" cy="1325563"/>
+          </a:xfrm>
+          <a:solidFill>
+            <a:srgbClr val="2196F3"/>
+          </a:solidFill>
+        </p:spPr>
+        <p:txBody>
+          <a:bodyPr>
+            <a:normAutofit/>
+          </a:bodyPr>
+          <a:lstStyle/>
+          <a:p>
+            <a:pPr algn="ctr"/>
+            <a:r>
+              <a:rPr lang="en-GB" sz="6600" dirty="0">
+                <a:solidFill>
+                  <a:schemeClr val="bg1"/>
+                </a:solidFill>
+                <a:latin typeface="Segoe UI" panose="020B0502040204020203" pitchFamily="34" charset="0"/>
+                <a:cs typeface="Segoe UI" panose="020B0502040204020203" pitchFamily="34" charset="0"/>
+              </a:rPr>
+              <a:t>WP REST API &amp; AJAX</a:t>
+            </a:r>
+          </a:p>
+        </p:txBody>
+      </p:sp>
+      <p:sp>
+        <p:nvSpPr>
+          <p:cNvPr id="4" name="Content Placeholder 2">
+            <a:extLst>
+              <a:ext uri="{FF2B5EF4-FFF2-40B4-BE49-F238E27FC236}">
+                <a16:creationId xmlns:a16="http://schemas.microsoft.com/office/drawing/2014/main" id="{088CCB65-11B4-408B-9ED3-1304FE85032F}"/>
+              </a:ext>
+            </a:extLst>
+          </p:cNvPr>
+          <p:cNvSpPr>
+            <a:spLocks noGrp="1"/>
+          </p:cNvSpPr>
+          <p:nvPr>
+            <p:ph idx="1"/>
+          </p:nvPr>
+        </p:nvSpPr>
+        <p:spPr>
+          <a:xfrm>
+            <a:off x="838200" y="1560945"/>
+            <a:ext cx="10515600" cy="4742661"/>
+          </a:xfrm>
+        </p:spPr>
+        <p:txBody>
+          <a:bodyPr wrap="square" bIns="252000">
+            <a:normAutofit fontScale="92500" lnSpcReduction="20000"/>
+          </a:bodyPr>
+          <a:lstStyle/>
+          <a:p>
+            <a:pPr marL="457200" lvl="1" indent="0">
+              <a:buNone/>
+            </a:pPr>
+            <a:r>
+              <a:rPr lang="en-GB" sz="5100" dirty="0">
+                <a:solidFill>
+                  <a:srgbClr val="2196F3"/>
+                </a:solidFill>
+                <a:latin typeface="Segoe UI" panose="020B0502040204020203" pitchFamily="34" charset="0"/>
+                <a:cs typeface="Segoe UI" panose="020B0502040204020203" pitchFamily="34" charset="0"/>
+              </a:rPr>
+              <a:t>DECOUPLED/HEADLESS WP</a:t>
+            </a:r>
+          </a:p>
+          <a:p>
+            <a:pPr marL="457200" lvl="1" indent="0">
+              <a:spcBef>
+                <a:spcPts val="1200"/>
+              </a:spcBef>
+              <a:buNone/>
+            </a:pPr>
+            <a:endParaRPr lang="en-GB" sz="1050" dirty="0">
+              <a:solidFill>
+                <a:srgbClr val="2196F3"/>
+              </a:solidFill>
+              <a:latin typeface="Segoe UI" panose="020B0502040204020203" pitchFamily="34" charset="0"/>
+              <a:cs typeface="Segoe UI" panose="020B0502040204020203" pitchFamily="34" charset="0"/>
+            </a:endParaRPr>
+          </a:p>
+          <a:p>
+            <a:pPr lvl="1">
+              <a:spcBef>
+                <a:spcPts val="1200"/>
+              </a:spcBef>
+            </a:pPr>
+            <a:r>
+              <a:rPr lang="en-GB" sz="2800" dirty="0">
+                <a:solidFill>
+                  <a:srgbClr val="2196F3"/>
+                </a:solidFill>
+                <a:latin typeface="Segoe UI" panose="020B0502040204020203" pitchFamily="34" charset="0"/>
+                <a:cs typeface="Segoe UI" panose="020B0502040204020203" pitchFamily="34" charset="0"/>
+              </a:rPr>
+              <a:t>As we are using JS blocks in our PHP pages this can lead to using these scripts in HTML pages or PHP outside of the WP ecosystem.</a:t>
+            </a:r>
+          </a:p>
+          <a:p>
+            <a:pPr lvl="1">
+              <a:spcBef>
+                <a:spcPts val="1200"/>
+              </a:spcBef>
+            </a:pPr>
+            <a:r>
+              <a:rPr lang="en-GB" sz="2800" dirty="0">
+                <a:solidFill>
+                  <a:srgbClr val="2196F3"/>
+                </a:solidFill>
+                <a:latin typeface="Segoe UI" panose="020B0502040204020203" pitchFamily="34" charset="0"/>
+                <a:cs typeface="Segoe UI" panose="020B0502040204020203" pitchFamily="34" charset="0"/>
+              </a:rPr>
+              <a:t>This means we can have DECOUPLED or HEADLESS WP sites</a:t>
+            </a:r>
+          </a:p>
+          <a:p>
+            <a:pPr lvl="1">
+              <a:spcBef>
+                <a:spcPts val="1200"/>
+              </a:spcBef>
+            </a:pPr>
+            <a:r>
+              <a:rPr lang="en-GB" sz="2800" dirty="0">
+                <a:solidFill>
+                  <a:srgbClr val="2196F3"/>
+                </a:solidFill>
+                <a:latin typeface="Segoe UI" panose="020B0502040204020203" pitchFamily="34" charset="0"/>
+                <a:cs typeface="Segoe UI" panose="020B0502040204020203" pitchFamily="34" charset="0"/>
+              </a:rPr>
+              <a:t>DECOUPLED means raw data, (JSON), is sent and client page renders format.</a:t>
+            </a:r>
+          </a:p>
+          <a:p>
+            <a:pPr lvl="1">
+              <a:spcBef>
+                <a:spcPts val="1200"/>
+              </a:spcBef>
+            </a:pPr>
+            <a:r>
+              <a:rPr lang="en-GB" sz="2800" dirty="0">
+                <a:solidFill>
+                  <a:srgbClr val="2196F3"/>
+                </a:solidFill>
+                <a:latin typeface="Segoe UI" panose="020B0502040204020203" pitchFamily="34" charset="0"/>
+                <a:cs typeface="Segoe UI" panose="020B0502040204020203" pitchFamily="34" charset="0"/>
+              </a:rPr>
+              <a:t>HEADLESS means formatting preconfigured in a ready made block, for example by sending HTML and CSS combined.</a:t>
+            </a:r>
+          </a:p>
+          <a:p>
+            <a:pPr lvl="1">
+              <a:spcBef>
+                <a:spcPts val="1200"/>
+              </a:spcBef>
+            </a:pPr>
+            <a:r>
+              <a:rPr lang="en-GB" sz="2800" dirty="0">
+                <a:solidFill>
+                  <a:srgbClr val="2196F3"/>
+                </a:solidFill>
+                <a:latin typeface="Segoe UI" panose="020B0502040204020203" pitchFamily="34" charset="0"/>
+                <a:cs typeface="Segoe UI" panose="020B0502040204020203" pitchFamily="34" charset="0"/>
+              </a:rPr>
+              <a:t>Using JSON WEB TOKENS (JWT) we can also authenticate…</a:t>
+            </a:r>
+          </a:p>
+          <a:p>
+            <a:pPr lvl="1">
+              <a:spcBef>
+                <a:spcPts val="1200"/>
+              </a:spcBef>
+            </a:pPr>
+            <a:r>
+              <a:rPr lang="en-GB" sz="2800" dirty="0">
+                <a:solidFill>
+                  <a:srgbClr val="2196F3"/>
+                </a:solidFill>
+                <a:latin typeface="Segoe UI" panose="020B0502040204020203" pitchFamily="34" charset="0"/>
+                <a:cs typeface="Segoe UI" panose="020B0502040204020203" pitchFamily="34" charset="0"/>
+              </a:rPr>
+              <a:t>Example: https://wp-html.co.uk/semantic</a:t>
+            </a:r>
+          </a:p>
+          <a:p>
+            <a:pPr marL="457200" lvl="1" indent="0">
+              <a:buNone/>
+            </a:pPr>
+            <a:endParaRPr lang="en-GB" sz="6700" dirty="0">
+              <a:solidFill>
+                <a:srgbClr val="2196F3"/>
+              </a:solidFill>
+              <a:latin typeface="Segoe UI" panose="020B0502040204020203" pitchFamily="34" charset="0"/>
+              <a:cs typeface="Segoe UI" panose="020B0502040204020203" pitchFamily="34" charset="0"/>
+            </a:endParaRPr>
+          </a:p>
+          <a:p>
+            <a:pPr marL="457200" lvl="1" indent="0">
+              <a:buNone/>
+            </a:pPr>
+            <a:endParaRPr lang="en-GB" sz="6700" dirty="0">
+              <a:solidFill>
+                <a:srgbClr val="2196F3"/>
+              </a:solidFill>
+              <a:latin typeface="Segoe UI" panose="020B0502040204020203" pitchFamily="34" charset="0"/>
+              <a:cs typeface="Segoe UI" panose="020B0502040204020203" pitchFamily="34" charset="0"/>
+            </a:endParaRPr>
+          </a:p>
+          <a:p>
+            <a:pPr marL="457200" lvl="1" indent="0">
+              <a:buNone/>
+            </a:pPr>
+            <a:endParaRPr lang="en-GB" sz="6700" dirty="0">
+              <a:latin typeface="Segoe UI" panose="020B0502040204020203" pitchFamily="34" charset="0"/>
+              <a:cs typeface="Segoe UI" panose="020B0502040204020203" pitchFamily="34" charset="0"/>
+            </a:endParaRPr>
+          </a:p>
+          <a:p>
+            <a:pPr marL="0" indent="0">
+              <a:buNone/>
+            </a:pPr>
+            <a:endParaRPr lang="en-GB" dirty="0">
+              <a:latin typeface="Segoe UI" panose="020B0502040204020203" pitchFamily="34" charset="0"/>
+              <a:cs typeface="Segoe UI" panose="020B0502040204020203" pitchFamily="34" charset="0"/>
+            </a:endParaRPr>
+          </a:p>
+          <a:p>
+            <a:endParaRPr lang="en-GB" dirty="0">
+              <a:latin typeface="Segoe UI" panose="020B0502040204020203" pitchFamily="34" charset="0"/>
+              <a:cs typeface="Segoe UI" panose="020B0502040204020203" pitchFamily="34" charset="0"/>
+            </a:endParaRPr>
+          </a:p>
+        </p:txBody>
+      </p:sp>
+    </p:spTree>
+    <p:extLst>
+      <p:ext uri="{BB962C8B-B14F-4D97-AF65-F5344CB8AC3E}">
+        <p14:creationId xmlns:p14="http://schemas.microsoft.com/office/powerpoint/2010/main" val="3994601803"/>
+      </p:ext>
+    </p:extLst>
+  </p:cSld>
+  <p:clrMapOvr>
+    <a:masterClrMapping/>
+  </p:clrMapOvr>
+</p:sld>
+</file>
+
+<file path=ppt/slides/slide15.xml><?xml version="1.0" encoding="utf-8"?>
+<p:sld xmlns:a="http://schemas.openxmlformats.org/drawingml/2006/main" xmlns:r="http://schemas.openxmlformats.org/officeDocument/2006/relationships" xmlns:p="http://schemas.openxmlformats.org/presentationml/2006/main">
+  <p:cSld>
+    <p:spTree>
+      <p:nvGrpSpPr>
+        <p:cNvPr id="1" name=""/>
+        <p:cNvGrpSpPr/>
+        <p:nvPr/>
+      </p:nvGrpSpPr>
+      <p:grpSpPr>
+        <a:xfrm>
+          <a:off x="0" y="0"/>
+          <a:ext cx="0" cy="0"/>
+          <a:chOff x="0" y="0"/>
+          <a:chExt cx="0" cy="0"/>
+        </a:xfrm>
+      </p:grpSpPr>
+      <p:sp>
+        <p:nvSpPr>
           <p:cNvPr id="5" name="Rectangle: Rounded Corners 4">
             <a:extLst>
               <a:ext uri="{FF2B5EF4-FFF2-40B4-BE49-F238E27FC236}">
@@ -6133,7 +6544,7 @@
 </p:sld>
 </file>
 
-<file path=ppt/slides/slide15.xml><?xml version="1.0" encoding="utf-8"?>
+<file path=ppt/slides/slide16.xml><?xml version="1.0" encoding="utf-8"?>
 <p:sld xmlns:a="http://schemas.openxmlformats.org/drawingml/2006/main" xmlns:r="http://schemas.openxmlformats.org/officeDocument/2006/relationships" xmlns:p="http://schemas.openxmlformats.org/presentationml/2006/main">
   <p:cSld>
     <p:spTree>
@@ -7367,252 +7778,6 @@
 </p:sld>
 </file>
 
-<file path=ppt/slides/slide16.xml><?xml version="1.0" encoding="utf-8"?>
-<p:sld xmlns:a="http://schemas.openxmlformats.org/drawingml/2006/main" xmlns:r="http://schemas.openxmlformats.org/officeDocument/2006/relationships" xmlns:p="http://schemas.openxmlformats.org/presentationml/2006/main">
-  <p:cSld>
-    <p:spTree>
-      <p:nvGrpSpPr>
-        <p:cNvPr id="1" name=""/>
-        <p:cNvGrpSpPr/>
-        <p:nvPr/>
-      </p:nvGrpSpPr>
-      <p:grpSpPr>
-        <a:xfrm>
-          <a:off x="0" y="0"/>
-          <a:ext cx="0" cy="0"/>
-          <a:chOff x="0" y="0"/>
-          <a:chExt cx="0" cy="0"/>
-        </a:xfrm>
-      </p:grpSpPr>
-      <p:sp>
-        <p:nvSpPr>
-          <p:cNvPr id="2" name="Title 1">
-            <a:extLst>
-              <a:ext uri="{FF2B5EF4-FFF2-40B4-BE49-F238E27FC236}">
-                <a16:creationId xmlns:a16="http://schemas.microsoft.com/office/drawing/2014/main" id="{5D7568B3-EC9A-45DD-8A17-CFE685194B65}"/>
-              </a:ext>
-            </a:extLst>
-          </p:cNvPr>
-          <p:cNvSpPr>
-            <a:spLocks noGrp="1"/>
-          </p:cNvSpPr>
-          <p:nvPr>
-            <p:ph type="title"/>
-          </p:nvPr>
-        </p:nvSpPr>
-        <p:spPr>
-          <a:xfrm>
-            <a:off x="838200" y="0"/>
-            <a:ext cx="10515600" cy="1325563"/>
-          </a:xfrm>
-          <a:solidFill>
-            <a:srgbClr val="2196F3"/>
-          </a:solidFill>
-        </p:spPr>
-        <p:txBody>
-          <a:bodyPr>
-            <a:normAutofit/>
-          </a:bodyPr>
-          <a:lstStyle/>
-          <a:p>
-            <a:pPr algn="ctr"/>
-            <a:r>
-              <a:rPr lang="en-GB" sz="6600" dirty="0">
-                <a:solidFill>
-                  <a:schemeClr val="bg1"/>
-                </a:solidFill>
-                <a:latin typeface="Segoe UI" panose="020B0502040204020203" pitchFamily="34" charset="0"/>
-                <a:cs typeface="Segoe UI" panose="020B0502040204020203" pitchFamily="34" charset="0"/>
-              </a:rPr>
-              <a:t>WP REST API &amp; AJAX</a:t>
-            </a:r>
-          </a:p>
-        </p:txBody>
-      </p:sp>
-      <p:sp>
-        <p:nvSpPr>
-          <p:cNvPr id="4" name="Content Placeholder 2">
-            <a:extLst>
-              <a:ext uri="{FF2B5EF4-FFF2-40B4-BE49-F238E27FC236}">
-                <a16:creationId xmlns:a16="http://schemas.microsoft.com/office/drawing/2014/main" id="{088CCB65-11B4-408B-9ED3-1304FE85032F}"/>
-              </a:ext>
-            </a:extLst>
-          </p:cNvPr>
-          <p:cNvSpPr>
-            <a:spLocks noGrp="1"/>
-          </p:cNvSpPr>
-          <p:nvPr>
-            <p:ph idx="1"/>
-          </p:nvPr>
-        </p:nvSpPr>
-        <p:spPr>
-          <a:xfrm>
-            <a:off x="838200" y="1431636"/>
-            <a:ext cx="10515600" cy="4742661"/>
-          </a:xfrm>
-        </p:spPr>
-        <p:txBody>
-          <a:bodyPr wrap="square" bIns="252000">
-            <a:normAutofit lnSpcReduction="10000"/>
-          </a:bodyPr>
-          <a:lstStyle/>
-          <a:p>
-            <a:pPr marL="457200" lvl="1" indent="0">
-              <a:buNone/>
-            </a:pPr>
-            <a:r>
-              <a:rPr lang="en-GB" sz="5100" dirty="0">
-                <a:solidFill>
-                  <a:srgbClr val="2196F3"/>
-                </a:solidFill>
-                <a:latin typeface="Segoe UI" panose="020B0502040204020203" pitchFamily="34" charset="0"/>
-                <a:cs typeface="Segoe UI" panose="020B0502040204020203" pitchFamily="34" charset="0"/>
-              </a:rPr>
-              <a:t>WP REST API + Web Components</a:t>
-            </a:r>
-          </a:p>
-          <a:p>
-            <a:pPr marL="457200" lvl="1" indent="0">
-              <a:buNone/>
-            </a:pPr>
-            <a:r>
-              <a:rPr lang="en-GB" sz="5100" dirty="0">
-                <a:solidFill>
-                  <a:srgbClr val="2196F3"/>
-                </a:solidFill>
-                <a:latin typeface="Segoe UI" panose="020B0502040204020203" pitchFamily="34" charset="0"/>
-                <a:cs typeface="Segoe UI" panose="020B0502040204020203" pitchFamily="34" charset="0"/>
-              </a:rPr>
-              <a:t>=&gt; 100% INTERNET</a:t>
-            </a:r>
-          </a:p>
-          <a:p>
-            <a:pPr marL="457200" lvl="1" indent="0">
-              <a:buNone/>
-            </a:pPr>
-            <a:endParaRPr lang="en-GB" sz="1050" dirty="0">
-              <a:solidFill>
-                <a:srgbClr val="2196F3"/>
-              </a:solidFill>
-              <a:latin typeface="Segoe UI" panose="020B0502040204020203" pitchFamily="34" charset="0"/>
-              <a:cs typeface="Segoe UI" panose="020B0502040204020203" pitchFamily="34" charset="0"/>
-            </a:endParaRPr>
-          </a:p>
-          <a:p>
-            <a:pPr lvl="1"/>
-            <a:r>
-              <a:rPr lang="en-GB" sz="2800" dirty="0">
-                <a:solidFill>
-                  <a:srgbClr val="2196F3"/>
-                </a:solidFill>
-                <a:latin typeface="Segoe UI" panose="020B0502040204020203" pitchFamily="34" charset="0"/>
-                <a:cs typeface="Segoe UI" panose="020B0502040204020203" pitchFamily="34" charset="0"/>
-              </a:rPr>
-              <a:t>Web Components are custom HTML elements/tags that we can create.</a:t>
-            </a:r>
-          </a:p>
-          <a:p>
-            <a:pPr lvl="1"/>
-            <a:r>
-              <a:rPr lang="en-GB" sz="2800" dirty="0">
-                <a:solidFill>
-                  <a:srgbClr val="2196F3"/>
-                </a:solidFill>
-                <a:latin typeface="Segoe UI" panose="020B0502040204020203" pitchFamily="34" charset="0"/>
-                <a:cs typeface="Segoe UI" panose="020B0502040204020203" pitchFamily="34" charset="0"/>
-              </a:rPr>
-              <a:t>We define a tag and associate with a JS Class.</a:t>
-            </a:r>
-          </a:p>
-          <a:p>
-            <a:pPr lvl="1"/>
-            <a:r>
-              <a:rPr lang="en-GB" sz="2800" dirty="0">
-                <a:solidFill>
-                  <a:srgbClr val="2196F3"/>
-                </a:solidFill>
-                <a:latin typeface="Segoe UI" panose="020B0502040204020203" pitchFamily="34" charset="0"/>
-                <a:cs typeface="Segoe UI" panose="020B0502040204020203" pitchFamily="34" charset="0"/>
-              </a:rPr>
-              <a:t>They are regular HTML so can be used wherever HTML is used and also be wired into JS Framework builds.</a:t>
-            </a:r>
-          </a:p>
-          <a:p>
-            <a:pPr lvl="1"/>
-            <a:r>
-              <a:rPr lang="en-GB" sz="2800" dirty="0">
-                <a:solidFill>
-                  <a:srgbClr val="2196F3"/>
-                </a:solidFill>
-                <a:latin typeface="Segoe UI" panose="020B0502040204020203" pitchFamily="34" charset="0"/>
-                <a:cs typeface="Segoe UI" panose="020B0502040204020203" pitchFamily="34" charset="0"/>
-              </a:rPr>
-              <a:t>The example of DECOUPLED WP is in fact built entirely with Web Components…let’s look at the source code…</a:t>
-            </a:r>
-          </a:p>
-          <a:p>
-            <a:pPr marL="457200" lvl="1" indent="0">
-              <a:buNone/>
-            </a:pPr>
-            <a:endParaRPr lang="en-GB" sz="6700" dirty="0">
-              <a:solidFill>
-                <a:srgbClr val="2196F3"/>
-              </a:solidFill>
-              <a:latin typeface="Segoe UI" panose="020B0502040204020203" pitchFamily="34" charset="0"/>
-              <a:cs typeface="Segoe UI" panose="020B0502040204020203" pitchFamily="34" charset="0"/>
-            </a:endParaRPr>
-          </a:p>
-          <a:p>
-            <a:pPr marL="457200" lvl="1" indent="0">
-              <a:buNone/>
-            </a:pPr>
-            <a:endParaRPr lang="en-GB" sz="6700" dirty="0">
-              <a:solidFill>
-                <a:srgbClr val="2196F3"/>
-              </a:solidFill>
-              <a:latin typeface="Segoe UI" panose="020B0502040204020203" pitchFamily="34" charset="0"/>
-              <a:cs typeface="Segoe UI" panose="020B0502040204020203" pitchFamily="34" charset="0"/>
-            </a:endParaRPr>
-          </a:p>
-          <a:p>
-            <a:pPr marL="457200" lvl="1" indent="0">
-              <a:buNone/>
-            </a:pPr>
-            <a:endParaRPr lang="en-GB" sz="6700" dirty="0">
-              <a:latin typeface="Segoe UI" panose="020B0502040204020203" pitchFamily="34" charset="0"/>
-              <a:cs typeface="Segoe UI" panose="020B0502040204020203" pitchFamily="34" charset="0"/>
-            </a:endParaRPr>
-          </a:p>
-          <a:p>
-            <a:pPr marL="0" indent="0">
-              <a:buNone/>
-            </a:pPr>
-            <a:endParaRPr lang="en-GB" dirty="0">
-              <a:latin typeface="Segoe UI" panose="020B0502040204020203" pitchFamily="34" charset="0"/>
-              <a:cs typeface="Segoe UI" panose="020B0502040204020203" pitchFamily="34" charset="0"/>
-            </a:endParaRPr>
-          </a:p>
-          <a:p>
-            <a:endParaRPr lang="en-GB" dirty="0">
-              <a:latin typeface="Segoe UI" panose="020B0502040204020203" pitchFamily="34" charset="0"/>
-              <a:cs typeface="Segoe UI" panose="020B0502040204020203" pitchFamily="34" charset="0"/>
-            </a:endParaRPr>
-          </a:p>
-        </p:txBody>
-      </p:sp>
-    </p:spTree>
-    <p:extLst>
-      <p:ext uri="{BB962C8B-B14F-4D97-AF65-F5344CB8AC3E}">
-        <p14:creationId xmlns:p14="http://schemas.microsoft.com/office/powerpoint/2010/main" val="16959895"/>
-      </p:ext>
-    </p:extLst>
-  </p:cSld>
-  <p:clrMapOvr>
-    <a:masterClrMapping/>
-  </p:clrMapOvr>
-</p:sld>
-</file>
-
 <file path=ppt/slides/slide17.xml><?xml version="1.0" encoding="utf-8"?>
 <p:sld xmlns:a="http://schemas.openxmlformats.org/drawingml/2006/main" xmlns:r="http://schemas.openxmlformats.org/officeDocument/2006/relationships" xmlns:p="http://schemas.openxmlformats.org/presentationml/2006/main">
   <p:cSld>
@@ -7699,7 +7864,7 @@
         </p:spPr>
         <p:txBody>
           <a:bodyPr wrap="square" bIns="252000">
-            <a:normAutofit/>
+            <a:normAutofit fontScale="92500" lnSpcReduction="10000"/>
           </a:bodyPr>
           <a:lstStyle/>
           <a:p>
@@ -7714,31 +7879,29 @@
                 <a:latin typeface="Segoe UI" panose="020B0502040204020203" pitchFamily="34" charset="0"/>
                 <a:cs typeface="Segoe UI" panose="020B0502040204020203" pitchFamily="34" charset="0"/>
               </a:rPr>
-              <a:t>What are </a:t>
-            </a:r>
-            <a:r>
-              <a:rPr lang="en-GB" sz="5100">
+              <a:t>WP REST API + Web Components</a:t>
+            </a:r>
+          </a:p>
+          <a:p>
+            <a:pPr marL="457200" lvl="1" indent="0">
+              <a:buNone/>
+            </a:pPr>
+            <a:r>
+              <a:rPr lang="en-GB" sz="5100" dirty="0">
                 <a:solidFill>
                   <a:srgbClr val="2196F3"/>
                 </a:solidFill>
                 <a:latin typeface="Segoe UI" panose="020B0502040204020203" pitchFamily="34" charset="0"/>
                 <a:cs typeface="Segoe UI" panose="020B0502040204020203" pitchFamily="34" charset="0"/>
               </a:rPr>
-              <a:t>the implications</a:t>
-            </a:r>
-            <a:r>
-              <a:rPr lang="en-GB" sz="5100" dirty="0">
-                <a:solidFill>
-                  <a:srgbClr val="2196F3"/>
-                </a:solidFill>
-                <a:latin typeface="Segoe UI" panose="020B0502040204020203" pitchFamily="34" charset="0"/>
-                <a:cs typeface="Segoe UI" panose="020B0502040204020203" pitchFamily="34" charset="0"/>
-              </a:rPr>
-              <a:t>?</a:t>
+              <a:t>=&gt; 100% INTERNET</a:t>
             </a:r>
           </a:p>
           <a:p>
             <a:pPr marL="457200" lvl="1" indent="0">
+              <a:spcBef>
+                <a:spcPts val="1200"/>
+              </a:spcBef>
               <a:buNone/>
             </a:pPr>
             <a:endParaRPr lang="en-GB" sz="1050" dirty="0">
@@ -7750,7 +7913,11 @@
             </a:endParaRPr>
           </a:p>
           <a:p>
-            <a:pPr lvl="1"/>
+            <a:pPr lvl="1">
+              <a:spcBef>
+                <a:spcPts val="1200"/>
+              </a:spcBef>
+            </a:pPr>
             <a:r>
               <a:rPr lang="en-GB" sz="2800" dirty="0">
                 <a:solidFill>
@@ -7759,11 +7926,15 @@
                 <a:latin typeface="Segoe UI" panose="020B0502040204020203" pitchFamily="34" charset="0"/>
                 <a:cs typeface="Segoe UI" panose="020B0502040204020203" pitchFamily="34" charset="0"/>
               </a:rPr>
-              <a:t>These Web Components can be thought of as HTML Plugins.</a:t>
-            </a:r>
-          </a:p>
-          <a:p>
-            <a:pPr lvl="1"/>
+              <a:t>Web Components are custom HTML elements/tags that we can create.</a:t>
+            </a:r>
+          </a:p>
+          <a:p>
+            <a:pPr lvl="1">
+              <a:spcBef>
+                <a:spcPts val="1200"/>
+              </a:spcBef>
+            </a:pPr>
             <a:r>
               <a:rPr lang="en-GB" sz="2800" dirty="0">
                 <a:solidFill>
@@ -7772,11 +7943,15 @@
                 <a:latin typeface="Segoe UI" panose="020B0502040204020203" pitchFamily="34" charset="0"/>
                 <a:cs typeface="Segoe UI" panose="020B0502040204020203" pitchFamily="34" charset="0"/>
               </a:rPr>
-              <a:t>Other sites can use these highly functional HTML Plugins to render out WP site’s content and functionality.</a:t>
-            </a:r>
-          </a:p>
-          <a:p>
-            <a:pPr lvl="1"/>
+              <a:t>We define a tag and associate with a JS Class.</a:t>
+            </a:r>
+          </a:p>
+          <a:p>
+            <a:pPr lvl="1">
+              <a:spcBef>
+                <a:spcPts val="1200"/>
+              </a:spcBef>
+            </a:pPr>
             <a:r>
               <a:rPr lang="en-GB" sz="2800" dirty="0">
                 <a:solidFill>
@@ -7785,11 +7960,15 @@
                 <a:latin typeface="Segoe UI" panose="020B0502040204020203" pitchFamily="34" charset="0"/>
                 <a:cs typeface="Segoe UI" panose="020B0502040204020203" pitchFamily="34" charset="0"/>
               </a:rPr>
-              <a:t>This has opportunities for increased agency work for our clients.</a:t>
-            </a:r>
-          </a:p>
-          <a:p>
-            <a:pPr lvl="1"/>
+              <a:t>They are regular HTML so can be used wherever HTML is used and also be wired into JS Framework builds.</a:t>
+            </a:r>
+          </a:p>
+          <a:p>
+            <a:pPr lvl="1">
+              <a:spcBef>
+                <a:spcPts val="1200"/>
+              </a:spcBef>
+            </a:pPr>
             <a:r>
               <a:rPr lang="en-GB" sz="2800" dirty="0">
                 <a:solidFill>
@@ -7798,7 +7977,7 @@
                 <a:latin typeface="Segoe UI" panose="020B0502040204020203" pitchFamily="34" charset="0"/>
                 <a:cs typeface="Segoe UI" panose="020B0502040204020203" pitchFamily="34" charset="0"/>
               </a:rPr>
-              <a:t>It can also create extended exposure, SEO and business partnerships…our WP provides content/service for another site.</a:t>
+              <a:t>The example of DECOUPLED WP is in fact built entirely with Web Components…let’s look at the source code…</a:t>
             </a:r>
           </a:p>
           <a:p>
@@ -7854,7 +8033,7 @@
     </p:spTree>
     <p:extLst>
       <p:ext uri="{BB962C8B-B14F-4D97-AF65-F5344CB8AC3E}">
-        <p14:creationId xmlns:p14="http://schemas.microsoft.com/office/powerpoint/2010/main" val="3413793321"/>
+        <p14:creationId xmlns:p14="http://schemas.microsoft.com/office/powerpoint/2010/main" val="16959895"/>
       </p:ext>
     </p:extLst>
   </p:cSld>
@@ -7950,7 +8129,258 @@
         </p:spPr>
         <p:txBody>
           <a:bodyPr wrap="square" bIns="252000">
-            <a:normAutofit fontScale="92500"/>
+            <a:normAutofit/>
+          </a:bodyPr>
+          <a:lstStyle/>
+          <a:p>
+            <a:pPr marL="457200" lvl="1" indent="0">
+              <a:buNone/>
+            </a:pPr>
+            <a:r>
+              <a:rPr lang="en-GB" sz="5100" dirty="0">
+                <a:solidFill>
+                  <a:srgbClr val="2196F3"/>
+                </a:solidFill>
+                <a:latin typeface="Segoe UI" panose="020B0502040204020203" pitchFamily="34" charset="0"/>
+                <a:cs typeface="Segoe UI" panose="020B0502040204020203" pitchFamily="34" charset="0"/>
+              </a:rPr>
+              <a:t>What are </a:t>
+            </a:r>
+            <a:r>
+              <a:rPr lang="en-GB" sz="5100">
+                <a:solidFill>
+                  <a:srgbClr val="2196F3"/>
+                </a:solidFill>
+                <a:latin typeface="Segoe UI" panose="020B0502040204020203" pitchFamily="34" charset="0"/>
+                <a:cs typeface="Segoe UI" panose="020B0502040204020203" pitchFamily="34" charset="0"/>
+              </a:rPr>
+              <a:t>the implications</a:t>
+            </a:r>
+            <a:r>
+              <a:rPr lang="en-GB" sz="5100" dirty="0">
+                <a:solidFill>
+                  <a:srgbClr val="2196F3"/>
+                </a:solidFill>
+                <a:latin typeface="Segoe UI" panose="020B0502040204020203" pitchFamily="34" charset="0"/>
+                <a:cs typeface="Segoe UI" panose="020B0502040204020203" pitchFamily="34" charset="0"/>
+              </a:rPr>
+              <a:t>?</a:t>
+            </a:r>
+          </a:p>
+          <a:p>
+            <a:pPr marL="457200" lvl="1" indent="0">
+              <a:buNone/>
+            </a:pPr>
+            <a:endParaRPr lang="en-GB" sz="1050" dirty="0">
+              <a:solidFill>
+                <a:srgbClr val="2196F3"/>
+              </a:solidFill>
+              <a:latin typeface="Segoe UI" panose="020B0502040204020203" pitchFamily="34" charset="0"/>
+              <a:cs typeface="Segoe UI" panose="020B0502040204020203" pitchFamily="34" charset="0"/>
+            </a:endParaRPr>
+          </a:p>
+          <a:p>
+            <a:pPr lvl="1"/>
+            <a:r>
+              <a:rPr lang="en-GB" sz="2800" dirty="0">
+                <a:solidFill>
+                  <a:srgbClr val="2196F3"/>
+                </a:solidFill>
+                <a:latin typeface="Segoe UI" panose="020B0502040204020203" pitchFamily="34" charset="0"/>
+                <a:cs typeface="Segoe UI" panose="020B0502040204020203" pitchFamily="34" charset="0"/>
+              </a:rPr>
+              <a:t>These Web Components can be thought of as HTML Plugins.</a:t>
+            </a:r>
+          </a:p>
+          <a:p>
+            <a:pPr lvl="1"/>
+            <a:r>
+              <a:rPr lang="en-GB" sz="2800" dirty="0">
+                <a:solidFill>
+                  <a:srgbClr val="2196F3"/>
+                </a:solidFill>
+                <a:latin typeface="Segoe UI" panose="020B0502040204020203" pitchFamily="34" charset="0"/>
+                <a:cs typeface="Segoe UI" panose="020B0502040204020203" pitchFamily="34" charset="0"/>
+              </a:rPr>
+              <a:t>Other sites can use these highly functional HTML Plugins to render out WP site’s content and functionality.</a:t>
+            </a:r>
+          </a:p>
+          <a:p>
+            <a:pPr lvl="1"/>
+            <a:r>
+              <a:rPr lang="en-GB" sz="2800" dirty="0">
+                <a:solidFill>
+                  <a:srgbClr val="2196F3"/>
+                </a:solidFill>
+                <a:latin typeface="Segoe UI" panose="020B0502040204020203" pitchFamily="34" charset="0"/>
+                <a:cs typeface="Segoe UI" panose="020B0502040204020203" pitchFamily="34" charset="0"/>
+              </a:rPr>
+              <a:t>This has opportunities for increased agency work for our clients.</a:t>
+            </a:r>
+          </a:p>
+          <a:p>
+            <a:pPr lvl="1"/>
+            <a:r>
+              <a:rPr lang="en-GB" sz="2800" dirty="0">
+                <a:solidFill>
+                  <a:srgbClr val="2196F3"/>
+                </a:solidFill>
+                <a:latin typeface="Segoe UI" panose="020B0502040204020203" pitchFamily="34" charset="0"/>
+                <a:cs typeface="Segoe UI" panose="020B0502040204020203" pitchFamily="34" charset="0"/>
+              </a:rPr>
+              <a:t>It can also create extended exposure, SEO and business partnerships…our WP provides content/service for another site.</a:t>
+            </a:r>
+          </a:p>
+          <a:p>
+            <a:pPr marL="457200" lvl="1" indent="0">
+              <a:buNone/>
+            </a:pPr>
+            <a:endParaRPr lang="en-GB" sz="6700" dirty="0">
+              <a:solidFill>
+                <a:srgbClr val="2196F3"/>
+              </a:solidFill>
+              <a:latin typeface="Segoe UI" panose="020B0502040204020203" pitchFamily="34" charset="0"/>
+              <a:cs typeface="Segoe UI" panose="020B0502040204020203" pitchFamily="34" charset="0"/>
+            </a:endParaRPr>
+          </a:p>
+          <a:p>
+            <a:pPr marL="457200" lvl="1" indent="0">
+              <a:buNone/>
+            </a:pPr>
+            <a:endParaRPr lang="en-GB" sz="6700" dirty="0">
+              <a:solidFill>
+                <a:srgbClr val="2196F3"/>
+              </a:solidFill>
+              <a:latin typeface="Segoe UI" panose="020B0502040204020203" pitchFamily="34" charset="0"/>
+              <a:cs typeface="Segoe UI" panose="020B0502040204020203" pitchFamily="34" charset="0"/>
+            </a:endParaRPr>
+          </a:p>
+          <a:p>
+            <a:pPr marL="457200" lvl="1" indent="0">
+              <a:buNone/>
+            </a:pPr>
+            <a:endParaRPr lang="en-GB" sz="6700" dirty="0">
+              <a:latin typeface="Segoe UI" panose="020B0502040204020203" pitchFamily="34" charset="0"/>
+              <a:cs typeface="Segoe UI" panose="020B0502040204020203" pitchFamily="34" charset="0"/>
+            </a:endParaRPr>
+          </a:p>
+          <a:p>
+            <a:pPr marL="0" indent="0">
+              <a:buNone/>
+            </a:pPr>
+            <a:endParaRPr lang="en-GB" dirty="0">
+              <a:latin typeface="Segoe UI" panose="020B0502040204020203" pitchFamily="34" charset="0"/>
+              <a:cs typeface="Segoe UI" panose="020B0502040204020203" pitchFamily="34" charset="0"/>
+            </a:endParaRPr>
+          </a:p>
+          <a:p>
+            <a:endParaRPr lang="en-GB" dirty="0">
+              <a:latin typeface="Segoe UI" panose="020B0502040204020203" pitchFamily="34" charset="0"/>
+              <a:cs typeface="Segoe UI" panose="020B0502040204020203" pitchFamily="34" charset="0"/>
+            </a:endParaRPr>
+          </a:p>
+        </p:txBody>
+      </p:sp>
+    </p:spTree>
+    <p:extLst>
+      <p:ext uri="{BB962C8B-B14F-4D97-AF65-F5344CB8AC3E}">
+        <p14:creationId xmlns:p14="http://schemas.microsoft.com/office/powerpoint/2010/main" val="3413793321"/>
+      </p:ext>
+    </p:extLst>
+  </p:cSld>
+  <p:clrMapOvr>
+    <a:masterClrMapping/>
+  </p:clrMapOvr>
+</p:sld>
+</file>
+
+<file path=ppt/slides/slide19.xml><?xml version="1.0" encoding="utf-8"?>
+<p:sld xmlns:a="http://schemas.openxmlformats.org/drawingml/2006/main" xmlns:r="http://schemas.openxmlformats.org/officeDocument/2006/relationships" xmlns:p="http://schemas.openxmlformats.org/presentationml/2006/main">
+  <p:cSld>
+    <p:spTree>
+      <p:nvGrpSpPr>
+        <p:cNvPr id="1" name=""/>
+        <p:cNvGrpSpPr/>
+        <p:nvPr/>
+      </p:nvGrpSpPr>
+      <p:grpSpPr>
+        <a:xfrm>
+          <a:off x="0" y="0"/>
+          <a:ext cx="0" cy="0"/>
+          <a:chOff x="0" y="0"/>
+          <a:chExt cx="0" cy="0"/>
+        </a:xfrm>
+      </p:grpSpPr>
+      <p:sp>
+        <p:nvSpPr>
+          <p:cNvPr id="2" name="Title 1">
+            <a:extLst>
+              <a:ext uri="{FF2B5EF4-FFF2-40B4-BE49-F238E27FC236}">
+                <a16:creationId xmlns:a16="http://schemas.microsoft.com/office/drawing/2014/main" id="{5D7568B3-EC9A-45DD-8A17-CFE685194B65}"/>
+              </a:ext>
+            </a:extLst>
+          </p:cNvPr>
+          <p:cNvSpPr>
+            <a:spLocks noGrp="1"/>
+          </p:cNvSpPr>
+          <p:nvPr>
+            <p:ph type="title"/>
+          </p:nvPr>
+        </p:nvSpPr>
+        <p:spPr>
+          <a:xfrm>
+            <a:off x="838200" y="0"/>
+            <a:ext cx="10515600" cy="1325563"/>
+          </a:xfrm>
+          <a:solidFill>
+            <a:srgbClr val="2196F3"/>
+          </a:solidFill>
+        </p:spPr>
+        <p:txBody>
+          <a:bodyPr>
+            <a:normAutofit/>
+          </a:bodyPr>
+          <a:lstStyle/>
+          <a:p>
+            <a:pPr algn="ctr"/>
+            <a:r>
+              <a:rPr lang="en-GB" sz="6600" dirty="0">
+                <a:solidFill>
+                  <a:schemeClr val="bg1"/>
+                </a:solidFill>
+                <a:latin typeface="Segoe UI" panose="020B0502040204020203" pitchFamily="34" charset="0"/>
+                <a:cs typeface="Segoe UI" panose="020B0502040204020203" pitchFamily="34" charset="0"/>
+              </a:rPr>
+              <a:t>WP REST API &amp; AJAX</a:t>
+            </a:r>
+          </a:p>
+        </p:txBody>
+      </p:sp>
+      <p:sp>
+        <p:nvSpPr>
+          <p:cNvPr id="4" name="Content Placeholder 2">
+            <a:extLst>
+              <a:ext uri="{FF2B5EF4-FFF2-40B4-BE49-F238E27FC236}">
+                <a16:creationId xmlns:a16="http://schemas.microsoft.com/office/drawing/2014/main" id="{088CCB65-11B4-408B-9ED3-1304FE85032F}"/>
+              </a:ext>
+            </a:extLst>
+          </p:cNvPr>
+          <p:cNvSpPr>
+            <a:spLocks noGrp="1"/>
+          </p:cNvSpPr>
+          <p:nvPr>
+            <p:ph idx="1"/>
+          </p:nvPr>
+        </p:nvSpPr>
+        <p:spPr>
+          <a:xfrm>
+            <a:off x="838200" y="1431636"/>
+            <a:ext cx="10515600" cy="4742661"/>
+          </a:xfrm>
+        </p:spPr>
+        <p:txBody>
+          <a:bodyPr wrap="square" bIns="252000">
+            <a:normAutofit/>
           </a:bodyPr>
           <a:lstStyle/>
           <a:p>
@@ -8007,7 +8437,7 @@
                 <a:latin typeface="Segoe UI" panose="020B0502040204020203" pitchFamily="34" charset="0"/>
                 <a:cs typeface="Segoe UI" panose="020B0502040204020203" pitchFamily="34" charset="0"/>
               </a:rPr>
-              <a:t>I offer regular online workshops on Progressive Web Apps, Web Components, WP-HTML, JavaScript for WP developers and High Performance Websites. </a:t>
+              <a:t>I offer </a:t>
             </a:r>
             <a:r>
               <a:rPr lang="en-GB" sz="3200" i="1" dirty="0">
@@ -8017,13 +8447,18 @@
                 <a:latin typeface="Segoe UI" panose="020B0502040204020203" pitchFamily="34" charset="0"/>
                 <a:cs typeface="Segoe UI" panose="020B0502040204020203" pitchFamily="34" charset="0"/>
               </a:rPr>
-              <a:t>Many no-fee.</a:t>
-            </a:r>
-          </a:p>
-          <a:p>
-            <a:pPr marL="457200" lvl="1" indent="0">
-              <a:buNone/>
-            </a:pPr>
+              <a:t>many no-fee </a:t>
+            </a:r>
+            <a:r>
+              <a:rPr lang="en-GB" sz="3200" dirty="0">
+                <a:solidFill>
+                  <a:srgbClr val="2196F3"/>
+                </a:solidFill>
+                <a:latin typeface="Segoe UI" panose="020B0502040204020203" pitchFamily="34" charset="0"/>
+                <a:cs typeface="Segoe UI" panose="020B0502040204020203" pitchFamily="34" charset="0"/>
+              </a:rPr>
+              <a:t>online workshops on Progressive Web Apps, Web Components, WP-HTML, JavaScript for WP developers and High Performance Websites. </a:t>
+            </a:r>
             <a:endParaRPr lang="en-GB" sz="1900" dirty="0">
               <a:solidFill>
                 <a:srgbClr val="2196F3"/>
@@ -9005,13 +9440,13 @@
         </p:nvSpPr>
         <p:spPr>
           <a:xfrm>
-            <a:off x="838200" y="1775290"/>
-            <a:ext cx="10515600" cy="4399007"/>
+            <a:off x="838200" y="1325563"/>
+            <a:ext cx="10515600" cy="5001346"/>
           </a:xfrm>
         </p:spPr>
         <p:txBody>
           <a:bodyPr wrap="square" bIns="252000">
-            <a:normAutofit lnSpcReduction="10000"/>
+            <a:normAutofit fontScale="62500" lnSpcReduction="20000"/>
           </a:bodyPr>
           <a:lstStyle/>
           <a:p>
@@ -9039,7 +9474,14 @@
             </a:endParaRPr>
           </a:p>
           <a:p>
-            <a:pPr lvl="1"/>
+            <a:pPr lvl="1">
+              <a:lnSpc>
+                <a:spcPct val="110000"/>
+              </a:lnSpc>
+              <a:spcBef>
+                <a:spcPts val="1200"/>
+              </a:spcBef>
+            </a:pPr>
             <a:r>
               <a:rPr lang="en-GB" sz="2800" dirty="0">
                 <a:solidFill>
@@ -9052,7 +9494,14 @@
             </a:r>
           </a:p>
           <a:p>
-            <a:pPr lvl="1"/>
+            <a:pPr lvl="1">
+              <a:lnSpc>
+                <a:spcPct val="110000"/>
+              </a:lnSpc>
+              <a:spcBef>
+                <a:spcPts val="1200"/>
+              </a:spcBef>
+            </a:pPr>
             <a:r>
               <a:rPr lang="en-GB" sz="2800" dirty="0">
                 <a:solidFill>
@@ -9065,7 +9514,14 @@
             </a:r>
           </a:p>
           <a:p>
-            <a:pPr lvl="1"/>
+            <a:pPr lvl="1">
+              <a:lnSpc>
+                <a:spcPct val="110000"/>
+              </a:lnSpc>
+              <a:spcBef>
+                <a:spcPts val="1200"/>
+              </a:spcBef>
+            </a:pPr>
             <a:r>
               <a:rPr lang="en-GB" sz="2800" dirty="0">
                 <a:solidFill>
@@ -9078,7 +9534,14 @@
             </a:r>
           </a:p>
           <a:p>
-            <a:pPr lvl="1"/>
+            <a:pPr lvl="1">
+              <a:lnSpc>
+                <a:spcPct val="110000"/>
+              </a:lnSpc>
+              <a:spcBef>
+                <a:spcPts val="1200"/>
+              </a:spcBef>
+            </a:pPr>
             <a:r>
               <a:rPr lang="en-GB" sz="2800" dirty="0">
                 <a:solidFill>
@@ -9091,56 +9554,102 @@
             </a:r>
           </a:p>
           <a:p>
-            <a:pPr lvl="1"/>
+            <a:pPr lvl="1">
+              <a:lnSpc>
+                <a:spcPct val="110000"/>
+              </a:lnSpc>
+              <a:spcBef>
+                <a:spcPts val="1200"/>
+              </a:spcBef>
+            </a:pPr>
             <a:r>
               <a:rPr lang="en-GB" sz="2800" dirty="0">
                 <a:solidFill>
-                  <a:srgbClr val="2196F3"/>
+                  <a:schemeClr val="accent6">
+                    <a:lumMod val="75000"/>
+                  </a:schemeClr>
                 </a:solidFill>
                 <a:latin typeface="Segoe UI" panose="020B0502040204020203" pitchFamily="34" charset="0"/>
                 <a:cs typeface="Segoe UI" panose="020B0502040204020203" pitchFamily="34" charset="0"/>
               </a:rPr>
-              <a:t>Currently PWAs(offline/instant websites), Web Components, WP-HTML and Web Optimisation.</a:t>
-            </a:r>
-          </a:p>
-          <a:p>
-            <a:pPr lvl="1"/>
-            <a:r>
-              <a:rPr lang="en-GB" sz="2800" dirty="0" err="1">
-                <a:solidFill>
-                  <a:srgbClr val="2196F3"/>
+              <a:t>Currently PWAs(offline/instant websites), Web Components, WP-HTML and Web Speed Optimisation.</a:t>
+            </a:r>
+          </a:p>
+          <a:p>
+            <a:pPr lvl="1">
+              <a:lnSpc>
+                <a:spcPct val="110000"/>
+              </a:lnSpc>
+              <a:spcBef>
+                <a:spcPts val="1200"/>
+              </a:spcBef>
+            </a:pPr>
+            <a:r>
+              <a:rPr lang="en-GB" sz="2800" dirty="0">
+                <a:solidFill>
+                  <a:schemeClr val="accent6">
+                    <a:lumMod val="75000"/>
+                  </a:schemeClr>
                 </a:solidFill>
                 <a:latin typeface="Segoe UI" panose="020B0502040204020203" pitchFamily="34" charset="0"/>
                 <a:cs typeface="Segoe UI" panose="020B0502040204020203" pitchFamily="34" charset="0"/>
               </a:rPr>
-              <a:t>Volounteer</a:t>
-            </a:r>
+              <a:t>WordPress as a Function as a Service or Micro Front End Application for any HTML site.</a:t>
+            </a:r>
+          </a:p>
+          <a:p>
+            <a:pPr lvl="1">
+              <a:lnSpc>
+                <a:spcPct val="110000"/>
+              </a:lnSpc>
+              <a:spcBef>
+                <a:spcPts val="1200"/>
+              </a:spcBef>
+            </a:pPr>
             <a:r>
               <a:rPr lang="en-GB" sz="2800" dirty="0">
                 <a:solidFill>
-                  <a:srgbClr val="2196F3"/>
+                  <a:schemeClr val="accent6">
+                    <a:lumMod val="75000"/>
+                  </a:schemeClr>
                 </a:solidFill>
                 <a:latin typeface="Segoe UI" panose="020B0502040204020203" pitchFamily="34" charset="0"/>
                 <a:cs typeface="Segoe UI" panose="020B0502040204020203" pitchFamily="34" charset="0"/>
               </a:rPr>
-              <a:t> coach at Codebar.io</a:t>
-            </a:r>
-          </a:p>
-          <a:p>
-            <a:pPr lvl="1"/>
+              <a:t>Developing 1-3 hour training seminars for companies and groups, many on a no-fee basis.</a:t>
+            </a:r>
+          </a:p>
+          <a:p>
+            <a:pPr lvl="1">
+              <a:lnSpc>
+                <a:spcPct val="110000"/>
+              </a:lnSpc>
+              <a:spcBef>
+                <a:spcPts val="1200"/>
+              </a:spcBef>
+            </a:pPr>
             <a:r>
               <a:rPr lang="en-GB" sz="2800" dirty="0">
                 <a:solidFill>
-                  <a:srgbClr val="2196F3"/>
+                  <a:schemeClr val="accent6">
+                    <a:lumMod val="75000"/>
+                  </a:schemeClr>
                 </a:solidFill>
                 <a:latin typeface="Segoe UI" panose="020B0502040204020203" pitchFamily="34" charset="0"/>
                 <a:cs typeface="Segoe UI" panose="020B0502040204020203" pitchFamily="34" charset="0"/>
               </a:rPr>
-              <a:t>Developing 1-2 hour training seminars for companies</a:t>
-            </a:r>
-          </a:p>
-          <a:p>
-            <a:pPr lvl="1"/>
+              <a:t>Volunteer coach at Codebar.io Brighton.</a:t>
+            </a:r>
+          </a:p>
+          <a:p>
+            <a:pPr lvl="1">
+              <a:lnSpc>
+                <a:spcPct val="110000"/>
+              </a:lnSpc>
+              <a:spcBef>
+                <a:spcPts val="1200"/>
+              </a:spcBef>
+            </a:pPr>
             <a:r>
               <a:rPr lang="en-GB" sz="2800" dirty="0">
                 <a:solidFill>
@@ -9149,7 +9658,7 @@
                 <a:latin typeface="Segoe UI" panose="020B0502040204020203" pitchFamily="34" charset="0"/>
                 <a:cs typeface="Segoe UI" panose="020B0502040204020203" pitchFamily="34" charset="0"/>
               </a:rPr>
-              <a:t>Still just as ‘student’!</a:t>
+              <a:t>Still just as ‘student’! Love learning – love teaching!</a:t>
             </a:r>
           </a:p>
           <a:p>
@@ -9307,35 +9816,20 @@
         </p:nvSpPr>
         <p:spPr>
           <a:xfrm>
-            <a:off x="838200" y="1775291"/>
-            <a:ext cx="10515600" cy="4399007"/>
+            <a:off x="838200" y="1325563"/>
+            <a:ext cx="10515600" cy="5001346"/>
           </a:xfrm>
         </p:spPr>
         <p:txBody>
           <a:bodyPr wrap="square" bIns="252000">
-            <a:normAutofit lnSpcReduction="10000"/>
+            <a:normAutofit/>
           </a:bodyPr>
           <a:lstStyle/>
           <a:p>
             <a:pPr marL="457200" lvl="1" indent="0">
               <a:buNone/>
             </a:pPr>
-            <a:r>
-              <a:rPr lang="en-GB" sz="5100" dirty="0">
-                <a:solidFill>
-                  <a:srgbClr val="2196F3"/>
-                </a:solidFill>
-                <a:latin typeface="Segoe UI" panose="020B0502040204020203" pitchFamily="34" charset="0"/>
-                <a:cs typeface="Segoe UI" panose="020B0502040204020203" pitchFamily="34" charset="0"/>
-              </a:rPr>
-              <a:t>DESIRED OUTCOMES:</a:t>
-            </a:r>
-          </a:p>
-          <a:p>
-            <a:pPr marL="457200" lvl="1" indent="0">
-              <a:buNone/>
-            </a:pPr>
-            <a:endParaRPr lang="en-GB" sz="100" dirty="0">
+            <a:endParaRPr lang="en-GB" sz="1000" dirty="0">
               <a:solidFill>
                 <a:srgbClr val="2196F3"/>
               </a:solidFill>
@@ -9344,107 +9838,191 @@
             </a:endParaRPr>
           </a:p>
           <a:p>
-            <a:pPr lvl="1"/>
-            <a:r>
-              <a:rPr lang="en-GB" sz="2800" dirty="0">
-                <a:solidFill>
-                  <a:srgbClr val="2196F3"/>
-                </a:solidFill>
-                <a:latin typeface="Segoe UI" panose="020B0502040204020203" pitchFamily="34" charset="0"/>
-                <a:cs typeface="Segoe UI" panose="020B0502040204020203" pitchFamily="34" charset="0"/>
-              </a:rPr>
-              <a:t>High level understand WP REST API, AJAX, JSON</a:t>
-            </a:r>
-          </a:p>
-          <a:p>
-            <a:pPr lvl="1"/>
-            <a:r>
-              <a:rPr lang="en-GB" sz="2800" dirty="0">
-                <a:solidFill>
-                  <a:srgbClr val="2196F3"/>
-                </a:solidFill>
-                <a:latin typeface="Segoe UI" panose="020B0502040204020203" pitchFamily="34" charset="0"/>
-                <a:cs typeface="Segoe UI" panose="020B0502040204020203" pitchFamily="34" charset="0"/>
-              </a:rPr>
-              <a:t>Creation of custom WP REST API Endpoints</a:t>
-            </a:r>
-          </a:p>
-          <a:p>
-            <a:pPr lvl="1"/>
-            <a:r>
-              <a:rPr lang="en-GB" sz="2800" dirty="0">
-                <a:solidFill>
-                  <a:srgbClr val="2196F3"/>
-                </a:solidFill>
-                <a:latin typeface="Segoe UI" panose="020B0502040204020203" pitchFamily="34" charset="0"/>
-                <a:cs typeface="Segoe UI" panose="020B0502040204020203" pitchFamily="34" charset="0"/>
-              </a:rPr>
-              <a:t>Use them for GET/POST requests</a:t>
-            </a:r>
-          </a:p>
-          <a:p>
-            <a:pPr lvl="1"/>
-            <a:r>
-              <a:rPr lang="en-GB" sz="2800" dirty="0">
-                <a:solidFill>
-                  <a:srgbClr val="2196F3"/>
-                </a:solidFill>
-                <a:latin typeface="Segoe UI" panose="020B0502040204020203" pitchFamily="34" charset="0"/>
-                <a:cs typeface="Segoe UI" panose="020B0502040204020203" pitchFamily="34" charset="0"/>
-              </a:rPr>
-              <a:t>Create forms that use these Endpoints</a:t>
-            </a:r>
-          </a:p>
-          <a:p>
-            <a:pPr lvl="1"/>
-            <a:r>
-              <a:rPr lang="en-GB" sz="2800" dirty="0">
-                <a:solidFill>
-                  <a:srgbClr val="2196F3"/>
-                </a:solidFill>
-                <a:latin typeface="Segoe UI" panose="020B0502040204020203" pitchFamily="34" charset="0"/>
-                <a:cs typeface="Segoe UI" panose="020B0502040204020203" pitchFamily="34" charset="0"/>
-              </a:rPr>
-              <a:t>Secure forms with WP NONCE</a:t>
-            </a:r>
-          </a:p>
-          <a:p>
-            <a:pPr lvl="1"/>
-            <a:r>
-              <a:rPr lang="en-GB" sz="2800" dirty="0">
-                <a:solidFill>
-                  <a:srgbClr val="2196F3"/>
-                </a:solidFill>
-                <a:latin typeface="Segoe UI" panose="020B0502040204020203" pitchFamily="34" charset="0"/>
-                <a:cs typeface="Segoe UI" panose="020B0502040204020203" pitchFamily="34" charset="0"/>
-              </a:rPr>
-              <a:t>Decoupled/Headless WP – handling authentication</a:t>
-            </a:r>
-          </a:p>
-          <a:p>
-            <a:pPr lvl="1"/>
-            <a:r>
-              <a:rPr lang="en-GB" sz="2800" dirty="0">
-                <a:solidFill>
-                  <a:srgbClr val="2196F3"/>
-                </a:solidFill>
-                <a:latin typeface="Segoe UI" panose="020B0502040204020203" pitchFamily="34" charset="0"/>
-                <a:cs typeface="Segoe UI" panose="020B0502040204020203" pitchFamily="34" charset="0"/>
-              </a:rPr>
-              <a:t>Offline WP sites</a:t>
-            </a:r>
-          </a:p>
-          <a:p>
-            <a:pPr lvl="1"/>
-            <a:r>
-              <a:rPr lang="en-GB" sz="2800" dirty="0">
-                <a:solidFill>
-                  <a:srgbClr val="2196F3"/>
-                </a:solidFill>
-                <a:latin typeface="Segoe UI" panose="020B0502040204020203" pitchFamily="34" charset="0"/>
-                <a:cs typeface="Segoe UI" panose="020B0502040204020203" pitchFamily="34" charset="0"/>
-              </a:rPr>
-              <a:t>WP HTML PLUGINS – plugins/widgets in other HTML sites</a:t>
+            <a:pPr marL="457200" lvl="1" indent="0">
+              <a:buNone/>
+            </a:pPr>
+            <a:endParaRPr lang="en-GB" sz="1050" dirty="0">
+              <a:solidFill>
+                <a:srgbClr val="2196F3"/>
+              </a:solidFill>
+              <a:latin typeface="Segoe UI" panose="020B0502040204020203" pitchFamily="34" charset="0"/>
+              <a:cs typeface="Segoe UI" panose="020B0502040204020203" pitchFamily="34" charset="0"/>
+            </a:endParaRPr>
+          </a:p>
+          <a:p>
+            <a:r>
+              <a:rPr lang="en-GB" sz="2200" dirty="0">
+                <a:solidFill>
+                  <a:srgbClr val="0070C0"/>
+                </a:solidFill>
+              </a:rPr>
+              <a:t>What is the WP REST API and how can I use it to make forms and pages that don’t need to do be reloaded? - </a:t>
+            </a:r>
+            <a:r>
+              <a:rPr lang="en-GB" sz="2200" dirty="0" err="1">
+                <a:solidFill>
+                  <a:srgbClr val="0070C0"/>
+                </a:solidFill>
+              </a:rPr>
+              <a:t>WordUp</a:t>
+            </a:r>
+            <a:r>
+              <a:rPr lang="en-GB" sz="2200" dirty="0">
+                <a:solidFill>
+                  <a:srgbClr val="0070C0"/>
+                </a:solidFill>
+              </a:rPr>
+              <a:t> Brighton May 2020.</a:t>
+            </a:r>
+          </a:p>
+          <a:p>
+            <a:r>
+              <a:rPr lang="en-GB" sz="2200" dirty="0">
+                <a:solidFill>
+                  <a:srgbClr val="0070C0"/>
+                </a:solidFill>
+              </a:rPr>
+              <a:t>WORKSHOP: WordPress REST API and AJAX Forms - WordCamp Geneva March 2020 [EVENT CANCELLED due to virus concerns :( ]</a:t>
+            </a:r>
+          </a:p>
+          <a:p>
+            <a:r>
+              <a:rPr lang="en-GB" sz="2200" dirty="0">
+                <a:solidFill>
+                  <a:srgbClr val="0070C0"/>
+                </a:solidFill>
+              </a:rPr>
+              <a:t>TALK - WP-HTML: The marriage of WP and JS Frameworks for expansion, ubiquity and profit - </a:t>
+            </a:r>
+            <a:r>
+              <a:rPr lang="en-GB" sz="2200" b="1" dirty="0">
+                <a:solidFill>
+                  <a:srgbClr val="0070C0"/>
+                </a:solidFill>
+              </a:rPr>
+              <a:t>WordCamp Vienna February 2020</a:t>
+            </a:r>
+            <a:r>
+              <a:rPr lang="en-GB" sz="2200" dirty="0">
+                <a:solidFill>
+                  <a:srgbClr val="0070C0"/>
+                </a:solidFill>
+              </a:rPr>
+              <a:t>.</a:t>
+            </a:r>
+          </a:p>
+          <a:p>
+            <a:r>
+              <a:rPr lang="en-GB" sz="2200" dirty="0">
+                <a:solidFill>
+                  <a:srgbClr val="0070C0"/>
+                </a:solidFill>
+              </a:rPr>
+              <a:t>WORKSHOP: WordPress REST API - WordCamp Vienna February 2020.</a:t>
+            </a:r>
+          </a:p>
+          <a:p>
+            <a:r>
+              <a:rPr lang="en-GB" sz="2200" dirty="0">
+                <a:solidFill>
+                  <a:srgbClr val="0070C0"/>
+                </a:solidFill>
+              </a:rPr>
+              <a:t>Progressive Web Apps - Brighton </a:t>
+            </a:r>
+            <a:r>
+              <a:rPr lang="en-GB" sz="2200" dirty="0" err="1">
+                <a:solidFill>
+                  <a:srgbClr val="0070C0"/>
+                </a:solidFill>
+              </a:rPr>
+              <a:t>WordUp</a:t>
+            </a:r>
+            <a:r>
+              <a:rPr lang="en-GB" sz="2200" dirty="0">
+                <a:solidFill>
+                  <a:srgbClr val="0070C0"/>
+                </a:solidFill>
+              </a:rPr>
+              <a:t> November 2019.</a:t>
+            </a:r>
+          </a:p>
+          <a:p>
+            <a:r>
+              <a:rPr lang="en-GB" sz="2200" dirty="0">
+                <a:solidFill>
+                  <a:srgbClr val="0070C0"/>
+                </a:solidFill>
+              </a:rPr>
+              <a:t>Decoupled WordPress (code along style) - </a:t>
+            </a:r>
+            <a:r>
+              <a:rPr lang="en-GB" sz="2200" b="1" dirty="0">
+                <a:solidFill>
+                  <a:srgbClr val="0070C0"/>
+                </a:solidFill>
+              </a:rPr>
+              <a:t>WordCamp Dublin October 2019</a:t>
+            </a:r>
+            <a:r>
+              <a:rPr lang="en-GB" sz="2200" dirty="0">
+                <a:solidFill>
+                  <a:srgbClr val="0070C0"/>
+                </a:solidFill>
+              </a:rPr>
+              <a:t>.</a:t>
+            </a:r>
+          </a:p>
+          <a:p>
+            <a:r>
+              <a:rPr lang="en-GB" sz="2200" dirty="0">
+                <a:solidFill>
+                  <a:srgbClr val="0070C0"/>
+                </a:solidFill>
+              </a:rPr>
+              <a:t>JWT and Authentication - </a:t>
+            </a:r>
+            <a:r>
+              <a:rPr lang="en-GB" sz="2200" dirty="0" err="1">
+                <a:solidFill>
+                  <a:srgbClr val="0070C0"/>
+                </a:solidFill>
+              </a:rPr>
+              <a:t>WPHooked</a:t>
+            </a:r>
+            <a:r>
+              <a:rPr lang="en-GB" sz="2200" dirty="0">
+                <a:solidFill>
+                  <a:srgbClr val="0070C0"/>
+                </a:solidFill>
+              </a:rPr>
+              <a:t> London September 2019.</a:t>
+            </a:r>
+          </a:p>
+          <a:p>
+            <a:r>
+              <a:rPr lang="en-GB" sz="2200" dirty="0">
+                <a:solidFill>
+                  <a:srgbClr val="0070C0"/>
+                </a:solidFill>
+              </a:rPr>
+              <a:t>Decoupled WordPress and WP Components - </a:t>
+            </a:r>
+            <a:r>
+              <a:rPr lang="en-GB" sz="2200" b="1" dirty="0">
+                <a:solidFill>
+                  <a:srgbClr val="0070C0"/>
+                </a:solidFill>
+              </a:rPr>
+              <a:t>WordCamp Brighton August 2019</a:t>
+            </a:r>
+            <a:r>
+              <a:rPr lang="en-GB" sz="2200" dirty="0">
+                <a:solidFill>
+                  <a:srgbClr val="0070C0"/>
+                </a:solidFill>
+              </a:rPr>
+              <a:t>.</a:t>
             </a:r>
           </a:p>
           <a:p>
@@ -9476,6 +10054,18 @@
               <a:buNone/>
             </a:pPr>
             <a:endParaRPr lang="en-GB" sz="6700" dirty="0">
+              <a:solidFill>
+                <a:srgbClr val="2196F3"/>
+              </a:solidFill>
+              <a:latin typeface="Segoe UI" panose="020B0502040204020203" pitchFamily="34" charset="0"/>
+              <a:cs typeface="Segoe UI" panose="020B0502040204020203" pitchFamily="34" charset="0"/>
+            </a:endParaRPr>
+          </a:p>
+          <a:p>
+            <a:pPr marL="457200" lvl="1" indent="0">
+              <a:buNone/>
+            </a:pPr>
+            <a:endParaRPr lang="en-GB" sz="6700" dirty="0">
               <a:latin typeface="Segoe UI" panose="020B0502040204020203" pitchFamily="34" charset="0"/>
               <a:cs typeface="Segoe UI" panose="020B0502040204020203" pitchFamily="34" charset="0"/>
             </a:endParaRPr>
@@ -9500,7 +10090,7 @@
     </p:spTree>
     <p:extLst>
       <p:ext uri="{BB962C8B-B14F-4D97-AF65-F5344CB8AC3E}">
-        <p14:creationId xmlns:p14="http://schemas.microsoft.com/office/powerpoint/2010/main" val="116458250"/>
+        <p14:creationId xmlns:p14="http://schemas.microsoft.com/office/powerpoint/2010/main" val="2972891001"/>
       </p:ext>
     </p:extLst>
   </p:cSld>
@@ -9590,67 +10180,35 @@
         </p:nvSpPr>
         <p:spPr>
           <a:xfrm>
-            <a:off x="838200" y="1442781"/>
-            <a:ext cx="10515600" cy="4967255"/>
+            <a:off x="838200" y="1445636"/>
+            <a:ext cx="10515600" cy="4848735"/>
           </a:xfrm>
         </p:spPr>
         <p:txBody>
           <a:bodyPr wrap="square" bIns="252000">
-            <a:normAutofit/>
+            <a:normAutofit fontScale="92500" lnSpcReduction="20000"/>
           </a:bodyPr>
           <a:lstStyle/>
           <a:p>
             <a:pPr marL="457200" lvl="1" indent="0">
               <a:buNone/>
             </a:pPr>
-            <a:endParaRPr lang="en-GB" sz="5100">
-              <a:solidFill>
-                <a:srgbClr val="FF0000"/>
-              </a:solidFill>
-              <a:latin typeface="Segoe UI" panose="020B0502040204020203" pitchFamily="34" charset="0"/>
-              <a:cs typeface="Segoe UI" panose="020B0502040204020203" pitchFamily="34" charset="0"/>
-            </a:endParaRPr>
-          </a:p>
-          <a:p>
-            <a:pPr marL="457200" lvl="1" indent="0">
-              <a:buNone/>
-            </a:pPr>
-            <a:r>
-              <a:rPr lang="en-GB" sz="5100">
-                <a:solidFill>
-                  <a:srgbClr val="FF0000"/>
+            <a:r>
+              <a:rPr lang="en-GB" sz="5100" dirty="0">
+                <a:solidFill>
+                  <a:srgbClr val="2196F3"/>
                 </a:solidFill>
                 <a:latin typeface="Segoe UI" panose="020B0502040204020203" pitchFamily="34" charset="0"/>
                 <a:cs typeface="Segoe UI" panose="020B0502040204020203" pitchFamily="34" charset="0"/>
               </a:rPr>
-              <a:t>REALISTIC</a:t>
-            </a:r>
-            <a:r>
-              <a:rPr lang="en-GB" sz="5100">
-                <a:solidFill>
-                  <a:srgbClr val="2196F3"/>
-                </a:solidFill>
-                <a:latin typeface="Segoe UI" panose="020B0502040204020203" pitchFamily="34" charset="0"/>
-                <a:cs typeface="Segoe UI" panose="020B0502040204020203" pitchFamily="34" charset="0"/>
-              </a:rPr>
-              <a:t> </a:t>
-            </a:r>
-            <a:r>
-              <a:rPr lang="en-GB" sz="5100" dirty="0">
-                <a:solidFill>
-                  <a:srgbClr val="2196F3"/>
-                </a:solidFill>
-                <a:latin typeface="Segoe UI" panose="020B0502040204020203" pitchFamily="34" charset="0"/>
-                <a:cs typeface="Segoe UI" panose="020B0502040204020203" pitchFamily="34" charset="0"/>
-              </a:rPr>
-              <a:t>OUTCOMES:</a:t>
+              <a:t>DESIRABLE OUTCOMES:</a:t>
             </a:r>
           </a:p>
           <a:p>
             <a:pPr marL="457200" lvl="1" indent="0">
               <a:buNone/>
             </a:pPr>
-            <a:endParaRPr lang="en-GB" sz="1050" dirty="0">
+            <a:endParaRPr lang="en-GB" sz="100" dirty="0">
               <a:solidFill>
                 <a:srgbClr val="2196F3"/>
               </a:solidFill>
@@ -9659,7 +10217,11 @@
             </a:endParaRPr>
           </a:p>
           <a:p>
-            <a:pPr lvl="1"/>
+            <a:pPr lvl="1">
+              <a:spcBef>
+                <a:spcPts val="1200"/>
+              </a:spcBef>
+            </a:pPr>
             <a:r>
               <a:rPr lang="en-GB" sz="2800" dirty="0">
                 <a:solidFill>
@@ -9668,11 +10230,15 @@
                 <a:latin typeface="Segoe UI" panose="020B0502040204020203" pitchFamily="34" charset="0"/>
                 <a:cs typeface="Segoe UI" panose="020B0502040204020203" pitchFamily="34" charset="0"/>
               </a:rPr>
-              <a:t>A lot to take in and digest in 30 mins.</a:t>
-            </a:r>
-          </a:p>
-          <a:p>
-            <a:pPr lvl="1"/>
+              <a:t>High level understand WP REST API, AJAX, JSON.</a:t>
+            </a:r>
+          </a:p>
+          <a:p>
+            <a:pPr lvl="1">
+              <a:spcBef>
+                <a:spcPts val="1200"/>
+              </a:spcBef>
+            </a:pPr>
             <a:r>
               <a:rPr lang="en-GB" sz="2800" dirty="0">
                 <a:solidFill>
@@ -9681,11 +10247,15 @@
                 <a:latin typeface="Segoe UI" panose="020B0502040204020203" pitchFamily="34" charset="0"/>
                 <a:cs typeface="Segoe UI" panose="020B0502040204020203" pitchFamily="34" charset="0"/>
               </a:rPr>
-              <a:t>Slides, workbook and site code available.</a:t>
-            </a:r>
-          </a:p>
-          <a:p>
-            <a:pPr lvl="1"/>
+              <a:t>Creation of custom WP REST API Endpoints.</a:t>
+            </a:r>
+          </a:p>
+          <a:p>
+            <a:pPr lvl="1">
+              <a:spcBef>
+                <a:spcPts val="1200"/>
+              </a:spcBef>
+            </a:pPr>
             <a:r>
               <a:rPr lang="en-GB" sz="2800" dirty="0">
                 <a:solidFill>
@@ -9694,21 +10264,32 @@
                 <a:latin typeface="Segoe UI" panose="020B0502040204020203" pitchFamily="34" charset="0"/>
                 <a:cs typeface="Segoe UI" panose="020B0502040204020203" pitchFamily="34" charset="0"/>
               </a:rPr>
-              <a:t>I give regular 1-2 hour online workshops (no fee) to help WP Developers learn WP REST/AJAX.</a:t>
-            </a:r>
-          </a:p>
-          <a:p>
-            <a:pPr lvl="1"/>
-            <a:r>
-              <a:rPr lang="en-GB" sz="2800" b="1" i="1" dirty="0">
-                <a:solidFill>
-                  <a:srgbClr val="FF0000"/>
+              <a:t>Use them for GET/POST requests.</a:t>
+            </a:r>
+          </a:p>
+          <a:p>
+            <a:pPr lvl="1">
+              <a:spcBef>
+                <a:spcPts val="1200"/>
+              </a:spcBef>
+            </a:pPr>
+            <a:r>
+              <a:rPr lang="en-GB" sz="2800" dirty="0">
+                <a:solidFill>
+                  <a:srgbClr val="2196F3"/>
                 </a:solidFill>
                 <a:latin typeface="Segoe UI" panose="020B0502040204020203" pitchFamily="34" charset="0"/>
                 <a:cs typeface="Segoe UI" panose="020B0502040204020203" pitchFamily="34" charset="0"/>
               </a:rPr>
-              <a:t>Please</a:t>
-            </a:r>
+              <a:t>Create forms that use these Endpoints.</a:t>
+            </a:r>
+          </a:p>
+          <a:p>
+            <a:pPr lvl="1">
+              <a:spcBef>
+                <a:spcPts val="1200"/>
+              </a:spcBef>
+            </a:pPr>
             <a:r>
               <a:rPr lang="en-GB" sz="2800" dirty="0">
                 <a:solidFill>
@@ -9717,7 +10298,75 @@
                 <a:latin typeface="Segoe UI" panose="020B0502040204020203" pitchFamily="34" charset="0"/>
                 <a:cs typeface="Segoe UI" panose="020B0502040204020203" pitchFamily="34" charset="0"/>
               </a:rPr>
-              <a:t> contact me to learn this in more details</a:t>
+              <a:t>Secure forms with WP NONCE.</a:t>
+            </a:r>
+          </a:p>
+          <a:p>
+            <a:pPr lvl="1">
+              <a:spcBef>
+                <a:spcPts val="1200"/>
+              </a:spcBef>
+            </a:pPr>
+            <a:r>
+              <a:rPr lang="en-GB" sz="2800" dirty="0">
+                <a:solidFill>
+                  <a:srgbClr val="2196F3"/>
+                </a:solidFill>
+                <a:latin typeface="Segoe UI" panose="020B0502040204020203" pitchFamily="34" charset="0"/>
+                <a:cs typeface="Segoe UI" panose="020B0502040204020203" pitchFamily="34" charset="0"/>
+              </a:rPr>
+              <a:t>Decoupled/Headless WP – handling authentication.</a:t>
+            </a:r>
+          </a:p>
+          <a:p>
+            <a:pPr lvl="1">
+              <a:spcBef>
+                <a:spcPts val="1200"/>
+              </a:spcBef>
+            </a:pPr>
+            <a:r>
+              <a:rPr lang="en-GB" sz="2800" dirty="0">
+                <a:solidFill>
+                  <a:srgbClr val="2196F3"/>
+                </a:solidFill>
+                <a:latin typeface="Segoe UI" panose="020B0502040204020203" pitchFamily="34" charset="0"/>
+                <a:cs typeface="Segoe UI" panose="020B0502040204020203" pitchFamily="34" charset="0"/>
+              </a:rPr>
+              <a:t>Offline WP sites.</a:t>
+            </a:r>
+          </a:p>
+          <a:p>
+            <a:pPr lvl="1">
+              <a:spcBef>
+                <a:spcPts val="1200"/>
+              </a:spcBef>
+            </a:pPr>
+            <a:r>
+              <a:rPr lang="en-GB" sz="2800" dirty="0">
+                <a:solidFill>
+                  <a:srgbClr val="2196F3"/>
+                </a:solidFill>
+                <a:latin typeface="Segoe UI" panose="020B0502040204020203" pitchFamily="34" charset="0"/>
+                <a:cs typeface="Segoe UI" panose="020B0502040204020203" pitchFamily="34" charset="0"/>
+              </a:rPr>
+              <a:t>‘Instant pages’ – brain interprets instant if &lt; 100ms.</a:t>
+            </a:r>
+          </a:p>
+          <a:p>
+            <a:pPr lvl="1">
+              <a:spcBef>
+                <a:spcPts val="1200"/>
+              </a:spcBef>
+            </a:pPr>
+            <a:r>
+              <a:rPr lang="en-GB" sz="2800" dirty="0">
+                <a:solidFill>
+                  <a:srgbClr val="2196F3"/>
+                </a:solidFill>
+                <a:latin typeface="Segoe UI" panose="020B0502040204020203" pitchFamily="34" charset="0"/>
+                <a:cs typeface="Segoe UI" panose="020B0502040204020203" pitchFamily="34" charset="0"/>
+              </a:rPr>
+              <a:t>WP HTML PLUGINS – plugins/widgets in other HTML sites.</a:t>
             </a:r>
           </a:p>
           <a:p>
@@ -9773,7 +10422,7 @@
     </p:spTree>
     <p:extLst>
       <p:ext uri="{BB962C8B-B14F-4D97-AF65-F5344CB8AC3E}">
-        <p14:creationId xmlns:p14="http://schemas.microsoft.com/office/powerpoint/2010/main" val="2605959733"/>
+        <p14:creationId xmlns:p14="http://schemas.microsoft.com/office/powerpoint/2010/main" val="116458250"/>
       </p:ext>
     </p:extLst>
   </p:cSld>
@@ -9863,8 +10512,8 @@
         </p:nvSpPr>
         <p:spPr>
           <a:xfrm>
-            <a:off x="838200" y="1775290"/>
-            <a:ext cx="10515600" cy="4399007"/>
+            <a:off x="838200" y="1442781"/>
+            <a:ext cx="10515600" cy="4967255"/>
           </a:xfrm>
         </p:spPr>
         <p:txBody>
@@ -9879,27 +10528,22 @@
             <a:r>
               <a:rPr lang="en-GB" sz="5100" dirty="0">
                 <a:solidFill>
-                  <a:srgbClr val="2196F3"/>
+                  <a:srgbClr val="FF0000"/>
                 </a:solidFill>
                 <a:latin typeface="Segoe UI" panose="020B0502040204020203" pitchFamily="34" charset="0"/>
                 <a:cs typeface="Segoe UI" panose="020B0502040204020203" pitchFamily="34" charset="0"/>
               </a:rPr>
-              <a:t>What is REST?</a:t>
-            </a:r>
-          </a:p>
-          <a:p>
-            <a:pPr marL="457200" lvl="1" indent="0">
-              <a:buNone/>
-            </a:pPr>
-            <a:r>
-              <a:rPr lang="en-GB" sz="3600" dirty="0">
+              <a:t>REALISTIC</a:t>
+            </a:r>
+            <a:r>
+              <a:rPr lang="en-GB" sz="5100" dirty="0">
                 <a:solidFill>
                   <a:srgbClr val="2196F3"/>
                 </a:solidFill>
                 <a:latin typeface="Segoe UI" panose="020B0502040204020203" pitchFamily="34" charset="0"/>
                 <a:cs typeface="Segoe UI" panose="020B0502040204020203" pitchFamily="34" charset="0"/>
               </a:rPr>
-              <a:t>Representational State Transfer</a:t>
+              <a:t> OUTCOMES:</a:t>
             </a:r>
           </a:p>
           <a:p>
@@ -9919,51 +10563,19 @@
               <a:buNone/>
             </a:pPr>
             <a:r>
-              <a:rPr lang="en-GB" sz="3600" dirty="0">
+              <a:rPr lang="en-GB" sz="2800" dirty="0">
                 <a:solidFill>
                   <a:srgbClr val="2196F3"/>
                 </a:solidFill>
                 <a:latin typeface="Segoe UI" panose="020B0502040204020203" pitchFamily="34" charset="0"/>
                 <a:cs typeface="Segoe UI" panose="020B0502040204020203" pitchFamily="34" charset="0"/>
               </a:rPr>
-              <a:t>This was formulated by Roy Fielding for his thesis in 2000 to create an alternative to the SOAP method.</a:t>
-            </a:r>
-          </a:p>
-          <a:p>
-            <a:pPr marL="457200" lvl="1" indent="0">
-              <a:buNone/>
-            </a:pPr>
-            <a:r>
-              <a:rPr lang="en-GB" sz="3600" dirty="0">
-                <a:solidFill>
-                  <a:srgbClr val="2196F3"/>
-                </a:solidFill>
-                <a:latin typeface="Segoe UI" panose="020B0502040204020203" pitchFamily="34" charset="0"/>
-                <a:cs typeface="Segoe UI" panose="020B0502040204020203" pitchFamily="34" charset="0"/>
-              </a:rPr>
-              <a:t>An architectural style not a protocol.</a:t>
-            </a:r>
-          </a:p>
-          <a:p>
-            <a:pPr marL="457200" lvl="1" indent="0">
-              <a:buNone/>
-            </a:pPr>
-            <a:r>
-              <a:rPr lang="en-GB" sz="3600" dirty="0">
-                <a:solidFill>
-                  <a:srgbClr val="2196F3"/>
-                </a:solidFill>
-                <a:latin typeface="Segoe UI" panose="020B0502040204020203" pitchFamily="34" charset="0"/>
-                <a:cs typeface="Segoe UI" panose="020B0502040204020203" pitchFamily="34" charset="0"/>
-              </a:rPr>
-              <a:t>HTTP by its nature is implicitly RESTful.</a:t>
-            </a:r>
-          </a:p>
-          <a:p>
-            <a:pPr marL="457200" lvl="1" indent="0">
-              <a:buNone/>
-            </a:pPr>
-            <a:endParaRPr lang="en-GB" sz="3600" dirty="0">
+              <a:t>A lot to take in and digest in 30 mins. This will be a broad and high level overview, returning deep if time permits,</a:t>
+            </a:r>
+          </a:p>
+          <a:p>
+            <a:pPr lvl="1"/>
+            <a:endParaRPr lang="en-GB" sz="2800" dirty="0">
               <a:solidFill>
                 <a:srgbClr val="2196F3"/>
               </a:solidFill>
@@ -9972,22 +10584,109 @@
             </a:endParaRPr>
           </a:p>
           <a:p>
+            <a:pPr marL="971550" lvl="1" indent="-514350">
+              <a:spcBef>
+                <a:spcPts val="1200"/>
+              </a:spcBef>
+              <a:buFont typeface="+mj-lt"/>
+              <a:buAutoNum type="arabicPeriod"/>
+            </a:pPr>
+            <a:r>
+              <a:rPr lang="en-GB" sz="2800" dirty="0">
+                <a:solidFill>
+                  <a:srgbClr val="2196F3"/>
+                </a:solidFill>
+                <a:latin typeface="Segoe UI" panose="020B0502040204020203" pitchFamily="34" charset="0"/>
+                <a:cs typeface="Segoe UI" panose="020B0502040204020203" pitchFamily="34" charset="0"/>
+              </a:rPr>
+              <a:t>Slides, workbook and site code available.</a:t>
+            </a:r>
+          </a:p>
+          <a:p>
+            <a:pPr marL="971550" lvl="1" indent="-514350">
+              <a:spcBef>
+                <a:spcPts val="1200"/>
+              </a:spcBef>
+              <a:buFont typeface="+mj-lt"/>
+              <a:buAutoNum type="arabicPeriod"/>
+            </a:pPr>
+            <a:r>
+              <a:rPr lang="en-GB" sz="2800" dirty="0">
+                <a:solidFill>
+                  <a:srgbClr val="2196F3"/>
+                </a:solidFill>
+                <a:latin typeface="Segoe UI" panose="020B0502040204020203" pitchFamily="34" charset="0"/>
+                <a:cs typeface="Segoe UI" panose="020B0502040204020203" pitchFamily="34" charset="0"/>
+                <a:hlinkClick r:id="rId2"/>
+              </a:rPr>
+              <a:t>https://www.wp-brighton.org.uk/2020/05/may-2020-craig-west/</a:t>
+            </a:r>
+            <a:r>
+              <a:rPr lang="en-GB" sz="2800" dirty="0">
+                <a:solidFill>
+                  <a:srgbClr val="2196F3"/>
+                </a:solidFill>
+                <a:latin typeface="Segoe UI" panose="020B0502040204020203" pitchFamily="34" charset="0"/>
+                <a:cs typeface="Segoe UI" panose="020B0502040204020203" pitchFamily="34" charset="0"/>
+              </a:rPr>
+              <a:t> (recording of recent Brighton Meetup on this talk).</a:t>
+            </a:r>
+          </a:p>
+          <a:p>
+            <a:pPr marL="971550" lvl="1" indent="-514350">
+              <a:spcBef>
+                <a:spcPts val="1200"/>
+              </a:spcBef>
+              <a:buFont typeface="+mj-lt"/>
+              <a:buAutoNum type="arabicPeriod"/>
+            </a:pPr>
+            <a:r>
+              <a:rPr lang="en-GB" sz="2800" dirty="0">
+                <a:solidFill>
+                  <a:srgbClr val="2196F3"/>
+                </a:solidFill>
+                <a:latin typeface="Segoe UI" panose="020B0502040204020203" pitchFamily="34" charset="0"/>
+                <a:cs typeface="Segoe UI" panose="020B0502040204020203" pitchFamily="34" charset="0"/>
+              </a:rPr>
+              <a:t>I give regular 1-2 hour online workshops (no fee) to help WP Developers learn WP REST/AJAX.</a:t>
+            </a:r>
+          </a:p>
+          <a:p>
             <a:pPr marL="457200" lvl="1" indent="0">
               <a:buNone/>
             </a:pPr>
-            <a:r>
-              <a:rPr lang="en-GB" dirty="0">
-                <a:hlinkClick r:id="rId2"/>
-              </a:rPr>
-              <a:t>https://www.ics.uci.edu/~fielding/pubs/dissertation/rest_arch_style.htm</a:t>
-            </a:r>
-            <a:endParaRPr lang="en-GB" dirty="0">
+            <a:endParaRPr lang="en-GB" sz="2800" dirty="0">
               <a:solidFill>
                 <a:srgbClr val="2196F3"/>
               </a:solidFill>
               <a:latin typeface="Segoe UI" panose="020B0502040204020203" pitchFamily="34" charset="0"/>
               <a:cs typeface="Segoe UI" panose="020B0502040204020203" pitchFamily="34" charset="0"/>
             </a:endParaRPr>
+          </a:p>
+          <a:p>
+            <a:pPr marL="457200" lvl="1" indent="0">
+              <a:buNone/>
+            </a:pPr>
+            <a:r>
+              <a:rPr lang="en-GB" sz="2800" b="1" i="1" dirty="0">
+                <a:solidFill>
+                  <a:srgbClr val="FF0000"/>
+                </a:solidFill>
+                <a:latin typeface="Segoe UI" panose="020B0502040204020203" pitchFamily="34" charset="0"/>
+                <a:cs typeface="Segoe UI" panose="020B0502040204020203" pitchFamily="34" charset="0"/>
+              </a:rPr>
+              <a:t>Please</a:t>
+            </a:r>
+            <a:r>
+              <a:rPr lang="en-GB" sz="2800" dirty="0">
+                <a:solidFill>
+                  <a:srgbClr val="2196F3"/>
+                </a:solidFill>
+                <a:latin typeface="Segoe UI" panose="020B0502040204020203" pitchFamily="34" charset="0"/>
+                <a:cs typeface="Segoe UI" panose="020B0502040204020203" pitchFamily="34" charset="0"/>
+              </a:rPr>
+              <a:t> contact me to learn this in more details</a:t>
+            </a:r>
           </a:p>
           <a:p>
             <a:pPr marL="457200" lvl="1" indent="0">
@@ -10042,7 +10741,7 @@
     </p:spTree>
     <p:extLst>
       <p:ext uri="{BB962C8B-B14F-4D97-AF65-F5344CB8AC3E}">
-        <p14:creationId xmlns:p14="http://schemas.microsoft.com/office/powerpoint/2010/main" val="2017018934"/>
+        <p14:creationId xmlns:p14="http://schemas.microsoft.com/office/powerpoint/2010/main" val="2605959733"/>
       </p:ext>
     </p:extLst>
   </p:cSld>
@@ -10138,7 +10837,7 @@
         </p:spPr>
         <p:txBody>
           <a:bodyPr wrap="square" bIns="252000">
-            <a:normAutofit/>
+            <a:normAutofit fontScale="92500" lnSpcReduction="10000"/>
           </a:bodyPr>
           <a:lstStyle/>
           <a:p>
@@ -10153,7 +10852,22 @@
                 <a:latin typeface="Segoe UI" panose="020B0502040204020203" pitchFamily="34" charset="0"/>
                 <a:cs typeface="Segoe UI" panose="020B0502040204020203" pitchFamily="34" charset="0"/>
               </a:rPr>
-              <a:t>API:</a:t>
+              <a:t>What is REST?</a:t>
+            </a:r>
+          </a:p>
+          <a:p>
+            <a:pPr marL="457200" lvl="1" indent="0">
+              <a:buNone/>
+            </a:pPr>
+            <a:r>
+              <a:rPr lang="en-GB" sz="3600" dirty="0">
+                <a:solidFill>
+                  <a:srgbClr val="2196F3"/>
+                </a:solidFill>
+                <a:latin typeface="Segoe UI" panose="020B0502040204020203" pitchFamily="34" charset="0"/>
+                <a:cs typeface="Segoe UI" panose="020B0502040204020203" pitchFamily="34" charset="0"/>
+              </a:rPr>
+              <a:t>Representational State Transfer</a:t>
             </a:r>
           </a:p>
           <a:p>
@@ -10173,14 +10887,14 @@
               <a:buNone/>
             </a:pPr>
             <a:r>
-              <a:rPr lang="en-GB" sz="4400" dirty="0">
+              <a:rPr lang="en-GB" sz="3600" dirty="0">
                 <a:solidFill>
                   <a:srgbClr val="2196F3"/>
                 </a:solidFill>
                 <a:latin typeface="Segoe UI" panose="020B0502040204020203" pitchFamily="34" charset="0"/>
                 <a:cs typeface="Segoe UI" panose="020B0502040204020203" pitchFamily="34" charset="0"/>
               </a:rPr>
-              <a:t>Application Programming Interface</a:t>
+              <a:t>This was formulated by Roy Fielding for his thesis in 2000 to create an alternative to the SOAP method.</a:t>
             </a:r>
           </a:p>
           <a:p>
@@ -10188,15 +10902,60 @@
               <a:buNone/>
             </a:pPr>
             <a:r>
-              <a:rPr lang="en-GB" sz="4400" dirty="0">
+              <a:rPr lang="en-GB" sz="3600" dirty="0">
                 <a:solidFill>
                   <a:srgbClr val="2196F3"/>
                 </a:solidFill>
                 <a:latin typeface="Segoe UI" panose="020B0502040204020203" pitchFamily="34" charset="0"/>
                 <a:cs typeface="Segoe UI" panose="020B0502040204020203" pitchFamily="34" charset="0"/>
               </a:rPr>
-              <a:t>‘one bit of software communicating with another’</a:t>
-            </a:r>
+              <a:t>An architectural style not a protocol.</a:t>
+            </a:r>
+          </a:p>
+          <a:p>
+            <a:pPr marL="457200" lvl="1" indent="0">
+              <a:buNone/>
+            </a:pPr>
+            <a:r>
+              <a:rPr lang="en-GB" sz="3600" dirty="0">
+                <a:solidFill>
+                  <a:srgbClr val="2196F3"/>
+                </a:solidFill>
+                <a:latin typeface="Segoe UI" panose="020B0502040204020203" pitchFamily="34" charset="0"/>
+                <a:cs typeface="Segoe UI" panose="020B0502040204020203" pitchFamily="34" charset="0"/>
+              </a:rPr>
+              <a:t>HTTP by its nature is implicitly RESTful.</a:t>
+            </a:r>
+          </a:p>
+          <a:p>
+            <a:pPr marL="457200" lvl="1" indent="0">
+              <a:buNone/>
+            </a:pPr>
+            <a:endParaRPr lang="en-GB" sz="3600" dirty="0">
+              <a:solidFill>
+                <a:srgbClr val="2196F3"/>
+              </a:solidFill>
+              <a:latin typeface="Segoe UI" panose="020B0502040204020203" pitchFamily="34" charset="0"/>
+              <a:cs typeface="Segoe UI" panose="020B0502040204020203" pitchFamily="34" charset="0"/>
+            </a:endParaRPr>
+          </a:p>
+          <a:p>
+            <a:pPr marL="457200" lvl="1" indent="0">
+              <a:buNone/>
+            </a:pPr>
+            <a:r>
+              <a:rPr lang="en-GB" dirty="0">
+                <a:hlinkClick r:id="rId2"/>
+              </a:rPr>
+              <a:t>https://www.ics.uci.edu/~fielding/pubs/dissertation/rest_arch_style.htm</a:t>
+            </a:r>
+            <a:endParaRPr lang="en-GB" dirty="0">
+              <a:solidFill>
+                <a:srgbClr val="2196F3"/>
+              </a:solidFill>
+              <a:latin typeface="Segoe UI" panose="020B0502040204020203" pitchFamily="34" charset="0"/>
+              <a:cs typeface="Segoe UI" panose="020B0502040204020203" pitchFamily="34" charset="0"/>
+            </a:endParaRPr>
           </a:p>
           <a:p>
             <a:pPr marL="457200" lvl="1" indent="0">
@@ -10251,7 +11010,7 @@
     </p:spTree>
     <p:extLst>
       <p:ext uri="{BB962C8B-B14F-4D97-AF65-F5344CB8AC3E}">
-        <p14:creationId xmlns:p14="http://schemas.microsoft.com/office/powerpoint/2010/main" val="2349120303"/>
+        <p14:creationId xmlns:p14="http://schemas.microsoft.com/office/powerpoint/2010/main" val="2017018934"/>
       </p:ext>
     </p:extLst>
   </p:cSld>
@@ -10362,7 +11121,7 @@
                 <a:latin typeface="Segoe UI" panose="020B0502040204020203" pitchFamily="34" charset="0"/>
                 <a:cs typeface="Segoe UI" panose="020B0502040204020203" pitchFamily="34" charset="0"/>
               </a:rPr>
-              <a:t>ENDPOINTS:</a:t>
+              <a:t>API:</a:t>
             </a:r>
           </a:p>
           <a:p>
@@ -10389,7 +11148,7 @@
                 <a:latin typeface="Segoe UI" panose="020B0502040204020203" pitchFamily="34" charset="0"/>
                 <a:cs typeface="Segoe UI" panose="020B0502040204020203" pitchFamily="34" charset="0"/>
               </a:rPr>
-              <a:t>HTTP VERB + URL = ENDPOINT</a:t>
+              <a:t>Application Programming Interface</a:t>
             </a:r>
           </a:p>
           <a:p>
@@ -10404,55 +11163,8 @@
                 <a:latin typeface="Segoe UI" panose="020B0502040204020203" pitchFamily="34" charset="0"/>
                 <a:cs typeface="Segoe UI" panose="020B0502040204020203" pitchFamily="34" charset="0"/>
               </a:rPr>
-              <a:t>GET/POST + same URL = 2 ENDPOINTS</a:t>
-            </a:r>
-          </a:p>
-          <a:p>
-            <a:pPr marL="457200" lvl="1" indent="0">
-              <a:buNone/>
-            </a:pPr>
-            <a:endParaRPr lang="en-GB" sz="4400" dirty="0">
-              <a:solidFill>
-                <a:srgbClr val="2196F3"/>
-              </a:solidFill>
-              <a:latin typeface="Segoe UI" panose="020B0502040204020203" pitchFamily="34" charset="0"/>
-              <a:cs typeface="Segoe UI" panose="020B0502040204020203" pitchFamily="34" charset="0"/>
-            </a:endParaRPr>
-          </a:p>
-          <a:p>
-            <a:pPr marL="457200" lvl="1" indent="0">
-              <a:buNone/>
-            </a:pPr>
-            <a:r>
-              <a:rPr lang="en-GB" sz="3200" dirty="0">
-                <a:solidFill>
-                  <a:srgbClr val="2196F3"/>
-                </a:solidFill>
-                <a:hlinkClick r:id="rId2">
-                  <a:extLst>
-                    <a:ext uri="{A12FA001-AC4F-418D-AE19-62706E023703}">
-                      <ahyp:hlinkClr xmlns:ahyp="http://schemas.microsoft.com/office/drawing/2018/hyperlinkcolor" val="tx"/>
-                    </a:ext>
-                  </a:extLst>
-                </a:hlinkClick>
-              </a:rPr>
-              <a:t>https://wpjs.co.uk/wpb/wp-json/wp/v2/posts</a:t>
-            </a:r>
-            <a:r>
-              <a:rPr lang="en-GB" sz="3200" dirty="0">
-                <a:solidFill>
-                  <a:srgbClr val="2196F3"/>
-                </a:solidFill>
-              </a:rPr>
-              <a:t>  GET/POST/DELETE</a:t>
-            </a:r>
-            <a:endParaRPr lang="en-GB" sz="3200" dirty="0">
-              <a:solidFill>
-                <a:srgbClr val="2196F3"/>
-              </a:solidFill>
-              <a:latin typeface="Segoe UI" panose="020B0502040204020203" pitchFamily="34" charset="0"/>
-              <a:cs typeface="Segoe UI" panose="020B0502040204020203" pitchFamily="34" charset="0"/>
-            </a:endParaRPr>
+              <a:t>‘one bit of software communicating with another’</a:t>
+            </a:r>
           </a:p>
           <a:p>
             <a:pPr marL="457200" lvl="1" indent="0">
@@ -10507,7 +11219,7 @@
     </p:spTree>
     <p:extLst>
       <p:ext uri="{BB962C8B-B14F-4D97-AF65-F5344CB8AC3E}">
-        <p14:creationId xmlns:p14="http://schemas.microsoft.com/office/powerpoint/2010/main" val="748983604"/>
+        <p14:creationId xmlns:p14="http://schemas.microsoft.com/office/powerpoint/2010/main" val="2349120303"/>
       </p:ext>
     </p:extLst>
   </p:cSld>
@@ -10597,13 +11309,13 @@
         </p:nvSpPr>
         <p:spPr>
           <a:xfrm>
-            <a:off x="838200" y="1325563"/>
+            <a:off x="838200" y="1775290"/>
             <a:ext cx="10515600" cy="4399007"/>
           </a:xfrm>
         </p:spPr>
         <p:txBody>
           <a:bodyPr wrap="square" bIns="252000">
-            <a:normAutofit lnSpcReduction="10000"/>
+            <a:normAutofit/>
           </a:bodyPr>
           <a:lstStyle/>
           <a:p>
@@ -10618,14 +11330,14 @@
                 <a:latin typeface="Segoe UI" panose="020B0502040204020203" pitchFamily="34" charset="0"/>
                 <a:cs typeface="Segoe UI" panose="020B0502040204020203" pitchFamily="34" charset="0"/>
               </a:rPr>
-              <a:t>AJAX:</a:t>
+              <a:t>ENDPOINTS:</a:t>
             </a:r>
           </a:p>
           <a:p>
             <a:pPr marL="457200" lvl="1" indent="0">
               <a:buNone/>
             </a:pPr>
-            <a:endParaRPr lang="en-GB" sz="800" dirty="0">
+            <a:endParaRPr lang="en-GB" sz="1050" dirty="0">
               <a:solidFill>
                 <a:srgbClr val="2196F3"/>
               </a:solidFill>
@@ -10638,83 +11350,36 @@
               <a:buNone/>
             </a:pPr>
             <a:r>
-              <a:rPr lang="en-GB" sz="3200" dirty="0">
+              <a:rPr lang="en-GB" sz="4400" dirty="0">
                 <a:solidFill>
                   <a:srgbClr val="2196F3"/>
                 </a:solidFill>
-              </a:rPr>
-              <a:t>AJAX = </a:t>
-            </a:r>
-            <a:r>
-              <a:rPr lang="en-GB" sz="3200" b="1" dirty="0">
+                <a:latin typeface="Segoe UI" panose="020B0502040204020203" pitchFamily="34" charset="0"/>
+                <a:cs typeface="Segoe UI" panose="020B0502040204020203" pitchFamily="34" charset="0"/>
+              </a:rPr>
+              <a:t>HTTP VERB + URL = ENDPOINT</a:t>
+            </a:r>
+          </a:p>
+          <a:p>
+            <a:pPr marL="457200" lvl="1" indent="0">
+              <a:buNone/>
+            </a:pPr>
+            <a:r>
+              <a:rPr lang="en-GB" sz="4400" dirty="0">
                 <a:solidFill>
                   <a:srgbClr val="2196F3"/>
                 </a:solidFill>
-              </a:rPr>
-              <a:t>A</a:t>
-            </a:r>
-            <a:r>
-              <a:rPr lang="en-GB" sz="3200" dirty="0">
-                <a:solidFill>
-                  <a:srgbClr val="2196F3"/>
-                </a:solidFill>
-              </a:rPr>
-              <a:t>synchronous </a:t>
-            </a:r>
-            <a:r>
-              <a:rPr lang="en-GB" sz="3200" b="1" dirty="0">
-                <a:solidFill>
-                  <a:srgbClr val="2196F3"/>
-                </a:solidFill>
-              </a:rPr>
-              <a:t>J</a:t>
-            </a:r>
-            <a:r>
-              <a:rPr lang="en-GB" sz="3200" dirty="0">
-                <a:solidFill>
-                  <a:srgbClr val="2196F3"/>
-                </a:solidFill>
-              </a:rPr>
-              <a:t>avaScript </a:t>
-            </a:r>
-            <a:r>
-              <a:rPr lang="en-GB" sz="3200" b="1" dirty="0">
-                <a:solidFill>
-                  <a:srgbClr val="2196F3"/>
-                </a:solidFill>
-              </a:rPr>
-              <a:t>A</a:t>
-            </a:r>
-            <a:r>
-              <a:rPr lang="en-GB" sz="3200" dirty="0">
-                <a:solidFill>
-                  <a:srgbClr val="2196F3"/>
-                </a:solidFill>
-              </a:rPr>
-              <a:t>nd </a:t>
-            </a:r>
-            <a:r>
-              <a:rPr lang="en-GB" sz="3200" b="1" dirty="0">
-                <a:solidFill>
-                  <a:srgbClr val="2196F3"/>
-                </a:solidFill>
-              </a:rPr>
-              <a:t>X</a:t>
-            </a:r>
-            <a:r>
-              <a:rPr lang="en-GB" sz="3200" dirty="0">
-                <a:solidFill>
-                  <a:srgbClr val="2196F3"/>
-                </a:solidFill>
-              </a:rPr>
-              <a:t>ML.</a:t>
+                <a:latin typeface="Segoe UI" panose="020B0502040204020203" pitchFamily="34" charset="0"/>
+                <a:cs typeface="Segoe UI" panose="020B0502040204020203" pitchFamily="34" charset="0"/>
+              </a:rPr>
+              <a:t>GET/POST + same URL = 2 ENDPOINTS</a:t>
             </a:r>
           </a:p>
           <a:p>
             <a:pPr marL="457200" lvl="1" indent="0">
               <a:buNone/>
             </a:pPr>
-            <a:endParaRPr lang="en-GB" sz="1800" dirty="0">
+            <a:endParaRPr lang="en-GB" sz="4400" dirty="0">
               <a:solidFill>
                 <a:srgbClr val="2196F3"/>
               </a:solidFill>
@@ -10723,83 +11388,39 @@
             </a:endParaRPr>
           </a:p>
           <a:p>
-            <a:pPr lvl="1"/>
+            <a:pPr marL="457200" lvl="1" indent="0">
+              <a:buNone/>
+            </a:pPr>
             <a:r>
               <a:rPr lang="en-GB" sz="3200" dirty="0">
                 <a:solidFill>
                   <a:srgbClr val="2196F3"/>
                 </a:solidFill>
-              </a:rPr>
-              <a:t>Read data from a web server </a:t>
-            </a:r>
-            <a:r>
-              <a:rPr lang="en-GB" sz="3200" i="1" dirty="0">
+                <a:hlinkClick r:id="rId2">
+                  <a:extLst>
+                    <a:ext uri="{A12FA001-AC4F-418D-AE19-62706E023703}">
+                      <ahyp:hlinkClr xmlns:ahyp="http://schemas.microsoft.com/office/drawing/2018/hyperlinkcolor" val="tx"/>
+                    </a:ext>
+                  </a:extLst>
+                </a:hlinkClick>
+              </a:rPr>
+              <a:t>https://wpjs.co.uk/wpb/wp-json/wp/v2/posts</a:t>
+            </a:r>
+            <a:r>
+              <a:rPr lang="en-GB" sz="3200" dirty="0">
                 <a:solidFill>
                   <a:srgbClr val="2196F3"/>
                 </a:solidFill>
               </a:rPr>
-              <a:t>without reloading the page</a:t>
-            </a:r>
-          </a:p>
-          <a:p>
-            <a:pPr lvl="1"/>
-            <a:r>
-              <a:rPr lang="en-GB" sz="3200" dirty="0">
-                <a:solidFill>
-                  <a:srgbClr val="2196F3"/>
-                </a:solidFill>
-              </a:rPr>
-              <a:t>Update a web page</a:t>
-            </a:r>
-          </a:p>
-          <a:p>
-            <a:pPr lvl="1"/>
-            <a:r>
-              <a:rPr lang="en-GB" sz="3200" dirty="0">
-                <a:solidFill>
-                  <a:srgbClr val="2196F3"/>
-                </a:solidFill>
-              </a:rPr>
-              <a:t>Send data to a web server - in the background</a:t>
-            </a:r>
-          </a:p>
-          <a:p>
-            <a:pPr lvl="1"/>
-            <a:r>
-              <a:rPr lang="en-GB" sz="3200" dirty="0">
-                <a:solidFill>
-                  <a:srgbClr val="2196F3"/>
-                </a:solidFill>
-              </a:rPr>
-              <a:t>Many libraries like jQuery, </a:t>
-            </a:r>
-            <a:r>
-              <a:rPr lang="en-GB" sz="3200" dirty="0" err="1">
-                <a:solidFill>
-                  <a:srgbClr val="2196F3"/>
-                </a:solidFill>
-              </a:rPr>
-              <a:t>Axios</a:t>
-            </a:r>
-            <a:r>
-              <a:rPr lang="en-GB" sz="3200" dirty="0">
-                <a:solidFill>
-                  <a:srgbClr val="2196F3"/>
-                </a:solidFill>
-              </a:rPr>
-              <a:t> etc</a:t>
-            </a:r>
-          </a:p>
-          <a:p>
-            <a:pPr lvl="1"/>
-            <a:r>
-              <a:rPr lang="en-GB" sz="3200" dirty="0">
-                <a:solidFill>
-                  <a:srgbClr val="2196F3"/>
-                </a:solidFill>
-              </a:rPr>
-              <a:t>I use browser API: fetch()</a:t>
-            </a:r>
+              <a:t> - 1 URL GET/POST/DELETE - 3 ENDPOINTS</a:t>
+            </a:r>
+            <a:endParaRPr lang="en-GB" sz="3200" dirty="0">
+              <a:solidFill>
+                <a:srgbClr val="2196F3"/>
+              </a:solidFill>
+              <a:latin typeface="Segoe UI" panose="020B0502040204020203" pitchFamily="34" charset="0"/>
+              <a:cs typeface="Segoe UI" panose="020B0502040204020203" pitchFamily="34" charset="0"/>
+            </a:endParaRPr>
           </a:p>
           <a:p>
             <a:pPr marL="457200" lvl="1" indent="0">
@@ -10854,7 +11475,7 @@
     </p:spTree>
     <p:extLst>
       <p:ext uri="{BB962C8B-B14F-4D97-AF65-F5344CB8AC3E}">
-        <p14:creationId xmlns:p14="http://schemas.microsoft.com/office/powerpoint/2010/main" val="3133069735"/>
+        <p14:creationId xmlns:p14="http://schemas.microsoft.com/office/powerpoint/2010/main" val="748983604"/>
       </p:ext>
     </p:extLst>
   </p:cSld>

--- a/rest-api-workshop.pptx
+++ b/rest-api-workshop.pptx
@@ -5,29 +5,30 @@
     <p:sldMasterId id="2147483648" r:id="rId1"/>
   </p:sldMasterIdLst>
   <p:notesMasterIdLst>
-    <p:notesMasterId r:id="rId22"/>
+    <p:notesMasterId r:id="rId23"/>
   </p:notesMasterIdLst>
   <p:sldIdLst>
     <p:sldId id="264" r:id="rId2"/>
     <p:sldId id="294" r:id="rId3"/>
-    <p:sldId id="319" r:id="rId4"/>
-    <p:sldId id="317" r:id="rId5"/>
-    <p:sldId id="304" r:id="rId6"/>
-    <p:sldId id="296" r:id="rId7"/>
-    <p:sldId id="318" r:id="rId8"/>
-    <p:sldId id="299" r:id="rId9"/>
-    <p:sldId id="298" r:id="rId10"/>
-    <p:sldId id="297" r:id="rId11"/>
-    <p:sldId id="300" r:id="rId12"/>
-    <p:sldId id="302" r:id="rId13"/>
-    <p:sldId id="315" r:id="rId14"/>
-    <p:sldId id="316" r:id="rId15"/>
-    <p:sldId id="305" r:id="rId16"/>
-    <p:sldId id="313" r:id="rId17"/>
+    <p:sldId id="317" r:id="rId4"/>
+    <p:sldId id="304" r:id="rId5"/>
+    <p:sldId id="296" r:id="rId6"/>
+    <p:sldId id="318" r:id="rId7"/>
+    <p:sldId id="299" r:id="rId8"/>
+    <p:sldId id="298" r:id="rId9"/>
+    <p:sldId id="297" r:id="rId10"/>
+    <p:sldId id="300" r:id="rId11"/>
+    <p:sldId id="302" r:id="rId12"/>
+    <p:sldId id="315" r:id="rId13"/>
+    <p:sldId id="316" r:id="rId14"/>
+    <p:sldId id="305" r:id="rId15"/>
+    <p:sldId id="313" r:id="rId16"/>
+    <p:sldId id="262" r:id="rId17"/>
     <p:sldId id="314" r:id="rId18"/>
     <p:sldId id="309" r:id="rId19"/>
     <p:sldId id="310" r:id="rId20"/>
     <p:sldId id="311" r:id="rId21"/>
+    <p:sldId id="319" r:id="rId22"/>
   </p:sldIdLst>
   <p:sldSz cx="12192000" cy="6858000"/>
   <p:notesSz cx="6858000" cy="9144000"/>
@@ -133,7 +134,6 @@
           <p14:sldIdLst>
             <p14:sldId id="264"/>
             <p14:sldId id="294"/>
-            <p14:sldId id="319"/>
             <p14:sldId id="317"/>
             <p14:sldId id="304"/>
             <p14:sldId id="296"/>
@@ -147,10 +147,12 @@
             <p14:sldId id="316"/>
             <p14:sldId id="305"/>
             <p14:sldId id="313"/>
+            <p14:sldId id="262"/>
             <p14:sldId id="314"/>
             <p14:sldId id="309"/>
             <p14:sldId id="310"/>
             <p14:sldId id="311"/>
+            <p14:sldId id="319"/>
           </p14:sldIdLst>
         </p14:section>
       </p14:sectionLst>
@@ -4259,35 +4261,20 @@
         </p:nvSpPr>
         <p:spPr>
           <a:xfrm>
-            <a:off x="838200" y="1775290"/>
+            <a:off x="838200" y="1325563"/>
             <a:ext cx="10515600" cy="4399007"/>
           </a:xfrm>
         </p:spPr>
         <p:txBody>
           <a:bodyPr wrap="square" bIns="252000">
-            <a:normAutofit/>
+            <a:normAutofit fontScale="92500" lnSpcReduction="20000"/>
           </a:bodyPr>
           <a:lstStyle/>
           <a:p>
             <a:pPr marL="457200" lvl="1" indent="0">
               <a:buNone/>
             </a:pPr>
-            <a:r>
-              <a:rPr lang="en-GB" sz="5100" dirty="0">
-                <a:solidFill>
-                  <a:srgbClr val="2196F3"/>
-                </a:solidFill>
-                <a:latin typeface="Segoe UI" panose="020B0502040204020203" pitchFamily="34" charset="0"/>
-                <a:cs typeface="Segoe UI" panose="020B0502040204020203" pitchFamily="34" charset="0"/>
-              </a:rPr>
-              <a:t>ENDPOINTS:</a:t>
-            </a:r>
-          </a:p>
-          <a:p>
-            <a:pPr marL="457200" lvl="1" indent="0">
-              <a:buNone/>
-            </a:pPr>
-            <a:endParaRPr lang="en-GB" sz="1050" dirty="0">
+            <a:endParaRPr lang="en-GB" sz="5100" dirty="0">
               <a:solidFill>
                 <a:srgbClr val="2196F3"/>
               </a:solidFill>
@@ -4300,36 +4287,21 @@
               <a:buNone/>
             </a:pPr>
             <a:r>
-              <a:rPr lang="en-GB" sz="4400" dirty="0">
+              <a:rPr lang="en-GB" sz="5100" dirty="0">
                 <a:solidFill>
                   <a:srgbClr val="2196F3"/>
                 </a:solidFill>
                 <a:latin typeface="Segoe UI" panose="020B0502040204020203" pitchFamily="34" charset="0"/>
                 <a:cs typeface="Segoe UI" panose="020B0502040204020203" pitchFamily="34" charset="0"/>
               </a:rPr>
-              <a:t>HTTP VERB + URL = ENDPOINT</a:t>
+              <a:t>AJAX:</a:t>
             </a:r>
           </a:p>
           <a:p>
             <a:pPr marL="457200" lvl="1" indent="0">
               <a:buNone/>
             </a:pPr>
-            <a:r>
-              <a:rPr lang="en-GB" sz="4400" dirty="0">
-                <a:solidFill>
-                  <a:srgbClr val="2196F3"/>
-                </a:solidFill>
-                <a:latin typeface="Segoe UI" panose="020B0502040204020203" pitchFamily="34" charset="0"/>
-                <a:cs typeface="Segoe UI" panose="020B0502040204020203" pitchFamily="34" charset="0"/>
-              </a:rPr>
-              <a:t>GET/POST + same URL = 2 ENDPOINTS</a:t>
-            </a:r>
-          </a:p>
-          <a:p>
-            <a:pPr marL="457200" lvl="1" indent="0">
-              <a:buNone/>
-            </a:pPr>
-            <a:endParaRPr lang="en-GB" sz="4400" dirty="0">
+            <a:endParaRPr lang="en-GB" sz="800" dirty="0">
               <a:solidFill>
                 <a:srgbClr val="2196F3"/>
               </a:solidFill>
@@ -4346,15 +4318,16 @@
                 <a:solidFill>
                   <a:srgbClr val="2196F3"/>
                 </a:solidFill>
-                <a:hlinkClick r:id="rId2">
-                  <a:extLst>
-                    <a:ext uri="{A12FA001-AC4F-418D-AE19-62706E023703}">
-                      <ahyp:hlinkClr xmlns:ahyp="http://schemas.microsoft.com/office/drawing/2018/hyperlinkcolor" val="tx"/>
-                    </a:ext>
-                  </a:extLst>
-                </a:hlinkClick>
-              </a:rPr>
-              <a:t>https://wpjs.co.uk/wpb/wp-json/wp/v2/posts</a:t>
+              </a:rPr>
+              <a:t>AJAX = </a:t>
+            </a:r>
+            <a:r>
+              <a:rPr lang="en-GB" sz="3200" b="1" dirty="0">
+                <a:solidFill>
+                  <a:srgbClr val="2196F3"/>
+                </a:solidFill>
+              </a:rPr>
+              <a:t>A</a:t>
             </a:r>
             <a:r>
               <a:rPr lang="en-GB" sz="3200" dirty="0">
@@ -4362,15 +4335,147 @@
                   <a:srgbClr val="2196F3"/>
                 </a:solidFill>
               </a:rPr>
-              <a:t> - 1 URL GET/POST/DELETE - 3 ENDPOINTS</a:t>
-            </a:r>
-            <a:endParaRPr lang="en-GB" sz="3200" dirty="0">
+              <a:t>synchronous </a:t>
+            </a:r>
+            <a:r>
+              <a:rPr lang="en-GB" sz="3200" b="1" dirty="0">
+                <a:solidFill>
+                  <a:srgbClr val="2196F3"/>
+                </a:solidFill>
+              </a:rPr>
+              <a:t>J</a:t>
+            </a:r>
+            <a:r>
+              <a:rPr lang="en-GB" sz="3200" dirty="0">
+                <a:solidFill>
+                  <a:srgbClr val="2196F3"/>
+                </a:solidFill>
+              </a:rPr>
+              <a:t>avaScript </a:t>
+            </a:r>
+            <a:r>
+              <a:rPr lang="en-GB" sz="3200" b="1" dirty="0">
+                <a:solidFill>
+                  <a:srgbClr val="2196F3"/>
+                </a:solidFill>
+              </a:rPr>
+              <a:t>A</a:t>
+            </a:r>
+            <a:r>
+              <a:rPr lang="en-GB" sz="3200" dirty="0">
+                <a:solidFill>
+                  <a:srgbClr val="2196F3"/>
+                </a:solidFill>
+              </a:rPr>
+              <a:t>nd </a:t>
+            </a:r>
+            <a:r>
+              <a:rPr lang="en-GB" sz="3200" b="1" dirty="0">
+                <a:solidFill>
+                  <a:srgbClr val="2196F3"/>
+                </a:solidFill>
+              </a:rPr>
+              <a:t>X</a:t>
+            </a:r>
+            <a:r>
+              <a:rPr lang="en-GB" sz="3200" dirty="0">
+                <a:solidFill>
+                  <a:srgbClr val="2196F3"/>
+                </a:solidFill>
+              </a:rPr>
+              <a:t>ML.</a:t>
+            </a:r>
+          </a:p>
+          <a:p>
+            <a:pPr marL="457200" lvl="1" indent="0">
+              <a:buNone/>
+            </a:pPr>
+            <a:endParaRPr lang="en-GB" sz="1800" dirty="0">
               <a:solidFill>
                 <a:srgbClr val="2196F3"/>
               </a:solidFill>
               <a:latin typeface="Segoe UI" panose="020B0502040204020203" pitchFamily="34" charset="0"/>
               <a:cs typeface="Segoe UI" panose="020B0502040204020203" pitchFamily="34" charset="0"/>
             </a:endParaRPr>
+          </a:p>
+          <a:p>
+            <a:pPr lvl="1"/>
+            <a:r>
+              <a:rPr lang="en-GB" sz="3200" dirty="0">
+                <a:solidFill>
+                  <a:srgbClr val="2196F3"/>
+                </a:solidFill>
+              </a:rPr>
+              <a:t>Read data from a web server </a:t>
+            </a:r>
+            <a:r>
+              <a:rPr lang="en-GB" sz="3200" i="1" dirty="0">
+                <a:solidFill>
+                  <a:srgbClr val="2196F3"/>
+                </a:solidFill>
+              </a:rPr>
+              <a:t>without reloading the page.</a:t>
+            </a:r>
+          </a:p>
+          <a:p>
+            <a:pPr lvl="1"/>
+            <a:r>
+              <a:rPr lang="en-GB" sz="3200" dirty="0">
+                <a:solidFill>
+                  <a:srgbClr val="2196F3"/>
+                </a:solidFill>
+              </a:rPr>
+              <a:t>Update a web page.</a:t>
+            </a:r>
+          </a:p>
+          <a:p>
+            <a:pPr lvl="1"/>
+            <a:r>
+              <a:rPr lang="en-GB" sz="3200" dirty="0">
+                <a:solidFill>
+                  <a:srgbClr val="2196F3"/>
+                </a:solidFill>
+              </a:rPr>
+              <a:t>Send data to a web server - in the background</a:t>
+            </a:r>
+          </a:p>
+          <a:p>
+            <a:pPr lvl="1"/>
+            <a:r>
+              <a:rPr lang="en-GB" sz="3200" dirty="0">
+                <a:solidFill>
+                  <a:srgbClr val="2196F3"/>
+                </a:solidFill>
+              </a:rPr>
+              <a:t>Many libraries like jQuery, </a:t>
+            </a:r>
+            <a:r>
+              <a:rPr lang="en-GB" sz="3200" dirty="0" err="1">
+                <a:solidFill>
+                  <a:srgbClr val="2196F3"/>
+                </a:solidFill>
+              </a:rPr>
+              <a:t>Axios</a:t>
+            </a:r>
+            <a:r>
+              <a:rPr lang="en-GB" sz="3200" dirty="0">
+                <a:solidFill>
+                  <a:srgbClr val="2196F3"/>
+                </a:solidFill>
+              </a:rPr>
+              <a:t> etc</a:t>
+            </a:r>
+          </a:p>
+          <a:p>
+            <a:pPr lvl="1"/>
+            <a:r>
+              <a:rPr lang="en-GB" sz="3200" dirty="0">
+                <a:solidFill>
+                  <a:srgbClr val="2196F3"/>
+                </a:solidFill>
+              </a:rPr>
+              <a:t>I use browser API: fetch()</a:t>
+            </a:r>
           </a:p>
           <a:p>
             <a:pPr marL="457200" lvl="1" indent="0">
@@ -4425,7 +4530,7 @@
     </p:spTree>
     <p:extLst>
       <p:ext uri="{BB962C8B-B14F-4D97-AF65-F5344CB8AC3E}">
-        <p14:creationId xmlns:p14="http://schemas.microsoft.com/office/powerpoint/2010/main" val="748983604"/>
+        <p14:creationId xmlns:p14="http://schemas.microsoft.com/office/powerpoint/2010/main" val="3133069735"/>
       </p:ext>
     </p:extLst>
   </p:cSld>
@@ -4515,20 +4620,167 @@
         </p:nvSpPr>
         <p:spPr>
           <a:xfrm>
-            <a:off x="838200" y="1325563"/>
-            <a:ext cx="10515600" cy="4399007"/>
+            <a:off x="838200" y="1597892"/>
+            <a:ext cx="10515600" cy="4779606"/>
           </a:xfrm>
         </p:spPr>
         <p:txBody>
           <a:bodyPr wrap="square" bIns="252000">
-            <a:normAutofit fontScale="92500" lnSpcReduction="20000"/>
+            <a:normAutofit fontScale="92500" lnSpcReduction="10000"/>
           </a:bodyPr>
           <a:lstStyle/>
           <a:p>
             <a:pPr marL="457200" lvl="1" indent="0">
               <a:buNone/>
             </a:pPr>
-            <a:endParaRPr lang="en-GB" sz="5100" dirty="0">
+            <a:r>
+              <a:rPr lang="en-GB" sz="4000" dirty="0">
+                <a:solidFill>
+                  <a:srgbClr val="2196F3"/>
+                </a:solidFill>
+              </a:rPr>
+              <a:t>Think of JSON data as an associative array</a:t>
+            </a:r>
+          </a:p>
+          <a:p>
+            <a:pPr marL="457200" lvl="1" indent="0">
+              <a:buNone/>
+            </a:pPr>
+            <a:r>
+              <a:rPr lang="en-GB" sz="3500" dirty="0" err="1">
+                <a:solidFill>
+                  <a:srgbClr val="2196F3"/>
+                </a:solidFill>
+              </a:rPr>
+              <a:t>json_encode</a:t>
+            </a:r>
+            <a:r>
+              <a:rPr lang="en-GB" sz="3500" dirty="0">
+                <a:solidFill>
+                  <a:srgbClr val="2196F3"/>
+                </a:solidFill>
+              </a:rPr>
+              <a:t>([php associative array]) gives JSON</a:t>
+            </a:r>
+          </a:p>
+          <a:p>
+            <a:pPr marL="457200" lvl="1" indent="0">
+              <a:buNone/>
+            </a:pPr>
+            <a:r>
+              <a:rPr lang="en-GB" sz="3500" dirty="0" err="1">
+                <a:solidFill>
+                  <a:srgbClr val="2196F3"/>
+                </a:solidFill>
+              </a:rPr>
+              <a:t>json_decode</a:t>
+            </a:r>
+            <a:r>
+              <a:rPr lang="en-GB" sz="3500" dirty="0">
+                <a:solidFill>
+                  <a:srgbClr val="2196F3"/>
+                </a:solidFill>
+              </a:rPr>
+              <a:t> (JSON) gives an </a:t>
+            </a:r>
+            <a:r>
+              <a:rPr lang="en-GB" sz="3500" dirty="0" err="1">
+                <a:solidFill>
+                  <a:srgbClr val="2196F3"/>
+                </a:solidFill>
+              </a:rPr>
+              <a:t>assoc</a:t>
+            </a:r>
+            <a:r>
+              <a:rPr lang="en-GB" sz="3500" dirty="0">
+                <a:solidFill>
+                  <a:srgbClr val="2196F3"/>
+                </a:solidFill>
+              </a:rPr>
+              <a:t> array</a:t>
+            </a:r>
+          </a:p>
+          <a:p>
+            <a:pPr marL="457200" lvl="1" indent="0">
+              <a:buNone/>
+            </a:pPr>
+            <a:endParaRPr lang="en-GB" sz="1000" dirty="0">
+              <a:solidFill>
+                <a:srgbClr val="2196F3"/>
+              </a:solidFill>
+            </a:endParaRPr>
+          </a:p>
+          <a:p>
+            <a:pPr lvl="1"/>
+            <a:r>
+              <a:rPr lang="en-GB" sz="2800" dirty="0">
+                <a:solidFill>
+                  <a:srgbClr val="2196F3"/>
+                </a:solidFill>
+              </a:rPr>
+              <a:t>Strings</a:t>
+            </a:r>
+          </a:p>
+          <a:p>
+            <a:pPr lvl="1"/>
+            <a:r>
+              <a:rPr lang="en-GB" sz="2800" dirty="0">
+                <a:solidFill>
+                  <a:srgbClr val="2196F3"/>
+                </a:solidFill>
+              </a:rPr>
+              <a:t>Booleans</a:t>
+            </a:r>
+          </a:p>
+          <a:p>
+            <a:pPr lvl="1"/>
+            <a:r>
+              <a:rPr lang="en-GB" sz="2800" dirty="0">
+                <a:solidFill>
+                  <a:srgbClr val="2196F3"/>
+                </a:solidFill>
+              </a:rPr>
+              <a:t>Numbers</a:t>
+            </a:r>
+          </a:p>
+          <a:p>
+            <a:pPr lvl="1"/>
+            <a:r>
+              <a:rPr lang="en-GB" sz="2800" dirty="0">
+                <a:solidFill>
+                  <a:srgbClr val="2196F3"/>
+                </a:solidFill>
+              </a:rPr>
+              <a:t>Null</a:t>
+            </a:r>
+          </a:p>
+          <a:p>
+            <a:pPr lvl="1"/>
+            <a:r>
+              <a:rPr lang="en-GB" sz="2800" dirty="0">
+                <a:solidFill>
+                  <a:srgbClr val="2196F3"/>
+                </a:solidFill>
+              </a:rPr>
+              <a:t>Object</a:t>
+            </a:r>
+          </a:p>
+          <a:p>
+            <a:pPr lvl="1"/>
+            <a:r>
+              <a:rPr lang="en-GB" sz="2800" dirty="0">
+                <a:solidFill>
+                  <a:srgbClr val="2196F3"/>
+                </a:solidFill>
+              </a:rPr>
+              <a:t>Array</a:t>
+            </a:r>
+          </a:p>
+          <a:p>
+            <a:pPr marL="457200" lvl="1" indent="0">
+              <a:buNone/>
+            </a:pPr>
+            <a:endParaRPr lang="en-GB" sz="1200" dirty="0">
               <a:solidFill>
                 <a:srgbClr val="2196F3"/>
               </a:solidFill>
@@ -4541,195 +4793,27 @@
               <a:buNone/>
             </a:pPr>
             <a:r>
-              <a:rPr lang="en-GB" sz="5100" dirty="0">
+              <a:rPr lang="en-GB" sz="2800" dirty="0">
                 <a:solidFill>
                   <a:srgbClr val="2196F3"/>
                 </a:solidFill>
-                <a:latin typeface="Segoe UI" panose="020B0502040204020203" pitchFamily="34" charset="0"/>
-                <a:cs typeface="Segoe UI" panose="020B0502040204020203" pitchFamily="34" charset="0"/>
-              </a:rPr>
-              <a:t>AJAX:</a:t>
-            </a:r>
-          </a:p>
-          <a:p>
-            <a:pPr marL="457200" lvl="1" indent="0">
-              <a:buNone/>
-            </a:pPr>
-            <a:endParaRPr lang="en-GB" sz="800" dirty="0">
+                <a:hlinkClick r:id="rId2">
+                  <a:extLst>
+                    <a:ext uri="{A12FA001-AC4F-418D-AE19-62706E023703}">
+                      <ahyp:hlinkClr xmlns:ahyp="http://schemas.microsoft.com/office/drawing/2018/hyperlinkcolor" val="tx"/>
+                    </a:ext>
+                  </a:extLst>
+                </a:hlinkClick>
+              </a:rPr>
+              <a:t>https://wpjs.co.uk/wpb/wp-json/wp/v2/posts</a:t>
+            </a:r>
+            <a:endParaRPr lang="en-GB" sz="2800" dirty="0">
               <a:solidFill>
                 <a:srgbClr val="2196F3"/>
               </a:solidFill>
               <a:latin typeface="Segoe UI" panose="020B0502040204020203" pitchFamily="34" charset="0"/>
               <a:cs typeface="Segoe UI" panose="020B0502040204020203" pitchFamily="34" charset="0"/>
             </a:endParaRPr>
-          </a:p>
-          <a:p>
-            <a:pPr marL="457200" lvl="1" indent="0">
-              <a:buNone/>
-            </a:pPr>
-            <a:r>
-              <a:rPr lang="en-GB" sz="3200" dirty="0">
-                <a:solidFill>
-                  <a:srgbClr val="2196F3"/>
-                </a:solidFill>
-              </a:rPr>
-              <a:t>AJAX = </a:t>
-            </a:r>
-            <a:r>
-              <a:rPr lang="en-GB" sz="3200" b="1" dirty="0">
-                <a:solidFill>
-                  <a:srgbClr val="2196F3"/>
-                </a:solidFill>
-              </a:rPr>
-              <a:t>A</a:t>
-            </a:r>
-            <a:r>
-              <a:rPr lang="en-GB" sz="3200" dirty="0">
-                <a:solidFill>
-                  <a:srgbClr val="2196F3"/>
-                </a:solidFill>
-              </a:rPr>
-              <a:t>synchronous </a:t>
-            </a:r>
-            <a:r>
-              <a:rPr lang="en-GB" sz="3200" b="1" dirty="0">
-                <a:solidFill>
-                  <a:srgbClr val="2196F3"/>
-                </a:solidFill>
-              </a:rPr>
-              <a:t>J</a:t>
-            </a:r>
-            <a:r>
-              <a:rPr lang="en-GB" sz="3200" dirty="0">
-                <a:solidFill>
-                  <a:srgbClr val="2196F3"/>
-                </a:solidFill>
-              </a:rPr>
-              <a:t>avaScript </a:t>
-            </a:r>
-            <a:r>
-              <a:rPr lang="en-GB" sz="3200" b="1" dirty="0">
-                <a:solidFill>
-                  <a:srgbClr val="2196F3"/>
-                </a:solidFill>
-              </a:rPr>
-              <a:t>A</a:t>
-            </a:r>
-            <a:r>
-              <a:rPr lang="en-GB" sz="3200" dirty="0">
-                <a:solidFill>
-                  <a:srgbClr val="2196F3"/>
-                </a:solidFill>
-              </a:rPr>
-              <a:t>nd </a:t>
-            </a:r>
-            <a:r>
-              <a:rPr lang="en-GB" sz="3200" b="1" dirty="0">
-                <a:solidFill>
-                  <a:srgbClr val="2196F3"/>
-                </a:solidFill>
-              </a:rPr>
-              <a:t>X</a:t>
-            </a:r>
-            <a:r>
-              <a:rPr lang="en-GB" sz="3200" dirty="0">
-                <a:solidFill>
-                  <a:srgbClr val="2196F3"/>
-                </a:solidFill>
-              </a:rPr>
-              <a:t>ML.</a:t>
-            </a:r>
-          </a:p>
-          <a:p>
-            <a:pPr marL="457200" lvl="1" indent="0">
-              <a:buNone/>
-            </a:pPr>
-            <a:endParaRPr lang="en-GB" sz="1800" dirty="0">
-              <a:solidFill>
-                <a:srgbClr val="2196F3"/>
-              </a:solidFill>
-              <a:latin typeface="Segoe UI" panose="020B0502040204020203" pitchFamily="34" charset="0"/>
-              <a:cs typeface="Segoe UI" panose="020B0502040204020203" pitchFamily="34" charset="0"/>
-            </a:endParaRPr>
-          </a:p>
-          <a:p>
-            <a:pPr lvl="1"/>
-            <a:r>
-              <a:rPr lang="en-GB" sz="3200" dirty="0">
-                <a:solidFill>
-                  <a:srgbClr val="2196F3"/>
-                </a:solidFill>
-              </a:rPr>
-              <a:t>Read data from a web server </a:t>
-            </a:r>
-            <a:r>
-              <a:rPr lang="en-GB" sz="3200" i="1" dirty="0">
-                <a:solidFill>
-                  <a:srgbClr val="2196F3"/>
-                </a:solidFill>
-              </a:rPr>
-              <a:t>without reloading the page.</a:t>
-            </a:r>
-          </a:p>
-          <a:p>
-            <a:pPr lvl="1"/>
-            <a:r>
-              <a:rPr lang="en-GB" sz="3200" dirty="0">
-                <a:solidFill>
-                  <a:srgbClr val="2196F3"/>
-                </a:solidFill>
-              </a:rPr>
-              <a:t>Update a web page.</a:t>
-            </a:r>
-          </a:p>
-          <a:p>
-            <a:pPr lvl="1"/>
-            <a:r>
-              <a:rPr lang="en-GB" sz="3200" dirty="0">
-                <a:solidFill>
-                  <a:srgbClr val="2196F3"/>
-                </a:solidFill>
-              </a:rPr>
-              <a:t>Send data to a web server - in the background</a:t>
-            </a:r>
-          </a:p>
-          <a:p>
-            <a:pPr lvl="1"/>
-            <a:r>
-              <a:rPr lang="en-GB" sz="3200" dirty="0">
-                <a:solidFill>
-                  <a:srgbClr val="2196F3"/>
-                </a:solidFill>
-              </a:rPr>
-              <a:t>Many libraries like jQuery, </a:t>
-            </a:r>
-            <a:r>
-              <a:rPr lang="en-GB" sz="3200" dirty="0" err="1">
-                <a:solidFill>
-                  <a:srgbClr val="2196F3"/>
-                </a:solidFill>
-              </a:rPr>
-              <a:t>Axios</a:t>
-            </a:r>
-            <a:r>
-              <a:rPr lang="en-GB" sz="3200" dirty="0">
-                <a:solidFill>
-                  <a:srgbClr val="2196F3"/>
-                </a:solidFill>
-              </a:rPr>
-              <a:t> etc</a:t>
-            </a:r>
-          </a:p>
-          <a:p>
-            <a:pPr lvl="1"/>
-            <a:r>
-              <a:rPr lang="en-GB" sz="3200" dirty="0">
-                <a:solidFill>
-                  <a:srgbClr val="2196F3"/>
-                </a:solidFill>
-              </a:rPr>
-              <a:t>I use browser API: fetch()</a:t>
-            </a:r>
           </a:p>
           <a:p>
             <a:pPr marL="457200" lvl="1" indent="0">
@@ -4748,18 +4832,6 @@
               <a:buNone/>
             </a:pPr>
             <a:endParaRPr lang="en-GB" sz="6700" dirty="0">
-              <a:solidFill>
-                <a:srgbClr val="2196F3"/>
-              </a:solidFill>
-              <a:latin typeface="Segoe UI" panose="020B0502040204020203" pitchFamily="34" charset="0"/>
-              <a:cs typeface="Segoe UI" panose="020B0502040204020203" pitchFamily="34" charset="0"/>
-            </a:endParaRPr>
-          </a:p>
-          <a:p>
-            <a:pPr marL="457200" lvl="1" indent="0">
-              <a:buNone/>
-            </a:pPr>
-            <a:endParaRPr lang="en-GB" sz="6700" dirty="0">
               <a:latin typeface="Segoe UI" panose="020B0502040204020203" pitchFamily="34" charset="0"/>
               <a:cs typeface="Segoe UI" panose="020B0502040204020203" pitchFamily="34" charset="0"/>
             </a:endParaRPr>
@@ -4784,7 +4856,7 @@
     </p:spTree>
     <p:extLst>
       <p:ext uri="{BB962C8B-B14F-4D97-AF65-F5344CB8AC3E}">
-        <p14:creationId xmlns:p14="http://schemas.microsoft.com/office/powerpoint/2010/main" val="3133069735"/>
+        <p14:creationId xmlns:p14="http://schemas.microsoft.com/office/powerpoint/2010/main" val="3496796182"/>
       </p:ext>
     </p:extLst>
   </p:cSld>
@@ -4874,211 +4946,108 @@
         </p:nvSpPr>
         <p:spPr>
           <a:xfrm>
-            <a:off x="838200" y="1597892"/>
-            <a:ext cx="10515600" cy="4779606"/>
+            <a:off x="838200" y="1325563"/>
+            <a:ext cx="10515600" cy="4848735"/>
           </a:xfrm>
         </p:spPr>
         <p:txBody>
           <a:bodyPr wrap="square" bIns="252000">
-            <a:normAutofit fontScale="92500" lnSpcReduction="10000"/>
+            <a:normAutofit/>
           </a:bodyPr>
           <a:lstStyle/>
           <a:p>
             <a:pPr marL="457200" lvl="1" indent="0">
               <a:buNone/>
             </a:pPr>
-            <a:r>
-              <a:rPr lang="en-GB" sz="4000" dirty="0">
-                <a:solidFill>
-                  <a:srgbClr val="2196F3"/>
-                </a:solidFill>
-              </a:rPr>
-              <a:t>Think of JSON data as an associative array</a:t>
-            </a:r>
-          </a:p>
-          <a:p>
-            <a:pPr marL="457200" lvl="1" indent="0">
-              <a:buNone/>
-            </a:pPr>
-            <a:r>
-              <a:rPr lang="en-GB" sz="3500" dirty="0" err="1">
-                <a:solidFill>
-                  <a:srgbClr val="2196F3"/>
-                </a:solidFill>
-              </a:rPr>
-              <a:t>json_encode</a:t>
-            </a:r>
-            <a:r>
-              <a:rPr lang="en-GB" sz="3500" dirty="0">
-                <a:solidFill>
-                  <a:srgbClr val="2196F3"/>
-                </a:solidFill>
-              </a:rPr>
-              <a:t>([php associative array]) gives JSON</a:t>
-            </a:r>
-          </a:p>
-          <a:p>
-            <a:pPr marL="457200" lvl="1" indent="0">
-              <a:buNone/>
-            </a:pPr>
-            <a:r>
-              <a:rPr lang="en-GB" sz="3500" dirty="0" err="1">
-                <a:solidFill>
-                  <a:srgbClr val="2196F3"/>
-                </a:solidFill>
-              </a:rPr>
-              <a:t>json_decode</a:t>
-            </a:r>
-            <a:r>
-              <a:rPr lang="en-GB" sz="3500" dirty="0">
-                <a:solidFill>
-                  <a:srgbClr val="2196F3"/>
-                </a:solidFill>
-              </a:rPr>
-              <a:t> (JSON) gives an </a:t>
-            </a:r>
-            <a:r>
-              <a:rPr lang="en-GB" sz="3500" dirty="0" err="1">
-                <a:solidFill>
-                  <a:srgbClr val="2196F3"/>
-                </a:solidFill>
-              </a:rPr>
-              <a:t>assoc</a:t>
-            </a:r>
-            <a:r>
-              <a:rPr lang="en-GB" sz="3500" dirty="0">
-                <a:solidFill>
-                  <a:srgbClr val="2196F3"/>
-                </a:solidFill>
-              </a:rPr>
-              <a:t> array</a:t>
-            </a:r>
-          </a:p>
-          <a:p>
-            <a:pPr marL="457200" lvl="1" indent="0">
-              <a:buNone/>
-            </a:pPr>
-            <a:endParaRPr lang="en-GB" sz="1000" dirty="0">
-              <a:solidFill>
-                <a:srgbClr val="2196F3"/>
-              </a:solidFill>
-            </a:endParaRPr>
-          </a:p>
-          <a:p>
-            <a:pPr lvl="1"/>
-            <a:r>
-              <a:rPr lang="en-GB" sz="2800" dirty="0">
-                <a:solidFill>
-                  <a:srgbClr val="2196F3"/>
-                </a:solidFill>
-              </a:rPr>
-              <a:t>Strings</a:t>
-            </a:r>
-          </a:p>
-          <a:p>
-            <a:pPr lvl="1"/>
-            <a:r>
-              <a:rPr lang="en-GB" sz="2800" dirty="0">
-                <a:solidFill>
-                  <a:srgbClr val="2196F3"/>
-                </a:solidFill>
-              </a:rPr>
-              <a:t>Booleans</a:t>
-            </a:r>
-          </a:p>
-          <a:p>
-            <a:pPr lvl="1"/>
-            <a:r>
-              <a:rPr lang="en-GB" sz="2800" dirty="0">
-                <a:solidFill>
-                  <a:srgbClr val="2196F3"/>
-                </a:solidFill>
-              </a:rPr>
-              <a:t>Numbers</a:t>
-            </a:r>
-          </a:p>
-          <a:p>
-            <a:pPr lvl="1"/>
-            <a:r>
-              <a:rPr lang="en-GB" sz="2800" dirty="0">
-                <a:solidFill>
-                  <a:srgbClr val="2196F3"/>
-                </a:solidFill>
-              </a:rPr>
-              <a:t>Null</a:t>
-            </a:r>
-          </a:p>
-          <a:p>
-            <a:pPr lvl="1"/>
-            <a:r>
-              <a:rPr lang="en-GB" sz="2800" dirty="0">
-                <a:solidFill>
-                  <a:srgbClr val="2196F3"/>
-                </a:solidFill>
-              </a:rPr>
-              <a:t>Object</a:t>
-            </a:r>
-          </a:p>
-          <a:p>
-            <a:pPr lvl="1"/>
-            <a:r>
-              <a:rPr lang="en-GB" sz="2800" dirty="0">
-                <a:solidFill>
-                  <a:srgbClr val="2196F3"/>
-                </a:solidFill>
-              </a:rPr>
-              <a:t>Array</a:t>
-            </a:r>
-          </a:p>
-          <a:p>
-            <a:pPr marL="457200" lvl="1" indent="0">
-              <a:buNone/>
-            </a:pPr>
-            <a:endParaRPr lang="en-GB" sz="1200" dirty="0">
-              <a:solidFill>
-                <a:srgbClr val="2196F3"/>
-              </a:solidFill>
-              <a:latin typeface="Segoe UI" panose="020B0502040204020203" pitchFamily="34" charset="0"/>
-              <a:cs typeface="Segoe UI" panose="020B0502040204020203" pitchFamily="34" charset="0"/>
-            </a:endParaRPr>
-          </a:p>
-          <a:p>
-            <a:pPr marL="457200" lvl="1" indent="0">
-              <a:buNone/>
-            </a:pPr>
-            <a:r>
-              <a:rPr lang="en-GB" sz="2800" dirty="0">
-                <a:solidFill>
-                  <a:srgbClr val="2196F3"/>
-                </a:solidFill>
-                <a:hlinkClick r:id="rId2">
-                  <a:extLst>
-                    <a:ext uri="{A12FA001-AC4F-418D-AE19-62706E023703}">
-                      <ahyp:hlinkClr xmlns:ahyp="http://schemas.microsoft.com/office/drawing/2018/hyperlinkcolor" val="tx"/>
-                    </a:ext>
-                  </a:extLst>
-                </a:hlinkClick>
-              </a:rPr>
-              <a:t>https://wpjs.co.uk/wpb/wp-json/wp/v2/posts</a:t>
-            </a:r>
             <a:endParaRPr lang="en-GB" sz="2800" dirty="0">
               <a:solidFill>
                 <a:srgbClr val="2196F3"/>
               </a:solidFill>
-              <a:latin typeface="Segoe UI" panose="020B0502040204020203" pitchFamily="34" charset="0"/>
-              <a:cs typeface="Segoe UI" panose="020B0502040204020203" pitchFamily="34" charset="0"/>
             </a:endParaRPr>
           </a:p>
           <a:p>
             <a:pPr marL="457200" lvl="1" indent="0">
               <a:buNone/>
             </a:pPr>
-            <a:endParaRPr lang="en-GB" sz="6700" dirty="0">
+            <a:r>
+              <a:rPr lang="en-GB" sz="4400" dirty="0">
+                <a:solidFill>
+                  <a:srgbClr val="2196F3"/>
+                </a:solidFill>
+              </a:rPr>
+              <a:t>WordPress Hooks</a:t>
+            </a:r>
+          </a:p>
+          <a:p>
+            <a:pPr marL="457200" lvl="1" indent="0">
+              <a:buNone/>
+            </a:pPr>
+            <a:endParaRPr lang="en-GB" sz="3600" dirty="0">
               <a:solidFill>
                 <a:srgbClr val="2196F3"/>
               </a:solidFill>
-              <a:latin typeface="Segoe UI" panose="020B0502040204020203" pitchFamily="34" charset="0"/>
-              <a:cs typeface="Segoe UI" panose="020B0502040204020203" pitchFamily="34" charset="0"/>
+            </a:endParaRPr>
+          </a:p>
+          <a:p>
+            <a:pPr marL="457200" lvl="1" indent="0">
+              <a:buNone/>
+            </a:pPr>
+            <a:r>
+              <a:rPr lang="en-GB" sz="3200" dirty="0">
+                <a:solidFill>
+                  <a:srgbClr val="2196F3"/>
+                </a:solidFill>
+              </a:rPr>
+              <a:t>Hooks are a way for one piece of code to interact/modify another piece of code at specific, pre-defined spots. </a:t>
+            </a:r>
+          </a:p>
+          <a:p>
+            <a:pPr marL="457200" lvl="1" indent="0">
+              <a:buNone/>
+            </a:pPr>
+            <a:r>
+              <a:rPr lang="en-GB" sz="3200" dirty="0">
+                <a:solidFill>
+                  <a:srgbClr val="2196F3"/>
+                </a:solidFill>
+              </a:rPr>
+              <a:t>We can add our own endpoints using the '</a:t>
+            </a:r>
+            <a:r>
+              <a:rPr lang="en-GB" sz="3200" dirty="0" err="1">
+                <a:solidFill>
+                  <a:srgbClr val="2196F3"/>
+                </a:solidFill>
+              </a:rPr>
+              <a:t>rest_api_init</a:t>
+            </a:r>
+            <a:r>
+              <a:rPr lang="en-GB" sz="3200" dirty="0">
+                <a:solidFill>
+                  <a:srgbClr val="2196F3"/>
+                </a:solidFill>
+              </a:rPr>
+              <a:t>’ hook.</a:t>
+            </a:r>
+          </a:p>
+          <a:p>
+            <a:pPr marL="457200" lvl="1" indent="0">
+              <a:buNone/>
+            </a:pPr>
+            <a:endParaRPr lang="en-GB" sz="3200" dirty="0">
+              <a:solidFill>
+                <a:srgbClr val="2196F3"/>
+              </a:solidFill>
+            </a:endParaRPr>
+          </a:p>
+          <a:p>
+            <a:pPr marL="457200" lvl="1" indent="0">
+              <a:buNone/>
+            </a:pPr>
+            <a:endParaRPr lang="en-GB" sz="2600" dirty="0">
+              <a:solidFill>
+                <a:srgbClr val="2196F3"/>
+              </a:solidFill>
             </a:endParaRPr>
           </a:p>
           <a:p>
@@ -5110,7 +5079,7 @@
     </p:spTree>
     <p:extLst>
       <p:ext uri="{BB962C8B-B14F-4D97-AF65-F5344CB8AC3E}">
-        <p14:creationId xmlns:p14="http://schemas.microsoft.com/office/powerpoint/2010/main" val="3496796182"/>
+        <p14:creationId xmlns:p14="http://schemas.microsoft.com/office/powerpoint/2010/main" val="3516111388"/>
       </p:ext>
     </p:extLst>
   </p:cSld>
@@ -5229,14 +5198,14 @@
                   <a:srgbClr val="2196F3"/>
                 </a:solidFill>
               </a:rPr>
-              <a:t>WordPress Hooks</a:t>
+              <a:t>SITE SETUP…</a:t>
             </a:r>
           </a:p>
           <a:p>
             <a:pPr marL="457200" lvl="1" indent="0">
               <a:buNone/>
             </a:pPr>
-            <a:endParaRPr lang="en-GB" sz="3600" dirty="0">
+            <a:endParaRPr lang="en-GB" sz="1600" dirty="0">
               <a:solidFill>
                 <a:srgbClr val="2196F3"/>
               </a:solidFill>
@@ -5247,47 +5216,50 @@
               <a:buNone/>
             </a:pPr>
             <a:r>
-              <a:rPr lang="en-GB" sz="3200" dirty="0">
+              <a:rPr lang="en-GB" sz="4400" dirty="0">
                 <a:solidFill>
                   <a:srgbClr val="2196F3"/>
                 </a:solidFill>
               </a:rPr>
-              <a:t>Hooks are a way for one piece of code to interact/modify another piece of code at specific, pre-defined spots. </a:t>
+              <a:t>Please refer to REST-AJAX.docx and the source code</a:t>
             </a:r>
           </a:p>
           <a:p>
             <a:pPr marL="457200" lvl="1" indent="0">
               <a:buNone/>
             </a:pPr>
-            <a:r>
-              <a:rPr lang="en-GB" sz="3200" dirty="0">
+            <a:endParaRPr lang="en-GB" sz="1600" dirty="0">
+              <a:solidFill>
+                <a:srgbClr val="2196F3"/>
+              </a:solidFill>
+            </a:endParaRPr>
+          </a:p>
+          <a:p>
+            <a:pPr marL="457200" lvl="1" indent="0">
+              <a:buNone/>
+            </a:pPr>
+            <a:r>
+              <a:rPr lang="en-GB" sz="4400" dirty="0">
                 <a:solidFill>
                   <a:srgbClr val="2196F3"/>
                 </a:solidFill>
               </a:rPr>
-              <a:t>We can add our own endpoints using the '</a:t>
-            </a:r>
-            <a:r>
-              <a:rPr lang="en-GB" sz="3200" dirty="0" err="1">
+              <a:t>Let’s see the site…</a:t>
+            </a:r>
+          </a:p>
+          <a:p>
+            <a:pPr marL="457200" lvl="1" indent="0">
+              <a:buNone/>
+            </a:pPr>
+            <a:r>
+              <a:rPr lang="en-GB" sz="4400" dirty="0">
                 <a:solidFill>
                   <a:srgbClr val="2196F3"/>
                 </a:solidFill>
-              </a:rPr>
-              <a:t>rest_api_init</a:t>
-            </a:r>
-            <a:r>
-              <a:rPr lang="en-GB" sz="3200" dirty="0">
-                <a:solidFill>
-                  <a:srgbClr val="2196F3"/>
-                </a:solidFill>
-              </a:rPr>
-              <a:t>’ hook.</a:t>
-            </a:r>
-          </a:p>
-          <a:p>
-            <a:pPr marL="457200" lvl="1" indent="0">
-              <a:buNone/>
-            </a:pPr>
+                <a:hlinkClick r:id="rId2"/>
+              </a:rPr>
+              <a:t>https://49plus.co.uk/udemy</a:t>
+            </a:r>
             <a:endParaRPr lang="en-GB" sz="3200" dirty="0">
               <a:solidFill>
                 <a:srgbClr val="2196F3"/>
@@ -5333,7 +5305,7 @@
     </p:spTree>
     <p:extLst>
       <p:ext uri="{BB962C8B-B14F-4D97-AF65-F5344CB8AC3E}">
-        <p14:creationId xmlns:p14="http://schemas.microsoft.com/office/powerpoint/2010/main" val="3516111388"/>
+        <p14:creationId xmlns:p14="http://schemas.microsoft.com/office/powerpoint/2010/main" val="689376606"/>
       </p:ext>
     </p:extLst>
   </p:cSld>
@@ -5423,97 +5395,168 @@
         </p:nvSpPr>
         <p:spPr>
           <a:xfrm>
-            <a:off x="838200" y="1325563"/>
-            <a:ext cx="10515600" cy="4848735"/>
+            <a:off x="838200" y="1560945"/>
+            <a:ext cx="10515600" cy="4742661"/>
           </a:xfrm>
         </p:spPr>
         <p:txBody>
           <a:bodyPr wrap="square" bIns="252000">
-            <a:normAutofit/>
+            <a:normAutofit fontScale="70000" lnSpcReduction="20000"/>
           </a:bodyPr>
           <a:lstStyle/>
           <a:p>
             <a:pPr marL="457200" lvl="1" indent="0">
               <a:buNone/>
             </a:pPr>
-            <a:endParaRPr lang="en-GB" sz="2800" dirty="0">
+            <a:r>
+              <a:rPr lang="en-GB" sz="5100" dirty="0">
+                <a:solidFill>
+                  <a:srgbClr val="2196F3"/>
+                </a:solidFill>
+                <a:latin typeface="Segoe UI" panose="020B0502040204020203" pitchFamily="34" charset="0"/>
+                <a:cs typeface="Segoe UI" panose="020B0502040204020203" pitchFamily="34" charset="0"/>
+              </a:rPr>
+              <a:t>DECOUPLED/HEADLESS WP</a:t>
+            </a:r>
+          </a:p>
+          <a:p>
+            <a:pPr lvl="1">
+              <a:lnSpc>
+                <a:spcPct val="110000"/>
+              </a:lnSpc>
+            </a:pPr>
+            <a:endParaRPr lang="en-GB" sz="1100" dirty="0">
               <a:solidFill>
                 <a:srgbClr val="2196F3"/>
               </a:solidFill>
-            </a:endParaRPr>
+              <a:latin typeface="Segoe UI" panose="020B0502040204020203" pitchFamily="34" charset="0"/>
+              <a:cs typeface="Segoe UI" panose="020B0502040204020203" pitchFamily="34" charset="0"/>
+            </a:endParaRPr>
+          </a:p>
+          <a:p>
+            <a:pPr lvl="1">
+              <a:lnSpc>
+                <a:spcPct val="110000"/>
+              </a:lnSpc>
+            </a:pPr>
+            <a:r>
+              <a:rPr lang="en-GB" sz="3600" dirty="0">
+                <a:solidFill>
+                  <a:srgbClr val="2196F3"/>
+                </a:solidFill>
+                <a:latin typeface="Segoe UI" panose="020B0502040204020203" pitchFamily="34" charset="0"/>
+                <a:cs typeface="Segoe UI" panose="020B0502040204020203" pitchFamily="34" charset="0"/>
+              </a:rPr>
+              <a:t>As we are using JS blocks in our PHP pages this can lead to using these scripts in HTML pages or PHP outside of the WP ecosystem.</a:t>
+            </a:r>
+          </a:p>
+          <a:p>
+            <a:pPr lvl="1">
+              <a:lnSpc>
+                <a:spcPct val="110000"/>
+              </a:lnSpc>
+            </a:pPr>
+            <a:r>
+              <a:rPr lang="en-GB" sz="3600" dirty="0">
+                <a:solidFill>
+                  <a:srgbClr val="2196F3"/>
+                </a:solidFill>
+                <a:latin typeface="Segoe UI" panose="020B0502040204020203" pitchFamily="34" charset="0"/>
+                <a:cs typeface="Segoe UI" panose="020B0502040204020203" pitchFamily="34" charset="0"/>
+              </a:rPr>
+              <a:t>This means we can have DECOUPLED or HEADLESS WP sites</a:t>
+            </a:r>
+          </a:p>
+          <a:p>
+            <a:pPr lvl="1">
+              <a:lnSpc>
+                <a:spcPct val="110000"/>
+              </a:lnSpc>
+            </a:pPr>
+            <a:r>
+              <a:rPr lang="en-GB" sz="3600" dirty="0">
+                <a:solidFill>
+                  <a:srgbClr val="2196F3"/>
+                </a:solidFill>
+                <a:latin typeface="Segoe UI" panose="020B0502040204020203" pitchFamily="34" charset="0"/>
+                <a:cs typeface="Segoe UI" panose="020B0502040204020203" pitchFamily="34" charset="0"/>
+              </a:rPr>
+              <a:t>DECOUPLED means raw data, (JSON), is sent and client page renders format.</a:t>
+            </a:r>
+          </a:p>
+          <a:p>
+            <a:pPr lvl="1">
+              <a:lnSpc>
+                <a:spcPct val="110000"/>
+              </a:lnSpc>
+            </a:pPr>
+            <a:r>
+              <a:rPr lang="en-GB" sz="3600" dirty="0">
+                <a:solidFill>
+                  <a:srgbClr val="2196F3"/>
+                </a:solidFill>
+                <a:latin typeface="Segoe UI" panose="020B0502040204020203" pitchFamily="34" charset="0"/>
+                <a:cs typeface="Segoe UI" panose="020B0502040204020203" pitchFamily="34" charset="0"/>
+              </a:rPr>
+              <a:t>HEADLESS means formatting preconfigured in a ready made block, for example by sending HTML and CSS combined.</a:t>
+            </a:r>
+          </a:p>
+          <a:p>
+            <a:pPr lvl="1">
+              <a:lnSpc>
+                <a:spcPct val="110000"/>
+              </a:lnSpc>
+            </a:pPr>
+            <a:r>
+              <a:rPr lang="en-GB" sz="3600" dirty="0">
+                <a:solidFill>
+                  <a:srgbClr val="2196F3"/>
+                </a:solidFill>
+                <a:latin typeface="Segoe UI" panose="020B0502040204020203" pitchFamily="34" charset="0"/>
+                <a:cs typeface="Segoe UI" panose="020B0502040204020203" pitchFamily="34" charset="0"/>
+              </a:rPr>
+              <a:t>Using JSON WEB TOKENS (JWT) we can also authenticate…</a:t>
+            </a:r>
+          </a:p>
+          <a:p>
+            <a:pPr lvl="1">
+              <a:lnSpc>
+                <a:spcPct val="110000"/>
+              </a:lnSpc>
+            </a:pPr>
+            <a:r>
+              <a:rPr lang="en-GB" sz="3600" dirty="0">
+                <a:solidFill>
+                  <a:srgbClr val="2196F3"/>
+                </a:solidFill>
+                <a:latin typeface="Segoe UI" panose="020B0502040204020203" pitchFamily="34" charset="0"/>
+                <a:cs typeface="Segoe UI" panose="020B0502040204020203" pitchFamily="34" charset="0"/>
+              </a:rPr>
+              <a:t>Example: https://wp-html.co.uk/semantic</a:t>
+            </a:r>
           </a:p>
           <a:p>
             <a:pPr marL="457200" lvl="1" indent="0">
               <a:buNone/>
             </a:pPr>
-            <a:r>
-              <a:rPr lang="en-GB" sz="4400" dirty="0">
-                <a:solidFill>
-                  <a:srgbClr val="2196F3"/>
-                </a:solidFill>
-              </a:rPr>
-              <a:t>SITE SETUP…</a:t>
-            </a:r>
-          </a:p>
-          <a:p>
-            <a:pPr marL="457200" lvl="1" indent="0">
-              <a:buNone/>
-            </a:pPr>
-            <a:endParaRPr lang="en-GB" sz="4400" dirty="0">
+            <a:endParaRPr lang="en-GB" sz="6700" dirty="0">
               <a:solidFill>
                 <a:srgbClr val="2196F3"/>
               </a:solidFill>
+              <a:latin typeface="Segoe UI" panose="020B0502040204020203" pitchFamily="34" charset="0"/>
+              <a:cs typeface="Segoe UI" panose="020B0502040204020203" pitchFamily="34" charset="0"/>
             </a:endParaRPr>
           </a:p>
           <a:p>
             <a:pPr marL="457200" lvl="1" indent="0">
               <a:buNone/>
             </a:pPr>
-            <a:r>
-              <a:rPr lang="en-GB" sz="4400" dirty="0">
-                <a:solidFill>
-                  <a:srgbClr val="2196F3"/>
-                </a:solidFill>
-              </a:rPr>
-              <a:t>Please refer to REST-AJAX.docx and the source code</a:t>
-            </a:r>
-          </a:p>
-          <a:p>
-            <a:pPr marL="457200" lvl="1" indent="0">
-              <a:buNone/>
-            </a:pPr>
-            <a:endParaRPr lang="en-GB" sz="4400" dirty="0">
+            <a:endParaRPr lang="en-GB" sz="6700" dirty="0">
               <a:solidFill>
                 <a:srgbClr val="2196F3"/>
               </a:solidFill>
-            </a:endParaRPr>
-          </a:p>
-          <a:p>
-            <a:pPr marL="457200" lvl="1" indent="0">
-              <a:buNone/>
-            </a:pPr>
-            <a:r>
-              <a:rPr lang="en-GB" sz="4400" dirty="0">
-                <a:solidFill>
-                  <a:srgbClr val="2196F3"/>
-                </a:solidFill>
-              </a:rPr>
-              <a:t>Let’s see the site…</a:t>
-            </a:r>
-            <a:endParaRPr lang="en-GB" sz="3200" dirty="0">
-              <a:solidFill>
-                <a:srgbClr val="2196F3"/>
-              </a:solidFill>
-            </a:endParaRPr>
-          </a:p>
-          <a:p>
-            <a:pPr marL="457200" lvl="1" indent="0">
-              <a:buNone/>
-            </a:pPr>
-            <a:endParaRPr lang="en-GB" sz="2600" dirty="0">
-              <a:solidFill>
-                <a:srgbClr val="2196F3"/>
-              </a:solidFill>
+              <a:latin typeface="Segoe UI" panose="020B0502040204020203" pitchFamily="34" charset="0"/>
+              <a:cs typeface="Segoe UI" panose="020B0502040204020203" pitchFamily="34" charset="0"/>
             </a:endParaRPr>
           </a:p>
           <a:p>
@@ -5545,7 +5588,7 @@
     </p:spTree>
     <p:extLst>
       <p:ext uri="{BB962C8B-B14F-4D97-AF65-F5344CB8AC3E}">
-        <p14:creationId xmlns:p14="http://schemas.microsoft.com/office/powerpoint/2010/main" val="689376606"/>
+        <p14:creationId xmlns:p14="http://schemas.microsoft.com/office/powerpoint/2010/main" val="3994601803"/>
       </p:ext>
     </p:extLst>
   </p:cSld>
@@ -5574,262 +5617,941 @@
       </p:grpSpPr>
       <p:sp>
         <p:nvSpPr>
-          <p:cNvPr id="2" name="Title 1">
-            <a:extLst>
-              <a:ext uri="{FF2B5EF4-FFF2-40B4-BE49-F238E27FC236}">
-                <a16:creationId xmlns:a16="http://schemas.microsoft.com/office/drawing/2014/main" id="{5D7568B3-EC9A-45DD-8A17-CFE685194B65}"/>
-              </a:ext>
-            </a:extLst>
-          </p:cNvPr>
-          <p:cNvSpPr>
-            <a:spLocks noGrp="1"/>
-          </p:cNvSpPr>
-          <p:nvPr>
-            <p:ph type="title"/>
-          </p:nvPr>
+          <p:cNvPr id="5" name="Rectangle: Rounded Corners 4">
+            <a:extLst>
+              <a:ext uri="{FF2B5EF4-FFF2-40B4-BE49-F238E27FC236}">
+                <a16:creationId xmlns:a16="http://schemas.microsoft.com/office/drawing/2014/main" id="{65B1CF75-47B8-4AC4-BD1E-926B376FD50D}"/>
+              </a:ext>
+            </a:extLst>
+          </p:cNvPr>
+          <p:cNvSpPr/>
+          <p:nvPr/>
         </p:nvSpPr>
         <p:spPr>
           <a:xfrm>
-            <a:off x="838200" y="0"/>
-            <a:ext cx="10515600" cy="1325563"/>
-          </a:xfrm>
+            <a:off x="886408" y="4376057"/>
+            <a:ext cx="1819470" cy="942392"/>
+          </a:xfrm>
+          <a:prstGeom prst="roundRect">
+            <a:avLst/>
+          </a:prstGeom>
           <a:solidFill>
-            <a:srgbClr val="2196F3"/>
+            <a:schemeClr val="bg1">
+              <a:lumMod val="85000"/>
+            </a:schemeClr>
           </a:solidFill>
-        </p:spPr>
-        <p:txBody>
-          <a:bodyPr>
-            <a:normAutofit/>
+          <a:ln w="28575">
+            <a:solidFill>
+              <a:srgbClr val="FF0000"/>
+            </a:solidFill>
+          </a:ln>
+        </p:spPr>
+        <p:style>
+          <a:lnRef idx="2">
+            <a:schemeClr val="accent1">
+              <a:shade val="50000"/>
+            </a:schemeClr>
+          </a:lnRef>
+          <a:fillRef idx="1">
+            <a:schemeClr val="accent1"/>
+          </a:fillRef>
+          <a:effectRef idx="0">
+            <a:schemeClr val="accent1"/>
+          </a:effectRef>
+          <a:fontRef idx="minor">
+            <a:schemeClr val="lt1"/>
+          </a:fontRef>
+        </p:style>
+        <p:txBody>
+          <a:bodyPr rtlCol="0" anchor="ctr"/>
+          <a:lstStyle/>
+          <a:p>
+            <a:pPr algn="ctr"/>
+            <a:endParaRPr lang="en-GB">
+              <a:latin typeface="Segoe UI" panose="020B0502040204020203" pitchFamily="34" charset="0"/>
+              <a:cs typeface="Segoe UI" panose="020B0502040204020203" pitchFamily="34" charset="0"/>
+            </a:endParaRPr>
+          </a:p>
+        </p:txBody>
+      </p:sp>
+      <p:cxnSp>
+        <p:nvCxnSpPr>
+          <p:cNvPr id="7" name="Straight Connector 6">
+            <a:extLst>
+              <a:ext uri="{FF2B5EF4-FFF2-40B4-BE49-F238E27FC236}">
+                <a16:creationId xmlns:a16="http://schemas.microsoft.com/office/drawing/2014/main" id="{5B3AFA23-E550-4B2B-8247-AFA75329D28C}"/>
+              </a:ext>
+            </a:extLst>
+          </p:cNvPr>
+          <p:cNvCxnSpPr>
+            <a:cxnSpLocks/>
+          </p:cNvCxnSpPr>
+          <p:nvPr/>
+        </p:nvCxnSpPr>
+        <p:spPr>
+          <a:xfrm>
+            <a:off x="8238930" y="0"/>
+            <a:ext cx="0" cy="6858000"/>
+          </a:xfrm>
+          <a:prstGeom prst="line">
+            <a:avLst/>
+          </a:prstGeom>
+          <a:ln w="127000">
+            <a:solidFill>
+              <a:schemeClr val="tx1"/>
+            </a:solidFill>
+          </a:ln>
+        </p:spPr>
+        <p:style>
+          <a:lnRef idx="1">
+            <a:schemeClr val="accent1"/>
+          </a:lnRef>
+          <a:fillRef idx="0">
+            <a:schemeClr val="accent1"/>
+          </a:fillRef>
+          <a:effectRef idx="0">
+            <a:schemeClr val="accent1"/>
+          </a:effectRef>
+          <a:fontRef idx="minor">
+            <a:schemeClr val="tx1"/>
+          </a:fontRef>
+        </p:style>
+      </p:cxnSp>
+      <p:cxnSp>
+        <p:nvCxnSpPr>
+          <p:cNvPr id="9" name="Straight Connector 8">
+            <a:extLst>
+              <a:ext uri="{FF2B5EF4-FFF2-40B4-BE49-F238E27FC236}">
+                <a16:creationId xmlns:a16="http://schemas.microsoft.com/office/drawing/2014/main" id="{8ECDE257-0E06-4C73-B713-15F600FA91AE}"/>
+              </a:ext>
+            </a:extLst>
+          </p:cNvPr>
+          <p:cNvCxnSpPr>
+            <a:cxnSpLocks/>
+          </p:cNvCxnSpPr>
+          <p:nvPr/>
+        </p:nvCxnSpPr>
+        <p:spPr>
+          <a:xfrm>
+            <a:off x="3097763" y="3437944"/>
+            <a:ext cx="0" cy="2449286"/>
+          </a:xfrm>
+          <a:prstGeom prst="line">
+            <a:avLst/>
+          </a:prstGeom>
+          <a:ln w="15875" cmpd="dbl">
+            <a:solidFill>
+              <a:schemeClr val="accent6">
+                <a:lumMod val="75000"/>
+              </a:schemeClr>
+            </a:solidFill>
+            <a:prstDash val="lgDash"/>
+          </a:ln>
+        </p:spPr>
+        <p:style>
+          <a:lnRef idx="1">
+            <a:schemeClr val="accent1"/>
+          </a:lnRef>
+          <a:fillRef idx="0">
+            <a:schemeClr val="accent1"/>
+          </a:fillRef>
+          <a:effectRef idx="0">
+            <a:schemeClr val="accent1"/>
+          </a:effectRef>
+          <a:fontRef idx="minor">
+            <a:schemeClr val="tx1"/>
+          </a:fontRef>
+        </p:style>
+      </p:cxnSp>
+      <p:sp>
+        <p:nvSpPr>
+          <p:cNvPr id="13" name="Rectangle: Rounded Corners 12">
+            <a:extLst>
+              <a:ext uri="{FF2B5EF4-FFF2-40B4-BE49-F238E27FC236}">
+                <a16:creationId xmlns:a16="http://schemas.microsoft.com/office/drawing/2014/main" id="{497DB97B-039D-4182-8A21-C324F5A05084}"/>
+              </a:ext>
+            </a:extLst>
+          </p:cNvPr>
+          <p:cNvSpPr/>
+          <p:nvPr/>
+        </p:nvSpPr>
+        <p:spPr>
+          <a:xfrm>
+            <a:off x="1244080" y="709127"/>
+            <a:ext cx="5520611" cy="2183363"/>
+          </a:xfrm>
+          <a:prstGeom prst="roundRect">
+            <a:avLst/>
+          </a:prstGeom>
+          <a:solidFill>
+            <a:schemeClr val="bg1">
+              <a:lumMod val="85000"/>
+            </a:schemeClr>
+          </a:solidFill>
+          <a:ln w="28575">
+            <a:solidFill>
+              <a:srgbClr val="FF0000"/>
+            </a:solidFill>
+          </a:ln>
+        </p:spPr>
+        <p:style>
+          <a:lnRef idx="2">
+            <a:schemeClr val="accent1">
+              <a:shade val="50000"/>
+            </a:schemeClr>
+          </a:lnRef>
+          <a:fillRef idx="1">
+            <a:schemeClr val="accent1"/>
+          </a:fillRef>
+          <a:effectRef idx="0">
+            <a:schemeClr val="accent1"/>
+          </a:effectRef>
+          <a:fontRef idx="minor">
+            <a:schemeClr val="lt1"/>
+          </a:fontRef>
+        </p:style>
+        <p:txBody>
+          <a:bodyPr rtlCol="0" anchor="ctr"/>
+          <a:lstStyle/>
+          <a:p>
+            <a:pPr algn="ctr"/>
+            <a:endParaRPr lang="en-GB">
+              <a:latin typeface="Segoe UI" panose="020B0502040204020203" pitchFamily="34" charset="0"/>
+              <a:cs typeface="Segoe UI" panose="020B0502040204020203" pitchFamily="34" charset="0"/>
+            </a:endParaRPr>
+          </a:p>
+        </p:txBody>
+      </p:sp>
+      <p:sp>
+        <p:nvSpPr>
+          <p:cNvPr id="14" name="Rectangle: Rounded Corners 13">
+            <a:extLst>
+              <a:ext uri="{FF2B5EF4-FFF2-40B4-BE49-F238E27FC236}">
+                <a16:creationId xmlns:a16="http://schemas.microsoft.com/office/drawing/2014/main" id="{670B406B-FAA1-4A47-9E0F-388A4554F760}"/>
+              </a:ext>
+            </a:extLst>
+          </p:cNvPr>
+          <p:cNvSpPr/>
+          <p:nvPr/>
+        </p:nvSpPr>
+        <p:spPr>
+          <a:xfrm>
+            <a:off x="5951371" y="4406768"/>
+            <a:ext cx="1819470" cy="942392"/>
+          </a:xfrm>
+          <a:prstGeom prst="roundRect">
+            <a:avLst/>
+          </a:prstGeom>
+          <a:solidFill>
+            <a:schemeClr val="bg1">
+              <a:lumMod val="85000"/>
+            </a:schemeClr>
+          </a:solidFill>
+          <a:ln w="28575">
+            <a:solidFill>
+              <a:srgbClr val="FF0000"/>
+            </a:solidFill>
+          </a:ln>
+        </p:spPr>
+        <p:style>
+          <a:lnRef idx="2">
+            <a:schemeClr val="accent1">
+              <a:shade val="50000"/>
+            </a:schemeClr>
+          </a:lnRef>
+          <a:fillRef idx="1">
+            <a:schemeClr val="accent1"/>
+          </a:fillRef>
+          <a:effectRef idx="0">
+            <a:schemeClr val="accent1"/>
+          </a:effectRef>
+          <a:fontRef idx="minor">
+            <a:schemeClr val="lt1"/>
+          </a:fontRef>
+        </p:style>
+        <p:txBody>
+          <a:bodyPr rtlCol="0" anchor="ctr"/>
+          <a:lstStyle/>
+          <a:p>
+            <a:pPr algn="ctr"/>
+            <a:endParaRPr lang="en-GB">
+              <a:latin typeface="Segoe UI" panose="020B0502040204020203" pitchFamily="34" charset="0"/>
+              <a:cs typeface="Segoe UI" panose="020B0502040204020203" pitchFamily="34" charset="0"/>
+            </a:endParaRPr>
+          </a:p>
+        </p:txBody>
+      </p:sp>
+      <p:sp>
+        <p:nvSpPr>
+          <p:cNvPr id="15" name="Rectangle: Rounded Corners 14">
+            <a:extLst>
+              <a:ext uri="{FF2B5EF4-FFF2-40B4-BE49-F238E27FC236}">
+                <a16:creationId xmlns:a16="http://schemas.microsoft.com/office/drawing/2014/main" id="{56FA4A14-0892-4CE1-BE7A-A2056ECF1DAC}"/>
+              </a:ext>
+            </a:extLst>
+          </p:cNvPr>
+          <p:cNvSpPr/>
+          <p:nvPr/>
+        </p:nvSpPr>
+        <p:spPr>
+          <a:xfrm>
+            <a:off x="3456988" y="4406768"/>
+            <a:ext cx="1819470" cy="942392"/>
+          </a:xfrm>
+          <a:prstGeom prst="roundRect">
+            <a:avLst/>
+          </a:prstGeom>
+          <a:solidFill>
+            <a:schemeClr val="bg1">
+              <a:lumMod val="85000"/>
+            </a:schemeClr>
+          </a:solidFill>
+          <a:ln w="28575">
+            <a:solidFill>
+              <a:srgbClr val="FF0000"/>
+            </a:solidFill>
+          </a:ln>
+        </p:spPr>
+        <p:style>
+          <a:lnRef idx="2">
+            <a:schemeClr val="accent1">
+              <a:shade val="50000"/>
+            </a:schemeClr>
+          </a:lnRef>
+          <a:fillRef idx="1">
+            <a:schemeClr val="accent1"/>
+          </a:fillRef>
+          <a:effectRef idx="0">
+            <a:schemeClr val="accent1"/>
+          </a:effectRef>
+          <a:fontRef idx="minor">
+            <a:schemeClr val="lt1"/>
+          </a:fontRef>
+        </p:style>
+        <p:txBody>
+          <a:bodyPr rtlCol="0" anchor="ctr"/>
+          <a:lstStyle/>
+          <a:p>
+            <a:pPr algn="ctr"/>
+            <a:endParaRPr lang="en-GB">
+              <a:latin typeface="Segoe UI" panose="020B0502040204020203" pitchFamily="34" charset="0"/>
+              <a:cs typeface="Segoe UI" panose="020B0502040204020203" pitchFamily="34" charset="0"/>
+            </a:endParaRPr>
+          </a:p>
+        </p:txBody>
+      </p:sp>
+      <p:cxnSp>
+        <p:nvCxnSpPr>
+          <p:cNvPr id="16" name="Straight Connector 15">
+            <a:extLst>
+              <a:ext uri="{FF2B5EF4-FFF2-40B4-BE49-F238E27FC236}">
+                <a16:creationId xmlns:a16="http://schemas.microsoft.com/office/drawing/2014/main" id="{B8646BD2-FF5F-47C6-9788-5228BF540137}"/>
+              </a:ext>
+            </a:extLst>
+          </p:cNvPr>
+          <p:cNvCxnSpPr>
+            <a:cxnSpLocks/>
+          </p:cNvCxnSpPr>
+          <p:nvPr/>
+        </p:nvCxnSpPr>
+        <p:spPr>
+          <a:xfrm>
+            <a:off x="5592147" y="3429000"/>
+            <a:ext cx="0" cy="2449286"/>
+          </a:xfrm>
+          <a:prstGeom prst="line">
+            <a:avLst/>
+          </a:prstGeom>
+          <a:ln w="15875" cmpd="dbl">
+            <a:solidFill>
+              <a:schemeClr val="accent6">
+                <a:lumMod val="75000"/>
+              </a:schemeClr>
+            </a:solidFill>
+            <a:prstDash val="lgDash"/>
+          </a:ln>
+        </p:spPr>
+        <p:style>
+          <a:lnRef idx="1">
+            <a:schemeClr val="accent1"/>
+          </a:lnRef>
+          <a:fillRef idx="0">
+            <a:schemeClr val="accent1"/>
+          </a:fillRef>
+          <a:effectRef idx="0">
+            <a:schemeClr val="accent1"/>
+          </a:effectRef>
+          <a:fontRef idx="minor">
+            <a:schemeClr val="tx1"/>
+          </a:fontRef>
+        </p:style>
+      </p:cxnSp>
+      <p:sp>
+        <p:nvSpPr>
+          <p:cNvPr id="17" name="TextBox 16">
+            <a:extLst>
+              <a:ext uri="{FF2B5EF4-FFF2-40B4-BE49-F238E27FC236}">
+                <a16:creationId xmlns:a16="http://schemas.microsoft.com/office/drawing/2014/main" id="{6E8BFC32-3AFA-4B4C-9172-2CBE21A80A58}"/>
+              </a:ext>
+            </a:extLst>
+          </p:cNvPr>
+          <p:cNvSpPr txBox="1"/>
+          <p:nvPr/>
+        </p:nvSpPr>
+        <p:spPr>
+          <a:xfrm>
+            <a:off x="2362465" y="1178588"/>
+            <a:ext cx="3187956" cy="1446550"/>
+          </a:xfrm>
+          <a:prstGeom prst="rect">
+            <a:avLst/>
+          </a:prstGeom>
+          <a:noFill/>
+        </p:spPr>
+        <p:txBody>
+          <a:bodyPr wrap="square" rtlCol="0">
+            <a:spAutoFit/>
           </a:bodyPr>
           <a:lstStyle/>
           <a:p>
-            <a:pPr algn="ctr"/>
-            <a:r>
-              <a:rPr lang="en-GB" sz="6600" dirty="0">
-                <a:solidFill>
-                  <a:schemeClr val="bg1"/>
-                </a:solidFill>
+            <a:r>
+              <a:rPr lang="en-GB" sz="8800" dirty="0">
                 <a:latin typeface="Segoe UI" panose="020B0502040204020203" pitchFamily="34" charset="0"/>
                 <a:cs typeface="Segoe UI" panose="020B0502040204020203" pitchFamily="34" charset="0"/>
               </a:rPr>
-              <a:t>WP REST API &amp; AJAX</a:t>
-            </a:r>
-          </a:p>
-        </p:txBody>
-      </p:sp>
-      <p:sp>
-        <p:nvSpPr>
-          <p:cNvPr id="4" name="Content Placeholder 2">
-            <a:extLst>
-              <a:ext uri="{FF2B5EF4-FFF2-40B4-BE49-F238E27FC236}">
-                <a16:creationId xmlns:a16="http://schemas.microsoft.com/office/drawing/2014/main" id="{088CCB65-11B4-408B-9ED3-1304FE85032F}"/>
-              </a:ext>
-            </a:extLst>
-          </p:cNvPr>
-          <p:cNvSpPr>
-            <a:spLocks noGrp="1"/>
-          </p:cNvSpPr>
-          <p:nvPr>
-            <p:ph idx="1"/>
-          </p:nvPr>
+              <a:t>HTML</a:t>
+            </a:r>
+          </a:p>
+        </p:txBody>
+      </p:sp>
+      <p:sp>
+        <p:nvSpPr>
+          <p:cNvPr id="19" name="TextBox 18">
+            <a:extLst>
+              <a:ext uri="{FF2B5EF4-FFF2-40B4-BE49-F238E27FC236}">
+                <a16:creationId xmlns:a16="http://schemas.microsoft.com/office/drawing/2014/main" id="{C81F58F9-1FC7-477B-877C-80F0959EBC0E}"/>
+              </a:ext>
+            </a:extLst>
+          </p:cNvPr>
+          <p:cNvSpPr txBox="1"/>
+          <p:nvPr/>
         </p:nvSpPr>
         <p:spPr>
           <a:xfrm>
-            <a:off x="838200" y="1560945"/>
-            <a:ext cx="10515600" cy="4742661"/>
-          </a:xfrm>
-        </p:spPr>
-        <p:txBody>
-          <a:bodyPr wrap="square" bIns="252000">
-            <a:normAutofit fontScale="92500" lnSpcReduction="20000"/>
+            <a:off x="6019022" y="4693298"/>
+            <a:ext cx="1686507" cy="369332"/>
+          </a:xfrm>
+          <a:prstGeom prst="rect">
+            <a:avLst/>
+          </a:prstGeom>
+          <a:noFill/>
+        </p:spPr>
+        <p:txBody>
+          <a:bodyPr wrap="square" rtlCol="0">
+            <a:spAutoFit/>
           </a:bodyPr>
           <a:lstStyle/>
           <a:p>
-            <a:pPr marL="457200" lvl="1" indent="0">
-              <a:buNone/>
-            </a:pPr>
-            <a:r>
-              <a:rPr lang="en-GB" sz="5100" dirty="0">
-                <a:solidFill>
-                  <a:srgbClr val="2196F3"/>
-                </a:solidFill>
+            <a:r>
+              <a:rPr lang="en-GB" dirty="0">
                 <a:latin typeface="Segoe UI" panose="020B0502040204020203" pitchFamily="34" charset="0"/>
                 <a:cs typeface="Segoe UI" panose="020B0502040204020203" pitchFamily="34" charset="0"/>
               </a:rPr>
-              <a:t>DECOUPLED/HEADLESS WP</a:t>
-            </a:r>
-          </a:p>
-          <a:p>
-            <a:pPr marL="457200" lvl="1" indent="0">
-              <a:spcBef>
-                <a:spcPts val="1200"/>
-              </a:spcBef>
-              <a:buNone/>
-            </a:pPr>
-            <a:endParaRPr lang="en-GB" sz="1050" dirty="0">
-              <a:solidFill>
-                <a:srgbClr val="2196F3"/>
-              </a:solidFill>
+              <a:t>Framework ...n</a:t>
+            </a:r>
+          </a:p>
+        </p:txBody>
+      </p:sp>
+      <p:sp>
+        <p:nvSpPr>
+          <p:cNvPr id="20" name="TextBox 19">
+            <a:extLst>
+              <a:ext uri="{FF2B5EF4-FFF2-40B4-BE49-F238E27FC236}">
+                <a16:creationId xmlns:a16="http://schemas.microsoft.com/office/drawing/2014/main" id="{FB923CCF-0EA9-4C2D-AC00-B89B13CB18B9}"/>
+              </a:ext>
+            </a:extLst>
+          </p:cNvPr>
+          <p:cNvSpPr txBox="1"/>
+          <p:nvPr/>
+        </p:nvSpPr>
+        <p:spPr>
+          <a:xfrm>
+            <a:off x="3619499" y="4693298"/>
+            <a:ext cx="1488233" cy="369332"/>
+          </a:xfrm>
+          <a:prstGeom prst="rect">
+            <a:avLst/>
+          </a:prstGeom>
+          <a:noFill/>
+        </p:spPr>
+        <p:txBody>
+          <a:bodyPr wrap="square" rtlCol="0">
+            <a:spAutoFit/>
+          </a:bodyPr>
+          <a:lstStyle/>
+          <a:p>
+            <a:r>
+              <a:rPr lang="en-GB" dirty="0">
+                <a:latin typeface="Segoe UI" panose="020B0502040204020203" pitchFamily="34" charset="0"/>
+                <a:cs typeface="Segoe UI" panose="020B0502040204020203" pitchFamily="34" charset="0"/>
+              </a:rPr>
+              <a:t>Framework 2</a:t>
+            </a:r>
+          </a:p>
+        </p:txBody>
+      </p:sp>
+      <p:sp>
+        <p:nvSpPr>
+          <p:cNvPr id="21" name="TextBox 20">
+            <a:extLst>
+              <a:ext uri="{FF2B5EF4-FFF2-40B4-BE49-F238E27FC236}">
+                <a16:creationId xmlns:a16="http://schemas.microsoft.com/office/drawing/2014/main" id="{000E004F-3DEE-453A-880F-3667A9536687}"/>
+              </a:ext>
+            </a:extLst>
+          </p:cNvPr>
+          <p:cNvSpPr txBox="1"/>
+          <p:nvPr/>
+        </p:nvSpPr>
+        <p:spPr>
+          <a:xfrm>
+            <a:off x="1091681" y="4693298"/>
+            <a:ext cx="1488233" cy="369332"/>
+          </a:xfrm>
+          <a:prstGeom prst="rect">
+            <a:avLst/>
+          </a:prstGeom>
+          <a:noFill/>
+        </p:spPr>
+        <p:txBody>
+          <a:bodyPr wrap="square" rtlCol="0">
+            <a:spAutoFit/>
+          </a:bodyPr>
+          <a:lstStyle/>
+          <a:p>
+            <a:r>
+              <a:rPr lang="en-GB" dirty="0">
+                <a:latin typeface="Segoe UI" panose="020B0502040204020203" pitchFamily="34" charset="0"/>
+                <a:cs typeface="Segoe UI" panose="020B0502040204020203" pitchFamily="34" charset="0"/>
+              </a:rPr>
+              <a:t>Framework 1</a:t>
+            </a:r>
+          </a:p>
+        </p:txBody>
+      </p:sp>
+      <p:sp>
+        <p:nvSpPr>
+          <p:cNvPr id="23" name="Rectangle: Rounded Corners 22">
+            <a:extLst>
+              <a:ext uri="{FF2B5EF4-FFF2-40B4-BE49-F238E27FC236}">
+                <a16:creationId xmlns:a16="http://schemas.microsoft.com/office/drawing/2014/main" id="{B8A217E0-2E19-412E-A686-048F33BFC561}"/>
+              </a:ext>
+            </a:extLst>
+          </p:cNvPr>
+          <p:cNvSpPr/>
+          <p:nvPr/>
+        </p:nvSpPr>
+        <p:spPr>
+          <a:xfrm>
+            <a:off x="9193762" y="709127"/>
+            <a:ext cx="2251787" cy="4609322"/>
+          </a:xfrm>
+          <a:prstGeom prst="roundRect">
+            <a:avLst/>
+          </a:prstGeom>
+          <a:solidFill>
+            <a:schemeClr val="bg1">
+              <a:lumMod val="85000"/>
+            </a:schemeClr>
+          </a:solidFill>
+          <a:ln w="28575">
+            <a:solidFill>
+              <a:srgbClr val="FF0000"/>
+            </a:solidFill>
+          </a:ln>
+        </p:spPr>
+        <p:style>
+          <a:lnRef idx="2">
+            <a:schemeClr val="accent1">
+              <a:shade val="50000"/>
+            </a:schemeClr>
+          </a:lnRef>
+          <a:fillRef idx="1">
+            <a:schemeClr val="accent1"/>
+          </a:fillRef>
+          <a:effectRef idx="0">
+            <a:schemeClr val="accent1"/>
+          </a:effectRef>
+          <a:fontRef idx="minor">
+            <a:schemeClr val="lt1"/>
+          </a:fontRef>
+        </p:style>
+        <p:txBody>
+          <a:bodyPr rtlCol="0" anchor="ctr"/>
+          <a:lstStyle/>
+          <a:p>
+            <a:pPr algn="ctr"/>
+            <a:endParaRPr lang="en-GB">
               <a:latin typeface="Segoe UI" panose="020B0502040204020203" pitchFamily="34" charset="0"/>
               <a:cs typeface="Segoe UI" panose="020B0502040204020203" pitchFamily="34" charset="0"/>
             </a:endParaRPr>
           </a:p>
-          <a:p>
-            <a:pPr lvl="1">
-              <a:spcBef>
-                <a:spcPts val="1200"/>
-              </a:spcBef>
-            </a:pPr>
-            <a:r>
-              <a:rPr lang="en-GB" sz="2800" dirty="0">
-                <a:solidFill>
-                  <a:srgbClr val="2196F3"/>
+        </p:txBody>
+      </p:sp>
+      <p:cxnSp>
+        <p:nvCxnSpPr>
+          <p:cNvPr id="18" name="Straight Arrow Connector 17">
+            <a:extLst>
+              <a:ext uri="{FF2B5EF4-FFF2-40B4-BE49-F238E27FC236}">
+                <a16:creationId xmlns:a16="http://schemas.microsoft.com/office/drawing/2014/main" id="{5F7D620A-347A-4465-8346-ADDE9EFF331B}"/>
+              </a:ext>
+            </a:extLst>
+          </p:cNvPr>
+          <p:cNvCxnSpPr>
+            <a:cxnSpLocks/>
+          </p:cNvCxnSpPr>
+          <p:nvPr/>
+        </p:nvCxnSpPr>
+        <p:spPr>
+          <a:xfrm flipV="1">
+            <a:off x="1688841" y="1346327"/>
+            <a:ext cx="0" cy="3029730"/>
+          </a:xfrm>
+          <a:prstGeom prst="straightConnector1">
+            <a:avLst/>
+          </a:prstGeom>
+          <a:ln w="38100">
+            <a:solidFill>
+              <a:schemeClr val="accent1">
+                <a:lumMod val="75000"/>
+              </a:schemeClr>
+            </a:solidFill>
+            <a:tailEnd type="triangle"/>
+          </a:ln>
+        </p:spPr>
+        <p:style>
+          <a:lnRef idx="1">
+            <a:schemeClr val="accent1"/>
+          </a:lnRef>
+          <a:fillRef idx="0">
+            <a:schemeClr val="accent1"/>
+          </a:fillRef>
+          <a:effectRef idx="0">
+            <a:schemeClr val="accent1"/>
+          </a:effectRef>
+          <a:fontRef idx="minor">
+            <a:schemeClr val="tx1"/>
+          </a:fontRef>
+        </p:style>
+      </p:cxnSp>
+      <p:cxnSp>
+        <p:nvCxnSpPr>
+          <p:cNvPr id="22" name="Straight Arrow Connector 21">
+            <a:extLst>
+              <a:ext uri="{FF2B5EF4-FFF2-40B4-BE49-F238E27FC236}">
+                <a16:creationId xmlns:a16="http://schemas.microsoft.com/office/drawing/2014/main" id="{58038E94-A816-4097-B154-9278E5E3AEC5}"/>
+              </a:ext>
+            </a:extLst>
+          </p:cNvPr>
+          <p:cNvCxnSpPr>
+            <a:cxnSpLocks/>
+          </p:cNvCxnSpPr>
+          <p:nvPr/>
+        </p:nvCxnSpPr>
+        <p:spPr>
+          <a:xfrm flipV="1">
+            <a:off x="4266429" y="2692866"/>
+            <a:ext cx="0" cy="1713902"/>
+          </a:xfrm>
+          <a:prstGeom prst="straightConnector1">
+            <a:avLst/>
+          </a:prstGeom>
+          <a:ln w="38100">
+            <a:solidFill>
+              <a:schemeClr val="accent1">
+                <a:lumMod val="75000"/>
+              </a:schemeClr>
+            </a:solidFill>
+            <a:tailEnd type="triangle"/>
+          </a:ln>
+        </p:spPr>
+        <p:style>
+          <a:lnRef idx="1">
+            <a:schemeClr val="accent1"/>
+          </a:lnRef>
+          <a:fillRef idx="0">
+            <a:schemeClr val="accent1"/>
+          </a:fillRef>
+          <a:effectRef idx="0">
+            <a:schemeClr val="accent1"/>
+          </a:effectRef>
+          <a:fontRef idx="minor">
+            <a:schemeClr val="tx1"/>
+          </a:fontRef>
+        </p:style>
+      </p:cxnSp>
+      <p:cxnSp>
+        <p:nvCxnSpPr>
+          <p:cNvPr id="25" name="Straight Arrow Connector 24">
+            <a:extLst>
+              <a:ext uri="{FF2B5EF4-FFF2-40B4-BE49-F238E27FC236}">
+                <a16:creationId xmlns:a16="http://schemas.microsoft.com/office/drawing/2014/main" id="{CE3C969B-AEB4-4EC9-9A8E-B3AE9B64804C}"/>
+              </a:ext>
+            </a:extLst>
+          </p:cNvPr>
+          <p:cNvCxnSpPr/>
+          <p:nvPr/>
+        </p:nvCxnSpPr>
+        <p:spPr>
+          <a:xfrm flipV="1">
+            <a:off x="6263180" y="1666564"/>
+            <a:ext cx="0" cy="2740204"/>
+          </a:xfrm>
+          <a:prstGeom prst="straightConnector1">
+            <a:avLst/>
+          </a:prstGeom>
+          <a:ln w="38100">
+            <a:solidFill>
+              <a:schemeClr val="accent1">
+                <a:lumMod val="75000"/>
+              </a:schemeClr>
+            </a:solidFill>
+            <a:tailEnd type="triangle"/>
+          </a:ln>
+        </p:spPr>
+        <p:style>
+          <a:lnRef idx="1">
+            <a:schemeClr val="accent1"/>
+          </a:lnRef>
+          <a:fillRef idx="0">
+            <a:schemeClr val="accent1"/>
+          </a:fillRef>
+          <a:effectRef idx="0">
+            <a:schemeClr val="accent1"/>
+          </a:effectRef>
+          <a:fontRef idx="minor">
+            <a:schemeClr val="tx1"/>
+          </a:fontRef>
+        </p:style>
+      </p:cxnSp>
+      <p:sp>
+        <p:nvSpPr>
+          <p:cNvPr id="2" name="TextBox 1">
+            <a:extLst>
+              <a:ext uri="{FF2B5EF4-FFF2-40B4-BE49-F238E27FC236}">
+                <a16:creationId xmlns:a16="http://schemas.microsoft.com/office/drawing/2014/main" id="{750521FD-EDC1-47B6-839B-F4D55BFCABCF}"/>
+              </a:ext>
+            </a:extLst>
+          </p:cNvPr>
+          <p:cNvSpPr txBox="1"/>
+          <p:nvPr/>
+        </p:nvSpPr>
+        <p:spPr>
+          <a:xfrm>
+            <a:off x="1388706" y="830901"/>
+            <a:ext cx="3590988" cy="646331"/>
+          </a:xfrm>
+          <a:prstGeom prst="rect">
+            <a:avLst/>
+          </a:prstGeom>
+          <a:noFill/>
+        </p:spPr>
+        <p:txBody>
+          <a:bodyPr wrap="square" rtlCol="0">
+            <a:spAutoFit/>
+          </a:bodyPr>
+          <a:lstStyle/>
+          <a:p>
+            <a:r>
+              <a:rPr lang="en-GB" dirty="0">
+                <a:solidFill>
+                  <a:schemeClr val="accent1">
+                    <a:lumMod val="75000"/>
+                  </a:schemeClr>
+                </a:solidFill>
+              </a:rPr>
+              <a:t>&lt;script src=“bundle.js”&gt;&lt;/script&gt;</a:t>
+            </a:r>
+          </a:p>
+          <a:p>
+            <a:r>
+              <a:rPr lang="en-GB" dirty="0">
+                <a:solidFill>
+                  <a:schemeClr val="accent1">
+                    <a:lumMod val="75000"/>
+                  </a:schemeClr>
+                </a:solidFill>
+              </a:rPr>
+              <a:t>&lt;div id=“app”&gt;</a:t>
+            </a:r>
+          </a:p>
+        </p:txBody>
+      </p:sp>
+      <p:sp>
+        <p:nvSpPr>
+          <p:cNvPr id="26" name="TextBox 25">
+            <a:extLst>
+              <a:ext uri="{FF2B5EF4-FFF2-40B4-BE49-F238E27FC236}">
+                <a16:creationId xmlns:a16="http://schemas.microsoft.com/office/drawing/2014/main" id="{92E01203-6628-42AA-B191-2BE8EE04C15B}"/>
+              </a:ext>
+            </a:extLst>
+          </p:cNvPr>
+          <p:cNvSpPr txBox="1"/>
+          <p:nvPr/>
+        </p:nvSpPr>
+        <p:spPr>
+          <a:xfrm>
+            <a:off x="9728713" y="1046454"/>
+            <a:ext cx="1278294" cy="369332"/>
+          </a:xfrm>
+          <a:prstGeom prst="rect">
+            <a:avLst/>
+          </a:prstGeom>
+          <a:solidFill>
+            <a:schemeClr val="accent1">
+              <a:lumMod val="60000"/>
+              <a:lumOff val="40000"/>
+            </a:schemeClr>
+          </a:solidFill>
+        </p:spPr>
+        <p:style>
+          <a:lnRef idx="2">
+            <a:schemeClr val="accent6">
+              <a:shade val="50000"/>
+            </a:schemeClr>
+          </a:lnRef>
+          <a:fillRef idx="1">
+            <a:schemeClr val="accent6"/>
+          </a:fillRef>
+          <a:effectRef idx="0">
+            <a:schemeClr val="accent6"/>
+          </a:effectRef>
+          <a:fontRef idx="minor">
+            <a:schemeClr val="lt1"/>
+          </a:fontRef>
+        </p:style>
+        <p:txBody>
+          <a:bodyPr rtlCol="0" anchor="ctr"/>
+          <a:lstStyle>
+            <a:defPPr>
+              <a:defRPr lang="en-US"/>
+            </a:defPPr>
+            <a:lvl1pPr algn="ctr">
+              <a:defRPr>
+                <a:solidFill>
+                  <a:schemeClr val="lt1"/>
                 </a:solidFill>
                 <a:latin typeface="Segoe UI" panose="020B0502040204020203" pitchFamily="34" charset="0"/>
                 <a:cs typeface="Segoe UI" panose="020B0502040204020203" pitchFamily="34" charset="0"/>
-              </a:rPr>
-              <a:t>As we are using JS blocks in our PHP pages this can lead to using these scripts in HTML pages or PHP outside of the WP ecosystem.</a:t>
-            </a:r>
-          </a:p>
-          <a:p>
-            <a:pPr lvl="1">
-              <a:spcBef>
-                <a:spcPts val="1200"/>
-              </a:spcBef>
-            </a:pPr>
-            <a:r>
-              <a:rPr lang="en-GB" sz="2800" dirty="0">
-                <a:solidFill>
-                  <a:srgbClr val="2196F3"/>
-                </a:solidFill>
-                <a:latin typeface="Segoe UI" panose="020B0502040204020203" pitchFamily="34" charset="0"/>
-                <a:cs typeface="Segoe UI" panose="020B0502040204020203" pitchFamily="34" charset="0"/>
-              </a:rPr>
-              <a:t>This means we can have DECOUPLED or HEADLESS WP sites</a:t>
-            </a:r>
-          </a:p>
-          <a:p>
-            <a:pPr lvl="1">
-              <a:spcBef>
-                <a:spcPts val="1200"/>
-              </a:spcBef>
-            </a:pPr>
-            <a:r>
-              <a:rPr lang="en-GB" sz="2800" dirty="0">
-                <a:solidFill>
-                  <a:srgbClr val="2196F3"/>
-                </a:solidFill>
-                <a:latin typeface="Segoe UI" panose="020B0502040204020203" pitchFamily="34" charset="0"/>
-                <a:cs typeface="Segoe UI" panose="020B0502040204020203" pitchFamily="34" charset="0"/>
-              </a:rPr>
-              <a:t>DECOUPLED means raw data, (JSON), is sent and client page renders format.</a:t>
-            </a:r>
-          </a:p>
-          <a:p>
-            <a:pPr lvl="1">
-              <a:spcBef>
-                <a:spcPts val="1200"/>
-              </a:spcBef>
-            </a:pPr>
-            <a:r>
-              <a:rPr lang="en-GB" sz="2800" dirty="0">
-                <a:solidFill>
-                  <a:srgbClr val="2196F3"/>
-                </a:solidFill>
-                <a:latin typeface="Segoe UI" panose="020B0502040204020203" pitchFamily="34" charset="0"/>
-                <a:cs typeface="Segoe UI" panose="020B0502040204020203" pitchFamily="34" charset="0"/>
-              </a:rPr>
-              <a:t>HEADLESS means formatting preconfigured in a ready made block, for example by sending HTML and CSS combined.</a:t>
-            </a:r>
-          </a:p>
-          <a:p>
-            <a:pPr lvl="1">
-              <a:spcBef>
-                <a:spcPts val="1200"/>
-              </a:spcBef>
-            </a:pPr>
-            <a:r>
-              <a:rPr lang="en-GB" sz="2800" dirty="0">
-                <a:solidFill>
-                  <a:srgbClr val="2196F3"/>
-                </a:solidFill>
-                <a:latin typeface="Segoe UI" panose="020B0502040204020203" pitchFamily="34" charset="0"/>
-                <a:cs typeface="Segoe UI" panose="020B0502040204020203" pitchFamily="34" charset="0"/>
-              </a:rPr>
-              <a:t>Using JSON WEB TOKENS (JWT) we can also authenticate…</a:t>
-            </a:r>
-          </a:p>
-          <a:p>
-            <a:pPr lvl="1">
-              <a:spcBef>
-                <a:spcPts val="1200"/>
-              </a:spcBef>
-            </a:pPr>
-            <a:r>
-              <a:rPr lang="en-GB" sz="2800" dirty="0">
-                <a:solidFill>
-                  <a:srgbClr val="2196F3"/>
-                </a:solidFill>
-                <a:latin typeface="Segoe UI" panose="020B0502040204020203" pitchFamily="34" charset="0"/>
-                <a:cs typeface="Segoe UI" panose="020B0502040204020203" pitchFamily="34" charset="0"/>
-              </a:rPr>
-              <a:t>Example: https://wp-html.co.uk/semantic</a:t>
-            </a:r>
-          </a:p>
-          <a:p>
-            <a:pPr marL="457200" lvl="1" indent="0">
-              <a:buNone/>
-            </a:pPr>
-            <a:endParaRPr lang="en-GB" sz="6700" dirty="0">
-              <a:solidFill>
-                <a:srgbClr val="2196F3"/>
-              </a:solidFill>
-              <a:latin typeface="Segoe UI" panose="020B0502040204020203" pitchFamily="34" charset="0"/>
-              <a:cs typeface="Segoe UI" panose="020B0502040204020203" pitchFamily="34" charset="0"/>
-            </a:endParaRPr>
-          </a:p>
-          <a:p>
-            <a:pPr marL="457200" lvl="1" indent="0">
-              <a:buNone/>
-            </a:pPr>
-            <a:endParaRPr lang="en-GB" sz="6700" dirty="0">
-              <a:solidFill>
-                <a:srgbClr val="2196F3"/>
-              </a:solidFill>
-              <a:latin typeface="Segoe UI" panose="020B0502040204020203" pitchFamily="34" charset="0"/>
-              <a:cs typeface="Segoe UI" panose="020B0502040204020203" pitchFamily="34" charset="0"/>
-            </a:endParaRPr>
-          </a:p>
-          <a:p>
-            <a:pPr marL="457200" lvl="1" indent="0">
-              <a:buNone/>
-            </a:pPr>
-            <a:endParaRPr lang="en-GB" sz="6700" dirty="0">
-              <a:latin typeface="Segoe UI" panose="020B0502040204020203" pitchFamily="34" charset="0"/>
-              <a:cs typeface="Segoe UI" panose="020B0502040204020203" pitchFamily="34" charset="0"/>
-            </a:endParaRPr>
-          </a:p>
-          <a:p>
-            <a:pPr marL="0" indent="0">
-              <a:buNone/>
-            </a:pPr>
-            <a:endParaRPr lang="en-GB" dirty="0">
-              <a:latin typeface="Segoe UI" panose="020B0502040204020203" pitchFamily="34" charset="0"/>
-              <a:cs typeface="Segoe UI" panose="020B0502040204020203" pitchFamily="34" charset="0"/>
-            </a:endParaRPr>
-          </a:p>
-          <a:p>
-            <a:endParaRPr lang="en-GB" dirty="0">
-              <a:latin typeface="Segoe UI" panose="020B0502040204020203" pitchFamily="34" charset="0"/>
-              <a:cs typeface="Segoe UI" panose="020B0502040204020203" pitchFamily="34" charset="0"/>
-            </a:endParaRPr>
-          </a:p>
-        </p:txBody>
-      </p:sp>
+              </a:defRPr>
+            </a:lvl1pPr>
+            <a:lvl2pPr>
+              <a:defRPr>
+                <a:solidFill>
+                  <a:schemeClr val="lt1"/>
+                </a:solidFill>
+              </a:defRPr>
+            </a:lvl2pPr>
+            <a:lvl3pPr>
+              <a:defRPr>
+                <a:solidFill>
+                  <a:schemeClr val="lt1"/>
+                </a:solidFill>
+              </a:defRPr>
+            </a:lvl3pPr>
+            <a:lvl4pPr>
+              <a:defRPr>
+                <a:solidFill>
+                  <a:schemeClr val="lt1"/>
+                </a:solidFill>
+              </a:defRPr>
+            </a:lvl4pPr>
+            <a:lvl5pPr>
+              <a:defRPr>
+                <a:solidFill>
+                  <a:schemeClr val="lt1"/>
+                </a:solidFill>
+              </a:defRPr>
+            </a:lvl5pPr>
+            <a:lvl6pPr>
+              <a:defRPr>
+                <a:solidFill>
+                  <a:schemeClr val="lt1"/>
+                </a:solidFill>
+              </a:defRPr>
+            </a:lvl6pPr>
+            <a:lvl7pPr>
+              <a:defRPr>
+                <a:solidFill>
+                  <a:schemeClr val="lt1"/>
+                </a:solidFill>
+              </a:defRPr>
+            </a:lvl7pPr>
+            <a:lvl8pPr>
+              <a:defRPr>
+                <a:solidFill>
+                  <a:schemeClr val="lt1"/>
+                </a:solidFill>
+              </a:defRPr>
+            </a:lvl8pPr>
+            <a:lvl9pPr>
+              <a:defRPr>
+                <a:solidFill>
+                  <a:schemeClr val="lt1"/>
+                </a:solidFill>
+              </a:defRPr>
+            </a:lvl9pPr>
+          </a:lstStyle>
+          <a:p>
+            <a:r>
+              <a:rPr lang="en-GB" dirty="0"/>
+              <a:t>WordPress</a:t>
+            </a:r>
+          </a:p>
+        </p:txBody>
+      </p:sp>
+      <p:pic>
+        <p:nvPicPr>
+          <p:cNvPr id="4" name="Graphic 3" descr="Sad face with no fill">
+            <a:extLst>
+              <a:ext uri="{FF2B5EF4-FFF2-40B4-BE49-F238E27FC236}">
+                <a16:creationId xmlns:a16="http://schemas.microsoft.com/office/drawing/2014/main" id="{66A14EB3-BF63-41D8-9A63-AE052D7983C9}"/>
+              </a:ext>
+            </a:extLst>
+          </p:cNvPr>
+          <p:cNvPicPr>
+            <a:picLocks noChangeAspect="1"/>
+          </p:cNvPicPr>
+          <p:nvPr/>
+        </p:nvPicPr>
+        <p:blipFill>
+          <a:blip r:embed="rId2">
+            <a:extLst>
+              <a:ext uri="{28A0092B-C50C-407E-A947-70E740481C1C}">
+                <a14:useLocalDpi xmlns:a14="http://schemas.microsoft.com/office/drawing/2010/main" val="0"/>
+              </a:ext>
+              <a:ext uri="{96DAC541-7B7A-43D3-8B79-37D633B846F1}">
+                <asvg:svgBlip xmlns:asvg="http://schemas.microsoft.com/office/drawing/2016/SVG/main" r:embed="rId3"/>
+              </a:ext>
+            </a:extLst>
+          </a:blip>
+          <a:stretch>
+            <a:fillRect/>
+          </a:stretch>
+        </p:blipFill>
+        <p:spPr>
+          <a:xfrm>
+            <a:off x="9259074" y="1901863"/>
+            <a:ext cx="2155961" cy="2155961"/>
+          </a:xfrm>
+          <a:prstGeom prst="rect">
+            <a:avLst/>
+          </a:prstGeom>
+        </p:spPr>
+      </p:pic>
     </p:spTree>
     <p:extLst>
       <p:ext uri="{BB962C8B-B14F-4D97-AF65-F5344CB8AC3E}">
-        <p14:creationId xmlns:p14="http://schemas.microsoft.com/office/powerpoint/2010/main" val="3994601803"/>
+        <p14:creationId xmlns:p14="http://schemas.microsoft.com/office/powerpoint/2010/main" val="3965203367"/>
       </p:ext>
     </p:extLst>
   </p:cSld>
@@ -5856,906 +6578,12 @@
           <a:chExt cx="0" cy="0"/>
         </a:xfrm>
       </p:grpSpPr>
-      <p:sp>
-        <p:nvSpPr>
-          <p:cNvPr id="5" name="Rectangle: Rounded Corners 4">
-            <a:extLst>
-              <a:ext uri="{FF2B5EF4-FFF2-40B4-BE49-F238E27FC236}">
-                <a16:creationId xmlns:a16="http://schemas.microsoft.com/office/drawing/2014/main" id="{65B1CF75-47B8-4AC4-BD1E-926B376FD50D}"/>
-              </a:ext>
-            </a:extLst>
-          </p:cNvPr>
-          <p:cNvSpPr/>
-          <p:nvPr/>
-        </p:nvSpPr>
-        <p:spPr>
-          <a:xfrm>
-            <a:off x="886408" y="4376057"/>
-            <a:ext cx="1819470" cy="942392"/>
-          </a:xfrm>
-          <a:prstGeom prst="roundRect">
-            <a:avLst/>
-          </a:prstGeom>
-          <a:solidFill>
-            <a:schemeClr val="bg1">
-              <a:lumMod val="85000"/>
-            </a:schemeClr>
-          </a:solidFill>
-          <a:ln w="28575">
-            <a:solidFill>
-              <a:srgbClr val="FF0000"/>
-            </a:solidFill>
-          </a:ln>
-        </p:spPr>
-        <p:style>
-          <a:lnRef idx="2">
-            <a:schemeClr val="accent1">
-              <a:shade val="50000"/>
-            </a:schemeClr>
-          </a:lnRef>
-          <a:fillRef idx="1">
-            <a:schemeClr val="accent1"/>
-          </a:fillRef>
-          <a:effectRef idx="0">
-            <a:schemeClr val="accent1"/>
-          </a:effectRef>
-          <a:fontRef idx="minor">
-            <a:schemeClr val="lt1"/>
-          </a:fontRef>
-        </p:style>
-        <p:txBody>
-          <a:bodyPr rtlCol="0" anchor="ctr"/>
-          <a:lstStyle/>
-          <a:p>
-            <a:pPr algn="ctr"/>
-            <a:endParaRPr lang="en-GB">
-              <a:latin typeface="Segoe UI" panose="020B0502040204020203" pitchFamily="34" charset="0"/>
-              <a:cs typeface="Segoe UI" panose="020B0502040204020203" pitchFamily="34" charset="0"/>
-            </a:endParaRPr>
-          </a:p>
-        </p:txBody>
-      </p:sp>
-      <p:cxnSp>
-        <p:nvCxnSpPr>
-          <p:cNvPr id="7" name="Straight Connector 6">
-            <a:extLst>
-              <a:ext uri="{FF2B5EF4-FFF2-40B4-BE49-F238E27FC236}">
-                <a16:creationId xmlns:a16="http://schemas.microsoft.com/office/drawing/2014/main" id="{5B3AFA23-E550-4B2B-8247-AFA75329D28C}"/>
-              </a:ext>
-            </a:extLst>
-          </p:cNvPr>
-          <p:cNvCxnSpPr>
-            <a:cxnSpLocks/>
-          </p:cNvCxnSpPr>
-          <p:nvPr/>
-        </p:nvCxnSpPr>
-        <p:spPr>
-          <a:xfrm>
-            <a:off x="8238930" y="0"/>
-            <a:ext cx="0" cy="6858000"/>
-          </a:xfrm>
-          <a:prstGeom prst="line">
-            <a:avLst/>
-          </a:prstGeom>
-          <a:ln w="127000">
-            <a:solidFill>
-              <a:schemeClr val="tx1"/>
-            </a:solidFill>
-          </a:ln>
-        </p:spPr>
-        <p:style>
-          <a:lnRef idx="1">
-            <a:schemeClr val="accent1"/>
-          </a:lnRef>
-          <a:fillRef idx="0">
-            <a:schemeClr val="accent1"/>
-          </a:fillRef>
-          <a:effectRef idx="0">
-            <a:schemeClr val="accent1"/>
-          </a:effectRef>
-          <a:fontRef idx="minor">
-            <a:schemeClr val="tx1"/>
-          </a:fontRef>
-        </p:style>
-      </p:cxnSp>
-      <p:cxnSp>
-        <p:nvCxnSpPr>
-          <p:cNvPr id="9" name="Straight Connector 8">
-            <a:extLst>
-              <a:ext uri="{FF2B5EF4-FFF2-40B4-BE49-F238E27FC236}">
-                <a16:creationId xmlns:a16="http://schemas.microsoft.com/office/drawing/2014/main" id="{8ECDE257-0E06-4C73-B713-15F600FA91AE}"/>
-              </a:ext>
-            </a:extLst>
-          </p:cNvPr>
-          <p:cNvCxnSpPr>
-            <a:cxnSpLocks/>
-          </p:cNvCxnSpPr>
-          <p:nvPr/>
-        </p:nvCxnSpPr>
-        <p:spPr>
-          <a:xfrm>
-            <a:off x="3097763" y="3437944"/>
-            <a:ext cx="0" cy="2449286"/>
-          </a:xfrm>
-          <a:prstGeom prst="line">
-            <a:avLst/>
-          </a:prstGeom>
-          <a:ln w="15875" cmpd="dbl">
-            <a:solidFill>
-              <a:schemeClr val="accent6">
-                <a:lumMod val="75000"/>
-              </a:schemeClr>
-            </a:solidFill>
-            <a:prstDash val="lgDash"/>
-          </a:ln>
-        </p:spPr>
-        <p:style>
-          <a:lnRef idx="1">
-            <a:schemeClr val="accent1"/>
-          </a:lnRef>
-          <a:fillRef idx="0">
-            <a:schemeClr val="accent1"/>
-          </a:fillRef>
-          <a:effectRef idx="0">
-            <a:schemeClr val="accent1"/>
-          </a:effectRef>
-          <a:fontRef idx="minor">
-            <a:schemeClr val="tx1"/>
-          </a:fontRef>
-        </p:style>
-      </p:cxnSp>
-      <p:sp>
-        <p:nvSpPr>
-          <p:cNvPr id="13" name="Rectangle: Rounded Corners 12">
-            <a:extLst>
-              <a:ext uri="{FF2B5EF4-FFF2-40B4-BE49-F238E27FC236}">
-                <a16:creationId xmlns:a16="http://schemas.microsoft.com/office/drawing/2014/main" id="{497DB97B-039D-4182-8A21-C324F5A05084}"/>
-              </a:ext>
-            </a:extLst>
-          </p:cNvPr>
-          <p:cNvSpPr/>
-          <p:nvPr/>
-        </p:nvSpPr>
-        <p:spPr>
-          <a:xfrm>
-            <a:off x="1244080" y="709127"/>
-            <a:ext cx="5520611" cy="2183363"/>
-          </a:xfrm>
-          <a:prstGeom prst="roundRect">
-            <a:avLst/>
-          </a:prstGeom>
-          <a:solidFill>
-            <a:schemeClr val="bg1">
-              <a:lumMod val="85000"/>
-            </a:schemeClr>
-          </a:solidFill>
-          <a:ln w="28575">
-            <a:solidFill>
-              <a:srgbClr val="FF0000"/>
-            </a:solidFill>
-          </a:ln>
-        </p:spPr>
-        <p:style>
-          <a:lnRef idx="2">
-            <a:schemeClr val="accent1">
-              <a:shade val="50000"/>
-            </a:schemeClr>
-          </a:lnRef>
-          <a:fillRef idx="1">
-            <a:schemeClr val="accent1"/>
-          </a:fillRef>
-          <a:effectRef idx="0">
-            <a:schemeClr val="accent1"/>
-          </a:effectRef>
-          <a:fontRef idx="minor">
-            <a:schemeClr val="lt1"/>
-          </a:fontRef>
-        </p:style>
-        <p:txBody>
-          <a:bodyPr rtlCol="0" anchor="ctr"/>
-          <a:lstStyle/>
-          <a:p>
-            <a:pPr algn="ctr"/>
-            <a:endParaRPr lang="en-GB">
-              <a:latin typeface="Segoe UI" panose="020B0502040204020203" pitchFamily="34" charset="0"/>
-              <a:cs typeface="Segoe UI" panose="020B0502040204020203" pitchFamily="34" charset="0"/>
-            </a:endParaRPr>
-          </a:p>
-        </p:txBody>
-      </p:sp>
-      <p:sp>
-        <p:nvSpPr>
-          <p:cNvPr id="14" name="Rectangle: Rounded Corners 13">
-            <a:extLst>
-              <a:ext uri="{FF2B5EF4-FFF2-40B4-BE49-F238E27FC236}">
-                <a16:creationId xmlns:a16="http://schemas.microsoft.com/office/drawing/2014/main" id="{670B406B-FAA1-4A47-9E0F-388A4554F760}"/>
-              </a:ext>
-            </a:extLst>
-          </p:cNvPr>
-          <p:cNvSpPr/>
-          <p:nvPr/>
-        </p:nvSpPr>
-        <p:spPr>
-          <a:xfrm>
-            <a:off x="5951371" y="4406768"/>
-            <a:ext cx="1819470" cy="942392"/>
-          </a:xfrm>
-          <a:prstGeom prst="roundRect">
-            <a:avLst/>
-          </a:prstGeom>
-          <a:solidFill>
-            <a:schemeClr val="bg1">
-              <a:lumMod val="85000"/>
-            </a:schemeClr>
-          </a:solidFill>
-          <a:ln w="28575">
-            <a:solidFill>
-              <a:srgbClr val="FF0000"/>
-            </a:solidFill>
-          </a:ln>
-        </p:spPr>
-        <p:style>
-          <a:lnRef idx="2">
-            <a:schemeClr val="accent1">
-              <a:shade val="50000"/>
-            </a:schemeClr>
-          </a:lnRef>
-          <a:fillRef idx="1">
-            <a:schemeClr val="accent1"/>
-          </a:fillRef>
-          <a:effectRef idx="0">
-            <a:schemeClr val="accent1"/>
-          </a:effectRef>
-          <a:fontRef idx="minor">
-            <a:schemeClr val="lt1"/>
-          </a:fontRef>
-        </p:style>
-        <p:txBody>
-          <a:bodyPr rtlCol="0" anchor="ctr"/>
-          <a:lstStyle/>
-          <a:p>
-            <a:pPr algn="ctr"/>
-            <a:endParaRPr lang="en-GB">
-              <a:latin typeface="Segoe UI" panose="020B0502040204020203" pitchFamily="34" charset="0"/>
-              <a:cs typeface="Segoe UI" panose="020B0502040204020203" pitchFamily="34" charset="0"/>
-            </a:endParaRPr>
-          </a:p>
-        </p:txBody>
-      </p:sp>
-      <p:sp>
-        <p:nvSpPr>
-          <p:cNvPr id="15" name="Rectangle: Rounded Corners 14">
-            <a:extLst>
-              <a:ext uri="{FF2B5EF4-FFF2-40B4-BE49-F238E27FC236}">
-                <a16:creationId xmlns:a16="http://schemas.microsoft.com/office/drawing/2014/main" id="{56FA4A14-0892-4CE1-BE7A-A2056ECF1DAC}"/>
-              </a:ext>
-            </a:extLst>
-          </p:cNvPr>
-          <p:cNvSpPr/>
-          <p:nvPr/>
-        </p:nvSpPr>
-        <p:spPr>
-          <a:xfrm>
-            <a:off x="3456988" y="4406768"/>
-            <a:ext cx="1819470" cy="942392"/>
-          </a:xfrm>
-          <a:prstGeom prst="roundRect">
-            <a:avLst/>
-          </a:prstGeom>
-          <a:solidFill>
-            <a:schemeClr val="bg1">
-              <a:lumMod val="85000"/>
-            </a:schemeClr>
-          </a:solidFill>
-          <a:ln w="28575">
-            <a:solidFill>
-              <a:srgbClr val="FF0000"/>
-            </a:solidFill>
-          </a:ln>
-        </p:spPr>
-        <p:style>
-          <a:lnRef idx="2">
-            <a:schemeClr val="accent1">
-              <a:shade val="50000"/>
-            </a:schemeClr>
-          </a:lnRef>
-          <a:fillRef idx="1">
-            <a:schemeClr val="accent1"/>
-          </a:fillRef>
-          <a:effectRef idx="0">
-            <a:schemeClr val="accent1"/>
-          </a:effectRef>
-          <a:fontRef idx="minor">
-            <a:schemeClr val="lt1"/>
-          </a:fontRef>
-        </p:style>
-        <p:txBody>
-          <a:bodyPr rtlCol="0" anchor="ctr"/>
-          <a:lstStyle/>
-          <a:p>
-            <a:pPr algn="ctr"/>
-            <a:endParaRPr lang="en-GB">
-              <a:latin typeface="Segoe UI" panose="020B0502040204020203" pitchFamily="34" charset="0"/>
-              <a:cs typeface="Segoe UI" panose="020B0502040204020203" pitchFamily="34" charset="0"/>
-            </a:endParaRPr>
-          </a:p>
-        </p:txBody>
-      </p:sp>
-      <p:cxnSp>
-        <p:nvCxnSpPr>
-          <p:cNvPr id="16" name="Straight Connector 15">
-            <a:extLst>
-              <a:ext uri="{FF2B5EF4-FFF2-40B4-BE49-F238E27FC236}">
-                <a16:creationId xmlns:a16="http://schemas.microsoft.com/office/drawing/2014/main" id="{B8646BD2-FF5F-47C6-9788-5228BF540137}"/>
-              </a:ext>
-            </a:extLst>
-          </p:cNvPr>
-          <p:cNvCxnSpPr>
-            <a:cxnSpLocks/>
-          </p:cNvCxnSpPr>
-          <p:nvPr/>
-        </p:nvCxnSpPr>
-        <p:spPr>
-          <a:xfrm>
-            <a:off x="5592147" y="3429000"/>
-            <a:ext cx="0" cy="2449286"/>
-          </a:xfrm>
-          <a:prstGeom prst="line">
-            <a:avLst/>
-          </a:prstGeom>
-          <a:ln w="15875" cmpd="dbl">
-            <a:solidFill>
-              <a:schemeClr val="accent6">
-                <a:lumMod val="75000"/>
-              </a:schemeClr>
-            </a:solidFill>
-            <a:prstDash val="lgDash"/>
-          </a:ln>
-        </p:spPr>
-        <p:style>
-          <a:lnRef idx="1">
-            <a:schemeClr val="accent1"/>
-          </a:lnRef>
-          <a:fillRef idx="0">
-            <a:schemeClr val="accent1"/>
-          </a:fillRef>
-          <a:effectRef idx="0">
-            <a:schemeClr val="accent1"/>
-          </a:effectRef>
-          <a:fontRef idx="minor">
-            <a:schemeClr val="tx1"/>
-          </a:fontRef>
-        </p:style>
-      </p:cxnSp>
-      <p:sp>
-        <p:nvSpPr>
-          <p:cNvPr id="17" name="TextBox 16">
-            <a:extLst>
-              <a:ext uri="{FF2B5EF4-FFF2-40B4-BE49-F238E27FC236}">
-                <a16:creationId xmlns:a16="http://schemas.microsoft.com/office/drawing/2014/main" id="{6E8BFC32-3AFA-4B4C-9172-2CBE21A80A58}"/>
-              </a:ext>
-            </a:extLst>
-          </p:cNvPr>
-          <p:cNvSpPr txBox="1"/>
-          <p:nvPr/>
-        </p:nvSpPr>
-        <p:spPr>
-          <a:xfrm>
-            <a:off x="2362465" y="1178588"/>
-            <a:ext cx="3187956" cy="1446550"/>
-          </a:xfrm>
-          <a:prstGeom prst="rect">
-            <a:avLst/>
-          </a:prstGeom>
-          <a:noFill/>
-        </p:spPr>
-        <p:txBody>
-          <a:bodyPr wrap="square" rtlCol="0">
-            <a:spAutoFit/>
-          </a:bodyPr>
-          <a:lstStyle/>
-          <a:p>
-            <a:r>
-              <a:rPr lang="en-GB" sz="8800" dirty="0">
-                <a:latin typeface="Segoe UI" panose="020B0502040204020203" pitchFamily="34" charset="0"/>
-                <a:cs typeface="Segoe UI" panose="020B0502040204020203" pitchFamily="34" charset="0"/>
-              </a:rPr>
-              <a:t>HTML</a:t>
-            </a:r>
-          </a:p>
-        </p:txBody>
-      </p:sp>
-      <p:sp>
-        <p:nvSpPr>
-          <p:cNvPr id="19" name="TextBox 18">
-            <a:extLst>
-              <a:ext uri="{FF2B5EF4-FFF2-40B4-BE49-F238E27FC236}">
-                <a16:creationId xmlns:a16="http://schemas.microsoft.com/office/drawing/2014/main" id="{C81F58F9-1FC7-477B-877C-80F0959EBC0E}"/>
-              </a:ext>
-            </a:extLst>
-          </p:cNvPr>
-          <p:cNvSpPr txBox="1"/>
-          <p:nvPr/>
-        </p:nvSpPr>
-        <p:spPr>
-          <a:xfrm>
-            <a:off x="6019022" y="4693298"/>
-            <a:ext cx="1686507" cy="369332"/>
-          </a:xfrm>
-          <a:prstGeom prst="rect">
-            <a:avLst/>
-          </a:prstGeom>
-          <a:noFill/>
-        </p:spPr>
-        <p:txBody>
-          <a:bodyPr wrap="square" rtlCol="0">
-            <a:spAutoFit/>
-          </a:bodyPr>
-          <a:lstStyle/>
-          <a:p>
-            <a:r>
-              <a:rPr lang="en-GB" dirty="0">
-                <a:latin typeface="Segoe UI" panose="020B0502040204020203" pitchFamily="34" charset="0"/>
-                <a:cs typeface="Segoe UI" panose="020B0502040204020203" pitchFamily="34" charset="0"/>
-              </a:rPr>
-              <a:t>Framework ...n</a:t>
-            </a:r>
-          </a:p>
-        </p:txBody>
-      </p:sp>
-      <p:sp>
-        <p:nvSpPr>
-          <p:cNvPr id="20" name="TextBox 19">
-            <a:extLst>
-              <a:ext uri="{FF2B5EF4-FFF2-40B4-BE49-F238E27FC236}">
-                <a16:creationId xmlns:a16="http://schemas.microsoft.com/office/drawing/2014/main" id="{FB923CCF-0EA9-4C2D-AC00-B89B13CB18B9}"/>
-              </a:ext>
-            </a:extLst>
-          </p:cNvPr>
-          <p:cNvSpPr txBox="1"/>
-          <p:nvPr/>
-        </p:nvSpPr>
-        <p:spPr>
-          <a:xfrm>
-            <a:off x="3619499" y="4693298"/>
-            <a:ext cx="1488233" cy="369332"/>
-          </a:xfrm>
-          <a:prstGeom prst="rect">
-            <a:avLst/>
-          </a:prstGeom>
-          <a:noFill/>
-        </p:spPr>
-        <p:txBody>
-          <a:bodyPr wrap="square" rtlCol="0">
-            <a:spAutoFit/>
-          </a:bodyPr>
-          <a:lstStyle/>
-          <a:p>
-            <a:r>
-              <a:rPr lang="en-GB" dirty="0">
-                <a:latin typeface="Segoe UI" panose="020B0502040204020203" pitchFamily="34" charset="0"/>
-                <a:cs typeface="Segoe UI" panose="020B0502040204020203" pitchFamily="34" charset="0"/>
-              </a:rPr>
-              <a:t>Framework 2</a:t>
-            </a:r>
-          </a:p>
-        </p:txBody>
-      </p:sp>
-      <p:sp>
-        <p:nvSpPr>
-          <p:cNvPr id="21" name="TextBox 20">
-            <a:extLst>
-              <a:ext uri="{FF2B5EF4-FFF2-40B4-BE49-F238E27FC236}">
-                <a16:creationId xmlns:a16="http://schemas.microsoft.com/office/drawing/2014/main" id="{000E004F-3DEE-453A-880F-3667A9536687}"/>
-              </a:ext>
-            </a:extLst>
-          </p:cNvPr>
-          <p:cNvSpPr txBox="1"/>
-          <p:nvPr/>
-        </p:nvSpPr>
-        <p:spPr>
-          <a:xfrm>
-            <a:off x="1091681" y="4693298"/>
-            <a:ext cx="1488233" cy="369332"/>
-          </a:xfrm>
-          <a:prstGeom prst="rect">
-            <a:avLst/>
-          </a:prstGeom>
-          <a:noFill/>
-        </p:spPr>
-        <p:txBody>
-          <a:bodyPr wrap="square" rtlCol="0">
-            <a:spAutoFit/>
-          </a:bodyPr>
-          <a:lstStyle/>
-          <a:p>
-            <a:r>
-              <a:rPr lang="en-GB" dirty="0">
-                <a:latin typeface="Segoe UI" panose="020B0502040204020203" pitchFamily="34" charset="0"/>
-                <a:cs typeface="Segoe UI" panose="020B0502040204020203" pitchFamily="34" charset="0"/>
-              </a:rPr>
-              <a:t>Framework 1</a:t>
-            </a:r>
-          </a:p>
-        </p:txBody>
-      </p:sp>
-      <p:sp>
-        <p:nvSpPr>
-          <p:cNvPr id="23" name="Rectangle: Rounded Corners 22">
-            <a:extLst>
-              <a:ext uri="{FF2B5EF4-FFF2-40B4-BE49-F238E27FC236}">
-                <a16:creationId xmlns:a16="http://schemas.microsoft.com/office/drawing/2014/main" id="{B8A217E0-2E19-412E-A686-048F33BFC561}"/>
-              </a:ext>
-            </a:extLst>
-          </p:cNvPr>
-          <p:cNvSpPr/>
-          <p:nvPr/>
-        </p:nvSpPr>
-        <p:spPr>
-          <a:xfrm>
-            <a:off x="9193762" y="709127"/>
-            <a:ext cx="2251787" cy="4609322"/>
-          </a:xfrm>
-          <a:prstGeom prst="roundRect">
-            <a:avLst/>
-          </a:prstGeom>
-          <a:solidFill>
-            <a:schemeClr val="bg1">
-              <a:lumMod val="85000"/>
-            </a:schemeClr>
-          </a:solidFill>
-          <a:ln w="28575">
-            <a:solidFill>
-              <a:srgbClr val="FF0000"/>
-            </a:solidFill>
-          </a:ln>
-        </p:spPr>
-        <p:style>
-          <a:lnRef idx="2">
-            <a:schemeClr val="accent1">
-              <a:shade val="50000"/>
-            </a:schemeClr>
-          </a:lnRef>
-          <a:fillRef idx="1">
-            <a:schemeClr val="accent1"/>
-          </a:fillRef>
-          <a:effectRef idx="0">
-            <a:schemeClr val="accent1"/>
-          </a:effectRef>
-          <a:fontRef idx="minor">
-            <a:schemeClr val="lt1"/>
-          </a:fontRef>
-        </p:style>
-        <p:txBody>
-          <a:bodyPr rtlCol="0" anchor="ctr"/>
-          <a:lstStyle/>
-          <a:p>
-            <a:pPr algn="ctr"/>
-            <a:endParaRPr lang="en-GB">
-              <a:latin typeface="Segoe UI" panose="020B0502040204020203" pitchFamily="34" charset="0"/>
-              <a:cs typeface="Segoe UI" panose="020B0502040204020203" pitchFamily="34" charset="0"/>
-            </a:endParaRPr>
-          </a:p>
-        </p:txBody>
-      </p:sp>
-      <p:cxnSp>
-        <p:nvCxnSpPr>
-          <p:cNvPr id="18" name="Straight Arrow Connector 17">
-            <a:extLst>
-              <a:ext uri="{FF2B5EF4-FFF2-40B4-BE49-F238E27FC236}">
-                <a16:creationId xmlns:a16="http://schemas.microsoft.com/office/drawing/2014/main" id="{5F7D620A-347A-4465-8346-ADDE9EFF331B}"/>
-              </a:ext>
-            </a:extLst>
-          </p:cNvPr>
-          <p:cNvCxnSpPr>
-            <a:cxnSpLocks/>
-          </p:cNvCxnSpPr>
-          <p:nvPr/>
-        </p:nvCxnSpPr>
-        <p:spPr>
-          <a:xfrm flipV="1">
-            <a:off x="1688841" y="1346327"/>
-            <a:ext cx="0" cy="3029730"/>
-          </a:xfrm>
-          <a:prstGeom prst="straightConnector1">
-            <a:avLst/>
-          </a:prstGeom>
-          <a:ln w="38100">
-            <a:solidFill>
-              <a:schemeClr val="accent1">
-                <a:lumMod val="75000"/>
-              </a:schemeClr>
-            </a:solidFill>
-            <a:tailEnd type="triangle"/>
-          </a:ln>
-        </p:spPr>
-        <p:style>
-          <a:lnRef idx="1">
-            <a:schemeClr val="accent1"/>
-          </a:lnRef>
-          <a:fillRef idx="0">
-            <a:schemeClr val="accent1"/>
-          </a:fillRef>
-          <a:effectRef idx="0">
-            <a:schemeClr val="accent1"/>
-          </a:effectRef>
-          <a:fontRef idx="minor">
-            <a:schemeClr val="tx1"/>
-          </a:fontRef>
-        </p:style>
-      </p:cxnSp>
-      <p:cxnSp>
-        <p:nvCxnSpPr>
-          <p:cNvPr id="22" name="Straight Arrow Connector 21">
-            <a:extLst>
-              <a:ext uri="{FF2B5EF4-FFF2-40B4-BE49-F238E27FC236}">
-                <a16:creationId xmlns:a16="http://schemas.microsoft.com/office/drawing/2014/main" id="{58038E94-A816-4097-B154-9278E5E3AEC5}"/>
-              </a:ext>
-            </a:extLst>
-          </p:cNvPr>
-          <p:cNvCxnSpPr>
-            <a:cxnSpLocks/>
-          </p:cNvCxnSpPr>
-          <p:nvPr/>
-        </p:nvCxnSpPr>
-        <p:spPr>
-          <a:xfrm flipV="1">
-            <a:off x="4266429" y="2692866"/>
-            <a:ext cx="0" cy="1713902"/>
-          </a:xfrm>
-          <a:prstGeom prst="straightConnector1">
-            <a:avLst/>
-          </a:prstGeom>
-          <a:ln w="38100">
-            <a:solidFill>
-              <a:schemeClr val="accent1">
-                <a:lumMod val="75000"/>
-              </a:schemeClr>
-            </a:solidFill>
-            <a:tailEnd type="triangle"/>
-          </a:ln>
-        </p:spPr>
-        <p:style>
-          <a:lnRef idx="1">
-            <a:schemeClr val="accent1"/>
-          </a:lnRef>
-          <a:fillRef idx="0">
-            <a:schemeClr val="accent1"/>
-          </a:fillRef>
-          <a:effectRef idx="0">
-            <a:schemeClr val="accent1"/>
-          </a:effectRef>
-          <a:fontRef idx="minor">
-            <a:schemeClr val="tx1"/>
-          </a:fontRef>
-        </p:style>
-      </p:cxnSp>
-      <p:cxnSp>
-        <p:nvCxnSpPr>
-          <p:cNvPr id="25" name="Straight Arrow Connector 24">
-            <a:extLst>
-              <a:ext uri="{FF2B5EF4-FFF2-40B4-BE49-F238E27FC236}">
-                <a16:creationId xmlns:a16="http://schemas.microsoft.com/office/drawing/2014/main" id="{CE3C969B-AEB4-4EC9-9A8E-B3AE9B64804C}"/>
-              </a:ext>
-            </a:extLst>
-          </p:cNvPr>
-          <p:cNvCxnSpPr/>
-          <p:nvPr/>
-        </p:nvCxnSpPr>
-        <p:spPr>
-          <a:xfrm flipV="1">
-            <a:off x="6263180" y="1666564"/>
-            <a:ext cx="0" cy="2740204"/>
-          </a:xfrm>
-          <a:prstGeom prst="straightConnector1">
-            <a:avLst/>
-          </a:prstGeom>
-          <a:ln w="38100">
-            <a:solidFill>
-              <a:schemeClr val="accent1">
-                <a:lumMod val="75000"/>
-              </a:schemeClr>
-            </a:solidFill>
-            <a:tailEnd type="triangle"/>
-          </a:ln>
-        </p:spPr>
-        <p:style>
-          <a:lnRef idx="1">
-            <a:schemeClr val="accent1"/>
-          </a:lnRef>
-          <a:fillRef idx="0">
-            <a:schemeClr val="accent1"/>
-          </a:fillRef>
-          <a:effectRef idx="0">
-            <a:schemeClr val="accent1"/>
-          </a:effectRef>
-          <a:fontRef idx="minor">
-            <a:schemeClr val="tx1"/>
-          </a:fontRef>
-        </p:style>
-      </p:cxnSp>
-      <p:sp>
-        <p:nvSpPr>
-          <p:cNvPr id="2" name="TextBox 1">
-            <a:extLst>
-              <a:ext uri="{FF2B5EF4-FFF2-40B4-BE49-F238E27FC236}">
-                <a16:creationId xmlns:a16="http://schemas.microsoft.com/office/drawing/2014/main" id="{750521FD-EDC1-47B6-839B-F4D55BFCABCF}"/>
-              </a:ext>
-            </a:extLst>
-          </p:cNvPr>
-          <p:cNvSpPr txBox="1"/>
-          <p:nvPr/>
-        </p:nvSpPr>
-        <p:spPr>
-          <a:xfrm>
-            <a:off x="1388706" y="830901"/>
-            <a:ext cx="3590988" cy="646331"/>
-          </a:xfrm>
-          <a:prstGeom prst="rect">
-            <a:avLst/>
-          </a:prstGeom>
-          <a:noFill/>
-        </p:spPr>
-        <p:txBody>
-          <a:bodyPr wrap="square" rtlCol="0">
-            <a:spAutoFit/>
-          </a:bodyPr>
-          <a:lstStyle/>
-          <a:p>
-            <a:r>
-              <a:rPr lang="en-GB" dirty="0">
-                <a:solidFill>
-                  <a:schemeClr val="accent1">
-                    <a:lumMod val="75000"/>
-                  </a:schemeClr>
-                </a:solidFill>
-              </a:rPr>
-              <a:t>&lt;script src=“bundle.js”&gt;&lt;/script&gt;</a:t>
-            </a:r>
-          </a:p>
-          <a:p>
-            <a:r>
-              <a:rPr lang="en-GB" dirty="0">
-                <a:solidFill>
-                  <a:schemeClr val="accent1">
-                    <a:lumMod val="75000"/>
-                  </a:schemeClr>
-                </a:solidFill>
-              </a:rPr>
-              <a:t>&lt;div id=“app”&gt;</a:t>
-            </a:r>
-          </a:p>
-        </p:txBody>
-      </p:sp>
-      <p:sp>
-        <p:nvSpPr>
-          <p:cNvPr id="26" name="TextBox 25">
-            <a:extLst>
-              <a:ext uri="{FF2B5EF4-FFF2-40B4-BE49-F238E27FC236}">
-                <a16:creationId xmlns:a16="http://schemas.microsoft.com/office/drawing/2014/main" id="{92E01203-6628-42AA-B191-2BE8EE04C15B}"/>
-              </a:ext>
-            </a:extLst>
-          </p:cNvPr>
-          <p:cNvSpPr txBox="1"/>
-          <p:nvPr/>
-        </p:nvSpPr>
-        <p:spPr>
-          <a:xfrm>
-            <a:off x="9728713" y="1046454"/>
-            <a:ext cx="1278294" cy="369332"/>
-          </a:xfrm>
-          <a:prstGeom prst="rect">
-            <a:avLst/>
-          </a:prstGeom>
-          <a:solidFill>
-            <a:schemeClr val="accent1">
-              <a:lumMod val="60000"/>
-              <a:lumOff val="40000"/>
-            </a:schemeClr>
-          </a:solidFill>
-        </p:spPr>
-        <p:style>
-          <a:lnRef idx="2">
-            <a:schemeClr val="accent6">
-              <a:shade val="50000"/>
-            </a:schemeClr>
-          </a:lnRef>
-          <a:fillRef idx="1">
-            <a:schemeClr val="accent6"/>
-          </a:fillRef>
-          <a:effectRef idx="0">
-            <a:schemeClr val="accent6"/>
-          </a:effectRef>
-          <a:fontRef idx="minor">
-            <a:schemeClr val="lt1"/>
-          </a:fontRef>
-        </p:style>
-        <p:txBody>
-          <a:bodyPr rtlCol="0" anchor="ctr"/>
-          <a:lstStyle>
-            <a:defPPr>
-              <a:defRPr lang="en-US"/>
-            </a:defPPr>
-            <a:lvl1pPr algn="ctr">
-              <a:defRPr>
-                <a:solidFill>
-                  <a:schemeClr val="lt1"/>
-                </a:solidFill>
-                <a:latin typeface="Segoe UI" panose="020B0502040204020203" pitchFamily="34" charset="0"/>
-                <a:cs typeface="Segoe UI" panose="020B0502040204020203" pitchFamily="34" charset="0"/>
-              </a:defRPr>
-            </a:lvl1pPr>
-            <a:lvl2pPr>
-              <a:defRPr>
-                <a:solidFill>
-                  <a:schemeClr val="lt1"/>
-                </a:solidFill>
-              </a:defRPr>
-            </a:lvl2pPr>
-            <a:lvl3pPr>
-              <a:defRPr>
-                <a:solidFill>
-                  <a:schemeClr val="lt1"/>
-                </a:solidFill>
-              </a:defRPr>
-            </a:lvl3pPr>
-            <a:lvl4pPr>
-              <a:defRPr>
-                <a:solidFill>
-                  <a:schemeClr val="lt1"/>
-                </a:solidFill>
-              </a:defRPr>
-            </a:lvl4pPr>
-            <a:lvl5pPr>
-              <a:defRPr>
-                <a:solidFill>
-                  <a:schemeClr val="lt1"/>
-                </a:solidFill>
-              </a:defRPr>
-            </a:lvl5pPr>
-            <a:lvl6pPr>
-              <a:defRPr>
-                <a:solidFill>
-                  <a:schemeClr val="lt1"/>
-                </a:solidFill>
-              </a:defRPr>
-            </a:lvl6pPr>
-            <a:lvl7pPr>
-              <a:defRPr>
-                <a:solidFill>
-                  <a:schemeClr val="lt1"/>
-                </a:solidFill>
-              </a:defRPr>
-            </a:lvl7pPr>
-            <a:lvl8pPr>
-              <a:defRPr>
-                <a:solidFill>
-                  <a:schemeClr val="lt1"/>
-                </a:solidFill>
-              </a:defRPr>
-            </a:lvl8pPr>
-            <a:lvl9pPr>
-              <a:defRPr>
-                <a:solidFill>
-                  <a:schemeClr val="lt1"/>
-                </a:solidFill>
-              </a:defRPr>
-            </a:lvl9pPr>
-          </a:lstStyle>
-          <a:p>
-            <a:r>
-              <a:rPr lang="en-GB" dirty="0"/>
-              <a:t>WordPress</a:t>
-            </a:r>
-          </a:p>
-        </p:txBody>
-      </p:sp>
       <p:pic>
         <p:nvPicPr>
-          <p:cNvPr id="4" name="Graphic 3" descr="Sad face with no fill">
-            <a:extLst>
-              <a:ext uri="{FF2B5EF4-FFF2-40B4-BE49-F238E27FC236}">
-                <a16:creationId xmlns:a16="http://schemas.microsoft.com/office/drawing/2014/main" id="{66A14EB3-BF63-41D8-9A63-AE052D7983C9}"/>
+          <p:cNvPr id="5" name="Picture 4" descr="A picture containing food&#10;&#10;Description automatically generated">
+            <a:extLst>
+              <a:ext uri="{FF2B5EF4-FFF2-40B4-BE49-F238E27FC236}">
+                <a16:creationId xmlns:a16="http://schemas.microsoft.com/office/drawing/2014/main" id="{8E85D67E-6196-4971-9517-B5CA032300BF}"/>
               </a:ext>
             </a:extLst>
           </p:cNvPr>
@@ -6770,9 +6598,6 @@
               <a:ext uri="{28A0092B-C50C-407E-A947-70E740481C1C}">
                 <a14:useLocalDpi xmlns:a14="http://schemas.microsoft.com/office/drawing/2010/main" val="0"/>
               </a:ext>
-              <a:ext uri="{96DAC541-7B7A-43D3-8B79-37D633B846F1}">
-                <asvg:svgBlip xmlns:asvg="http://schemas.microsoft.com/office/drawing/2016/SVG/main" r:embed="rId3"/>
-              </a:ext>
             </a:extLst>
           </a:blip>
           <a:stretch>
@@ -6781,18 +6606,56 @@
         </p:blipFill>
         <p:spPr>
           <a:xfrm>
-            <a:off x="9259074" y="1901863"/>
-            <a:ext cx="2155961" cy="2155961"/>
+            <a:off x="2416471" y="900717"/>
+            <a:ext cx="7234921" cy="5444100"/>
           </a:xfrm>
           <a:prstGeom prst="rect">
             <a:avLst/>
           </a:prstGeom>
         </p:spPr>
       </p:pic>
+      <p:sp>
+        <p:nvSpPr>
+          <p:cNvPr id="6" name="TextBox 5">
+            <a:extLst>
+              <a:ext uri="{FF2B5EF4-FFF2-40B4-BE49-F238E27FC236}">
+                <a16:creationId xmlns:a16="http://schemas.microsoft.com/office/drawing/2014/main" id="{95FBBC3D-9FC0-49E9-BA50-3C94DE833DEC}"/>
+              </a:ext>
+            </a:extLst>
+          </p:cNvPr>
+          <p:cNvSpPr txBox="1"/>
+          <p:nvPr/>
+        </p:nvSpPr>
+        <p:spPr>
+          <a:xfrm>
+            <a:off x="2316788" y="233266"/>
+            <a:ext cx="7607558" cy="400110"/>
+          </a:xfrm>
+          <a:prstGeom prst="rect">
+            <a:avLst/>
+          </a:prstGeom>
+          <a:noFill/>
+        </p:spPr>
+        <p:txBody>
+          <a:bodyPr wrap="square" rtlCol="0">
+            <a:spAutoFit/>
+          </a:bodyPr>
+          <a:lstStyle/>
+          <a:p>
+            <a:r>
+              <a:rPr lang="en-GB" sz="2000" b="1" dirty="0">
+                <a:latin typeface="Segoe UI" panose="020B0502040204020203" pitchFamily="34" charset="0"/>
+                <a:cs typeface="Segoe UI" panose="020B0502040204020203" pitchFamily="34" charset="0"/>
+              </a:rPr>
+              <a:t>International JS Conference London 2018 – Key Note Speech</a:t>
+            </a:r>
+          </a:p>
+        </p:txBody>
+      </p:sp>
     </p:spTree>
     <p:extLst>
       <p:ext uri="{BB962C8B-B14F-4D97-AF65-F5344CB8AC3E}">
-        <p14:creationId xmlns:p14="http://schemas.microsoft.com/office/powerpoint/2010/main" val="3965203367"/>
+        <p14:creationId xmlns:p14="http://schemas.microsoft.com/office/powerpoint/2010/main" val="3819910598"/>
       </p:ext>
     </p:extLst>
   </p:cSld>
@@ -8525,27 +8388,7 @@
                 <a:latin typeface="Segoe UI" panose="020B0502040204020203" pitchFamily="34" charset="0"/>
                 <a:cs typeface="Segoe UI" panose="020B0502040204020203" pitchFamily="34" charset="0"/>
               </a:rPr>
-              <a:t>What are </a:t>
-            </a:r>
-            <a:r>
-              <a:rPr lang="en-GB" sz="5100">
-                <a:solidFill>
-                  <a:srgbClr val="2196F3"/>
-                </a:solidFill>
-                <a:latin typeface="Segoe UI" panose="020B0502040204020203" pitchFamily="34" charset="0"/>
-                <a:cs typeface="Segoe UI" panose="020B0502040204020203" pitchFamily="34" charset="0"/>
-              </a:rPr>
-              <a:t>the implications</a:t>
-            </a:r>
-            <a:r>
-              <a:rPr lang="en-GB" sz="5100" dirty="0">
-                <a:solidFill>
-                  <a:srgbClr val="2196F3"/>
-                </a:solidFill>
-                <a:latin typeface="Segoe UI" panose="020B0502040204020203" pitchFamily="34" charset="0"/>
-                <a:cs typeface="Segoe UI" panose="020B0502040204020203" pitchFamily="34" charset="0"/>
-              </a:rPr>
-              <a:t>?</a:t>
+              <a:t>What are the implications?</a:t>
             </a:r>
           </a:p>
           <a:p>
@@ -8761,7 +8604,7 @@
         </p:spPr>
         <p:txBody>
           <a:bodyPr wrap="square" bIns="252000">
-            <a:normAutofit fontScale="92500" lnSpcReduction="10000"/>
+            <a:normAutofit fontScale="92500" lnSpcReduction="20000"/>
           </a:bodyPr>
           <a:lstStyle/>
           <a:p>
@@ -8806,6 +8649,23 @@
                 <a:cs typeface="Segoe UI" panose="020B0502040204020203" pitchFamily="34" charset="0"/>
               </a:rPr>
               <a:t>High level understand WP REST API, AJAX, JSON.</a:t>
+            </a:r>
+          </a:p>
+          <a:p>
+            <a:pPr lvl="1">
+              <a:spcBef>
+                <a:spcPts val="1200"/>
+              </a:spcBef>
+            </a:pPr>
+            <a:r>
+              <a:rPr lang="en-GB" sz="2800" dirty="0">
+                <a:solidFill>
+                  <a:srgbClr val="2196F3"/>
+                </a:solidFill>
+                <a:latin typeface="Segoe UI" panose="020B0502040204020203" pitchFamily="34" charset="0"/>
+                <a:cs typeface="Segoe UI" panose="020B0502040204020203" pitchFamily="34" charset="0"/>
+              </a:rPr>
+              <a:t>Adding fields to endpoints.</a:t>
             </a:r>
           </a:p>
           <a:p>
@@ -9276,7 +9136,7 @@
 </p:sld>
 </file>
 
-<file path=ppt/slides/slide3.xml><?xml version="1.0" encoding="utf-8"?>
+<file path=ppt/slides/slide21.xml><?xml version="1.0" encoding="utf-8"?>
 <p:sld xmlns:a="http://schemas.openxmlformats.org/drawingml/2006/main" xmlns:r="http://schemas.openxmlformats.org/officeDocument/2006/relationships" xmlns:p="http://schemas.openxmlformats.org/presentationml/2006/main">
   <p:cSld>
     <p:spTree>
@@ -10686,6 +10546,327 @@
     <p:extLst>
       <p:ext uri="{BB962C8B-B14F-4D97-AF65-F5344CB8AC3E}">
         <p14:creationId xmlns:p14="http://schemas.microsoft.com/office/powerpoint/2010/main" val="4199223483"/>
+      </p:ext>
+    </p:extLst>
+  </p:cSld>
+  <p:clrMapOvr>
+    <a:masterClrMapping/>
+  </p:clrMapOvr>
+</p:sld>
+</file>
+
+<file path=ppt/slides/slide3.xml><?xml version="1.0" encoding="utf-8"?>
+<p:sld xmlns:a="http://schemas.openxmlformats.org/drawingml/2006/main" xmlns:r="http://schemas.openxmlformats.org/officeDocument/2006/relationships" xmlns:p="http://schemas.openxmlformats.org/presentationml/2006/main">
+  <p:cSld>
+    <p:spTree>
+      <p:nvGrpSpPr>
+        <p:cNvPr id="1" name=""/>
+        <p:cNvGrpSpPr/>
+        <p:nvPr/>
+      </p:nvGrpSpPr>
+      <p:grpSpPr>
+        <a:xfrm>
+          <a:off x="0" y="0"/>
+          <a:ext cx="0" cy="0"/>
+          <a:chOff x="0" y="0"/>
+          <a:chExt cx="0" cy="0"/>
+        </a:xfrm>
+      </p:grpSpPr>
+      <p:sp>
+        <p:nvSpPr>
+          <p:cNvPr id="2" name="Title 1">
+            <a:extLst>
+              <a:ext uri="{FF2B5EF4-FFF2-40B4-BE49-F238E27FC236}">
+                <a16:creationId xmlns:a16="http://schemas.microsoft.com/office/drawing/2014/main" id="{5D7568B3-EC9A-45DD-8A17-CFE685194B65}"/>
+              </a:ext>
+            </a:extLst>
+          </p:cNvPr>
+          <p:cNvSpPr>
+            <a:spLocks noGrp="1"/>
+          </p:cNvSpPr>
+          <p:nvPr>
+            <p:ph type="title"/>
+          </p:nvPr>
+        </p:nvSpPr>
+        <p:spPr>
+          <a:xfrm>
+            <a:off x="838200" y="0"/>
+            <a:ext cx="10515600" cy="1325563"/>
+          </a:xfrm>
+          <a:solidFill>
+            <a:srgbClr val="2196F3"/>
+          </a:solidFill>
+        </p:spPr>
+        <p:txBody>
+          <a:bodyPr>
+            <a:normAutofit/>
+          </a:bodyPr>
+          <a:lstStyle/>
+          <a:p>
+            <a:pPr algn="ctr"/>
+            <a:r>
+              <a:rPr lang="en-GB" sz="6600" dirty="0">
+                <a:solidFill>
+                  <a:schemeClr val="bg1"/>
+                </a:solidFill>
+                <a:latin typeface="Segoe UI" panose="020B0502040204020203" pitchFamily="34" charset="0"/>
+                <a:cs typeface="Segoe UI" panose="020B0502040204020203" pitchFamily="34" charset="0"/>
+              </a:rPr>
+              <a:t>WP REST API &amp; AJAX</a:t>
+            </a:r>
+          </a:p>
+        </p:txBody>
+      </p:sp>
+      <p:sp>
+        <p:nvSpPr>
+          <p:cNvPr id="4" name="Content Placeholder 2">
+            <a:extLst>
+              <a:ext uri="{FF2B5EF4-FFF2-40B4-BE49-F238E27FC236}">
+                <a16:creationId xmlns:a16="http://schemas.microsoft.com/office/drawing/2014/main" id="{088CCB65-11B4-408B-9ED3-1304FE85032F}"/>
+              </a:ext>
+            </a:extLst>
+          </p:cNvPr>
+          <p:cNvSpPr>
+            <a:spLocks noGrp="1"/>
+          </p:cNvSpPr>
+          <p:nvPr>
+            <p:ph idx="1"/>
+          </p:nvPr>
+        </p:nvSpPr>
+        <p:spPr>
+          <a:xfrm>
+            <a:off x="838200" y="1525908"/>
+            <a:ext cx="10515600" cy="4967255"/>
+          </a:xfrm>
+        </p:spPr>
+        <p:txBody>
+          <a:bodyPr wrap="square" bIns="252000">
+            <a:normAutofit fontScale="92500" lnSpcReduction="10000"/>
+          </a:bodyPr>
+          <a:lstStyle/>
+          <a:p>
+            <a:pPr marL="457200" lvl="1" indent="0">
+              <a:buNone/>
+            </a:pPr>
+            <a:r>
+              <a:rPr lang="en-GB" sz="5100" dirty="0">
+                <a:solidFill>
+                  <a:srgbClr val="FF0000"/>
+                </a:solidFill>
+                <a:latin typeface="Segoe UI" panose="020B0502040204020203" pitchFamily="34" charset="0"/>
+                <a:cs typeface="Segoe UI" panose="020B0502040204020203" pitchFamily="34" charset="0"/>
+              </a:rPr>
+              <a:t>REALISTIC</a:t>
+            </a:r>
+            <a:r>
+              <a:rPr lang="en-GB" sz="5100" dirty="0">
+                <a:solidFill>
+                  <a:srgbClr val="2196F3"/>
+                </a:solidFill>
+                <a:latin typeface="Segoe UI" panose="020B0502040204020203" pitchFamily="34" charset="0"/>
+                <a:cs typeface="Segoe UI" panose="020B0502040204020203" pitchFamily="34" charset="0"/>
+              </a:rPr>
+              <a:t> OUTCOMES:</a:t>
+            </a:r>
+          </a:p>
+          <a:p>
+            <a:pPr marL="457200" lvl="1" indent="0">
+              <a:buNone/>
+            </a:pPr>
+            <a:endParaRPr lang="en-GB" sz="1050" dirty="0">
+              <a:solidFill>
+                <a:srgbClr val="2196F3"/>
+              </a:solidFill>
+              <a:latin typeface="Segoe UI" panose="020B0502040204020203" pitchFamily="34" charset="0"/>
+              <a:cs typeface="Segoe UI" panose="020B0502040204020203" pitchFamily="34" charset="0"/>
+            </a:endParaRPr>
+          </a:p>
+          <a:p>
+            <a:pPr marL="457200" lvl="1" indent="0">
+              <a:buNone/>
+            </a:pPr>
+            <a:r>
+              <a:rPr lang="en-GB" sz="2800" dirty="0">
+                <a:solidFill>
+                  <a:srgbClr val="2196F3"/>
+                </a:solidFill>
+                <a:latin typeface="Segoe UI" panose="020B0502040204020203" pitchFamily="34" charset="0"/>
+                <a:cs typeface="Segoe UI" panose="020B0502040204020203" pitchFamily="34" charset="0"/>
+              </a:rPr>
+              <a:t>A lot to take in and digest in 30 mins. This will be a broad and high level overview, returning deeper if time permits,</a:t>
+            </a:r>
+          </a:p>
+          <a:p>
+            <a:pPr marL="457200" lvl="1" indent="0">
+              <a:buNone/>
+            </a:pPr>
+            <a:endParaRPr lang="en-GB" sz="900" dirty="0">
+              <a:solidFill>
+                <a:srgbClr val="2196F3"/>
+              </a:solidFill>
+              <a:latin typeface="Segoe UI" panose="020B0502040204020203" pitchFamily="34" charset="0"/>
+              <a:cs typeface="Segoe UI" panose="020B0502040204020203" pitchFamily="34" charset="0"/>
+            </a:endParaRPr>
+          </a:p>
+          <a:p>
+            <a:pPr marL="971550" lvl="1" indent="-514350">
+              <a:spcBef>
+                <a:spcPts val="1200"/>
+              </a:spcBef>
+              <a:buFont typeface="+mj-lt"/>
+              <a:buAutoNum type="arabicPeriod"/>
+            </a:pPr>
+            <a:r>
+              <a:rPr lang="en-GB" sz="2800" dirty="0">
+                <a:solidFill>
+                  <a:srgbClr val="2196F3"/>
+                </a:solidFill>
+                <a:latin typeface="Segoe UI" panose="020B0502040204020203" pitchFamily="34" charset="0"/>
+                <a:cs typeface="Segoe UI" panose="020B0502040204020203" pitchFamily="34" charset="0"/>
+              </a:rPr>
+              <a:t>Slides, workbook and site code available.</a:t>
+            </a:r>
+          </a:p>
+          <a:p>
+            <a:pPr marL="971550" lvl="1" indent="-514350">
+              <a:spcBef>
+                <a:spcPts val="1200"/>
+              </a:spcBef>
+              <a:buFont typeface="+mj-lt"/>
+              <a:buAutoNum type="arabicPeriod"/>
+            </a:pPr>
+            <a:r>
+              <a:rPr lang="en-GB" sz="2800" dirty="0">
+                <a:solidFill>
+                  <a:srgbClr val="2196F3"/>
+                </a:solidFill>
+                <a:latin typeface="Segoe UI" panose="020B0502040204020203" pitchFamily="34" charset="0"/>
+                <a:cs typeface="Segoe UI" panose="020B0502040204020203" pitchFamily="34" charset="0"/>
+                <a:hlinkClick r:id="rId2"/>
+              </a:rPr>
+              <a:t>https://www.wp-brighton.org.uk/2020/05/may-2020-craig-west/</a:t>
+            </a:r>
+            <a:r>
+              <a:rPr lang="en-GB" sz="2800" dirty="0">
+                <a:solidFill>
+                  <a:srgbClr val="2196F3"/>
+                </a:solidFill>
+                <a:latin typeface="Segoe UI" panose="020B0502040204020203" pitchFamily="34" charset="0"/>
+                <a:cs typeface="Segoe UI" panose="020B0502040204020203" pitchFamily="34" charset="0"/>
+              </a:rPr>
+              <a:t> (recording of recent Brighton Meetup on this talk).</a:t>
+            </a:r>
+          </a:p>
+          <a:p>
+            <a:pPr marL="971550" lvl="1" indent="-514350">
+              <a:spcBef>
+                <a:spcPts val="1200"/>
+              </a:spcBef>
+              <a:buFont typeface="+mj-lt"/>
+              <a:buAutoNum type="arabicPeriod"/>
+            </a:pPr>
+            <a:r>
+              <a:rPr lang="en-GB" sz="2800" dirty="0">
+                <a:solidFill>
+                  <a:srgbClr val="2196F3"/>
+                </a:solidFill>
+                <a:latin typeface="Segoe UI" panose="020B0502040204020203" pitchFamily="34" charset="0"/>
+                <a:cs typeface="Segoe UI" panose="020B0502040204020203" pitchFamily="34" charset="0"/>
+              </a:rPr>
+              <a:t>I give regular and frequent 1-2 hour online workshops (no fee) to help WP Developers learn WP REST/AJAX.</a:t>
+            </a:r>
+          </a:p>
+          <a:p>
+            <a:pPr marL="457200" lvl="1" indent="0">
+              <a:buNone/>
+            </a:pPr>
+            <a:endParaRPr lang="en-GB" sz="2800" dirty="0">
+              <a:solidFill>
+                <a:srgbClr val="2196F3"/>
+              </a:solidFill>
+              <a:latin typeface="Segoe UI" panose="020B0502040204020203" pitchFamily="34" charset="0"/>
+              <a:cs typeface="Segoe UI" panose="020B0502040204020203" pitchFamily="34" charset="0"/>
+            </a:endParaRPr>
+          </a:p>
+          <a:p>
+            <a:pPr marL="457200" lvl="1" indent="0">
+              <a:buNone/>
+            </a:pPr>
+            <a:r>
+              <a:rPr lang="en-GB" sz="2800" b="1" i="1" dirty="0">
+                <a:solidFill>
+                  <a:srgbClr val="FF0000"/>
+                </a:solidFill>
+                <a:latin typeface="Segoe UI" panose="020B0502040204020203" pitchFamily="34" charset="0"/>
+                <a:cs typeface="Segoe UI" panose="020B0502040204020203" pitchFamily="34" charset="0"/>
+              </a:rPr>
+              <a:t>Please</a:t>
+            </a:r>
+            <a:r>
+              <a:rPr lang="en-GB" sz="2800" dirty="0">
+                <a:solidFill>
+                  <a:srgbClr val="2196F3"/>
+                </a:solidFill>
+                <a:latin typeface="Segoe UI" panose="020B0502040204020203" pitchFamily="34" charset="0"/>
+                <a:cs typeface="Segoe UI" panose="020B0502040204020203" pitchFamily="34" charset="0"/>
+              </a:rPr>
+              <a:t> contact me to learn this in more details</a:t>
+            </a:r>
+          </a:p>
+          <a:p>
+            <a:pPr marL="457200" lvl="1" indent="0">
+              <a:buNone/>
+            </a:pPr>
+            <a:endParaRPr lang="en-GB" sz="6700" dirty="0">
+              <a:solidFill>
+                <a:srgbClr val="2196F3"/>
+              </a:solidFill>
+              <a:latin typeface="Segoe UI" panose="020B0502040204020203" pitchFamily="34" charset="0"/>
+              <a:cs typeface="Segoe UI" panose="020B0502040204020203" pitchFamily="34" charset="0"/>
+            </a:endParaRPr>
+          </a:p>
+          <a:p>
+            <a:pPr marL="457200" lvl="1" indent="0">
+              <a:buNone/>
+            </a:pPr>
+            <a:endParaRPr lang="en-GB" sz="6700" dirty="0">
+              <a:solidFill>
+                <a:srgbClr val="2196F3"/>
+              </a:solidFill>
+              <a:latin typeface="Segoe UI" panose="020B0502040204020203" pitchFamily="34" charset="0"/>
+              <a:cs typeface="Segoe UI" panose="020B0502040204020203" pitchFamily="34" charset="0"/>
+            </a:endParaRPr>
+          </a:p>
+          <a:p>
+            <a:pPr marL="457200" lvl="1" indent="0">
+              <a:buNone/>
+            </a:pPr>
+            <a:endParaRPr lang="en-GB" sz="6700" dirty="0">
+              <a:latin typeface="Segoe UI" panose="020B0502040204020203" pitchFamily="34" charset="0"/>
+              <a:cs typeface="Segoe UI" panose="020B0502040204020203" pitchFamily="34" charset="0"/>
+            </a:endParaRPr>
+          </a:p>
+          <a:p>
+            <a:pPr marL="0" indent="0">
+              <a:buNone/>
+            </a:pPr>
+            <a:endParaRPr lang="en-GB" dirty="0">
+              <a:latin typeface="Segoe UI" panose="020B0502040204020203" pitchFamily="34" charset="0"/>
+              <a:cs typeface="Segoe UI" panose="020B0502040204020203" pitchFamily="34" charset="0"/>
+            </a:endParaRPr>
+          </a:p>
+          <a:p>
+            <a:endParaRPr lang="en-GB" dirty="0">
+              <a:latin typeface="Segoe UI" panose="020B0502040204020203" pitchFamily="34" charset="0"/>
+              <a:cs typeface="Segoe UI" panose="020B0502040204020203" pitchFamily="34" charset="0"/>
+            </a:endParaRPr>
+          </a:p>
+        </p:txBody>
+      </p:sp>
+    </p:spTree>
+    <p:extLst>
+      <p:ext uri="{BB962C8B-B14F-4D97-AF65-F5344CB8AC3E}">
+        <p14:creationId xmlns:p14="http://schemas.microsoft.com/office/powerpoint/2010/main" val="2605959733"/>
       </p:ext>
     </p:extLst>
   </p:cSld>
@@ -10712,12 +10893,84 @@
           <a:chExt cx="0" cy="0"/>
         </a:xfrm>
       </p:grpSpPr>
+      <p:pic>
+        <p:nvPicPr>
+          <p:cNvPr id="16" name="Picture 15" descr="A close up of a typewriter&#10;&#10;Description automatically generated">
+            <a:extLst>
+              <a:ext uri="{FF2B5EF4-FFF2-40B4-BE49-F238E27FC236}">
+                <a16:creationId xmlns:a16="http://schemas.microsoft.com/office/drawing/2014/main" id="{16FE7CA4-EC3F-42CD-BDD7-9DB299CE9A72}"/>
+              </a:ext>
+            </a:extLst>
+          </p:cNvPr>
+          <p:cNvPicPr>
+            <a:picLocks noChangeAspect="1"/>
+          </p:cNvPicPr>
+          <p:nvPr/>
+        </p:nvPicPr>
+        <p:blipFill>
+          <a:blip r:embed="rId2">
+            <a:extLst>
+              <a:ext uri="{28A0092B-C50C-407E-A947-70E740481C1C}">
+                <a14:useLocalDpi xmlns:a14="http://schemas.microsoft.com/office/drawing/2010/main" val="0"/>
+              </a:ext>
+            </a:extLst>
+          </a:blip>
+          <a:stretch>
+            <a:fillRect/>
+          </a:stretch>
+        </p:blipFill>
+        <p:spPr>
+          <a:xfrm>
+            <a:off x="713859" y="2405825"/>
+            <a:ext cx="2068860" cy="2762035"/>
+          </a:xfrm>
+          <a:prstGeom prst="rect">
+            <a:avLst/>
+          </a:prstGeom>
+        </p:spPr>
+      </p:pic>
+      <p:pic>
+        <p:nvPicPr>
+          <p:cNvPr id="19" name="Picture 18" descr="A picture containing wall, indoor, table, cup&#10;&#10;Description automatically generated">
+            <a:extLst>
+              <a:ext uri="{FF2B5EF4-FFF2-40B4-BE49-F238E27FC236}">
+                <a16:creationId xmlns:a16="http://schemas.microsoft.com/office/drawing/2014/main" id="{CC8D6E43-818C-421B-8A10-E6255328A2FA}"/>
+              </a:ext>
+            </a:extLst>
+          </p:cNvPr>
+          <p:cNvPicPr>
+            <a:picLocks noChangeAspect="1"/>
+          </p:cNvPicPr>
+          <p:nvPr/>
+        </p:nvPicPr>
+        <p:blipFill>
+          <a:blip r:embed="rId3">
+            <a:extLst>
+              <a:ext uri="{28A0092B-C50C-407E-A947-70E740481C1C}">
+                <a14:useLocalDpi xmlns:a14="http://schemas.microsoft.com/office/drawing/2010/main" val="0"/>
+              </a:ext>
+            </a:extLst>
+          </a:blip>
+          <a:stretch>
+            <a:fillRect/>
+          </a:stretch>
+        </p:blipFill>
+        <p:spPr>
+          <a:xfrm>
+            <a:off x="684617" y="4510160"/>
+            <a:ext cx="2647950" cy="1765554"/>
+          </a:xfrm>
+          <a:prstGeom prst="rect">
+            <a:avLst/>
+          </a:prstGeom>
+        </p:spPr>
+      </p:pic>
       <p:sp>
         <p:nvSpPr>
           <p:cNvPr id="2" name="Title 1">
             <a:extLst>
               <a:ext uri="{FF2B5EF4-FFF2-40B4-BE49-F238E27FC236}">
-                <a16:creationId xmlns:a16="http://schemas.microsoft.com/office/drawing/2014/main" id="{5D7568B3-EC9A-45DD-8A17-CFE685194B65}"/>
+                <a16:creationId xmlns:a16="http://schemas.microsoft.com/office/drawing/2014/main" id="{CCF59C87-4A75-4C7A-B173-FA04E1A10E70}"/>
               </a:ext>
             </a:extLst>
           </p:cNvPr>
@@ -10725,288 +10978,675 @@
             <a:spLocks noGrp="1"/>
           </p:cNvSpPr>
           <p:nvPr>
-            <p:ph type="title"/>
+            <p:ph type="ctrTitle"/>
           </p:nvPr>
         </p:nvSpPr>
         <p:spPr>
           <a:xfrm>
-            <a:off x="838200" y="0"/>
-            <a:ext cx="10515600" cy="1325563"/>
-          </a:xfrm>
-          <a:solidFill>
-            <a:srgbClr val="2196F3"/>
-          </a:solidFill>
+            <a:off x="605637" y="1566983"/>
+            <a:ext cx="7681859" cy="1015663"/>
+          </a:xfrm>
         </p:spPr>
         <p:txBody>
           <a:bodyPr>
-            <a:normAutofit/>
+            <a:normAutofit fontScale="90000"/>
           </a:bodyPr>
           <a:lstStyle/>
           <a:p>
+            <a:r>
+              <a:rPr lang="en-GB" sz="4000" dirty="0"/>
+              <a:t>My start in computing at school in </a:t>
+            </a:r>
+            <a:r>
+              <a:rPr lang="en-GB" sz="4900" b="1" dirty="0">
+                <a:solidFill>
+                  <a:srgbClr val="FF0000"/>
+                </a:solidFill>
+              </a:rPr>
+              <a:t>1979</a:t>
+            </a:r>
+            <a:br>
+              <a:rPr lang="en-GB" sz="4000" dirty="0"/>
+            </a:br>
+            <a:r>
+              <a:rPr lang="en-GB" sz="4000" dirty="0"/>
+              <a:t>    </a:t>
+            </a:r>
+          </a:p>
+        </p:txBody>
+      </p:sp>
+      <p:sp>
+        <p:nvSpPr>
+          <p:cNvPr id="3" name="TextBox 2">
+            <a:extLst>
+              <a:ext uri="{FF2B5EF4-FFF2-40B4-BE49-F238E27FC236}">
+                <a16:creationId xmlns:a16="http://schemas.microsoft.com/office/drawing/2014/main" id="{3816F0FF-6206-4FDB-B50E-A5E0A8290985}"/>
+              </a:ext>
+            </a:extLst>
+          </p:cNvPr>
+          <p:cNvSpPr txBox="1"/>
+          <p:nvPr/>
+        </p:nvSpPr>
+        <p:spPr>
+          <a:xfrm>
+            <a:off x="6272703" y="4475056"/>
+            <a:ext cx="1845578" cy="369332"/>
+          </a:xfrm>
+          <a:prstGeom prst="rect">
+            <a:avLst/>
+          </a:prstGeom>
+          <a:noFill/>
+        </p:spPr>
+        <p:txBody>
+          <a:bodyPr wrap="square" rtlCol="0">
+            <a:spAutoFit/>
+          </a:bodyPr>
+          <a:lstStyle/>
+          <a:p>
+            <a:r>
+              <a:rPr lang="en-GB" dirty="0"/>
+              <a:t>At University</a:t>
+            </a:r>
+          </a:p>
+        </p:txBody>
+      </p:sp>
+      <p:pic>
+        <p:nvPicPr>
+          <p:cNvPr id="7" name="Picture 6" descr="A close up of a calculator&#10;&#10;Description automatically generated">
+            <a:extLst>
+              <a:ext uri="{FF2B5EF4-FFF2-40B4-BE49-F238E27FC236}">
+                <a16:creationId xmlns:a16="http://schemas.microsoft.com/office/drawing/2014/main" id="{95E6E97F-3325-49C1-8F22-358281B945EF}"/>
+              </a:ext>
+            </a:extLst>
+          </p:cNvPr>
+          <p:cNvPicPr>
+            <a:picLocks noChangeAspect="1"/>
+          </p:cNvPicPr>
+          <p:nvPr/>
+        </p:nvPicPr>
+        <p:blipFill>
+          <a:blip r:embed="rId4">
+            <a:extLst>
+              <a:ext uri="{28A0092B-C50C-407E-A947-70E740481C1C}">
+                <a14:useLocalDpi xmlns:a14="http://schemas.microsoft.com/office/drawing/2010/main" val="0"/>
+              </a:ext>
+            </a:extLst>
+          </a:blip>
+          <a:stretch>
+            <a:fillRect/>
+          </a:stretch>
+        </p:blipFill>
+        <p:spPr>
+          <a:xfrm>
+            <a:off x="5743558" y="2134895"/>
+            <a:ext cx="2578653" cy="2367793"/>
+          </a:xfrm>
+          <a:prstGeom prst="rect">
+            <a:avLst/>
+          </a:prstGeom>
+        </p:spPr>
+      </p:pic>
+      <p:sp>
+        <p:nvSpPr>
+          <p:cNvPr id="14" name="TextBox 13">
+            <a:extLst>
+              <a:ext uri="{FF2B5EF4-FFF2-40B4-BE49-F238E27FC236}">
+                <a16:creationId xmlns:a16="http://schemas.microsoft.com/office/drawing/2014/main" id="{E4464916-709F-4640-AE4A-E863DD40F8E5}"/>
+              </a:ext>
+            </a:extLst>
+          </p:cNvPr>
+          <p:cNvSpPr txBox="1"/>
+          <p:nvPr/>
+        </p:nvSpPr>
+        <p:spPr>
+          <a:xfrm>
+            <a:off x="6135038" y="6259874"/>
+            <a:ext cx="3103696" cy="261610"/>
+          </a:xfrm>
+          <a:prstGeom prst="rect">
+            <a:avLst/>
+          </a:prstGeom>
+          <a:noFill/>
+        </p:spPr>
+        <p:txBody>
+          <a:bodyPr wrap="square" rtlCol="0">
+            <a:spAutoFit/>
+          </a:bodyPr>
+          <a:lstStyle/>
+          <a:p>
+            <a:r>
+              <a:rPr lang="en-GB" sz="1100" dirty="0" err="1">
+                <a:solidFill>
+                  <a:srgbClr val="FF0000"/>
+                </a:solidFill>
+              </a:rPr>
+              <a:t>Source:Wikimedia</a:t>
+            </a:r>
+            <a:r>
+              <a:rPr lang="en-GB" sz="1100" dirty="0">
+                <a:solidFill>
+                  <a:srgbClr val="FF0000"/>
+                </a:solidFill>
+              </a:rPr>
+              <a:t> Commons </a:t>
+            </a:r>
+          </a:p>
+        </p:txBody>
+      </p:sp>
+      <p:sp>
+        <p:nvSpPr>
+          <p:cNvPr id="20" name="TextBox 19">
+            <a:extLst>
+              <a:ext uri="{FF2B5EF4-FFF2-40B4-BE49-F238E27FC236}">
+                <a16:creationId xmlns:a16="http://schemas.microsoft.com/office/drawing/2014/main" id="{26D382D3-C4B0-43B6-91E5-8A0DC150A00B}"/>
+              </a:ext>
+            </a:extLst>
+          </p:cNvPr>
+          <p:cNvSpPr txBox="1"/>
+          <p:nvPr/>
+        </p:nvSpPr>
+        <p:spPr>
+          <a:xfrm>
+            <a:off x="1042967" y="6253235"/>
+            <a:ext cx="3103696" cy="261610"/>
+          </a:xfrm>
+          <a:prstGeom prst="rect">
+            <a:avLst/>
+          </a:prstGeom>
+          <a:noFill/>
+        </p:spPr>
+        <p:txBody>
+          <a:bodyPr wrap="square" rtlCol="0">
+            <a:spAutoFit/>
+          </a:bodyPr>
+          <a:lstStyle/>
+          <a:p>
+            <a:r>
+              <a:rPr lang="en-GB" sz="1100" dirty="0" err="1"/>
+              <a:t>Source:Wikimedia</a:t>
+            </a:r>
+            <a:r>
+              <a:rPr lang="en-GB" sz="1100" dirty="0"/>
+              <a:t> Commons </a:t>
+            </a:r>
+          </a:p>
+        </p:txBody>
+      </p:sp>
+      <p:sp>
+        <p:nvSpPr>
+          <p:cNvPr id="24" name="TextBox 23">
+            <a:extLst>
+              <a:ext uri="{FF2B5EF4-FFF2-40B4-BE49-F238E27FC236}">
+                <a16:creationId xmlns:a16="http://schemas.microsoft.com/office/drawing/2014/main" id="{AA0A30FB-0945-4278-8753-6B9D55742D4E}"/>
+              </a:ext>
+            </a:extLst>
+          </p:cNvPr>
+          <p:cNvSpPr txBox="1"/>
+          <p:nvPr/>
+        </p:nvSpPr>
+        <p:spPr>
+          <a:xfrm>
+            <a:off x="870841" y="3419507"/>
+            <a:ext cx="1920953" cy="261610"/>
+          </a:xfrm>
+          <a:prstGeom prst="rect">
+            <a:avLst/>
+          </a:prstGeom>
+          <a:noFill/>
+        </p:spPr>
+        <p:txBody>
+          <a:bodyPr wrap="square" rtlCol="0">
+            <a:spAutoFit/>
+          </a:bodyPr>
+          <a:lstStyle/>
+          <a:p>
+            <a:r>
+              <a:rPr lang="en-GB" sz="1100" dirty="0" err="1">
+                <a:solidFill>
+                  <a:schemeClr val="bg1"/>
+                </a:solidFill>
+              </a:rPr>
+              <a:t>Source:Wikimedia</a:t>
+            </a:r>
+            <a:r>
+              <a:rPr lang="en-GB" sz="1100" dirty="0">
+                <a:solidFill>
+                  <a:schemeClr val="bg1"/>
+                </a:solidFill>
+              </a:rPr>
+              <a:t> Commons </a:t>
+            </a:r>
+          </a:p>
+        </p:txBody>
+      </p:sp>
+      <p:pic>
+        <p:nvPicPr>
+          <p:cNvPr id="27" name="Picture 26" descr="A close up of a machine&#10;&#10;Description automatically generated">
+            <a:extLst>
+              <a:ext uri="{FF2B5EF4-FFF2-40B4-BE49-F238E27FC236}">
+                <a16:creationId xmlns:a16="http://schemas.microsoft.com/office/drawing/2014/main" id="{94E45426-8ADB-4DBB-904D-303D2A86FF07}"/>
+              </a:ext>
+            </a:extLst>
+          </p:cNvPr>
+          <p:cNvPicPr>
+            <a:picLocks noChangeAspect="1"/>
+          </p:cNvPicPr>
+          <p:nvPr/>
+        </p:nvPicPr>
+        <p:blipFill>
+          <a:blip r:embed="rId5">
+            <a:extLst>
+              <a:ext uri="{28A0092B-C50C-407E-A947-70E740481C1C}">
+                <a14:useLocalDpi xmlns:a14="http://schemas.microsoft.com/office/drawing/2010/main" val="0"/>
+              </a:ext>
+            </a:extLst>
+          </a:blip>
+          <a:stretch>
+            <a:fillRect/>
+          </a:stretch>
+        </p:blipFill>
+        <p:spPr>
+          <a:xfrm>
+            <a:off x="2836975" y="2394842"/>
+            <a:ext cx="2619375" cy="1743075"/>
+          </a:xfrm>
+          <a:prstGeom prst="rect">
+            <a:avLst/>
+          </a:prstGeom>
+        </p:spPr>
+      </p:pic>
+      <p:sp>
+        <p:nvSpPr>
+          <p:cNvPr id="31" name="TextBox 30">
+            <a:extLst>
+              <a:ext uri="{FF2B5EF4-FFF2-40B4-BE49-F238E27FC236}">
+                <a16:creationId xmlns:a16="http://schemas.microsoft.com/office/drawing/2014/main" id="{D13CBD88-7C36-4649-BA85-472BBE038547}"/>
+              </a:ext>
+            </a:extLst>
+          </p:cNvPr>
+          <p:cNvSpPr txBox="1"/>
+          <p:nvPr/>
+        </p:nvSpPr>
+        <p:spPr>
+          <a:xfrm>
+            <a:off x="3097608" y="4168185"/>
+            <a:ext cx="3103696" cy="261610"/>
+          </a:xfrm>
+          <a:prstGeom prst="rect">
+            <a:avLst/>
+          </a:prstGeom>
+          <a:noFill/>
+        </p:spPr>
+        <p:txBody>
+          <a:bodyPr wrap="square" rtlCol="0">
+            <a:spAutoFit/>
+          </a:bodyPr>
+          <a:lstStyle/>
+          <a:p>
+            <a:r>
+              <a:rPr lang="en-GB" sz="1100" dirty="0" err="1"/>
+              <a:t>Source:Wikimedia</a:t>
+            </a:r>
+            <a:r>
+              <a:rPr lang="en-GB" sz="1100" dirty="0"/>
+              <a:t> Commons </a:t>
+            </a:r>
+          </a:p>
+        </p:txBody>
+      </p:sp>
+      <p:pic>
+        <p:nvPicPr>
+          <p:cNvPr id="1026" name="Picture 2" descr="Image result for brighton">
+            <a:extLst>
+              <a:ext uri="{FF2B5EF4-FFF2-40B4-BE49-F238E27FC236}">
+                <a16:creationId xmlns:a16="http://schemas.microsoft.com/office/drawing/2014/main" id="{FACF46E5-7177-4EC0-90B6-2287D648C70E}"/>
+              </a:ext>
+            </a:extLst>
+          </p:cNvPr>
+          <p:cNvPicPr>
+            <a:picLocks noChangeAspect="1" noChangeArrowheads="1"/>
+          </p:cNvPicPr>
+          <p:nvPr/>
+        </p:nvPicPr>
+        <p:blipFill>
+          <a:blip r:embed="rId6">
+            <a:extLst>
+              <a:ext uri="{28A0092B-C50C-407E-A947-70E740481C1C}">
+                <a14:useLocalDpi xmlns:a14="http://schemas.microsoft.com/office/drawing/2010/main" val="0"/>
+              </a:ext>
+            </a:extLst>
+          </a:blip>
+          <a:srcRect/>
+          <a:stretch>
+            <a:fillRect/>
+          </a:stretch>
+        </p:blipFill>
+        <p:spPr bwMode="auto">
+          <a:xfrm>
+            <a:off x="8287496" y="1532896"/>
+            <a:ext cx="3558135" cy="2367777"/>
+          </a:xfrm>
+          <a:prstGeom prst="rect">
+            <a:avLst/>
+          </a:prstGeom>
+          <a:noFill/>
+          <a:extLst>
+            <a:ext uri="{909E8E84-426E-40DD-AFC4-6F175D3DCCD1}">
+              <a14:hiddenFill xmlns:a14="http://schemas.microsoft.com/office/drawing/2010/main">
+                <a:solidFill>
+                  <a:srgbClr val="FFFFFF"/>
+                </a:solidFill>
+              </a14:hiddenFill>
+            </a:ext>
+          </a:extLst>
+        </p:spPr>
+      </p:pic>
+      <p:pic>
+        <p:nvPicPr>
+          <p:cNvPr id="1028" name="Picture 4" descr="Image result for brighton">
+            <a:extLst>
+              <a:ext uri="{FF2B5EF4-FFF2-40B4-BE49-F238E27FC236}">
+                <a16:creationId xmlns:a16="http://schemas.microsoft.com/office/drawing/2014/main" id="{2ED57363-BA70-4160-8F4B-231060713F6E}"/>
+              </a:ext>
+            </a:extLst>
+          </p:cNvPr>
+          <p:cNvPicPr>
+            <a:picLocks noChangeAspect="1" noChangeArrowheads="1"/>
+          </p:cNvPicPr>
+          <p:nvPr/>
+        </p:nvPicPr>
+        <p:blipFill>
+          <a:blip r:embed="rId7">
+            <a:extLst>
+              <a:ext uri="{28A0092B-C50C-407E-A947-70E740481C1C}">
+                <a14:useLocalDpi xmlns:a14="http://schemas.microsoft.com/office/drawing/2010/main" val="0"/>
+              </a:ext>
+            </a:extLst>
+          </a:blip>
+          <a:srcRect/>
+          <a:stretch>
+            <a:fillRect/>
+          </a:stretch>
+        </p:blipFill>
+        <p:spPr bwMode="auto">
+          <a:xfrm>
+            <a:off x="8320957" y="4122993"/>
+            <a:ext cx="3525929" cy="2367777"/>
+          </a:xfrm>
+          <a:prstGeom prst="rect">
+            <a:avLst/>
+          </a:prstGeom>
+          <a:noFill/>
+          <a:extLst>
+            <a:ext uri="{909E8E84-426E-40DD-AFC4-6F175D3DCCD1}">
+              <a14:hiddenFill xmlns:a14="http://schemas.microsoft.com/office/drawing/2010/main">
+                <a:solidFill>
+                  <a:srgbClr val="FFFFFF"/>
+                </a:solidFill>
+              </a14:hiddenFill>
+            </a:ext>
+          </a:extLst>
+        </p:spPr>
+      </p:pic>
+      <p:sp>
+        <p:nvSpPr>
+          <p:cNvPr id="4" name="Speech Bubble: Rectangle with Corners Rounded 3">
+            <a:extLst>
+              <a:ext uri="{FF2B5EF4-FFF2-40B4-BE49-F238E27FC236}">
+                <a16:creationId xmlns:a16="http://schemas.microsoft.com/office/drawing/2014/main" id="{2FD6A9AF-E098-4548-AC1C-F3DF2FDE9828}"/>
+              </a:ext>
+            </a:extLst>
+          </p:cNvPr>
+          <p:cNvSpPr/>
+          <p:nvPr/>
+        </p:nvSpPr>
+        <p:spPr>
+          <a:xfrm>
+            <a:off x="5837051" y="563040"/>
+            <a:ext cx="5944823" cy="718497"/>
+          </a:xfrm>
+          <a:prstGeom prst="wedgeRoundRectCallout">
+            <a:avLst/>
+          </a:prstGeom>
+        </p:spPr>
+        <p:style>
+          <a:lnRef idx="2">
+            <a:schemeClr val="accent1">
+              <a:shade val="50000"/>
+            </a:schemeClr>
+          </a:lnRef>
+          <a:fillRef idx="1">
+            <a:schemeClr val="accent1"/>
+          </a:fillRef>
+          <a:effectRef idx="0">
+            <a:schemeClr val="accent1"/>
+          </a:effectRef>
+          <a:fontRef idx="minor">
+            <a:schemeClr val="lt1"/>
+          </a:fontRef>
+        </p:style>
+        <p:txBody>
+          <a:bodyPr rtlCol="0" anchor="ctr"/>
+          <a:lstStyle/>
+          <a:p>
             <a:pPr algn="ctr"/>
             <a:r>
-              <a:rPr lang="en-GB" sz="6600" dirty="0">
+              <a:rPr lang="en-GB" sz="3200" dirty="0"/>
+              <a:t>Where/what were you in 1979?</a:t>
+            </a:r>
+          </a:p>
+        </p:txBody>
+      </p:sp>
+      <p:sp>
+        <p:nvSpPr>
+          <p:cNvPr id="5" name="TextBox 4">
+            <a:extLst>
+              <a:ext uri="{FF2B5EF4-FFF2-40B4-BE49-F238E27FC236}">
+                <a16:creationId xmlns:a16="http://schemas.microsoft.com/office/drawing/2014/main" id="{B146C545-2A2F-48B4-9694-D05FBB2AB9B7}"/>
+              </a:ext>
+            </a:extLst>
+          </p:cNvPr>
+          <p:cNvSpPr txBox="1"/>
+          <p:nvPr/>
+        </p:nvSpPr>
+        <p:spPr>
+          <a:xfrm>
+            <a:off x="8529905" y="3196369"/>
+            <a:ext cx="2998850" cy="707886"/>
+          </a:xfrm>
+          <a:prstGeom prst="rect">
+            <a:avLst/>
+          </a:prstGeom>
+          <a:noFill/>
+        </p:spPr>
+        <p:txBody>
+          <a:bodyPr wrap="square" rtlCol="0">
+            <a:spAutoFit/>
+          </a:bodyPr>
+          <a:lstStyle/>
+          <a:p>
+            <a:r>
+              <a:rPr lang="en-GB" sz="4000" dirty="0">
                 <a:solidFill>
                   <a:schemeClr val="bg1"/>
+                </a:solidFill>
+              </a:rPr>
+              <a:t>Brighton, UK</a:t>
+            </a:r>
+          </a:p>
+        </p:txBody>
+      </p:sp>
+      <p:sp>
+        <p:nvSpPr>
+          <p:cNvPr id="17" name="TextBox 16">
+            <a:extLst>
+              <a:ext uri="{FF2B5EF4-FFF2-40B4-BE49-F238E27FC236}">
+                <a16:creationId xmlns:a16="http://schemas.microsoft.com/office/drawing/2014/main" id="{8E99F2E8-7996-4F2E-83DD-1511AC1FFB48}"/>
+              </a:ext>
+            </a:extLst>
+          </p:cNvPr>
+          <p:cNvSpPr txBox="1"/>
+          <p:nvPr/>
+        </p:nvSpPr>
+        <p:spPr>
+          <a:xfrm>
+            <a:off x="8529905" y="5884479"/>
+            <a:ext cx="3251438" cy="523220"/>
+          </a:xfrm>
+          <a:prstGeom prst="rect">
+            <a:avLst/>
+          </a:prstGeom>
+          <a:noFill/>
+        </p:spPr>
+        <p:txBody>
+          <a:bodyPr wrap="square" rtlCol="0">
+            <a:spAutoFit/>
+          </a:bodyPr>
+          <a:lstStyle/>
+          <a:p>
+            <a:r>
+              <a:rPr lang="en-GB" sz="2800" dirty="0">
+                <a:solidFill>
+                  <a:schemeClr val="bg1"/>
+                </a:solidFill>
+              </a:rPr>
+              <a:t>The English Channel</a:t>
+            </a:r>
+          </a:p>
+        </p:txBody>
+      </p:sp>
+      <p:sp>
+        <p:nvSpPr>
+          <p:cNvPr id="6" name="TextBox 5">
+            <a:extLst>
+              <a:ext uri="{FF2B5EF4-FFF2-40B4-BE49-F238E27FC236}">
+                <a16:creationId xmlns:a16="http://schemas.microsoft.com/office/drawing/2014/main" id="{345D58C5-E16D-42B4-8240-1129ACD27D37}"/>
+              </a:ext>
+            </a:extLst>
+          </p:cNvPr>
+          <p:cNvSpPr txBox="1"/>
+          <p:nvPr/>
+        </p:nvSpPr>
+        <p:spPr>
+          <a:xfrm>
+            <a:off x="713859" y="584084"/>
+            <a:ext cx="5152434" cy="400110"/>
+          </a:xfrm>
+          <a:prstGeom prst="rect">
+            <a:avLst/>
+          </a:prstGeom>
+          <a:noFill/>
+        </p:spPr>
+        <p:txBody>
+          <a:bodyPr wrap="square" rtlCol="0">
+            <a:spAutoFit/>
+          </a:bodyPr>
+          <a:lstStyle/>
+          <a:p>
+            <a:r>
+              <a:rPr lang="en-GB" sz="2000" b="1" dirty="0">
+                <a:solidFill>
+                  <a:srgbClr val="2196F3"/>
                 </a:solidFill>
                 <a:latin typeface="Segoe UI" panose="020B0502040204020203" pitchFamily="34" charset="0"/>
                 <a:cs typeface="Segoe UI" panose="020B0502040204020203" pitchFamily="34" charset="0"/>
               </a:rPr>
-              <a:t>WP REST API &amp; AJAX</a:t>
-            </a:r>
-          </a:p>
-        </p:txBody>
-      </p:sp>
-      <p:sp>
-        <p:nvSpPr>
-          <p:cNvPr id="4" name="Content Placeholder 2">
-            <a:extLst>
-              <a:ext uri="{FF2B5EF4-FFF2-40B4-BE49-F238E27FC236}">
-                <a16:creationId xmlns:a16="http://schemas.microsoft.com/office/drawing/2014/main" id="{088CCB65-11B4-408B-9ED3-1304FE85032F}"/>
-              </a:ext>
-            </a:extLst>
-          </p:cNvPr>
-          <p:cNvSpPr>
-            <a:spLocks noGrp="1"/>
-          </p:cNvSpPr>
-          <p:nvPr>
-            <p:ph idx="1"/>
-          </p:nvPr>
+              <a:t>58 in human years – 243 in tech years</a:t>
+            </a:r>
+          </a:p>
+        </p:txBody>
+      </p:sp>
+      <p:cxnSp>
+        <p:nvCxnSpPr>
+          <p:cNvPr id="9" name="Straight Arrow Connector 8">
+            <a:extLst>
+              <a:ext uri="{FF2B5EF4-FFF2-40B4-BE49-F238E27FC236}">
+                <a16:creationId xmlns:a16="http://schemas.microsoft.com/office/drawing/2014/main" id="{CF93C976-3C1F-4C74-9D39-90DABBE18BB7}"/>
+              </a:ext>
+            </a:extLst>
+          </p:cNvPr>
+          <p:cNvCxnSpPr>
+            <a:cxnSpLocks/>
+          </p:cNvCxnSpPr>
+          <p:nvPr/>
+        </p:nvCxnSpPr>
+        <p:spPr>
+          <a:xfrm flipH="1" flipV="1">
+            <a:off x="8672218" y="4142117"/>
+            <a:ext cx="682807" cy="748283"/>
+          </a:xfrm>
+          <a:prstGeom prst="straightConnector1">
+            <a:avLst/>
+          </a:prstGeom>
+          <a:ln w="50800">
+            <a:solidFill>
+              <a:schemeClr val="bg1"/>
+            </a:solidFill>
+            <a:tailEnd type="triangle"/>
+          </a:ln>
+        </p:spPr>
+        <p:style>
+          <a:lnRef idx="3">
+            <a:schemeClr val="accent1"/>
+          </a:lnRef>
+          <a:fillRef idx="0">
+            <a:schemeClr val="accent1"/>
+          </a:fillRef>
+          <a:effectRef idx="2">
+            <a:schemeClr val="accent1"/>
+          </a:effectRef>
+          <a:fontRef idx="minor">
+            <a:schemeClr val="tx1"/>
+          </a:fontRef>
+        </p:style>
+      </p:cxnSp>
+      <p:sp>
+        <p:nvSpPr>
+          <p:cNvPr id="10" name="TextBox 9">
+            <a:extLst>
+              <a:ext uri="{FF2B5EF4-FFF2-40B4-BE49-F238E27FC236}">
+                <a16:creationId xmlns:a16="http://schemas.microsoft.com/office/drawing/2014/main" id="{C6D2AB8D-F566-4A3A-ABB8-05B92FD0E743}"/>
+              </a:ext>
+            </a:extLst>
+          </p:cNvPr>
+          <p:cNvSpPr txBox="1"/>
+          <p:nvPr/>
         </p:nvSpPr>
         <p:spPr>
           <a:xfrm>
-            <a:off x="838200" y="1525908"/>
-            <a:ext cx="10515600" cy="4967255"/>
-          </a:xfrm>
-        </p:spPr>
-        <p:txBody>
-          <a:bodyPr wrap="square" bIns="252000">
-            <a:normAutofit fontScale="92500" lnSpcReduction="10000"/>
+            <a:off x="8066040" y="5058423"/>
+            <a:ext cx="1845578" cy="369332"/>
+          </a:xfrm>
+          <a:prstGeom prst="rect">
+            <a:avLst/>
+          </a:prstGeom>
+          <a:noFill/>
+        </p:spPr>
+        <p:txBody>
+          <a:bodyPr wrap="square" rtlCol="0">
+            <a:spAutoFit/>
           </a:bodyPr>
           <a:lstStyle/>
           <a:p>
-            <a:pPr marL="457200" lvl="1" indent="0">
-              <a:buNone/>
-            </a:pPr>
-            <a:r>
-              <a:rPr lang="en-GB" sz="5100" dirty="0">
-                <a:solidFill>
-                  <a:srgbClr val="FF0000"/>
-                </a:solidFill>
-                <a:latin typeface="Segoe UI" panose="020B0502040204020203" pitchFamily="34" charset="0"/>
-                <a:cs typeface="Segoe UI" panose="020B0502040204020203" pitchFamily="34" charset="0"/>
-              </a:rPr>
-              <a:t>REALISTIC</a:t>
-            </a:r>
-            <a:r>
-              <a:rPr lang="en-GB" sz="5100" dirty="0">
-                <a:solidFill>
-                  <a:srgbClr val="2196F3"/>
-                </a:solidFill>
-                <a:latin typeface="Segoe UI" panose="020B0502040204020203" pitchFamily="34" charset="0"/>
-                <a:cs typeface="Segoe UI" panose="020B0502040204020203" pitchFamily="34" charset="0"/>
-              </a:rPr>
-              <a:t> OUTCOMES:</a:t>
-            </a:r>
-          </a:p>
-          <a:p>
-            <a:pPr marL="457200" lvl="1" indent="0">
-              <a:buNone/>
-            </a:pPr>
-            <a:endParaRPr lang="en-GB" sz="1050" dirty="0">
-              <a:solidFill>
-                <a:srgbClr val="2196F3"/>
-              </a:solidFill>
-              <a:latin typeface="Segoe UI" panose="020B0502040204020203" pitchFamily="34" charset="0"/>
-              <a:cs typeface="Segoe UI" panose="020B0502040204020203" pitchFamily="34" charset="0"/>
-            </a:endParaRPr>
-          </a:p>
-          <a:p>
-            <a:pPr marL="457200" lvl="1" indent="0">
-              <a:buNone/>
-            </a:pPr>
-            <a:r>
-              <a:rPr lang="en-GB" sz="2800" dirty="0">
-                <a:solidFill>
-                  <a:srgbClr val="2196F3"/>
-                </a:solidFill>
-                <a:latin typeface="Segoe UI" panose="020B0502040204020203" pitchFamily="34" charset="0"/>
-                <a:cs typeface="Segoe UI" panose="020B0502040204020203" pitchFamily="34" charset="0"/>
-              </a:rPr>
-              <a:t>A lot to take in and digest in 30 mins. This will be a broad and high level overview, returning deep if time permits,</a:t>
-            </a:r>
-          </a:p>
-          <a:p>
-            <a:pPr marL="457200" lvl="1" indent="0">
-              <a:buNone/>
-            </a:pPr>
-            <a:endParaRPr lang="en-GB" sz="900" dirty="0">
-              <a:solidFill>
-                <a:srgbClr val="2196F3"/>
-              </a:solidFill>
-              <a:latin typeface="Segoe UI" panose="020B0502040204020203" pitchFamily="34" charset="0"/>
-              <a:cs typeface="Segoe UI" panose="020B0502040204020203" pitchFamily="34" charset="0"/>
-            </a:endParaRPr>
-          </a:p>
-          <a:p>
-            <a:pPr marL="971550" lvl="1" indent="-514350">
-              <a:spcBef>
-                <a:spcPts val="1200"/>
-              </a:spcBef>
-              <a:buFont typeface="+mj-lt"/>
-              <a:buAutoNum type="arabicPeriod"/>
-            </a:pPr>
-            <a:r>
-              <a:rPr lang="en-GB" sz="2800" dirty="0">
-                <a:solidFill>
-                  <a:srgbClr val="2196F3"/>
-                </a:solidFill>
-                <a:latin typeface="Segoe UI" panose="020B0502040204020203" pitchFamily="34" charset="0"/>
-                <a:cs typeface="Segoe UI" panose="020B0502040204020203" pitchFamily="34" charset="0"/>
-              </a:rPr>
-              <a:t>Slides, workbook and site code available.</a:t>
-            </a:r>
-          </a:p>
-          <a:p>
-            <a:pPr marL="971550" lvl="1" indent="-514350">
-              <a:spcBef>
-                <a:spcPts val="1200"/>
-              </a:spcBef>
-              <a:buFont typeface="+mj-lt"/>
-              <a:buAutoNum type="arabicPeriod"/>
-            </a:pPr>
-            <a:r>
-              <a:rPr lang="en-GB" sz="2800" dirty="0">
-                <a:solidFill>
-                  <a:srgbClr val="2196F3"/>
-                </a:solidFill>
-                <a:latin typeface="Segoe UI" panose="020B0502040204020203" pitchFamily="34" charset="0"/>
-                <a:cs typeface="Segoe UI" panose="020B0502040204020203" pitchFamily="34" charset="0"/>
-                <a:hlinkClick r:id="rId2"/>
-              </a:rPr>
-              <a:t>https://www.wp-brighton.org.uk/2020/05/may-2020-craig-west/</a:t>
-            </a:r>
-            <a:r>
-              <a:rPr lang="en-GB" sz="2800" dirty="0">
-                <a:solidFill>
-                  <a:srgbClr val="2196F3"/>
-                </a:solidFill>
-                <a:latin typeface="Segoe UI" panose="020B0502040204020203" pitchFamily="34" charset="0"/>
-                <a:cs typeface="Segoe UI" panose="020B0502040204020203" pitchFamily="34" charset="0"/>
-              </a:rPr>
-              <a:t> (recording of recent Brighton Meetup on this talk).</a:t>
-            </a:r>
-          </a:p>
-          <a:p>
-            <a:pPr marL="971550" lvl="1" indent="-514350">
-              <a:spcBef>
-                <a:spcPts val="1200"/>
-              </a:spcBef>
-              <a:buFont typeface="+mj-lt"/>
-              <a:buAutoNum type="arabicPeriod"/>
-            </a:pPr>
-            <a:r>
-              <a:rPr lang="en-GB" sz="2800" dirty="0">
-                <a:solidFill>
-                  <a:srgbClr val="2196F3"/>
-                </a:solidFill>
-                <a:latin typeface="Segoe UI" panose="020B0502040204020203" pitchFamily="34" charset="0"/>
-                <a:cs typeface="Segoe UI" panose="020B0502040204020203" pitchFamily="34" charset="0"/>
-              </a:rPr>
-              <a:t>I give regular and frequent 1-2 hour online workshops (no fee) to help WP Developers learn WP REST/AJAX.</a:t>
-            </a:r>
-          </a:p>
-          <a:p>
-            <a:pPr marL="457200" lvl="1" indent="0">
-              <a:buNone/>
-            </a:pPr>
-            <a:endParaRPr lang="en-GB" sz="2800" dirty="0">
-              <a:solidFill>
-                <a:srgbClr val="2196F3"/>
-              </a:solidFill>
-              <a:latin typeface="Segoe UI" panose="020B0502040204020203" pitchFamily="34" charset="0"/>
-              <a:cs typeface="Segoe UI" panose="020B0502040204020203" pitchFamily="34" charset="0"/>
-            </a:endParaRPr>
-          </a:p>
-          <a:p>
-            <a:pPr marL="457200" lvl="1" indent="0">
-              <a:buNone/>
-            </a:pPr>
-            <a:r>
-              <a:rPr lang="en-GB" sz="2800" b="1" i="1" dirty="0">
-                <a:solidFill>
-                  <a:srgbClr val="FF0000"/>
-                </a:solidFill>
-                <a:latin typeface="Segoe UI" panose="020B0502040204020203" pitchFamily="34" charset="0"/>
-                <a:cs typeface="Segoe UI" panose="020B0502040204020203" pitchFamily="34" charset="0"/>
-              </a:rPr>
-              <a:t>Please</a:t>
-            </a:r>
-            <a:r>
-              <a:rPr lang="en-GB" sz="2800" dirty="0">
-                <a:solidFill>
-                  <a:srgbClr val="2196F3"/>
-                </a:solidFill>
-                <a:latin typeface="Segoe UI" panose="020B0502040204020203" pitchFamily="34" charset="0"/>
-                <a:cs typeface="Segoe UI" panose="020B0502040204020203" pitchFamily="34" charset="0"/>
-              </a:rPr>
-              <a:t> contact me to learn this in more details</a:t>
-            </a:r>
-          </a:p>
-          <a:p>
-            <a:pPr marL="457200" lvl="1" indent="0">
-              <a:buNone/>
-            </a:pPr>
-            <a:endParaRPr lang="en-GB" sz="6700" dirty="0">
-              <a:solidFill>
-                <a:srgbClr val="2196F3"/>
-              </a:solidFill>
-              <a:latin typeface="Segoe UI" panose="020B0502040204020203" pitchFamily="34" charset="0"/>
-              <a:cs typeface="Segoe UI" panose="020B0502040204020203" pitchFamily="34" charset="0"/>
-            </a:endParaRPr>
-          </a:p>
-          <a:p>
-            <a:pPr marL="457200" lvl="1" indent="0">
-              <a:buNone/>
-            </a:pPr>
-            <a:endParaRPr lang="en-GB" sz="6700" dirty="0">
-              <a:solidFill>
-                <a:srgbClr val="2196F3"/>
-              </a:solidFill>
-              <a:latin typeface="Segoe UI" panose="020B0502040204020203" pitchFamily="34" charset="0"/>
-              <a:cs typeface="Segoe UI" panose="020B0502040204020203" pitchFamily="34" charset="0"/>
-            </a:endParaRPr>
-          </a:p>
-          <a:p>
-            <a:pPr marL="457200" lvl="1" indent="0">
-              <a:buNone/>
-            </a:pPr>
-            <a:endParaRPr lang="en-GB" sz="6700" dirty="0">
-              <a:latin typeface="Segoe UI" panose="020B0502040204020203" pitchFamily="34" charset="0"/>
-              <a:cs typeface="Segoe UI" panose="020B0502040204020203" pitchFamily="34" charset="0"/>
-            </a:endParaRPr>
-          </a:p>
-          <a:p>
-            <a:pPr marL="0" indent="0">
-              <a:buNone/>
-            </a:pPr>
-            <a:endParaRPr lang="en-GB" dirty="0">
-              <a:latin typeface="Segoe UI" panose="020B0502040204020203" pitchFamily="34" charset="0"/>
-              <a:cs typeface="Segoe UI" panose="020B0502040204020203" pitchFamily="34" charset="0"/>
-            </a:endParaRPr>
-          </a:p>
-          <a:p>
-            <a:endParaRPr lang="en-GB" dirty="0">
-              <a:latin typeface="Segoe UI" panose="020B0502040204020203" pitchFamily="34" charset="0"/>
-              <a:cs typeface="Segoe UI" panose="020B0502040204020203" pitchFamily="34" charset="0"/>
-            </a:endParaRPr>
+            <a:pPr algn="ctr"/>
+            <a:r>
+              <a:rPr lang="en-GB" dirty="0">
+                <a:solidFill>
+                  <a:schemeClr val="bg1"/>
+                </a:solidFill>
+                <a:highlight>
+                  <a:srgbClr val="0000FF"/>
+                </a:highlight>
+              </a:rPr>
+              <a:t>15 min walk</a:t>
+            </a:r>
           </a:p>
         </p:txBody>
       </p:sp>
     </p:spTree>
     <p:extLst>
       <p:ext uri="{BB962C8B-B14F-4D97-AF65-F5344CB8AC3E}">
-        <p14:creationId xmlns:p14="http://schemas.microsoft.com/office/powerpoint/2010/main" val="2605959733"/>
+        <p14:creationId xmlns:p14="http://schemas.microsoft.com/office/powerpoint/2010/main" val="4077002212"/>
       </p:ext>
     </p:extLst>
   </p:cSld>
@@ -11033,84 +11673,12 @@
           <a:chExt cx="0" cy="0"/>
         </a:xfrm>
       </p:grpSpPr>
-      <p:pic>
-        <p:nvPicPr>
-          <p:cNvPr id="16" name="Picture 15" descr="A close up of a typewriter&#10;&#10;Description automatically generated">
-            <a:extLst>
-              <a:ext uri="{FF2B5EF4-FFF2-40B4-BE49-F238E27FC236}">
-                <a16:creationId xmlns:a16="http://schemas.microsoft.com/office/drawing/2014/main" id="{16FE7CA4-EC3F-42CD-BDD7-9DB299CE9A72}"/>
-              </a:ext>
-            </a:extLst>
-          </p:cNvPr>
-          <p:cNvPicPr>
-            <a:picLocks noChangeAspect="1"/>
-          </p:cNvPicPr>
-          <p:nvPr/>
-        </p:nvPicPr>
-        <p:blipFill>
-          <a:blip r:embed="rId2">
-            <a:extLst>
-              <a:ext uri="{28A0092B-C50C-407E-A947-70E740481C1C}">
-                <a14:useLocalDpi xmlns:a14="http://schemas.microsoft.com/office/drawing/2010/main" val="0"/>
-              </a:ext>
-            </a:extLst>
-          </a:blip>
-          <a:stretch>
-            <a:fillRect/>
-          </a:stretch>
-        </p:blipFill>
-        <p:spPr>
-          <a:xfrm>
-            <a:off x="713859" y="2405825"/>
-            <a:ext cx="2068860" cy="2762035"/>
-          </a:xfrm>
-          <a:prstGeom prst="rect">
-            <a:avLst/>
-          </a:prstGeom>
-        </p:spPr>
-      </p:pic>
-      <p:pic>
-        <p:nvPicPr>
-          <p:cNvPr id="19" name="Picture 18" descr="A picture containing wall, indoor, table, cup&#10;&#10;Description automatically generated">
-            <a:extLst>
-              <a:ext uri="{FF2B5EF4-FFF2-40B4-BE49-F238E27FC236}">
-                <a16:creationId xmlns:a16="http://schemas.microsoft.com/office/drawing/2014/main" id="{CC8D6E43-818C-421B-8A10-E6255328A2FA}"/>
-              </a:ext>
-            </a:extLst>
-          </p:cNvPr>
-          <p:cNvPicPr>
-            <a:picLocks noChangeAspect="1"/>
-          </p:cNvPicPr>
-          <p:nvPr/>
-        </p:nvPicPr>
-        <p:blipFill>
-          <a:blip r:embed="rId3">
-            <a:extLst>
-              <a:ext uri="{28A0092B-C50C-407E-A947-70E740481C1C}">
-                <a14:useLocalDpi xmlns:a14="http://schemas.microsoft.com/office/drawing/2010/main" val="0"/>
-              </a:ext>
-            </a:extLst>
-          </a:blip>
-          <a:stretch>
-            <a:fillRect/>
-          </a:stretch>
-        </p:blipFill>
-        <p:spPr>
-          <a:xfrm>
-            <a:off x="684617" y="4510160"/>
-            <a:ext cx="2647950" cy="1765554"/>
-          </a:xfrm>
-          <a:prstGeom prst="rect">
-            <a:avLst/>
-          </a:prstGeom>
-        </p:spPr>
-      </p:pic>
       <p:sp>
         <p:nvSpPr>
           <p:cNvPr id="2" name="Title 1">
             <a:extLst>
               <a:ext uri="{FF2B5EF4-FFF2-40B4-BE49-F238E27FC236}">
-                <a16:creationId xmlns:a16="http://schemas.microsoft.com/office/drawing/2014/main" id="{CCF59C87-4A75-4C7A-B173-FA04E1A10E70}"/>
+                <a16:creationId xmlns:a16="http://schemas.microsoft.com/office/drawing/2014/main" id="{5D7568B3-EC9A-45DD-8A17-CFE685194B65}"/>
               </a:ext>
             </a:extLst>
           </p:cNvPr>
@@ -11118,675 +11686,343 @@
             <a:spLocks noGrp="1"/>
           </p:cNvSpPr>
           <p:nvPr>
-            <p:ph type="ctrTitle"/>
+            <p:ph type="title"/>
           </p:nvPr>
         </p:nvSpPr>
         <p:spPr>
           <a:xfrm>
-            <a:off x="605637" y="1566983"/>
-            <a:ext cx="7681859" cy="1015663"/>
-          </a:xfrm>
+            <a:off x="838200" y="0"/>
+            <a:ext cx="10515600" cy="1325563"/>
+          </a:xfrm>
+          <a:solidFill>
+            <a:srgbClr val="2196F3"/>
+          </a:solidFill>
         </p:spPr>
         <p:txBody>
           <a:bodyPr>
-            <a:normAutofit fontScale="90000"/>
+            <a:normAutofit/>
           </a:bodyPr>
           <a:lstStyle/>
           <a:p>
-            <a:r>
-              <a:rPr lang="en-GB" sz="4000" dirty="0"/>
-              <a:t>My start in computing at school in </a:t>
-            </a:r>
-            <a:r>
-              <a:rPr lang="en-GB" sz="4900" b="1" dirty="0">
-                <a:solidFill>
-                  <a:srgbClr val="FF0000"/>
-                </a:solidFill>
-              </a:rPr>
-              <a:t>1979</a:t>
-            </a:r>
-            <a:br>
-              <a:rPr lang="en-GB" sz="4000" dirty="0"/>
-            </a:br>
-            <a:r>
-              <a:rPr lang="en-GB" sz="4000" dirty="0"/>
-              <a:t>    </a:t>
-            </a:r>
-          </a:p>
-        </p:txBody>
-      </p:sp>
-      <p:sp>
-        <p:nvSpPr>
-          <p:cNvPr id="3" name="TextBox 2">
-            <a:extLst>
-              <a:ext uri="{FF2B5EF4-FFF2-40B4-BE49-F238E27FC236}">
-                <a16:creationId xmlns:a16="http://schemas.microsoft.com/office/drawing/2014/main" id="{3816F0FF-6206-4FDB-B50E-A5E0A8290985}"/>
-              </a:ext>
-            </a:extLst>
-          </p:cNvPr>
-          <p:cNvSpPr txBox="1"/>
-          <p:nvPr/>
+            <a:pPr algn="ctr"/>
+            <a:r>
+              <a:rPr lang="en-GB" sz="6600" dirty="0">
+                <a:solidFill>
+                  <a:schemeClr val="bg1"/>
+                </a:solidFill>
+                <a:latin typeface="Segoe UI" panose="020B0502040204020203" pitchFamily="34" charset="0"/>
+                <a:cs typeface="Segoe UI" panose="020B0502040204020203" pitchFamily="34" charset="0"/>
+              </a:rPr>
+              <a:t>WP REST API &amp; AJAX</a:t>
+            </a:r>
+          </a:p>
+        </p:txBody>
+      </p:sp>
+      <p:sp>
+        <p:nvSpPr>
+          <p:cNvPr id="4" name="Content Placeholder 2">
+            <a:extLst>
+              <a:ext uri="{FF2B5EF4-FFF2-40B4-BE49-F238E27FC236}">
+                <a16:creationId xmlns:a16="http://schemas.microsoft.com/office/drawing/2014/main" id="{088CCB65-11B4-408B-9ED3-1304FE85032F}"/>
+              </a:ext>
+            </a:extLst>
+          </p:cNvPr>
+          <p:cNvSpPr>
+            <a:spLocks noGrp="1"/>
+          </p:cNvSpPr>
+          <p:nvPr>
+            <p:ph idx="1"/>
+          </p:nvPr>
         </p:nvSpPr>
         <p:spPr>
           <a:xfrm>
-            <a:off x="6272703" y="4475056"/>
-            <a:ext cx="1845578" cy="369332"/>
-          </a:xfrm>
-          <a:prstGeom prst="rect">
-            <a:avLst/>
-          </a:prstGeom>
-          <a:noFill/>
-        </p:spPr>
-        <p:txBody>
-          <a:bodyPr wrap="square" rtlCol="0">
-            <a:spAutoFit/>
+            <a:off x="838200" y="1325563"/>
+            <a:ext cx="10515600" cy="5001346"/>
+          </a:xfrm>
+        </p:spPr>
+        <p:txBody>
+          <a:bodyPr wrap="square" bIns="252000">
+            <a:normAutofit fontScale="62500" lnSpcReduction="20000"/>
           </a:bodyPr>
           <a:lstStyle/>
           <a:p>
-            <a:r>
-              <a:rPr lang="en-GB" dirty="0"/>
-              <a:t>At University</a:t>
-            </a:r>
-          </a:p>
-        </p:txBody>
-      </p:sp>
-      <p:pic>
-        <p:nvPicPr>
-          <p:cNvPr id="7" name="Picture 6" descr="A close up of a calculator&#10;&#10;Description automatically generated">
-            <a:extLst>
-              <a:ext uri="{FF2B5EF4-FFF2-40B4-BE49-F238E27FC236}">
-                <a16:creationId xmlns:a16="http://schemas.microsoft.com/office/drawing/2014/main" id="{95E6E97F-3325-49C1-8F22-358281B945EF}"/>
-              </a:ext>
-            </a:extLst>
-          </p:cNvPr>
-          <p:cNvPicPr>
-            <a:picLocks noChangeAspect="1"/>
-          </p:cNvPicPr>
-          <p:nvPr/>
-        </p:nvPicPr>
-        <p:blipFill>
-          <a:blip r:embed="rId4">
-            <a:extLst>
-              <a:ext uri="{28A0092B-C50C-407E-A947-70E740481C1C}">
-                <a14:useLocalDpi xmlns:a14="http://schemas.microsoft.com/office/drawing/2010/main" val="0"/>
-              </a:ext>
-            </a:extLst>
-          </a:blip>
-          <a:stretch>
-            <a:fillRect/>
-          </a:stretch>
-        </p:blipFill>
-        <p:spPr>
-          <a:xfrm>
-            <a:off x="5743558" y="2134895"/>
-            <a:ext cx="2578653" cy="2367793"/>
-          </a:xfrm>
-          <a:prstGeom prst="rect">
-            <a:avLst/>
-          </a:prstGeom>
-        </p:spPr>
-      </p:pic>
-      <p:sp>
-        <p:nvSpPr>
-          <p:cNvPr id="14" name="TextBox 13">
-            <a:extLst>
-              <a:ext uri="{FF2B5EF4-FFF2-40B4-BE49-F238E27FC236}">
-                <a16:creationId xmlns:a16="http://schemas.microsoft.com/office/drawing/2014/main" id="{E4464916-709F-4640-AE4A-E863DD40F8E5}"/>
-              </a:ext>
-            </a:extLst>
-          </p:cNvPr>
-          <p:cNvSpPr txBox="1"/>
-          <p:nvPr/>
-        </p:nvSpPr>
-        <p:spPr>
-          <a:xfrm>
-            <a:off x="6135038" y="6259874"/>
-            <a:ext cx="3103696" cy="261610"/>
-          </a:xfrm>
-          <a:prstGeom prst="rect">
-            <a:avLst/>
-          </a:prstGeom>
-          <a:noFill/>
-        </p:spPr>
-        <p:txBody>
-          <a:bodyPr wrap="square" rtlCol="0">
-            <a:spAutoFit/>
-          </a:bodyPr>
-          <a:lstStyle/>
-          <a:p>
-            <a:r>
-              <a:rPr lang="en-GB" sz="1100" dirty="0" err="1">
-                <a:solidFill>
-                  <a:srgbClr val="FF0000"/>
-                </a:solidFill>
-              </a:rPr>
-              <a:t>Source:Wikimedia</a:t>
-            </a:r>
-            <a:r>
-              <a:rPr lang="en-GB" sz="1100" dirty="0">
-                <a:solidFill>
-                  <a:srgbClr val="FF0000"/>
-                </a:solidFill>
-              </a:rPr>
-              <a:t> Commons </a:t>
-            </a:r>
-          </a:p>
-        </p:txBody>
-      </p:sp>
-      <p:sp>
-        <p:nvSpPr>
-          <p:cNvPr id="20" name="TextBox 19">
-            <a:extLst>
-              <a:ext uri="{FF2B5EF4-FFF2-40B4-BE49-F238E27FC236}">
-                <a16:creationId xmlns:a16="http://schemas.microsoft.com/office/drawing/2014/main" id="{26D382D3-C4B0-43B6-91E5-8A0DC150A00B}"/>
-              </a:ext>
-            </a:extLst>
-          </p:cNvPr>
-          <p:cNvSpPr txBox="1"/>
-          <p:nvPr/>
-        </p:nvSpPr>
-        <p:spPr>
-          <a:xfrm>
-            <a:off x="1042967" y="6253235"/>
-            <a:ext cx="3103696" cy="261610"/>
-          </a:xfrm>
-          <a:prstGeom prst="rect">
-            <a:avLst/>
-          </a:prstGeom>
-          <a:noFill/>
-        </p:spPr>
-        <p:txBody>
-          <a:bodyPr wrap="square" rtlCol="0">
-            <a:spAutoFit/>
-          </a:bodyPr>
-          <a:lstStyle/>
-          <a:p>
-            <a:r>
-              <a:rPr lang="en-GB" sz="1100" dirty="0" err="1"/>
-              <a:t>Source:Wikimedia</a:t>
-            </a:r>
-            <a:r>
-              <a:rPr lang="en-GB" sz="1100" dirty="0"/>
-              <a:t> Commons </a:t>
-            </a:r>
-          </a:p>
-        </p:txBody>
-      </p:sp>
-      <p:sp>
-        <p:nvSpPr>
-          <p:cNvPr id="24" name="TextBox 23">
-            <a:extLst>
-              <a:ext uri="{FF2B5EF4-FFF2-40B4-BE49-F238E27FC236}">
-                <a16:creationId xmlns:a16="http://schemas.microsoft.com/office/drawing/2014/main" id="{AA0A30FB-0945-4278-8753-6B9D55742D4E}"/>
-              </a:ext>
-            </a:extLst>
-          </p:cNvPr>
-          <p:cNvSpPr txBox="1"/>
-          <p:nvPr/>
-        </p:nvSpPr>
-        <p:spPr>
-          <a:xfrm>
-            <a:off x="870841" y="3419507"/>
-            <a:ext cx="1920953" cy="261610"/>
-          </a:xfrm>
-          <a:prstGeom prst="rect">
-            <a:avLst/>
-          </a:prstGeom>
-          <a:noFill/>
-        </p:spPr>
-        <p:txBody>
-          <a:bodyPr wrap="square" rtlCol="0">
-            <a:spAutoFit/>
-          </a:bodyPr>
-          <a:lstStyle/>
-          <a:p>
-            <a:r>
-              <a:rPr lang="en-GB" sz="1100" dirty="0" err="1">
-                <a:solidFill>
-                  <a:schemeClr val="bg1"/>
-                </a:solidFill>
-              </a:rPr>
-              <a:t>Source:Wikimedia</a:t>
-            </a:r>
-            <a:r>
-              <a:rPr lang="en-GB" sz="1100" dirty="0">
-                <a:solidFill>
-                  <a:schemeClr val="bg1"/>
-                </a:solidFill>
-              </a:rPr>
-              <a:t> Commons </a:t>
-            </a:r>
-          </a:p>
-        </p:txBody>
-      </p:sp>
-      <p:pic>
-        <p:nvPicPr>
-          <p:cNvPr id="27" name="Picture 26" descr="A close up of a machine&#10;&#10;Description automatically generated">
-            <a:extLst>
-              <a:ext uri="{FF2B5EF4-FFF2-40B4-BE49-F238E27FC236}">
-                <a16:creationId xmlns:a16="http://schemas.microsoft.com/office/drawing/2014/main" id="{94E45426-8ADB-4DBB-904D-303D2A86FF07}"/>
-              </a:ext>
-            </a:extLst>
-          </p:cNvPr>
-          <p:cNvPicPr>
-            <a:picLocks noChangeAspect="1"/>
-          </p:cNvPicPr>
-          <p:nvPr/>
-        </p:nvPicPr>
-        <p:blipFill>
-          <a:blip r:embed="rId5">
-            <a:extLst>
-              <a:ext uri="{28A0092B-C50C-407E-A947-70E740481C1C}">
-                <a14:useLocalDpi xmlns:a14="http://schemas.microsoft.com/office/drawing/2010/main" val="0"/>
-              </a:ext>
-            </a:extLst>
-          </a:blip>
-          <a:stretch>
-            <a:fillRect/>
-          </a:stretch>
-        </p:blipFill>
-        <p:spPr>
-          <a:xfrm>
-            <a:off x="2836975" y="2394842"/>
-            <a:ext cx="2619375" cy="1743075"/>
-          </a:xfrm>
-          <a:prstGeom prst="rect">
-            <a:avLst/>
-          </a:prstGeom>
-        </p:spPr>
-      </p:pic>
-      <p:sp>
-        <p:nvSpPr>
-          <p:cNvPr id="31" name="TextBox 30">
-            <a:extLst>
-              <a:ext uri="{FF2B5EF4-FFF2-40B4-BE49-F238E27FC236}">
-                <a16:creationId xmlns:a16="http://schemas.microsoft.com/office/drawing/2014/main" id="{D13CBD88-7C36-4649-BA85-472BBE038547}"/>
-              </a:ext>
-            </a:extLst>
-          </p:cNvPr>
-          <p:cNvSpPr txBox="1"/>
-          <p:nvPr/>
-        </p:nvSpPr>
-        <p:spPr>
-          <a:xfrm>
-            <a:off x="3097608" y="4168185"/>
-            <a:ext cx="3103696" cy="261610"/>
-          </a:xfrm>
-          <a:prstGeom prst="rect">
-            <a:avLst/>
-          </a:prstGeom>
-          <a:noFill/>
-        </p:spPr>
-        <p:txBody>
-          <a:bodyPr wrap="square" rtlCol="0">
-            <a:spAutoFit/>
-          </a:bodyPr>
-          <a:lstStyle/>
-          <a:p>
-            <a:r>
-              <a:rPr lang="en-GB" sz="1100" dirty="0" err="1"/>
-              <a:t>Source:Wikimedia</a:t>
-            </a:r>
-            <a:r>
-              <a:rPr lang="en-GB" sz="1100" dirty="0"/>
-              <a:t> Commons </a:t>
-            </a:r>
-          </a:p>
-        </p:txBody>
-      </p:sp>
-      <p:pic>
-        <p:nvPicPr>
-          <p:cNvPr id="1026" name="Picture 2" descr="Image result for brighton">
-            <a:extLst>
-              <a:ext uri="{FF2B5EF4-FFF2-40B4-BE49-F238E27FC236}">
-                <a16:creationId xmlns:a16="http://schemas.microsoft.com/office/drawing/2014/main" id="{FACF46E5-7177-4EC0-90B6-2287D648C70E}"/>
-              </a:ext>
-            </a:extLst>
-          </p:cNvPr>
-          <p:cNvPicPr>
-            <a:picLocks noChangeAspect="1" noChangeArrowheads="1"/>
-          </p:cNvPicPr>
-          <p:nvPr/>
-        </p:nvPicPr>
-        <p:blipFill>
-          <a:blip r:embed="rId6">
-            <a:extLst>
-              <a:ext uri="{28A0092B-C50C-407E-A947-70E740481C1C}">
-                <a14:useLocalDpi xmlns:a14="http://schemas.microsoft.com/office/drawing/2010/main" val="0"/>
-              </a:ext>
-            </a:extLst>
-          </a:blip>
-          <a:srcRect/>
-          <a:stretch>
-            <a:fillRect/>
-          </a:stretch>
-        </p:blipFill>
-        <p:spPr bwMode="auto">
-          <a:xfrm>
-            <a:off x="8287496" y="1532896"/>
-            <a:ext cx="3558135" cy="2367777"/>
-          </a:xfrm>
-          <a:prstGeom prst="rect">
-            <a:avLst/>
-          </a:prstGeom>
-          <a:noFill/>
-          <a:extLst>
-            <a:ext uri="{909E8E84-426E-40DD-AFC4-6F175D3DCCD1}">
-              <a14:hiddenFill xmlns:a14="http://schemas.microsoft.com/office/drawing/2010/main">
-                <a:solidFill>
-                  <a:srgbClr val="FFFFFF"/>
-                </a:solidFill>
-              </a14:hiddenFill>
-            </a:ext>
-          </a:extLst>
-        </p:spPr>
-      </p:pic>
-      <p:pic>
-        <p:nvPicPr>
-          <p:cNvPr id="1028" name="Picture 4" descr="Image result for brighton">
-            <a:extLst>
-              <a:ext uri="{FF2B5EF4-FFF2-40B4-BE49-F238E27FC236}">
-                <a16:creationId xmlns:a16="http://schemas.microsoft.com/office/drawing/2014/main" id="{2ED57363-BA70-4160-8F4B-231060713F6E}"/>
-              </a:ext>
-            </a:extLst>
-          </p:cNvPr>
-          <p:cNvPicPr>
-            <a:picLocks noChangeAspect="1" noChangeArrowheads="1"/>
-          </p:cNvPicPr>
-          <p:nvPr/>
-        </p:nvPicPr>
-        <p:blipFill>
-          <a:blip r:embed="rId7">
-            <a:extLst>
-              <a:ext uri="{28A0092B-C50C-407E-A947-70E740481C1C}">
-                <a14:useLocalDpi xmlns:a14="http://schemas.microsoft.com/office/drawing/2010/main" val="0"/>
-              </a:ext>
-            </a:extLst>
-          </a:blip>
-          <a:srcRect/>
-          <a:stretch>
-            <a:fillRect/>
-          </a:stretch>
-        </p:blipFill>
-        <p:spPr bwMode="auto">
-          <a:xfrm>
-            <a:off x="8320957" y="4122993"/>
-            <a:ext cx="3525929" cy="2367777"/>
-          </a:xfrm>
-          <a:prstGeom prst="rect">
-            <a:avLst/>
-          </a:prstGeom>
-          <a:noFill/>
-          <a:extLst>
-            <a:ext uri="{909E8E84-426E-40DD-AFC4-6F175D3DCCD1}">
-              <a14:hiddenFill xmlns:a14="http://schemas.microsoft.com/office/drawing/2010/main">
-                <a:solidFill>
-                  <a:srgbClr val="FFFFFF"/>
-                </a:solidFill>
-              </a14:hiddenFill>
-            </a:ext>
-          </a:extLst>
-        </p:spPr>
-      </p:pic>
-      <p:sp>
-        <p:nvSpPr>
-          <p:cNvPr id="4" name="Speech Bubble: Rectangle with Corners Rounded 3">
-            <a:extLst>
-              <a:ext uri="{FF2B5EF4-FFF2-40B4-BE49-F238E27FC236}">
-                <a16:creationId xmlns:a16="http://schemas.microsoft.com/office/drawing/2014/main" id="{2FD6A9AF-E098-4548-AC1C-F3DF2FDE9828}"/>
-              </a:ext>
-            </a:extLst>
-          </p:cNvPr>
-          <p:cNvSpPr/>
-          <p:nvPr/>
-        </p:nvSpPr>
-        <p:spPr>
-          <a:xfrm>
-            <a:off x="5837051" y="563040"/>
-            <a:ext cx="5944823" cy="718497"/>
-          </a:xfrm>
-          <a:prstGeom prst="wedgeRoundRectCallout">
-            <a:avLst/>
-          </a:prstGeom>
-        </p:spPr>
-        <p:style>
-          <a:lnRef idx="2">
-            <a:schemeClr val="accent1">
-              <a:shade val="50000"/>
-            </a:schemeClr>
-          </a:lnRef>
-          <a:fillRef idx="1">
-            <a:schemeClr val="accent1"/>
-          </a:fillRef>
-          <a:effectRef idx="0">
-            <a:schemeClr val="accent1"/>
-          </a:effectRef>
-          <a:fontRef idx="minor">
-            <a:schemeClr val="lt1"/>
-          </a:fontRef>
-        </p:style>
-        <p:txBody>
-          <a:bodyPr rtlCol="0" anchor="ctr"/>
-          <a:lstStyle/>
-          <a:p>
-            <a:pPr algn="ctr"/>
-            <a:r>
-              <a:rPr lang="en-GB" sz="3200" dirty="0"/>
-              <a:t>Where/what were you in 1979?</a:t>
-            </a:r>
-          </a:p>
-        </p:txBody>
-      </p:sp>
-      <p:sp>
-        <p:nvSpPr>
-          <p:cNvPr id="5" name="TextBox 4">
-            <a:extLst>
-              <a:ext uri="{FF2B5EF4-FFF2-40B4-BE49-F238E27FC236}">
-                <a16:creationId xmlns:a16="http://schemas.microsoft.com/office/drawing/2014/main" id="{B146C545-2A2F-48B4-9694-D05FBB2AB9B7}"/>
-              </a:ext>
-            </a:extLst>
-          </p:cNvPr>
-          <p:cNvSpPr txBox="1"/>
-          <p:nvPr/>
-        </p:nvSpPr>
-        <p:spPr>
-          <a:xfrm>
-            <a:off x="8529905" y="3196369"/>
-            <a:ext cx="2998850" cy="707886"/>
-          </a:xfrm>
-          <a:prstGeom prst="rect">
-            <a:avLst/>
-          </a:prstGeom>
-          <a:noFill/>
-        </p:spPr>
-        <p:txBody>
-          <a:bodyPr wrap="square" rtlCol="0">
-            <a:spAutoFit/>
-          </a:bodyPr>
-          <a:lstStyle/>
-          <a:p>
-            <a:r>
-              <a:rPr lang="en-GB" sz="4000" dirty="0">
-                <a:solidFill>
-                  <a:schemeClr val="bg1"/>
-                </a:solidFill>
-              </a:rPr>
-              <a:t>Brighton, UK</a:t>
-            </a:r>
-          </a:p>
-        </p:txBody>
-      </p:sp>
-      <p:sp>
-        <p:nvSpPr>
-          <p:cNvPr id="17" name="TextBox 16">
-            <a:extLst>
-              <a:ext uri="{FF2B5EF4-FFF2-40B4-BE49-F238E27FC236}">
-                <a16:creationId xmlns:a16="http://schemas.microsoft.com/office/drawing/2014/main" id="{8E99F2E8-7996-4F2E-83DD-1511AC1FFB48}"/>
-              </a:ext>
-            </a:extLst>
-          </p:cNvPr>
-          <p:cNvSpPr txBox="1"/>
-          <p:nvPr/>
-        </p:nvSpPr>
-        <p:spPr>
-          <a:xfrm>
-            <a:off x="8529905" y="5884479"/>
-            <a:ext cx="3251438" cy="523220"/>
-          </a:xfrm>
-          <a:prstGeom prst="rect">
-            <a:avLst/>
-          </a:prstGeom>
-          <a:noFill/>
-        </p:spPr>
-        <p:txBody>
-          <a:bodyPr wrap="square" rtlCol="0">
-            <a:spAutoFit/>
-          </a:bodyPr>
-          <a:lstStyle/>
-          <a:p>
+            <a:pPr marL="457200" lvl="1" indent="0">
+              <a:buNone/>
+            </a:pPr>
+            <a:endParaRPr lang="en-GB" sz="1000" dirty="0">
+              <a:solidFill>
+                <a:srgbClr val="2196F3"/>
+              </a:solidFill>
+              <a:latin typeface="Segoe UI" panose="020B0502040204020203" pitchFamily="34" charset="0"/>
+              <a:cs typeface="Segoe UI" panose="020B0502040204020203" pitchFamily="34" charset="0"/>
+            </a:endParaRPr>
+          </a:p>
+          <a:p>
+            <a:pPr marL="457200" lvl="1" indent="0">
+              <a:buNone/>
+            </a:pPr>
+            <a:endParaRPr lang="en-GB" sz="1050" dirty="0">
+              <a:solidFill>
+                <a:srgbClr val="2196F3"/>
+              </a:solidFill>
+              <a:latin typeface="Segoe UI" panose="020B0502040204020203" pitchFamily="34" charset="0"/>
+              <a:cs typeface="Segoe UI" panose="020B0502040204020203" pitchFamily="34" charset="0"/>
+            </a:endParaRPr>
+          </a:p>
+          <a:p>
+            <a:pPr lvl="1">
+              <a:lnSpc>
+                <a:spcPct val="110000"/>
+              </a:lnSpc>
+              <a:spcBef>
+                <a:spcPts val="1200"/>
+              </a:spcBef>
+            </a:pPr>
             <a:r>
               <a:rPr lang="en-GB" sz="2800" dirty="0">
-                <a:solidFill>
-                  <a:schemeClr val="bg1"/>
-                </a:solidFill>
-              </a:rPr>
-              <a:t>The English Channel</a:t>
-            </a:r>
-          </a:p>
-        </p:txBody>
-      </p:sp>
-      <p:sp>
-        <p:nvSpPr>
-          <p:cNvPr id="6" name="TextBox 5">
-            <a:extLst>
-              <a:ext uri="{FF2B5EF4-FFF2-40B4-BE49-F238E27FC236}">
-                <a16:creationId xmlns:a16="http://schemas.microsoft.com/office/drawing/2014/main" id="{345D58C5-E16D-42B4-8240-1129ACD27D37}"/>
-              </a:ext>
-            </a:extLst>
-          </p:cNvPr>
-          <p:cNvSpPr txBox="1"/>
-          <p:nvPr/>
-        </p:nvSpPr>
-        <p:spPr>
-          <a:xfrm>
-            <a:off x="713859" y="584084"/>
-            <a:ext cx="5152434" cy="400110"/>
-          </a:xfrm>
-          <a:prstGeom prst="rect">
-            <a:avLst/>
-          </a:prstGeom>
-          <a:noFill/>
-        </p:spPr>
-        <p:txBody>
-          <a:bodyPr wrap="square" rtlCol="0">
-            <a:spAutoFit/>
-          </a:bodyPr>
-          <a:lstStyle/>
-          <a:p>
-            <a:r>
-              <a:rPr lang="en-GB" sz="2000" b="1" dirty="0">
                 <a:solidFill>
                   <a:srgbClr val="2196F3"/>
                 </a:solidFill>
                 <a:latin typeface="Segoe UI" panose="020B0502040204020203" pitchFamily="34" charset="0"/>
                 <a:cs typeface="Segoe UI" panose="020B0502040204020203" pitchFamily="34" charset="0"/>
               </a:rPr>
-              <a:t>58 in human years – 243 in tech years</a:t>
-            </a:r>
-          </a:p>
-        </p:txBody>
-      </p:sp>
-      <p:cxnSp>
-        <p:nvCxnSpPr>
-          <p:cNvPr id="9" name="Straight Arrow Connector 8">
-            <a:extLst>
-              <a:ext uri="{FF2B5EF4-FFF2-40B4-BE49-F238E27FC236}">
-                <a16:creationId xmlns:a16="http://schemas.microsoft.com/office/drawing/2014/main" id="{CF93C976-3C1F-4C74-9D39-90DABBE18BB7}"/>
-              </a:ext>
-            </a:extLst>
-          </p:cNvPr>
-          <p:cNvCxnSpPr>
-            <a:cxnSpLocks/>
-          </p:cNvCxnSpPr>
-          <p:nvPr/>
-        </p:nvCxnSpPr>
-        <p:spPr>
-          <a:xfrm flipH="1" flipV="1">
-            <a:off x="8672218" y="4142117"/>
-            <a:ext cx="682807" cy="748283"/>
-          </a:xfrm>
-          <a:prstGeom prst="straightConnector1">
-            <a:avLst/>
-          </a:prstGeom>
-          <a:ln w="50800">
-            <a:solidFill>
-              <a:schemeClr val="bg1"/>
-            </a:solidFill>
-            <a:tailEnd type="triangle"/>
-          </a:ln>
-        </p:spPr>
-        <p:style>
-          <a:lnRef idx="3">
-            <a:schemeClr val="accent1"/>
-          </a:lnRef>
-          <a:fillRef idx="0">
-            <a:schemeClr val="accent1"/>
-          </a:fillRef>
-          <a:effectRef idx="2">
-            <a:schemeClr val="accent1"/>
-          </a:effectRef>
-          <a:fontRef idx="minor">
-            <a:schemeClr val="tx1"/>
-          </a:fontRef>
-        </p:style>
-      </p:cxnSp>
-      <p:sp>
-        <p:nvSpPr>
-          <p:cNvPr id="10" name="TextBox 9">
-            <a:extLst>
-              <a:ext uri="{FF2B5EF4-FFF2-40B4-BE49-F238E27FC236}">
-                <a16:creationId xmlns:a16="http://schemas.microsoft.com/office/drawing/2014/main" id="{C6D2AB8D-F566-4A3A-ABB8-05B92FD0E743}"/>
-              </a:ext>
-            </a:extLst>
-          </p:cNvPr>
-          <p:cNvSpPr txBox="1"/>
-          <p:nvPr/>
-        </p:nvSpPr>
-        <p:spPr>
-          <a:xfrm>
-            <a:off x="8066040" y="5058423"/>
-            <a:ext cx="1845578" cy="369332"/>
-          </a:xfrm>
-          <a:prstGeom prst="rect">
-            <a:avLst/>
-          </a:prstGeom>
-          <a:noFill/>
-        </p:spPr>
-        <p:txBody>
-          <a:bodyPr wrap="square" rtlCol="0">
-            <a:spAutoFit/>
-          </a:bodyPr>
-          <a:lstStyle/>
-          <a:p>
-            <a:pPr algn="ctr"/>
-            <a:r>
-              <a:rPr lang="en-GB" dirty="0">
-                <a:solidFill>
-                  <a:schemeClr val="bg1"/>
-                </a:solidFill>
-                <a:highlight>
-                  <a:srgbClr val="0000FF"/>
-                </a:highlight>
-              </a:rPr>
-              <a:t>15 min walk</a:t>
-            </a:r>
+              <a:t>Microsoft Certified Systems Engineer (2000-2003)</a:t>
+            </a:r>
+          </a:p>
+          <a:p>
+            <a:pPr lvl="1">
+              <a:lnSpc>
+                <a:spcPct val="110000"/>
+              </a:lnSpc>
+              <a:spcBef>
+                <a:spcPts val="1200"/>
+              </a:spcBef>
+            </a:pPr>
+            <a:r>
+              <a:rPr lang="en-GB" sz="2800" dirty="0">
+                <a:solidFill>
+                  <a:srgbClr val="2196F3"/>
+                </a:solidFill>
+                <a:latin typeface="Segoe UI" panose="020B0502040204020203" pitchFamily="34" charset="0"/>
+                <a:cs typeface="Segoe UI" panose="020B0502040204020203" pitchFamily="34" charset="0"/>
+              </a:rPr>
+              <a:t>Microsoft Certified Database Administrator (SQL2000)</a:t>
+            </a:r>
+          </a:p>
+          <a:p>
+            <a:pPr lvl="1">
+              <a:lnSpc>
+                <a:spcPct val="110000"/>
+              </a:lnSpc>
+              <a:spcBef>
+                <a:spcPts val="1200"/>
+              </a:spcBef>
+            </a:pPr>
+            <a:r>
+              <a:rPr lang="en-GB" sz="2800" dirty="0">
+                <a:solidFill>
+                  <a:srgbClr val="2196F3"/>
+                </a:solidFill>
+                <a:latin typeface="Segoe UI" panose="020B0502040204020203" pitchFamily="34" charset="0"/>
+                <a:cs typeface="Segoe UI" panose="020B0502040204020203" pitchFamily="34" charset="0"/>
+              </a:rPr>
+              <a:t>Business Information Architect at a UK Recycling Company</a:t>
+            </a:r>
+          </a:p>
+          <a:p>
+            <a:pPr lvl="1">
+              <a:lnSpc>
+                <a:spcPct val="110000"/>
+              </a:lnSpc>
+              <a:spcBef>
+                <a:spcPts val="1200"/>
+              </a:spcBef>
+            </a:pPr>
+            <a:r>
+              <a:rPr lang="en-GB" sz="2800" dirty="0">
+                <a:solidFill>
+                  <a:srgbClr val="2196F3"/>
+                </a:solidFill>
+                <a:latin typeface="Segoe UI" panose="020B0502040204020203" pitchFamily="34" charset="0"/>
+                <a:cs typeface="Segoe UI" panose="020B0502040204020203" pitchFamily="34" charset="0"/>
+              </a:rPr>
+              <a:t>WordPress 2017</a:t>
+            </a:r>
+          </a:p>
+          <a:p>
+            <a:pPr lvl="1">
+              <a:lnSpc>
+                <a:spcPct val="110000"/>
+              </a:lnSpc>
+              <a:spcBef>
+                <a:spcPts val="1200"/>
+              </a:spcBef>
+            </a:pPr>
+            <a:r>
+              <a:rPr lang="en-GB" sz="2800" dirty="0">
+                <a:solidFill>
+                  <a:schemeClr val="accent6">
+                    <a:lumMod val="75000"/>
+                  </a:schemeClr>
+                </a:solidFill>
+                <a:latin typeface="Segoe UI" panose="020B0502040204020203" pitchFamily="34" charset="0"/>
+                <a:cs typeface="Segoe UI" panose="020B0502040204020203" pitchFamily="34" charset="0"/>
+              </a:rPr>
+              <a:t>Currently PWAs(offline/instant websites), Web Components, WP-HTML and Web Speed Optimisation.</a:t>
+            </a:r>
+          </a:p>
+          <a:p>
+            <a:pPr lvl="1">
+              <a:lnSpc>
+                <a:spcPct val="110000"/>
+              </a:lnSpc>
+              <a:spcBef>
+                <a:spcPts val="1200"/>
+              </a:spcBef>
+            </a:pPr>
+            <a:r>
+              <a:rPr lang="en-GB" sz="2800" dirty="0">
+                <a:solidFill>
+                  <a:schemeClr val="accent6">
+                    <a:lumMod val="75000"/>
+                  </a:schemeClr>
+                </a:solidFill>
+                <a:latin typeface="Segoe UI" panose="020B0502040204020203" pitchFamily="34" charset="0"/>
+                <a:cs typeface="Segoe UI" panose="020B0502040204020203" pitchFamily="34" charset="0"/>
+              </a:rPr>
+              <a:t>WordPress as a Function as a Service or Micro Front End Application for any HTML site.</a:t>
+            </a:r>
+          </a:p>
+          <a:p>
+            <a:pPr lvl="1">
+              <a:lnSpc>
+                <a:spcPct val="110000"/>
+              </a:lnSpc>
+              <a:spcBef>
+                <a:spcPts val="1200"/>
+              </a:spcBef>
+            </a:pPr>
+            <a:r>
+              <a:rPr lang="en-GB" sz="2800" dirty="0">
+                <a:solidFill>
+                  <a:schemeClr val="accent6">
+                    <a:lumMod val="75000"/>
+                  </a:schemeClr>
+                </a:solidFill>
+                <a:latin typeface="Segoe UI" panose="020B0502040204020203" pitchFamily="34" charset="0"/>
+                <a:cs typeface="Segoe UI" panose="020B0502040204020203" pitchFamily="34" charset="0"/>
+              </a:rPr>
+              <a:t>Developing 1-3 hour training seminars for companies and groups, many on a no-fee basis.</a:t>
+            </a:r>
+          </a:p>
+          <a:p>
+            <a:pPr lvl="1">
+              <a:lnSpc>
+                <a:spcPct val="110000"/>
+              </a:lnSpc>
+              <a:spcBef>
+                <a:spcPts val="1200"/>
+              </a:spcBef>
+            </a:pPr>
+            <a:r>
+              <a:rPr lang="en-GB" sz="2800" dirty="0">
+                <a:solidFill>
+                  <a:schemeClr val="accent6">
+                    <a:lumMod val="75000"/>
+                  </a:schemeClr>
+                </a:solidFill>
+                <a:latin typeface="Segoe UI" panose="020B0502040204020203" pitchFamily="34" charset="0"/>
+                <a:cs typeface="Segoe UI" panose="020B0502040204020203" pitchFamily="34" charset="0"/>
+              </a:rPr>
+              <a:t>Volunteer coach at Codebar.io Brighton.</a:t>
+            </a:r>
+          </a:p>
+          <a:p>
+            <a:pPr lvl="1">
+              <a:lnSpc>
+                <a:spcPct val="110000"/>
+              </a:lnSpc>
+              <a:spcBef>
+                <a:spcPts val="1200"/>
+              </a:spcBef>
+            </a:pPr>
+            <a:r>
+              <a:rPr lang="en-GB" sz="2800" dirty="0">
+                <a:solidFill>
+                  <a:srgbClr val="FF0000"/>
+                </a:solidFill>
+                <a:latin typeface="Segoe UI" panose="020B0502040204020203" pitchFamily="34" charset="0"/>
+                <a:cs typeface="Segoe UI" panose="020B0502040204020203" pitchFamily="34" charset="0"/>
+              </a:rPr>
+              <a:t>Still just as ‘student’! Love learning – love teaching!</a:t>
+            </a:r>
+          </a:p>
+          <a:p>
+            <a:pPr marL="457200" lvl="1" indent="0">
+              <a:buNone/>
+            </a:pPr>
+            <a:endParaRPr lang="en-GB" sz="6700" dirty="0">
+              <a:solidFill>
+                <a:srgbClr val="2196F3"/>
+              </a:solidFill>
+              <a:latin typeface="Segoe UI" panose="020B0502040204020203" pitchFamily="34" charset="0"/>
+              <a:cs typeface="Segoe UI" panose="020B0502040204020203" pitchFamily="34" charset="0"/>
+            </a:endParaRPr>
+          </a:p>
+          <a:p>
+            <a:pPr marL="457200" lvl="1" indent="0">
+              <a:buNone/>
+            </a:pPr>
+            <a:endParaRPr lang="en-GB" sz="6700" dirty="0">
+              <a:solidFill>
+                <a:srgbClr val="2196F3"/>
+              </a:solidFill>
+              <a:latin typeface="Segoe UI" panose="020B0502040204020203" pitchFamily="34" charset="0"/>
+              <a:cs typeface="Segoe UI" panose="020B0502040204020203" pitchFamily="34" charset="0"/>
+            </a:endParaRPr>
+          </a:p>
+          <a:p>
+            <a:pPr marL="457200" lvl="1" indent="0">
+              <a:buNone/>
+            </a:pPr>
+            <a:endParaRPr lang="en-GB" sz="6700" dirty="0">
+              <a:solidFill>
+                <a:srgbClr val="2196F3"/>
+              </a:solidFill>
+              <a:latin typeface="Segoe UI" panose="020B0502040204020203" pitchFamily="34" charset="0"/>
+              <a:cs typeface="Segoe UI" panose="020B0502040204020203" pitchFamily="34" charset="0"/>
+            </a:endParaRPr>
+          </a:p>
+          <a:p>
+            <a:pPr marL="457200" lvl="1" indent="0">
+              <a:buNone/>
+            </a:pPr>
+            <a:endParaRPr lang="en-GB" sz="6700" dirty="0">
+              <a:latin typeface="Segoe UI" panose="020B0502040204020203" pitchFamily="34" charset="0"/>
+              <a:cs typeface="Segoe UI" panose="020B0502040204020203" pitchFamily="34" charset="0"/>
+            </a:endParaRPr>
+          </a:p>
+          <a:p>
+            <a:pPr marL="0" indent="0">
+              <a:buNone/>
+            </a:pPr>
+            <a:endParaRPr lang="en-GB" dirty="0">
+              <a:latin typeface="Segoe UI" panose="020B0502040204020203" pitchFamily="34" charset="0"/>
+              <a:cs typeface="Segoe UI" panose="020B0502040204020203" pitchFamily="34" charset="0"/>
+            </a:endParaRPr>
+          </a:p>
+          <a:p>
+            <a:endParaRPr lang="en-GB" dirty="0">
+              <a:latin typeface="Segoe UI" panose="020B0502040204020203" pitchFamily="34" charset="0"/>
+              <a:cs typeface="Segoe UI" panose="020B0502040204020203" pitchFamily="34" charset="0"/>
+            </a:endParaRPr>
           </a:p>
         </p:txBody>
       </p:sp>
     </p:spTree>
     <p:extLst>
       <p:ext uri="{BB962C8B-B14F-4D97-AF65-F5344CB8AC3E}">
-        <p14:creationId xmlns:p14="http://schemas.microsoft.com/office/powerpoint/2010/main" val="4077002212"/>
+        <p14:creationId xmlns:p14="http://schemas.microsoft.com/office/powerpoint/2010/main" val="4146200657"/>
       </p:ext>
     </p:extLst>
   </p:cSld>
@@ -11876,26 +12112,27 @@
         </p:nvSpPr>
         <p:spPr>
           <a:xfrm>
-            <a:off x="838200" y="1325563"/>
+            <a:off x="838200" y="1491818"/>
             <a:ext cx="10515600" cy="5001346"/>
           </a:xfrm>
         </p:spPr>
         <p:txBody>
           <a:bodyPr wrap="square" bIns="252000">
-            <a:normAutofit fontScale="62500" lnSpcReduction="20000"/>
+            <a:normAutofit lnSpcReduction="10000"/>
           </a:bodyPr>
           <a:lstStyle/>
           <a:p>
             <a:pPr marL="457200" lvl="1" indent="0">
               <a:buNone/>
             </a:pPr>
-            <a:endParaRPr lang="en-GB" sz="1000" dirty="0">
-              <a:solidFill>
-                <a:srgbClr val="2196F3"/>
-              </a:solidFill>
-              <a:latin typeface="Segoe UI" panose="020B0502040204020203" pitchFamily="34" charset="0"/>
-              <a:cs typeface="Segoe UI" panose="020B0502040204020203" pitchFamily="34" charset="0"/>
-            </a:endParaRPr>
+            <a:r>
+              <a:rPr lang="en-GB" sz="3200" dirty="0">
+                <a:solidFill>
+                  <a:srgbClr val="0070C0"/>
+                </a:solidFill>
+              </a:rPr>
+              <a:t>Previous talks…</a:t>
+            </a:r>
           </a:p>
           <a:p>
             <a:pPr marL="457200" lvl="1" indent="0">
@@ -11910,191 +12147,179 @@
             </a:endParaRPr>
           </a:p>
           <a:p>
-            <a:pPr lvl="1">
-              <a:lnSpc>
-                <a:spcPct val="110000"/>
-              </a:lnSpc>
-              <a:spcBef>
-                <a:spcPts val="1200"/>
-              </a:spcBef>
-            </a:pPr>
-            <a:r>
-              <a:rPr lang="en-GB" sz="2800" dirty="0">
-                <a:solidFill>
-                  <a:srgbClr val="2196F3"/>
-                </a:solidFill>
-                <a:latin typeface="Segoe UI" panose="020B0502040204020203" pitchFamily="34" charset="0"/>
-                <a:cs typeface="Segoe UI" panose="020B0502040204020203" pitchFamily="34" charset="0"/>
-              </a:rPr>
-              <a:t>Microsoft Certified Systems Engineer (2000-2003)</a:t>
-            </a:r>
-          </a:p>
-          <a:p>
-            <a:pPr lvl="1">
-              <a:lnSpc>
-                <a:spcPct val="110000"/>
-              </a:lnSpc>
-              <a:spcBef>
-                <a:spcPts val="1200"/>
-              </a:spcBef>
-            </a:pPr>
-            <a:r>
-              <a:rPr lang="en-GB" sz="2800" dirty="0">
-                <a:solidFill>
-                  <a:srgbClr val="2196F3"/>
-                </a:solidFill>
-                <a:latin typeface="Segoe UI" panose="020B0502040204020203" pitchFamily="34" charset="0"/>
-                <a:cs typeface="Segoe UI" panose="020B0502040204020203" pitchFamily="34" charset="0"/>
-              </a:rPr>
-              <a:t>Microsoft Certified Database Administrator (SQL2000)</a:t>
-            </a:r>
-          </a:p>
-          <a:p>
-            <a:pPr lvl="1">
-              <a:lnSpc>
-                <a:spcPct val="110000"/>
-              </a:lnSpc>
-              <a:spcBef>
-                <a:spcPts val="1200"/>
-              </a:spcBef>
-            </a:pPr>
-            <a:r>
-              <a:rPr lang="en-GB" sz="2800" dirty="0">
-                <a:solidFill>
-                  <a:srgbClr val="2196F3"/>
-                </a:solidFill>
-                <a:latin typeface="Segoe UI" panose="020B0502040204020203" pitchFamily="34" charset="0"/>
-                <a:cs typeface="Segoe UI" panose="020B0502040204020203" pitchFamily="34" charset="0"/>
-              </a:rPr>
-              <a:t>Business Information Architect at a UK Recycling Company</a:t>
-            </a:r>
-          </a:p>
-          <a:p>
-            <a:pPr lvl="1">
-              <a:lnSpc>
-                <a:spcPct val="110000"/>
-              </a:lnSpc>
-              <a:spcBef>
-                <a:spcPts val="1200"/>
-              </a:spcBef>
-            </a:pPr>
-            <a:r>
-              <a:rPr lang="en-GB" sz="2800" dirty="0">
-                <a:solidFill>
-                  <a:srgbClr val="2196F3"/>
-                </a:solidFill>
-                <a:latin typeface="Segoe UI" panose="020B0502040204020203" pitchFamily="34" charset="0"/>
-                <a:cs typeface="Segoe UI" panose="020B0502040204020203" pitchFamily="34" charset="0"/>
-              </a:rPr>
-              <a:t>WordPress 2017</a:t>
-            </a:r>
-          </a:p>
-          <a:p>
-            <a:pPr lvl="1">
-              <a:lnSpc>
-                <a:spcPct val="110000"/>
-              </a:lnSpc>
-              <a:spcBef>
-                <a:spcPts val="1200"/>
-              </a:spcBef>
-            </a:pPr>
-            <a:r>
-              <a:rPr lang="en-GB" sz="2800" dirty="0">
-                <a:solidFill>
-                  <a:schemeClr val="accent6">
-                    <a:lumMod val="75000"/>
-                  </a:schemeClr>
-                </a:solidFill>
-                <a:latin typeface="Segoe UI" panose="020B0502040204020203" pitchFamily="34" charset="0"/>
-                <a:cs typeface="Segoe UI" panose="020B0502040204020203" pitchFamily="34" charset="0"/>
-              </a:rPr>
-              <a:t>Currently PWAs(offline/instant websites), Web Components, WP-HTML and Web Speed Optimisation.</a:t>
-            </a:r>
-          </a:p>
-          <a:p>
-            <a:pPr lvl="1">
-              <a:lnSpc>
-                <a:spcPct val="110000"/>
-              </a:lnSpc>
-              <a:spcBef>
-                <a:spcPts val="1200"/>
-              </a:spcBef>
-            </a:pPr>
-            <a:r>
-              <a:rPr lang="en-GB" sz="2800" dirty="0">
-                <a:solidFill>
-                  <a:schemeClr val="accent6">
-                    <a:lumMod val="75000"/>
-                  </a:schemeClr>
-                </a:solidFill>
-                <a:latin typeface="Segoe UI" panose="020B0502040204020203" pitchFamily="34" charset="0"/>
-                <a:cs typeface="Segoe UI" panose="020B0502040204020203" pitchFamily="34" charset="0"/>
-              </a:rPr>
-              <a:t>WordPress as a Function as a Service or Micro Front End Application for any HTML site.</a:t>
-            </a:r>
-          </a:p>
-          <a:p>
-            <a:pPr lvl="1">
-              <a:lnSpc>
-                <a:spcPct val="110000"/>
-              </a:lnSpc>
-              <a:spcBef>
-                <a:spcPts val="1200"/>
-              </a:spcBef>
-            </a:pPr>
-            <a:r>
-              <a:rPr lang="en-GB" sz="2800" dirty="0">
-                <a:solidFill>
-                  <a:schemeClr val="accent6">
-                    <a:lumMod val="75000"/>
-                  </a:schemeClr>
-                </a:solidFill>
-                <a:latin typeface="Segoe UI" panose="020B0502040204020203" pitchFamily="34" charset="0"/>
-                <a:cs typeface="Segoe UI" panose="020B0502040204020203" pitchFamily="34" charset="0"/>
-              </a:rPr>
-              <a:t>Developing 1-3 hour training seminars for companies and groups, many on a no-fee basis.</a:t>
-            </a:r>
-          </a:p>
-          <a:p>
-            <a:pPr lvl="1">
-              <a:lnSpc>
-                <a:spcPct val="110000"/>
-              </a:lnSpc>
-              <a:spcBef>
-                <a:spcPts val="1200"/>
-              </a:spcBef>
-            </a:pPr>
-            <a:r>
-              <a:rPr lang="en-GB" sz="2800" dirty="0">
-                <a:solidFill>
-                  <a:schemeClr val="accent6">
-                    <a:lumMod val="75000"/>
-                  </a:schemeClr>
-                </a:solidFill>
-                <a:latin typeface="Segoe UI" panose="020B0502040204020203" pitchFamily="34" charset="0"/>
-                <a:cs typeface="Segoe UI" panose="020B0502040204020203" pitchFamily="34" charset="0"/>
-              </a:rPr>
-              <a:t>Volunteer coach at Codebar.io Brighton.</a:t>
-            </a:r>
-          </a:p>
-          <a:p>
-            <a:pPr lvl="1">
-              <a:lnSpc>
-                <a:spcPct val="110000"/>
-              </a:lnSpc>
-              <a:spcBef>
-                <a:spcPts val="1200"/>
-              </a:spcBef>
-            </a:pPr>
-            <a:r>
-              <a:rPr lang="en-GB" sz="2800" dirty="0">
-                <a:solidFill>
-                  <a:srgbClr val="FF0000"/>
-                </a:solidFill>
-                <a:latin typeface="Segoe UI" panose="020B0502040204020203" pitchFamily="34" charset="0"/>
-                <a:cs typeface="Segoe UI" panose="020B0502040204020203" pitchFamily="34" charset="0"/>
-              </a:rPr>
-              <a:t>Still just as ‘student’! Love learning – love teaching!</a:t>
+            <a:r>
+              <a:rPr lang="en-GB" sz="2200" dirty="0">
+                <a:solidFill>
+                  <a:srgbClr val="0070C0"/>
+                </a:solidFill>
+              </a:rPr>
+              <a:t>What is the WP REST API and how can I use it to make forms and pages that don’t need to do be reloaded? - </a:t>
+            </a:r>
+            <a:r>
+              <a:rPr lang="en-GB" sz="2200" dirty="0" err="1">
+                <a:solidFill>
+                  <a:srgbClr val="0070C0"/>
+                </a:solidFill>
+              </a:rPr>
+              <a:t>WordUp</a:t>
+            </a:r>
+            <a:r>
+              <a:rPr lang="en-GB" sz="2200" dirty="0">
+                <a:solidFill>
+                  <a:srgbClr val="0070C0"/>
+                </a:solidFill>
+              </a:rPr>
+              <a:t> Brighton May 2020.</a:t>
+            </a:r>
+          </a:p>
+          <a:p>
+            <a:r>
+              <a:rPr lang="en-GB" sz="2200" dirty="0">
+                <a:solidFill>
+                  <a:srgbClr val="0070C0"/>
+                </a:solidFill>
+              </a:rPr>
+              <a:t>WORKSHOP: WordPress REST API and AJAX Forms - WordCamp Geneva March 2020 [EVENT CANCELLED due to virus concerns :( ]</a:t>
+            </a:r>
+          </a:p>
+          <a:p>
+            <a:r>
+              <a:rPr lang="en-GB" sz="2200" dirty="0">
+                <a:solidFill>
+                  <a:srgbClr val="0070C0"/>
+                </a:solidFill>
+              </a:rPr>
+              <a:t>TALK - WP-HTML: The marriage of WP and JS Frameworks for expansion, ubiquity and profit - </a:t>
+            </a:r>
+            <a:r>
+              <a:rPr lang="en-GB" sz="2200" b="1" dirty="0">
+                <a:solidFill>
+                  <a:srgbClr val="0070C0"/>
+                </a:solidFill>
+              </a:rPr>
+              <a:t>WordCamp Vienna February 2020</a:t>
+            </a:r>
+            <a:r>
+              <a:rPr lang="en-GB" sz="2200" dirty="0">
+                <a:solidFill>
+                  <a:srgbClr val="0070C0"/>
+                </a:solidFill>
+              </a:rPr>
+              <a:t>.</a:t>
+            </a:r>
+          </a:p>
+          <a:p>
+            <a:r>
+              <a:rPr lang="en-GB" sz="2200" dirty="0">
+                <a:solidFill>
+                  <a:srgbClr val="0070C0"/>
+                </a:solidFill>
+              </a:rPr>
+              <a:t>WORKSHOP: WordPress REST API - WordCamp Vienna February 2020.</a:t>
+            </a:r>
+          </a:p>
+          <a:p>
+            <a:r>
+              <a:rPr lang="en-GB" sz="2200" dirty="0">
+                <a:solidFill>
+                  <a:srgbClr val="0070C0"/>
+                </a:solidFill>
+              </a:rPr>
+              <a:t>Progressive Web Apps - Brighton </a:t>
+            </a:r>
+            <a:r>
+              <a:rPr lang="en-GB" sz="2200" dirty="0" err="1">
+                <a:solidFill>
+                  <a:srgbClr val="0070C0"/>
+                </a:solidFill>
+              </a:rPr>
+              <a:t>WordUp</a:t>
+            </a:r>
+            <a:r>
+              <a:rPr lang="en-GB" sz="2200" dirty="0">
+                <a:solidFill>
+                  <a:srgbClr val="0070C0"/>
+                </a:solidFill>
+              </a:rPr>
+              <a:t> November 2019.</a:t>
+            </a:r>
+          </a:p>
+          <a:p>
+            <a:r>
+              <a:rPr lang="en-GB" sz="2200" dirty="0">
+                <a:solidFill>
+                  <a:srgbClr val="0070C0"/>
+                </a:solidFill>
+              </a:rPr>
+              <a:t>Decoupled WordPress (code along style) - </a:t>
+            </a:r>
+            <a:r>
+              <a:rPr lang="en-GB" sz="2200" b="1" dirty="0">
+                <a:solidFill>
+                  <a:srgbClr val="0070C0"/>
+                </a:solidFill>
+              </a:rPr>
+              <a:t>WordCamp Dublin October 2019</a:t>
+            </a:r>
+            <a:r>
+              <a:rPr lang="en-GB" sz="2200" dirty="0">
+                <a:solidFill>
+                  <a:srgbClr val="0070C0"/>
+                </a:solidFill>
+              </a:rPr>
+              <a:t>.</a:t>
+            </a:r>
+          </a:p>
+          <a:p>
+            <a:r>
+              <a:rPr lang="en-GB" sz="2200" dirty="0">
+                <a:solidFill>
+                  <a:srgbClr val="0070C0"/>
+                </a:solidFill>
+              </a:rPr>
+              <a:t>JWT and Authentication – </a:t>
+            </a:r>
+            <a:r>
+              <a:rPr lang="en-GB" sz="2200" dirty="0" err="1">
+                <a:solidFill>
+                  <a:srgbClr val="0070C0"/>
+                </a:solidFill>
+              </a:rPr>
+              <a:t>WPHooked</a:t>
+            </a:r>
+            <a:r>
+              <a:rPr lang="en-GB" sz="2200" dirty="0">
+                <a:solidFill>
+                  <a:srgbClr val="0070C0"/>
+                </a:solidFill>
+              </a:rPr>
+              <a:t> London September 2019.</a:t>
+            </a:r>
+          </a:p>
+          <a:p>
+            <a:r>
+              <a:rPr lang="en-GB" sz="2200" dirty="0">
+                <a:solidFill>
+                  <a:srgbClr val="0070C0"/>
+                </a:solidFill>
+              </a:rPr>
+              <a:t>Decoupled WordPress and WP Components - </a:t>
+            </a:r>
+            <a:r>
+              <a:rPr lang="en-GB" sz="2200" b="1" dirty="0">
+                <a:solidFill>
+                  <a:srgbClr val="0070C0"/>
+                </a:solidFill>
+              </a:rPr>
+              <a:t>WordCamp Brighton August 2019</a:t>
+            </a:r>
+            <a:r>
+              <a:rPr lang="en-GB" sz="2200" dirty="0">
+                <a:solidFill>
+                  <a:srgbClr val="0070C0"/>
+                </a:solidFill>
+              </a:rPr>
+              <a:t>.</a:t>
             </a:r>
           </a:p>
           <a:p>
@@ -12162,7 +12387,7 @@
     </p:spTree>
     <p:extLst>
       <p:ext uri="{BB962C8B-B14F-4D97-AF65-F5344CB8AC3E}">
-        <p14:creationId xmlns:p14="http://schemas.microsoft.com/office/powerpoint/2010/main" val="4146200657"/>
+        <p14:creationId xmlns:p14="http://schemas.microsoft.com/office/powerpoint/2010/main" val="2972891001"/>
       </p:ext>
     </p:extLst>
   </p:cSld>
@@ -12252,13 +12477,13 @@
         </p:nvSpPr>
         <p:spPr>
           <a:xfrm>
-            <a:off x="838200" y="1491818"/>
-            <a:ext cx="10515600" cy="5001346"/>
+            <a:off x="838200" y="1775290"/>
+            <a:ext cx="10515600" cy="4399007"/>
           </a:xfrm>
         </p:spPr>
         <p:txBody>
           <a:bodyPr wrap="square" bIns="252000">
-            <a:normAutofit lnSpcReduction="10000"/>
+            <a:normAutofit fontScale="92500" lnSpcReduction="10000"/>
           </a:bodyPr>
           <a:lstStyle/>
           <a:p>
@@ -12266,12 +12491,29 @@
               <a:buNone/>
             </a:pPr>
             <a:r>
-              <a:rPr lang="en-GB" sz="3200" dirty="0">
-                <a:solidFill>
-                  <a:srgbClr val="0070C0"/>
-                </a:solidFill>
-              </a:rPr>
-              <a:t>Previous talks…</a:t>
+              <a:rPr lang="en-GB" sz="5100" dirty="0">
+                <a:solidFill>
+                  <a:srgbClr val="2196F3"/>
+                </a:solidFill>
+                <a:latin typeface="Segoe UI" panose="020B0502040204020203" pitchFamily="34" charset="0"/>
+                <a:cs typeface="Segoe UI" panose="020B0502040204020203" pitchFamily="34" charset="0"/>
+              </a:rPr>
+              <a:t>What is REST?</a:t>
+            </a:r>
+          </a:p>
+          <a:p>
+            <a:pPr marL="457200" lvl="1" indent="0">
+              <a:buNone/>
+            </a:pPr>
+            <a:r>
+              <a:rPr lang="en-GB" sz="3600" dirty="0">
+                <a:solidFill>
+                  <a:srgbClr val="2196F3"/>
+                </a:solidFill>
+                <a:latin typeface="Segoe UI" panose="020B0502040204020203" pitchFamily="34" charset="0"/>
+                <a:cs typeface="Segoe UI" panose="020B0502040204020203" pitchFamily="34" charset="0"/>
+              </a:rPr>
+              <a:t>Representational State Transfer</a:t>
             </a:r>
           </a:p>
           <a:p>
@@ -12287,180 +12529,79 @@
             </a:endParaRPr>
           </a:p>
           <a:p>
-            <a:r>
-              <a:rPr lang="en-GB" sz="2200" dirty="0">
-                <a:solidFill>
-                  <a:srgbClr val="0070C0"/>
-                </a:solidFill>
-              </a:rPr>
-              <a:t>What is the WP REST API and how can I use it to make forms and pages that don’t need to do be reloaded? - </a:t>
-            </a:r>
-            <a:r>
-              <a:rPr lang="en-GB" sz="2200" dirty="0" err="1">
-                <a:solidFill>
-                  <a:srgbClr val="0070C0"/>
-                </a:solidFill>
-              </a:rPr>
-              <a:t>WordUp</a:t>
-            </a:r>
-            <a:r>
-              <a:rPr lang="en-GB" sz="2200" dirty="0">
-                <a:solidFill>
-                  <a:srgbClr val="0070C0"/>
-                </a:solidFill>
-              </a:rPr>
-              <a:t> Brighton May 2020.</a:t>
-            </a:r>
-          </a:p>
-          <a:p>
-            <a:r>
-              <a:rPr lang="en-GB" sz="2200" dirty="0">
-                <a:solidFill>
-                  <a:srgbClr val="0070C0"/>
-                </a:solidFill>
-              </a:rPr>
-              <a:t>WORKSHOP: WordPress REST API and AJAX Forms - WordCamp Geneva March 2020 [EVENT CANCELLED due to virus concerns :( ]</a:t>
-            </a:r>
-          </a:p>
-          <a:p>
-            <a:r>
-              <a:rPr lang="en-GB" sz="2200" dirty="0">
-                <a:solidFill>
-                  <a:srgbClr val="0070C0"/>
-                </a:solidFill>
-              </a:rPr>
-              <a:t>TALK - WP-HTML: The marriage of WP and JS Frameworks for expansion, ubiquity and profit - </a:t>
-            </a:r>
-            <a:r>
-              <a:rPr lang="en-GB" sz="2200" b="1" dirty="0">
-                <a:solidFill>
-                  <a:srgbClr val="0070C0"/>
-                </a:solidFill>
-              </a:rPr>
-              <a:t>WordCamp Vienna February 2020</a:t>
-            </a:r>
-            <a:r>
-              <a:rPr lang="en-GB" sz="2200" dirty="0">
-                <a:solidFill>
-                  <a:srgbClr val="0070C0"/>
-                </a:solidFill>
-              </a:rPr>
-              <a:t>.</a:t>
-            </a:r>
-          </a:p>
-          <a:p>
-            <a:r>
-              <a:rPr lang="en-GB" sz="2200" dirty="0">
-                <a:solidFill>
-                  <a:srgbClr val="0070C0"/>
-                </a:solidFill>
-              </a:rPr>
-              <a:t>WORKSHOP: WordPress REST API - WordCamp Vienna February 2020.</a:t>
-            </a:r>
-          </a:p>
-          <a:p>
-            <a:r>
-              <a:rPr lang="en-GB" sz="2200" dirty="0">
-                <a:solidFill>
-                  <a:srgbClr val="0070C0"/>
-                </a:solidFill>
-              </a:rPr>
-              <a:t>Progressive Web Apps - Brighton </a:t>
-            </a:r>
-            <a:r>
-              <a:rPr lang="en-GB" sz="2200" dirty="0" err="1">
-                <a:solidFill>
-                  <a:srgbClr val="0070C0"/>
-                </a:solidFill>
-              </a:rPr>
-              <a:t>WordUp</a:t>
-            </a:r>
-            <a:r>
-              <a:rPr lang="en-GB" sz="2200" dirty="0">
-                <a:solidFill>
-                  <a:srgbClr val="0070C0"/>
-                </a:solidFill>
-              </a:rPr>
-              <a:t> November 2019.</a:t>
-            </a:r>
-          </a:p>
-          <a:p>
-            <a:r>
-              <a:rPr lang="en-GB" sz="2200" dirty="0">
-                <a:solidFill>
-                  <a:srgbClr val="0070C0"/>
-                </a:solidFill>
-              </a:rPr>
-              <a:t>Decoupled WordPress (code along style) - </a:t>
-            </a:r>
-            <a:r>
-              <a:rPr lang="en-GB" sz="2200" b="1" dirty="0">
-                <a:solidFill>
-                  <a:srgbClr val="0070C0"/>
-                </a:solidFill>
-              </a:rPr>
-              <a:t>WordCamp Dublin October 2019</a:t>
-            </a:r>
-            <a:r>
-              <a:rPr lang="en-GB" sz="2200" dirty="0">
-                <a:solidFill>
-                  <a:srgbClr val="0070C0"/>
-                </a:solidFill>
-              </a:rPr>
-              <a:t>.</a:t>
-            </a:r>
-          </a:p>
-          <a:p>
-            <a:r>
-              <a:rPr lang="en-GB" sz="2200" dirty="0">
-                <a:solidFill>
-                  <a:srgbClr val="0070C0"/>
-                </a:solidFill>
-              </a:rPr>
-              <a:t>JWT and Authentication – </a:t>
-            </a:r>
-            <a:r>
-              <a:rPr lang="en-GB" sz="2200" dirty="0" err="1">
-                <a:solidFill>
-                  <a:srgbClr val="0070C0"/>
-                </a:solidFill>
-              </a:rPr>
-              <a:t>WPHooked</a:t>
-            </a:r>
-            <a:r>
-              <a:rPr lang="en-GB" sz="2200" dirty="0">
-                <a:solidFill>
-                  <a:srgbClr val="0070C0"/>
-                </a:solidFill>
-              </a:rPr>
-              <a:t> London September 2019.</a:t>
-            </a:r>
-          </a:p>
-          <a:p>
-            <a:r>
-              <a:rPr lang="en-GB" sz="2200" dirty="0">
-                <a:solidFill>
-                  <a:srgbClr val="0070C0"/>
-                </a:solidFill>
-              </a:rPr>
-              <a:t>Decoupled WordPress and WP Components - </a:t>
-            </a:r>
-            <a:r>
-              <a:rPr lang="en-GB" sz="2200" b="1" dirty="0">
-                <a:solidFill>
-                  <a:srgbClr val="0070C0"/>
-                </a:solidFill>
-              </a:rPr>
-              <a:t>WordCamp Brighton August 2019</a:t>
-            </a:r>
-            <a:r>
-              <a:rPr lang="en-GB" sz="2200" dirty="0">
-                <a:solidFill>
-                  <a:srgbClr val="0070C0"/>
-                </a:solidFill>
-              </a:rPr>
-              <a:t>.</a:t>
-            </a:r>
+            <a:pPr marL="457200" lvl="1" indent="0">
+              <a:buNone/>
+            </a:pPr>
+            <a:r>
+              <a:rPr lang="en-GB" sz="3600" dirty="0">
+                <a:solidFill>
+                  <a:srgbClr val="2196F3"/>
+                </a:solidFill>
+                <a:latin typeface="Segoe UI" panose="020B0502040204020203" pitchFamily="34" charset="0"/>
+                <a:cs typeface="Segoe UI" panose="020B0502040204020203" pitchFamily="34" charset="0"/>
+              </a:rPr>
+              <a:t>This was formulated by Roy Fielding for his thesis in 2000 to create an alternative to the SOAP method.</a:t>
+            </a:r>
+          </a:p>
+          <a:p>
+            <a:pPr marL="457200" lvl="1" indent="0">
+              <a:buNone/>
+            </a:pPr>
+            <a:r>
+              <a:rPr lang="en-GB" sz="3600" dirty="0">
+                <a:solidFill>
+                  <a:srgbClr val="2196F3"/>
+                </a:solidFill>
+                <a:latin typeface="Segoe UI" panose="020B0502040204020203" pitchFamily="34" charset="0"/>
+                <a:cs typeface="Segoe UI" panose="020B0502040204020203" pitchFamily="34" charset="0"/>
+              </a:rPr>
+              <a:t>An architectural style not a protocol.</a:t>
+            </a:r>
+          </a:p>
+          <a:p>
+            <a:pPr marL="457200" lvl="1" indent="0">
+              <a:buNone/>
+            </a:pPr>
+            <a:r>
+              <a:rPr lang="en-GB" sz="3600" dirty="0">
+                <a:solidFill>
+                  <a:srgbClr val="2196F3"/>
+                </a:solidFill>
+                <a:latin typeface="Segoe UI" panose="020B0502040204020203" pitchFamily="34" charset="0"/>
+                <a:cs typeface="Segoe UI" panose="020B0502040204020203" pitchFamily="34" charset="0"/>
+              </a:rPr>
+              <a:t>HTTP by its nature is implicitly RESTful.</a:t>
+            </a:r>
+          </a:p>
+          <a:p>
+            <a:pPr marL="457200" lvl="1" indent="0">
+              <a:buNone/>
+            </a:pPr>
+            <a:endParaRPr lang="en-GB" sz="3600" dirty="0">
+              <a:solidFill>
+                <a:srgbClr val="2196F3"/>
+              </a:solidFill>
+              <a:latin typeface="Segoe UI" panose="020B0502040204020203" pitchFamily="34" charset="0"/>
+              <a:cs typeface="Segoe UI" panose="020B0502040204020203" pitchFamily="34" charset="0"/>
+            </a:endParaRPr>
+          </a:p>
+          <a:p>
+            <a:pPr marL="457200" lvl="1" indent="0">
+              <a:buNone/>
+            </a:pPr>
+            <a:r>
+              <a:rPr lang="en-GB" dirty="0">
+                <a:hlinkClick r:id="rId2"/>
+              </a:rPr>
+              <a:t>https://www.ics.uci.edu/~fielding/pubs/dissertation/rest_arch_style.htm</a:t>
+            </a:r>
+            <a:endParaRPr lang="en-GB" dirty="0">
+              <a:solidFill>
+                <a:srgbClr val="2196F3"/>
+              </a:solidFill>
+              <a:latin typeface="Segoe UI" panose="020B0502040204020203" pitchFamily="34" charset="0"/>
+              <a:cs typeface="Segoe UI" panose="020B0502040204020203" pitchFamily="34" charset="0"/>
+            </a:endParaRPr>
           </a:p>
           <a:p>
             <a:pPr marL="457200" lvl="1" indent="0">
@@ -12491,18 +12632,6 @@
               <a:buNone/>
             </a:pPr>
             <a:endParaRPr lang="en-GB" sz="6700" dirty="0">
-              <a:solidFill>
-                <a:srgbClr val="2196F3"/>
-              </a:solidFill>
-              <a:latin typeface="Segoe UI" panose="020B0502040204020203" pitchFamily="34" charset="0"/>
-              <a:cs typeface="Segoe UI" panose="020B0502040204020203" pitchFamily="34" charset="0"/>
-            </a:endParaRPr>
-          </a:p>
-          <a:p>
-            <a:pPr marL="457200" lvl="1" indent="0">
-              <a:buNone/>
-            </a:pPr>
-            <a:endParaRPr lang="en-GB" sz="6700" dirty="0">
               <a:latin typeface="Segoe UI" panose="020B0502040204020203" pitchFamily="34" charset="0"/>
               <a:cs typeface="Segoe UI" panose="020B0502040204020203" pitchFamily="34" charset="0"/>
             </a:endParaRPr>
@@ -12527,7 +12656,7 @@
     </p:spTree>
     <p:extLst>
       <p:ext uri="{BB962C8B-B14F-4D97-AF65-F5344CB8AC3E}">
-        <p14:creationId xmlns:p14="http://schemas.microsoft.com/office/powerpoint/2010/main" val="2972891001"/>
+        <p14:creationId xmlns:p14="http://schemas.microsoft.com/office/powerpoint/2010/main" val="2017018934"/>
       </p:ext>
     </p:extLst>
   </p:cSld>
@@ -12623,7 +12752,7 @@
         </p:spPr>
         <p:txBody>
           <a:bodyPr wrap="square" bIns="252000">
-            <a:normAutofit fontScale="92500" lnSpcReduction="10000"/>
+            <a:normAutofit/>
           </a:bodyPr>
           <a:lstStyle/>
           <a:p>
@@ -12638,22 +12767,7 @@
                 <a:latin typeface="Segoe UI" panose="020B0502040204020203" pitchFamily="34" charset="0"/>
                 <a:cs typeface="Segoe UI" panose="020B0502040204020203" pitchFamily="34" charset="0"/>
               </a:rPr>
-              <a:t>What is REST?</a:t>
-            </a:r>
-          </a:p>
-          <a:p>
-            <a:pPr marL="457200" lvl="1" indent="0">
-              <a:buNone/>
-            </a:pPr>
-            <a:r>
-              <a:rPr lang="en-GB" sz="3600" dirty="0">
-                <a:solidFill>
-                  <a:srgbClr val="2196F3"/>
-                </a:solidFill>
-                <a:latin typeface="Segoe UI" panose="020B0502040204020203" pitchFamily="34" charset="0"/>
-                <a:cs typeface="Segoe UI" panose="020B0502040204020203" pitchFamily="34" charset="0"/>
-              </a:rPr>
-              <a:t>Representational State Transfer</a:t>
+              <a:t>API:</a:t>
             </a:r>
           </a:p>
           <a:p>
@@ -12673,14 +12787,14 @@
               <a:buNone/>
             </a:pPr>
             <a:r>
-              <a:rPr lang="en-GB" sz="3600" dirty="0">
+              <a:rPr lang="en-GB" sz="4400" dirty="0">
                 <a:solidFill>
                   <a:srgbClr val="2196F3"/>
                 </a:solidFill>
                 <a:latin typeface="Segoe UI" panose="020B0502040204020203" pitchFamily="34" charset="0"/>
                 <a:cs typeface="Segoe UI" panose="020B0502040204020203" pitchFamily="34" charset="0"/>
               </a:rPr>
-              <a:t>This was formulated by Roy Fielding for his thesis in 2000 to create an alternative to the SOAP method.</a:t>
+              <a:t>Application Programming Interface</a:t>
             </a:r>
           </a:p>
           <a:p>
@@ -12688,60 +12802,15 @@
               <a:buNone/>
             </a:pPr>
             <a:r>
-              <a:rPr lang="en-GB" sz="3600" dirty="0">
+              <a:rPr lang="en-GB" sz="4400" dirty="0">
                 <a:solidFill>
                   <a:srgbClr val="2196F3"/>
                 </a:solidFill>
                 <a:latin typeface="Segoe UI" panose="020B0502040204020203" pitchFamily="34" charset="0"/>
                 <a:cs typeface="Segoe UI" panose="020B0502040204020203" pitchFamily="34" charset="0"/>
               </a:rPr>
-              <a:t>An architectural style not a protocol.</a:t>
-            </a:r>
-          </a:p>
-          <a:p>
-            <a:pPr marL="457200" lvl="1" indent="0">
-              <a:buNone/>
-            </a:pPr>
-            <a:r>
-              <a:rPr lang="en-GB" sz="3600" dirty="0">
-                <a:solidFill>
-                  <a:srgbClr val="2196F3"/>
-                </a:solidFill>
-                <a:latin typeface="Segoe UI" panose="020B0502040204020203" pitchFamily="34" charset="0"/>
-                <a:cs typeface="Segoe UI" panose="020B0502040204020203" pitchFamily="34" charset="0"/>
-              </a:rPr>
-              <a:t>HTTP by its nature is implicitly RESTful.</a:t>
-            </a:r>
-          </a:p>
-          <a:p>
-            <a:pPr marL="457200" lvl="1" indent="0">
-              <a:buNone/>
-            </a:pPr>
-            <a:endParaRPr lang="en-GB" sz="3600" dirty="0">
-              <a:solidFill>
-                <a:srgbClr val="2196F3"/>
-              </a:solidFill>
-              <a:latin typeface="Segoe UI" panose="020B0502040204020203" pitchFamily="34" charset="0"/>
-              <a:cs typeface="Segoe UI" panose="020B0502040204020203" pitchFamily="34" charset="0"/>
-            </a:endParaRPr>
-          </a:p>
-          <a:p>
-            <a:pPr marL="457200" lvl="1" indent="0">
-              <a:buNone/>
-            </a:pPr>
-            <a:r>
-              <a:rPr lang="en-GB" dirty="0">
-                <a:hlinkClick r:id="rId2"/>
-              </a:rPr>
-              <a:t>https://www.ics.uci.edu/~fielding/pubs/dissertation/rest_arch_style.htm</a:t>
-            </a:r>
-            <a:endParaRPr lang="en-GB" dirty="0">
-              <a:solidFill>
-                <a:srgbClr val="2196F3"/>
-              </a:solidFill>
-              <a:latin typeface="Segoe UI" panose="020B0502040204020203" pitchFamily="34" charset="0"/>
-              <a:cs typeface="Segoe UI" panose="020B0502040204020203" pitchFamily="34" charset="0"/>
-            </a:endParaRPr>
+              <a:t>‘one bit of software communicating with another’</a:t>
+            </a:r>
           </a:p>
           <a:p>
             <a:pPr marL="457200" lvl="1" indent="0">
@@ -12796,7 +12865,7 @@
     </p:spTree>
     <p:extLst>
       <p:ext uri="{BB962C8B-B14F-4D97-AF65-F5344CB8AC3E}">
-        <p14:creationId xmlns:p14="http://schemas.microsoft.com/office/powerpoint/2010/main" val="2017018934"/>
+        <p14:creationId xmlns:p14="http://schemas.microsoft.com/office/powerpoint/2010/main" val="2349120303"/>
       </p:ext>
     </p:extLst>
   </p:cSld>
@@ -12907,7 +12976,7 @@
                 <a:latin typeface="Segoe UI" panose="020B0502040204020203" pitchFamily="34" charset="0"/>
                 <a:cs typeface="Segoe UI" panose="020B0502040204020203" pitchFamily="34" charset="0"/>
               </a:rPr>
-              <a:t>API:</a:t>
+              <a:t>ENDPOINTS:</a:t>
             </a:r>
           </a:p>
           <a:p>
@@ -12934,7 +13003,7 @@
                 <a:latin typeface="Segoe UI" panose="020B0502040204020203" pitchFamily="34" charset="0"/>
                 <a:cs typeface="Segoe UI" panose="020B0502040204020203" pitchFamily="34" charset="0"/>
               </a:rPr>
-              <a:t>Application Programming Interface</a:t>
+              <a:t>HTTP VERB + URL = ENDPOINT</a:t>
             </a:r>
           </a:p>
           <a:p>
@@ -12949,8 +13018,55 @@
                 <a:latin typeface="Segoe UI" panose="020B0502040204020203" pitchFamily="34" charset="0"/>
                 <a:cs typeface="Segoe UI" panose="020B0502040204020203" pitchFamily="34" charset="0"/>
               </a:rPr>
-              <a:t>‘one bit of software communicating with another’</a:t>
-            </a:r>
+              <a:t>GET/POST + same URL = 2 ENDPOINTS</a:t>
+            </a:r>
+          </a:p>
+          <a:p>
+            <a:pPr marL="457200" lvl="1" indent="0">
+              <a:buNone/>
+            </a:pPr>
+            <a:endParaRPr lang="en-GB" sz="4400" dirty="0">
+              <a:solidFill>
+                <a:srgbClr val="2196F3"/>
+              </a:solidFill>
+              <a:latin typeface="Segoe UI" panose="020B0502040204020203" pitchFamily="34" charset="0"/>
+              <a:cs typeface="Segoe UI" panose="020B0502040204020203" pitchFamily="34" charset="0"/>
+            </a:endParaRPr>
+          </a:p>
+          <a:p>
+            <a:pPr marL="457200" lvl="1" indent="0">
+              <a:buNone/>
+            </a:pPr>
+            <a:r>
+              <a:rPr lang="en-GB" sz="3200" dirty="0">
+                <a:solidFill>
+                  <a:srgbClr val="2196F3"/>
+                </a:solidFill>
+                <a:hlinkClick r:id="rId2">
+                  <a:extLst>
+                    <a:ext uri="{A12FA001-AC4F-418D-AE19-62706E023703}">
+                      <ahyp:hlinkClr xmlns:ahyp="http://schemas.microsoft.com/office/drawing/2018/hyperlinkcolor" val="tx"/>
+                    </a:ext>
+                  </a:extLst>
+                </a:hlinkClick>
+              </a:rPr>
+              <a:t>https://wpjs.co.uk/wpb/wp-json/wp/v2/posts</a:t>
+            </a:r>
+            <a:r>
+              <a:rPr lang="en-GB" sz="3200" dirty="0">
+                <a:solidFill>
+                  <a:srgbClr val="2196F3"/>
+                </a:solidFill>
+              </a:rPr>
+              <a:t> - 1 URL GET/POST/DELETE - 3 ENDPOINTS</a:t>
+            </a:r>
+            <a:endParaRPr lang="en-GB" sz="3200" dirty="0">
+              <a:solidFill>
+                <a:srgbClr val="2196F3"/>
+              </a:solidFill>
+              <a:latin typeface="Segoe UI" panose="020B0502040204020203" pitchFamily="34" charset="0"/>
+              <a:cs typeface="Segoe UI" panose="020B0502040204020203" pitchFamily="34" charset="0"/>
+            </a:endParaRPr>
           </a:p>
           <a:p>
             <a:pPr marL="457200" lvl="1" indent="0">
@@ -13005,7 +13121,7 @@
     </p:spTree>
     <p:extLst>
       <p:ext uri="{BB962C8B-B14F-4D97-AF65-F5344CB8AC3E}">
-        <p14:creationId xmlns:p14="http://schemas.microsoft.com/office/powerpoint/2010/main" val="2349120303"/>
+        <p14:creationId xmlns:p14="http://schemas.microsoft.com/office/powerpoint/2010/main" val="748983604"/>
       </p:ext>
     </p:extLst>
   </p:cSld>

--- a/rest-api-workshop.pptx
+++ b/rest-api-workshop.pptx
@@ -9158,7 +9158,7 @@
         </p:spPr>
         <p:txBody>
           <a:bodyPr wrap="square" bIns="252000">
-            <a:normAutofit fontScale="92500" lnSpcReduction="10000"/>
+            <a:normAutofit fontScale="92500" lnSpcReduction="20000"/>
           </a:bodyPr>
           <a:lstStyle/>
           <a:p>
@@ -9272,6 +9272,23 @@
                 <a:cs typeface="Segoe UI" panose="020B0502040204020203" pitchFamily="34" charset="0"/>
               </a:rPr>
               <a:t>The example of DECOUPLED WP is in fact built entirely with Web Components…let’s look at the source code…</a:t>
+            </a:r>
+          </a:p>
+          <a:p>
+            <a:pPr lvl="1">
+              <a:spcBef>
+                <a:spcPts val="1200"/>
+              </a:spcBef>
+            </a:pPr>
+            <a:r>
+              <a:rPr lang="en-GB" sz="2800" dirty="0">
+                <a:solidFill>
+                  <a:srgbClr val="2196F3"/>
+                </a:solidFill>
+                <a:latin typeface="Segoe UI" panose="020B0502040204020203" pitchFamily="34" charset="0"/>
+                <a:cs typeface="Segoe UI" panose="020B0502040204020203" pitchFamily="34" charset="0"/>
+              </a:rPr>
+              <a:t>https://wp-html.co.uk/semantic</a:t>
             </a:r>
           </a:p>
           <a:p>

--- a/rest-api-workshop.pptx
+++ b/rest-api-workshop.pptx
@@ -4278,57 +4278,25 @@
               <a:buNone/>
             </a:pPr>
             <a:r>
-              <a:rPr lang="en-GB" sz="3500" dirty="0" err="1">
+              <a:rPr lang="en-GB" sz="3500" dirty="0">
                 <a:solidFill>
                   <a:srgbClr val="2196F3"/>
                 </a:solidFill>
               </a:rPr>
-              <a:t>json_encode</a:t>
-            </a:r>
+              <a:t>json_encode([php associative array]) gives JSON</a:t>
+            </a:r>
+          </a:p>
+          <a:p>
+            <a:pPr marL="457200" lvl="1" indent="0">
+              <a:buNone/>
+            </a:pPr>
             <a:r>
               <a:rPr lang="en-GB" sz="3500" dirty="0">
                 <a:solidFill>
                   <a:srgbClr val="2196F3"/>
                 </a:solidFill>
               </a:rPr>
-              <a:t>([php associative array]) gives JSON</a:t>
-            </a:r>
-          </a:p>
-          <a:p>
-            <a:pPr marL="457200" lvl="1" indent="0">
-              <a:buNone/>
-            </a:pPr>
-            <a:r>
-              <a:rPr lang="en-GB" sz="3500" dirty="0" err="1">
-                <a:solidFill>
-                  <a:srgbClr val="2196F3"/>
-                </a:solidFill>
-              </a:rPr>
-              <a:t>json_decode</a:t>
-            </a:r>
-            <a:r>
-              <a:rPr lang="en-GB" sz="3500" dirty="0">
-                <a:solidFill>
-                  <a:srgbClr val="2196F3"/>
-                </a:solidFill>
-              </a:rPr>
-              <a:t> (JSON) gives an </a:t>
-            </a:r>
-            <a:r>
-              <a:rPr lang="en-GB" sz="3500" dirty="0" err="1">
-                <a:solidFill>
-                  <a:srgbClr val="2196F3"/>
-                </a:solidFill>
-              </a:rPr>
-              <a:t>assoc</a:t>
-            </a:r>
-            <a:r>
-              <a:rPr lang="en-GB" sz="3500" dirty="0">
-                <a:solidFill>
-                  <a:srgbClr val="2196F3"/>
-                </a:solidFill>
-              </a:rPr>
-              <a:t> array</a:t>
+              <a:t>json_decode (JSON) gives an assoc array</a:t>
             </a:r>
           </a:p>
           <a:p>
@@ -5032,7 +5000,7 @@
         </p:spPr>
         <p:txBody>
           <a:bodyPr wrap="square" bIns="252000">
-            <a:normAutofit fontScale="70000" lnSpcReduction="20000"/>
+            <a:normAutofit fontScale="85000" lnSpcReduction="20000"/>
           </a:bodyPr>
           <a:lstStyle/>
           <a:p>
@@ -5096,40 +5064,6 @@
                 <a:cs typeface="Segoe UI" panose="020B0502040204020203" pitchFamily="34" charset="0"/>
               </a:rPr>
               <a:t>This means we can have DECOUPLED or HEADLESS WP sites</a:t>
-            </a:r>
-          </a:p>
-          <a:p>
-            <a:pPr lvl="1">
-              <a:lnSpc>
-                <a:spcPct val="110000"/>
-              </a:lnSpc>
-            </a:pPr>
-            <a:r>
-              <a:rPr lang="en-GB" sz="3600" dirty="0">
-                <a:solidFill>
-                  <a:srgbClr val="2196F3"/>
-                </a:solidFill>
-                <a:latin typeface="Segoe UI" panose="020B0502040204020203" pitchFamily="34" charset="0"/>
-                <a:cs typeface="Segoe UI" panose="020B0502040204020203" pitchFamily="34" charset="0"/>
-              </a:rPr>
-              <a:t>DECOUPLED means raw data, (JSON), is sent and client page renders format.</a:t>
-            </a:r>
-          </a:p>
-          <a:p>
-            <a:pPr lvl="1">
-              <a:lnSpc>
-                <a:spcPct val="110000"/>
-              </a:lnSpc>
-            </a:pPr>
-            <a:r>
-              <a:rPr lang="en-GB" sz="3600" dirty="0">
-                <a:solidFill>
-                  <a:srgbClr val="2196F3"/>
-                </a:solidFill>
-                <a:latin typeface="Segoe UI" panose="020B0502040204020203" pitchFamily="34" charset="0"/>
-                <a:cs typeface="Segoe UI" panose="020B0502040204020203" pitchFamily="34" charset="0"/>
-              </a:rPr>
-              <a:t>HEADLESS means formatting preconfigured in a ready made block, for example by sending HTML and CSS combined.</a:t>
             </a:r>
           </a:p>
           <a:p>
@@ -9158,7 +9092,7 @@
         </p:spPr>
         <p:txBody>
           <a:bodyPr wrap="square" bIns="252000">
-            <a:normAutofit fontScale="92500" lnSpcReduction="20000"/>
+            <a:normAutofit fontScale="85000" lnSpcReduction="10000"/>
           </a:bodyPr>
           <a:lstStyle/>
           <a:p>
@@ -9175,6 +9109,18 @@
               </a:rPr>
               <a:t>WP REST API + Web Components</a:t>
             </a:r>
+          </a:p>
+          <a:p>
+            <a:pPr marL="457200" lvl="1" indent="0">
+              <a:buNone/>
+            </a:pPr>
+            <a:endParaRPr lang="en-GB" sz="1300" dirty="0">
+              <a:solidFill>
+                <a:srgbClr val="2196F3"/>
+              </a:solidFill>
+              <a:latin typeface="Segoe UI" panose="020B0502040204020203" pitchFamily="34" charset="0"/>
+              <a:cs typeface="Segoe UI" panose="020B0502040204020203" pitchFamily="34" charset="0"/>
+            </a:endParaRPr>
           </a:p>
           <a:p>
             <a:pPr marL="457200" lvl="1" indent="0">
@@ -9671,7 +9617,7 @@
         </p:spPr>
         <p:txBody>
           <a:bodyPr wrap="square" bIns="252000">
-            <a:normAutofit fontScale="92500" lnSpcReduction="10000"/>
+            <a:normAutofit fontScale="92500" lnSpcReduction="20000"/>
           </a:bodyPr>
           <a:lstStyle/>
           <a:p>
@@ -9836,7 +9782,7 @@
                 <a:latin typeface="Segoe UI" panose="020B0502040204020203" pitchFamily="34" charset="0"/>
                 <a:cs typeface="Segoe UI" panose="020B0502040204020203" pitchFamily="34" charset="0"/>
               </a:rPr>
-              <a:t>WP HTML PLUGINS – plugins/widgets in other HTML sites.</a:t>
+              <a:t>WP HTML PLUGINS – plugins/widgets in any HTML site or JS Framework.</a:t>
             </a:r>
           </a:p>
           <a:p>
@@ -10092,37 +10038,52 @@
                 <a:latin typeface="Segoe UI" panose="020B0502040204020203" pitchFamily="34" charset="0"/>
                 <a:cs typeface="Segoe UI" panose="020B0502040204020203" pitchFamily="34" charset="0"/>
               </a:rPr>
-              <a:t>CODE: DENVER2020 </a:t>
-            </a:r>
-            <a:r>
-              <a:rPr lang="en-GB" sz="4000">
+              <a:t>CODE: DENVER2020 (valid to 29</a:t>
+            </a:r>
+            <a:r>
+              <a:rPr lang="en-GB" sz="4000" baseline="30000" dirty="0">
                 <a:solidFill>
                   <a:srgbClr val="2196F3"/>
                 </a:solidFill>
                 <a:latin typeface="Segoe UI" panose="020B0502040204020203" pitchFamily="34" charset="0"/>
                 <a:cs typeface="Segoe UI" panose="020B0502040204020203" pitchFamily="34" charset="0"/>
               </a:rPr>
-              <a:t>(valid to 29</a:t>
-            </a:r>
-            <a:r>
-              <a:rPr lang="en-GB" sz="4000" baseline="30000">
+              <a:t>th</a:t>
+            </a:r>
+            <a:r>
+              <a:rPr lang="en-GB" sz="4000" dirty="0">
                 <a:solidFill>
                   <a:srgbClr val="2196F3"/>
                 </a:solidFill>
                 <a:latin typeface="Segoe UI" panose="020B0502040204020203" pitchFamily="34" charset="0"/>
                 <a:cs typeface="Segoe UI" panose="020B0502040204020203" pitchFamily="34" charset="0"/>
               </a:rPr>
-              <a:t>th</a:t>
-            </a:r>
-            <a:r>
-              <a:rPr lang="en-GB" sz="4000">
+              <a:t> July)</a:t>
+            </a:r>
+          </a:p>
+          <a:p>
+            <a:pPr marL="457200" lvl="1" indent="0">
+              <a:buNone/>
+            </a:pPr>
+            <a:r>
+              <a:rPr lang="en-GB" sz="4000" dirty="0">
                 <a:solidFill>
                   <a:srgbClr val="2196F3"/>
                 </a:solidFill>
                 <a:latin typeface="Segoe UI" panose="020B0502040204020203" pitchFamily="34" charset="0"/>
                 <a:cs typeface="Segoe UI" panose="020B0502040204020203" pitchFamily="34" charset="0"/>
               </a:rPr>
-              <a:t> July)</a:t>
+              <a:t>(details in </a:t>
+            </a:r>
+            <a:r>
+              <a:rPr lang="en-GB" sz="4000">
+                <a:solidFill>
+                  <a:srgbClr val="2196F3"/>
+                </a:solidFill>
+                <a:latin typeface="Segoe UI" panose="020B0502040204020203" pitchFamily="34" charset="0"/>
+                <a:cs typeface="Segoe UI" panose="020B0502040204020203" pitchFamily="34" charset="0"/>
+              </a:rPr>
+              <a:t>Word document too)</a:t>
             </a:r>
             <a:endParaRPr lang="en-GB" sz="4000" dirty="0">
               <a:solidFill>
@@ -10131,21 +10092,6 @@
               <a:latin typeface="Segoe UI" panose="020B0502040204020203" pitchFamily="34" charset="0"/>
               <a:cs typeface="Segoe UI" panose="020B0502040204020203" pitchFamily="34" charset="0"/>
             </a:endParaRPr>
-          </a:p>
-          <a:p>
-            <a:pPr marL="457200" lvl="1" indent="0">
-              <a:buNone/>
-            </a:pPr>
-            <a:r>
-              <a:rPr lang="en-GB" sz="4000" dirty="0">
-                <a:solidFill>
-                  <a:srgbClr val="2196F3"/>
-                </a:solidFill>
-                <a:latin typeface="Segoe UI" panose="020B0502040204020203" pitchFamily="34" charset="0"/>
-                <a:cs typeface="Segoe UI" panose="020B0502040204020203" pitchFamily="34" charset="0"/>
-              </a:rPr>
-              <a:t>(details in Word document)</a:t>
-            </a:r>
           </a:p>
           <a:p>
             <a:pPr marL="457200" lvl="1" indent="0">
@@ -11065,7 +11011,7 @@
         </p:spPr>
         <p:txBody>
           <a:bodyPr wrap="square" bIns="252000">
-            <a:normAutofit fontScale="32500" lnSpcReduction="20000"/>
+            <a:normAutofit fontScale="25000" lnSpcReduction="20000"/>
           </a:bodyPr>
           <a:lstStyle/>
           <a:p>
@@ -11103,7 +11049,7 @@
               <a:buNone/>
             </a:pPr>
             <a:r>
-              <a:rPr lang="en-GB" sz="6200" dirty="0">
+              <a:rPr lang="en-GB" sz="8000" b="1" dirty="0">
                 <a:solidFill>
                   <a:srgbClr val="2196F3"/>
                 </a:solidFill>
@@ -11124,7 +11070,7 @@
               <a:buNone/>
             </a:pPr>
             <a:r>
-              <a:rPr lang="en-GB" sz="6200" dirty="0">
+              <a:rPr lang="en-GB" sz="8000" b="1" dirty="0">
                 <a:solidFill>
                   <a:srgbClr val="2196F3"/>
                 </a:solidFill>
@@ -11145,7 +11091,7 @@
               <a:buNone/>
             </a:pPr>
             <a:r>
-              <a:rPr lang="en-GB" sz="6200" dirty="0">
+              <a:rPr lang="en-GB" sz="8000" b="1" dirty="0">
                 <a:solidFill>
                   <a:srgbClr val="2196F3"/>
                 </a:solidFill>
@@ -11166,7 +11112,7 @@
               <a:buNone/>
             </a:pPr>
             <a:r>
-              <a:rPr lang="en-GB" sz="6200" dirty="0">
+              <a:rPr lang="en-GB" sz="8000" b="1" dirty="0">
                 <a:solidFill>
                   <a:srgbClr val="2196F3"/>
                 </a:solidFill>
@@ -11187,7 +11133,7 @@
               <a:buNone/>
             </a:pPr>
             <a:r>
-              <a:rPr lang="en-GB" sz="6200" dirty="0">
+              <a:rPr lang="en-GB" sz="8000" b="1" dirty="0">
                 <a:solidFill>
                   <a:schemeClr val="accent6">
                     <a:lumMod val="75000"/>
@@ -11210,7 +11156,7 @@
               <a:buNone/>
             </a:pPr>
             <a:r>
-              <a:rPr lang="en-GB" sz="6200" dirty="0">
+              <a:rPr lang="en-GB" sz="8000" b="1" dirty="0">
                 <a:solidFill>
                   <a:schemeClr val="accent6">
                     <a:lumMod val="75000"/>
@@ -11233,7 +11179,7 @@
               <a:buNone/>
             </a:pPr>
             <a:r>
-              <a:rPr lang="en-GB" sz="6200" dirty="0">
+              <a:rPr lang="en-GB" sz="8000" b="1" dirty="0">
                 <a:solidFill>
                   <a:schemeClr val="accent6">
                     <a:lumMod val="75000"/>
@@ -11256,7 +11202,7 @@
               <a:buNone/>
             </a:pPr>
             <a:r>
-              <a:rPr lang="en-GB" sz="6200" dirty="0">
+              <a:rPr lang="en-GB" sz="8000" b="1" dirty="0">
                 <a:solidFill>
                   <a:schemeClr val="accent6">
                     <a:lumMod val="75000"/>
@@ -11279,14 +11225,14 @@
               <a:buNone/>
             </a:pPr>
             <a:r>
-              <a:rPr lang="en-GB" sz="6200" dirty="0">
+              <a:rPr lang="en-GB" sz="8000" b="1" dirty="0">
                 <a:solidFill>
                   <a:srgbClr val="FF0000"/>
                 </a:solidFill>
                 <a:latin typeface="Segoe UI" panose="020B0502040204020203" pitchFamily="34" charset="0"/>
                 <a:cs typeface="Segoe UI" panose="020B0502040204020203" pitchFamily="34" charset="0"/>
               </a:rPr>
-              <a:t>Still just as ‘student’! Love learning – love teaching!</a:t>
+              <a:t>Still just as ‘student’! Still overwhelmed! Love learning – love teaching!</a:t>
             </a:r>
           </a:p>
           <a:p>
@@ -11458,7 +11404,11 @@
               <a:buNone/>
             </a:pPr>
             <a:r>
-              <a:rPr lang="en-GB" sz="3200" dirty="0"/>
+              <a:rPr lang="en-GB" sz="3200" dirty="0">
+                <a:solidFill>
+                  <a:srgbClr val="2196F3"/>
+                </a:solidFill>
+              </a:rPr>
               <a:t>Previous talks…</a:t>
             </a:r>
           </a:p>
@@ -11477,6 +11427,9 @@
           <a:p>
             <a:r>
               <a:rPr lang="en-GB" sz="2900" dirty="0">
+                <a:solidFill>
+                  <a:srgbClr val="2196F3"/>
+                </a:solidFill>
                 <a:latin typeface="Segoe UI" panose="020B0502040204020203" pitchFamily="34" charset="0"/>
                 <a:cs typeface="Segoe UI" panose="020B0502040204020203" pitchFamily="34" charset="0"/>
               </a:rPr>
@@ -11486,6 +11439,9 @@
           <a:p>
             <a:r>
               <a:rPr lang="en-GB" sz="2900" dirty="0">
+                <a:solidFill>
+                  <a:srgbClr val="2196F3"/>
+                </a:solidFill>
                 <a:latin typeface="Segoe UI" panose="020B0502040204020203" pitchFamily="34" charset="0"/>
                 <a:cs typeface="Segoe UI" panose="020B0502040204020203" pitchFamily="34" charset="0"/>
               </a:rPr>
@@ -11495,199 +11451,217 @@
           <a:p>
             <a:r>
               <a:rPr lang="en-GB" sz="2900" dirty="0">
+                <a:solidFill>
+                  <a:srgbClr val="2196F3"/>
+                </a:solidFill>
                 <a:latin typeface="Segoe UI" panose="020B0502040204020203" pitchFamily="34" charset="0"/>
                 <a:cs typeface="Segoe UI" panose="020B0502040204020203" pitchFamily="34" charset="0"/>
               </a:rPr>
-              <a:t>Progressive Web Apps Workshop (2hrs) - Brighton </a:t>
-            </a:r>
-            <a:r>
-              <a:rPr lang="en-GB" sz="2900" dirty="0" err="1">
+              <a:t>Progressive Web Apps Workshop (2hrs) - Brighton WordUp June 2020.</a:t>
+            </a:r>
+          </a:p>
+          <a:p>
+            <a:r>
+              <a:rPr lang="en-GB" sz="2900" dirty="0">
+                <a:solidFill>
+                  <a:srgbClr val="2196F3"/>
+                </a:solidFill>
                 <a:latin typeface="Segoe UI" panose="020B0502040204020203" pitchFamily="34" charset="0"/>
                 <a:cs typeface="Segoe UI" panose="020B0502040204020203" pitchFamily="34" charset="0"/>
               </a:rPr>
-              <a:t>WordUp</a:t>
-            </a:r>
-            <a:r>
-              <a:rPr lang="en-GB" sz="2900" dirty="0">
+              <a:t>WordPress REST API with AJAX Forms and Pages - </a:t>
+            </a:r>
+            <a:r>
+              <a:rPr lang="en-GB" sz="2900" b="1" dirty="0">
+                <a:solidFill>
+                  <a:srgbClr val="2196F3"/>
+                </a:solidFill>
                 <a:latin typeface="Segoe UI" panose="020B0502040204020203" pitchFamily="34" charset="0"/>
                 <a:cs typeface="Segoe UI" panose="020B0502040204020203" pitchFamily="34" charset="0"/>
               </a:rPr>
-              <a:t> June 2020.</a:t>
-            </a:r>
-          </a:p>
-          <a:p>
+              <a:t>WordCamp Kent, Ohio May 2020</a:t>
+            </a:r>
             <a:r>
               <a:rPr lang="en-GB" sz="2900" dirty="0">
+                <a:solidFill>
+                  <a:srgbClr val="2196F3"/>
+                </a:solidFill>
                 <a:latin typeface="Segoe UI" panose="020B0502040204020203" pitchFamily="34" charset="0"/>
                 <a:cs typeface="Segoe UI" panose="020B0502040204020203" pitchFamily="34" charset="0"/>
               </a:rPr>
-              <a:t>WordPress REST API with AJAX Forms and Pages - </a:t>
-            </a:r>
-            <a:r>
-              <a:rPr lang="en-GB" sz="2900" b="1" dirty="0">
+              <a:t>.</a:t>
+            </a:r>
+          </a:p>
+          <a:p>
+            <a:r>
+              <a:rPr lang="en-GB" sz="2900" dirty="0">
+                <a:solidFill>
+                  <a:srgbClr val="2196F3"/>
+                </a:solidFill>
                 <a:latin typeface="Segoe UI" panose="020B0502040204020203" pitchFamily="34" charset="0"/>
                 <a:cs typeface="Segoe UI" panose="020B0502040204020203" pitchFamily="34" charset="0"/>
               </a:rPr>
-              <a:t>WordCamp Kent, Ohio May 2020</a:t>
-            </a:r>
+              <a:t>What is the WP REST API and how can I use it to make forms and pages that don’t need to do be reloaded? - WordUp Brighton May 2020.</a:t>
+            </a:r>
+          </a:p>
+          <a:p>
             <a:r>
               <a:rPr lang="en-GB" sz="2900" dirty="0">
+                <a:solidFill>
+                  <a:srgbClr val="2196F3"/>
+                </a:solidFill>
                 <a:latin typeface="Segoe UI" panose="020B0502040204020203" pitchFamily="34" charset="0"/>
                 <a:cs typeface="Segoe UI" panose="020B0502040204020203" pitchFamily="34" charset="0"/>
               </a:rPr>
-              <a:t>.</a:t>
+              <a:t>WORKSHOP: WordPress REST API and AJAX Forms - WordCamp Geneva March 2020 [EVENT CANCELLED due to virus concerns :( ]</a:t>
             </a:r>
           </a:p>
           <a:p>
             <a:r>
               <a:rPr lang="en-GB" sz="2900" dirty="0">
+                <a:solidFill>
+                  <a:srgbClr val="2196F3"/>
+                </a:solidFill>
                 <a:latin typeface="Segoe UI" panose="020B0502040204020203" pitchFamily="34" charset="0"/>
                 <a:cs typeface="Segoe UI" panose="020B0502040204020203" pitchFamily="34" charset="0"/>
               </a:rPr>
-              <a:t>What is the WP REST API and how can I use it to make forms and pages that don’t need to do be reloaded? - </a:t>
-            </a:r>
-            <a:r>
-              <a:rPr lang="en-GB" sz="2900" dirty="0" err="1">
+              <a:t>TALK - </a:t>
+            </a:r>
+            <a:r>
+              <a:rPr lang="en-GB" sz="2900" b="1" dirty="0">
+                <a:solidFill>
+                  <a:srgbClr val="2196F3"/>
+                </a:solidFill>
                 <a:latin typeface="Segoe UI" panose="020B0502040204020203" pitchFamily="34" charset="0"/>
                 <a:cs typeface="Segoe UI" panose="020B0502040204020203" pitchFamily="34" charset="0"/>
               </a:rPr>
-              <a:t>WordUp</a:t>
+              <a:t>WP-HTML: The marriage of WP and JS Frameworks for expansion, ubiquity and profit</a:t>
             </a:r>
             <a:r>
               <a:rPr lang="en-GB" sz="2900" dirty="0">
+                <a:solidFill>
+                  <a:srgbClr val="2196F3"/>
+                </a:solidFill>
                 <a:latin typeface="Segoe UI" panose="020B0502040204020203" pitchFamily="34" charset="0"/>
                 <a:cs typeface="Segoe UI" panose="020B0502040204020203" pitchFamily="34" charset="0"/>
               </a:rPr>
-              <a:t> Brighton May 2020.</a:t>
-            </a:r>
-          </a:p>
-          <a:p>
-            <a:r>
-              <a:rPr lang="en-GB" sz="2900" dirty="0">
+              <a:t> - </a:t>
+            </a:r>
+            <a:r>
+              <a:rPr lang="en-GB" sz="2900" b="1" dirty="0">
+                <a:solidFill>
+                  <a:srgbClr val="2196F3"/>
+                </a:solidFill>
                 <a:latin typeface="Segoe UI" panose="020B0502040204020203" pitchFamily="34" charset="0"/>
                 <a:cs typeface="Segoe UI" panose="020B0502040204020203" pitchFamily="34" charset="0"/>
               </a:rPr>
-              <a:t>WORKSHOP: WordPress REST API and AJAX Forms - WordCamp Geneva March 2020 [EVENT CANCELLED due to virus concerns :( ]</a:t>
-            </a:r>
-          </a:p>
-          <a:p>
+              <a:t>WordCamp Vienna February 2020</a:t>
+            </a:r>
             <a:r>
               <a:rPr lang="en-GB" sz="2900" dirty="0">
+                <a:solidFill>
+                  <a:srgbClr val="2196F3"/>
+                </a:solidFill>
                 <a:latin typeface="Segoe UI" panose="020B0502040204020203" pitchFamily="34" charset="0"/>
                 <a:cs typeface="Segoe UI" panose="020B0502040204020203" pitchFamily="34" charset="0"/>
               </a:rPr>
-              <a:t>TALK - WP-HTML: The marriage of WP and JS Frameworks for expansion, ubiquity and profit - </a:t>
-            </a:r>
-            <a:r>
-              <a:rPr lang="en-GB" sz="2900" b="1" dirty="0">
+              <a:t>.</a:t>
+            </a:r>
+          </a:p>
+          <a:p>
+            <a:r>
+              <a:rPr lang="en-GB" sz="2900" dirty="0">
+                <a:solidFill>
+                  <a:srgbClr val="2196F3"/>
+                </a:solidFill>
                 <a:latin typeface="Segoe UI" panose="020B0502040204020203" pitchFamily="34" charset="0"/>
                 <a:cs typeface="Segoe UI" panose="020B0502040204020203" pitchFamily="34" charset="0"/>
               </a:rPr>
-              <a:t>WordCamp Vienna February 2020</a:t>
-            </a:r>
+              <a:t>WORKSHOP: WordPress REST API - WordCamp Vienna February 2020.</a:t>
+            </a:r>
+          </a:p>
+          <a:p>
             <a:r>
               <a:rPr lang="en-GB" sz="2900" dirty="0">
+                <a:solidFill>
+                  <a:srgbClr val="2196F3"/>
+                </a:solidFill>
                 <a:latin typeface="Segoe UI" panose="020B0502040204020203" pitchFamily="34" charset="0"/>
                 <a:cs typeface="Segoe UI" panose="020B0502040204020203" pitchFamily="34" charset="0"/>
               </a:rPr>
-              <a:t>.</a:t>
+              <a:t>Progressive Web Apps - Brighton WordUp November 2019.</a:t>
             </a:r>
           </a:p>
           <a:p>
             <a:r>
               <a:rPr lang="en-GB" sz="2900" dirty="0">
+                <a:solidFill>
+                  <a:srgbClr val="2196F3"/>
+                </a:solidFill>
                 <a:latin typeface="Segoe UI" panose="020B0502040204020203" pitchFamily="34" charset="0"/>
                 <a:cs typeface="Segoe UI" panose="020B0502040204020203" pitchFamily="34" charset="0"/>
               </a:rPr>
-              <a:t>WORKSHOP: WordPress REST API - WordCamp Vienna February 2020.</a:t>
-            </a:r>
-          </a:p>
-          <a:p>
-            <a:r>
-              <a:rPr lang="en-GB" sz="2900" dirty="0">
+              <a:t>Decoupled WordPress (code along style) - </a:t>
+            </a:r>
+            <a:r>
+              <a:rPr lang="en-GB" sz="2900" b="1" dirty="0">
+                <a:solidFill>
+                  <a:srgbClr val="2196F3"/>
+                </a:solidFill>
                 <a:latin typeface="Segoe UI" panose="020B0502040204020203" pitchFamily="34" charset="0"/>
                 <a:cs typeface="Segoe UI" panose="020B0502040204020203" pitchFamily="34" charset="0"/>
               </a:rPr>
-              <a:t>Progressive Web Apps - Brighton </a:t>
-            </a:r>
-            <a:r>
-              <a:rPr lang="en-GB" sz="2900" dirty="0" err="1">
+              <a:t>WordCamp Dublin October 2019</a:t>
+            </a:r>
+            <a:r>
+              <a:rPr lang="en-GB" sz="2900" dirty="0">
+                <a:solidFill>
+                  <a:srgbClr val="2196F3"/>
+                </a:solidFill>
                 <a:latin typeface="Segoe UI" panose="020B0502040204020203" pitchFamily="34" charset="0"/>
                 <a:cs typeface="Segoe UI" panose="020B0502040204020203" pitchFamily="34" charset="0"/>
               </a:rPr>
-              <a:t>WordUp</a:t>
-            </a:r>
+              <a:t>.</a:t>
+            </a:r>
+          </a:p>
+          <a:p>
             <a:r>
               <a:rPr lang="en-GB" sz="2900" dirty="0">
+                <a:solidFill>
+                  <a:srgbClr val="2196F3"/>
+                </a:solidFill>
                 <a:latin typeface="Segoe UI" panose="020B0502040204020203" pitchFamily="34" charset="0"/>
                 <a:cs typeface="Segoe UI" panose="020B0502040204020203" pitchFamily="34" charset="0"/>
               </a:rPr>
-              <a:t> November 2019.</a:t>
+              <a:t>JWT and Authentication – WPHooked London September 2019.</a:t>
             </a:r>
           </a:p>
           <a:p>
             <a:r>
               <a:rPr lang="en-GB" sz="2900" dirty="0">
+                <a:solidFill>
+                  <a:srgbClr val="2196F3"/>
+                </a:solidFill>
                 <a:latin typeface="Segoe UI" panose="020B0502040204020203" pitchFamily="34" charset="0"/>
                 <a:cs typeface="Segoe UI" panose="020B0502040204020203" pitchFamily="34" charset="0"/>
               </a:rPr>
-              <a:t>Decoupled WordPress (code along style) - </a:t>
+              <a:t>Decoupled WordPress and WP Components - </a:t>
             </a:r>
             <a:r>
               <a:rPr lang="en-GB" sz="2900" b="1" dirty="0">
+                <a:solidFill>
+                  <a:srgbClr val="2196F3"/>
+                </a:solidFill>
                 <a:latin typeface="Segoe UI" panose="020B0502040204020203" pitchFamily="34" charset="0"/>
                 <a:cs typeface="Segoe UI" panose="020B0502040204020203" pitchFamily="34" charset="0"/>
               </a:rPr>
-              <a:t>WordCamp Dublin October 2019</a:t>
+              <a:t>WordCamp Brighton August 2019</a:t>
             </a:r>
             <a:r>
               <a:rPr lang="en-GB" sz="2900" dirty="0">
-                <a:latin typeface="Segoe UI" panose="020B0502040204020203" pitchFamily="34" charset="0"/>
-                <a:cs typeface="Segoe UI" panose="020B0502040204020203" pitchFamily="34" charset="0"/>
-              </a:rPr>
-              <a:t>.</a:t>
-            </a:r>
-          </a:p>
-          <a:p>
-            <a:r>
-              <a:rPr lang="en-GB" sz="2900" dirty="0">
-                <a:latin typeface="Segoe UI" panose="020B0502040204020203" pitchFamily="34" charset="0"/>
-                <a:cs typeface="Segoe UI" panose="020B0502040204020203" pitchFamily="34" charset="0"/>
-              </a:rPr>
-              <a:t>JWT and Authentication – </a:t>
-            </a:r>
-            <a:r>
-              <a:rPr lang="en-GB" sz="2900" dirty="0" err="1">
-                <a:latin typeface="Segoe UI" panose="020B0502040204020203" pitchFamily="34" charset="0"/>
-                <a:cs typeface="Segoe UI" panose="020B0502040204020203" pitchFamily="34" charset="0"/>
-              </a:rPr>
-              <a:t>WPHooked</a:t>
-            </a:r>
-            <a:r>
-              <a:rPr lang="en-GB" sz="2900" dirty="0">
-                <a:latin typeface="Segoe UI" panose="020B0502040204020203" pitchFamily="34" charset="0"/>
-                <a:cs typeface="Segoe UI" panose="020B0502040204020203" pitchFamily="34" charset="0"/>
-              </a:rPr>
-              <a:t> London September 2019.</a:t>
-            </a:r>
-          </a:p>
-          <a:p>
-            <a:r>
-              <a:rPr lang="en-GB" sz="2900" dirty="0">
-                <a:latin typeface="Segoe UI" panose="020B0502040204020203" pitchFamily="34" charset="0"/>
-                <a:cs typeface="Segoe UI" panose="020B0502040204020203" pitchFamily="34" charset="0"/>
-              </a:rPr>
-              <a:t>Decoupled WordPress and WP Components - </a:t>
-            </a:r>
-            <a:r>
-              <a:rPr lang="en-GB" sz="2900" b="1" dirty="0">
-                <a:latin typeface="Segoe UI" panose="020B0502040204020203" pitchFamily="34" charset="0"/>
-                <a:cs typeface="Segoe UI" panose="020B0502040204020203" pitchFamily="34" charset="0"/>
-              </a:rPr>
-              <a:t>WordCamp Brighton August 2019</a:t>
-            </a:r>
-            <a:r>
-              <a:rPr lang="en-GB" sz="2900" dirty="0">
+                <a:solidFill>
+                  <a:srgbClr val="2196F3"/>
+                </a:solidFill>
                 <a:latin typeface="Segoe UI" panose="020B0502040204020203" pitchFamily="34" charset="0"/>
                 <a:cs typeface="Segoe UI" panose="020B0502040204020203" pitchFamily="34" charset="0"/>
               </a:rPr>
@@ -12753,23 +12727,7 @@
                   <a:srgbClr val="2196F3"/>
                 </a:solidFill>
               </a:rPr>
-              <a:t>Many libraries like jQuery, </a:t>
-            </a:r>
-            <a:r>
-              <a:rPr lang="en-GB" sz="3200" dirty="0" err="1">
-                <a:solidFill>
-                  <a:srgbClr val="2196F3"/>
-                </a:solidFill>
-              </a:rPr>
-              <a:t>Axios</a:t>
-            </a:r>
-            <a:r>
-              <a:rPr lang="en-GB" sz="3200" dirty="0">
-                <a:solidFill>
-                  <a:srgbClr val="2196F3"/>
-                </a:solidFill>
-              </a:rPr>
-              <a:t> etc</a:t>
+              <a:t>Many libraries like jQuery, Axios etc</a:t>
             </a:r>
           </a:p>
           <a:p>

--- a/rest-api-workshop.pptx
+++ b/rest-api-workshop.pptx
@@ -10638,7 +10638,7 @@
         </p:blipFill>
         <p:spPr bwMode="auto">
           <a:xfrm>
-            <a:off x="8320957" y="4122993"/>
+            <a:off x="8322211" y="4137917"/>
             <a:ext cx="3525929" cy="2367777"/>
           </a:xfrm>
           <a:prstGeom prst="rect">
